--- a/RapidAdaptation_DataExploration.pptx
+++ b/RapidAdaptation_DataExploration.pptx
@@ -7,8 +7,20 @@
   <p:sldIdLst>
     <p:sldId id="256" r:id="rId2"/>
     <p:sldId id="257" r:id="rId3"/>
-    <p:sldId id="258" r:id="rId4"/>
-    <p:sldId id="259" r:id="rId5"/>
+    <p:sldId id="269" r:id="rId4"/>
+    <p:sldId id="267" r:id="rId5"/>
+    <p:sldId id="270" r:id="rId6"/>
+    <p:sldId id="272" r:id="rId7"/>
+    <p:sldId id="271" r:id="rId8"/>
+    <p:sldId id="268" r:id="rId9"/>
+    <p:sldId id="258" r:id="rId10"/>
+    <p:sldId id="259" r:id="rId11"/>
+    <p:sldId id="262" r:id="rId12"/>
+    <p:sldId id="266" r:id="rId13"/>
+    <p:sldId id="261" r:id="rId14"/>
+    <p:sldId id="263" r:id="rId15"/>
+    <p:sldId id="265" r:id="rId16"/>
+    <p:sldId id="264" r:id="rId17"/>
   </p:sldIdLst>
   <p:sldSz cx="12192000" cy="6858000"/>
   <p:notesSz cx="6858000" cy="9144000"/>
@@ -107,13 +119,18 @@
       </a:defRPr>
     </a:lvl9pPr>
   </p:defaultTextStyle>
+  <p:extLst>
+    <p:ext uri="{EFAFB233-063F-42B5-8137-9DF3F51BA10A}">
+      <p15:sldGuideLst xmlns:p15="http://schemas.microsoft.com/office/powerpoint/2012/main"/>
+    </p:ext>
+  </p:extLst>
 </p:presentation>
 </file>
 
 <file path=ppt/revisionInfo.xml><?xml version="1.0" encoding="utf-8"?>
 <p1510:revInfo xmlns:a="http://schemas.openxmlformats.org/drawingml/2006/main" xmlns:r="http://schemas.openxmlformats.org/officeDocument/2006/relationships" xmlns:p1510="http://schemas.microsoft.com/office/powerpoint/2015/10/main">
   <p1510:revLst>
-    <p1510:client id="{100BBC7B-7ACA-4A4D-BA33-DEF31D162335}" v="3" dt="2025-12-02T15:51:47.306"/>
+    <p1510:client id="{100BBC7B-7ACA-4A4D-BA33-DEF31D162335}" v="36" dt="2025-12-08T15:44:12.728"/>
   </p1510:revLst>
 </p1510:revInfo>
 </file>
@@ -122,8 +139,8 @@
 <pc:chgInfo xmlns:a="http://schemas.openxmlformats.org/drawingml/2006/main" xmlns:r="http://schemas.openxmlformats.org/officeDocument/2006/relationships" xmlns:ac="http://schemas.microsoft.com/office/drawing/2013/main/command" xmlns:pc="http://schemas.microsoft.com/office/powerpoint/2013/main/command">
   <pc:docChgLst>
     <pc:chgData name="Luisa Dickenmann" userId="0c0840b0-1ae7-42c8-98b5-b02d8f71a603" providerId="ADAL" clId="{100BBC7B-7ACA-4A4D-BA33-DEF31D162335}"/>
-    <pc:docChg chg="custSel modSld">
-      <pc:chgData name="Luisa Dickenmann" userId="0c0840b0-1ae7-42c8-98b5-b02d8f71a603" providerId="ADAL" clId="{100BBC7B-7ACA-4A4D-BA33-DEF31D162335}" dt="2025-12-02T15:52:10.502" v="11" actId="1076"/>
+    <pc:docChg chg="undo custSel addSld delSld modSld sldOrd">
+      <pc:chgData name="Luisa Dickenmann" userId="0c0840b0-1ae7-42c8-98b5-b02d8f71a603" providerId="ADAL" clId="{100BBC7B-7ACA-4A4D-BA33-DEF31D162335}" dt="2025-12-08T15:44:55.261" v="896" actId="1036"/>
       <pc:docMkLst>
         <pc:docMk/>
       </pc:docMkLst>
@@ -150,22 +167,38 @@
           </ac:spMkLst>
         </pc:spChg>
       </pc:sldChg>
-      <pc:sldChg chg="modSp mod">
-        <pc:chgData name="Luisa Dickenmann" userId="0c0840b0-1ae7-42c8-98b5-b02d8f71a603" providerId="ADAL" clId="{100BBC7B-7ACA-4A4D-BA33-DEF31D162335}" dt="2025-12-02T15:51:55.999" v="5" actId="1076"/>
+      <pc:sldChg chg="addSp delSp modSp mod ord">
+        <pc:chgData name="Luisa Dickenmann" userId="0c0840b0-1ae7-42c8-98b5-b02d8f71a603" providerId="ADAL" clId="{100BBC7B-7ACA-4A4D-BA33-DEF31D162335}" dt="2025-12-08T15:18:20.700" v="802"/>
         <pc:sldMkLst>
           <pc:docMk/>
           <pc:sldMk cId="1618141787" sldId="257"/>
         </pc:sldMkLst>
         <pc:spChg chg="mod">
-          <ac:chgData name="Luisa Dickenmann" userId="0c0840b0-1ae7-42c8-98b5-b02d8f71a603" providerId="ADAL" clId="{100BBC7B-7ACA-4A4D-BA33-DEF31D162335}" dt="2025-12-02T15:51:55.999" v="5" actId="1076"/>
+          <ac:chgData name="Luisa Dickenmann" userId="0c0840b0-1ae7-42c8-98b5-b02d8f71a603" providerId="ADAL" clId="{100BBC7B-7ACA-4A4D-BA33-DEF31D162335}" dt="2025-12-08T12:15:27.186" v="406" actId="20577"/>
           <ac:spMkLst>
             <pc:docMk/>
             <pc:sldMk cId="1618141787" sldId="257"/>
             <ac:spMk id="2" creationId="{C84B0C2D-403E-AF7F-8AEE-86B35FE4EA5E}"/>
           </ac:spMkLst>
         </pc:spChg>
-        <pc:picChg chg="mod">
-          <ac:chgData name="Luisa Dickenmann" userId="0c0840b0-1ae7-42c8-98b5-b02d8f71a603" providerId="ADAL" clId="{100BBC7B-7ACA-4A4D-BA33-DEF31D162335}" dt="2025-12-02T15:51:51.941" v="4" actId="1076"/>
+        <pc:spChg chg="add del mod">
+          <ac:chgData name="Luisa Dickenmann" userId="0c0840b0-1ae7-42c8-98b5-b02d8f71a603" providerId="ADAL" clId="{100BBC7B-7ACA-4A4D-BA33-DEF31D162335}" dt="2025-12-08T14:24:00.490" v="704" actId="478"/>
+          <ac:spMkLst>
+            <pc:docMk/>
+            <pc:sldMk cId="1618141787" sldId="257"/>
+            <ac:spMk id="3" creationId="{72515921-7BC3-6E66-F544-F04F562E7A71}"/>
+          </ac:spMkLst>
+        </pc:spChg>
+        <pc:spChg chg="add mod">
+          <ac:chgData name="Luisa Dickenmann" userId="0c0840b0-1ae7-42c8-98b5-b02d8f71a603" providerId="ADAL" clId="{100BBC7B-7ACA-4A4D-BA33-DEF31D162335}" dt="2025-12-08T14:23:58.308" v="703" actId="20577"/>
+          <ac:spMkLst>
+            <pc:docMk/>
+            <pc:sldMk cId="1618141787" sldId="257"/>
+            <ac:spMk id="4" creationId="{63AB7877-6A7E-90C1-8A72-F78A798BE679}"/>
+          </ac:spMkLst>
+        </pc:spChg>
+        <pc:picChg chg="mod modCrop">
+          <ac:chgData name="Luisa Dickenmann" userId="0c0840b0-1ae7-42c8-98b5-b02d8f71a603" providerId="ADAL" clId="{100BBC7B-7ACA-4A4D-BA33-DEF31D162335}" dt="2025-12-08T12:15:32.521" v="408" actId="1076"/>
           <ac:picMkLst>
             <pc:docMk/>
             <pc:sldMk cId="1618141787" sldId="257"/>
@@ -173,22 +206,38 @@
           </ac:picMkLst>
         </pc:picChg>
       </pc:sldChg>
-      <pc:sldChg chg="modSp mod">
-        <pc:chgData name="Luisa Dickenmann" userId="0c0840b0-1ae7-42c8-98b5-b02d8f71a603" providerId="ADAL" clId="{100BBC7B-7ACA-4A4D-BA33-DEF31D162335}" dt="2025-12-02T15:52:01.311" v="7" actId="1076"/>
+      <pc:sldChg chg="addSp delSp modSp mod">
+        <pc:chgData name="Luisa Dickenmann" userId="0c0840b0-1ae7-42c8-98b5-b02d8f71a603" providerId="ADAL" clId="{100BBC7B-7ACA-4A4D-BA33-DEF31D162335}" dt="2025-12-08T15:19:19.058" v="813" actId="1076"/>
         <pc:sldMkLst>
           <pc:docMk/>
           <pc:sldMk cId="4154756640" sldId="258"/>
         </pc:sldMkLst>
         <pc:spChg chg="mod">
-          <ac:chgData name="Luisa Dickenmann" userId="0c0840b0-1ae7-42c8-98b5-b02d8f71a603" providerId="ADAL" clId="{100BBC7B-7ACA-4A4D-BA33-DEF31D162335}" dt="2025-12-02T15:52:00.092" v="6" actId="1076"/>
+          <ac:chgData name="Luisa Dickenmann" userId="0c0840b0-1ae7-42c8-98b5-b02d8f71a603" providerId="ADAL" clId="{100BBC7B-7ACA-4A4D-BA33-DEF31D162335}" dt="2025-12-08T15:19:19.058" v="813" actId="1076"/>
           <ac:spMkLst>
             <pc:docMk/>
             <pc:sldMk cId="4154756640" sldId="258"/>
             <ac:spMk id="2" creationId="{DED8D4A8-9316-1F4F-4391-A51F0AE12446}"/>
           </ac:spMkLst>
         </pc:spChg>
-        <pc:picChg chg="mod">
-          <ac:chgData name="Luisa Dickenmann" userId="0c0840b0-1ae7-42c8-98b5-b02d8f71a603" providerId="ADAL" clId="{100BBC7B-7ACA-4A4D-BA33-DEF31D162335}" dt="2025-12-02T15:52:01.311" v="7" actId="1076"/>
+        <pc:spChg chg="add del mod">
+          <ac:chgData name="Luisa Dickenmann" userId="0c0840b0-1ae7-42c8-98b5-b02d8f71a603" providerId="ADAL" clId="{100BBC7B-7ACA-4A4D-BA33-DEF31D162335}" dt="2025-12-08T13:49:42.448" v="441" actId="931"/>
+          <ac:spMkLst>
+            <pc:docMk/>
+            <pc:sldMk cId="4154756640" sldId="258"/>
+            <ac:spMk id="4" creationId="{8623E004-269D-DA9B-FE56-2A75D127167B}"/>
+          </ac:spMkLst>
+        </pc:spChg>
+        <pc:picChg chg="add mod modCrop">
+          <ac:chgData name="Luisa Dickenmann" userId="0c0840b0-1ae7-42c8-98b5-b02d8f71a603" providerId="ADAL" clId="{100BBC7B-7ACA-4A4D-BA33-DEF31D162335}" dt="2025-12-08T13:49:55.296" v="447" actId="1076"/>
+          <ac:picMkLst>
+            <pc:docMk/>
+            <pc:sldMk cId="4154756640" sldId="258"/>
+            <ac:picMk id="6" creationId="{60E642FF-9B67-83CD-BE65-139ECD5DC288}"/>
+          </ac:picMkLst>
+        </pc:picChg>
+        <pc:picChg chg="del mod modCrop">
+          <ac:chgData name="Luisa Dickenmann" userId="0c0840b0-1ae7-42c8-98b5-b02d8f71a603" providerId="ADAL" clId="{100BBC7B-7ACA-4A4D-BA33-DEF31D162335}" dt="2025-12-08T13:49:37.996" v="440" actId="478"/>
           <ac:picMkLst>
             <pc:docMk/>
             <pc:sldMk cId="4154756640" sldId="258"/>
@@ -197,25 +246,564 @@
         </pc:picChg>
       </pc:sldChg>
       <pc:sldChg chg="modSp mod">
-        <pc:chgData name="Luisa Dickenmann" userId="0c0840b0-1ae7-42c8-98b5-b02d8f71a603" providerId="ADAL" clId="{100BBC7B-7ACA-4A4D-BA33-DEF31D162335}" dt="2025-12-02T15:52:10.502" v="11" actId="1076"/>
+        <pc:chgData name="Luisa Dickenmann" userId="0c0840b0-1ae7-42c8-98b5-b02d8f71a603" providerId="ADAL" clId="{100BBC7B-7ACA-4A4D-BA33-DEF31D162335}" dt="2025-12-08T15:19:10.499" v="812" actId="1076"/>
         <pc:sldMkLst>
           <pc:docMk/>
           <pc:sldMk cId="2740833318" sldId="259"/>
         </pc:sldMkLst>
         <pc:spChg chg="mod">
-          <ac:chgData name="Luisa Dickenmann" userId="0c0840b0-1ae7-42c8-98b5-b02d8f71a603" providerId="ADAL" clId="{100BBC7B-7ACA-4A4D-BA33-DEF31D162335}" dt="2025-12-02T15:52:05.021" v="8" actId="1076"/>
+          <ac:chgData name="Luisa Dickenmann" userId="0c0840b0-1ae7-42c8-98b5-b02d8f71a603" providerId="ADAL" clId="{100BBC7B-7ACA-4A4D-BA33-DEF31D162335}" dt="2025-12-08T15:19:10.499" v="812" actId="1076"/>
           <ac:spMkLst>
             <pc:docMk/>
             <pc:sldMk cId="2740833318" sldId="259"/>
             <ac:spMk id="2" creationId="{EC37FC25-0092-D266-9369-B42C8B0A2DCD}"/>
           </ac:spMkLst>
         </pc:spChg>
-        <pc:picChg chg="mod">
-          <ac:chgData name="Luisa Dickenmann" userId="0c0840b0-1ae7-42c8-98b5-b02d8f71a603" providerId="ADAL" clId="{100BBC7B-7ACA-4A4D-BA33-DEF31D162335}" dt="2025-12-02T15:52:10.502" v="11" actId="1076"/>
+        <pc:picChg chg="mod modCrop">
+          <ac:chgData name="Luisa Dickenmann" userId="0c0840b0-1ae7-42c8-98b5-b02d8f71a603" providerId="ADAL" clId="{100BBC7B-7ACA-4A4D-BA33-DEF31D162335}" dt="2025-12-08T12:15:04.974" v="388" actId="1076"/>
           <ac:picMkLst>
             <pc:docMk/>
             <pc:sldMk cId="2740833318" sldId="259"/>
             <ac:picMk id="13" creationId="{DF5F4204-7DFC-D576-7935-B7E0866D43BB}"/>
+          </ac:picMkLst>
+        </pc:picChg>
+      </pc:sldChg>
+      <pc:sldChg chg="addSp delSp modSp new del mod">
+        <pc:chgData name="Luisa Dickenmann" userId="0c0840b0-1ae7-42c8-98b5-b02d8f71a603" providerId="ADAL" clId="{100BBC7B-7ACA-4A4D-BA33-DEF31D162335}" dt="2025-12-08T12:01:51.656" v="165" actId="47"/>
+        <pc:sldMkLst>
+          <pc:docMk/>
+          <pc:sldMk cId="3575966718" sldId="260"/>
+        </pc:sldMkLst>
+      </pc:sldChg>
+      <pc:sldChg chg="addSp delSp modSp new mod">
+        <pc:chgData name="Luisa Dickenmann" userId="0c0840b0-1ae7-42c8-98b5-b02d8f71a603" providerId="ADAL" clId="{100BBC7B-7ACA-4A4D-BA33-DEF31D162335}" dt="2025-12-08T15:19:33.932" v="816" actId="1076"/>
+        <pc:sldMkLst>
+          <pc:docMk/>
+          <pc:sldMk cId="4018528445" sldId="261"/>
+        </pc:sldMkLst>
+        <pc:spChg chg="mod">
+          <ac:chgData name="Luisa Dickenmann" userId="0c0840b0-1ae7-42c8-98b5-b02d8f71a603" providerId="ADAL" clId="{100BBC7B-7ACA-4A4D-BA33-DEF31D162335}" dt="2025-12-08T15:19:29.658" v="815" actId="1076"/>
+          <ac:spMkLst>
+            <pc:docMk/>
+            <pc:sldMk cId="4018528445" sldId="261"/>
+            <ac:spMk id="2" creationId="{32D9D9BF-2B66-09AD-138F-36386DDD5CDD}"/>
+          </ac:spMkLst>
+        </pc:spChg>
+        <pc:spChg chg="add mod">
+          <ac:chgData name="Luisa Dickenmann" userId="0c0840b0-1ae7-42c8-98b5-b02d8f71a603" providerId="ADAL" clId="{100BBC7B-7ACA-4A4D-BA33-DEF31D162335}" dt="2025-12-08T12:03:29.753" v="268" actId="20577"/>
+          <ac:spMkLst>
+            <pc:docMk/>
+            <pc:sldMk cId="4018528445" sldId="261"/>
+            <ac:spMk id="3" creationId="{3FEE3C62-7A17-B683-8845-1CC05C605A19}"/>
+          </ac:spMkLst>
+        </pc:spChg>
+        <pc:spChg chg="add mod">
+          <ac:chgData name="Luisa Dickenmann" userId="0c0840b0-1ae7-42c8-98b5-b02d8f71a603" providerId="ADAL" clId="{100BBC7B-7ACA-4A4D-BA33-DEF31D162335}" dt="2025-12-08T13:51:28.329" v="556" actId="1076"/>
+          <ac:spMkLst>
+            <pc:docMk/>
+            <pc:sldMk cId="4018528445" sldId="261"/>
+            <ac:spMk id="4" creationId="{E5DCEE24-4EB7-F051-422E-FF7AF5E0BE67}"/>
+          </ac:spMkLst>
+        </pc:spChg>
+        <pc:picChg chg="add mod modCrop">
+          <ac:chgData name="Luisa Dickenmann" userId="0c0840b0-1ae7-42c8-98b5-b02d8f71a603" providerId="ADAL" clId="{100BBC7B-7ACA-4A4D-BA33-DEF31D162335}" dt="2025-12-08T15:19:33.932" v="816" actId="1076"/>
+          <ac:picMkLst>
+            <pc:docMk/>
+            <pc:sldMk cId="4018528445" sldId="261"/>
+            <ac:picMk id="5" creationId="{C81AF245-CF10-C522-E0CE-18AABCB35AA8}"/>
+          </ac:picMkLst>
+        </pc:picChg>
+      </pc:sldChg>
+      <pc:sldChg chg="addSp delSp modSp new mod">
+        <pc:chgData name="Luisa Dickenmann" userId="0c0840b0-1ae7-42c8-98b5-b02d8f71a603" providerId="ADAL" clId="{100BBC7B-7ACA-4A4D-BA33-DEF31D162335}" dt="2025-12-08T15:19:07.001" v="811" actId="1076"/>
+        <pc:sldMkLst>
+          <pc:docMk/>
+          <pc:sldMk cId="2468455985" sldId="262"/>
+        </pc:sldMkLst>
+        <pc:spChg chg="mod">
+          <ac:chgData name="Luisa Dickenmann" userId="0c0840b0-1ae7-42c8-98b5-b02d8f71a603" providerId="ADAL" clId="{100BBC7B-7ACA-4A4D-BA33-DEF31D162335}" dt="2025-12-08T15:19:07.001" v="811" actId="1076"/>
+          <ac:spMkLst>
+            <pc:docMk/>
+            <pc:sldMk cId="2468455985" sldId="262"/>
+            <ac:spMk id="2" creationId="{186B59D3-816C-2A57-089A-EA265D288680}"/>
+          </ac:spMkLst>
+        </pc:spChg>
+        <pc:spChg chg="del">
+          <ac:chgData name="Luisa Dickenmann" userId="0c0840b0-1ae7-42c8-98b5-b02d8f71a603" providerId="ADAL" clId="{100BBC7B-7ACA-4A4D-BA33-DEF31D162335}" dt="2025-12-08T12:14:21.839" v="349" actId="931"/>
+          <ac:spMkLst>
+            <pc:docMk/>
+            <pc:sldMk cId="2468455985" sldId="262"/>
+            <ac:spMk id="3" creationId="{5082D910-5641-70E7-318E-1494D91CF015}"/>
+          </ac:spMkLst>
+        </pc:spChg>
+        <pc:spChg chg="add mod">
+          <ac:chgData name="Luisa Dickenmann" userId="0c0840b0-1ae7-42c8-98b5-b02d8f71a603" providerId="ADAL" clId="{100BBC7B-7ACA-4A4D-BA33-DEF31D162335}" dt="2025-12-08T13:50:55.797" v="517" actId="207"/>
+          <ac:spMkLst>
+            <pc:docMk/>
+            <pc:sldMk cId="2468455985" sldId="262"/>
+            <ac:spMk id="6" creationId="{85B2C7B7-4BA9-EB08-7CDD-E8CB7044D6E1}"/>
+          </ac:spMkLst>
+        </pc:spChg>
+        <pc:picChg chg="add mod modCrop">
+          <ac:chgData name="Luisa Dickenmann" userId="0c0840b0-1ae7-42c8-98b5-b02d8f71a603" providerId="ADAL" clId="{100BBC7B-7ACA-4A4D-BA33-DEF31D162335}" dt="2025-12-08T12:14:55.072" v="385" actId="1076"/>
+          <ac:picMkLst>
+            <pc:docMk/>
+            <pc:sldMk cId="2468455985" sldId="262"/>
+            <ac:picMk id="5" creationId="{73E0993F-5E9C-1D30-1C0B-6E7EB90E7028}"/>
+          </ac:picMkLst>
+        </pc:picChg>
+      </pc:sldChg>
+      <pc:sldChg chg="addSp delSp modSp new mod">
+        <pc:chgData name="Luisa Dickenmann" userId="0c0840b0-1ae7-42c8-98b5-b02d8f71a603" providerId="ADAL" clId="{100BBC7B-7ACA-4A4D-BA33-DEF31D162335}" dt="2025-12-08T13:52:07.130" v="566" actId="14100"/>
+        <pc:sldMkLst>
+          <pc:docMk/>
+          <pc:sldMk cId="366536072" sldId="263"/>
+        </pc:sldMkLst>
+        <pc:spChg chg="mod">
+          <ac:chgData name="Luisa Dickenmann" userId="0c0840b0-1ae7-42c8-98b5-b02d8f71a603" providerId="ADAL" clId="{100BBC7B-7ACA-4A4D-BA33-DEF31D162335}" dt="2025-12-08T13:51:56.361" v="563" actId="1076"/>
+          <ac:spMkLst>
+            <pc:docMk/>
+            <pc:sldMk cId="366536072" sldId="263"/>
+            <ac:spMk id="2" creationId="{B4D941A4-7800-BF6D-3047-19A2F1FFE400}"/>
+          </ac:spMkLst>
+        </pc:spChg>
+        <pc:spChg chg="del">
+          <ac:chgData name="Luisa Dickenmann" userId="0c0840b0-1ae7-42c8-98b5-b02d8f71a603" providerId="ADAL" clId="{100BBC7B-7ACA-4A4D-BA33-DEF31D162335}" dt="2025-12-08T11:57:37.698" v="109" actId="931"/>
+          <ac:spMkLst>
+            <pc:docMk/>
+            <pc:sldMk cId="366536072" sldId="263"/>
+            <ac:spMk id="3" creationId="{AC727228-8F6E-4303-82F6-D5F4357795D7}"/>
+          </ac:spMkLst>
+        </pc:spChg>
+        <pc:picChg chg="add mod modCrop">
+          <ac:chgData name="Luisa Dickenmann" userId="0c0840b0-1ae7-42c8-98b5-b02d8f71a603" providerId="ADAL" clId="{100BBC7B-7ACA-4A4D-BA33-DEF31D162335}" dt="2025-12-08T13:52:07.130" v="566" actId="14100"/>
+          <ac:picMkLst>
+            <pc:docMk/>
+            <pc:sldMk cId="366536072" sldId="263"/>
+            <ac:picMk id="5" creationId="{74CD08E0-9A64-49FE-60CB-7BB27C2718EC}"/>
+          </ac:picMkLst>
+        </pc:picChg>
+      </pc:sldChg>
+      <pc:sldChg chg="addSp delSp modSp new mod ord">
+        <pc:chgData name="Luisa Dickenmann" userId="0c0840b0-1ae7-42c8-98b5-b02d8f71a603" providerId="ADAL" clId="{100BBC7B-7ACA-4A4D-BA33-DEF31D162335}" dt="2025-12-08T13:53:27.116" v="594" actId="1076"/>
+        <pc:sldMkLst>
+          <pc:docMk/>
+          <pc:sldMk cId="1505597422" sldId="264"/>
+        </pc:sldMkLst>
+        <pc:spChg chg="mod">
+          <ac:chgData name="Luisa Dickenmann" userId="0c0840b0-1ae7-42c8-98b5-b02d8f71a603" providerId="ADAL" clId="{100BBC7B-7ACA-4A4D-BA33-DEF31D162335}" dt="2025-12-08T13:53:13.258" v="588" actId="1076"/>
+          <ac:spMkLst>
+            <pc:docMk/>
+            <pc:sldMk cId="1505597422" sldId="264"/>
+            <ac:spMk id="2" creationId="{87423E70-6AE2-13AB-B9D6-DFD4DC3807B8}"/>
+          </ac:spMkLst>
+        </pc:spChg>
+        <pc:spChg chg="del">
+          <ac:chgData name="Luisa Dickenmann" userId="0c0840b0-1ae7-42c8-98b5-b02d8f71a603" providerId="ADAL" clId="{100BBC7B-7ACA-4A4D-BA33-DEF31D162335}" dt="2025-12-08T12:02:21.112" v="174" actId="931"/>
+          <ac:spMkLst>
+            <pc:docMk/>
+            <pc:sldMk cId="1505597422" sldId="264"/>
+            <ac:spMk id="3" creationId="{8E71B790-1314-9531-7375-6100B66ED4C6}"/>
+          </ac:spMkLst>
+        </pc:spChg>
+        <pc:picChg chg="add mod modCrop">
+          <ac:chgData name="Luisa Dickenmann" userId="0c0840b0-1ae7-42c8-98b5-b02d8f71a603" providerId="ADAL" clId="{100BBC7B-7ACA-4A4D-BA33-DEF31D162335}" dt="2025-12-08T13:53:27.116" v="594" actId="1076"/>
+          <ac:picMkLst>
+            <pc:docMk/>
+            <pc:sldMk cId="1505597422" sldId="264"/>
+            <ac:picMk id="5" creationId="{16D65E6A-4EF0-6D4D-7682-EC32F509A222}"/>
+          </ac:picMkLst>
+        </pc:picChg>
+      </pc:sldChg>
+      <pc:sldChg chg="addSp delSp modSp new mod">
+        <pc:chgData name="Luisa Dickenmann" userId="0c0840b0-1ae7-42c8-98b5-b02d8f71a603" providerId="ADAL" clId="{100BBC7B-7ACA-4A4D-BA33-DEF31D162335}" dt="2025-12-08T13:53:02.688" v="585" actId="14100"/>
+        <pc:sldMkLst>
+          <pc:docMk/>
+          <pc:sldMk cId="1309389261" sldId="265"/>
+        </pc:sldMkLst>
+        <pc:spChg chg="mod">
+          <ac:chgData name="Luisa Dickenmann" userId="0c0840b0-1ae7-42c8-98b5-b02d8f71a603" providerId="ADAL" clId="{100BBC7B-7ACA-4A4D-BA33-DEF31D162335}" dt="2025-12-08T11:59:32.016" v="159" actId="20577"/>
+          <ac:spMkLst>
+            <pc:docMk/>
+            <pc:sldMk cId="1309389261" sldId="265"/>
+            <ac:spMk id="2" creationId="{E5EB79DC-5387-676F-0683-1D49454F40B3}"/>
+          </ac:spMkLst>
+        </pc:spChg>
+        <pc:spChg chg="del">
+          <ac:chgData name="Luisa Dickenmann" userId="0c0840b0-1ae7-42c8-98b5-b02d8f71a603" providerId="ADAL" clId="{100BBC7B-7ACA-4A4D-BA33-DEF31D162335}" dt="2025-12-08T12:01:07.416" v="160" actId="931"/>
+          <ac:spMkLst>
+            <pc:docMk/>
+            <pc:sldMk cId="1309389261" sldId="265"/>
+            <ac:spMk id="3" creationId="{B7445A8B-7D82-B218-76BE-38031B3A0D80}"/>
+          </ac:spMkLst>
+        </pc:spChg>
+        <pc:spChg chg="add mod">
+          <ac:chgData name="Luisa Dickenmann" userId="0c0840b0-1ae7-42c8-98b5-b02d8f71a603" providerId="ADAL" clId="{100BBC7B-7ACA-4A4D-BA33-DEF31D162335}" dt="2025-12-08T12:04:10.651" v="348" actId="1076"/>
+          <ac:spMkLst>
+            <pc:docMk/>
+            <pc:sldMk cId="1309389261" sldId="265"/>
+            <ac:spMk id="6" creationId="{88649343-2493-E174-DAD2-92A791FD7486}"/>
+          </ac:spMkLst>
+        </pc:spChg>
+        <pc:spChg chg="add mod">
+          <ac:chgData name="Luisa Dickenmann" userId="0c0840b0-1ae7-42c8-98b5-b02d8f71a603" providerId="ADAL" clId="{100BBC7B-7ACA-4A4D-BA33-DEF31D162335}" dt="2025-12-08T13:52:36.650" v="581" actId="14100"/>
+          <ac:spMkLst>
+            <pc:docMk/>
+            <pc:sldMk cId="1309389261" sldId="265"/>
+            <ac:spMk id="7" creationId="{93CF37AE-0442-D191-0D72-30187F796763}"/>
+          </ac:spMkLst>
+        </pc:spChg>
+        <pc:picChg chg="add mod modCrop">
+          <ac:chgData name="Luisa Dickenmann" userId="0c0840b0-1ae7-42c8-98b5-b02d8f71a603" providerId="ADAL" clId="{100BBC7B-7ACA-4A4D-BA33-DEF31D162335}" dt="2025-12-08T13:53:02.688" v="585" actId="14100"/>
+          <ac:picMkLst>
+            <pc:docMk/>
+            <pc:sldMk cId="1309389261" sldId="265"/>
+            <ac:picMk id="5" creationId="{A613A6A1-D807-9828-02A8-F458A86438B3}"/>
+          </ac:picMkLst>
+        </pc:picChg>
+      </pc:sldChg>
+      <pc:sldChg chg="addSp delSp modSp new mod">
+        <pc:chgData name="Luisa Dickenmann" userId="0c0840b0-1ae7-42c8-98b5-b02d8f71a603" providerId="ADAL" clId="{100BBC7B-7ACA-4A4D-BA33-DEF31D162335}" dt="2025-12-08T15:19:02.474" v="810" actId="1076"/>
+        <pc:sldMkLst>
+          <pc:docMk/>
+          <pc:sldMk cId="522262804" sldId="266"/>
+        </pc:sldMkLst>
+        <pc:spChg chg="mod">
+          <ac:chgData name="Luisa Dickenmann" userId="0c0840b0-1ae7-42c8-98b5-b02d8f71a603" providerId="ADAL" clId="{100BBC7B-7ACA-4A4D-BA33-DEF31D162335}" dt="2025-12-08T15:19:02.474" v="810" actId="1076"/>
+          <ac:spMkLst>
+            <pc:docMk/>
+            <pc:sldMk cId="522262804" sldId="266"/>
+            <ac:spMk id="2" creationId="{88E45658-7DE4-99A0-DD6E-14745BC00932}"/>
+          </ac:spMkLst>
+        </pc:spChg>
+        <pc:spChg chg="del">
+          <ac:chgData name="Luisa Dickenmann" userId="0c0840b0-1ae7-42c8-98b5-b02d8f71a603" providerId="ADAL" clId="{100BBC7B-7ACA-4A4D-BA33-DEF31D162335}" dt="2025-12-08T12:17:17.488" v="427" actId="931"/>
+          <ac:spMkLst>
+            <pc:docMk/>
+            <pc:sldMk cId="522262804" sldId="266"/>
+            <ac:spMk id="3" creationId="{A23DF43B-180F-6577-FD50-EEDB2C1CCCB5}"/>
+          </ac:spMkLst>
+        </pc:spChg>
+        <pc:spChg chg="add mod">
+          <ac:chgData name="Luisa Dickenmann" userId="0c0840b0-1ae7-42c8-98b5-b02d8f71a603" providerId="ADAL" clId="{100BBC7B-7ACA-4A4D-BA33-DEF31D162335}" dt="2025-12-08T13:51:08.123" v="525" actId="1076"/>
+          <ac:spMkLst>
+            <pc:docMk/>
+            <pc:sldMk cId="522262804" sldId="266"/>
+            <ac:spMk id="6" creationId="{BC044F4B-72E6-AB1B-4698-07642C2B12A6}"/>
+          </ac:spMkLst>
+        </pc:spChg>
+        <pc:spChg chg="add del mod">
+          <ac:chgData name="Luisa Dickenmann" userId="0c0840b0-1ae7-42c8-98b5-b02d8f71a603" providerId="ADAL" clId="{100BBC7B-7ACA-4A4D-BA33-DEF31D162335}" dt="2025-12-08T14:19:58.755" v="634" actId="931"/>
+          <ac:spMkLst>
+            <pc:docMk/>
+            <pc:sldMk cId="522262804" sldId="266"/>
+            <ac:spMk id="8" creationId="{1E182486-652B-51B1-0DB4-87FCBC4202F4}"/>
+          </ac:spMkLst>
+        </pc:spChg>
+        <pc:picChg chg="add del mod modCrop">
+          <ac:chgData name="Luisa Dickenmann" userId="0c0840b0-1ae7-42c8-98b5-b02d8f71a603" providerId="ADAL" clId="{100BBC7B-7ACA-4A4D-BA33-DEF31D162335}" dt="2025-12-08T14:19:55.360" v="633" actId="478"/>
+          <ac:picMkLst>
+            <pc:docMk/>
+            <pc:sldMk cId="522262804" sldId="266"/>
+            <ac:picMk id="5" creationId="{4B09988F-19A5-4E3F-2A12-E557FFF1503B}"/>
+          </ac:picMkLst>
+        </pc:picChg>
+        <pc:picChg chg="add mod modCrop">
+          <ac:chgData name="Luisa Dickenmann" userId="0c0840b0-1ae7-42c8-98b5-b02d8f71a603" providerId="ADAL" clId="{100BBC7B-7ACA-4A4D-BA33-DEF31D162335}" dt="2025-12-08T14:20:08.302" v="639" actId="14100"/>
+          <ac:picMkLst>
+            <pc:docMk/>
+            <pc:sldMk cId="522262804" sldId="266"/>
+            <ac:picMk id="10" creationId="{8BA279B2-C990-BC1D-5784-CB13A3FEFDBE}"/>
+          </ac:picMkLst>
+        </pc:picChg>
+      </pc:sldChg>
+      <pc:sldChg chg="addSp delSp modSp new mod ord">
+        <pc:chgData name="Luisa Dickenmann" userId="0c0840b0-1ae7-42c8-98b5-b02d8f71a603" providerId="ADAL" clId="{100BBC7B-7ACA-4A4D-BA33-DEF31D162335}" dt="2025-12-08T15:18:31.556" v="806"/>
+        <pc:sldMkLst>
+          <pc:docMk/>
+          <pc:sldMk cId="71374995" sldId="267"/>
+        </pc:sldMkLst>
+        <pc:spChg chg="mod">
+          <ac:chgData name="Luisa Dickenmann" userId="0c0840b0-1ae7-42c8-98b5-b02d8f71a603" providerId="ADAL" clId="{100BBC7B-7ACA-4A4D-BA33-DEF31D162335}" dt="2025-12-08T15:01:08.428" v="754" actId="1076"/>
+          <ac:spMkLst>
+            <pc:docMk/>
+            <pc:sldMk cId="71374995" sldId="267"/>
+            <ac:spMk id="2" creationId="{3924B841-9362-0383-46CC-CFFBEFEFB90A}"/>
+          </ac:spMkLst>
+        </pc:spChg>
+        <pc:spChg chg="del">
+          <ac:chgData name="Luisa Dickenmann" userId="0c0840b0-1ae7-42c8-98b5-b02d8f71a603" providerId="ADAL" clId="{100BBC7B-7ACA-4A4D-BA33-DEF31D162335}" dt="2025-12-08T15:00:56.102" v="749" actId="931"/>
+          <ac:spMkLst>
+            <pc:docMk/>
+            <pc:sldMk cId="71374995" sldId="267"/>
+            <ac:spMk id="3" creationId="{C5D45000-2327-9F64-320C-7F13070C3D6D}"/>
+          </ac:spMkLst>
+        </pc:spChg>
+        <pc:picChg chg="add mod modCrop">
+          <ac:chgData name="Luisa Dickenmann" userId="0c0840b0-1ae7-42c8-98b5-b02d8f71a603" providerId="ADAL" clId="{100BBC7B-7ACA-4A4D-BA33-DEF31D162335}" dt="2025-12-08T15:01:16.791" v="758" actId="1076"/>
+          <ac:picMkLst>
+            <pc:docMk/>
+            <pc:sldMk cId="71374995" sldId="267"/>
+            <ac:picMk id="5" creationId="{A1CE5F60-A8AD-E47F-B1ED-5F1950277951}"/>
+          </ac:picMkLst>
+        </pc:picChg>
+      </pc:sldChg>
+      <pc:sldChg chg="addSp delSp modSp new mod ord">
+        <pc:chgData name="Luisa Dickenmann" userId="0c0840b0-1ae7-42c8-98b5-b02d8f71a603" providerId="ADAL" clId="{100BBC7B-7ACA-4A4D-BA33-DEF31D162335}" dt="2025-12-08T15:18:11.277" v="798"/>
+        <pc:sldMkLst>
+          <pc:docMk/>
+          <pc:sldMk cId="1284769585" sldId="268"/>
+        </pc:sldMkLst>
+        <pc:spChg chg="mod">
+          <ac:chgData name="Luisa Dickenmann" userId="0c0840b0-1ae7-42c8-98b5-b02d8f71a603" providerId="ADAL" clId="{100BBC7B-7ACA-4A4D-BA33-DEF31D162335}" dt="2025-12-08T14:24:36.668" v="735" actId="1076"/>
+          <ac:spMkLst>
+            <pc:docMk/>
+            <pc:sldMk cId="1284769585" sldId="268"/>
+            <ac:spMk id="2" creationId="{26A2107B-1EA8-BA64-B10E-8A0B8E21FB4C}"/>
+          </ac:spMkLst>
+        </pc:spChg>
+        <pc:spChg chg="del">
+          <ac:chgData name="Luisa Dickenmann" userId="0c0840b0-1ae7-42c8-98b5-b02d8f71a603" providerId="ADAL" clId="{100BBC7B-7ACA-4A4D-BA33-DEF31D162335}" dt="2025-12-08T14:20:40.187" v="677" actId="931"/>
+          <ac:spMkLst>
+            <pc:docMk/>
+            <pc:sldMk cId="1284769585" sldId="268"/>
+            <ac:spMk id="3" creationId="{2D475B74-E9C3-E334-CE1D-1F2D91223DCD}"/>
+          </ac:spMkLst>
+        </pc:spChg>
+        <pc:spChg chg="add del mod">
+          <ac:chgData name="Luisa Dickenmann" userId="0c0840b0-1ae7-42c8-98b5-b02d8f71a603" providerId="ADAL" clId="{100BBC7B-7ACA-4A4D-BA33-DEF31D162335}" dt="2025-12-08T14:21:00.340" v="681" actId="931"/>
+          <ac:spMkLst>
+            <pc:docMk/>
+            <pc:sldMk cId="1284769585" sldId="268"/>
+            <ac:spMk id="7" creationId="{B5DE2E83-425E-06E0-4757-0E1D976A3F01}"/>
+          </ac:spMkLst>
+        </pc:spChg>
+        <pc:spChg chg="add del mod">
+          <ac:chgData name="Luisa Dickenmann" userId="0c0840b0-1ae7-42c8-98b5-b02d8f71a603" providerId="ADAL" clId="{100BBC7B-7ACA-4A4D-BA33-DEF31D162335}" dt="2025-12-08T14:21:39.809" v="685" actId="931"/>
+          <ac:spMkLst>
+            <pc:docMk/>
+            <pc:sldMk cId="1284769585" sldId="268"/>
+            <ac:spMk id="11" creationId="{B0ABEDB3-CC77-573F-8715-0AD9B422EB55}"/>
+          </ac:spMkLst>
+        </pc:spChg>
+        <pc:spChg chg="add del mod">
+          <ac:chgData name="Luisa Dickenmann" userId="0c0840b0-1ae7-42c8-98b5-b02d8f71a603" providerId="ADAL" clId="{100BBC7B-7ACA-4A4D-BA33-DEF31D162335}" dt="2025-12-08T14:25:04.840" v="742" actId="478"/>
+          <ac:spMkLst>
+            <pc:docMk/>
+            <pc:sldMk cId="1284769585" sldId="268"/>
+            <ac:spMk id="14" creationId="{335AFEB9-6171-80FA-9AA3-57C19E453BED}"/>
+          </ac:spMkLst>
+        </pc:spChg>
+        <pc:spChg chg="add del mod">
+          <ac:chgData name="Luisa Dickenmann" userId="0c0840b0-1ae7-42c8-98b5-b02d8f71a603" providerId="ADAL" clId="{100BBC7B-7ACA-4A4D-BA33-DEF31D162335}" dt="2025-12-08T14:46:18.764" v="744" actId="931"/>
+          <ac:spMkLst>
+            <pc:docMk/>
+            <pc:sldMk cId="1284769585" sldId="268"/>
+            <ac:spMk id="16" creationId="{8A56E870-4677-2A40-2F05-D20449CF7C8B}"/>
+          </ac:spMkLst>
+        </pc:spChg>
+        <pc:picChg chg="add del mod">
+          <ac:chgData name="Luisa Dickenmann" userId="0c0840b0-1ae7-42c8-98b5-b02d8f71a603" providerId="ADAL" clId="{100BBC7B-7ACA-4A4D-BA33-DEF31D162335}" dt="2025-12-08T14:20:56.823" v="680" actId="478"/>
+          <ac:picMkLst>
+            <pc:docMk/>
+            <pc:sldMk cId="1284769585" sldId="268"/>
+            <ac:picMk id="5" creationId="{65C0BBCC-2E2F-A9EF-5563-686DE2B356BE}"/>
+          </ac:picMkLst>
+        </pc:picChg>
+        <pc:picChg chg="add del mod">
+          <ac:chgData name="Luisa Dickenmann" userId="0c0840b0-1ae7-42c8-98b5-b02d8f71a603" providerId="ADAL" clId="{100BBC7B-7ACA-4A4D-BA33-DEF31D162335}" dt="2025-12-08T14:21:33.116" v="684" actId="478"/>
+          <ac:picMkLst>
+            <pc:docMk/>
+            <pc:sldMk cId="1284769585" sldId="268"/>
+            <ac:picMk id="9" creationId="{B83F64B8-3184-EC00-46E8-5D501A9CF1FC}"/>
+          </ac:picMkLst>
+        </pc:picChg>
+        <pc:picChg chg="add del mod">
+          <ac:chgData name="Luisa Dickenmann" userId="0c0840b0-1ae7-42c8-98b5-b02d8f71a603" providerId="ADAL" clId="{100BBC7B-7ACA-4A4D-BA33-DEF31D162335}" dt="2025-12-08T14:46:11.754" v="743" actId="478"/>
+          <ac:picMkLst>
+            <pc:docMk/>
+            <pc:sldMk cId="1284769585" sldId="268"/>
+            <ac:picMk id="13" creationId="{2371C52C-BD47-B2CB-3B8A-0C572B64175C}"/>
+          </ac:picMkLst>
+        </pc:picChg>
+        <pc:picChg chg="add mod">
+          <ac:chgData name="Luisa Dickenmann" userId="0c0840b0-1ae7-42c8-98b5-b02d8f71a603" providerId="ADAL" clId="{100BBC7B-7ACA-4A4D-BA33-DEF31D162335}" dt="2025-12-08T14:46:25.582" v="748" actId="14100"/>
+          <ac:picMkLst>
+            <pc:docMk/>
+            <pc:sldMk cId="1284769585" sldId="268"/>
+            <ac:picMk id="18" creationId="{46EE900A-3FC4-6135-E0EC-34BB7B492793}"/>
+          </ac:picMkLst>
+        </pc:picChg>
+      </pc:sldChg>
+      <pc:sldChg chg="addSp delSp modSp new mod ord">
+        <pc:chgData name="Luisa Dickenmann" userId="0c0840b0-1ae7-42c8-98b5-b02d8f71a603" providerId="ADAL" clId="{100BBC7B-7ACA-4A4D-BA33-DEF31D162335}" dt="2025-12-08T15:18:28.525" v="804"/>
+        <pc:sldMkLst>
+          <pc:docMk/>
+          <pc:sldMk cId="1264928361" sldId="269"/>
+        </pc:sldMkLst>
+        <pc:spChg chg="del">
+          <ac:chgData name="Luisa Dickenmann" userId="0c0840b0-1ae7-42c8-98b5-b02d8f71a603" providerId="ADAL" clId="{100BBC7B-7ACA-4A4D-BA33-DEF31D162335}" dt="2025-12-08T14:24:18.526" v="706"/>
+          <ac:spMkLst>
+            <pc:docMk/>
+            <pc:sldMk cId="1264928361" sldId="269"/>
+            <ac:spMk id="2" creationId="{DB86227E-8BC9-48C2-4954-7A70664D246C}"/>
+          </ac:spMkLst>
+        </pc:spChg>
+        <pc:spChg chg="del">
+          <ac:chgData name="Luisa Dickenmann" userId="0c0840b0-1ae7-42c8-98b5-b02d8f71a603" providerId="ADAL" clId="{100BBC7B-7ACA-4A4D-BA33-DEF31D162335}" dt="2025-12-08T15:17:36.340" v="789" actId="931"/>
+          <ac:spMkLst>
+            <pc:docMk/>
+            <pc:sldMk cId="1264928361" sldId="269"/>
+            <ac:spMk id="3" creationId="{6ECA84FA-A3F6-E9F8-BAC9-5B792C4C5144}"/>
+          </ac:spMkLst>
+        </pc:spChg>
+        <pc:spChg chg="add mod">
+          <ac:chgData name="Luisa Dickenmann" userId="0c0840b0-1ae7-42c8-98b5-b02d8f71a603" providerId="ADAL" clId="{100BBC7B-7ACA-4A4D-BA33-DEF31D162335}" dt="2025-12-08T15:17:39.682" v="792" actId="1076"/>
+          <ac:spMkLst>
+            <pc:docMk/>
+            <pc:sldMk cId="1264928361" sldId="269"/>
+            <ac:spMk id="4" creationId="{C2C95541-CA90-A88F-7649-31BAE83914A4}"/>
+          </ac:spMkLst>
+        </pc:spChg>
+        <pc:picChg chg="add mod modCrop">
+          <ac:chgData name="Luisa Dickenmann" userId="0c0840b0-1ae7-42c8-98b5-b02d8f71a603" providerId="ADAL" clId="{100BBC7B-7ACA-4A4D-BA33-DEF31D162335}" dt="2025-12-08T15:17:49.873" v="796" actId="1076"/>
+          <ac:picMkLst>
+            <pc:docMk/>
+            <pc:sldMk cId="1264928361" sldId="269"/>
+            <ac:picMk id="6" creationId="{AD890090-EF65-13CD-3F06-580B5D3AF2EB}"/>
+          </ac:picMkLst>
+        </pc:picChg>
+      </pc:sldChg>
+      <pc:sldChg chg="addSp delSp modSp new mod ord">
+        <pc:chgData name="Luisa Dickenmann" userId="0c0840b0-1ae7-42c8-98b5-b02d8f71a603" providerId="ADAL" clId="{100BBC7B-7ACA-4A4D-BA33-DEF31D162335}" dt="2025-12-08T15:44:55.261" v="896" actId="1036"/>
+        <pc:sldMkLst>
+          <pc:docMk/>
+          <pc:sldMk cId="2413059109" sldId="270"/>
+        </pc:sldMkLst>
+        <pc:spChg chg="del">
+          <ac:chgData name="Luisa Dickenmann" userId="0c0840b0-1ae7-42c8-98b5-b02d8f71a603" providerId="ADAL" clId="{100BBC7B-7ACA-4A4D-BA33-DEF31D162335}" dt="2025-12-08T14:24:26.085" v="728"/>
+          <ac:spMkLst>
+            <pc:docMk/>
+            <pc:sldMk cId="2413059109" sldId="270"/>
+            <ac:spMk id="2" creationId="{60427FBF-51B3-79E2-8BBC-2D3361A7FFA4}"/>
+          </ac:spMkLst>
+        </pc:spChg>
+        <pc:spChg chg="del">
+          <ac:chgData name="Luisa Dickenmann" userId="0c0840b0-1ae7-42c8-98b5-b02d8f71a603" providerId="ADAL" clId="{100BBC7B-7ACA-4A4D-BA33-DEF31D162335}" dt="2025-12-08T15:42:35.550" v="851" actId="931"/>
+          <ac:spMkLst>
+            <pc:docMk/>
+            <pc:sldMk cId="2413059109" sldId="270"/>
+            <ac:spMk id="3" creationId="{1C15EAB5-15B8-86BD-3419-353AA073DC02}"/>
+          </ac:spMkLst>
+        </pc:spChg>
+        <pc:spChg chg="add mod">
+          <ac:chgData name="Luisa Dickenmann" userId="0c0840b0-1ae7-42c8-98b5-b02d8f71a603" providerId="ADAL" clId="{100BBC7B-7ACA-4A4D-BA33-DEF31D162335}" dt="2025-12-08T15:42:29.661" v="850" actId="1076"/>
+          <ac:spMkLst>
+            <pc:docMk/>
+            <pc:sldMk cId="2413059109" sldId="270"/>
+            <ac:spMk id="4" creationId="{F351BBFA-4D62-6F56-D9B2-084422C226AB}"/>
+          </ac:spMkLst>
+        </pc:spChg>
+        <pc:spChg chg="add del mod">
+          <ac:chgData name="Luisa Dickenmann" userId="0c0840b0-1ae7-42c8-98b5-b02d8f71a603" providerId="ADAL" clId="{100BBC7B-7ACA-4A4D-BA33-DEF31D162335}" dt="2025-12-08T15:43:10.605" v="855" actId="931"/>
+          <ac:spMkLst>
+            <pc:docMk/>
+            <pc:sldMk cId="2413059109" sldId="270"/>
+            <ac:spMk id="8" creationId="{4F4988D8-FD40-C370-7F4A-A91BFA267D2E}"/>
+          </ac:spMkLst>
+        </pc:spChg>
+        <pc:picChg chg="add del mod">
+          <ac:chgData name="Luisa Dickenmann" userId="0c0840b0-1ae7-42c8-98b5-b02d8f71a603" providerId="ADAL" clId="{100BBC7B-7ACA-4A4D-BA33-DEF31D162335}" dt="2025-12-08T15:43:05.724" v="854" actId="478"/>
+          <ac:picMkLst>
+            <pc:docMk/>
+            <pc:sldMk cId="2413059109" sldId="270"/>
+            <ac:picMk id="6" creationId="{8A8DF9E4-C9E1-F6E5-FFA0-CFA7CDFD4E3A}"/>
+          </ac:picMkLst>
+        </pc:picChg>
+        <pc:picChg chg="add mod">
+          <ac:chgData name="Luisa Dickenmann" userId="0c0840b0-1ae7-42c8-98b5-b02d8f71a603" providerId="ADAL" clId="{100BBC7B-7ACA-4A4D-BA33-DEF31D162335}" dt="2025-12-08T15:44:55.261" v="896" actId="1036"/>
+          <ac:picMkLst>
+            <pc:docMk/>
+            <pc:sldMk cId="2413059109" sldId="270"/>
+            <ac:picMk id="10" creationId="{EA175353-6AD5-76CA-2329-CCA6E2F2F8DA}"/>
+          </ac:picMkLst>
+        </pc:picChg>
+      </pc:sldChg>
+      <pc:sldChg chg="addSp delSp modSp new mod ord">
+        <pc:chgData name="Luisa Dickenmann" userId="0c0840b0-1ae7-42c8-98b5-b02d8f71a603" providerId="ADAL" clId="{100BBC7B-7ACA-4A4D-BA33-DEF31D162335}" dt="2025-12-08T15:18:36.915" v="809" actId="1076"/>
+        <pc:sldMkLst>
+          <pc:docMk/>
+          <pc:sldMk cId="985959284" sldId="271"/>
+        </pc:sldMkLst>
+        <pc:spChg chg="mod">
+          <ac:chgData name="Luisa Dickenmann" userId="0c0840b0-1ae7-42c8-98b5-b02d8f71a603" providerId="ADAL" clId="{100BBC7B-7ACA-4A4D-BA33-DEF31D162335}" dt="2025-12-08T15:11:51.465" v="783" actId="1076"/>
+          <ac:spMkLst>
+            <pc:docMk/>
+            <pc:sldMk cId="985959284" sldId="271"/>
+            <ac:spMk id="2" creationId="{168C75FB-2C6E-BD4A-0495-ABAEC6CE37D7}"/>
+          </ac:spMkLst>
+        </pc:spChg>
+        <pc:spChg chg="del">
+          <ac:chgData name="Luisa Dickenmann" userId="0c0840b0-1ae7-42c8-98b5-b02d8f71a603" providerId="ADAL" clId="{100BBC7B-7ACA-4A4D-BA33-DEF31D162335}" dt="2025-12-08T15:16:07.123" v="784" actId="931"/>
+          <ac:spMkLst>
+            <pc:docMk/>
+            <pc:sldMk cId="985959284" sldId="271"/>
+            <ac:spMk id="3" creationId="{E5D6C9AB-0E03-A8A4-1D6D-D9993A18A725}"/>
+          </ac:spMkLst>
+        </pc:spChg>
+        <pc:picChg chg="add mod">
+          <ac:chgData name="Luisa Dickenmann" userId="0c0840b0-1ae7-42c8-98b5-b02d8f71a603" providerId="ADAL" clId="{100BBC7B-7ACA-4A4D-BA33-DEF31D162335}" dt="2025-12-08T15:18:36.915" v="809" actId="1076"/>
+          <ac:picMkLst>
+            <pc:docMk/>
+            <pc:sldMk cId="985959284" sldId="271"/>
+            <ac:picMk id="5" creationId="{6226C969-854B-D7FD-DFE0-FB7D108928AD}"/>
+          </ac:picMkLst>
+        </pc:picChg>
+      </pc:sldChg>
+      <pc:sldChg chg="addSp delSp modSp new mod">
+        <pc:chgData name="Luisa Dickenmann" userId="0c0840b0-1ae7-42c8-98b5-b02d8f71a603" providerId="ADAL" clId="{100BBC7B-7ACA-4A4D-BA33-DEF31D162335}" dt="2025-12-08T15:44:35.582" v="879" actId="14100"/>
+        <pc:sldMkLst>
+          <pc:docMk/>
+          <pc:sldMk cId="4087577250" sldId="272"/>
+        </pc:sldMkLst>
+        <pc:spChg chg="mod">
+          <ac:chgData name="Luisa Dickenmann" userId="0c0840b0-1ae7-42c8-98b5-b02d8f71a603" providerId="ADAL" clId="{100BBC7B-7ACA-4A4D-BA33-DEF31D162335}" dt="2025-12-08T15:42:24.710" v="849" actId="1076"/>
+          <ac:spMkLst>
+            <pc:docMk/>
+            <pc:sldMk cId="4087577250" sldId="272"/>
+            <ac:spMk id="2" creationId="{DBBAC9F3-8100-D77A-023E-C972C89795AC}"/>
+          </ac:spMkLst>
+        </pc:spChg>
+        <pc:spChg chg="del">
+          <ac:chgData name="Luisa Dickenmann" userId="0c0840b0-1ae7-42c8-98b5-b02d8f71a603" providerId="ADAL" clId="{100BBC7B-7ACA-4A4D-BA33-DEF31D162335}" dt="2025-12-08T15:43:14.965" v="857" actId="931"/>
+          <ac:spMkLst>
+            <pc:docMk/>
+            <pc:sldMk cId="4087577250" sldId="272"/>
+            <ac:spMk id="3" creationId="{C66BD223-4350-C820-7AF7-260F8A9F05F9}"/>
+          </ac:spMkLst>
+        </pc:spChg>
+        <pc:spChg chg="add del mod">
+          <ac:chgData name="Luisa Dickenmann" userId="0c0840b0-1ae7-42c8-98b5-b02d8f71a603" providerId="ADAL" clId="{100BBC7B-7ACA-4A4D-BA33-DEF31D162335}" dt="2025-12-08T15:44:12.727" v="867" actId="931"/>
+          <ac:spMkLst>
+            <pc:docMk/>
+            <pc:sldMk cId="4087577250" sldId="272"/>
+            <ac:spMk id="7" creationId="{8D6C9324-A5FD-0775-4747-C7FE69E1A6DE}"/>
+          </ac:spMkLst>
+        </pc:spChg>
+        <pc:picChg chg="add del mod modCrop">
+          <ac:chgData name="Luisa Dickenmann" userId="0c0840b0-1ae7-42c8-98b5-b02d8f71a603" providerId="ADAL" clId="{100BBC7B-7ACA-4A4D-BA33-DEF31D162335}" dt="2025-12-08T15:44:08.979" v="866" actId="478"/>
+          <ac:picMkLst>
+            <pc:docMk/>
+            <pc:sldMk cId="4087577250" sldId="272"/>
+            <ac:picMk id="5" creationId="{126834C1-AB21-229E-A7E1-0CCF3D851590}"/>
+          </ac:picMkLst>
+        </pc:picChg>
+        <pc:picChg chg="add mod modCrop">
+          <ac:chgData name="Luisa Dickenmann" userId="0c0840b0-1ae7-42c8-98b5-b02d8f71a603" providerId="ADAL" clId="{100BBC7B-7ACA-4A4D-BA33-DEF31D162335}" dt="2025-12-08T15:44:35.582" v="879" actId="14100"/>
+          <ac:picMkLst>
+            <pc:docMk/>
+            <pc:sldMk cId="4087577250" sldId="272"/>
+            <ac:picMk id="9" creationId="{11EA4D3C-9827-BB96-BA2A-29A5ABBE1BA1}"/>
           </ac:picMkLst>
         </pc:picChg>
       </pc:sldChg>
@@ -420,7 +1008,7 @@
           <a:p>
             <a:fld id="{817C20B3-7C49-43C0-BA15-4AF729A94E81}" type="datetimeFigureOut">
               <a:rPr lang="en-GB" smtClean="0"/>
-              <a:t>02/12/2025</a:t>
+              <a:t>08/12/2025</a:t>
             </a:fld>
             <a:endParaRPr lang="en-GB"/>
           </a:p>
@@ -641,7 +1229,7 @@
           <a:p>
             <a:fld id="{817C20B3-7C49-43C0-BA15-4AF729A94E81}" type="datetimeFigureOut">
               <a:rPr lang="en-GB" smtClean="0"/>
-              <a:t>02/12/2025</a:t>
+              <a:t>08/12/2025</a:t>
             </a:fld>
             <a:endParaRPr lang="en-GB"/>
           </a:p>
@@ -821,7 +1409,7 @@
           <a:p>
             <a:fld id="{817C20B3-7C49-43C0-BA15-4AF729A94E81}" type="datetimeFigureOut">
               <a:rPr lang="en-GB" smtClean="0"/>
-              <a:t>02/12/2025</a:t>
+              <a:t>08/12/2025</a:t>
             </a:fld>
             <a:endParaRPr lang="en-GB"/>
           </a:p>
@@ -991,7 +1579,7 @@
           <a:p>
             <a:fld id="{817C20B3-7C49-43C0-BA15-4AF729A94E81}" type="datetimeFigureOut">
               <a:rPr lang="en-GB" smtClean="0"/>
-              <a:t>02/12/2025</a:t>
+              <a:t>08/12/2025</a:t>
             </a:fld>
             <a:endParaRPr lang="en-GB"/>
           </a:p>
@@ -1242,7 +1830,7 @@
           <a:p>
             <a:fld id="{817C20B3-7C49-43C0-BA15-4AF729A94E81}" type="datetimeFigureOut">
               <a:rPr lang="en-GB" smtClean="0"/>
-              <a:t>02/12/2025</a:t>
+              <a:t>08/12/2025</a:t>
             </a:fld>
             <a:endParaRPr lang="en-GB"/>
           </a:p>
@@ -1565,7 +2153,7 @@
           <a:p>
             <a:fld id="{817C20B3-7C49-43C0-BA15-4AF729A94E81}" type="datetimeFigureOut">
               <a:rPr lang="en-GB" smtClean="0"/>
-              <a:t>02/12/2025</a:t>
+              <a:t>08/12/2025</a:t>
             </a:fld>
             <a:endParaRPr lang="en-GB"/>
           </a:p>
@@ -1989,7 +2577,7 @@
           <a:p>
             <a:fld id="{817C20B3-7C49-43C0-BA15-4AF729A94E81}" type="datetimeFigureOut">
               <a:rPr lang="en-GB" smtClean="0"/>
-              <a:t>02/12/2025</a:t>
+              <a:t>08/12/2025</a:t>
             </a:fld>
             <a:endParaRPr lang="en-GB"/>
           </a:p>
@@ -2107,7 +2695,7 @@
           <a:p>
             <a:fld id="{817C20B3-7C49-43C0-BA15-4AF729A94E81}" type="datetimeFigureOut">
               <a:rPr lang="en-GB" smtClean="0"/>
-              <a:t>02/12/2025</a:t>
+              <a:t>08/12/2025</a:t>
             </a:fld>
             <a:endParaRPr lang="en-GB"/>
           </a:p>
@@ -2202,7 +2790,7 @@
           <a:p>
             <a:fld id="{817C20B3-7C49-43C0-BA15-4AF729A94E81}" type="datetimeFigureOut">
               <a:rPr lang="en-GB" smtClean="0"/>
-              <a:t>02/12/2025</a:t>
+              <a:t>08/12/2025</a:t>
             </a:fld>
             <a:endParaRPr lang="en-GB"/>
           </a:p>
@@ -2492,7 +3080,7 @@
           <a:p>
             <a:fld id="{817C20B3-7C49-43C0-BA15-4AF729A94E81}" type="datetimeFigureOut">
               <a:rPr lang="en-GB" smtClean="0"/>
-              <a:t>02/12/2025</a:t>
+              <a:t>08/12/2025</a:t>
             </a:fld>
             <a:endParaRPr lang="en-GB"/>
           </a:p>
@@ -2764,7 +3352,7 @@
           <a:p>
             <a:fld id="{817C20B3-7C49-43C0-BA15-4AF729A94E81}" type="datetimeFigureOut">
               <a:rPr lang="en-GB" smtClean="0"/>
-              <a:t>02/12/2025</a:t>
+              <a:t>08/12/2025</a:t>
             </a:fld>
             <a:endParaRPr lang="en-GB"/>
           </a:p>
@@ -3018,7 +3606,7 @@
           <a:p>
             <a:fld id="{817C20B3-7C49-43C0-BA15-4AF729A94E81}" type="datetimeFigureOut">
               <a:rPr lang="en-GB" smtClean="0"/>
-              <a:t>02/12/2025</a:t>
+              <a:t>08/12/2025</a:t>
             </a:fld>
             <a:endParaRPr lang="en-GB"/>
           </a:p>
@@ -3561,6 +4149,983 @@
 </p:sld>
 </file>
 
+<file path=ppt/slides/slide10.xml><?xml version="1.0" encoding="utf-8"?>
+<p:sld xmlns:a="http://schemas.openxmlformats.org/drawingml/2006/main" xmlns:r="http://schemas.openxmlformats.org/officeDocument/2006/relationships" xmlns:p="http://schemas.openxmlformats.org/presentationml/2006/main">
+  <p:cSld>
+    <p:spTree>
+      <p:nvGrpSpPr>
+        <p:cNvPr id="1" name=""/>
+        <p:cNvGrpSpPr/>
+        <p:nvPr/>
+      </p:nvGrpSpPr>
+      <p:grpSpPr>
+        <a:xfrm>
+          <a:off x="0" y="0"/>
+          <a:ext cx="0" cy="0"/>
+          <a:chOff x="0" y="0"/>
+          <a:chExt cx="0" cy="0"/>
+        </a:xfrm>
+      </p:grpSpPr>
+      <p:sp>
+        <p:nvSpPr>
+          <p:cNvPr id="2" name="Title 1">
+            <a:extLst>
+              <a:ext uri="{FF2B5EF4-FFF2-40B4-BE49-F238E27FC236}">
+                <a16:creationId xmlns:a16="http://schemas.microsoft.com/office/drawing/2014/main" id="{EC37FC25-0092-D266-9369-B42C8B0A2DCD}"/>
+              </a:ext>
+            </a:extLst>
+          </p:cNvPr>
+          <p:cNvSpPr>
+            <a:spLocks noGrp="1"/>
+          </p:cNvSpPr>
+          <p:nvPr>
+            <p:ph type="title"/>
+          </p:nvPr>
+        </p:nvSpPr>
+        <p:spPr>
+          <a:xfrm>
+            <a:off x="238760" y="223520"/>
+            <a:ext cx="9875520" cy="1356360"/>
+          </a:xfrm>
+        </p:spPr>
+        <p:txBody>
+          <a:bodyPr/>
+          <a:lstStyle/>
+          <a:p>
+            <a:r>
+              <a:rPr lang="de-CH" dirty="0"/>
+              <a:t>Height - Distribution</a:t>
+            </a:r>
+            <a:endParaRPr lang="en-GB" dirty="0"/>
+          </a:p>
+        </p:txBody>
+      </p:sp>
+      <p:pic>
+        <p:nvPicPr>
+          <p:cNvPr id="13" name="Content Placeholder 12" descr="A graph of a graph&#10;&#10;AI-generated content may be incorrect.">
+            <a:extLst>
+              <a:ext uri="{FF2B5EF4-FFF2-40B4-BE49-F238E27FC236}">
+                <a16:creationId xmlns:a16="http://schemas.microsoft.com/office/drawing/2014/main" id="{DF5F4204-7DFC-D576-7935-B7E0866D43BB}"/>
+              </a:ext>
+            </a:extLst>
+          </p:cNvPr>
+          <p:cNvPicPr>
+            <a:picLocks noGrp="1" noChangeAspect="1"/>
+          </p:cNvPicPr>
+          <p:nvPr>
+            <p:ph idx="1"/>
+          </p:nvPr>
+        </p:nvPicPr>
+        <p:blipFill>
+          <a:blip r:embed="rId2">
+            <a:extLst>
+              <a:ext uri="{28A0092B-C50C-407E-A947-70E740481C1C}">
+                <a14:useLocalDpi xmlns:a14="http://schemas.microsoft.com/office/drawing/2010/main" val="0"/>
+              </a:ext>
+            </a:extLst>
+          </a:blip>
+          <a:srcRect t="6325"/>
+          <a:stretch/>
+        </p:blipFill>
+        <p:spPr>
+          <a:xfrm>
+            <a:off x="1656079" y="1503680"/>
+            <a:ext cx="9114949" cy="5130800"/>
+          </a:xfrm>
+        </p:spPr>
+      </p:pic>
+    </p:spTree>
+    <p:extLst>
+      <p:ext uri="{BB962C8B-B14F-4D97-AF65-F5344CB8AC3E}">
+        <p14:creationId xmlns:p14="http://schemas.microsoft.com/office/powerpoint/2010/main" val="2740833318"/>
+      </p:ext>
+    </p:extLst>
+  </p:cSld>
+  <p:clrMapOvr>
+    <a:masterClrMapping/>
+  </p:clrMapOvr>
+</p:sld>
+</file>
+
+<file path=ppt/slides/slide11.xml><?xml version="1.0" encoding="utf-8"?>
+<p:sld xmlns:a="http://schemas.openxmlformats.org/drawingml/2006/main" xmlns:r="http://schemas.openxmlformats.org/officeDocument/2006/relationships" xmlns:p="http://schemas.openxmlformats.org/presentationml/2006/main">
+  <p:cSld>
+    <p:spTree>
+      <p:nvGrpSpPr>
+        <p:cNvPr id="1" name=""/>
+        <p:cNvGrpSpPr/>
+        <p:nvPr/>
+      </p:nvGrpSpPr>
+      <p:grpSpPr>
+        <a:xfrm>
+          <a:off x="0" y="0"/>
+          <a:ext cx="0" cy="0"/>
+          <a:chOff x="0" y="0"/>
+          <a:chExt cx="0" cy="0"/>
+        </a:xfrm>
+      </p:grpSpPr>
+      <p:sp>
+        <p:nvSpPr>
+          <p:cNvPr id="2" name="Title 1">
+            <a:extLst>
+              <a:ext uri="{FF2B5EF4-FFF2-40B4-BE49-F238E27FC236}">
+                <a16:creationId xmlns:a16="http://schemas.microsoft.com/office/drawing/2014/main" id="{186B59D3-816C-2A57-089A-EA265D288680}"/>
+              </a:ext>
+            </a:extLst>
+          </p:cNvPr>
+          <p:cNvSpPr>
+            <a:spLocks noGrp="1"/>
+          </p:cNvSpPr>
+          <p:nvPr>
+            <p:ph type="title"/>
+          </p:nvPr>
+        </p:nvSpPr>
+        <p:spPr>
+          <a:xfrm>
+            <a:off x="238760" y="213360"/>
+            <a:ext cx="9875520" cy="1356360"/>
+          </a:xfrm>
+        </p:spPr>
+        <p:txBody>
+          <a:bodyPr/>
+          <a:lstStyle/>
+          <a:p>
+            <a:r>
+              <a:rPr lang="de-CH" dirty="0"/>
+              <a:t>Height – by Provenance</a:t>
+            </a:r>
+            <a:endParaRPr lang="en-GB" dirty="0"/>
+          </a:p>
+        </p:txBody>
+      </p:sp>
+      <p:pic>
+        <p:nvPicPr>
+          <p:cNvPr id="5" name="Content Placeholder 4" descr="A diagram of different colored squares&#10;&#10;AI-generated content may be incorrect.">
+            <a:extLst>
+              <a:ext uri="{FF2B5EF4-FFF2-40B4-BE49-F238E27FC236}">
+                <a16:creationId xmlns:a16="http://schemas.microsoft.com/office/drawing/2014/main" id="{73E0993F-5E9C-1D30-1C0B-6E7EB90E7028}"/>
+              </a:ext>
+            </a:extLst>
+          </p:cNvPr>
+          <p:cNvPicPr>
+            <a:picLocks noGrp="1" noChangeAspect="1"/>
+          </p:cNvPicPr>
+          <p:nvPr>
+            <p:ph idx="1"/>
+          </p:nvPr>
+        </p:nvPicPr>
+        <p:blipFill>
+          <a:blip r:embed="rId2">
+            <a:extLst>
+              <a:ext uri="{28A0092B-C50C-407E-A947-70E740481C1C}">
+                <a14:useLocalDpi xmlns:a14="http://schemas.microsoft.com/office/drawing/2010/main" val="0"/>
+              </a:ext>
+            </a:extLst>
+          </a:blip>
+          <a:srcRect t="6225"/>
+          <a:stretch/>
+        </p:blipFill>
+        <p:spPr>
+          <a:xfrm>
+            <a:off x="1786756" y="1788160"/>
+            <a:ext cx="8618487" cy="4856480"/>
+          </a:xfrm>
+        </p:spPr>
+      </p:pic>
+      <p:sp>
+        <p:nvSpPr>
+          <p:cNvPr id="6" name="TextBox 5">
+            <a:extLst>
+              <a:ext uri="{FF2B5EF4-FFF2-40B4-BE49-F238E27FC236}">
+                <a16:creationId xmlns:a16="http://schemas.microsoft.com/office/drawing/2014/main" id="{85B2C7B7-4BA9-EB08-7CDD-E8CB7044D6E1}"/>
+              </a:ext>
+            </a:extLst>
+          </p:cNvPr>
+          <p:cNvSpPr txBox="1"/>
+          <p:nvPr/>
+        </p:nvSpPr>
+        <p:spPr>
+          <a:xfrm>
+            <a:off x="8270240" y="670560"/>
+            <a:ext cx="2661920" cy="923330"/>
+          </a:xfrm>
+          <a:prstGeom prst="rect">
+            <a:avLst/>
+          </a:prstGeom>
+          <a:noFill/>
+        </p:spPr>
+        <p:txBody>
+          <a:bodyPr wrap="square" rtlCol="0">
+            <a:spAutoFit/>
+          </a:bodyPr>
+          <a:lstStyle/>
+          <a:p>
+            <a:r>
+              <a:rPr lang="de-CH" dirty="0">
+                <a:solidFill>
+                  <a:srgbClr val="FF0000"/>
+                </a:solidFill>
+              </a:rPr>
+              <a:t>How many height values for each provenance?</a:t>
+            </a:r>
+          </a:p>
+          <a:p>
+            <a:r>
+              <a:rPr lang="de-CH" dirty="0">
+                <a:solidFill>
+                  <a:srgbClr val="FF0000"/>
+                </a:solidFill>
+              </a:rPr>
+              <a:t>How many NAs</a:t>
+            </a:r>
+            <a:endParaRPr lang="en-GB" dirty="0">
+              <a:solidFill>
+                <a:srgbClr val="FF0000"/>
+              </a:solidFill>
+            </a:endParaRPr>
+          </a:p>
+        </p:txBody>
+      </p:sp>
+    </p:spTree>
+    <p:extLst>
+      <p:ext uri="{BB962C8B-B14F-4D97-AF65-F5344CB8AC3E}">
+        <p14:creationId xmlns:p14="http://schemas.microsoft.com/office/powerpoint/2010/main" val="2468455985"/>
+      </p:ext>
+    </p:extLst>
+  </p:cSld>
+  <p:clrMapOvr>
+    <a:masterClrMapping/>
+  </p:clrMapOvr>
+</p:sld>
+</file>
+
+<file path=ppt/slides/slide12.xml><?xml version="1.0" encoding="utf-8"?>
+<p:sld xmlns:a="http://schemas.openxmlformats.org/drawingml/2006/main" xmlns:r="http://schemas.openxmlformats.org/officeDocument/2006/relationships" xmlns:p="http://schemas.openxmlformats.org/presentationml/2006/main">
+  <p:cSld>
+    <p:spTree>
+      <p:nvGrpSpPr>
+        <p:cNvPr id="1" name=""/>
+        <p:cNvGrpSpPr/>
+        <p:nvPr/>
+      </p:nvGrpSpPr>
+      <p:grpSpPr>
+        <a:xfrm>
+          <a:off x="0" y="0"/>
+          <a:ext cx="0" cy="0"/>
+          <a:chOff x="0" y="0"/>
+          <a:chExt cx="0" cy="0"/>
+        </a:xfrm>
+      </p:grpSpPr>
+      <p:sp>
+        <p:nvSpPr>
+          <p:cNvPr id="2" name="Title 1">
+            <a:extLst>
+              <a:ext uri="{FF2B5EF4-FFF2-40B4-BE49-F238E27FC236}">
+                <a16:creationId xmlns:a16="http://schemas.microsoft.com/office/drawing/2014/main" id="{88E45658-7DE4-99A0-DD6E-14745BC00932}"/>
+              </a:ext>
+            </a:extLst>
+          </p:cNvPr>
+          <p:cNvSpPr>
+            <a:spLocks noGrp="1"/>
+          </p:cNvSpPr>
+          <p:nvPr>
+            <p:ph type="title"/>
+          </p:nvPr>
+        </p:nvSpPr>
+        <p:spPr>
+          <a:xfrm>
+            <a:off x="238760" y="203200"/>
+            <a:ext cx="9875520" cy="1356360"/>
+          </a:xfrm>
+        </p:spPr>
+        <p:txBody>
+          <a:bodyPr/>
+          <a:lstStyle/>
+          <a:p>
+            <a:r>
+              <a:rPr lang="de-CH" dirty="0"/>
+              <a:t>Height – by Type</a:t>
+            </a:r>
+            <a:endParaRPr lang="en-GB" dirty="0"/>
+          </a:p>
+        </p:txBody>
+      </p:sp>
+      <p:sp>
+        <p:nvSpPr>
+          <p:cNvPr id="6" name="TextBox 5">
+            <a:extLst>
+              <a:ext uri="{FF2B5EF4-FFF2-40B4-BE49-F238E27FC236}">
+                <a16:creationId xmlns:a16="http://schemas.microsoft.com/office/drawing/2014/main" id="{BC044F4B-72E6-AB1B-4698-07642C2B12A6}"/>
+              </a:ext>
+            </a:extLst>
+          </p:cNvPr>
+          <p:cNvSpPr txBox="1"/>
+          <p:nvPr/>
+        </p:nvSpPr>
+        <p:spPr>
+          <a:xfrm>
+            <a:off x="8280400" y="561955"/>
+            <a:ext cx="2661920" cy="923330"/>
+          </a:xfrm>
+          <a:prstGeom prst="rect">
+            <a:avLst/>
+          </a:prstGeom>
+          <a:noFill/>
+        </p:spPr>
+        <p:txBody>
+          <a:bodyPr wrap="square" rtlCol="0">
+            <a:spAutoFit/>
+          </a:bodyPr>
+          <a:lstStyle/>
+          <a:p>
+            <a:r>
+              <a:rPr lang="de-CH" dirty="0">
+                <a:solidFill>
+                  <a:srgbClr val="FF0000"/>
+                </a:solidFill>
+              </a:rPr>
+              <a:t>How many height values for each type?</a:t>
+            </a:r>
+          </a:p>
+          <a:p>
+            <a:r>
+              <a:rPr lang="de-CH" dirty="0">
+                <a:solidFill>
+                  <a:srgbClr val="FF0000"/>
+                </a:solidFill>
+              </a:rPr>
+              <a:t>How many Nas?</a:t>
+            </a:r>
+            <a:endParaRPr lang="en-GB" dirty="0">
+              <a:solidFill>
+                <a:srgbClr val="FF0000"/>
+              </a:solidFill>
+            </a:endParaRPr>
+          </a:p>
+        </p:txBody>
+      </p:sp>
+      <p:pic>
+        <p:nvPicPr>
+          <p:cNvPr id="10" name="Content Placeholder 9" descr="A diagram of different colored rectangles&#10;&#10;AI-generated content may be incorrect.">
+            <a:extLst>
+              <a:ext uri="{FF2B5EF4-FFF2-40B4-BE49-F238E27FC236}">
+                <a16:creationId xmlns:a16="http://schemas.microsoft.com/office/drawing/2014/main" id="{8BA279B2-C990-BC1D-5784-CB13A3FEFDBE}"/>
+              </a:ext>
+            </a:extLst>
+          </p:cNvPr>
+          <p:cNvPicPr>
+            <a:picLocks noGrp="1" noChangeAspect="1"/>
+          </p:cNvPicPr>
+          <p:nvPr>
+            <p:ph idx="1"/>
+          </p:nvPr>
+        </p:nvPicPr>
+        <p:blipFill>
+          <a:blip r:embed="rId2">
+            <a:extLst>
+              <a:ext uri="{28A0092B-C50C-407E-A947-70E740481C1C}">
+                <a14:useLocalDpi xmlns:a14="http://schemas.microsoft.com/office/drawing/2010/main" val="0"/>
+              </a:ext>
+            </a:extLst>
+          </a:blip>
+          <a:srcRect t="5930"/>
+          <a:stretch/>
+        </p:blipFill>
+        <p:spPr>
+          <a:xfrm>
+            <a:off x="1273629" y="1479925"/>
+            <a:ext cx="9002485" cy="5088833"/>
+          </a:xfrm>
+        </p:spPr>
+      </p:pic>
+    </p:spTree>
+    <p:extLst>
+      <p:ext uri="{BB962C8B-B14F-4D97-AF65-F5344CB8AC3E}">
+        <p14:creationId xmlns:p14="http://schemas.microsoft.com/office/powerpoint/2010/main" val="522262804"/>
+      </p:ext>
+    </p:extLst>
+  </p:cSld>
+  <p:clrMapOvr>
+    <a:masterClrMapping/>
+  </p:clrMapOvr>
+</p:sld>
+</file>
+
+<file path=ppt/slides/slide13.xml><?xml version="1.0" encoding="utf-8"?>
+<p:sld xmlns:a="http://schemas.openxmlformats.org/drawingml/2006/main" xmlns:r="http://schemas.openxmlformats.org/officeDocument/2006/relationships" xmlns:p="http://schemas.openxmlformats.org/presentationml/2006/main">
+  <p:cSld>
+    <p:spTree>
+      <p:nvGrpSpPr>
+        <p:cNvPr id="1" name=""/>
+        <p:cNvGrpSpPr/>
+        <p:nvPr/>
+      </p:nvGrpSpPr>
+      <p:grpSpPr>
+        <a:xfrm>
+          <a:off x="0" y="0"/>
+          <a:ext cx="0" cy="0"/>
+          <a:chOff x="0" y="0"/>
+          <a:chExt cx="0" cy="0"/>
+        </a:xfrm>
+      </p:grpSpPr>
+      <p:sp>
+        <p:nvSpPr>
+          <p:cNvPr id="2" name="Title 1">
+            <a:extLst>
+              <a:ext uri="{FF2B5EF4-FFF2-40B4-BE49-F238E27FC236}">
+                <a16:creationId xmlns:a16="http://schemas.microsoft.com/office/drawing/2014/main" id="{32D9D9BF-2B66-09AD-138F-36386DDD5CDD}"/>
+              </a:ext>
+            </a:extLst>
+          </p:cNvPr>
+          <p:cNvSpPr>
+            <a:spLocks noGrp="1"/>
+          </p:cNvSpPr>
+          <p:nvPr>
+            <p:ph type="title"/>
+          </p:nvPr>
+        </p:nvSpPr>
+        <p:spPr>
+          <a:xfrm>
+            <a:off x="189848" y="263545"/>
+            <a:ext cx="9875520" cy="1356360"/>
+          </a:xfrm>
+        </p:spPr>
+        <p:txBody>
+          <a:bodyPr/>
+          <a:lstStyle/>
+          <a:p>
+            <a:r>
+              <a:rPr lang="de-CH" dirty="0"/>
+              <a:t>Budset – by provenance</a:t>
+            </a:r>
+            <a:endParaRPr lang="en-GB" dirty="0"/>
+          </a:p>
+        </p:txBody>
+      </p:sp>
+      <p:pic>
+        <p:nvPicPr>
+          <p:cNvPr id="5" name="Content Placeholder 4">
+            <a:extLst>
+              <a:ext uri="{FF2B5EF4-FFF2-40B4-BE49-F238E27FC236}">
+                <a16:creationId xmlns:a16="http://schemas.microsoft.com/office/drawing/2014/main" id="{C81AF245-CF10-C522-E0CE-18AABCB35AA8}"/>
+              </a:ext>
+            </a:extLst>
+          </p:cNvPr>
+          <p:cNvPicPr>
+            <a:picLocks noGrp="1" noChangeAspect="1"/>
+          </p:cNvPicPr>
+          <p:nvPr>
+            <p:ph idx="1"/>
+          </p:nvPr>
+        </p:nvPicPr>
+        <p:blipFill>
+          <a:blip r:embed="rId2">
+            <a:extLst>
+              <a:ext uri="{28A0092B-C50C-407E-A947-70E740481C1C}">
+                <a14:useLocalDpi xmlns:a14="http://schemas.microsoft.com/office/drawing/2010/main" val="0"/>
+              </a:ext>
+            </a:extLst>
+          </a:blip>
+          <a:srcRect t="7493"/>
+          <a:stretch/>
+        </p:blipFill>
+        <p:spPr>
+          <a:xfrm>
+            <a:off x="739264" y="1597014"/>
+            <a:ext cx="8776687" cy="4878756"/>
+          </a:xfrm>
+        </p:spPr>
+      </p:pic>
+      <p:sp>
+        <p:nvSpPr>
+          <p:cNvPr id="3" name="TextBox 2">
+            <a:extLst>
+              <a:ext uri="{FF2B5EF4-FFF2-40B4-BE49-F238E27FC236}">
+                <a16:creationId xmlns:a16="http://schemas.microsoft.com/office/drawing/2014/main" id="{3FEE3C62-7A17-B683-8845-1CC05C605A19}"/>
+              </a:ext>
+            </a:extLst>
+          </p:cNvPr>
+          <p:cNvSpPr txBox="1"/>
+          <p:nvPr/>
+        </p:nvSpPr>
+        <p:spPr>
+          <a:xfrm>
+            <a:off x="9133188" y="1158240"/>
+            <a:ext cx="1864360" cy="923330"/>
+          </a:xfrm>
+          <a:prstGeom prst="rect">
+            <a:avLst/>
+          </a:prstGeom>
+          <a:noFill/>
+        </p:spPr>
+        <p:txBody>
+          <a:bodyPr wrap="square" rtlCol="0">
+            <a:spAutoFit/>
+          </a:bodyPr>
+          <a:lstStyle/>
+          <a:p>
+            <a:r>
+              <a:rPr lang="de-CH" dirty="0"/>
+              <a:t>Even distribution between provenances</a:t>
+            </a:r>
+            <a:endParaRPr lang="en-GB" dirty="0"/>
+          </a:p>
+        </p:txBody>
+      </p:sp>
+      <p:sp>
+        <p:nvSpPr>
+          <p:cNvPr id="4" name="TextBox 3">
+            <a:extLst>
+              <a:ext uri="{FF2B5EF4-FFF2-40B4-BE49-F238E27FC236}">
+                <a16:creationId xmlns:a16="http://schemas.microsoft.com/office/drawing/2014/main" id="{E5DCEE24-4EB7-F051-422E-FF7AF5E0BE67}"/>
+              </a:ext>
+            </a:extLst>
+          </p:cNvPr>
+          <p:cNvSpPr txBox="1"/>
+          <p:nvPr/>
+        </p:nvSpPr>
+        <p:spPr>
+          <a:xfrm>
+            <a:off x="7303207" y="422255"/>
+            <a:ext cx="2661920" cy="923330"/>
+          </a:xfrm>
+          <a:prstGeom prst="rect">
+            <a:avLst/>
+          </a:prstGeom>
+          <a:noFill/>
+        </p:spPr>
+        <p:txBody>
+          <a:bodyPr wrap="square" rtlCol="0">
+            <a:spAutoFit/>
+          </a:bodyPr>
+          <a:lstStyle/>
+          <a:p>
+            <a:r>
+              <a:rPr lang="de-CH" dirty="0">
+                <a:solidFill>
+                  <a:srgbClr val="FF0000"/>
+                </a:solidFill>
+              </a:rPr>
+              <a:t>How many budset values for each provenance?</a:t>
+            </a:r>
+          </a:p>
+          <a:p>
+            <a:r>
+              <a:rPr lang="de-CH" dirty="0">
+                <a:solidFill>
+                  <a:srgbClr val="FF0000"/>
+                </a:solidFill>
+              </a:rPr>
+              <a:t>How many Nas?</a:t>
+            </a:r>
+            <a:endParaRPr lang="en-GB" dirty="0">
+              <a:solidFill>
+                <a:srgbClr val="FF0000"/>
+              </a:solidFill>
+            </a:endParaRPr>
+          </a:p>
+        </p:txBody>
+      </p:sp>
+    </p:spTree>
+    <p:extLst>
+      <p:ext uri="{BB962C8B-B14F-4D97-AF65-F5344CB8AC3E}">
+        <p14:creationId xmlns:p14="http://schemas.microsoft.com/office/powerpoint/2010/main" val="4018528445"/>
+      </p:ext>
+    </p:extLst>
+  </p:cSld>
+  <p:clrMapOvr>
+    <a:masterClrMapping/>
+  </p:clrMapOvr>
+</p:sld>
+</file>
+
+<file path=ppt/slides/slide14.xml><?xml version="1.0" encoding="utf-8"?>
+<p:sld xmlns:a="http://schemas.openxmlformats.org/drawingml/2006/main" xmlns:r="http://schemas.openxmlformats.org/officeDocument/2006/relationships" xmlns:p="http://schemas.openxmlformats.org/presentationml/2006/main">
+  <p:cSld>
+    <p:spTree>
+      <p:nvGrpSpPr>
+        <p:cNvPr id="1" name=""/>
+        <p:cNvGrpSpPr/>
+        <p:nvPr/>
+      </p:nvGrpSpPr>
+      <p:grpSpPr>
+        <a:xfrm>
+          <a:off x="0" y="0"/>
+          <a:ext cx="0" cy="0"/>
+          <a:chOff x="0" y="0"/>
+          <a:chExt cx="0" cy="0"/>
+        </a:xfrm>
+      </p:grpSpPr>
+      <p:sp>
+        <p:nvSpPr>
+          <p:cNvPr id="2" name="Title 1">
+            <a:extLst>
+              <a:ext uri="{FF2B5EF4-FFF2-40B4-BE49-F238E27FC236}">
+                <a16:creationId xmlns:a16="http://schemas.microsoft.com/office/drawing/2014/main" id="{B4D941A4-7800-BF6D-3047-19A2F1FFE400}"/>
+              </a:ext>
+            </a:extLst>
+          </p:cNvPr>
+          <p:cNvSpPr>
+            <a:spLocks noGrp="1"/>
+          </p:cNvSpPr>
+          <p:nvPr>
+            <p:ph type="title"/>
+          </p:nvPr>
+        </p:nvSpPr>
+        <p:spPr>
+          <a:xfrm>
+            <a:off x="238760" y="178812"/>
+            <a:ext cx="9875520" cy="1356360"/>
+          </a:xfrm>
+        </p:spPr>
+        <p:txBody>
+          <a:bodyPr/>
+          <a:lstStyle/>
+          <a:p>
+            <a:r>
+              <a:rPr lang="de-CH" dirty="0"/>
+              <a:t>Budset by Type</a:t>
+            </a:r>
+            <a:endParaRPr lang="en-GB" dirty="0"/>
+          </a:p>
+        </p:txBody>
+      </p:sp>
+      <p:pic>
+        <p:nvPicPr>
+          <p:cNvPr id="5" name="Content Placeholder 4" descr="A graph of a graph&#10;&#10;AI-generated content may be incorrect.">
+            <a:extLst>
+              <a:ext uri="{FF2B5EF4-FFF2-40B4-BE49-F238E27FC236}">
+                <a16:creationId xmlns:a16="http://schemas.microsoft.com/office/drawing/2014/main" id="{74CD08E0-9A64-49FE-60CB-7BB27C2718EC}"/>
+              </a:ext>
+            </a:extLst>
+          </p:cNvPr>
+          <p:cNvPicPr>
+            <a:picLocks noGrp="1" noChangeAspect="1"/>
+          </p:cNvPicPr>
+          <p:nvPr>
+            <p:ph idx="1"/>
+          </p:nvPr>
+        </p:nvPicPr>
+        <p:blipFill>
+          <a:blip r:embed="rId2">
+            <a:extLst>
+              <a:ext uri="{28A0092B-C50C-407E-A947-70E740481C1C}">
+                <a14:useLocalDpi xmlns:a14="http://schemas.microsoft.com/office/drawing/2010/main" val="0"/>
+              </a:ext>
+            </a:extLst>
+          </a:blip>
+          <a:srcRect t="6163"/>
+          <a:stretch/>
+        </p:blipFill>
+        <p:spPr>
+          <a:xfrm>
+            <a:off x="1334318" y="1320800"/>
+            <a:ext cx="9143182" cy="5155531"/>
+          </a:xfrm>
+        </p:spPr>
+      </p:pic>
+    </p:spTree>
+    <p:extLst>
+      <p:ext uri="{BB962C8B-B14F-4D97-AF65-F5344CB8AC3E}">
+        <p14:creationId xmlns:p14="http://schemas.microsoft.com/office/powerpoint/2010/main" val="366536072"/>
+      </p:ext>
+    </p:extLst>
+  </p:cSld>
+  <p:clrMapOvr>
+    <a:masterClrMapping/>
+  </p:clrMapOvr>
+</p:sld>
+</file>
+
+<file path=ppt/slides/slide15.xml><?xml version="1.0" encoding="utf-8"?>
+<p:sld xmlns:a="http://schemas.openxmlformats.org/drawingml/2006/main" xmlns:r="http://schemas.openxmlformats.org/officeDocument/2006/relationships" xmlns:p="http://schemas.openxmlformats.org/presentationml/2006/main">
+  <p:cSld>
+    <p:spTree>
+      <p:nvGrpSpPr>
+        <p:cNvPr id="1" name=""/>
+        <p:cNvGrpSpPr/>
+        <p:nvPr/>
+      </p:nvGrpSpPr>
+      <p:grpSpPr>
+        <a:xfrm>
+          <a:off x="0" y="0"/>
+          <a:ext cx="0" cy="0"/>
+          <a:chOff x="0" y="0"/>
+          <a:chExt cx="0" cy="0"/>
+        </a:xfrm>
+      </p:grpSpPr>
+      <p:sp>
+        <p:nvSpPr>
+          <p:cNvPr id="2" name="Title 1">
+            <a:extLst>
+              <a:ext uri="{FF2B5EF4-FFF2-40B4-BE49-F238E27FC236}">
+                <a16:creationId xmlns:a16="http://schemas.microsoft.com/office/drawing/2014/main" id="{E5EB79DC-5387-676F-0683-1D49454F40B3}"/>
+              </a:ext>
+            </a:extLst>
+          </p:cNvPr>
+          <p:cNvSpPr>
+            <a:spLocks noGrp="1"/>
+          </p:cNvSpPr>
+          <p:nvPr>
+            <p:ph type="title"/>
+          </p:nvPr>
+        </p:nvSpPr>
+        <p:spPr/>
+        <p:txBody>
+          <a:bodyPr/>
+          <a:lstStyle/>
+          <a:p>
+            <a:r>
+              <a:rPr lang="de-CH" dirty="0"/>
+              <a:t>Budburst – by provenance</a:t>
+            </a:r>
+            <a:endParaRPr lang="en-GB" dirty="0"/>
+          </a:p>
+        </p:txBody>
+      </p:sp>
+      <p:pic>
+        <p:nvPicPr>
+          <p:cNvPr id="5" name="Content Placeholder 4" descr="A graph with blue and black lines&#10;&#10;AI-generated content may be incorrect.">
+            <a:extLst>
+              <a:ext uri="{FF2B5EF4-FFF2-40B4-BE49-F238E27FC236}">
+                <a16:creationId xmlns:a16="http://schemas.microsoft.com/office/drawing/2014/main" id="{A613A6A1-D807-9828-02A8-F458A86438B3}"/>
+              </a:ext>
+            </a:extLst>
+          </p:cNvPr>
+          <p:cNvPicPr>
+            <a:picLocks noGrp="1" noChangeAspect="1"/>
+          </p:cNvPicPr>
+          <p:nvPr>
+            <p:ph idx="1"/>
+          </p:nvPr>
+        </p:nvPicPr>
+        <p:blipFill>
+          <a:blip r:embed="rId2">
+            <a:extLst>
+              <a:ext uri="{28A0092B-C50C-407E-A947-70E740481C1C}">
+                <a14:useLocalDpi xmlns:a14="http://schemas.microsoft.com/office/drawing/2010/main" val="0"/>
+              </a:ext>
+            </a:extLst>
+          </a:blip>
+          <a:srcRect t="6223"/>
+          <a:stretch/>
+        </p:blipFill>
+        <p:spPr>
+          <a:xfrm>
+            <a:off x="721360" y="1584960"/>
+            <a:ext cx="8816633" cy="4968240"/>
+          </a:xfrm>
+        </p:spPr>
+      </p:pic>
+      <p:sp>
+        <p:nvSpPr>
+          <p:cNvPr id="6" name="TextBox 5">
+            <a:extLst>
+              <a:ext uri="{FF2B5EF4-FFF2-40B4-BE49-F238E27FC236}">
+                <a16:creationId xmlns:a16="http://schemas.microsoft.com/office/drawing/2014/main" id="{88649343-2493-E174-DAD2-92A791FD7486}"/>
+              </a:ext>
+            </a:extLst>
+          </p:cNvPr>
+          <p:cNvSpPr txBox="1"/>
+          <p:nvPr/>
+        </p:nvSpPr>
+        <p:spPr>
+          <a:xfrm>
+            <a:off x="9286118" y="950297"/>
+            <a:ext cx="2367932" cy="2031325"/>
+          </a:xfrm>
+          <a:prstGeom prst="rect">
+            <a:avLst/>
+          </a:prstGeom>
+          <a:noFill/>
+        </p:spPr>
+        <p:txBody>
+          <a:bodyPr wrap="square" rtlCol="0">
+            <a:spAutoFit/>
+          </a:bodyPr>
+          <a:lstStyle/>
+          <a:p>
+            <a:r>
+              <a:rPr lang="de-CH" dirty="0"/>
+              <a:t>Slightly less even distribution between provenances, but smaller range than budset</a:t>
+            </a:r>
+          </a:p>
+          <a:p>
+            <a:endParaRPr lang="de-CH" dirty="0"/>
+          </a:p>
+          <a:p>
+            <a:r>
+              <a:rPr lang="en-GB" dirty="0"/>
+              <a:t>More outliers</a:t>
+            </a:r>
+          </a:p>
+        </p:txBody>
+      </p:sp>
+      <p:sp>
+        <p:nvSpPr>
+          <p:cNvPr id="7" name="TextBox 6">
+            <a:extLst>
+              <a:ext uri="{FF2B5EF4-FFF2-40B4-BE49-F238E27FC236}">
+                <a16:creationId xmlns:a16="http://schemas.microsoft.com/office/drawing/2014/main" id="{93CF37AE-0442-D191-0D72-30187F796763}"/>
+              </a:ext>
+            </a:extLst>
+          </p:cNvPr>
+          <p:cNvSpPr txBox="1"/>
+          <p:nvPr/>
+        </p:nvSpPr>
+        <p:spPr>
+          <a:xfrm>
+            <a:off x="9261044" y="4705310"/>
+            <a:ext cx="2707436" cy="1200329"/>
+          </a:xfrm>
+          <a:prstGeom prst="rect">
+            <a:avLst/>
+          </a:prstGeom>
+          <a:noFill/>
+        </p:spPr>
+        <p:txBody>
+          <a:bodyPr wrap="square" rtlCol="0">
+            <a:spAutoFit/>
+          </a:bodyPr>
+          <a:lstStyle/>
+          <a:p>
+            <a:r>
+              <a:rPr lang="de-CH" dirty="0">
+                <a:solidFill>
+                  <a:srgbClr val="FF0000"/>
+                </a:solidFill>
+              </a:rPr>
+              <a:t>How many budburst values for each provenance?</a:t>
+            </a:r>
+          </a:p>
+          <a:p>
+            <a:r>
+              <a:rPr lang="de-CH" dirty="0">
+                <a:solidFill>
+                  <a:srgbClr val="FF0000"/>
+                </a:solidFill>
+              </a:rPr>
+              <a:t>How many Nas?</a:t>
+            </a:r>
+            <a:endParaRPr lang="en-GB" dirty="0">
+              <a:solidFill>
+                <a:srgbClr val="FF0000"/>
+              </a:solidFill>
+            </a:endParaRPr>
+          </a:p>
+        </p:txBody>
+      </p:sp>
+    </p:spTree>
+    <p:extLst>
+      <p:ext uri="{BB962C8B-B14F-4D97-AF65-F5344CB8AC3E}">
+        <p14:creationId xmlns:p14="http://schemas.microsoft.com/office/powerpoint/2010/main" val="1309389261"/>
+      </p:ext>
+    </p:extLst>
+  </p:cSld>
+  <p:clrMapOvr>
+    <a:masterClrMapping/>
+  </p:clrMapOvr>
+</p:sld>
+</file>
+
+<file path=ppt/slides/slide16.xml><?xml version="1.0" encoding="utf-8"?>
+<p:sld xmlns:a="http://schemas.openxmlformats.org/drawingml/2006/main" xmlns:r="http://schemas.openxmlformats.org/officeDocument/2006/relationships" xmlns:p="http://schemas.openxmlformats.org/presentationml/2006/main">
+  <p:cSld>
+    <p:spTree>
+      <p:nvGrpSpPr>
+        <p:cNvPr id="1" name=""/>
+        <p:cNvGrpSpPr/>
+        <p:nvPr/>
+      </p:nvGrpSpPr>
+      <p:grpSpPr>
+        <a:xfrm>
+          <a:off x="0" y="0"/>
+          <a:ext cx="0" cy="0"/>
+          <a:chOff x="0" y="0"/>
+          <a:chExt cx="0" cy="0"/>
+        </a:xfrm>
+      </p:grpSpPr>
+      <p:sp>
+        <p:nvSpPr>
+          <p:cNvPr id="2" name="Title 1">
+            <a:extLst>
+              <a:ext uri="{FF2B5EF4-FFF2-40B4-BE49-F238E27FC236}">
+                <a16:creationId xmlns:a16="http://schemas.microsoft.com/office/drawing/2014/main" id="{87423E70-6AE2-13AB-B9D6-DFD4DC3807B8}"/>
+              </a:ext>
+            </a:extLst>
+          </p:cNvPr>
+          <p:cNvSpPr>
+            <a:spLocks noGrp="1"/>
+          </p:cNvSpPr>
+          <p:nvPr>
+            <p:ph type="title"/>
+          </p:nvPr>
+        </p:nvSpPr>
+        <p:spPr>
+          <a:xfrm>
+            <a:off x="177800" y="196168"/>
+            <a:ext cx="9875520" cy="1356360"/>
+          </a:xfrm>
+        </p:spPr>
+        <p:txBody>
+          <a:bodyPr/>
+          <a:lstStyle/>
+          <a:p>
+            <a:r>
+              <a:rPr lang="de-CH" dirty="0"/>
+              <a:t>Budburst by Type</a:t>
+            </a:r>
+            <a:endParaRPr lang="en-GB" dirty="0"/>
+          </a:p>
+        </p:txBody>
+      </p:sp>
+      <p:pic>
+        <p:nvPicPr>
+          <p:cNvPr id="5" name="Content Placeholder 4" descr="A graph of a graph&#10;&#10;AI-generated content may be incorrect.">
+            <a:extLst>
+              <a:ext uri="{FF2B5EF4-FFF2-40B4-BE49-F238E27FC236}">
+                <a16:creationId xmlns:a16="http://schemas.microsoft.com/office/drawing/2014/main" id="{16D65E6A-4EF0-6D4D-7682-EC32F509A222}"/>
+              </a:ext>
+            </a:extLst>
+          </p:cNvPr>
+          <p:cNvPicPr>
+            <a:picLocks noGrp="1" noChangeAspect="1"/>
+          </p:cNvPicPr>
+          <p:nvPr>
+            <p:ph idx="1"/>
+          </p:nvPr>
+        </p:nvPicPr>
+        <p:blipFill>
+          <a:blip r:embed="rId2">
+            <a:extLst>
+              <a:ext uri="{28A0092B-C50C-407E-A947-70E740481C1C}">
+                <a14:useLocalDpi xmlns:a14="http://schemas.microsoft.com/office/drawing/2010/main" val="0"/>
+              </a:ext>
+            </a:extLst>
+          </a:blip>
+          <a:srcRect t="6302"/>
+          <a:stretch/>
+        </p:blipFill>
+        <p:spPr>
+          <a:xfrm>
+            <a:off x="1296023" y="1124632"/>
+            <a:ext cx="9599953" cy="5405120"/>
+          </a:xfrm>
+        </p:spPr>
+      </p:pic>
+    </p:spTree>
+    <p:extLst>
+      <p:ext uri="{BB962C8B-B14F-4D97-AF65-F5344CB8AC3E}">
+        <p14:creationId xmlns:p14="http://schemas.microsoft.com/office/powerpoint/2010/main" val="1505597422"/>
+      </p:ext>
+    </p:extLst>
+  </p:cSld>
+  <p:clrMapOvr>
+    <a:masterClrMapping/>
+  </p:clrMapOvr>
+</p:sld>
+</file>
+
 <file path=ppt/slides/slide2.xml><?xml version="1.0" encoding="utf-8"?>
 <p:sld xmlns:a="http://schemas.openxmlformats.org/drawingml/2006/main" xmlns:r="http://schemas.openxmlformats.org/officeDocument/2006/relationships" xmlns:p="http://schemas.openxmlformats.org/presentationml/2006/main">
   <p:cSld>
@@ -3606,7 +5171,7 @@
           <a:p>
             <a:r>
               <a:rPr lang="de-CH" dirty="0"/>
-              <a:t>Tree status</a:t>
+              <a:t>Tree status – 2024-2025</a:t>
             </a:r>
             <a:endParaRPr lang="en-GB" dirty="0"/>
           </a:p>
@@ -3636,17 +5201,53 @@
               </a:ext>
             </a:extLst>
           </a:blip>
-          <a:stretch>
-            <a:fillRect/>
-          </a:stretch>
+          <a:srcRect t="5375"/>
+          <a:stretch/>
         </p:blipFill>
         <p:spPr>
           <a:xfrm>
-            <a:off x="1612504" y="1287780"/>
-            <a:ext cx="8728925" cy="5245237"/>
+            <a:off x="1240240" y="1280160"/>
+            <a:ext cx="9273909" cy="5273177"/>
           </a:xfrm>
         </p:spPr>
       </p:pic>
+      <p:sp>
+        <p:nvSpPr>
+          <p:cNvPr id="4" name="TextBox 3">
+            <a:extLst>
+              <a:ext uri="{FF2B5EF4-FFF2-40B4-BE49-F238E27FC236}">
+                <a16:creationId xmlns:a16="http://schemas.microsoft.com/office/drawing/2014/main" id="{63AB7877-6A7E-90C1-8A72-F78A798BE679}"/>
+              </a:ext>
+            </a:extLst>
+          </p:cNvPr>
+          <p:cNvSpPr txBox="1"/>
+          <p:nvPr/>
+        </p:nvSpPr>
+        <p:spPr>
+          <a:xfrm>
+            <a:off x="7132320" y="706874"/>
+            <a:ext cx="1188720" cy="369332"/>
+          </a:xfrm>
+          <a:prstGeom prst="rect">
+            <a:avLst/>
+          </a:prstGeom>
+          <a:noFill/>
+        </p:spPr>
+        <p:txBody>
+          <a:bodyPr wrap="square" rtlCol="0">
+            <a:spAutoFit/>
+          </a:bodyPr>
+          <a:lstStyle/>
+          <a:p>
+            <a:pPr algn="ctr"/>
+            <a:r>
+              <a:rPr lang="de-CH" dirty="0"/>
+              <a:t>n = 780</a:t>
+            </a:r>
+            <a:endParaRPr lang="en-GB" dirty="0"/>
+          </a:p>
+        </p:txBody>
+      </p:sp>
     </p:spTree>
     <p:extLst>
       <p:ext uri="{BB962C8B-B14F-4D97-AF65-F5344CB8AC3E}">
@@ -3677,46 +5278,12 @@
           <a:chExt cx="0" cy="0"/>
         </a:xfrm>
       </p:grpSpPr>
-      <p:sp>
-        <p:nvSpPr>
-          <p:cNvPr id="2" name="Title 1">
+      <p:pic>
+        <p:nvPicPr>
+          <p:cNvPr id="6" name="Content Placeholder 5" descr="A graph of different colored bars&#10;&#10;AI-generated content may be incorrect.">
             <a:extLst>
               <a:ext uri="{FF2B5EF4-FFF2-40B4-BE49-F238E27FC236}">
-                <a16:creationId xmlns:a16="http://schemas.microsoft.com/office/drawing/2014/main" id="{DED8D4A8-9316-1F4F-4391-A51F0AE12446}"/>
-              </a:ext>
-            </a:extLst>
-          </p:cNvPr>
-          <p:cNvSpPr>
-            <a:spLocks noGrp="1"/>
-          </p:cNvSpPr>
-          <p:nvPr>
-            <p:ph type="title"/>
-          </p:nvPr>
-        </p:nvSpPr>
-        <p:spPr>
-          <a:xfrm>
-            <a:off x="309880" y="274320"/>
-            <a:ext cx="9875520" cy="1356360"/>
-          </a:xfrm>
-        </p:spPr>
-        <p:txBody>
-          <a:bodyPr/>
-          <a:lstStyle/>
-          <a:p>
-            <a:r>
-              <a:rPr lang="de-CH" dirty="0"/>
-              <a:t>DBB</a:t>
-            </a:r>
-            <a:endParaRPr lang="en-GB" dirty="0"/>
-          </a:p>
-        </p:txBody>
-      </p:sp>
-      <p:pic>
-        <p:nvPicPr>
-          <p:cNvPr id="13" name="Content Placeholder 12" descr="A graph of a graph&#10;&#10;AI-generated content may be incorrect.">
-            <a:extLst>
-              <a:ext uri="{FF2B5EF4-FFF2-40B4-BE49-F238E27FC236}">
-                <a16:creationId xmlns:a16="http://schemas.microsoft.com/office/drawing/2014/main" id="{20E9ABAA-AE1B-6BCA-1B39-06C6C56C6344}"/>
+                <a16:creationId xmlns:a16="http://schemas.microsoft.com/office/drawing/2014/main" id="{AD890090-EF65-13CD-3F06-580B5D3AF2EB}"/>
               </a:ext>
             </a:extLst>
           </p:cNvPr>
@@ -3735,21 +5302,54 @@
               </a:ext>
             </a:extLst>
           </a:blip>
-          <a:stretch>
-            <a:fillRect/>
-          </a:stretch>
+          <a:srcRect t="5660"/>
+          <a:stretch/>
         </p:blipFill>
         <p:spPr>
           <a:xfrm>
-            <a:off x="1741324" y="1148080"/>
-            <a:ext cx="8927366" cy="5364480"/>
+            <a:off x="1452880" y="1349888"/>
+            <a:ext cx="9286240" cy="5264272"/>
           </a:xfrm>
         </p:spPr>
       </p:pic>
+      <p:sp>
+        <p:nvSpPr>
+          <p:cNvPr id="4" name="Title 1">
+            <a:extLst>
+              <a:ext uri="{FF2B5EF4-FFF2-40B4-BE49-F238E27FC236}">
+                <a16:creationId xmlns:a16="http://schemas.microsoft.com/office/drawing/2014/main" id="{C2C95541-CA90-A88F-7649-31BAE83914A4}"/>
+              </a:ext>
+            </a:extLst>
+          </p:cNvPr>
+          <p:cNvSpPr>
+            <a:spLocks noGrp="1"/>
+          </p:cNvSpPr>
+          <p:nvPr>
+            <p:ph type="title"/>
+          </p:nvPr>
+        </p:nvSpPr>
+        <p:spPr>
+          <a:xfrm>
+            <a:off x="228600" y="243840"/>
+            <a:ext cx="9875838" cy="1355725"/>
+          </a:xfrm>
+        </p:spPr>
+        <p:txBody>
+          <a:bodyPr/>
+          <a:lstStyle/>
+          <a:p>
+            <a:r>
+              <a:rPr lang="de-CH" dirty="0"/>
+              <a:t>Status – by Provenance</a:t>
+            </a:r>
+            <a:endParaRPr lang="en-GB" dirty="0"/>
+          </a:p>
+        </p:txBody>
+      </p:sp>
     </p:spTree>
     <p:extLst>
       <p:ext uri="{BB962C8B-B14F-4D97-AF65-F5344CB8AC3E}">
-        <p14:creationId xmlns:p14="http://schemas.microsoft.com/office/powerpoint/2010/main" val="4154756640"/>
+        <p14:creationId xmlns:p14="http://schemas.microsoft.com/office/powerpoint/2010/main" val="1264928361"/>
       </p:ext>
     </p:extLst>
   </p:cSld>
@@ -3781,7 +5381,7 @@
           <p:cNvPr id="2" name="Title 1">
             <a:extLst>
               <a:ext uri="{FF2B5EF4-FFF2-40B4-BE49-F238E27FC236}">
-                <a16:creationId xmlns:a16="http://schemas.microsoft.com/office/drawing/2014/main" id="{EC37FC25-0092-D266-9369-B42C8B0A2DCD}"/>
+                <a16:creationId xmlns:a16="http://schemas.microsoft.com/office/drawing/2014/main" id="{3924B841-9362-0383-46CC-CFFBEFEFB90A}"/>
               </a:ext>
             </a:extLst>
           </p:cNvPr>
@@ -3794,7 +5394,7 @@
         </p:nvSpPr>
         <p:spPr>
           <a:xfrm>
-            <a:off x="421640" y="386080"/>
+            <a:off x="238760" y="233680"/>
             <a:ext cx="9875520" cy="1356360"/>
           </a:xfrm>
         </p:spPr>
@@ -3804,7 +5404,7 @@
           <a:p>
             <a:r>
               <a:rPr lang="de-CH" dirty="0"/>
-              <a:t>Height</a:t>
+              <a:t>Status – by Type</a:t>
             </a:r>
             <a:endParaRPr lang="en-GB" dirty="0"/>
           </a:p>
@@ -3812,10 +5412,108 @@
       </p:sp>
       <p:pic>
         <p:nvPicPr>
-          <p:cNvPr id="13" name="Content Placeholder 12" descr="A graph of a graph&#10;&#10;AI-generated content may be incorrect.">
+          <p:cNvPr id="5" name="Content Placeholder 4" descr="A graph with different colored bars&#10;&#10;AI-generated content may be incorrect.">
             <a:extLst>
               <a:ext uri="{FF2B5EF4-FFF2-40B4-BE49-F238E27FC236}">
-                <a16:creationId xmlns:a16="http://schemas.microsoft.com/office/drawing/2014/main" id="{DF5F4204-7DFC-D576-7935-B7E0866D43BB}"/>
+                <a16:creationId xmlns:a16="http://schemas.microsoft.com/office/drawing/2014/main" id="{A1CE5F60-A8AD-E47F-B1ED-5F1950277951}"/>
+              </a:ext>
+            </a:extLst>
+          </p:cNvPr>
+          <p:cNvPicPr>
+            <a:picLocks noGrp="1" noChangeAspect="1"/>
+          </p:cNvPicPr>
+          <p:nvPr>
+            <p:ph idx="1"/>
+          </p:nvPr>
+        </p:nvPicPr>
+        <p:blipFill>
+          <a:blip r:embed="rId2">
+            <a:extLst>
+              <a:ext uri="{28A0092B-C50C-407E-A947-70E740481C1C}">
+                <a14:useLocalDpi xmlns:a14="http://schemas.microsoft.com/office/drawing/2010/main" val="0"/>
+              </a:ext>
+            </a:extLst>
+          </a:blip>
+          <a:srcRect t="5930"/>
+          <a:stretch/>
+        </p:blipFill>
+        <p:spPr>
+          <a:xfrm>
+            <a:off x="1413847" y="1229360"/>
+            <a:ext cx="9364306" cy="5293360"/>
+          </a:xfrm>
+        </p:spPr>
+      </p:pic>
+    </p:spTree>
+    <p:extLst>
+      <p:ext uri="{BB962C8B-B14F-4D97-AF65-F5344CB8AC3E}">
+        <p14:creationId xmlns:p14="http://schemas.microsoft.com/office/powerpoint/2010/main" val="71374995"/>
+      </p:ext>
+    </p:extLst>
+  </p:cSld>
+  <p:clrMapOvr>
+    <a:masterClrMapping/>
+  </p:clrMapOvr>
+</p:sld>
+</file>
+
+<file path=ppt/slides/slide5.xml><?xml version="1.0" encoding="utf-8"?>
+<p:sld xmlns:a="http://schemas.openxmlformats.org/drawingml/2006/main" xmlns:r="http://schemas.openxmlformats.org/officeDocument/2006/relationships" xmlns:p="http://schemas.openxmlformats.org/presentationml/2006/main">
+  <p:cSld>
+    <p:spTree>
+      <p:nvGrpSpPr>
+        <p:cNvPr id="1" name=""/>
+        <p:cNvGrpSpPr/>
+        <p:nvPr/>
+      </p:nvGrpSpPr>
+      <p:grpSpPr>
+        <a:xfrm>
+          <a:off x="0" y="0"/>
+          <a:ext cx="0" cy="0"/>
+          <a:chOff x="0" y="0"/>
+          <a:chExt cx="0" cy="0"/>
+        </a:xfrm>
+      </p:grpSpPr>
+      <p:sp>
+        <p:nvSpPr>
+          <p:cNvPr id="4" name="Title 1">
+            <a:extLst>
+              <a:ext uri="{FF2B5EF4-FFF2-40B4-BE49-F238E27FC236}">
+                <a16:creationId xmlns:a16="http://schemas.microsoft.com/office/drawing/2014/main" id="{F351BBFA-4D62-6F56-D9B2-084422C226AB}"/>
+              </a:ext>
+            </a:extLst>
+          </p:cNvPr>
+          <p:cNvSpPr>
+            <a:spLocks noGrp="1"/>
+          </p:cNvSpPr>
+          <p:nvPr>
+            <p:ph type="title"/>
+          </p:nvPr>
+        </p:nvSpPr>
+        <p:spPr>
+          <a:xfrm>
+            <a:off x="248920" y="213360"/>
+            <a:ext cx="9875838" cy="1355725"/>
+          </a:xfrm>
+        </p:spPr>
+        <p:txBody>
+          <a:bodyPr/>
+          <a:lstStyle/>
+          <a:p>
+            <a:r>
+              <a:rPr lang="de-CH" dirty="0"/>
+              <a:t>Status – by Block</a:t>
+            </a:r>
+            <a:endParaRPr lang="en-GB" dirty="0"/>
+          </a:p>
+        </p:txBody>
+      </p:sp>
+      <p:pic>
+        <p:nvPicPr>
+          <p:cNvPr id="10" name="Content Placeholder 9" descr="A graph of blue and red bars&#10;&#10;AI-generated content may be incorrect.">
+            <a:extLst>
+              <a:ext uri="{FF2B5EF4-FFF2-40B4-BE49-F238E27FC236}">
+                <a16:creationId xmlns:a16="http://schemas.microsoft.com/office/drawing/2014/main" id="{EA175353-6AD5-76CA-2329-CCA6E2F2F8DA}"/>
               </a:ext>
             </a:extLst>
           </p:cNvPr>
@@ -3840,15 +5538,409 @@
         </p:blipFill>
         <p:spPr>
           <a:xfrm>
-            <a:off x="1991360" y="1538946"/>
-            <a:ext cx="8429072" cy="5065054"/>
+            <a:off x="1547778" y="1148080"/>
+            <a:ext cx="9096444" cy="5466080"/>
           </a:xfrm>
         </p:spPr>
       </p:pic>
     </p:spTree>
     <p:extLst>
       <p:ext uri="{BB962C8B-B14F-4D97-AF65-F5344CB8AC3E}">
-        <p14:creationId xmlns:p14="http://schemas.microsoft.com/office/powerpoint/2010/main" val="2740833318"/>
+        <p14:creationId xmlns:p14="http://schemas.microsoft.com/office/powerpoint/2010/main" val="2413059109"/>
+      </p:ext>
+    </p:extLst>
+  </p:cSld>
+  <p:clrMapOvr>
+    <a:masterClrMapping/>
+  </p:clrMapOvr>
+</p:sld>
+</file>
+
+<file path=ppt/slides/slide6.xml><?xml version="1.0" encoding="utf-8"?>
+<p:sld xmlns:a="http://schemas.openxmlformats.org/drawingml/2006/main" xmlns:r="http://schemas.openxmlformats.org/officeDocument/2006/relationships" xmlns:p="http://schemas.openxmlformats.org/presentationml/2006/main">
+  <p:cSld>
+    <p:spTree>
+      <p:nvGrpSpPr>
+        <p:cNvPr id="1" name=""/>
+        <p:cNvGrpSpPr/>
+        <p:nvPr/>
+      </p:nvGrpSpPr>
+      <p:grpSpPr>
+        <a:xfrm>
+          <a:off x="0" y="0"/>
+          <a:ext cx="0" cy="0"/>
+          <a:chOff x="0" y="0"/>
+          <a:chExt cx="0" cy="0"/>
+        </a:xfrm>
+      </p:grpSpPr>
+      <p:sp>
+        <p:nvSpPr>
+          <p:cNvPr id="2" name="Title 1">
+            <a:extLst>
+              <a:ext uri="{FF2B5EF4-FFF2-40B4-BE49-F238E27FC236}">
+                <a16:creationId xmlns:a16="http://schemas.microsoft.com/office/drawing/2014/main" id="{DBBAC9F3-8100-D77A-023E-C972C89795AC}"/>
+              </a:ext>
+            </a:extLst>
+          </p:cNvPr>
+          <p:cNvSpPr>
+            <a:spLocks noGrp="1"/>
+          </p:cNvSpPr>
+          <p:nvPr>
+            <p:ph type="title"/>
+          </p:nvPr>
+        </p:nvSpPr>
+        <p:spPr>
+          <a:xfrm>
+            <a:off x="228600" y="223520"/>
+            <a:ext cx="9875520" cy="1356360"/>
+          </a:xfrm>
+        </p:spPr>
+        <p:txBody>
+          <a:bodyPr/>
+          <a:lstStyle/>
+          <a:p>
+            <a:r>
+              <a:rPr lang="de-CH" dirty="0"/>
+              <a:t>Status – by Family</a:t>
+            </a:r>
+            <a:endParaRPr lang="en-GB" dirty="0"/>
+          </a:p>
+        </p:txBody>
+      </p:sp>
+      <p:pic>
+        <p:nvPicPr>
+          <p:cNvPr id="9" name="Content Placeholder 8" descr="A graph of a family&#10;&#10;AI-generated content may be incorrect.">
+            <a:extLst>
+              <a:ext uri="{FF2B5EF4-FFF2-40B4-BE49-F238E27FC236}">
+                <a16:creationId xmlns:a16="http://schemas.microsoft.com/office/drawing/2014/main" id="{11EA4D3C-9827-BB96-BA2A-29A5ABBE1BA1}"/>
+              </a:ext>
+            </a:extLst>
+          </p:cNvPr>
+          <p:cNvPicPr>
+            <a:picLocks noGrp="1" noChangeAspect="1"/>
+          </p:cNvPicPr>
+          <p:nvPr>
+            <p:ph idx="1"/>
+          </p:nvPr>
+        </p:nvPicPr>
+        <p:blipFill>
+          <a:blip r:embed="rId2">
+            <a:extLst>
+              <a:ext uri="{28A0092B-C50C-407E-A947-70E740481C1C}">
+                <a14:useLocalDpi xmlns:a14="http://schemas.microsoft.com/office/drawing/2010/main" val="0"/>
+              </a:ext>
+            </a:extLst>
+          </a:blip>
+          <a:srcRect t="5409"/>
+          <a:stretch/>
+        </p:blipFill>
+        <p:spPr>
+          <a:xfrm>
+            <a:off x="1250101" y="1219200"/>
+            <a:ext cx="9509339" cy="5405120"/>
+          </a:xfrm>
+        </p:spPr>
+      </p:pic>
+    </p:spTree>
+    <p:extLst>
+      <p:ext uri="{BB962C8B-B14F-4D97-AF65-F5344CB8AC3E}">
+        <p14:creationId xmlns:p14="http://schemas.microsoft.com/office/powerpoint/2010/main" val="4087577250"/>
+      </p:ext>
+    </p:extLst>
+  </p:cSld>
+  <p:clrMapOvr>
+    <a:masterClrMapping/>
+  </p:clrMapOvr>
+</p:sld>
+</file>
+
+<file path=ppt/slides/slide7.xml><?xml version="1.0" encoding="utf-8"?>
+<p:sld xmlns:a="http://schemas.openxmlformats.org/drawingml/2006/main" xmlns:r="http://schemas.openxmlformats.org/officeDocument/2006/relationships" xmlns:p="http://schemas.openxmlformats.org/presentationml/2006/main">
+  <p:cSld>
+    <p:spTree>
+      <p:nvGrpSpPr>
+        <p:cNvPr id="1" name=""/>
+        <p:cNvGrpSpPr/>
+        <p:nvPr/>
+      </p:nvGrpSpPr>
+      <p:grpSpPr>
+        <a:xfrm>
+          <a:off x="0" y="0"/>
+          <a:ext cx="0" cy="0"/>
+          <a:chOff x="0" y="0"/>
+          <a:chExt cx="0" cy="0"/>
+        </a:xfrm>
+      </p:grpSpPr>
+      <p:sp>
+        <p:nvSpPr>
+          <p:cNvPr id="2" name="Title 1">
+            <a:extLst>
+              <a:ext uri="{FF2B5EF4-FFF2-40B4-BE49-F238E27FC236}">
+                <a16:creationId xmlns:a16="http://schemas.microsoft.com/office/drawing/2014/main" id="{168C75FB-2C6E-BD4A-0495-ABAEC6CE37D7}"/>
+              </a:ext>
+            </a:extLst>
+          </p:cNvPr>
+          <p:cNvSpPr>
+            <a:spLocks noGrp="1"/>
+          </p:cNvSpPr>
+          <p:nvPr>
+            <p:ph type="title"/>
+          </p:nvPr>
+        </p:nvSpPr>
+        <p:spPr>
+          <a:xfrm>
+            <a:off x="248920" y="233680"/>
+            <a:ext cx="9875520" cy="1356360"/>
+          </a:xfrm>
+        </p:spPr>
+        <p:txBody>
+          <a:bodyPr/>
+          <a:lstStyle/>
+          <a:p>
+            <a:r>
+              <a:rPr lang="de-CH" dirty="0"/>
+              <a:t>Provenance distribution</a:t>
+            </a:r>
+            <a:endParaRPr lang="en-GB" dirty="0"/>
+          </a:p>
+        </p:txBody>
+      </p:sp>
+      <p:pic>
+        <p:nvPicPr>
+          <p:cNvPr id="5" name="Content Placeholder 4" descr="A graph with different colored rectangles&#10;&#10;AI-generated content may be incorrect.">
+            <a:extLst>
+              <a:ext uri="{FF2B5EF4-FFF2-40B4-BE49-F238E27FC236}">
+                <a16:creationId xmlns:a16="http://schemas.microsoft.com/office/drawing/2014/main" id="{6226C969-854B-D7FD-DFE0-FB7D108928AD}"/>
+              </a:ext>
+            </a:extLst>
+          </p:cNvPr>
+          <p:cNvPicPr>
+            <a:picLocks noGrp="1" noChangeAspect="1"/>
+          </p:cNvPicPr>
+          <p:nvPr>
+            <p:ph idx="1"/>
+          </p:nvPr>
+        </p:nvPicPr>
+        <p:blipFill>
+          <a:blip r:embed="rId2">
+            <a:extLst>
+              <a:ext uri="{28A0092B-C50C-407E-A947-70E740481C1C}">
+                <a14:useLocalDpi xmlns:a14="http://schemas.microsoft.com/office/drawing/2010/main" val="0"/>
+              </a:ext>
+            </a:extLst>
+          </a:blip>
+          <a:stretch>
+            <a:fillRect/>
+          </a:stretch>
+        </p:blipFill>
+        <p:spPr>
+          <a:xfrm>
+            <a:off x="1620520" y="1103704"/>
+            <a:ext cx="8950960" cy="5378658"/>
+          </a:xfrm>
+        </p:spPr>
+      </p:pic>
+    </p:spTree>
+    <p:extLst>
+      <p:ext uri="{BB962C8B-B14F-4D97-AF65-F5344CB8AC3E}">
+        <p14:creationId xmlns:p14="http://schemas.microsoft.com/office/powerpoint/2010/main" val="985959284"/>
+      </p:ext>
+    </p:extLst>
+  </p:cSld>
+  <p:clrMapOvr>
+    <a:masterClrMapping/>
+  </p:clrMapOvr>
+</p:sld>
+</file>
+
+<file path=ppt/slides/slide8.xml><?xml version="1.0" encoding="utf-8"?>
+<p:sld xmlns:a="http://schemas.openxmlformats.org/drawingml/2006/main" xmlns:r="http://schemas.openxmlformats.org/officeDocument/2006/relationships" xmlns:p="http://schemas.openxmlformats.org/presentationml/2006/main">
+  <p:cSld>
+    <p:spTree>
+      <p:nvGrpSpPr>
+        <p:cNvPr id="1" name=""/>
+        <p:cNvGrpSpPr/>
+        <p:nvPr/>
+      </p:nvGrpSpPr>
+      <p:grpSpPr>
+        <a:xfrm>
+          <a:off x="0" y="0"/>
+          <a:ext cx="0" cy="0"/>
+          <a:chOff x="0" y="0"/>
+          <a:chExt cx="0" cy="0"/>
+        </a:xfrm>
+      </p:grpSpPr>
+      <p:sp>
+        <p:nvSpPr>
+          <p:cNvPr id="2" name="Title 1">
+            <a:extLst>
+              <a:ext uri="{FF2B5EF4-FFF2-40B4-BE49-F238E27FC236}">
+                <a16:creationId xmlns:a16="http://schemas.microsoft.com/office/drawing/2014/main" id="{26A2107B-1EA8-BA64-B10E-8A0B8E21FB4C}"/>
+              </a:ext>
+            </a:extLst>
+          </p:cNvPr>
+          <p:cNvSpPr>
+            <a:spLocks noGrp="1"/>
+          </p:cNvSpPr>
+          <p:nvPr>
+            <p:ph type="title"/>
+          </p:nvPr>
+        </p:nvSpPr>
+        <p:spPr>
+          <a:xfrm>
+            <a:off x="228600" y="243840"/>
+            <a:ext cx="9875520" cy="1356360"/>
+          </a:xfrm>
+        </p:spPr>
+        <p:txBody>
+          <a:bodyPr/>
+          <a:lstStyle/>
+          <a:p>
+            <a:r>
+              <a:rPr lang="de-CH" dirty="0"/>
+              <a:t>Type distribution</a:t>
+            </a:r>
+            <a:endParaRPr lang="en-GB" dirty="0"/>
+          </a:p>
+        </p:txBody>
+      </p:sp>
+      <p:pic>
+        <p:nvPicPr>
+          <p:cNvPr id="18" name="Content Placeholder 17" descr="A graph with different colored squares&#10;&#10;AI-generated content may be incorrect.">
+            <a:extLst>
+              <a:ext uri="{FF2B5EF4-FFF2-40B4-BE49-F238E27FC236}">
+                <a16:creationId xmlns:a16="http://schemas.microsoft.com/office/drawing/2014/main" id="{46EE900A-3FC4-6135-E0EC-34BB7B492793}"/>
+              </a:ext>
+            </a:extLst>
+          </p:cNvPr>
+          <p:cNvPicPr>
+            <a:picLocks noGrp="1" noChangeAspect="1"/>
+          </p:cNvPicPr>
+          <p:nvPr>
+            <p:ph idx="1"/>
+          </p:nvPr>
+        </p:nvPicPr>
+        <p:blipFill>
+          <a:blip r:embed="rId2">
+            <a:extLst>
+              <a:ext uri="{28A0092B-C50C-407E-A947-70E740481C1C}">
+                <a14:useLocalDpi xmlns:a14="http://schemas.microsoft.com/office/drawing/2010/main" val="0"/>
+              </a:ext>
+            </a:extLst>
+          </a:blip>
+          <a:stretch>
+            <a:fillRect/>
+          </a:stretch>
+        </p:blipFill>
+        <p:spPr>
+          <a:xfrm>
+            <a:off x="1635760" y="1406545"/>
+            <a:ext cx="8666316" cy="5207615"/>
+          </a:xfrm>
+        </p:spPr>
+      </p:pic>
+    </p:spTree>
+    <p:extLst>
+      <p:ext uri="{BB962C8B-B14F-4D97-AF65-F5344CB8AC3E}">
+        <p14:creationId xmlns:p14="http://schemas.microsoft.com/office/powerpoint/2010/main" val="1284769585"/>
+      </p:ext>
+    </p:extLst>
+  </p:cSld>
+  <p:clrMapOvr>
+    <a:masterClrMapping/>
+  </p:clrMapOvr>
+</p:sld>
+</file>
+
+<file path=ppt/slides/slide9.xml><?xml version="1.0" encoding="utf-8"?>
+<p:sld xmlns:a="http://schemas.openxmlformats.org/drawingml/2006/main" xmlns:r="http://schemas.openxmlformats.org/officeDocument/2006/relationships" xmlns:p="http://schemas.openxmlformats.org/presentationml/2006/main">
+  <p:cSld>
+    <p:spTree>
+      <p:nvGrpSpPr>
+        <p:cNvPr id="1" name=""/>
+        <p:cNvGrpSpPr/>
+        <p:nvPr/>
+      </p:nvGrpSpPr>
+      <p:grpSpPr>
+        <a:xfrm>
+          <a:off x="0" y="0"/>
+          <a:ext cx="0" cy="0"/>
+          <a:chOff x="0" y="0"/>
+          <a:chExt cx="0" cy="0"/>
+        </a:xfrm>
+      </p:grpSpPr>
+      <p:sp>
+        <p:nvSpPr>
+          <p:cNvPr id="2" name="Title 1">
+            <a:extLst>
+              <a:ext uri="{FF2B5EF4-FFF2-40B4-BE49-F238E27FC236}">
+                <a16:creationId xmlns:a16="http://schemas.microsoft.com/office/drawing/2014/main" id="{DED8D4A8-9316-1F4F-4391-A51F0AE12446}"/>
+              </a:ext>
+            </a:extLst>
+          </p:cNvPr>
+          <p:cNvSpPr>
+            <a:spLocks noGrp="1"/>
+          </p:cNvSpPr>
+          <p:nvPr>
+            <p:ph type="title"/>
+          </p:nvPr>
+        </p:nvSpPr>
+        <p:spPr>
+          <a:xfrm>
+            <a:off x="238760" y="274320"/>
+            <a:ext cx="9875520" cy="1356360"/>
+          </a:xfrm>
+        </p:spPr>
+        <p:txBody>
+          <a:bodyPr/>
+          <a:lstStyle/>
+          <a:p>
+            <a:r>
+              <a:rPr lang="de-CH" dirty="0"/>
+              <a:t>DBB – 2024-2025</a:t>
+            </a:r>
+            <a:endParaRPr lang="en-GB" dirty="0"/>
+          </a:p>
+        </p:txBody>
+      </p:sp>
+      <p:pic>
+        <p:nvPicPr>
+          <p:cNvPr id="6" name="Content Placeholder 5" descr="A graph with numbers and a red line&#10;&#10;AI-generated content may be incorrect.">
+            <a:extLst>
+              <a:ext uri="{FF2B5EF4-FFF2-40B4-BE49-F238E27FC236}">
+                <a16:creationId xmlns:a16="http://schemas.microsoft.com/office/drawing/2014/main" id="{60E642FF-9B67-83CD-BE65-139ECD5DC288}"/>
+              </a:ext>
+            </a:extLst>
+          </p:cNvPr>
+          <p:cNvPicPr>
+            <a:picLocks noGrp="1" noChangeAspect="1"/>
+          </p:cNvPicPr>
+          <p:nvPr>
+            <p:ph idx="1"/>
+          </p:nvPr>
+        </p:nvPicPr>
+        <p:blipFill>
+          <a:blip r:embed="rId2">
+            <a:extLst>
+              <a:ext uri="{28A0092B-C50C-407E-A947-70E740481C1C}">
+                <a14:useLocalDpi xmlns:a14="http://schemas.microsoft.com/office/drawing/2010/main" val="0"/>
+              </a:ext>
+            </a:extLst>
+          </a:blip>
+          <a:srcRect t="5930"/>
+          <a:stretch/>
+        </p:blipFill>
+        <p:spPr>
+          <a:xfrm>
+            <a:off x="1458686" y="1341013"/>
+            <a:ext cx="9274628" cy="5242667"/>
+          </a:xfrm>
+        </p:spPr>
+      </p:pic>
+    </p:spTree>
+    <p:extLst>
+      <p:ext uri="{BB962C8B-B14F-4D97-AF65-F5344CB8AC3E}">
+        <p14:creationId xmlns:p14="http://schemas.microsoft.com/office/powerpoint/2010/main" val="4154756640"/>
       </p:ext>
     </p:extLst>
   </p:cSld>

--- a/RapidAdaptation_DataExploration.pptx
+++ b/RapidAdaptation_DataExploration.pptx
@@ -4,23 +4,34 @@
   <p:sldMasterIdLst>
     <p:sldMasterId id="2147483660" r:id="rId1"/>
   </p:sldMasterIdLst>
+  <p:notesMasterIdLst>
+    <p:notesMasterId r:id="rId26"/>
+  </p:notesMasterIdLst>
   <p:sldIdLst>
     <p:sldId id="256" r:id="rId2"/>
     <p:sldId id="257" r:id="rId3"/>
-    <p:sldId id="269" r:id="rId4"/>
-    <p:sldId id="267" r:id="rId5"/>
-    <p:sldId id="270" r:id="rId6"/>
-    <p:sldId id="272" r:id="rId7"/>
-    <p:sldId id="271" r:id="rId8"/>
-    <p:sldId id="268" r:id="rId9"/>
-    <p:sldId id="258" r:id="rId10"/>
-    <p:sldId id="259" r:id="rId11"/>
-    <p:sldId id="262" r:id="rId12"/>
-    <p:sldId id="266" r:id="rId13"/>
-    <p:sldId id="261" r:id="rId14"/>
-    <p:sldId id="263" r:id="rId15"/>
-    <p:sldId id="265" r:id="rId16"/>
-    <p:sldId id="264" r:id="rId17"/>
+    <p:sldId id="271" r:id="rId4"/>
+    <p:sldId id="269" r:id="rId5"/>
+    <p:sldId id="268" r:id="rId6"/>
+    <p:sldId id="267" r:id="rId7"/>
+    <p:sldId id="273" r:id="rId8"/>
+    <p:sldId id="270" r:id="rId9"/>
+    <p:sldId id="274" r:id="rId10"/>
+    <p:sldId id="272" r:id="rId11"/>
+    <p:sldId id="258" r:id="rId12"/>
+    <p:sldId id="259" r:id="rId13"/>
+    <p:sldId id="262" r:id="rId14"/>
+    <p:sldId id="266" r:id="rId15"/>
+    <p:sldId id="261" r:id="rId16"/>
+    <p:sldId id="275" r:id="rId17"/>
+    <p:sldId id="276" r:id="rId18"/>
+    <p:sldId id="263" r:id="rId19"/>
+    <p:sldId id="265" r:id="rId20"/>
+    <p:sldId id="277" r:id="rId21"/>
+    <p:sldId id="278" r:id="rId22"/>
+    <p:sldId id="264" r:id="rId23"/>
+    <p:sldId id="280" r:id="rId24"/>
+    <p:sldId id="279" r:id="rId25"/>
   </p:sldIdLst>
   <p:sldSz cx="12192000" cy="6858000"/>
   <p:notesSz cx="6858000" cy="9144000"/>
@@ -130,7 +141,7 @@
 <file path=ppt/revisionInfo.xml><?xml version="1.0" encoding="utf-8"?>
 <p1510:revInfo xmlns:a="http://schemas.openxmlformats.org/drawingml/2006/main" xmlns:r="http://schemas.openxmlformats.org/officeDocument/2006/relationships" xmlns:p1510="http://schemas.microsoft.com/office/powerpoint/2015/10/main">
   <p1510:revLst>
-    <p1510:client id="{100BBC7B-7ACA-4A4D-BA33-DEF31D162335}" v="36" dt="2025-12-08T15:44:12.728"/>
+    <p1510:client id="{100BBC7B-7ACA-4A4D-BA33-DEF31D162335}" v="105" dt="2025-12-09T13:05:36.581"/>
   </p1510:revLst>
 </p1510:revInfo>
 </file>
@@ -140,7 +151,7 @@
   <pc:docChgLst>
     <pc:chgData name="Luisa Dickenmann" userId="0c0840b0-1ae7-42c8-98b5-b02d8f71a603" providerId="ADAL" clId="{100BBC7B-7ACA-4A4D-BA33-DEF31D162335}"/>
     <pc:docChg chg="undo custSel addSld delSld modSld sldOrd">
-      <pc:chgData name="Luisa Dickenmann" userId="0c0840b0-1ae7-42c8-98b5-b02d8f71a603" providerId="ADAL" clId="{100BBC7B-7ACA-4A4D-BA33-DEF31D162335}" dt="2025-12-08T15:44:55.261" v="896" actId="1036"/>
+      <pc:chgData name="Luisa Dickenmann" userId="0c0840b0-1ae7-42c8-98b5-b02d8f71a603" providerId="ADAL" clId="{100BBC7B-7ACA-4A4D-BA33-DEF31D162335}" dt="2025-12-09T14:38:07.173" v="2781" actId="1035"/>
       <pc:docMkLst>
         <pc:docMk/>
       </pc:docMkLst>
@@ -168,7 +179,7 @@
         </pc:spChg>
       </pc:sldChg>
       <pc:sldChg chg="addSp delSp modSp mod ord">
-        <pc:chgData name="Luisa Dickenmann" userId="0c0840b0-1ae7-42c8-98b5-b02d8f71a603" providerId="ADAL" clId="{100BBC7B-7ACA-4A4D-BA33-DEF31D162335}" dt="2025-12-08T15:18:20.700" v="802"/>
+        <pc:chgData name="Luisa Dickenmann" userId="0c0840b0-1ae7-42c8-98b5-b02d8f71a603" providerId="ADAL" clId="{100BBC7B-7ACA-4A4D-BA33-DEF31D162335}" dt="2025-12-09T13:02:57.904" v="2519" actId="478"/>
         <pc:sldMkLst>
           <pc:docMk/>
           <pc:sldMk cId="1618141787" sldId="257"/>
@@ -190,11 +201,27 @@
           </ac:spMkLst>
         </pc:spChg>
         <pc:spChg chg="add mod">
+          <ac:chgData name="Luisa Dickenmann" userId="0c0840b0-1ae7-42c8-98b5-b02d8f71a603" providerId="ADAL" clId="{100BBC7B-7ACA-4A4D-BA33-DEF31D162335}" dt="2025-12-09T09:09:49.349" v="1336" actId="1076"/>
+          <ac:spMkLst>
+            <pc:docMk/>
+            <pc:sldMk cId="1618141787" sldId="257"/>
+            <ac:spMk id="3" creationId="{E890D675-07F7-60A4-05DA-BBEE0C81C238}"/>
+          </ac:spMkLst>
+        </pc:spChg>
+        <pc:spChg chg="add mod">
           <ac:chgData name="Luisa Dickenmann" userId="0c0840b0-1ae7-42c8-98b5-b02d8f71a603" providerId="ADAL" clId="{100BBC7B-7ACA-4A4D-BA33-DEF31D162335}" dt="2025-12-08T14:23:58.308" v="703" actId="20577"/>
           <ac:spMkLst>
             <pc:docMk/>
             <pc:sldMk cId="1618141787" sldId="257"/>
             <ac:spMk id="4" creationId="{63AB7877-6A7E-90C1-8A72-F78A798BE679}"/>
+          </ac:spMkLst>
+        </pc:spChg>
+        <pc:spChg chg="add del mod">
+          <ac:chgData name="Luisa Dickenmann" userId="0c0840b0-1ae7-42c8-98b5-b02d8f71a603" providerId="ADAL" clId="{100BBC7B-7ACA-4A4D-BA33-DEF31D162335}" dt="2025-12-09T13:02:57.904" v="2519" actId="478"/>
+          <ac:spMkLst>
+            <pc:docMk/>
+            <pc:sldMk cId="1618141787" sldId="257"/>
+            <ac:spMk id="10" creationId="{5D5F5D37-8A59-81D5-0EF6-552164B074C6}"/>
           </ac:spMkLst>
         </pc:spChg>
         <pc:picChg chg="mod modCrop">
@@ -205,21 +232,37 @@
             <ac:picMk id="5" creationId="{EAFD7B17-8C63-C633-8D05-E8C5F492CED0}"/>
           </ac:picMkLst>
         </pc:picChg>
+        <pc:cxnChg chg="add mod">
+          <ac:chgData name="Luisa Dickenmann" userId="0c0840b0-1ae7-42c8-98b5-b02d8f71a603" providerId="ADAL" clId="{100BBC7B-7ACA-4A4D-BA33-DEF31D162335}" dt="2025-12-09T09:09:47.085" v="1335" actId="14100"/>
+          <ac:cxnSpMkLst>
+            <pc:docMk/>
+            <pc:sldMk cId="1618141787" sldId="257"/>
+            <ac:cxnSpMk id="7" creationId="{D0163F98-6CDF-4287-2948-EAF8EBED1BD1}"/>
+          </ac:cxnSpMkLst>
+        </pc:cxnChg>
       </pc:sldChg>
       <pc:sldChg chg="addSp delSp modSp mod">
-        <pc:chgData name="Luisa Dickenmann" userId="0c0840b0-1ae7-42c8-98b5-b02d8f71a603" providerId="ADAL" clId="{100BBC7B-7ACA-4A4D-BA33-DEF31D162335}" dt="2025-12-08T15:19:19.058" v="813" actId="1076"/>
+        <pc:chgData name="Luisa Dickenmann" userId="0c0840b0-1ae7-42c8-98b5-b02d8f71a603" providerId="ADAL" clId="{100BBC7B-7ACA-4A4D-BA33-DEF31D162335}" dt="2025-12-09T12:54:24.701" v="2512" actId="1076"/>
         <pc:sldMkLst>
           <pc:docMk/>
           <pc:sldMk cId="4154756640" sldId="258"/>
         </pc:sldMkLst>
         <pc:spChg chg="mod">
-          <ac:chgData name="Luisa Dickenmann" userId="0c0840b0-1ae7-42c8-98b5-b02d8f71a603" providerId="ADAL" clId="{100BBC7B-7ACA-4A4D-BA33-DEF31D162335}" dt="2025-12-08T15:19:19.058" v="813" actId="1076"/>
+          <ac:chgData name="Luisa Dickenmann" userId="0c0840b0-1ae7-42c8-98b5-b02d8f71a603" providerId="ADAL" clId="{100BBC7B-7ACA-4A4D-BA33-DEF31D162335}" dt="2025-12-09T12:54:07.976" v="2507" actId="20577"/>
           <ac:spMkLst>
             <pc:docMk/>
             <pc:sldMk cId="4154756640" sldId="258"/>
             <ac:spMk id="2" creationId="{DED8D4A8-9316-1F4F-4391-A51F0AE12446}"/>
           </ac:spMkLst>
         </pc:spChg>
+        <pc:spChg chg="add mod">
+          <ac:chgData name="Luisa Dickenmann" userId="0c0840b0-1ae7-42c8-98b5-b02d8f71a603" providerId="ADAL" clId="{100BBC7B-7ACA-4A4D-BA33-DEF31D162335}" dt="2025-12-09T12:54:24.701" v="2512" actId="1076"/>
+          <ac:spMkLst>
+            <pc:docMk/>
+            <pc:sldMk cId="4154756640" sldId="258"/>
+            <ac:spMk id="3" creationId="{7FC9CC8D-5E27-7D11-D30C-DB30F7B517A9}"/>
+          </ac:spMkLst>
+        </pc:spChg>
         <pc:spChg chg="add del mod">
           <ac:chgData name="Luisa Dickenmann" userId="0c0840b0-1ae7-42c8-98b5-b02d8f71a603" providerId="ADAL" clId="{100BBC7B-7ACA-4A4D-BA33-DEF31D162335}" dt="2025-12-08T13:49:42.448" v="441" actId="931"/>
           <ac:spMkLst>
@@ -228,12 +271,52 @@
             <ac:spMk id="4" creationId="{8623E004-269D-DA9B-FE56-2A75D127167B}"/>
           </ac:spMkLst>
         </pc:spChg>
-        <pc:picChg chg="add mod modCrop">
-          <ac:chgData name="Luisa Dickenmann" userId="0c0840b0-1ae7-42c8-98b5-b02d8f71a603" providerId="ADAL" clId="{100BBC7B-7ACA-4A4D-BA33-DEF31D162335}" dt="2025-12-08T13:49:55.296" v="447" actId="1076"/>
+        <pc:spChg chg="add del mod">
+          <ac:chgData name="Luisa Dickenmann" userId="0c0840b0-1ae7-42c8-98b5-b02d8f71a603" providerId="ADAL" clId="{100BBC7B-7ACA-4A4D-BA33-DEF31D162335}" dt="2025-12-09T12:19:15.944" v="2313" actId="931"/>
+          <ac:spMkLst>
+            <pc:docMk/>
+            <pc:sldMk cId="4154756640" sldId="258"/>
+            <ac:spMk id="5" creationId="{2B524A18-D257-C102-002A-9D3416D34480}"/>
+          </ac:spMkLst>
+        </pc:spChg>
+        <pc:spChg chg="add del mod">
+          <ac:chgData name="Luisa Dickenmann" userId="0c0840b0-1ae7-42c8-98b5-b02d8f71a603" providerId="ADAL" clId="{100BBC7B-7ACA-4A4D-BA33-DEF31D162335}" dt="2025-12-09T12:22:47.233" v="2408" actId="931"/>
+          <ac:spMkLst>
+            <pc:docMk/>
+            <pc:sldMk cId="4154756640" sldId="258"/>
+            <ac:spMk id="10" creationId="{43E83777-568E-C647-90E7-61CE2532B52C}"/>
+          </ac:spMkLst>
+        </pc:spChg>
+        <pc:spChg chg="add del mod">
+          <ac:chgData name="Luisa Dickenmann" userId="0c0840b0-1ae7-42c8-98b5-b02d8f71a603" providerId="ADAL" clId="{100BBC7B-7ACA-4A4D-BA33-DEF31D162335}" dt="2025-12-09T12:49:59.226" v="2438" actId="478"/>
+          <ac:spMkLst>
+            <pc:docMk/>
+            <pc:sldMk cId="4154756640" sldId="258"/>
+            <ac:spMk id="14" creationId="{5287C868-62A9-5490-0560-E1F6D386B451}"/>
+          </ac:spMkLst>
+        </pc:spChg>
+        <pc:picChg chg="add del mod modCrop">
+          <ac:chgData name="Luisa Dickenmann" userId="0c0840b0-1ae7-42c8-98b5-b02d8f71a603" providerId="ADAL" clId="{100BBC7B-7ACA-4A4D-BA33-DEF31D162335}" dt="2025-12-09T12:19:08.604" v="2312" actId="478"/>
           <ac:picMkLst>
             <pc:docMk/>
             <pc:sldMk cId="4154756640" sldId="258"/>
             <ac:picMk id="6" creationId="{60E642FF-9B67-83CD-BE65-139ECD5DC288}"/>
+          </ac:picMkLst>
+        </pc:picChg>
+        <pc:picChg chg="add del mod">
+          <ac:chgData name="Luisa Dickenmann" userId="0c0840b0-1ae7-42c8-98b5-b02d8f71a603" providerId="ADAL" clId="{100BBC7B-7ACA-4A4D-BA33-DEF31D162335}" dt="2025-12-09T12:22:41.340" v="2407" actId="478"/>
+          <ac:picMkLst>
+            <pc:docMk/>
+            <pc:sldMk cId="4154756640" sldId="258"/>
+            <ac:picMk id="8" creationId="{B73381E8-838A-396E-4CA3-A4A7C84C7559}"/>
+          </ac:picMkLst>
+        </pc:picChg>
+        <pc:picChg chg="add del mod ord modCrop">
+          <ac:chgData name="Luisa Dickenmann" userId="0c0840b0-1ae7-42c8-98b5-b02d8f71a603" providerId="ADAL" clId="{100BBC7B-7ACA-4A4D-BA33-DEF31D162335}" dt="2025-12-09T12:54:19.475" v="2510" actId="1076"/>
+          <ac:picMkLst>
+            <pc:docMk/>
+            <pc:sldMk cId="4154756640" sldId="258"/>
+            <ac:picMk id="12" creationId="{BD49C6AC-C674-843D-C8F1-02241A71B122}"/>
           </ac:picMkLst>
         </pc:picChg>
         <pc:picChg chg="del mod modCrop">
@@ -245,22 +328,70 @@
           </ac:picMkLst>
         </pc:picChg>
       </pc:sldChg>
-      <pc:sldChg chg="modSp mod">
-        <pc:chgData name="Luisa Dickenmann" userId="0c0840b0-1ae7-42c8-98b5-b02d8f71a603" providerId="ADAL" clId="{100BBC7B-7ACA-4A4D-BA33-DEF31D162335}" dt="2025-12-08T15:19:10.499" v="812" actId="1076"/>
+      <pc:sldChg chg="addSp delSp modSp mod">
+        <pc:chgData name="Luisa Dickenmann" userId="0c0840b0-1ae7-42c8-98b5-b02d8f71a603" providerId="ADAL" clId="{100BBC7B-7ACA-4A4D-BA33-DEF31D162335}" dt="2025-12-09T12:54:05.970" v="2506" actId="20577"/>
         <pc:sldMkLst>
           <pc:docMk/>
           <pc:sldMk cId="2740833318" sldId="259"/>
         </pc:sldMkLst>
         <pc:spChg chg="mod">
-          <ac:chgData name="Luisa Dickenmann" userId="0c0840b0-1ae7-42c8-98b5-b02d8f71a603" providerId="ADAL" clId="{100BBC7B-7ACA-4A4D-BA33-DEF31D162335}" dt="2025-12-08T15:19:10.499" v="812" actId="1076"/>
+          <ac:chgData name="Luisa Dickenmann" userId="0c0840b0-1ae7-42c8-98b5-b02d8f71a603" providerId="ADAL" clId="{100BBC7B-7ACA-4A4D-BA33-DEF31D162335}" dt="2025-12-09T12:54:05.970" v="2506" actId="20577"/>
           <ac:spMkLst>
             <pc:docMk/>
             <pc:sldMk cId="2740833318" sldId="259"/>
             <ac:spMk id="2" creationId="{EC37FC25-0092-D266-9369-B42C8B0A2DCD}"/>
           </ac:spMkLst>
         </pc:spChg>
-        <pc:picChg chg="mod modCrop">
-          <ac:chgData name="Luisa Dickenmann" userId="0c0840b0-1ae7-42c8-98b5-b02d8f71a603" providerId="ADAL" clId="{100BBC7B-7ACA-4A4D-BA33-DEF31D162335}" dt="2025-12-08T12:15:04.974" v="388" actId="1076"/>
+        <pc:spChg chg="add del mod">
+          <ac:chgData name="Luisa Dickenmann" userId="0c0840b0-1ae7-42c8-98b5-b02d8f71a603" providerId="ADAL" clId="{100BBC7B-7ACA-4A4D-BA33-DEF31D162335}" dt="2025-12-09T12:44:53.493" v="2416" actId="931"/>
+          <ac:spMkLst>
+            <pc:docMk/>
+            <pc:sldMk cId="2740833318" sldId="259"/>
+            <ac:spMk id="4" creationId="{532D2E4B-88AD-EAF1-3A11-A5EEBF4FDB12}"/>
+          </ac:spMkLst>
+        </pc:spChg>
+        <pc:spChg chg="add mod">
+          <ac:chgData name="Luisa Dickenmann" userId="0c0840b0-1ae7-42c8-98b5-b02d8f71a603" providerId="ADAL" clId="{100BBC7B-7ACA-4A4D-BA33-DEF31D162335}" dt="2025-12-09T12:52:31.636" v="2497" actId="1076"/>
+          <ac:spMkLst>
+            <pc:docMk/>
+            <pc:sldMk cId="2740833318" sldId="259"/>
+            <ac:spMk id="7" creationId="{48543C4B-69A1-290C-CEFB-6E8DFA1E1BD1}"/>
+          </ac:spMkLst>
+        </pc:spChg>
+        <pc:spChg chg="add del mod">
+          <ac:chgData name="Luisa Dickenmann" userId="0c0840b0-1ae7-42c8-98b5-b02d8f71a603" providerId="ADAL" clId="{100BBC7B-7ACA-4A4D-BA33-DEF31D162335}" dt="2025-12-09T12:50:06.464" v="2440" actId="931"/>
+          <ac:spMkLst>
+            <pc:docMk/>
+            <pc:sldMk cId="2740833318" sldId="259"/>
+            <ac:spMk id="9" creationId="{4B86054D-C31C-DCF9-B905-30FB8008FA94}"/>
+          </ac:spMkLst>
+        </pc:spChg>
+        <pc:spChg chg="add mod">
+          <ac:chgData name="Luisa Dickenmann" userId="0c0840b0-1ae7-42c8-98b5-b02d8f71a603" providerId="ADAL" clId="{100BBC7B-7ACA-4A4D-BA33-DEF31D162335}" dt="2025-12-09T12:53:52.670" v="2505" actId="20577"/>
+          <ac:spMkLst>
+            <pc:docMk/>
+            <pc:sldMk cId="2740833318" sldId="259"/>
+            <ac:spMk id="12" creationId="{86B23E41-3A5D-BCAF-834C-2A32E08422A5}"/>
+          </ac:spMkLst>
+        </pc:spChg>
+        <pc:picChg chg="add del mod">
+          <ac:chgData name="Luisa Dickenmann" userId="0c0840b0-1ae7-42c8-98b5-b02d8f71a603" providerId="ADAL" clId="{100BBC7B-7ACA-4A4D-BA33-DEF31D162335}" dt="2025-12-09T12:50:01.499" v="2439" actId="478"/>
+          <ac:picMkLst>
+            <pc:docMk/>
+            <pc:sldMk cId="2740833318" sldId="259"/>
+            <ac:picMk id="6" creationId="{4C5BE8CB-F4AE-8643-ACF9-3C68BE49ECE3}"/>
+          </ac:picMkLst>
+        </pc:picChg>
+        <pc:picChg chg="add mod ord">
+          <ac:chgData name="Luisa Dickenmann" userId="0c0840b0-1ae7-42c8-98b5-b02d8f71a603" providerId="ADAL" clId="{100BBC7B-7ACA-4A4D-BA33-DEF31D162335}" dt="2025-12-09T12:50:14.400" v="2444" actId="14100"/>
+          <ac:picMkLst>
+            <pc:docMk/>
+            <pc:sldMk cId="2740833318" sldId="259"/>
+            <ac:picMk id="11" creationId="{C5869241-031B-EBB0-A018-4867A27D2D22}"/>
+          </ac:picMkLst>
+        </pc:picChg>
+        <pc:picChg chg="del mod modCrop">
+          <ac:chgData name="Luisa Dickenmann" userId="0c0840b0-1ae7-42c8-98b5-b02d8f71a603" providerId="ADAL" clId="{100BBC7B-7ACA-4A4D-BA33-DEF31D162335}" dt="2025-12-09T12:44:47.670" v="2415" actId="478"/>
           <ac:picMkLst>
             <pc:docMk/>
             <pc:sldMk cId="2740833318" sldId="259"/>
@@ -275,8 +406,8 @@
           <pc:sldMk cId="3575966718" sldId="260"/>
         </pc:sldMkLst>
       </pc:sldChg>
-      <pc:sldChg chg="addSp delSp modSp new mod">
-        <pc:chgData name="Luisa Dickenmann" userId="0c0840b0-1ae7-42c8-98b5-b02d8f71a603" providerId="ADAL" clId="{100BBC7B-7ACA-4A4D-BA33-DEF31D162335}" dt="2025-12-08T15:19:33.932" v="816" actId="1076"/>
+      <pc:sldChg chg="addSp delSp modSp new mod modNotesTx">
+        <pc:chgData name="Luisa Dickenmann" userId="0c0840b0-1ae7-42c8-98b5-b02d8f71a603" providerId="ADAL" clId="{100BBC7B-7ACA-4A4D-BA33-DEF31D162335}" dt="2025-12-09T13:05:39.778" v="2552" actId="20577"/>
         <pc:sldMkLst>
           <pc:docMk/>
           <pc:sldMk cId="4018528445" sldId="261"/>
@@ -290,19 +421,67 @@
           </ac:spMkLst>
         </pc:spChg>
         <pc:spChg chg="add mod">
-          <ac:chgData name="Luisa Dickenmann" userId="0c0840b0-1ae7-42c8-98b5-b02d8f71a603" providerId="ADAL" clId="{100BBC7B-7ACA-4A4D-BA33-DEF31D162335}" dt="2025-12-08T12:03:29.753" v="268" actId="20577"/>
+          <ac:chgData name="Luisa Dickenmann" userId="0c0840b0-1ae7-42c8-98b5-b02d8f71a603" providerId="ADAL" clId="{100BBC7B-7ACA-4A4D-BA33-DEF31D162335}" dt="2025-12-09T11:46:50.401" v="2130" actId="1076"/>
           <ac:spMkLst>
             <pc:docMk/>
             <pc:sldMk cId="4018528445" sldId="261"/>
             <ac:spMk id="3" creationId="{3FEE3C62-7A17-B683-8845-1CC05C605A19}"/>
           </ac:spMkLst>
         </pc:spChg>
-        <pc:spChg chg="add mod">
-          <ac:chgData name="Luisa Dickenmann" userId="0c0840b0-1ae7-42c8-98b5-b02d8f71a603" providerId="ADAL" clId="{100BBC7B-7ACA-4A4D-BA33-DEF31D162335}" dt="2025-12-08T13:51:28.329" v="556" actId="1076"/>
+        <pc:spChg chg="add del mod">
+          <ac:chgData name="Luisa Dickenmann" userId="0c0840b0-1ae7-42c8-98b5-b02d8f71a603" providerId="ADAL" clId="{100BBC7B-7ACA-4A4D-BA33-DEF31D162335}" dt="2025-12-09T13:03:09.675" v="2520" actId="478"/>
           <ac:spMkLst>
             <pc:docMk/>
             <pc:sldMk cId="4018528445" sldId="261"/>
             <ac:spMk id="4" creationId="{E5DCEE24-4EB7-F051-422E-FF7AF5E0BE67}"/>
+          </ac:spMkLst>
+        </pc:spChg>
+        <pc:spChg chg="add del mod">
+          <ac:chgData name="Luisa Dickenmann" userId="0c0840b0-1ae7-42c8-98b5-b02d8f71a603" providerId="ADAL" clId="{100BBC7B-7ACA-4A4D-BA33-DEF31D162335}" dt="2025-12-09T11:33:55.744" v="2032" actId="478"/>
+          <ac:spMkLst>
+            <pc:docMk/>
+            <pc:sldMk cId="4018528445" sldId="261"/>
+            <ac:spMk id="6" creationId="{80950EBB-8C17-AB55-C2D8-9EFAA45D6BB0}"/>
+          </ac:spMkLst>
+        </pc:spChg>
+        <pc:spChg chg="add del mod">
+          <ac:chgData name="Luisa Dickenmann" userId="0c0840b0-1ae7-42c8-98b5-b02d8f71a603" providerId="ADAL" clId="{100BBC7B-7ACA-4A4D-BA33-DEF31D162335}" dt="2025-12-09T11:45:50.736" v="2101" actId="478"/>
+          <ac:spMkLst>
+            <pc:docMk/>
+            <pc:sldMk cId="4018528445" sldId="261"/>
+            <ac:spMk id="7" creationId="{BBEFE0AB-082B-2E38-5653-035A328645CC}"/>
+          </ac:spMkLst>
+        </pc:spChg>
+        <pc:spChg chg="add mod">
+          <ac:chgData name="Luisa Dickenmann" userId="0c0840b0-1ae7-42c8-98b5-b02d8f71a603" providerId="ADAL" clId="{100BBC7B-7ACA-4A4D-BA33-DEF31D162335}" dt="2025-12-09T11:34:55.282" v="2064" actId="20577"/>
+          <ac:spMkLst>
+            <pc:docMk/>
+            <pc:sldMk cId="4018528445" sldId="261"/>
+            <ac:spMk id="9" creationId="{B0C60FA7-6976-A204-5DB2-FA364834CB49}"/>
+          </ac:spMkLst>
+        </pc:spChg>
+        <pc:spChg chg="add mod">
+          <ac:chgData name="Luisa Dickenmann" userId="0c0840b0-1ae7-42c8-98b5-b02d8f71a603" providerId="ADAL" clId="{100BBC7B-7ACA-4A4D-BA33-DEF31D162335}" dt="2025-12-09T11:46:38.154" v="2129" actId="1035"/>
+          <ac:spMkLst>
+            <pc:docMk/>
+            <pc:sldMk cId="4018528445" sldId="261"/>
+            <ac:spMk id="11" creationId="{1DE83656-BBCA-820A-78B8-B8825292C4BF}"/>
+          </ac:spMkLst>
+        </pc:spChg>
+        <pc:spChg chg="add del mod">
+          <ac:chgData name="Luisa Dickenmann" userId="0c0840b0-1ae7-42c8-98b5-b02d8f71a603" providerId="ADAL" clId="{100BBC7B-7ACA-4A4D-BA33-DEF31D162335}" dt="2025-12-09T13:05:30.480" v="2535" actId="21"/>
+          <ac:spMkLst>
+            <pc:docMk/>
+            <pc:sldMk cId="4018528445" sldId="261"/>
+            <ac:spMk id="12" creationId="{B288B677-3035-51D8-5C17-98D87F87F1C8}"/>
+          </ac:spMkLst>
+        </pc:spChg>
+        <pc:spChg chg="add mod">
+          <ac:chgData name="Luisa Dickenmann" userId="0c0840b0-1ae7-42c8-98b5-b02d8f71a603" providerId="ADAL" clId="{100BBC7B-7ACA-4A4D-BA33-DEF31D162335}" dt="2025-12-09T13:05:34.989" v="2548"/>
+          <ac:spMkLst>
+            <pc:docMk/>
+            <pc:sldMk cId="4018528445" sldId="261"/>
+            <ac:spMk id="13" creationId="{B288B677-3035-51D8-5C17-98D87F87F1C8}"/>
           </ac:spMkLst>
         </pc:spChg>
         <pc:picChg chg="add mod modCrop">
@@ -313,9 +492,17 @@
             <ac:picMk id="5" creationId="{C81AF245-CF10-C522-E0CE-18AABCB35AA8}"/>
           </ac:picMkLst>
         </pc:picChg>
+        <pc:cxnChg chg="add mod">
+          <ac:chgData name="Luisa Dickenmann" userId="0c0840b0-1ae7-42c8-98b5-b02d8f71a603" providerId="ADAL" clId="{100BBC7B-7ACA-4A4D-BA33-DEF31D162335}" dt="2025-12-09T11:46:13.580" v="2103" actId="1076"/>
+          <ac:cxnSpMkLst>
+            <pc:docMk/>
+            <pc:sldMk cId="4018528445" sldId="261"/>
+            <ac:cxnSpMk id="10" creationId="{627207B2-C399-F774-B53B-5CE49BA29F56}"/>
+          </ac:cxnSpMkLst>
+        </pc:cxnChg>
       </pc:sldChg>
       <pc:sldChg chg="addSp delSp modSp new mod">
-        <pc:chgData name="Luisa Dickenmann" userId="0c0840b0-1ae7-42c8-98b5-b02d8f71a603" providerId="ADAL" clId="{100BBC7B-7ACA-4A4D-BA33-DEF31D162335}" dt="2025-12-08T15:19:07.001" v="811" actId="1076"/>
+        <pc:chgData name="Luisa Dickenmann" userId="0c0840b0-1ae7-42c8-98b5-b02d8f71a603" providerId="ADAL" clId="{100BBC7B-7ACA-4A4D-BA33-DEF31D162335}" dt="2025-12-09T14:38:07.173" v="2781" actId="1035"/>
         <pc:sldMkLst>
           <pc:docMk/>
           <pc:sldMk cId="2468455985" sldId="262"/>
@@ -336,6 +523,14 @@
             <ac:spMk id="3" creationId="{5082D910-5641-70E7-318E-1494D91CF015}"/>
           </ac:spMkLst>
         </pc:spChg>
+        <pc:spChg chg="add del mod">
+          <ac:chgData name="Luisa Dickenmann" userId="0c0840b0-1ae7-42c8-98b5-b02d8f71a603" providerId="ADAL" clId="{100BBC7B-7ACA-4A4D-BA33-DEF31D162335}" dt="2025-12-09T11:30:40.660" v="2001" actId="478"/>
+          <ac:spMkLst>
+            <pc:docMk/>
+            <pc:sldMk cId="2468455985" sldId="262"/>
+            <ac:spMk id="3" creationId="{91EC97E6-8AEB-87D4-7239-85C8894300AB}"/>
+          </ac:spMkLst>
+        </pc:spChg>
         <pc:spChg chg="add mod">
           <ac:chgData name="Luisa Dickenmann" userId="0c0840b0-1ae7-42c8-98b5-b02d8f71a603" providerId="ADAL" clId="{100BBC7B-7ACA-4A4D-BA33-DEF31D162335}" dt="2025-12-08T13:50:55.797" v="517" actId="207"/>
           <ac:spMkLst>
@@ -344,17 +539,81 @@
             <ac:spMk id="6" creationId="{85B2C7B7-4BA9-EB08-7CDD-E8CB7044D6E1}"/>
           </ac:spMkLst>
         </pc:spChg>
-        <pc:picChg chg="add mod modCrop">
-          <ac:chgData name="Luisa Dickenmann" userId="0c0840b0-1ae7-42c8-98b5-b02d8f71a603" providerId="ADAL" clId="{100BBC7B-7ACA-4A4D-BA33-DEF31D162335}" dt="2025-12-08T12:14:55.072" v="385" actId="1076"/>
+        <pc:spChg chg="add mod topLvl">
+          <ac:chgData name="Luisa Dickenmann" userId="0c0840b0-1ae7-42c8-98b5-b02d8f71a603" providerId="ADAL" clId="{100BBC7B-7ACA-4A4D-BA33-DEF31D162335}" dt="2025-12-09T11:30:36.654" v="2000" actId="165"/>
+          <ac:spMkLst>
+            <pc:docMk/>
+            <pc:sldMk cId="2468455985" sldId="262"/>
+            <ac:spMk id="8" creationId="{B4B09F37-05AB-B6E9-E388-410DADB688E9}"/>
+          </ac:spMkLst>
+        </pc:spChg>
+        <pc:spChg chg="mod topLvl">
+          <ac:chgData name="Luisa Dickenmann" userId="0c0840b0-1ae7-42c8-98b5-b02d8f71a603" providerId="ADAL" clId="{100BBC7B-7ACA-4A4D-BA33-DEF31D162335}" dt="2025-12-09T11:30:31.462" v="1999" actId="207"/>
+          <ac:spMkLst>
+            <pc:docMk/>
+            <pc:sldMk cId="2468455985" sldId="262"/>
+            <ac:spMk id="13" creationId="{2544A9C5-D7E0-7596-44AC-D0B1CF22A9BF}"/>
+          </ac:spMkLst>
+        </pc:spChg>
+        <pc:grpChg chg="add del mod">
+          <ac:chgData name="Luisa Dickenmann" userId="0c0840b0-1ae7-42c8-98b5-b02d8f71a603" providerId="ADAL" clId="{100BBC7B-7ACA-4A4D-BA33-DEF31D162335}" dt="2025-12-09T11:30:36.654" v="2000" actId="165"/>
+          <ac:grpSpMkLst>
+            <pc:docMk/>
+            <pc:sldMk cId="2468455985" sldId="262"/>
+            <ac:grpSpMk id="9" creationId="{98166884-4D6A-8802-5B00-59AF1ACB92C4}"/>
+          </ac:grpSpMkLst>
+        </pc:grpChg>
+        <pc:grpChg chg="add del mod">
+          <ac:chgData name="Luisa Dickenmann" userId="0c0840b0-1ae7-42c8-98b5-b02d8f71a603" providerId="ADAL" clId="{100BBC7B-7ACA-4A4D-BA33-DEF31D162335}" dt="2025-12-09T11:30:25.490" v="1998" actId="165"/>
+          <ac:grpSpMkLst>
+            <pc:docMk/>
+            <pc:sldMk cId="2468455985" sldId="262"/>
+            <ac:grpSpMk id="11" creationId="{B22E8C7C-1926-55FC-C68F-12555B48D643}"/>
+          </ac:grpSpMkLst>
+        </pc:grpChg>
+        <pc:picChg chg="add mod ord modCrop">
+          <ac:chgData name="Luisa Dickenmann" userId="0c0840b0-1ae7-42c8-98b5-b02d8f71a603" providerId="ADAL" clId="{100BBC7B-7ACA-4A4D-BA33-DEF31D162335}" dt="2025-12-09T14:38:07.173" v="2781" actId="1035"/>
           <ac:picMkLst>
             <pc:docMk/>
             <pc:sldMk cId="2468455985" sldId="262"/>
             <ac:picMk id="5" creationId="{73E0993F-5E9C-1D30-1C0B-6E7EB90E7028}"/>
           </ac:picMkLst>
         </pc:picChg>
+        <pc:picChg chg="add mod">
+          <ac:chgData name="Luisa Dickenmann" userId="0c0840b0-1ae7-42c8-98b5-b02d8f71a603" providerId="ADAL" clId="{100BBC7B-7ACA-4A4D-BA33-DEF31D162335}" dt="2025-12-09T11:28:39.524" v="1983"/>
+          <ac:picMkLst>
+            <pc:docMk/>
+            <pc:sldMk cId="2468455985" sldId="262"/>
+            <ac:picMk id="10" creationId="{F2F9C6E6-9E85-D418-EFB2-D406905421A2}"/>
+          </ac:picMkLst>
+        </pc:picChg>
+        <pc:cxnChg chg="add del mod">
+          <ac:chgData name="Luisa Dickenmann" userId="0c0840b0-1ae7-42c8-98b5-b02d8f71a603" providerId="ADAL" clId="{100BBC7B-7ACA-4A4D-BA33-DEF31D162335}" dt="2025-12-09T11:27:48.538" v="1679" actId="478"/>
+          <ac:cxnSpMkLst>
+            <pc:docMk/>
+            <pc:sldMk cId="2468455985" sldId="262"/>
+            <ac:cxnSpMk id="4" creationId="{9B08037A-6536-2908-99A6-FC68C8DAEEA4}"/>
+          </ac:cxnSpMkLst>
+        </pc:cxnChg>
+        <pc:cxnChg chg="add mod topLvl">
+          <ac:chgData name="Luisa Dickenmann" userId="0c0840b0-1ae7-42c8-98b5-b02d8f71a603" providerId="ADAL" clId="{100BBC7B-7ACA-4A4D-BA33-DEF31D162335}" dt="2025-12-09T11:30:36.654" v="2000" actId="165"/>
+          <ac:cxnSpMkLst>
+            <pc:docMk/>
+            <pc:sldMk cId="2468455985" sldId="262"/>
+            <ac:cxnSpMk id="7" creationId="{19059EA4-2DBF-0663-3CBB-735422399593}"/>
+          </ac:cxnSpMkLst>
+        </pc:cxnChg>
+        <pc:cxnChg chg="mod topLvl">
+          <ac:chgData name="Luisa Dickenmann" userId="0c0840b0-1ae7-42c8-98b5-b02d8f71a603" providerId="ADAL" clId="{100BBC7B-7ACA-4A4D-BA33-DEF31D162335}" dt="2025-12-09T11:30:25.490" v="1998" actId="165"/>
+          <ac:cxnSpMkLst>
+            <pc:docMk/>
+            <pc:sldMk cId="2468455985" sldId="262"/>
+            <ac:cxnSpMk id="12" creationId="{FCE061F1-94C7-639C-91D4-CFA492EA4128}"/>
+          </ac:cxnSpMkLst>
+        </pc:cxnChg>
       </pc:sldChg>
-      <pc:sldChg chg="addSp delSp modSp new mod">
-        <pc:chgData name="Luisa Dickenmann" userId="0c0840b0-1ae7-42c8-98b5-b02d8f71a603" providerId="ADAL" clId="{100BBC7B-7ACA-4A4D-BA33-DEF31D162335}" dt="2025-12-08T13:52:07.130" v="566" actId="14100"/>
+      <pc:sldChg chg="addSp delSp modSp new mod ord">
+        <pc:chgData name="Luisa Dickenmann" userId="0c0840b0-1ae7-42c8-98b5-b02d8f71a603" providerId="ADAL" clId="{100BBC7B-7ACA-4A4D-BA33-DEF31D162335}" dt="2025-12-09T12:07:01.476" v="2205" actId="1076"/>
         <pc:sldMkLst>
           <pc:docMk/>
           <pc:sldMk cId="366536072" sldId="263"/>
@@ -375,17 +634,49 @@
             <ac:spMk id="3" creationId="{AC727228-8F6E-4303-82F6-D5F4357795D7}"/>
           </ac:spMkLst>
         </pc:spChg>
-        <pc:picChg chg="add mod modCrop">
-          <ac:chgData name="Luisa Dickenmann" userId="0c0840b0-1ae7-42c8-98b5-b02d8f71a603" providerId="ADAL" clId="{100BBC7B-7ACA-4A4D-BA33-DEF31D162335}" dt="2025-12-08T13:52:07.130" v="566" actId="14100"/>
+        <pc:spChg chg="add del mod">
+          <ac:chgData name="Luisa Dickenmann" userId="0c0840b0-1ae7-42c8-98b5-b02d8f71a603" providerId="ADAL" clId="{100BBC7B-7ACA-4A4D-BA33-DEF31D162335}" dt="2025-12-09T12:04:43.841" v="2197" actId="478"/>
+          <ac:spMkLst>
+            <pc:docMk/>
+            <pc:sldMk cId="366536072" sldId="263"/>
+            <ac:spMk id="3" creationId="{C13A3920-AC57-BA3B-7610-C11A7999D3F2}"/>
+          </ac:spMkLst>
+        </pc:spChg>
+        <pc:spChg chg="add del mod">
+          <ac:chgData name="Luisa Dickenmann" userId="0c0840b0-1ae7-42c8-98b5-b02d8f71a603" providerId="ADAL" clId="{100BBC7B-7ACA-4A4D-BA33-DEF31D162335}" dt="2025-12-09T12:06:50.241" v="2201" actId="931"/>
+          <ac:spMkLst>
+            <pc:docMk/>
+            <pc:sldMk cId="366536072" sldId="263"/>
+            <ac:spMk id="7" creationId="{B285CAAB-7D53-5FB3-9E17-B912504C3176}"/>
+          </ac:spMkLst>
+        </pc:spChg>
+        <pc:picChg chg="add del mod modCrop">
+          <ac:chgData name="Luisa Dickenmann" userId="0c0840b0-1ae7-42c8-98b5-b02d8f71a603" providerId="ADAL" clId="{100BBC7B-7ACA-4A4D-BA33-DEF31D162335}" dt="2025-12-09T12:06:41.989" v="2200" actId="478"/>
           <ac:picMkLst>
             <pc:docMk/>
             <pc:sldMk cId="366536072" sldId="263"/>
             <ac:picMk id="5" creationId="{74CD08E0-9A64-49FE-60CB-7BB27C2718EC}"/>
           </ac:picMkLst>
         </pc:picChg>
+        <pc:picChg chg="add mod ord">
+          <ac:chgData name="Luisa Dickenmann" userId="0c0840b0-1ae7-42c8-98b5-b02d8f71a603" providerId="ADAL" clId="{100BBC7B-7ACA-4A4D-BA33-DEF31D162335}" dt="2025-12-09T12:06:57.988" v="2204" actId="14100"/>
+          <ac:picMkLst>
+            <pc:docMk/>
+            <pc:sldMk cId="366536072" sldId="263"/>
+            <ac:picMk id="9" creationId="{270947E2-94D3-B544-4587-E9882F4D2BAA}"/>
+          </ac:picMkLst>
+        </pc:picChg>
+        <pc:cxnChg chg="add mod">
+          <ac:chgData name="Luisa Dickenmann" userId="0c0840b0-1ae7-42c8-98b5-b02d8f71a603" providerId="ADAL" clId="{100BBC7B-7ACA-4A4D-BA33-DEF31D162335}" dt="2025-12-09T12:07:01.476" v="2205" actId="1076"/>
+          <ac:cxnSpMkLst>
+            <pc:docMk/>
+            <pc:sldMk cId="366536072" sldId="263"/>
+            <ac:cxnSpMk id="4" creationId="{8E594E9A-0DC9-656A-15F4-E36D519C6094}"/>
+          </ac:cxnSpMkLst>
+        </pc:cxnChg>
       </pc:sldChg>
       <pc:sldChg chg="addSp delSp modSp new mod ord">
-        <pc:chgData name="Luisa Dickenmann" userId="0c0840b0-1ae7-42c8-98b5-b02d8f71a603" providerId="ADAL" clId="{100BBC7B-7ACA-4A4D-BA33-DEF31D162335}" dt="2025-12-08T13:53:27.116" v="594" actId="1076"/>
+        <pc:chgData name="Luisa Dickenmann" userId="0c0840b0-1ae7-42c8-98b5-b02d8f71a603" providerId="ADAL" clId="{100BBC7B-7ACA-4A4D-BA33-DEF31D162335}" dt="2025-12-09T12:16:17.709" v="2311" actId="1076"/>
         <pc:sldMkLst>
           <pc:docMk/>
           <pc:sldMk cId="1505597422" sldId="264"/>
@@ -398,6 +689,14 @@
             <ac:spMk id="2" creationId="{87423E70-6AE2-13AB-B9D6-DFD4DC3807B8}"/>
           </ac:spMkLst>
         </pc:spChg>
+        <pc:spChg chg="add del mod">
+          <ac:chgData name="Luisa Dickenmann" userId="0c0840b0-1ae7-42c8-98b5-b02d8f71a603" providerId="ADAL" clId="{100BBC7B-7ACA-4A4D-BA33-DEF31D162335}" dt="2025-12-09T12:15:55.612" v="2302" actId="478"/>
+          <ac:spMkLst>
+            <pc:docMk/>
+            <pc:sldMk cId="1505597422" sldId="264"/>
+            <ac:spMk id="3" creationId="{2255ADE4-89C3-9EED-BB0D-6A8E686DCEE0}"/>
+          </ac:spMkLst>
+        </pc:spChg>
         <pc:spChg chg="del">
           <ac:chgData name="Luisa Dickenmann" userId="0c0840b0-1ae7-42c8-98b5-b02d8f71a603" providerId="ADAL" clId="{100BBC7B-7ACA-4A4D-BA33-DEF31D162335}" dt="2025-12-08T12:02:21.112" v="174" actId="931"/>
           <ac:spMkLst>
@@ -406,29 +705,53 @@
             <ac:spMk id="3" creationId="{8E71B790-1314-9531-7375-6100B66ED4C6}"/>
           </ac:spMkLst>
         </pc:spChg>
-        <pc:picChg chg="add mod modCrop">
-          <ac:chgData name="Luisa Dickenmann" userId="0c0840b0-1ae7-42c8-98b5-b02d8f71a603" providerId="ADAL" clId="{100BBC7B-7ACA-4A4D-BA33-DEF31D162335}" dt="2025-12-08T13:53:27.116" v="594" actId="1076"/>
+        <pc:spChg chg="add del mod">
+          <ac:chgData name="Luisa Dickenmann" userId="0c0840b0-1ae7-42c8-98b5-b02d8f71a603" providerId="ADAL" clId="{100BBC7B-7ACA-4A4D-BA33-DEF31D162335}" dt="2025-12-09T12:16:03.222" v="2303" actId="931"/>
+          <ac:spMkLst>
+            <pc:docMk/>
+            <pc:sldMk cId="1505597422" sldId="264"/>
+            <ac:spMk id="6" creationId="{1B4B201C-5932-3744-A0F8-DAF0CDB34C4C}"/>
+          </ac:spMkLst>
+        </pc:spChg>
+        <pc:picChg chg="add del mod modCrop">
+          <ac:chgData name="Luisa Dickenmann" userId="0c0840b0-1ae7-42c8-98b5-b02d8f71a603" providerId="ADAL" clId="{100BBC7B-7ACA-4A4D-BA33-DEF31D162335}" dt="2025-12-09T12:15:54.797" v="2301" actId="478"/>
           <ac:picMkLst>
             <pc:docMk/>
             <pc:sldMk cId="1505597422" sldId="264"/>
             <ac:picMk id="5" creationId="{16D65E6A-4EF0-6D4D-7682-EC32F509A222}"/>
           </ac:picMkLst>
         </pc:picChg>
+        <pc:picChg chg="add mod">
+          <ac:chgData name="Luisa Dickenmann" userId="0c0840b0-1ae7-42c8-98b5-b02d8f71a603" providerId="ADAL" clId="{100BBC7B-7ACA-4A4D-BA33-DEF31D162335}" dt="2025-12-09T12:16:17.709" v="2311" actId="1076"/>
+          <ac:picMkLst>
+            <pc:docMk/>
+            <pc:sldMk cId="1505597422" sldId="264"/>
+            <ac:picMk id="8" creationId="{4EC47E45-9E07-5478-4A1D-D66819A23913}"/>
+          </ac:picMkLst>
+        </pc:picChg>
       </pc:sldChg>
-      <pc:sldChg chg="addSp delSp modSp new mod">
-        <pc:chgData name="Luisa Dickenmann" userId="0c0840b0-1ae7-42c8-98b5-b02d8f71a603" providerId="ADAL" clId="{100BBC7B-7ACA-4A4D-BA33-DEF31D162335}" dt="2025-12-08T13:53:02.688" v="585" actId="14100"/>
+      <pc:sldChg chg="addSp delSp modSp new mod ord">
+        <pc:chgData name="Luisa Dickenmann" userId="0c0840b0-1ae7-42c8-98b5-b02d8f71a603" providerId="ADAL" clId="{100BBC7B-7ACA-4A4D-BA33-DEF31D162335}" dt="2025-12-09T13:02:44.534" v="2517" actId="1076"/>
         <pc:sldMkLst>
           <pc:docMk/>
           <pc:sldMk cId="1309389261" sldId="265"/>
         </pc:sldMkLst>
         <pc:spChg chg="mod">
-          <ac:chgData name="Luisa Dickenmann" userId="0c0840b0-1ae7-42c8-98b5-b02d8f71a603" providerId="ADAL" clId="{100BBC7B-7ACA-4A4D-BA33-DEF31D162335}" dt="2025-12-08T11:59:32.016" v="159" actId="20577"/>
+          <ac:chgData name="Luisa Dickenmann" userId="0c0840b0-1ae7-42c8-98b5-b02d8f71a603" providerId="ADAL" clId="{100BBC7B-7ACA-4A4D-BA33-DEF31D162335}" dt="2025-12-09T12:55:03.299" v="2514" actId="20577"/>
           <ac:spMkLst>
             <pc:docMk/>
             <pc:sldMk cId="1309389261" sldId="265"/>
             <ac:spMk id="2" creationId="{E5EB79DC-5387-676F-0683-1D49454F40B3}"/>
           </ac:spMkLst>
         </pc:spChg>
+        <pc:spChg chg="add del mod">
+          <ac:chgData name="Luisa Dickenmann" userId="0c0840b0-1ae7-42c8-98b5-b02d8f71a603" providerId="ADAL" clId="{100BBC7B-7ACA-4A4D-BA33-DEF31D162335}" dt="2025-12-09T11:50:56.535" v="2145" actId="478"/>
+          <ac:spMkLst>
+            <pc:docMk/>
+            <pc:sldMk cId="1309389261" sldId="265"/>
+            <ac:spMk id="3" creationId="{47A13D92-FCF6-7583-9936-71295497D6BD}"/>
+          </ac:spMkLst>
+        </pc:spChg>
         <pc:spChg chg="del">
           <ac:chgData name="Luisa Dickenmann" userId="0c0840b0-1ae7-42c8-98b5-b02d8f71a603" providerId="ADAL" clId="{100BBC7B-7ACA-4A4D-BA33-DEF31D162335}" dt="2025-12-08T12:01:07.416" v="160" actId="931"/>
           <ac:spMkLst>
@@ -438,32 +761,88 @@
           </ac:spMkLst>
         </pc:spChg>
         <pc:spChg chg="add mod">
-          <ac:chgData name="Luisa Dickenmann" userId="0c0840b0-1ae7-42c8-98b5-b02d8f71a603" providerId="ADAL" clId="{100BBC7B-7ACA-4A4D-BA33-DEF31D162335}" dt="2025-12-08T12:04:10.651" v="348" actId="1076"/>
+          <ac:chgData name="Luisa Dickenmann" userId="0c0840b0-1ae7-42c8-98b5-b02d8f71a603" providerId="ADAL" clId="{100BBC7B-7ACA-4A4D-BA33-DEF31D162335}" dt="2025-12-09T13:02:44.534" v="2517" actId="1076"/>
+          <ac:spMkLst>
+            <pc:docMk/>
+            <pc:sldMk cId="1309389261" sldId="265"/>
+            <ac:spMk id="4" creationId="{1F23F0DC-52E1-09BD-080C-AFC35699FB60}"/>
+          </ac:spMkLst>
+        </pc:spChg>
+        <pc:spChg chg="add del mod">
+          <ac:chgData name="Luisa Dickenmann" userId="0c0840b0-1ae7-42c8-98b5-b02d8f71a603" providerId="ADAL" clId="{100BBC7B-7ACA-4A4D-BA33-DEF31D162335}" dt="2025-12-09T13:02:40.778" v="2516" actId="478"/>
           <ac:spMkLst>
             <pc:docMk/>
             <pc:sldMk cId="1309389261" sldId="265"/>
             <ac:spMk id="6" creationId="{88649343-2493-E174-DAD2-92A791FD7486}"/>
           </ac:spMkLst>
         </pc:spChg>
-        <pc:spChg chg="add mod">
-          <ac:chgData name="Luisa Dickenmann" userId="0c0840b0-1ae7-42c8-98b5-b02d8f71a603" providerId="ADAL" clId="{100BBC7B-7ACA-4A4D-BA33-DEF31D162335}" dt="2025-12-08T13:52:36.650" v="581" actId="14100"/>
+        <pc:spChg chg="add del mod">
+          <ac:chgData name="Luisa Dickenmann" userId="0c0840b0-1ae7-42c8-98b5-b02d8f71a603" providerId="ADAL" clId="{100BBC7B-7ACA-4A4D-BA33-DEF31D162335}" dt="2025-12-09T13:02:37.432" v="2515" actId="478"/>
           <ac:spMkLst>
             <pc:docMk/>
             <pc:sldMk cId="1309389261" sldId="265"/>
             <ac:spMk id="7" creationId="{93CF37AE-0442-D191-0D72-30187F796763}"/>
           </ac:spMkLst>
         </pc:spChg>
-        <pc:picChg chg="add mod modCrop">
-          <ac:chgData name="Luisa Dickenmann" userId="0c0840b0-1ae7-42c8-98b5-b02d8f71a603" providerId="ADAL" clId="{100BBC7B-7ACA-4A4D-BA33-DEF31D162335}" dt="2025-12-08T13:53:02.688" v="585" actId="14100"/>
+        <pc:spChg chg="add del mod">
+          <ac:chgData name="Luisa Dickenmann" userId="0c0840b0-1ae7-42c8-98b5-b02d8f71a603" providerId="ADAL" clId="{100BBC7B-7ACA-4A4D-BA33-DEF31D162335}" dt="2025-12-09T12:08:48.829" v="2207" actId="931"/>
+          <ac:spMkLst>
+            <pc:docMk/>
+            <pc:sldMk cId="1309389261" sldId="265"/>
+            <ac:spMk id="9" creationId="{1E7207BF-7D1A-06E6-759A-4DC70AB43061}"/>
+          </ac:spMkLst>
+        </pc:spChg>
+        <pc:spChg chg="add mod">
+          <ac:chgData name="Luisa Dickenmann" userId="0c0840b0-1ae7-42c8-98b5-b02d8f71a603" providerId="ADAL" clId="{100BBC7B-7ACA-4A4D-BA33-DEF31D162335}" dt="2025-12-09T12:11:42.988" v="2254" actId="1076"/>
+          <ac:spMkLst>
+            <pc:docMk/>
+            <pc:sldMk cId="1309389261" sldId="265"/>
+            <ac:spMk id="13" creationId="{57228138-E4A7-851D-FC56-2306BC16034C}"/>
+          </ac:spMkLst>
+        </pc:spChg>
+        <pc:spChg chg="add mod">
+          <ac:chgData name="Luisa Dickenmann" userId="0c0840b0-1ae7-42c8-98b5-b02d8f71a603" providerId="ADAL" clId="{100BBC7B-7ACA-4A4D-BA33-DEF31D162335}" dt="2025-12-09T12:11:55.782" v="2258" actId="20577"/>
+          <ac:spMkLst>
+            <pc:docMk/>
+            <pc:sldMk cId="1309389261" sldId="265"/>
+            <ac:spMk id="15" creationId="{0923EC24-A6E5-C849-B975-9601C8597CF3}"/>
+          </ac:spMkLst>
+        </pc:spChg>
+        <pc:picChg chg="add del mod modCrop">
+          <ac:chgData name="Luisa Dickenmann" userId="0c0840b0-1ae7-42c8-98b5-b02d8f71a603" providerId="ADAL" clId="{100BBC7B-7ACA-4A4D-BA33-DEF31D162335}" dt="2025-12-09T12:08:37.349" v="2206" actId="478"/>
           <ac:picMkLst>
             <pc:docMk/>
             <pc:sldMk cId="1309389261" sldId="265"/>
             <ac:picMk id="5" creationId="{A613A6A1-D807-9828-02A8-F458A86438B3}"/>
           </ac:picMkLst>
         </pc:picChg>
+        <pc:picChg chg="add mod">
+          <ac:chgData name="Luisa Dickenmann" userId="0c0840b0-1ae7-42c8-98b5-b02d8f71a603" providerId="ADAL" clId="{100BBC7B-7ACA-4A4D-BA33-DEF31D162335}" dt="2025-12-09T12:11:08.004" v="2244" actId="1076"/>
+          <ac:picMkLst>
+            <pc:docMk/>
+            <pc:sldMk cId="1309389261" sldId="265"/>
+            <ac:picMk id="11" creationId="{44A0C449-8F18-850D-9203-E214A67FEAD7}"/>
+          </ac:picMkLst>
+        </pc:picChg>
+        <pc:cxnChg chg="add mod">
+          <ac:chgData name="Luisa Dickenmann" userId="0c0840b0-1ae7-42c8-98b5-b02d8f71a603" providerId="ADAL" clId="{100BBC7B-7ACA-4A4D-BA33-DEF31D162335}" dt="2025-12-09T12:11:23.229" v="2245" actId="1076"/>
+          <ac:cxnSpMkLst>
+            <pc:docMk/>
+            <pc:sldMk cId="1309389261" sldId="265"/>
+            <ac:cxnSpMk id="12" creationId="{5982C0FB-D28F-93CA-4DE9-0A62C347B1DA}"/>
+          </ac:cxnSpMkLst>
+        </pc:cxnChg>
+        <pc:cxnChg chg="add mod">
+          <ac:chgData name="Luisa Dickenmann" userId="0c0840b0-1ae7-42c8-98b5-b02d8f71a603" providerId="ADAL" clId="{100BBC7B-7ACA-4A4D-BA33-DEF31D162335}" dt="2025-12-09T12:11:53.604" v="2257" actId="1076"/>
+          <ac:cxnSpMkLst>
+            <pc:docMk/>
+            <pc:sldMk cId="1309389261" sldId="265"/>
+            <ac:cxnSpMk id="14" creationId="{10EC720A-2AF0-9C6D-6E05-3934CC044EA9}"/>
+          </ac:cxnSpMkLst>
+        </pc:cxnChg>
       </pc:sldChg>
       <pc:sldChg chg="addSp delSp modSp new mod">
-        <pc:chgData name="Luisa Dickenmann" userId="0c0840b0-1ae7-42c8-98b5-b02d8f71a603" providerId="ADAL" clId="{100BBC7B-7ACA-4A4D-BA33-DEF31D162335}" dt="2025-12-08T15:19:02.474" v="810" actId="1076"/>
+        <pc:chgData name="Luisa Dickenmann" userId="0c0840b0-1ae7-42c8-98b5-b02d8f71a603" providerId="ADAL" clId="{100BBC7B-7ACA-4A4D-BA33-DEF31D162335}" dt="2025-12-09T11:33:02.436" v="2013" actId="478"/>
         <pc:sldMkLst>
           <pc:docMk/>
           <pc:sldMk cId="522262804" sldId="266"/>
@@ -484,6 +863,22 @@
             <ac:spMk id="3" creationId="{A23DF43B-180F-6577-FD50-EEDB2C1CCCB5}"/>
           </ac:spMkLst>
         </pc:spChg>
+        <pc:spChg chg="add del mod">
+          <ac:chgData name="Luisa Dickenmann" userId="0c0840b0-1ae7-42c8-98b5-b02d8f71a603" providerId="ADAL" clId="{100BBC7B-7ACA-4A4D-BA33-DEF31D162335}" dt="2025-12-09T11:33:02.436" v="2013" actId="478"/>
+          <ac:spMkLst>
+            <pc:docMk/>
+            <pc:sldMk cId="522262804" sldId="266"/>
+            <ac:spMk id="3" creationId="{DD786037-11A1-D806-1999-4E5EABCA8722}"/>
+          </ac:spMkLst>
+        </pc:spChg>
+        <pc:spChg chg="add mod">
+          <ac:chgData name="Luisa Dickenmann" userId="0c0840b0-1ae7-42c8-98b5-b02d8f71a603" providerId="ADAL" clId="{100BBC7B-7ACA-4A4D-BA33-DEF31D162335}" dt="2025-12-09T11:32:28.788" v="2004" actId="1076"/>
+          <ac:spMkLst>
+            <pc:docMk/>
+            <pc:sldMk cId="522262804" sldId="266"/>
+            <ac:spMk id="5" creationId="{0B94D3B1-D2D1-C219-BFFD-F4DB6DC8B9BB}"/>
+          </ac:spMkLst>
+        </pc:spChg>
         <pc:spChg chg="add mod">
           <ac:chgData name="Luisa Dickenmann" userId="0c0840b0-1ae7-42c8-98b5-b02d8f71a603" providerId="ADAL" clId="{100BBC7B-7ACA-4A4D-BA33-DEF31D162335}" dt="2025-12-08T13:51:08.123" v="525" actId="1076"/>
           <ac:spMkLst>
@@ -498,6 +893,22 @@
             <pc:docMk/>
             <pc:sldMk cId="522262804" sldId="266"/>
             <ac:spMk id="8" creationId="{1E182486-652B-51B1-0DB4-87FCBC4202F4}"/>
+          </ac:spMkLst>
+        </pc:spChg>
+        <pc:spChg chg="add mod">
+          <ac:chgData name="Luisa Dickenmann" userId="0c0840b0-1ae7-42c8-98b5-b02d8f71a603" providerId="ADAL" clId="{100BBC7B-7ACA-4A4D-BA33-DEF31D162335}" dt="2025-12-09T11:32:33.736" v="2006" actId="1076"/>
+          <ac:spMkLst>
+            <pc:docMk/>
+            <pc:sldMk cId="522262804" sldId="266"/>
+            <ac:spMk id="8" creationId="{47F509E7-DF81-6201-EAEF-76C19805D2B3}"/>
+          </ac:spMkLst>
+        </pc:spChg>
+        <pc:spChg chg="add mod">
+          <ac:chgData name="Luisa Dickenmann" userId="0c0840b0-1ae7-42c8-98b5-b02d8f71a603" providerId="ADAL" clId="{100BBC7B-7ACA-4A4D-BA33-DEF31D162335}" dt="2025-12-09T11:32:53.302" v="2012" actId="1076"/>
+          <ac:spMkLst>
+            <pc:docMk/>
+            <pc:sldMk cId="522262804" sldId="266"/>
+            <ac:spMk id="11" creationId="{925679F4-CF01-D594-4512-3725711039C9}"/>
           </ac:spMkLst>
         </pc:spChg>
         <pc:picChg chg="add del mod modCrop">
@@ -509,16 +920,40 @@
           </ac:picMkLst>
         </pc:picChg>
         <pc:picChg chg="add mod modCrop">
-          <ac:chgData name="Luisa Dickenmann" userId="0c0840b0-1ae7-42c8-98b5-b02d8f71a603" providerId="ADAL" clId="{100BBC7B-7ACA-4A4D-BA33-DEF31D162335}" dt="2025-12-08T14:20:08.302" v="639" actId="14100"/>
+          <ac:chgData name="Luisa Dickenmann" userId="0c0840b0-1ae7-42c8-98b5-b02d8f71a603" providerId="ADAL" clId="{100BBC7B-7ACA-4A4D-BA33-DEF31D162335}" dt="2025-12-09T11:32:46.789" v="2011" actId="1076"/>
           <ac:picMkLst>
             <pc:docMk/>
             <pc:sldMk cId="522262804" sldId="266"/>
             <ac:picMk id="10" creationId="{8BA279B2-C990-BC1D-5784-CB13A3FEFDBE}"/>
           </ac:picMkLst>
         </pc:picChg>
+        <pc:cxnChg chg="add mod">
+          <ac:chgData name="Luisa Dickenmann" userId="0c0840b0-1ae7-42c8-98b5-b02d8f71a603" providerId="ADAL" clId="{100BBC7B-7ACA-4A4D-BA33-DEF31D162335}" dt="2025-12-09T11:32:28.788" v="2004" actId="1076"/>
+          <ac:cxnSpMkLst>
+            <pc:docMk/>
+            <pc:sldMk cId="522262804" sldId="266"/>
+            <ac:cxnSpMk id="4" creationId="{799FF156-1706-02AD-E8DE-8029EE35527A}"/>
+          </ac:cxnSpMkLst>
+        </pc:cxnChg>
+        <pc:cxnChg chg="add mod">
+          <ac:chgData name="Luisa Dickenmann" userId="0c0840b0-1ae7-42c8-98b5-b02d8f71a603" providerId="ADAL" clId="{100BBC7B-7ACA-4A4D-BA33-DEF31D162335}" dt="2025-12-09T11:32:33.736" v="2006" actId="1076"/>
+          <ac:cxnSpMkLst>
+            <pc:docMk/>
+            <pc:sldMk cId="522262804" sldId="266"/>
+            <ac:cxnSpMk id="7" creationId="{EF7AD5F4-45BE-97EA-56EB-EB3658392A22}"/>
+          </ac:cxnSpMkLst>
+        </pc:cxnChg>
+        <pc:cxnChg chg="add mod">
+          <ac:chgData name="Luisa Dickenmann" userId="0c0840b0-1ae7-42c8-98b5-b02d8f71a603" providerId="ADAL" clId="{100BBC7B-7ACA-4A4D-BA33-DEF31D162335}" dt="2025-12-09T11:32:42.005" v="2009" actId="14100"/>
+          <ac:cxnSpMkLst>
+            <pc:docMk/>
+            <pc:sldMk cId="522262804" sldId="266"/>
+            <ac:cxnSpMk id="9" creationId="{9856D891-6E77-53B9-A5ED-9F3C0CB4763A}"/>
+          </ac:cxnSpMkLst>
+        </pc:cxnChg>
       </pc:sldChg>
       <pc:sldChg chg="addSp delSp modSp new mod ord">
-        <pc:chgData name="Luisa Dickenmann" userId="0c0840b0-1ae7-42c8-98b5-b02d8f71a603" providerId="ADAL" clId="{100BBC7B-7ACA-4A4D-BA33-DEF31D162335}" dt="2025-12-08T15:18:31.556" v="806"/>
+        <pc:chgData name="Luisa Dickenmann" userId="0c0840b0-1ae7-42c8-98b5-b02d8f71a603" providerId="ADAL" clId="{100BBC7B-7ACA-4A4D-BA33-DEF31D162335}" dt="2025-12-09T09:31:08.345" v="1400" actId="1076"/>
         <pc:sldMkLst>
           <pc:docMk/>
           <pc:sldMk cId="71374995" sldId="267"/>
@@ -531,6 +966,14 @@
             <ac:spMk id="2" creationId="{3924B841-9362-0383-46CC-CFFBEFEFB90A}"/>
           </ac:spMkLst>
         </pc:spChg>
+        <pc:spChg chg="add del mod">
+          <ac:chgData name="Luisa Dickenmann" userId="0c0840b0-1ae7-42c8-98b5-b02d8f71a603" providerId="ADAL" clId="{100BBC7B-7ACA-4A4D-BA33-DEF31D162335}" dt="2025-12-09T09:30:55.591" v="1394" actId="478"/>
+          <ac:spMkLst>
+            <pc:docMk/>
+            <pc:sldMk cId="71374995" sldId="267"/>
+            <ac:spMk id="3" creationId="{45A95934-3FF5-5A04-E000-1437CD4A4B7A}"/>
+          </ac:spMkLst>
+        </pc:spChg>
         <pc:spChg chg="del">
           <ac:chgData name="Luisa Dickenmann" userId="0c0840b0-1ae7-42c8-98b5-b02d8f71a603" providerId="ADAL" clId="{100BBC7B-7ACA-4A4D-BA33-DEF31D162335}" dt="2025-12-08T15:00:56.102" v="749" actId="931"/>
           <ac:spMkLst>
@@ -539,17 +982,33 @@
             <ac:spMk id="3" creationId="{C5D45000-2327-9F64-320C-7F13070C3D6D}"/>
           </ac:spMkLst>
         </pc:spChg>
-        <pc:picChg chg="add mod modCrop">
-          <ac:chgData name="Luisa Dickenmann" userId="0c0840b0-1ae7-42c8-98b5-b02d8f71a603" providerId="ADAL" clId="{100BBC7B-7ACA-4A4D-BA33-DEF31D162335}" dt="2025-12-08T15:01:16.791" v="758" actId="1076"/>
+        <pc:spChg chg="add del mod">
+          <ac:chgData name="Luisa Dickenmann" userId="0c0840b0-1ae7-42c8-98b5-b02d8f71a603" providerId="ADAL" clId="{100BBC7B-7ACA-4A4D-BA33-DEF31D162335}" dt="2025-12-09T09:30:51.299" v="1391" actId="931"/>
+          <ac:spMkLst>
+            <pc:docMk/>
+            <pc:sldMk cId="71374995" sldId="267"/>
+            <ac:spMk id="6" creationId="{36454AC2-EA9F-3FA3-6581-43BC92543F44}"/>
+          </ac:spMkLst>
+        </pc:spChg>
+        <pc:picChg chg="add del mod modCrop">
+          <ac:chgData name="Luisa Dickenmann" userId="0c0840b0-1ae7-42c8-98b5-b02d8f71a603" providerId="ADAL" clId="{100BBC7B-7ACA-4A4D-BA33-DEF31D162335}" dt="2025-12-09T09:30:46.034" v="1390" actId="478"/>
           <ac:picMkLst>
             <pc:docMk/>
             <pc:sldMk cId="71374995" sldId="267"/>
             <ac:picMk id="5" creationId="{A1CE5F60-A8AD-E47F-B1ED-5F1950277951}"/>
           </ac:picMkLst>
         </pc:picChg>
+        <pc:picChg chg="add mod">
+          <ac:chgData name="Luisa Dickenmann" userId="0c0840b0-1ae7-42c8-98b5-b02d8f71a603" providerId="ADAL" clId="{100BBC7B-7ACA-4A4D-BA33-DEF31D162335}" dt="2025-12-09T09:31:08.345" v="1400" actId="1076"/>
+          <ac:picMkLst>
+            <pc:docMk/>
+            <pc:sldMk cId="71374995" sldId="267"/>
+            <ac:picMk id="8" creationId="{A4EBBA57-7401-0BD7-B240-3C16D4D8B1E9}"/>
+          </ac:picMkLst>
+        </pc:picChg>
       </pc:sldChg>
       <pc:sldChg chg="addSp delSp modSp new mod ord">
-        <pc:chgData name="Luisa Dickenmann" userId="0c0840b0-1ae7-42c8-98b5-b02d8f71a603" providerId="ADAL" clId="{100BBC7B-7ACA-4A4D-BA33-DEF31D162335}" dt="2025-12-08T15:18:11.277" v="798"/>
+        <pc:chgData name="Luisa Dickenmann" userId="0c0840b0-1ae7-42c8-98b5-b02d8f71a603" providerId="ADAL" clId="{100BBC7B-7ACA-4A4D-BA33-DEF31D162335}" dt="2025-12-09T09:27:26.620" v="1389"/>
         <pc:sldMkLst>
           <pc:docMk/>
           <pc:sldMk cId="1284769585" sldId="268"/>
@@ -636,11 +1095,19 @@
         </pc:picChg>
       </pc:sldChg>
       <pc:sldChg chg="addSp delSp modSp new mod ord">
-        <pc:chgData name="Luisa Dickenmann" userId="0c0840b0-1ae7-42c8-98b5-b02d8f71a603" providerId="ADAL" clId="{100BBC7B-7ACA-4A4D-BA33-DEF31D162335}" dt="2025-12-08T15:18:28.525" v="804"/>
+        <pc:chgData name="Luisa Dickenmann" userId="0c0840b0-1ae7-42c8-98b5-b02d8f71a603" providerId="ADAL" clId="{100BBC7B-7ACA-4A4D-BA33-DEF31D162335}" dt="2025-12-09T09:26:55.622" v="1385" actId="1076"/>
         <pc:sldMkLst>
           <pc:docMk/>
           <pc:sldMk cId="1264928361" sldId="269"/>
         </pc:sldMkLst>
+        <pc:spChg chg="add del mod">
+          <ac:chgData name="Luisa Dickenmann" userId="0c0840b0-1ae7-42c8-98b5-b02d8f71a603" providerId="ADAL" clId="{100BBC7B-7ACA-4A4D-BA33-DEF31D162335}" dt="2025-12-09T09:26:50.206" v="1382" actId="478"/>
+          <ac:spMkLst>
+            <pc:docMk/>
+            <pc:sldMk cId="1264928361" sldId="269"/>
+            <ac:spMk id="2" creationId="{7BAAE22C-5A2A-06D6-68CE-BE56F8AF3823}"/>
+          </ac:spMkLst>
+        </pc:spChg>
         <pc:spChg chg="del">
           <ac:chgData name="Luisa Dickenmann" userId="0c0840b0-1ae7-42c8-98b5-b02d8f71a603" providerId="ADAL" clId="{100BBC7B-7ACA-4A4D-BA33-DEF31D162335}" dt="2025-12-08T14:24:18.526" v="706"/>
           <ac:spMkLst>
@@ -665,17 +1132,57 @@
             <ac:spMk id="4" creationId="{C2C95541-CA90-A88F-7649-31BAE83914A4}"/>
           </ac:spMkLst>
         </pc:spChg>
-        <pc:picChg chg="add mod modCrop">
-          <ac:chgData name="Luisa Dickenmann" userId="0c0840b0-1ae7-42c8-98b5-b02d8f71a603" providerId="ADAL" clId="{100BBC7B-7ACA-4A4D-BA33-DEF31D162335}" dt="2025-12-08T15:17:49.873" v="796" actId="1076"/>
+        <pc:spChg chg="add del mod">
+          <ac:chgData name="Luisa Dickenmann" userId="0c0840b0-1ae7-42c8-98b5-b02d8f71a603" providerId="ADAL" clId="{100BBC7B-7ACA-4A4D-BA33-DEF31D162335}" dt="2025-12-09T09:26:43.843" v="1381" actId="931"/>
+          <ac:spMkLst>
+            <pc:docMk/>
+            <pc:sldMk cId="1264928361" sldId="269"/>
+            <ac:spMk id="5" creationId="{CB6DCB8E-0847-CF03-718F-64DEB08C8ED6}"/>
+          </ac:spMkLst>
+        </pc:spChg>
+        <pc:spChg chg="add del mod">
+          <ac:chgData name="Luisa Dickenmann" userId="0c0840b0-1ae7-42c8-98b5-b02d8f71a603" providerId="ADAL" clId="{100BBC7B-7ACA-4A4D-BA33-DEF31D162335}" dt="2025-12-08T16:19:18.287" v="916" actId="478"/>
+          <ac:spMkLst>
+            <pc:docMk/>
+            <pc:sldMk cId="1264928361" sldId="269"/>
+            <ac:spMk id="7" creationId="{8EA37AC0-F260-8473-81E2-44DEA36FA95C}"/>
+          </ac:spMkLst>
+        </pc:spChg>
+        <pc:spChg chg="add del mod">
+          <ac:chgData name="Luisa Dickenmann" userId="0c0840b0-1ae7-42c8-98b5-b02d8f71a603" providerId="ADAL" clId="{100BBC7B-7ACA-4A4D-BA33-DEF31D162335}" dt="2025-12-08T16:19:46.488" v="918" actId="931"/>
+          <ac:spMkLst>
+            <pc:docMk/>
+            <pc:sldMk cId="1264928361" sldId="269"/>
+            <ac:spMk id="9" creationId="{8EDBD2F8-B2DF-3505-26DA-E186E0ABECF5}"/>
+          </ac:spMkLst>
+        </pc:spChg>
+        <pc:picChg chg="add del mod modCrop">
+          <ac:chgData name="Luisa Dickenmann" userId="0c0840b0-1ae7-42c8-98b5-b02d8f71a603" providerId="ADAL" clId="{100BBC7B-7ACA-4A4D-BA33-DEF31D162335}" dt="2025-12-08T16:19:41.035" v="917" actId="478"/>
           <ac:picMkLst>
             <pc:docMk/>
             <pc:sldMk cId="1264928361" sldId="269"/>
             <ac:picMk id="6" creationId="{AD890090-EF65-13CD-3F06-580B5D3AF2EB}"/>
           </ac:picMkLst>
         </pc:picChg>
+        <pc:picChg chg="add mod">
+          <ac:chgData name="Luisa Dickenmann" userId="0c0840b0-1ae7-42c8-98b5-b02d8f71a603" providerId="ADAL" clId="{100BBC7B-7ACA-4A4D-BA33-DEF31D162335}" dt="2025-12-09T09:26:55.622" v="1385" actId="1076"/>
+          <ac:picMkLst>
+            <pc:docMk/>
+            <pc:sldMk cId="1264928361" sldId="269"/>
+            <ac:picMk id="7" creationId="{DCFA758F-D810-5393-BA80-278AA366BAC3}"/>
+          </ac:picMkLst>
+        </pc:picChg>
+        <pc:picChg chg="add del mod modCrop">
+          <ac:chgData name="Luisa Dickenmann" userId="0c0840b0-1ae7-42c8-98b5-b02d8f71a603" providerId="ADAL" clId="{100BBC7B-7ACA-4A4D-BA33-DEF31D162335}" dt="2025-12-09T09:26:34.154" v="1380" actId="478"/>
+          <ac:picMkLst>
+            <pc:docMk/>
+            <pc:sldMk cId="1264928361" sldId="269"/>
+            <ac:picMk id="11" creationId="{74C94231-08B9-4F45-86A0-76BD9BDF6CF9}"/>
+          </ac:picMkLst>
+        </pc:picChg>
       </pc:sldChg>
       <pc:sldChg chg="addSp delSp modSp new mod ord">
-        <pc:chgData name="Luisa Dickenmann" userId="0c0840b0-1ae7-42c8-98b5-b02d8f71a603" providerId="ADAL" clId="{100BBC7B-7ACA-4A4D-BA33-DEF31D162335}" dt="2025-12-08T15:44:55.261" v="896" actId="1036"/>
+        <pc:chgData name="Luisa Dickenmann" userId="0c0840b0-1ae7-42c8-98b5-b02d8f71a603" providerId="ADAL" clId="{100BBC7B-7ACA-4A4D-BA33-DEF31D162335}" dt="2025-12-08T16:21:56.700" v="933" actId="478"/>
         <pc:sldMkLst>
           <pc:docMk/>
           <pc:sldMk cId="2413059109" sldId="270"/>
@@ -712,6 +1219,22 @@
             <ac:spMk id="8" creationId="{4F4988D8-FD40-C370-7F4A-A91BFA267D2E}"/>
           </ac:spMkLst>
         </pc:spChg>
+        <pc:spChg chg="add del mod">
+          <ac:chgData name="Luisa Dickenmann" userId="0c0840b0-1ae7-42c8-98b5-b02d8f71a603" providerId="ADAL" clId="{100BBC7B-7ACA-4A4D-BA33-DEF31D162335}" dt="2025-12-08T16:21:56.700" v="933" actId="478"/>
+          <ac:spMkLst>
+            <pc:docMk/>
+            <pc:sldMk cId="2413059109" sldId="270"/>
+            <ac:spMk id="12" creationId="{43C20938-CF01-39D9-0586-03FE862C7D56}"/>
+          </ac:spMkLst>
+        </pc:spChg>
+        <pc:spChg chg="add del mod">
+          <ac:chgData name="Luisa Dickenmann" userId="0c0840b0-1ae7-42c8-98b5-b02d8f71a603" providerId="ADAL" clId="{100BBC7B-7ACA-4A4D-BA33-DEF31D162335}" dt="2025-12-08T16:21:55.900" v="930" actId="478"/>
+          <ac:spMkLst>
+            <pc:docMk/>
+            <pc:sldMk cId="2413059109" sldId="270"/>
+            <ac:spMk id="16" creationId="{D2208F67-A82A-E253-5518-B48A4D110B6C}"/>
+          </ac:spMkLst>
+        </pc:spChg>
         <pc:picChg chg="add del mod">
           <ac:chgData name="Luisa Dickenmann" userId="0c0840b0-1ae7-42c8-98b5-b02d8f71a603" providerId="ADAL" clId="{100BBC7B-7ACA-4A4D-BA33-DEF31D162335}" dt="2025-12-08T15:43:05.724" v="854" actId="478"/>
           <ac:picMkLst>
@@ -720,17 +1243,25 @@
             <ac:picMk id="6" creationId="{8A8DF9E4-C9E1-F6E5-FFA0-CFA7CDFD4E3A}"/>
           </ac:picMkLst>
         </pc:picChg>
-        <pc:picChg chg="add mod">
-          <ac:chgData name="Luisa Dickenmann" userId="0c0840b0-1ae7-42c8-98b5-b02d8f71a603" providerId="ADAL" clId="{100BBC7B-7ACA-4A4D-BA33-DEF31D162335}" dt="2025-12-08T15:44:55.261" v="896" actId="1036"/>
+        <pc:picChg chg="add del mod">
+          <ac:chgData name="Luisa Dickenmann" userId="0c0840b0-1ae7-42c8-98b5-b02d8f71a603" providerId="ADAL" clId="{100BBC7B-7ACA-4A4D-BA33-DEF31D162335}" dt="2025-12-08T16:21:56.700" v="933" actId="478"/>
           <ac:picMkLst>
             <pc:docMk/>
             <pc:sldMk cId="2413059109" sldId="270"/>
             <ac:picMk id="10" creationId="{EA175353-6AD5-76CA-2329-CCA6E2F2F8DA}"/>
           </ac:picMkLst>
         </pc:picChg>
+        <pc:picChg chg="add del mod">
+          <ac:chgData name="Luisa Dickenmann" userId="0c0840b0-1ae7-42c8-98b5-b02d8f71a603" providerId="ADAL" clId="{100BBC7B-7ACA-4A4D-BA33-DEF31D162335}" dt="2025-12-08T16:21:56.253" v="932" actId="931"/>
+          <ac:picMkLst>
+            <pc:docMk/>
+            <pc:sldMk cId="2413059109" sldId="270"/>
+            <ac:picMk id="14" creationId="{5B1EEFB9-210D-DEC5-3CEE-A9D3A3C78B55}"/>
+          </ac:picMkLst>
+        </pc:picChg>
       </pc:sldChg>
       <pc:sldChg chg="addSp delSp modSp new mod ord">
-        <pc:chgData name="Luisa Dickenmann" userId="0c0840b0-1ae7-42c8-98b5-b02d8f71a603" providerId="ADAL" clId="{100BBC7B-7ACA-4A4D-BA33-DEF31D162335}" dt="2025-12-08T15:18:36.915" v="809" actId="1076"/>
+        <pc:chgData name="Luisa Dickenmann" userId="0c0840b0-1ae7-42c8-98b5-b02d8f71a603" providerId="ADAL" clId="{100BBC7B-7ACA-4A4D-BA33-DEF31D162335}" dt="2025-12-09T09:27:10.337" v="1387" actId="14100"/>
         <pc:sldMkLst>
           <pc:docMk/>
           <pc:sldMk cId="985959284" sldId="271"/>
@@ -752,7 +1283,7 @@
           </ac:spMkLst>
         </pc:spChg>
         <pc:picChg chg="add mod">
-          <ac:chgData name="Luisa Dickenmann" userId="0c0840b0-1ae7-42c8-98b5-b02d8f71a603" providerId="ADAL" clId="{100BBC7B-7ACA-4A4D-BA33-DEF31D162335}" dt="2025-12-08T15:18:36.915" v="809" actId="1076"/>
+          <ac:chgData name="Luisa Dickenmann" userId="0c0840b0-1ae7-42c8-98b5-b02d8f71a603" providerId="ADAL" clId="{100BBC7B-7ACA-4A4D-BA33-DEF31D162335}" dt="2025-12-09T09:27:10.337" v="1387" actId="14100"/>
           <ac:picMkLst>
             <pc:docMk/>
             <pc:sldMk cId="985959284" sldId="271"/>
@@ -761,13 +1292,13 @@
         </pc:picChg>
       </pc:sldChg>
       <pc:sldChg chg="addSp delSp modSp new mod">
-        <pc:chgData name="Luisa Dickenmann" userId="0c0840b0-1ae7-42c8-98b5-b02d8f71a603" providerId="ADAL" clId="{100BBC7B-7ACA-4A4D-BA33-DEF31D162335}" dt="2025-12-08T15:44:35.582" v="879" actId="14100"/>
+        <pc:chgData name="Luisa Dickenmann" userId="0c0840b0-1ae7-42c8-98b5-b02d8f71a603" providerId="ADAL" clId="{100BBC7B-7ACA-4A4D-BA33-DEF31D162335}" dt="2025-12-09T10:11:14.408" v="1488" actId="732"/>
         <pc:sldMkLst>
           <pc:docMk/>
           <pc:sldMk cId="4087577250" sldId="272"/>
         </pc:sldMkLst>
         <pc:spChg chg="mod">
-          <ac:chgData name="Luisa Dickenmann" userId="0c0840b0-1ae7-42c8-98b5-b02d8f71a603" providerId="ADAL" clId="{100BBC7B-7ACA-4A4D-BA33-DEF31D162335}" dt="2025-12-08T15:42:24.710" v="849" actId="1076"/>
+          <ac:chgData name="Luisa Dickenmann" userId="0c0840b0-1ae7-42c8-98b5-b02d8f71a603" providerId="ADAL" clId="{100BBC7B-7ACA-4A4D-BA33-DEF31D162335}" dt="2025-12-08T16:17:02.582" v="897" actId="14100"/>
           <ac:spMkLst>
             <pc:docMk/>
             <pc:sldMk cId="4087577250" sldId="272"/>
@@ -783,11 +1314,67 @@
           </ac:spMkLst>
         </pc:spChg>
         <pc:spChg chg="add del mod">
+          <ac:chgData name="Luisa Dickenmann" userId="0c0840b0-1ae7-42c8-98b5-b02d8f71a603" providerId="ADAL" clId="{100BBC7B-7ACA-4A4D-BA33-DEF31D162335}" dt="2025-12-09T10:09:34.390" v="1446" actId="478"/>
+          <ac:spMkLst>
+            <pc:docMk/>
+            <pc:sldMk cId="4087577250" sldId="272"/>
+            <ac:spMk id="3" creationId="{D67EB707-6845-6AB8-D642-0416D43E4863}"/>
+          </ac:spMkLst>
+        </pc:spChg>
+        <pc:spChg chg="add mod">
+          <ac:chgData name="Luisa Dickenmann" userId="0c0840b0-1ae7-42c8-98b5-b02d8f71a603" providerId="ADAL" clId="{100BBC7B-7ACA-4A4D-BA33-DEF31D162335}" dt="2025-12-09T10:11:04.800" v="1487" actId="20577"/>
+          <ac:spMkLst>
+            <pc:docMk/>
+            <pc:sldMk cId="4087577250" sldId="272"/>
+            <ac:spMk id="6" creationId="{C5012472-E3FE-9887-B742-0271FEB26237}"/>
+          </ac:spMkLst>
+        </pc:spChg>
+        <pc:spChg chg="add del mod">
           <ac:chgData name="Luisa Dickenmann" userId="0c0840b0-1ae7-42c8-98b5-b02d8f71a603" providerId="ADAL" clId="{100BBC7B-7ACA-4A4D-BA33-DEF31D162335}" dt="2025-12-08T15:44:12.727" v="867" actId="931"/>
           <ac:spMkLst>
             <pc:docMk/>
             <pc:sldMk cId="4087577250" sldId="272"/>
             <ac:spMk id="7" creationId="{8D6C9324-A5FD-0775-4747-C7FE69E1A6DE}"/>
+          </ac:spMkLst>
+        </pc:spChg>
+        <pc:spChg chg="add del mod">
+          <ac:chgData name="Luisa Dickenmann" userId="0c0840b0-1ae7-42c8-98b5-b02d8f71a603" providerId="ADAL" clId="{100BBC7B-7ACA-4A4D-BA33-DEF31D162335}" dt="2025-12-08T16:22:19.877" v="935" actId="931"/>
+          <ac:spMkLst>
+            <pc:docMk/>
+            <pc:sldMk cId="4087577250" sldId="272"/>
+            <ac:spMk id="11" creationId="{7A437E10-3391-D653-5B40-6BB421282C41}"/>
+          </ac:spMkLst>
+        </pc:spChg>
+        <pc:spChg chg="add del mod">
+          <ac:chgData name="Luisa Dickenmann" userId="0c0840b0-1ae7-42c8-98b5-b02d8f71a603" providerId="ADAL" clId="{100BBC7B-7ACA-4A4D-BA33-DEF31D162335}" dt="2025-12-08T16:22:34.518" v="939" actId="931"/>
+          <ac:spMkLst>
+            <pc:docMk/>
+            <pc:sldMk cId="4087577250" sldId="272"/>
+            <ac:spMk id="15" creationId="{43259BE7-8490-A8DE-5FC6-F15DF7F56525}"/>
+          </ac:spMkLst>
+        </pc:spChg>
+        <pc:spChg chg="add del mod">
+          <ac:chgData name="Luisa Dickenmann" userId="0c0840b0-1ae7-42c8-98b5-b02d8f71a603" providerId="ADAL" clId="{100BBC7B-7ACA-4A4D-BA33-DEF31D162335}" dt="2025-12-08T16:23:23.837" v="960" actId="931"/>
+          <ac:spMkLst>
+            <pc:docMk/>
+            <pc:sldMk cId="4087577250" sldId="272"/>
+            <ac:spMk id="19" creationId="{25049C4E-6BB9-D364-E1F8-1A699A99212D}"/>
+          </ac:spMkLst>
+        </pc:spChg>
+        <pc:spChg chg="add del mod">
+          <ac:chgData name="Luisa Dickenmann" userId="0c0840b0-1ae7-42c8-98b5-b02d8f71a603" providerId="ADAL" clId="{100BBC7B-7ACA-4A4D-BA33-DEF31D162335}" dt="2025-12-08T16:25:07.418" v="966" actId="931"/>
+          <ac:spMkLst>
+            <pc:docMk/>
+            <pc:sldMk cId="4087577250" sldId="272"/>
+            <ac:spMk id="23" creationId="{A3610182-7A85-EC30-A317-8148FDB54FF2}"/>
+          </ac:spMkLst>
+        </pc:spChg>
+        <pc:spChg chg="add del mod">
+          <ac:chgData name="Luisa Dickenmann" userId="0c0840b0-1ae7-42c8-98b5-b02d8f71a603" providerId="ADAL" clId="{100BBC7B-7ACA-4A4D-BA33-DEF31D162335}" dt="2025-12-09T10:09:31.516" v="1445" actId="931"/>
+          <ac:spMkLst>
+            <pc:docMk/>
+            <pc:sldMk cId="4087577250" sldId="272"/>
+            <ac:spMk id="27" creationId="{40565BB2-56E7-E156-7476-3AE39487A87B}"/>
           </ac:spMkLst>
         </pc:spChg>
         <pc:picChg chg="add del mod modCrop">
@@ -799,17 +1386,853 @@
           </ac:picMkLst>
         </pc:picChg>
         <pc:picChg chg="add mod modCrop">
-          <ac:chgData name="Luisa Dickenmann" userId="0c0840b0-1ae7-42c8-98b5-b02d8f71a603" providerId="ADAL" clId="{100BBC7B-7ACA-4A4D-BA33-DEF31D162335}" dt="2025-12-08T15:44:35.582" v="879" actId="14100"/>
+          <ac:chgData name="Luisa Dickenmann" userId="0c0840b0-1ae7-42c8-98b5-b02d8f71a603" providerId="ADAL" clId="{100BBC7B-7ACA-4A4D-BA33-DEF31D162335}" dt="2025-12-09T10:11:14.408" v="1488" actId="732"/>
+          <ac:picMkLst>
+            <pc:docMk/>
+            <pc:sldMk cId="4087577250" sldId="272"/>
+            <ac:picMk id="5" creationId="{88AB1702-AC8E-BCAE-24FC-C14A03615DD3}"/>
+          </ac:picMkLst>
+        </pc:picChg>
+        <pc:picChg chg="add del mod modCrop">
+          <ac:chgData name="Luisa Dickenmann" userId="0c0840b0-1ae7-42c8-98b5-b02d8f71a603" providerId="ADAL" clId="{100BBC7B-7ACA-4A4D-BA33-DEF31D162335}" dt="2025-12-08T16:22:14.811" v="934" actId="478"/>
           <ac:picMkLst>
             <pc:docMk/>
             <pc:sldMk cId="4087577250" sldId="272"/>
             <ac:picMk id="9" creationId="{11EA4D3C-9827-BB96-BA2A-29A5ABBE1BA1}"/>
+          </ac:picMkLst>
+        </pc:picChg>
+        <pc:picChg chg="add del mod">
+          <ac:chgData name="Luisa Dickenmann" userId="0c0840b0-1ae7-42c8-98b5-b02d8f71a603" providerId="ADAL" clId="{100BBC7B-7ACA-4A4D-BA33-DEF31D162335}" dt="2025-12-08T16:22:31.186" v="938" actId="478"/>
+          <ac:picMkLst>
+            <pc:docMk/>
+            <pc:sldMk cId="4087577250" sldId="272"/>
+            <ac:picMk id="13" creationId="{FEF5CA2A-DE23-389C-BCF3-1D5B88A92D5E}"/>
+          </ac:picMkLst>
+        </pc:picChg>
+        <pc:picChg chg="add del mod">
+          <ac:chgData name="Luisa Dickenmann" userId="0c0840b0-1ae7-42c8-98b5-b02d8f71a603" providerId="ADAL" clId="{100BBC7B-7ACA-4A4D-BA33-DEF31D162335}" dt="2025-12-08T16:23:15.939" v="959" actId="478"/>
+          <ac:picMkLst>
+            <pc:docMk/>
+            <pc:sldMk cId="4087577250" sldId="272"/>
+            <ac:picMk id="17" creationId="{81FA670A-AD4A-F576-B565-B031FAF50827}"/>
+          </ac:picMkLst>
+        </pc:picChg>
+        <pc:picChg chg="add del mod">
+          <ac:chgData name="Luisa Dickenmann" userId="0c0840b0-1ae7-42c8-98b5-b02d8f71a603" providerId="ADAL" clId="{100BBC7B-7ACA-4A4D-BA33-DEF31D162335}" dt="2025-12-08T16:23:32.354" v="965" actId="478"/>
+          <ac:picMkLst>
+            <pc:docMk/>
+            <pc:sldMk cId="4087577250" sldId="272"/>
+            <ac:picMk id="21" creationId="{13C2C514-9829-EF5B-403C-5EDCA9F40468}"/>
+          </ac:picMkLst>
+        </pc:picChg>
+        <pc:picChg chg="add del mod">
+          <ac:chgData name="Luisa Dickenmann" userId="0c0840b0-1ae7-42c8-98b5-b02d8f71a603" providerId="ADAL" clId="{100BBC7B-7ACA-4A4D-BA33-DEF31D162335}" dt="2025-12-08T16:25:10.580" v="970" actId="478"/>
+          <ac:picMkLst>
+            <pc:docMk/>
+            <pc:sldMk cId="4087577250" sldId="272"/>
+            <ac:picMk id="25" creationId="{272F4CF6-7028-BF0C-D9D8-718B7700F2D6}"/>
+          </ac:picMkLst>
+        </pc:picChg>
+      </pc:sldChg>
+      <pc:sldChg chg="addSp delSp modSp new mod">
+        <pc:chgData name="Luisa Dickenmann" userId="0c0840b0-1ae7-42c8-98b5-b02d8f71a603" providerId="ADAL" clId="{100BBC7B-7ACA-4A4D-BA33-DEF31D162335}" dt="2025-12-09T10:33:00.601" v="1509" actId="931"/>
+        <pc:sldMkLst>
+          <pc:docMk/>
+          <pc:sldMk cId="1622543642" sldId="273"/>
+        </pc:sldMkLst>
+        <pc:spChg chg="mod">
+          <ac:chgData name="Luisa Dickenmann" userId="0c0840b0-1ae7-42c8-98b5-b02d8f71a603" providerId="ADAL" clId="{100BBC7B-7ACA-4A4D-BA33-DEF31D162335}" dt="2025-12-09T09:13:58.954" v="1377" actId="20577"/>
+          <ac:spMkLst>
+            <pc:docMk/>
+            <pc:sldMk cId="1622543642" sldId="273"/>
+            <ac:spMk id="2" creationId="{149EE15F-4B94-ED05-018D-4CF3EB11561C}"/>
+          </ac:spMkLst>
+        </pc:spChg>
+        <pc:spChg chg="add del">
+          <ac:chgData name="Luisa Dickenmann" userId="0c0840b0-1ae7-42c8-98b5-b02d8f71a603" providerId="ADAL" clId="{100BBC7B-7ACA-4A4D-BA33-DEF31D162335}" dt="2025-12-09T10:33:00.601" v="1509" actId="931"/>
+          <ac:spMkLst>
+            <pc:docMk/>
+            <pc:sldMk cId="1622543642" sldId="273"/>
+            <ac:spMk id="3" creationId="{5EFF545B-FB32-FB99-3DEF-751F64DCBFFE}"/>
+          </ac:spMkLst>
+        </pc:spChg>
+        <pc:picChg chg="add mod">
+          <ac:chgData name="Luisa Dickenmann" userId="0c0840b0-1ae7-42c8-98b5-b02d8f71a603" providerId="ADAL" clId="{100BBC7B-7ACA-4A4D-BA33-DEF31D162335}" dt="2025-12-09T10:33:00.601" v="1509" actId="931"/>
+          <ac:picMkLst>
+            <pc:docMk/>
+            <pc:sldMk cId="1622543642" sldId="273"/>
+            <ac:picMk id="5" creationId="{04379E65-BD29-A6C0-D20D-65F36BCBC949}"/>
+          </ac:picMkLst>
+        </pc:picChg>
+      </pc:sldChg>
+      <pc:sldChg chg="addSp delSp modSp new mod">
+        <pc:chgData name="Luisa Dickenmann" userId="0c0840b0-1ae7-42c8-98b5-b02d8f71a603" providerId="ADAL" clId="{100BBC7B-7ACA-4A4D-BA33-DEF31D162335}" dt="2025-12-09T10:39:59.558" v="1677" actId="2062"/>
+        <pc:sldMkLst>
+          <pc:docMk/>
+          <pc:sldMk cId="4222636709" sldId="274"/>
+        </pc:sldMkLst>
+        <pc:spChg chg="mod">
+          <ac:chgData name="Luisa Dickenmann" userId="0c0840b0-1ae7-42c8-98b5-b02d8f71a603" providerId="ADAL" clId="{100BBC7B-7ACA-4A4D-BA33-DEF31D162335}" dt="2025-12-09T09:52:21.205" v="1444" actId="1076"/>
+          <ac:spMkLst>
+            <pc:docMk/>
+            <pc:sldMk cId="4222636709" sldId="274"/>
+            <ac:spMk id="2" creationId="{9DF1BC62-6E05-2214-83CA-8D9E2160A19B}"/>
+          </ac:spMkLst>
+        </pc:spChg>
+        <pc:spChg chg="del">
+          <ac:chgData name="Luisa Dickenmann" userId="0c0840b0-1ae7-42c8-98b5-b02d8f71a603" providerId="ADAL" clId="{100BBC7B-7ACA-4A4D-BA33-DEF31D162335}" dt="2025-12-09T10:33:25.096" v="1510" actId="931"/>
+          <ac:spMkLst>
+            <pc:docMk/>
+            <pc:sldMk cId="4222636709" sldId="274"/>
+            <ac:spMk id="3" creationId="{75C94D3E-1E89-AA8F-84F8-EA97048F8495}"/>
+          </ac:spMkLst>
+        </pc:spChg>
+        <pc:spChg chg="add del mod">
+          <ac:chgData name="Luisa Dickenmann" userId="0c0840b0-1ae7-42c8-98b5-b02d8f71a603" providerId="ADAL" clId="{100BBC7B-7ACA-4A4D-BA33-DEF31D162335}" dt="2025-12-09T10:35:32.813" v="1528" actId="3680"/>
+          <ac:spMkLst>
+            <pc:docMk/>
+            <pc:sldMk cId="4222636709" sldId="274"/>
+            <ac:spMk id="7" creationId="{3BBFBC9B-15EE-D1A6-F4D3-F551E19655C2}"/>
+          </ac:spMkLst>
+        </pc:spChg>
+        <pc:graphicFrameChg chg="add del mod ord modGraphic">
+          <ac:chgData name="Luisa Dickenmann" userId="0c0840b0-1ae7-42c8-98b5-b02d8f71a603" providerId="ADAL" clId="{100BBC7B-7ACA-4A4D-BA33-DEF31D162335}" dt="2025-12-09T10:35:19.734" v="1527" actId="3680"/>
+          <ac:graphicFrameMkLst>
+            <pc:docMk/>
+            <pc:sldMk cId="4222636709" sldId="274"/>
+            <ac:graphicFrameMk id="8" creationId="{5A8BDCCA-95A4-2A68-34B4-BCD887151C72}"/>
+          </ac:graphicFrameMkLst>
+        </pc:graphicFrameChg>
+        <pc:graphicFrameChg chg="add mod ord modGraphic">
+          <ac:chgData name="Luisa Dickenmann" userId="0c0840b0-1ae7-42c8-98b5-b02d8f71a603" providerId="ADAL" clId="{100BBC7B-7ACA-4A4D-BA33-DEF31D162335}" dt="2025-12-09T10:39:59.558" v="1677" actId="2062"/>
+          <ac:graphicFrameMkLst>
+            <pc:docMk/>
+            <pc:sldMk cId="4222636709" sldId="274"/>
+            <ac:graphicFrameMk id="9" creationId="{0AADB95F-2104-542D-E0E1-ABEDEF08E276}"/>
+          </ac:graphicFrameMkLst>
+        </pc:graphicFrameChg>
+        <pc:picChg chg="add del mod">
+          <ac:chgData name="Luisa Dickenmann" userId="0c0840b0-1ae7-42c8-98b5-b02d8f71a603" providerId="ADAL" clId="{100BBC7B-7ACA-4A4D-BA33-DEF31D162335}" dt="2025-12-09T10:35:02.971" v="1525" actId="478"/>
+          <ac:picMkLst>
+            <pc:docMk/>
+            <pc:sldMk cId="4222636709" sldId="274"/>
+            <ac:picMk id="5" creationId="{7C850420-242B-ED0F-E2C6-7D4355198D45}"/>
+          </ac:picMkLst>
+        </pc:picChg>
+        <pc:picChg chg="add del mod">
+          <ac:chgData name="Luisa Dickenmann" userId="0c0840b0-1ae7-42c8-98b5-b02d8f71a603" providerId="ADAL" clId="{100BBC7B-7ACA-4A4D-BA33-DEF31D162335}" dt="2025-12-09T10:39:21.790" v="1668" actId="478"/>
+          <ac:picMkLst>
+            <pc:docMk/>
+            <pc:sldMk cId="4222636709" sldId="274"/>
+            <ac:picMk id="11" creationId="{D44CAE93-27F2-B4E0-1B1B-D070419A12A0}"/>
+          </ac:picMkLst>
+        </pc:picChg>
+      </pc:sldChg>
+      <pc:sldChg chg="addSp delSp modSp new mod">
+        <pc:chgData name="Luisa Dickenmann" userId="0c0840b0-1ae7-42c8-98b5-b02d8f71a603" providerId="ADAL" clId="{100BBC7B-7ACA-4A4D-BA33-DEF31D162335}" dt="2025-12-09T11:50:47.749" v="2144" actId="692"/>
+        <pc:sldMkLst>
+          <pc:docMk/>
+          <pc:sldMk cId="3321713989" sldId="275"/>
+        </pc:sldMkLst>
+        <pc:spChg chg="mod">
+          <ac:chgData name="Luisa Dickenmann" userId="0c0840b0-1ae7-42c8-98b5-b02d8f71a603" providerId="ADAL" clId="{100BBC7B-7ACA-4A4D-BA33-DEF31D162335}" dt="2025-12-09T11:39:57.614" v="2097" actId="1038"/>
+          <ac:spMkLst>
+            <pc:docMk/>
+            <pc:sldMk cId="3321713989" sldId="275"/>
+            <ac:spMk id="2" creationId="{2309895B-F36B-0FE8-66E4-57C233A9ABD4}"/>
+          </ac:spMkLst>
+        </pc:spChg>
+        <pc:spChg chg="del">
+          <ac:chgData name="Luisa Dickenmann" userId="0c0840b0-1ae7-42c8-98b5-b02d8f71a603" providerId="ADAL" clId="{100BBC7B-7ACA-4A4D-BA33-DEF31D162335}" dt="2025-12-09T11:39:41.307" v="2089" actId="931"/>
+          <ac:spMkLst>
+            <pc:docMk/>
+            <pc:sldMk cId="3321713989" sldId="275"/>
+            <ac:spMk id="3" creationId="{9A9879EC-E4A6-EC50-40E1-0047943D9D4F}"/>
+          </ac:spMkLst>
+        </pc:spChg>
+        <pc:spChg chg="add del mod">
+          <ac:chgData name="Luisa Dickenmann" userId="0c0840b0-1ae7-42c8-98b5-b02d8f71a603" providerId="ADAL" clId="{100BBC7B-7ACA-4A4D-BA33-DEF31D162335}" dt="2025-12-09T11:49:46.078" v="2132" actId="931"/>
+          <ac:spMkLst>
+            <pc:docMk/>
+            <pc:sldMk cId="3321713989" sldId="275"/>
+            <ac:spMk id="7" creationId="{2E6B6547-6D33-264E-E2D3-3C79BCD32B83}"/>
+          </ac:spMkLst>
+        </pc:spChg>
+        <pc:picChg chg="add del mod modCrop">
+          <ac:chgData name="Luisa Dickenmann" userId="0c0840b0-1ae7-42c8-98b5-b02d8f71a603" providerId="ADAL" clId="{100BBC7B-7ACA-4A4D-BA33-DEF31D162335}" dt="2025-12-09T11:49:41.554" v="2131" actId="478"/>
+          <ac:picMkLst>
+            <pc:docMk/>
+            <pc:sldMk cId="3321713989" sldId="275"/>
+            <ac:picMk id="5" creationId="{189B652A-BC90-63CF-3867-82F225D24EF2}"/>
+          </ac:picMkLst>
+        </pc:picChg>
+        <pc:picChg chg="add mod">
+          <ac:chgData name="Luisa Dickenmann" userId="0c0840b0-1ae7-42c8-98b5-b02d8f71a603" providerId="ADAL" clId="{100BBC7B-7ACA-4A4D-BA33-DEF31D162335}" dt="2025-12-09T11:50:08.968" v="2140" actId="14100"/>
+          <ac:picMkLst>
+            <pc:docMk/>
+            <pc:sldMk cId="3321713989" sldId="275"/>
+            <ac:picMk id="9" creationId="{E9D7C26D-A23C-D424-F674-5FE3142C3DDD}"/>
+          </ac:picMkLst>
+        </pc:picChg>
+        <pc:cxnChg chg="add mod">
+          <ac:chgData name="Luisa Dickenmann" userId="0c0840b0-1ae7-42c8-98b5-b02d8f71a603" providerId="ADAL" clId="{100BBC7B-7ACA-4A4D-BA33-DEF31D162335}" dt="2025-12-09T11:50:47.749" v="2144" actId="692"/>
+          <ac:cxnSpMkLst>
+            <pc:docMk/>
+            <pc:sldMk cId="3321713989" sldId="275"/>
+            <ac:cxnSpMk id="11" creationId="{B145E7EB-00AB-0A3C-462D-869596290F9D}"/>
+          </ac:cxnSpMkLst>
+        </pc:cxnChg>
+      </pc:sldChg>
+      <pc:sldChg chg="addSp delSp modSp new mod">
+        <pc:chgData name="Luisa Dickenmann" userId="0c0840b0-1ae7-42c8-98b5-b02d8f71a603" providerId="ADAL" clId="{100BBC7B-7ACA-4A4D-BA33-DEF31D162335}" dt="2025-12-09T12:01:57.195" v="2194" actId="1076"/>
+        <pc:sldMkLst>
+          <pc:docMk/>
+          <pc:sldMk cId="4221340399" sldId="276"/>
+        </pc:sldMkLst>
+        <pc:spChg chg="mod">
+          <ac:chgData name="Luisa Dickenmann" userId="0c0840b0-1ae7-42c8-98b5-b02d8f71a603" providerId="ADAL" clId="{100BBC7B-7ACA-4A4D-BA33-DEF31D162335}" dt="2025-12-09T11:51:35.474" v="2178" actId="1076"/>
+          <ac:spMkLst>
+            <pc:docMk/>
+            <pc:sldMk cId="4221340399" sldId="276"/>
+            <ac:spMk id="2" creationId="{331E21EA-EC58-E43B-46B6-72D5584F9856}"/>
+          </ac:spMkLst>
+        </pc:spChg>
+        <pc:spChg chg="del">
+          <ac:chgData name="Luisa Dickenmann" userId="0c0840b0-1ae7-42c8-98b5-b02d8f71a603" providerId="ADAL" clId="{100BBC7B-7ACA-4A4D-BA33-DEF31D162335}" dt="2025-12-09T12:00:37.105" v="2179" actId="931"/>
+          <ac:spMkLst>
+            <pc:docMk/>
+            <pc:sldMk cId="4221340399" sldId="276"/>
+            <ac:spMk id="3" creationId="{77875995-147A-24E3-3E00-23C5401B0DA4}"/>
+          </ac:spMkLst>
+        </pc:spChg>
+        <pc:spChg chg="add del mod">
+          <ac:chgData name="Luisa Dickenmann" userId="0c0840b0-1ae7-42c8-98b5-b02d8f71a603" providerId="ADAL" clId="{100BBC7B-7ACA-4A4D-BA33-DEF31D162335}" dt="2025-12-09T12:01:09.584" v="2181" actId="931"/>
+          <ac:spMkLst>
+            <pc:docMk/>
+            <pc:sldMk cId="4221340399" sldId="276"/>
+            <ac:spMk id="7" creationId="{945CB08A-8A31-A401-A73C-50AC2D0F7B83}"/>
+          </ac:spMkLst>
+        </pc:spChg>
+        <pc:spChg chg="add mod">
+          <ac:chgData name="Luisa Dickenmann" userId="0c0840b0-1ae7-42c8-98b5-b02d8f71a603" providerId="ADAL" clId="{100BBC7B-7ACA-4A4D-BA33-DEF31D162335}" dt="2025-12-09T12:01:57.195" v="2194" actId="1076"/>
+          <ac:spMkLst>
+            <pc:docMk/>
+            <pc:sldMk cId="4221340399" sldId="276"/>
+            <ac:spMk id="11" creationId="{3E6EA98B-C626-6AC0-4F03-A613577D5935}"/>
+          </ac:spMkLst>
+        </pc:spChg>
+        <pc:spChg chg="add mod">
+          <ac:chgData name="Luisa Dickenmann" userId="0c0840b0-1ae7-42c8-98b5-b02d8f71a603" providerId="ADAL" clId="{100BBC7B-7ACA-4A4D-BA33-DEF31D162335}" dt="2025-12-09T12:01:54.163" v="2193" actId="1076"/>
+          <ac:spMkLst>
+            <pc:docMk/>
+            <pc:sldMk cId="4221340399" sldId="276"/>
+            <ac:spMk id="14" creationId="{392A4E8F-20B8-D1CF-298E-3001E437C6C5}"/>
+          </ac:spMkLst>
+        </pc:spChg>
+        <pc:picChg chg="add del mod">
+          <ac:chgData name="Luisa Dickenmann" userId="0c0840b0-1ae7-42c8-98b5-b02d8f71a603" providerId="ADAL" clId="{100BBC7B-7ACA-4A4D-BA33-DEF31D162335}" dt="2025-12-09T12:01:02.825" v="2180" actId="478"/>
+          <ac:picMkLst>
+            <pc:docMk/>
+            <pc:sldMk cId="4221340399" sldId="276"/>
+            <ac:picMk id="5" creationId="{6C08B72B-A0E8-2895-91E1-55418D73F0B2}"/>
+          </ac:picMkLst>
+        </pc:picChg>
+        <pc:picChg chg="add mod">
+          <ac:chgData name="Luisa Dickenmann" userId="0c0840b0-1ae7-42c8-98b5-b02d8f71a603" providerId="ADAL" clId="{100BBC7B-7ACA-4A4D-BA33-DEF31D162335}" dt="2025-12-09T12:01:15.243" v="2184" actId="1076"/>
+          <ac:picMkLst>
+            <pc:docMk/>
+            <pc:sldMk cId="4221340399" sldId="276"/>
+            <ac:picMk id="9" creationId="{FA0D3437-97B6-1053-8FD3-9E66A7F8235A}"/>
+          </ac:picMkLst>
+        </pc:picChg>
+        <pc:cxnChg chg="add mod">
+          <ac:chgData name="Luisa Dickenmann" userId="0c0840b0-1ae7-42c8-98b5-b02d8f71a603" providerId="ADAL" clId="{100BBC7B-7ACA-4A4D-BA33-DEF31D162335}" dt="2025-12-09T12:01:57.195" v="2194" actId="1076"/>
+          <ac:cxnSpMkLst>
+            <pc:docMk/>
+            <pc:sldMk cId="4221340399" sldId="276"/>
+            <ac:cxnSpMk id="10" creationId="{21E77FB2-79EE-9075-C06A-8515F77F5B87}"/>
+          </ac:cxnSpMkLst>
+        </pc:cxnChg>
+        <pc:cxnChg chg="add mod">
+          <ac:chgData name="Luisa Dickenmann" userId="0c0840b0-1ae7-42c8-98b5-b02d8f71a603" providerId="ADAL" clId="{100BBC7B-7ACA-4A4D-BA33-DEF31D162335}" dt="2025-12-09T12:01:54.163" v="2193" actId="1076"/>
+          <ac:cxnSpMkLst>
+            <pc:docMk/>
+            <pc:sldMk cId="4221340399" sldId="276"/>
+            <ac:cxnSpMk id="13" creationId="{87C6D792-97FC-FD07-3960-989C62EBBECF}"/>
+          </ac:cxnSpMkLst>
+        </pc:cxnChg>
+      </pc:sldChg>
+      <pc:sldChg chg="addSp delSp modSp new mod">
+        <pc:chgData name="Luisa Dickenmann" userId="0c0840b0-1ae7-42c8-98b5-b02d8f71a603" providerId="ADAL" clId="{100BBC7B-7ACA-4A4D-BA33-DEF31D162335}" dt="2025-12-09T12:12:55.315" v="2264" actId="1076"/>
+        <pc:sldMkLst>
+          <pc:docMk/>
+          <pc:sldMk cId="2763315938" sldId="277"/>
+        </pc:sldMkLst>
+        <pc:spChg chg="mod">
+          <ac:chgData name="Luisa Dickenmann" userId="0c0840b0-1ae7-42c8-98b5-b02d8f71a603" providerId="ADAL" clId="{100BBC7B-7ACA-4A4D-BA33-DEF31D162335}" dt="2025-12-09T12:09:16.964" v="2237" actId="1076"/>
+          <ac:spMkLst>
+            <pc:docMk/>
+            <pc:sldMk cId="2763315938" sldId="277"/>
+            <ac:spMk id="2" creationId="{971A7E35-F3A7-7E5B-ED8A-FA3BA661E53E}"/>
+          </ac:spMkLst>
+        </pc:spChg>
+        <pc:spChg chg="del">
+          <ac:chgData name="Luisa Dickenmann" userId="0c0840b0-1ae7-42c8-98b5-b02d8f71a603" providerId="ADAL" clId="{100BBC7B-7ACA-4A4D-BA33-DEF31D162335}" dt="2025-12-09T12:12:45.296" v="2259" actId="931"/>
+          <ac:spMkLst>
+            <pc:docMk/>
+            <pc:sldMk cId="2763315938" sldId="277"/>
+            <ac:spMk id="3" creationId="{31F5546C-DB55-5030-2A09-F0AEDFD90F31}"/>
+          </ac:spMkLst>
+        </pc:spChg>
+        <pc:picChg chg="add mod">
+          <ac:chgData name="Luisa Dickenmann" userId="0c0840b0-1ae7-42c8-98b5-b02d8f71a603" providerId="ADAL" clId="{100BBC7B-7ACA-4A4D-BA33-DEF31D162335}" dt="2025-12-09T12:12:55.315" v="2264" actId="1076"/>
+          <ac:picMkLst>
+            <pc:docMk/>
+            <pc:sldMk cId="2763315938" sldId="277"/>
+            <ac:picMk id="5" creationId="{2D2CC6DF-5B3C-EB76-C731-64BD8A77302C}"/>
+          </ac:picMkLst>
+        </pc:picChg>
+      </pc:sldChg>
+      <pc:sldChg chg="addSp delSp modSp new mod">
+        <pc:chgData name="Luisa Dickenmann" userId="0c0840b0-1ae7-42c8-98b5-b02d8f71a603" providerId="ADAL" clId="{100BBC7B-7ACA-4A4D-BA33-DEF31D162335}" dt="2025-12-09T12:14:44.316" v="2300" actId="14100"/>
+        <pc:sldMkLst>
+          <pc:docMk/>
+          <pc:sldMk cId="1459603130" sldId="278"/>
+        </pc:sldMkLst>
+        <pc:spChg chg="mod">
+          <ac:chgData name="Luisa Dickenmann" userId="0c0840b0-1ae7-42c8-98b5-b02d8f71a603" providerId="ADAL" clId="{100BBC7B-7ACA-4A4D-BA33-DEF31D162335}" dt="2025-12-09T12:14:35.059" v="2297" actId="1076"/>
+          <ac:spMkLst>
+            <pc:docMk/>
+            <pc:sldMk cId="1459603130" sldId="278"/>
+            <ac:spMk id="2" creationId="{54C10286-6041-399A-065F-9CA72ED989EA}"/>
+          </ac:spMkLst>
+        </pc:spChg>
+        <pc:spChg chg="del">
+          <ac:chgData name="Luisa Dickenmann" userId="0c0840b0-1ae7-42c8-98b5-b02d8f71a603" providerId="ADAL" clId="{100BBC7B-7ACA-4A4D-BA33-DEF31D162335}" dt="2025-12-09T12:13:46.831" v="2287" actId="931"/>
+          <ac:spMkLst>
+            <pc:docMk/>
+            <pc:sldMk cId="1459603130" sldId="278"/>
+            <ac:spMk id="3" creationId="{B19B68EA-E50C-F7AF-8DFC-0BD3DABD8AFA}"/>
+          </ac:spMkLst>
+        </pc:spChg>
+        <pc:spChg chg="add del mod">
+          <ac:chgData name="Luisa Dickenmann" userId="0c0840b0-1ae7-42c8-98b5-b02d8f71a603" providerId="ADAL" clId="{100BBC7B-7ACA-4A4D-BA33-DEF31D162335}" dt="2025-12-09T12:14:00.411" v="2291" actId="931"/>
+          <ac:spMkLst>
+            <pc:docMk/>
+            <pc:sldMk cId="1459603130" sldId="278"/>
+            <ac:spMk id="7" creationId="{64C8C323-C279-346E-BFDD-96E6FF180654}"/>
+          </ac:spMkLst>
+        </pc:spChg>
+        <pc:picChg chg="add del mod">
+          <ac:chgData name="Luisa Dickenmann" userId="0c0840b0-1ae7-42c8-98b5-b02d8f71a603" providerId="ADAL" clId="{100BBC7B-7ACA-4A4D-BA33-DEF31D162335}" dt="2025-12-09T12:13:49.809" v="2290" actId="478"/>
+          <ac:picMkLst>
+            <pc:docMk/>
+            <pc:sldMk cId="1459603130" sldId="278"/>
+            <ac:picMk id="5" creationId="{5CF9DF7C-8ABE-C3DC-BD42-29EAC4357DB1}"/>
+          </ac:picMkLst>
+        </pc:picChg>
+        <pc:picChg chg="add mod">
+          <ac:chgData name="Luisa Dickenmann" userId="0c0840b0-1ae7-42c8-98b5-b02d8f71a603" providerId="ADAL" clId="{100BBC7B-7ACA-4A4D-BA33-DEF31D162335}" dt="2025-12-09T12:14:44.316" v="2300" actId="14100"/>
+          <ac:picMkLst>
+            <pc:docMk/>
+            <pc:sldMk cId="1459603130" sldId="278"/>
+            <ac:picMk id="9" creationId="{463E4468-FDCA-104C-62BA-3B778918FA92}"/>
+          </ac:picMkLst>
+        </pc:picChg>
+      </pc:sldChg>
+      <pc:sldChg chg="modSp new mod">
+        <pc:chgData name="Luisa Dickenmann" userId="0c0840b0-1ae7-42c8-98b5-b02d8f71a603" providerId="ADAL" clId="{100BBC7B-7ACA-4A4D-BA33-DEF31D162335}" dt="2025-12-09T13:16:24.212" v="2617" actId="20577"/>
+        <pc:sldMkLst>
+          <pc:docMk/>
+          <pc:sldMk cId="200535796" sldId="279"/>
+        </pc:sldMkLst>
+        <pc:spChg chg="mod">
+          <ac:chgData name="Luisa Dickenmann" userId="0c0840b0-1ae7-42c8-98b5-b02d8f71a603" providerId="ADAL" clId="{100BBC7B-7ACA-4A4D-BA33-DEF31D162335}" dt="2025-12-09T13:16:12.393" v="2571" actId="20577"/>
+          <ac:spMkLst>
+            <pc:docMk/>
+            <pc:sldMk cId="200535796" sldId="279"/>
+            <ac:spMk id="2" creationId="{F4E77790-0A48-B0C3-E2DE-563D31F33DAB}"/>
+          </ac:spMkLst>
+        </pc:spChg>
+        <pc:spChg chg="mod">
+          <ac:chgData name="Luisa Dickenmann" userId="0c0840b0-1ae7-42c8-98b5-b02d8f71a603" providerId="ADAL" clId="{100BBC7B-7ACA-4A4D-BA33-DEF31D162335}" dt="2025-12-09T13:16:24.212" v="2617" actId="20577"/>
+          <ac:spMkLst>
+            <pc:docMk/>
+            <pc:sldMk cId="200535796" sldId="279"/>
+            <ac:spMk id="3" creationId="{B4892CD5-BA4F-A107-6E44-94C41B70BB93}"/>
+          </ac:spMkLst>
+        </pc:spChg>
+      </pc:sldChg>
+      <pc:sldChg chg="addSp modSp new mod">
+        <pc:chgData name="Luisa Dickenmann" userId="0c0840b0-1ae7-42c8-98b5-b02d8f71a603" providerId="ADAL" clId="{100BBC7B-7ACA-4A4D-BA33-DEF31D162335}" dt="2025-12-09T13:19:06.017" v="2779" actId="1076"/>
+        <pc:sldMkLst>
+          <pc:docMk/>
+          <pc:sldMk cId="2235722807" sldId="280"/>
+        </pc:sldMkLst>
+        <pc:spChg chg="mod">
+          <ac:chgData name="Luisa Dickenmann" userId="0c0840b0-1ae7-42c8-98b5-b02d8f71a603" providerId="ADAL" clId="{100BBC7B-7ACA-4A4D-BA33-DEF31D162335}" dt="2025-12-09T13:17:19.282" v="2650" actId="20577"/>
+          <ac:spMkLst>
+            <pc:docMk/>
+            <pc:sldMk cId="2235722807" sldId="280"/>
+            <ac:spMk id="2" creationId="{7B8526B4-C28B-9F40-11FC-0C82F8F92148}"/>
+          </ac:spMkLst>
+        </pc:spChg>
+        <pc:spChg chg="mod">
+          <ac:chgData name="Luisa Dickenmann" userId="0c0840b0-1ae7-42c8-98b5-b02d8f71a603" providerId="ADAL" clId="{100BBC7B-7ACA-4A4D-BA33-DEF31D162335}" dt="2025-12-09T13:19:03.411" v="2777" actId="20577"/>
+          <ac:spMkLst>
+            <pc:docMk/>
+            <pc:sldMk cId="2235722807" sldId="280"/>
+            <ac:spMk id="3" creationId="{F604B187-7D1D-6C91-8666-FC9DB4E0FC90}"/>
+          </ac:spMkLst>
+        </pc:spChg>
+        <pc:picChg chg="add mod">
+          <ac:chgData name="Luisa Dickenmann" userId="0c0840b0-1ae7-42c8-98b5-b02d8f71a603" providerId="ADAL" clId="{100BBC7B-7ACA-4A4D-BA33-DEF31D162335}" dt="2025-12-09T13:19:06.017" v="2779" actId="1076"/>
+          <ac:picMkLst>
+            <pc:docMk/>
+            <pc:sldMk cId="2235722807" sldId="280"/>
+            <ac:picMk id="5" creationId="{A3C27B33-D24F-727E-2389-C5F17212B789}"/>
           </ac:picMkLst>
         </pc:picChg>
       </pc:sldChg>
     </pc:docChg>
   </pc:docChgLst>
 </pc:chgInfo>
+</file>
+
+<file path=ppt/notesMasters/notesMaster1.xml><?xml version="1.0" encoding="utf-8"?>
+<p:notesMaster xmlns:a="http://schemas.openxmlformats.org/drawingml/2006/main" xmlns:r="http://schemas.openxmlformats.org/officeDocument/2006/relationships" xmlns:p="http://schemas.openxmlformats.org/presentationml/2006/main">
+  <p:cSld>
+    <p:bg>
+      <p:bgRef idx="1001">
+        <a:schemeClr val="bg1"/>
+      </p:bgRef>
+    </p:bg>
+    <p:spTree>
+      <p:nvGrpSpPr>
+        <p:cNvPr id="1" name=""/>
+        <p:cNvGrpSpPr/>
+        <p:nvPr/>
+      </p:nvGrpSpPr>
+      <p:grpSpPr>
+        <a:xfrm>
+          <a:off x="0" y="0"/>
+          <a:ext cx="0" cy="0"/>
+          <a:chOff x="0" y="0"/>
+          <a:chExt cx="0" cy="0"/>
+        </a:xfrm>
+      </p:grpSpPr>
+      <p:sp>
+        <p:nvSpPr>
+          <p:cNvPr id="2" name="Header Placeholder 1"/>
+          <p:cNvSpPr>
+            <a:spLocks noGrp="1"/>
+          </p:cNvSpPr>
+          <p:nvPr>
+            <p:ph type="hdr" sz="quarter"/>
+          </p:nvPr>
+        </p:nvSpPr>
+        <p:spPr>
+          <a:xfrm>
+            <a:off x="0" y="0"/>
+            <a:ext cx="2971800" cy="458788"/>
+          </a:xfrm>
+          <a:prstGeom prst="rect">
+            <a:avLst/>
+          </a:prstGeom>
+        </p:spPr>
+        <p:txBody>
+          <a:bodyPr vert="horz" lIns="91440" tIns="45720" rIns="91440" bIns="45720" rtlCol="0"/>
+          <a:lstStyle>
+            <a:lvl1pPr algn="l">
+              <a:defRPr sz="1200"/>
+            </a:lvl1pPr>
+          </a:lstStyle>
+          <a:p>
+            <a:endParaRPr lang="en-GB"/>
+          </a:p>
+        </p:txBody>
+      </p:sp>
+      <p:sp>
+        <p:nvSpPr>
+          <p:cNvPr id="3" name="Date Placeholder 2"/>
+          <p:cNvSpPr>
+            <a:spLocks noGrp="1"/>
+          </p:cNvSpPr>
+          <p:nvPr>
+            <p:ph type="dt" idx="1"/>
+          </p:nvPr>
+        </p:nvSpPr>
+        <p:spPr>
+          <a:xfrm>
+            <a:off x="3884613" y="0"/>
+            <a:ext cx="2971800" cy="458788"/>
+          </a:xfrm>
+          <a:prstGeom prst="rect">
+            <a:avLst/>
+          </a:prstGeom>
+        </p:spPr>
+        <p:txBody>
+          <a:bodyPr vert="horz" lIns="91440" tIns="45720" rIns="91440" bIns="45720" rtlCol="0"/>
+          <a:lstStyle>
+            <a:lvl1pPr algn="r">
+              <a:defRPr sz="1200"/>
+            </a:lvl1pPr>
+          </a:lstStyle>
+          <a:p>
+            <a:fld id="{205757B0-FBC9-4508-996A-3E224EB738F1}" type="datetimeFigureOut">
+              <a:rPr lang="en-GB" smtClean="0"/>
+              <a:t>09/12/2025</a:t>
+            </a:fld>
+            <a:endParaRPr lang="en-GB"/>
+          </a:p>
+        </p:txBody>
+      </p:sp>
+      <p:sp>
+        <p:nvSpPr>
+          <p:cNvPr id="4" name="Slide Image Placeholder 3"/>
+          <p:cNvSpPr>
+            <a:spLocks noGrp="1" noRot="1" noChangeAspect="1"/>
+          </p:cNvSpPr>
+          <p:nvPr>
+            <p:ph type="sldImg" idx="2"/>
+          </p:nvPr>
+        </p:nvSpPr>
+        <p:spPr>
+          <a:xfrm>
+            <a:off x="685800" y="1143000"/>
+            <a:ext cx="5486400" cy="3086100"/>
+          </a:xfrm>
+          <a:prstGeom prst="rect">
+            <a:avLst/>
+          </a:prstGeom>
+          <a:noFill/>
+          <a:ln w="12700">
+            <a:solidFill>
+              <a:prstClr val="black"/>
+            </a:solidFill>
+          </a:ln>
+        </p:spPr>
+        <p:txBody>
+          <a:bodyPr vert="horz" lIns="91440" tIns="45720" rIns="91440" bIns="45720" rtlCol="0" anchor="ctr"/>
+          <a:lstStyle/>
+          <a:p>
+            <a:endParaRPr lang="en-GB"/>
+          </a:p>
+        </p:txBody>
+      </p:sp>
+      <p:sp>
+        <p:nvSpPr>
+          <p:cNvPr id="5" name="Notes Placeholder 4"/>
+          <p:cNvSpPr>
+            <a:spLocks noGrp="1"/>
+          </p:cNvSpPr>
+          <p:nvPr>
+            <p:ph type="body" sz="quarter" idx="3"/>
+          </p:nvPr>
+        </p:nvSpPr>
+        <p:spPr>
+          <a:xfrm>
+            <a:off x="685800" y="4400550"/>
+            <a:ext cx="5486400" cy="3600450"/>
+          </a:xfrm>
+          <a:prstGeom prst="rect">
+            <a:avLst/>
+          </a:prstGeom>
+        </p:spPr>
+        <p:txBody>
+          <a:bodyPr vert="horz" lIns="91440" tIns="45720" rIns="91440" bIns="45720" rtlCol="0"/>
+          <a:lstStyle/>
+          <a:p>
+            <a:pPr lvl="0"/>
+            <a:r>
+              <a:rPr lang="en-GB"/>
+              <a:t>Click to edit Master text styles</a:t>
+            </a:r>
+          </a:p>
+          <a:p>
+            <a:pPr lvl="1"/>
+            <a:r>
+              <a:rPr lang="en-GB"/>
+              <a:t>Second level</a:t>
+            </a:r>
+          </a:p>
+          <a:p>
+            <a:pPr lvl="2"/>
+            <a:r>
+              <a:rPr lang="en-GB"/>
+              <a:t>Third level</a:t>
+            </a:r>
+          </a:p>
+          <a:p>
+            <a:pPr lvl="3"/>
+            <a:r>
+              <a:rPr lang="en-GB"/>
+              <a:t>Fourth level</a:t>
+            </a:r>
+          </a:p>
+          <a:p>
+            <a:pPr lvl="4"/>
+            <a:r>
+              <a:rPr lang="en-GB"/>
+              <a:t>Fifth level</a:t>
+            </a:r>
+          </a:p>
+        </p:txBody>
+      </p:sp>
+      <p:sp>
+        <p:nvSpPr>
+          <p:cNvPr id="6" name="Footer Placeholder 5"/>
+          <p:cNvSpPr>
+            <a:spLocks noGrp="1"/>
+          </p:cNvSpPr>
+          <p:nvPr>
+            <p:ph type="ftr" sz="quarter" idx="4"/>
+          </p:nvPr>
+        </p:nvSpPr>
+        <p:spPr>
+          <a:xfrm>
+            <a:off x="0" y="8685213"/>
+            <a:ext cx="2971800" cy="458787"/>
+          </a:xfrm>
+          <a:prstGeom prst="rect">
+            <a:avLst/>
+          </a:prstGeom>
+        </p:spPr>
+        <p:txBody>
+          <a:bodyPr vert="horz" lIns="91440" tIns="45720" rIns="91440" bIns="45720" rtlCol="0" anchor="b"/>
+          <a:lstStyle>
+            <a:lvl1pPr algn="l">
+              <a:defRPr sz="1200"/>
+            </a:lvl1pPr>
+          </a:lstStyle>
+          <a:p>
+            <a:endParaRPr lang="en-GB"/>
+          </a:p>
+        </p:txBody>
+      </p:sp>
+      <p:sp>
+        <p:nvSpPr>
+          <p:cNvPr id="7" name="Slide Number Placeholder 6"/>
+          <p:cNvSpPr>
+            <a:spLocks noGrp="1"/>
+          </p:cNvSpPr>
+          <p:nvPr>
+            <p:ph type="sldNum" sz="quarter" idx="5"/>
+          </p:nvPr>
+        </p:nvSpPr>
+        <p:spPr>
+          <a:xfrm>
+            <a:off x="3884613" y="8685213"/>
+            <a:ext cx="2971800" cy="458787"/>
+          </a:xfrm>
+          <a:prstGeom prst="rect">
+            <a:avLst/>
+          </a:prstGeom>
+        </p:spPr>
+        <p:txBody>
+          <a:bodyPr vert="horz" lIns="91440" tIns="45720" rIns="91440" bIns="45720" rtlCol="0" anchor="b"/>
+          <a:lstStyle>
+            <a:lvl1pPr algn="r">
+              <a:defRPr sz="1200"/>
+            </a:lvl1pPr>
+          </a:lstStyle>
+          <a:p>
+            <a:fld id="{00BEF3A4-E543-4418-A8C6-AC4DBC501A73}" type="slidenum">
+              <a:rPr lang="en-GB" smtClean="0"/>
+              <a:t>‹#›</a:t>
+            </a:fld>
+            <a:endParaRPr lang="en-GB"/>
+          </a:p>
+        </p:txBody>
+      </p:sp>
+    </p:spTree>
+    <p:extLst>
+      <p:ext uri="{BB962C8B-B14F-4D97-AF65-F5344CB8AC3E}">
+        <p14:creationId xmlns:p14="http://schemas.microsoft.com/office/powerpoint/2010/main" val="2654412424"/>
+      </p:ext>
+    </p:extLst>
+  </p:cSld>
+  <p:clrMap bg1="lt1" tx1="dk1" bg2="lt2" tx2="dk2" accent1="accent1" accent2="accent2" accent3="accent3" accent4="accent4" accent5="accent5" accent6="accent6" hlink="hlink" folHlink="folHlink"/>
+  <p:notesStyle>
+    <a:lvl1pPr marL="0" algn="l" defTabSz="914400" rtl="0" eaLnBrk="1" latinLnBrk="0" hangingPunct="1">
+      <a:defRPr sz="1200" kern="1200">
+        <a:solidFill>
+          <a:schemeClr val="tx1"/>
+        </a:solidFill>
+        <a:latin typeface="+mn-lt"/>
+        <a:ea typeface="+mn-ea"/>
+        <a:cs typeface="+mn-cs"/>
+      </a:defRPr>
+    </a:lvl1pPr>
+    <a:lvl2pPr marL="457200" algn="l" defTabSz="914400" rtl="0" eaLnBrk="1" latinLnBrk="0" hangingPunct="1">
+      <a:defRPr sz="1200" kern="1200">
+        <a:solidFill>
+          <a:schemeClr val="tx1"/>
+        </a:solidFill>
+        <a:latin typeface="+mn-lt"/>
+        <a:ea typeface="+mn-ea"/>
+        <a:cs typeface="+mn-cs"/>
+      </a:defRPr>
+    </a:lvl2pPr>
+    <a:lvl3pPr marL="914400" algn="l" defTabSz="914400" rtl="0" eaLnBrk="1" latinLnBrk="0" hangingPunct="1">
+      <a:defRPr sz="1200" kern="1200">
+        <a:solidFill>
+          <a:schemeClr val="tx1"/>
+        </a:solidFill>
+        <a:latin typeface="+mn-lt"/>
+        <a:ea typeface="+mn-ea"/>
+        <a:cs typeface="+mn-cs"/>
+      </a:defRPr>
+    </a:lvl3pPr>
+    <a:lvl4pPr marL="1371600" algn="l" defTabSz="914400" rtl="0" eaLnBrk="1" latinLnBrk="0" hangingPunct="1">
+      <a:defRPr sz="1200" kern="1200">
+        <a:solidFill>
+          <a:schemeClr val="tx1"/>
+        </a:solidFill>
+        <a:latin typeface="+mn-lt"/>
+        <a:ea typeface="+mn-ea"/>
+        <a:cs typeface="+mn-cs"/>
+      </a:defRPr>
+    </a:lvl4pPr>
+    <a:lvl5pPr marL="1828800" algn="l" defTabSz="914400" rtl="0" eaLnBrk="1" latinLnBrk="0" hangingPunct="1">
+      <a:defRPr sz="1200" kern="1200">
+        <a:solidFill>
+          <a:schemeClr val="tx1"/>
+        </a:solidFill>
+        <a:latin typeface="+mn-lt"/>
+        <a:ea typeface="+mn-ea"/>
+        <a:cs typeface="+mn-cs"/>
+      </a:defRPr>
+    </a:lvl5pPr>
+    <a:lvl6pPr marL="2286000" algn="l" defTabSz="914400" rtl="0" eaLnBrk="1" latinLnBrk="0" hangingPunct="1">
+      <a:defRPr sz="1200" kern="1200">
+        <a:solidFill>
+          <a:schemeClr val="tx1"/>
+        </a:solidFill>
+        <a:latin typeface="+mn-lt"/>
+        <a:ea typeface="+mn-ea"/>
+        <a:cs typeface="+mn-cs"/>
+      </a:defRPr>
+    </a:lvl6pPr>
+    <a:lvl7pPr marL="2743200" algn="l" defTabSz="914400" rtl="0" eaLnBrk="1" latinLnBrk="0" hangingPunct="1">
+      <a:defRPr sz="1200" kern="1200">
+        <a:solidFill>
+          <a:schemeClr val="tx1"/>
+        </a:solidFill>
+        <a:latin typeface="+mn-lt"/>
+        <a:ea typeface="+mn-ea"/>
+        <a:cs typeface="+mn-cs"/>
+      </a:defRPr>
+    </a:lvl7pPr>
+    <a:lvl8pPr marL="3200400" algn="l" defTabSz="914400" rtl="0" eaLnBrk="1" latinLnBrk="0" hangingPunct="1">
+      <a:defRPr sz="1200" kern="1200">
+        <a:solidFill>
+          <a:schemeClr val="tx1"/>
+        </a:solidFill>
+        <a:latin typeface="+mn-lt"/>
+        <a:ea typeface="+mn-ea"/>
+        <a:cs typeface="+mn-cs"/>
+      </a:defRPr>
+    </a:lvl8pPr>
+    <a:lvl9pPr marL="3657600" algn="l" defTabSz="914400" rtl="0" eaLnBrk="1" latinLnBrk="0" hangingPunct="1">
+      <a:defRPr sz="1200" kern="1200">
+        <a:solidFill>
+          <a:schemeClr val="tx1"/>
+        </a:solidFill>
+        <a:latin typeface="+mn-lt"/>
+        <a:ea typeface="+mn-ea"/>
+        <a:cs typeface="+mn-cs"/>
+      </a:defRPr>
+    </a:lvl9pPr>
+  </p:notesStyle>
+</p:notesMaster>
+</file>
+
+<file path=ppt/notesSlides/notesSlide1.xml><?xml version="1.0" encoding="utf-8"?>
+<p:notes xmlns:a="http://schemas.openxmlformats.org/drawingml/2006/main" xmlns:r="http://schemas.openxmlformats.org/officeDocument/2006/relationships" xmlns:p="http://schemas.openxmlformats.org/presentationml/2006/main">
+  <p:cSld>
+    <p:spTree>
+      <p:nvGrpSpPr>
+        <p:cNvPr id="1" name=""/>
+        <p:cNvGrpSpPr/>
+        <p:nvPr/>
+      </p:nvGrpSpPr>
+      <p:grpSpPr>
+        <a:xfrm>
+          <a:off x="0" y="0"/>
+          <a:ext cx="0" cy="0"/>
+          <a:chOff x="0" y="0"/>
+          <a:chExt cx="0" cy="0"/>
+        </a:xfrm>
+      </p:grpSpPr>
+      <p:sp>
+        <p:nvSpPr>
+          <p:cNvPr id="2" name="Slide Image Placeholder 1"/>
+          <p:cNvSpPr>
+            <a:spLocks noGrp="1" noRot="1" noChangeAspect="1"/>
+          </p:cNvSpPr>
+          <p:nvPr>
+            <p:ph type="sldImg"/>
+          </p:nvPr>
+        </p:nvSpPr>
+        <p:spPr/>
+      </p:sp>
+      <p:sp>
+        <p:nvSpPr>
+          <p:cNvPr id="3" name="Notes Placeholder 2"/>
+          <p:cNvSpPr>
+            <a:spLocks noGrp="1"/>
+          </p:cNvSpPr>
+          <p:nvPr>
+            <p:ph type="body" idx="1"/>
+          </p:nvPr>
+        </p:nvSpPr>
+        <p:spPr/>
+        <p:txBody>
+          <a:bodyPr/>
+          <a:lstStyle/>
+          <a:p>
+            <a:r>
+              <a:rPr lang="en-GB" dirty="0"/>
+              <a:t>North coast n=50</a:t>
+            </a:r>
+          </a:p>
+        </p:txBody>
+      </p:sp>
+      <p:sp>
+        <p:nvSpPr>
+          <p:cNvPr id="4" name="Slide Number Placeholder 3"/>
+          <p:cNvSpPr>
+            <a:spLocks noGrp="1"/>
+          </p:cNvSpPr>
+          <p:nvPr>
+            <p:ph type="sldNum" sz="quarter" idx="5"/>
+          </p:nvPr>
+        </p:nvSpPr>
+        <p:spPr/>
+        <p:txBody>
+          <a:bodyPr/>
+          <a:lstStyle/>
+          <a:p>
+            <a:fld id="{00BEF3A4-E543-4418-A8C6-AC4DBC501A73}" type="slidenum">
+              <a:rPr lang="en-GB" smtClean="0"/>
+              <a:t>15</a:t>
+            </a:fld>
+            <a:endParaRPr lang="en-GB"/>
+          </a:p>
+        </p:txBody>
+      </p:sp>
+    </p:spTree>
+    <p:extLst>
+      <p:ext uri="{BB962C8B-B14F-4D97-AF65-F5344CB8AC3E}">
+        <p14:creationId xmlns:p14="http://schemas.microsoft.com/office/powerpoint/2010/main" val="494490276"/>
+      </p:ext>
+    </p:extLst>
+  </p:cSld>
+  <p:clrMapOvr>
+    <a:masterClrMapping/>
+  </p:clrMapOvr>
+</p:notes>
 </file>
 
 <file path=ppt/slideLayouts/slideLayout1.xml><?xml version="1.0" encoding="utf-8"?>
@@ -1008,7 +2431,7 @@
           <a:p>
             <a:fld id="{817C20B3-7C49-43C0-BA15-4AF729A94E81}" type="datetimeFigureOut">
               <a:rPr lang="en-GB" smtClean="0"/>
-              <a:t>08/12/2025</a:t>
+              <a:t>09/12/2025</a:t>
             </a:fld>
             <a:endParaRPr lang="en-GB"/>
           </a:p>
@@ -1229,7 +2652,7 @@
           <a:p>
             <a:fld id="{817C20B3-7C49-43C0-BA15-4AF729A94E81}" type="datetimeFigureOut">
               <a:rPr lang="en-GB" smtClean="0"/>
-              <a:t>08/12/2025</a:t>
+              <a:t>09/12/2025</a:t>
             </a:fld>
             <a:endParaRPr lang="en-GB"/>
           </a:p>
@@ -1409,7 +2832,7 @@
           <a:p>
             <a:fld id="{817C20B3-7C49-43C0-BA15-4AF729A94E81}" type="datetimeFigureOut">
               <a:rPr lang="en-GB" smtClean="0"/>
-              <a:t>08/12/2025</a:t>
+              <a:t>09/12/2025</a:t>
             </a:fld>
             <a:endParaRPr lang="en-GB"/>
           </a:p>
@@ -1579,7 +3002,7 @@
           <a:p>
             <a:fld id="{817C20B3-7C49-43C0-BA15-4AF729A94E81}" type="datetimeFigureOut">
               <a:rPr lang="en-GB" smtClean="0"/>
-              <a:t>08/12/2025</a:t>
+              <a:t>09/12/2025</a:t>
             </a:fld>
             <a:endParaRPr lang="en-GB"/>
           </a:p>
@@ -1830,7 +3253,7 @@
           <a:p>
             <a:fld id="{817C20B3-7C49-43C0-BA15-4AF729A94E81}" type="datetimeFigureOut">
               <a:rPr lang="en-GB" smtClean="0"/>
-              <a:t>08/12/2025</a:t>
+              <a:t>09/12/2025</a:t>
             </a:fld>
             <a:endParaRPr lang="en-GB"/>
           </a:p>
@@ -2153,7 +3576,7 @@
           <a:p>
             <a:fld id="{817C20B3-7C49-43C0-BA15-4AF729A94E81}" type="datetimeFigureOut">
               <a:rPr lang="en-GB" smtClean="0"/>
-              <a:t>08/12/2025</a:t>
+              <a:t>09/12/2025</a:t>
             </a:fld>
             <a:endParaRPr lang="en-GB"/>
           </a:p>
@@ -2577,7 +4000,7 @@
           <a:p>
             <a:fld id="{817C20B3-7C49-43C0-BA15-4AF729A94E81}" type="datetimeFigureOut">
               <a:rPr lang="en-GB" smtClean="0"/>
-              <a:t>08/12/2025</a:t>
+              <a:t>09/12/2025</a:t>
             </a:fld>
             <a:endParaRPr lang="en-GB"/>
           </a:p>
@@ -2695,7 +4118,7 @@
           <a:p>
             <a:fld id="{817C20B3-7C49-43C0-BA15-4AF729A94E81}" type="datetimeFigureOut">
               <a:rPr lang="en-GB" smtClean="0"/>
-              <a:t>08/12/2025</a:t>
+              <a:t>09/12/2025</a:t>
             </a:fld>
             <a:endParaRPr lang="en-GB"/>
           </a:p>
@@ -2790,7 +4213,7 @@
           <a:p>
             <a:fld id="{817C20B3-7C49-43C0-BA15-4AF729A94E81}" type="datetimeFigureOut">
               <a:rPr lang="en-GB" smtClean="0"/>
-              <a:t>08/12/2025</a:t>
+              <a:t>09/12/2025</a:t>
             </a:fld>
             <a:endParaRPr lang="en-GB"/>
           </a:p>
@@ -3080,7 +4503,7 @@
           <a:p>
             <a:fld id="{817C20B3-7C49-43C0-BA15-4AF729A94E81}" type="datetimeFigureOut">
               <a:rPr lang="en-GB" smtClean="0"/>
-              <a:t>08/12/2025</a:t>
+              <a:t>09/12/2025</a:t>
             </a:fld>
             <a:endParaRPr lang="en-GB"/>
           </a:p>
@@ -3352,7 +4775,7 @@
           <a:p>
             <a:fld id="{817C20B3-7C49-43C0-BA15-4AF729A94E81}" type="datetimeFigureOut">
               <a:rPr lang="en-GB" smtClean="0"/>
-              <a:t>08/12/2025</a:t>
+              <a:t>09/12/2025</a:t>
             </a:fld>
             <a:endParaRPr lang="en-GB"/>
           </a:p>
@@ -3606,7 +5029,7 @@
           <a:p>
             <a:fld id="{817C20B3-7C49-43C0-BA15-4AF729A94E81}" type="datetimeFigureOut">
               <a:rPr lang="en-GB" smtClean="0"/>
-              <a:t>08/12/2025</a:t>
+              <a:t>09/12/2025</a:t>
             </a:fld>
             <a:endParaRPr lang="en-GB"/>
           </a:p>
@@ -4171,7 +5594,7 @@
           <p:cNvPr id="2" name="Title 1">
             <a:extLst>
               <a:ext uri="{FF2B5EF4-FFF2-40B4-BE49-F238E27FC236}">
-                <a16:creationId xmlns:a16="http://schemas.microsoft.com/office/drawing/2014/main" id="{EC37FC25-0092-D266-9369-B42C8B0A2DCD}"/>
+                <a16:creationId xmlns:a16="http://schemas.microsoft.com/office/drawing/2014/main" id="{DBBAC9F3-8100-D77A-023E-C972C89795AC}"/>
               </a:ext>
             </a:extLst>
           </p:cNvPr>
@@ -4184,8 +5607,8 @@
         </p:nvSpPr>
         <p:spPr>
           <a:xfrm>
-            <a:off x="238760" y="223520"/>
-            <a:ext cx="9875520" cy="1356360"/>
+            <a:off x="228600" y="223520"/>
+            <a:ext cx="9875520" cy="995680"/>
           </a:xfrm>
         </p:spPr>
         <p:txBody>
@@ -4194,7 +5617,7 @@
           <a:p>
             <a:r>
               <a:rPr lang="de-CH" dirty="0"/>
-              <a:t>Height - Distribution</a:t>
+              <a:t>Status – by Family</a:t>
             </a:r>
             <a:endParaRPr lang="en-GB" dirty="0"/>
           </a:p>
@@ -4202,10 +5625,10 @@
       </p:sp>
       <p:pic>
         <p:nvPicPr>
-          <p:cNvPr id="13" name="Content Placeholder 12" descr="A graph of a graph&#10;&#10;AI-generated content may be incorrect.">
+          <p:cNvPr id="5" name="Content Placeholder 4">
             <a:extLst>
               <a:ext uri="{FF2B5EF4-FFF2-40B4-BE49-F238E27FC236}">
-                <a16:creationId xmlns:a16="http://schemas.microsoft.com/office/drawing/2014/main" id="{DF5F4204-7DFC-D576-7935-B7E0866D43BB}"/>
+                <a16:creationId xmlns:a16="http://schemas.microsoft.com/office/drawing/2014/main" id="{88AB1702-AC8E-BCAE-24FC-C14A03615DD3}"/>
               </a:ext>
             </a:extLst>
           </p:cNvPr>
@@ -4224,20 +5647,56 @@
               </a:ext>
             </a:extLst>
           </a:blip>
-          <a:srcRect t="6325"/>
+          <a:srcRect t="6549"/>
           <a:stretch/>
         </p:blipFill>
         <p:spPr>
           <a:xfrm>
-            <a:off x="1656079" y="1503680"/>
-            <a:ext cx="9114949" cy="5130800"/>
+            <a:off x="1226129" y="1095555"/>
+            <a:ext cx="9739742" cy="5518605"/>
           </a:xfrm>
         </p:spPr>
       </p:pic>
+      <p:sp>
+        <p:nvSpPr>
+          <p:cNvPr id="6" name="TextBox 5">
+            <a:extLst>
+              <a:ext uri="{FF2B5EF4-FFF2-40B4-BE49-F238E27FC236}">
+                <a16:creationId xmlns:a16="http://schemas.microsoft.com/office/drawing/2014/main" id="{C5012472-E3FE-9887-B742-0271FEB26237}"/>
+              </a:ext>
+            </a:extLst>
+          </p:cNvPr>
+          <p:cNvSpPr txBox="1"/>
+          <p:nvPr/>
+        </p:nvSpPr>
+        <p:spPr>
+          <a:xfrm>
+            <a:off x="5382883" y="586596"/>
+            <a:ext cx="3045125" cy="369332"/>
+          </a:xfrm>
+          <a:prstGeom prst="rect">
+            <a:avLst/>
+          </a:prstGeom>
+          <a:noFill/>
+        </p:spPr>
+        <p:txBody>
+          <a:bodyPr wrap="square" rtlCol="0">
+            <a:spAutoFit/>
+          </a:bodyPr>
+          <a:lstStyle/>
+          <a:p>
+            <a:r>
+              <a:rPr lang="de-CH" dirty="0"/>
+              <a:t>Top and bottom 10 Families</a:t>
+            </a:r>
+            <a:endParaRPr lang="en-GB" dirty="0"/>
+          </a:p>
+        </p:txBody>
+      </p:sp>
     </p:spTree>
     <p:extLst>
       <p:ext uri="{BB962C8B-B14F-4D97-AF65-F5344CB8AC3E}">
-        <p14:creationId xmlns:p14="http://schemas.microsoft.com/office/powerpoint/2010/main" val="2740833318"/>
+        <p14:creationId xmlns:p14="http://schemas.microsoft.com/office/powerpoint/2010/main" val="4087577250"/>
       </p:ext>
     </p:extLst>
   </p:cSld>
@@ -4264,46 +5723,12 @@
           <a:chExt cx="0" cy="0"/>
         </a:xfrm>
       </p:grpSpPr>
-      <p:sp>
-        <p:nvSpPr>
-          <p:cNvPr id="2" name="Title 1">
+      <p:pic>
+        <p:nvPicPr>
+          <p:cNvPr id="12" name="Content Placeholder 11" descr="A graph with red lines and numbers&#10;&#10;AI-generated content may be incorrect.">
             <a:extLst>
               <a:ext uri="{FF2B5EF4-FFF2-40B4-BE49-F238E27FC236}">
-                <a16:creationId xmlns:a16="http://schemas.microsoft.com/office/drawing/2014/main" id="{186B59D3-816C-2A57-089A-EA265D288680}"/>
-              </a:ext>
-            </a:extLst>
-          </p:cNvPr>
-          <p:cNvSpPr>
-            <a:spLocks noGrp="1"/>
-          </p:cNvSpPr>
-          <p:nvPr>
-            <p:ph type="title"/>
-          </p:nvPr>
-        </p:nvSpPr>
-        <p:spPr>
-          <a:xfrm>
-            <a:off x="238760" y="213360"/>
-            <a:ext cx="9875520" cy="1356360"/>
-          </a:xfrm>
-        </p:spPr>
-        <p:txBody>
-          <a:bodyPr/>
-          <a:lstStyle/>
-          <a:p>
-            <a:r>
-              <a:rPr lang="de-CH" dirty="0"/>
-              <a:t>Height – by Provenance</a:t>
-            </a:r>
-            <a:endParaRPr lang="en-GB" dirty="0"/>
-          </a:p>
-        </p:txBody>
-      </p:sp>
-      <p:pic>
-        <p:nvPicPr>
-          <p:cNvPr id="5" name="Content Placeholder 4" descr="A diagram of different colored squares&#10;&#10;AI-generated content may be incorrect.">
-            <a:extLst>
-              <a:ext uri="{FF2B5EF4-FFF2-40B4-BE49-F238E27FC236}">
-                <a16:creationId xmlns:a16="http://schemas.microsoft.com/office/drawing/2014/main" id="{73E0993F-5E9C-1D30-1C0B-6E7EB90E7028}"/>
+                <a16:creationId xmlns:a16="http://schemas.microsoft.com/office/drawing/2014/main" id="{BD49C6AC-C674-843D-C8F1-02241A71B122}"/>
               </a:ext>
             </a:extLst>
           </p:cNvPr>
@@ -4322,22 +5747,56 @@
               </a:ext>
             </a:extLst>
           </a:blip>
-          <a:srcRect t="6225"/>
+          <a:srcRect t="6070"/>
           <a:stretch/>
         </p:blipFill>
         <p:spPr>
           <a:xfrm>
-            <a:off x="1786756" y="1788160"/>
-            <a:ext cx="8618487" cy="4856480"/>
+            <a:off x="544941" y="1310640"/>
+            <a:ext cx="11102118" cy="5273040"/>
           </a:xfrm>
         </p:spPr>
       </p:pic>
       <p:sp>
         <p:nvSpPr>
-          <p:cNvPr id="6" name="TextBox 5">
+          <p:cNvPr id="2" name="Title 1">
             <a:extLst>
               <a:ext uri="{FF2B5EF4-FFF2-40B4-BE49-F238E27FC236}">
-                <a16:creationId xmlns:a16="http://schemas.microsoft.com/office/drawing/2014/main" id="{85B2C7B7-4BA9-EB08-7CDD-E8CB7044D6E1}"/>
+                <a16:creationId xmlns:a16="http://schemas.microsoft.com/office/drawing/2014/main" id="{DED8D4A8-9316-1F4F-4391-A51F0AE12446}"/>
+              </a:ext>
+            </a:extLst>
+          </p:cNvPr>
+          <p:cNvSpPr>
+            <a:spLocks noGrp="1"/>
+          </p:cNvSpPr>
+          <p:nvPr>
+            <p:ph type="title"/>
+          </p:nvPr>
+        </p:nvSpPr>
+        <p:spPr>
+          <a:xfrm>
+            <a:off x="238760" y="274320"/>
+            <a:ext cx="9875520" cy="1356360"/>
+          </a:xfrm>
+        </p:spPr>
+        <p:txBody>
+          <a:bodyPr/>
+          <a:lstStyle/>
+          <a:p>
+            <a:r>
+              <a:rPr lang="de-CH" dirty="0"/>
+              <a:t>DBB</a:t>
+            </a:r>
+            <a:endParaRPr lang="en-GB" dirty="0"/>
+          </a:p>
+        </p:txBody>
+      </p:sp>
+      <p:sp>
+        <p:nvSpPr>
+          <p:cNvPr id="3" name="TextBox 2">
+            <a:extLst>
+              <a:ext uri="{FF2B5EF4-FFF2-40B4-BE49-F238E27FC236}">
+                <a16:creationId xmlns:a16="http://schemas.microsoft.com/office/drawing/2014/main" id="{7FC9CC8D-5E27-7D11-D30C-DB30F7B517A9}"/>
               </a:ext>
             </a:extLst>
           </p:cNvPr>
@@ -4346,8 +5805,8 @@
         </p:nvSpPr>
         <p:spPr>
           <a:xfrm>
-            <a:off x="8270240" y="670560"/>
-            <a:ext cx="2661920" cy="923330"/>
+            <a:off x="9193074" y="552390"/>
+            <a:ext cx="2675531" cy="400110"/>
           </a:xfrm>
           <a:prstGeom prst="rect">
             <a:avLst/>
@@ -4361,26 +5820,20 @@
           <a:lstStyle/>
           <a:p>
             <a:r>
-              <a:rPr lang="de-CH" dirty="0">
+              <a:rPr lang="de-CH" sz="1000" dirty="0">
                 <a:solidFill>
-                  <a:srgbClr val="FF0000"/>
+                  <a:schemeClr val="accent6">
+                    <a:lumMod val="75000"/>
+                  </a:schemeClr>
                 </a:solidFill>
               </a:rPr>
-              <a:t>How many height values for each provenance?</a:t>
-            </a:r>
-          </a:p>
-          <a:p>
-            <a:r>
-              <a:rPr lang="de-CH" dirty="0">
-                <a:solidFill>
-                  <a:srgbClr val="FF0000"/>
-                </a:solidFill>
-              </a:rPr>
-              <a:t>How many NAs</a:t>
-            </a:r>
-            <a:endParaRPr lang="en-GB" dirty="0">
+              <a:t>506 trees that are alive at both timepoints have DBB measurements</a:t>
+            </a:r>
+            <a:endParaRPr lang="en-GB" sz="1000" dirty="0">
               <a:solidFill>
-                <a:srgbClr val="FF0000"/>
+                <a:schemeClr val="accent6">
+                  <a:lumMod val="75000"/>
+                </a:schemeClr>
               </a:solidFill>
             </a:endParaRPr>
           </a:p>
@@ -4389,7 +5842,7 @@
     </p:spTree>
     <p:extLst>
       <p:ext uri="{BB962C8B-B14F-4D97-AF65-F5344CB8AC3E}">
-        <p14:creationId xmlns:p14="http://schemas.microsoft.com/office/powerpoint/2010/main" val="2468455985"/>
+        <p14:creationId xmlns:p14="http://schemas.microsoft.com/office/powerpoint/2010/main" val="4154756640"/>
       </p:ext>
     </p:extLst>
   </p:cSld>
@@ -4416,100 +5869,12 @@
           <a:chExt cx="0" cy="0"/>
         </a:xfrm>
       </p:grpSpPr>
-      <p:sp>
-        <p:nvSpPr>
-          <p:cNvPr id="2" name="Title 1">
+      <p:pic>
+        <p:nvPicPr>
+          <p:cNvPr id="11" name="Content Placeholder 10">
             <a:extLst>
               <a:ext uri="{FF2B5EF4-FFF2-40B4-BE49-F238E27FC236}">
-                <a16:creationId xmlns:a16="http://schemas.microsoft.com/office/drawing/2014/main" id="{88E45658-7DE4-99A0-DD6E-14745BC00932}"/>
-              </a:ext>
-            </a:extLst>
-          </p:cNvPr>
-          <p:cNvSpPr>
-            <a:spLocks noGrp="1"/>
-          </p:cNvSpPr>
-          <p:nvPr>
-            <p:ph type="title"/>
-          </p:nvPr>
-        </p:nvSpPr>
-        <p:spPr>
-          <a:xfrm>
-            <a:off x="238760" y="203200"/>
-            <a:ext cx="9875520" cy="1356360"/>
-          </a:xfrm>
-        </p:spPr>
-        <p:txBody>
-          <a:bodyPr/>
-          <a:lstStyle/>
-          <a:p>
-            <a:r>
-              <a:rPr lang="de-CH" dirty="0"/>
-              <a:t>Height – by Type</a:t>
-            </a:r>
-            <a:endParaRPr lang="en-GB" dirty="0"/>
-          </a:p>
-        </p:txBody>
-      </p:sp>
-      <p:sp>
-        <p:nvSpPr>
-          <p:cNvPr id="6" name="TextBox 5">
-            <a:extLst>
-              <a:ext uri="{FF2B5EF4-FFF2-40B4-BE49-F238E27FC236}">
-                <a16:creationId xmlns:a16="http://schemas.microsoft.com/office/drawing/2014/main" id="{BC044F4B-72E6-AB1B-4698-07642C2B12A6}"/>
-              </a:ext>
-            </a:extLst>
-          </p:cNvPr>
-          <p:cNvSpPr txBox="1"/>
-          <p:nvPr/>
-        </p:nvSpPr>
-        <p:spPr>
-          <a:xfrm>
-            <a:off x="8280400" y="561955"/>
-            <a:ext cx="2661920" cy="923330"/>
-          </a:xfrm>
-          <a:prstGeom prst="rect">
-            <a:avLst/>
-          </a:prstGeom>
-          <a:noFill/>
-        </p:spPr>
-        <p:txBody>
-          <a:bodyPr wrap="square" rtlCol="0">
-            <a:spAutoFit/>
-          </a:bodyPr>
-          <a:lstStyle/>
-          <a:p>
-            <a:r>
-              <a:rPr lang="de-CH" dirty="0">
-                <a:solidFill>
-                  <a:srgbClr val="FF0000"/>
-                </a:solidFill>
-              </a:rPr>
-              <a:t>How many height values for each type?</a:t>
-            </a:r>
-          </a:p>
-          <a:p>
-            <a:r>
-              <a:rPr lang="de-CH" dirty="0">
-                <a:solidFill>
-                  <a:srgbClr val="FF0000"/>
-                </a:solidFill>
-              </a:rPr>
-              <a:t>How many Nas?</a:t>
-            </a:r>
-            <a:endParaRPr lang="en-GB" dirty="0">
-              <a:solidFill>
-                <a:srgbClr val="FF0000"/>
-              </a:solidFill>
-            </a:endParaRPr>
-          </a:p>
-        </p:txBody>
-      </p:sp>
-      <p:pic>
-        <p:nvPicPr>
-          <p:cNvPr id="10" name="Content Placeholder 9" descr="A diagram of different colored rectangles&#10;&#10;AI-generated content may be incorrect.">
-            <a:extLst>
-              <a:ext uri="{FF2B5EF4-FFF2-40B4-BE49-F238E27FC236}">
-                <a16:creationId xmlns:a16="http://schemas.microsoft.com/office/drawing/2014/main" id="{8BA279B2-C990-BC1D-5784-CB13A3FEFDBE}"/>
+                <a16:creationId xmlns:a16="http://schemas.microsoft.com/office/drawing/2014/main" id="{C5869241-031B-EBB0-A018-4867A27D2D22}"/>
               </a:ext>
             </a:extLst>
           </p:cNvPr>
@@ -4528,20 +5893,151 @@
               </a:ext>
             </a:extLst>
           </a:blip>
-          <a:srcRect t="5930"/>
-          <a:stretch/>
+          <a:stretch>
+            <a:fillRect/>
+          </a:stretch>
         </p:blipFill>
         <p:spPr>
           <a:xfrm>
-            <a:off x="1273629" y="1479925"/>
-            <a:ext cx="9002485" cy="5088833"/>
+            <a:off x="833120" y="1423966"/>
+            <a:ext cx="10304635" cy="5210514"/>
           </a:xfrm>
         </p:spPr>
       </p:pic>
+      <p:sp>
+        <p:nvSpPr>
+          <p:cNvPr id="2" name="Title 1">
+            <a:extLst>
+              <a:ext uri="{FF2B5EF4-FFF2-40B4-BE49-F238E27FC236}">
+                <a16:creationId xmlns:a16="http://schemas.microsoft.com/office/drawing/2014/main" id="{EC37FC25-0092-D266-9369-B42C8B0A2DCD}"/>
+              </a:ext>
+            </a:extLst>
+          </p:cNvPr>
+          <p:cNvSpPr>
+            <a:spLocks noGrp="1"/>
+          </p:cNvSpPr>
+          <p:nvPr>
+            <p:ph type="title"/>
+          </p:nvPr>
+        </p:nvSpPr>
+        <p:spPr>
+          <a:xfrm>
+            <a:off x="238760" y="223520"/>
+            <a:ext cx="9875520" cy="1356360"/>
+          </a:xfrm>
+        </p:spPr>
+        <p:txBody>
+          <a:bodyPr/>
+          <a:lstStyle/>
+          <a:p>
+            <a:r>
+              <a:rPr lang="de-CH" dirty="0"/>
+              <a:t>Height</a:t>
+            </a:r>
+            <a:endParaRPr lang="en-GB" dirty="0"/>
+          </a:p>
+        </p:txBody>
+      </p:sp>
+      <p:sp>
+        <p:nvSpPr>
+          <p:cNvPr id="7" name="TextBox 6">
+            <a:extLst>
+              <a:ext uri="{FF2B5EF4-FFF2-40B4-BE49-F238E27FC236}">
+                <a16:creationId xmlns:a16="http://schemas.microsoft.com/office/drawing/2014/main" id="{48543C4B-69A1-290C-CEFB-6E8DFA1E1BD1}"/>
+              </a:ext>
+            </a:extLst>
+          </p:cNvPr>
+          <p:cNvSpPr txBox="1"/>
+          <p:nvPr/>
+        </p:nvSpPr>
+        <p:spPr>
+          <a:xfrm>
+            <a:off x="8776513" y="537367"/>
+            <a:ext cx="2675531" cy="400110"/>
+          </a:xfrm>
+          <a:prstGeom prst="rect">
+            <a:avLst/>
+          </a:prstGeom>
+          <a:noFill/>
+        </p:spPr>
+        <p:txBody>
+          <a:bodyPr wrap="square" rtlCol="0">
+            <a:spAutoFit/>
+          </a:bodyPr>
+          <a:lstStyle/>
+          <a:p>
+            <a:r>
+              <a:rPr lang="de-CH" sz="1000" dirty="0">
+                <a:solidFill>
+                  <a:schemeClr val="accent6">
+                    <a:lumMod val="75000"/>
+                  </a:schemeClr>
+                </a:solidFill>
+              </a:rPr>
+              <a:t>506 trees that are alive at both timepoints have height measurements</a:t>
+            </a:r>
+            <a:endParaRPr lang="en-GB" sz="1000" dirty="0">
+              <a:solidFill>
+                <a:schemeClr val="accent6">
+                  <a:lumMod val="75000"/>
+                </a:schemeClr>
+              </a:solidFill>
+            </a:endParaRPr>
+          </a:p>
+        </p:txBody>
+      </p:sp>
+      <p:sp>
+        <p:nvSpPr>
+          <p:cNvPr id="12" name="TextBox 11">
+            <a:extLst>
+              <a:ext uri="{FF2B5EF4-FFF2-40B4-BE49-F238E27FC236}">
+                <a16:creationId xmlns:a16="http://schemas.microsoft.com/office/drawing/2014/main" id="{86B23E41-3A5D-BCAF-834C-2A32E08422A5}"/>
+              </a:ext>
+            </a:extLst>
+          </p:cNvPr>
+          <p:cNvSpPr txBox="1"/>
+          <p:nvPr/>
+        </p:nvSpPr>
+        <p:spPr>
+          <a:xfrm>
+            <a:off x="8776514" y="1017566"/>
+            <a:ext cx="2675531" cy="400110"/>
+          </a:xfrm>
+          <a:prstGeom prst="rect">
+            <a:avLst/>
+          </a:prstGeom>
+          <a:noFill/>
+        </p:spPr>
+        <p:txBody>
+          <a:bodyPr wrap="square" rtlCol="0">
+            <a:spAutoFit/>
+          </a:bodyPr>
+          <a:lstStyle/>
+          <a:p>
+            <a:r>
+              <a:rPr lang="de-CH" sz="1000" dirty="0">
+                <a:solidFill>
+                  <a:schemeClr val="accent6">
+                    <a:lumMod val="75000"/>
+                  </a:schemeClr>
+                </a:solidFill>
+              </a:rPr>
+              <a:t>1 tree is alive at both and has DBB but not height</a:t>
+            </a:r>
+            <a:endParaRPr lang="en-GB" sz="1000" dirty="0">
+              <a:solidFill>
+                <a:schemeClr val="accent6">
+                  <a:lumMod val="75000"/>
+                </a:schemeClr>
+              </a:solidFill>
+            </a:endParaRPr>
+          </a:p>
+        </p:txBody>
+      </p:sp>
     </p:spTree>
     <p:extLst>
       <p:ext uri="{BB962C8B-B14F-4D97-AF65-F5344CB8AC3E}">
-        <p14:creationId xmlns:p14="http://schemas.microsoft.com/office/powerpoint/2010/main" val="522262804"/>
+        <p14:creationId xmlns:p14="http://schemas.microsoft.com/office/powerpoint/2010/main" val="2740833318"/>
       </p:ext>
     </p:extLst>
   </p:cSld>
@@ -4568,46 +6064,12 @@
           <a:chExt cx="0" cy="0"/>
         </a:xfrm>
       </p:grpSpPr>
-      <p:sp>
-        <p:nvSpPr>
-          <p:cNvPr id="2" name="Title 1">
+      <p:pic>
+        <p:nvPicPr>
+          <p:cNvPr id="5" name="Content Placeholder 4" descr="A diagram of different colored squares&#10;&#10;AI-generated content may be incorrect.">
             <a:extLst>
               <a:ext uri="{FF2B5EF4-FFF2-40B4-BE49-F238E27FC236}">
-                <a16:creationId xmlns:a16="http://schemas.microsoft.com/office/drawing/2014/main" id="{32D9D9BF-2B66-09AD-138F-36386DDD5CDD}"/>
-              </a:ext>
-            </a:extLst>
-          </p:cNvPr>
-          <p:cNvSpPr>
-            <a:spLocks noGrp="1"/>
-          </p:cNvSpPr>
-          <p:nvPr>
-            <p:ph type="title"/>
-          </p:nvPr>
-        </p:nvSpPr>
-        <p:spPr>
-          <a:xfrm>
-            <a:off x="189848" y="263545"/>
-            <a:ext cx="9875520" cy="1356360"/>
-          </a:xfrm>
-        </p:spPr>
-        <p:txBody>
-          <a:bodyPr/>
-          <a:lstStyle/>
-          <a:p>
-            <a:r>
-              <a:rPr lang="de-CH" dirty="0"/>
-              <a:t>Budset – by provenance</a:t>
-            </a:r>
-            <a:endParaRPr lang="en-GB" dirty="0"/>
-          </a:p>
-        </p:txBody>
-      </p:sp>
-      <p:pic>
-        <p:nvPicPr>
-          <p:cNvPr id="5" name="Content Placeholder 4">
-            <a:extLst>
-              <a:ext uri="{FF2B5EF4-FFF2-40B4-BE49-F238E27FC236}">
-                <a16:creationId xmlns:a16="http://schemas.microsoft.com/office/drawing/2014/main" id="{C81AF245-CF10-C522-E0CE-18AABCB35AA8}"/>
+                <a16:creationId xmlns:a16="http://schemas.microsoft.com/office/drawing/2014/main" id="{73E0993F-5E9C-1D30-1C0B-6E7EB90E7028}"/>
               </a:ext>
             </a:extLst>
           </p:cNvPr>
@@ -4626,22 +6088,56 @@
               </a:ext>
             </a:extLst>
           </a:blip>
-          <a:srcRect t="7493"/>
+          <a:srcRect t="6225"/>
           <a:stretch/>
         </p:blipFill>
         <p:spPr>
           <a:xfrm>
-            <a:off x="739264" y="1597014"/>
-            <a:ext cx="8776687" cy="4878756"/>
+            <a:off x="1786756" y="1766126"/>
+            <a:ext cx="8618487" cy="4856480"/>
           </a:xfrm>
         </p:spPr>
       </p:pic>
       <p:sp>
         <p:nvSpPr>
-          <p:cNvPr id="3" name="TextBox 2">
+          <p:cNvPr id="2" name="Title 1">
             <a:extLst>
               <a:ext uri="{FF2B5EF4-FFF2-40B4-BE49-F238E27FC236}">
-                <a16:creationId xmlns:a16="http://schemas.microsoft.com/office/drawing/2014/main" id="{3FEE3C62-7A17-B683-8845-1CC05C605A19}"/>
+                <a16:creationId xmlns:a16="http://schemas.microsoft.com/office/drawing/2014/main" id="{186B59D3-816C-2A57-089A-EA265D288680}"/>
+              </a:ext>
+            </a:extLst>
+          </p:cNvPr>
+          <p:cNvSpPr>
+            <a:spLocks noGrp="1"/>
+          </p:cNvSpPr>
+          <p:nvPr>
+            <p:ph type="title"/>
+          </p:nvPr>
+        </p:nvSpPr>
+        <p:spPr>
+          <a:xfrm>
+            <a:off x="238760" y="213360"/>
+            <a:ext cx="9875520" cy="1356360"/>
+          </a:xfrm>
+        </p:spPr>
+        <p:txBody>
+          <a:bodyPr/>
+          <a:lstStyle/>
+          <a:p>
+            <a:r>
+              <a:rPr lang="de-CH" dirty="0"/>
+              <a:t>Height – by Provenance</a:t>
+            </a:r>
+            <a:endParaRPr lang="en-GB" dirty="0"/>
+          </a:p>
+        </p:txBody>
+      </p:sp>
+      <p:sp>
+        <p:nvSpPr>
+          <p:cNvPr id="6" name="TextBox 5">
+            <a:extLst>
+              <a:ext uri="{FF2B5EF4-FFF2-40B4-BE49-F238E27FC236}">
+                <a16:creationId xmlns:a16="http://schemas.microsoft.com/office/drawing/2014/main" id="{85B2C7B7-4BA9-EB08-7CDD-E8CB7044D6E1}"/>
               </a:ext>
             </a:extLst>
           </p:cNvPr>
@@ -4650,8 +6146,8 @@
         </p:nvSpPr>
         <p:spPr>
           <a:xfrm>
-            <a:off x="9133188" y="1158240"/>
-            <a:ext cx="1864360" cy="923330"/>
+            <a:off x="8270240" y="670560"/>
+            <a:ext cx="2661920" cy="923330"/>
           </a:xfrm>
           <a:prstGeom prst="rect">
             <a:avLst/>
@@ -4665,19 +6161,82 @@
           <a:lstStyle/>
           <a:p>
             <a:r>
-              <a:rPr lang="de-CH" dirty="0"/>
-              <a:t>Even distribution between provenances</a:t>
-            </a:r>
-            <a:endParaRPr lang="en-GB" dirty="0"/>
-          </a:p>
-        </p:txBody>
-      </p:sp>
-      <p:sp>
-        <p:nvSpPr>
-          <p:cNvPr id="4" name="TextBox 3">
+              <a:rPr lang="de-CH" dirty="0">
+                <a:solidFill>
+                  <a:srgbClr val="FF0000"/>
+                </a:solidFill>
+              </a:rPr>
+              <a:t>How many height values for each provenance?</a:t>
+            </a:r>
+          </a:p>
+          <a:p>
+            <a:r>
+              <a:rPr lang="de-CH" dirty="0">
+                <a:solidFill>
+                  <a:srgbClr val="FF0000"/>
+                </a:solidFill>
+              </a:rPr>
+              <a:t>How many NAs</a:t>
+            </a:r>
+            <a:endParaRPr lang="en-GB" dirty="0">
+              <a:solidFill>
+                <a:srgbClr val="FF0000"/>
+              </a:solidFill>
+            </a:endParaRPr>
+          </a:p>
+        </p:txBody>
+      </p:sp>
+      <p:cxnSp>
+        <p:nvCxnSpPr>
+          <p:cNvPr id="7" name="Straight Connector 6">
             <a:extLst>
               <a:ext uri="{FF2B5EF4-FFF2-40B4-BE49-F238E27FC236}">
-                <a16:creationId xmlns:a16="http://schemas.microsoft.com/office/drawing/2014/main" id="{E5DCEE24-4EB7-F051-422E-FF7AF5E0BE67}"/>
+                <a16:creationId xmlns:a16="http://schemas.microsoft.com/office/drawing/2014/main" id="{19059EA4-2DBF-0663-3CBB-735422399593}"/>
+              </a:ext>
+            </a:extLst>
+          </p:cNvPr>
+          <p:cNvCxnSpPr>
+            <a:cxnSpLocks/>
+          </p:cNvCxnSpPr>
+          <p:nvPr/>
+        </p:nvCxnSpPr>
+        <p:spPr>
+          <a:xfrm flipV="1">
+            <a:off x="6745584" y="2254710"/>
+            <a:ext cx="2088872" cy="2986"/>
+          </a:xfrm>
+          <a:prstGeom prst="line">
+            <a:avLst/>
+          </a:prstGeom>
+          <a:ln>
+            <a:solidFill>
+              <a:schemeClr val="accent6">
+                <a:lumMod val="75000"/>
+              </a:schemeClr>
+            </a:solidFill>
+          </a:ln>
+        </p:spPr>
+        <p:style>
+          <a:lnRef idx="2">
+            <a:schemeClr val="accent1"/>
+          </a:lnRef>
+          <a:fillRef idx="0">
+            <a:schemeClr val="accent1"/>
+          </a:fillRef>
+          <a:effectRef idx="1">
+            <a:schemeClr val="accent1"/>
+          </a:effectRef>
+          <a:fontRef idx="minor">
+            <a:schemeClr val="tx1"/>
+          </a:fontRef>
+        </p:style>
+      </p:cxnSp>
+      <p:sp>
+        <p:nvSpPr>
+          <p:cNvPr id="8" name="TextBox 7">
+            <a:extLst>
+              <a:ext uri="{FF2B5EF4-FFF2-40B4-BE49-F238E27FC236}">
+                <a16:creationId xmlns:a16="http://schemas.microsoft.com/office/drawing/2014/main" id="{B4B09F37-05AB-B6E9-E388-410DADB688E9}"/>
               </a:ext>
             </a:extLst>
           </p:cNvPr>
@@ -4686,13 +6245,16 @@
         </p:nvSpPr>
         <p:spPr>
           <a:xfrm>
-            <a:off x="7303207" y="422255"/>
-            <a:ext cx="2661920" cy="923330"/>
+            <a:off x="7450347" y="1996473"/>
+            <a:ext cx="679347" cy="364074"/>
           </a:xfrm>
           <a:prstGeom prst="rect">
             <a:avLst/>
           </a:prstGeom>
           <a:noFill/>
+          <a:ln>
+            <a:noFill/>
+          </a:ln>
         </p:spPr>
         <p:txBody>
           <a:bodyPr wrap="square" rtlCol="0">
@@ -4700,36 +6262,118 @@
           </a:bodyPr>
           <a:lstStyle/>
           <a:p>
-            <a:r>
-              <a:rPr lang="de-CH" dirty="0">
+            <a:pPr algn="ctr"/>
+            <a:r>
+              <a:rPr lang="en-GB" sz="1766" b="1" dirty="0">
                 <a:solidFill>
-                  <a:srgbClr val="FF0000"/>
+                  <a:schemeClr val="accent6">
+                    <a:lumMod val="75000"/>
+                  </a:schemeClr>
                 </a:solidFill>
+                <a:latin typeface="Helvetica" panose="020B0604020202020204"/>
+                <a:cs typeface="Helvetica" panose="020B0604020202020204"/>
               </a:rPr>
-              <a:t>How many budset values for each provenance?</a:t>
-            </a:r>
-          </a:p>
-          <a:p>
-            <a:r>
-              <a:rPr lang="de-CH" dirty="0">
+              <a:t>*</a:t>
+            </a:r>
+          </a:p>
+        </p:txBody>
+      </p:sp>
+      <p:cxnSp>
+        <p:nvCxnSpPr>
+          <p:cNvPr id="12" name="Straight Connector 11">
+            <a:extLst>
+              <a:ext uri="{FF2B5EF4-FFF2-40B4-BE49-F238E27FC236}">
+                <a16:creationId xmlns:a16="http://schemas.microsoft.com/office/drawing/2014/main" id="{FCE061F1-94C7-639C-91D4-CFA492EA4128}"/>
+              </a:ext>
+            </a:extLst>
+          </p:cNvPr>
+          <p:cNvCxnSpPr>
+            <a:cxnSpLocks/>
+          </p:cNvCxnSpPr>
+          <p:nvPr/>
+        </p:nvCxnSpPr>
+        <p:spPr>
+          <a:xfrm flipV="1">
+            <a:off x="3790687" y="2254710"/>
+            <a:ext cx="2088872" cy="2986"/>
+          </a:xfrm>
+          <a:prstGeom prst="line">
+            <a:avLst/>
+          </a:prstGeom>
+          <a:ln>
+            <a:solidFill>
+              <a:schemeClr val="accent6">
+                <a:lumMod val="75000"/>
+              </a:schemeClr>
+            </a:solidFill>
+          </a:ln>
+        </p:spPr>
+        <p:style>
+          <a:lnRef idx="2">
+            <a:schemeClr val="accent1"/>
+          </a:lnRef>
+          <a:fillRef idx="0">
+            <a:schemeClr val="accent1"/>
+          </a:fillRef>
+          <a:effectRef idx="1">
+            <a:schemeClr val="accent1"/>
+          </a:effectRef>
+          <a:fontRef idx="minor">
+            <a:schemeClr val="tx1"/>
+          </a:fontRef>
+        </p:style>
+      </p:cxnSp>
+      <p:sp>
+        <p:nvSpPr>
+          <p:cNvPr id="13" name="TextBox 12">
+            <a:extLst>
+              <a:ext uri="{FF2B5EF4-FFF2-40B4-BE49-F238E27FC236}">
+                <a16:creationId xmlns:a16="http://schemas.microsoft.com/office/drawing/2014/main" id="{2544A9C5-D7E0-7596-44AC-D0B1CF22A9BF}"/>
+              </a:ext>
+            </a:extLst>
+          </p:cNvPr>
+          <p:cNvSpPr txBox="1"/>
+          <p:nvPr/>
+        </p:nvSpPr>
+        <p:spPr>
+          <a:xfrm>
+            <a:off x="4495450" y="1996473"/>
+            <a:ext cx="679347" cy="364074"/>
+          </a:xfrm>
+          <a:prstGeom prst="rect">
+            <a:avLst/>
+          </a:prstGeom>
+          <a:noFill/>
+          <a:ln>
+            <a:noFill/>
+          </a:ln>
+        </p:spPr>
+        <p:txBody>
+          <a:bodyPr wrap="square" rtlCol="0">
+            <a:spAutoFit/>
+          </a:bodyPr>
+          <a:lstStyle/>
+          <a:p>
+            <a:pPr algn="ctr"/>
+            <a:r>
+              <a:rPr lang="en-GB" sz="1766" b="1" dirty="0">
                 <a:solidFill>
-                  <a:srgbClr val="FF0000"/>
+                  <a:schemeClr val="accent6">
+                    <a:lumMod val="75000"/>
+                  </a:schemeClr>
                 </a:solidFill>
+                <a:latin typeface="Helvetica" panose="020B0604020202020204"/>
+                <a:cs typeface="Helvetica" panose="020B0604020202020204"/>
               </a:rPr>
-              <a:t>How many Nas?</a:t>
-            </a:r>
-            <a:endParaRPr lang="en-GB" dirty="0">
-              <a:solidFill>
-                <a:srgbClr val="FF0000"/>
-              </a:solidFill>
-            </a:endParaRPr>
+              <a:t>*</a:t>
+            </a:r>
           </a:p>
         </p:txBody>
       </p:sp>
     </p:spTree>
     <p:extLst>
       <p:ext uri="{BB962C8B-B14F-4D97-AF65-F5344CB8AC3E}">
-        <p14:creationId xmlns:p14="http://schemas.microsoft.com/office/powerpoint/2010/main" val="4018528445"/>
+        <p14:creationId xmlns:p14="http://schemas.microsoft.com/office/powerpoint/2010/main" val="2468455985"/>
       </p:ext>
     </p:extLst>
   </p:cSld>
@@ -4761,7 +6405,7 @@
           <p:cNvPr id="2" name="Title 1">
             <a:extLst>
               <a:ext uri="{FF2B5EF4-FFF2-40B4-BE49-F238E27FC236}">
-                <a16:creationId xmlns:a16="http://schemas.microsoft.com/office/drawing/2014/main" id="{B4D941A4-7800-BF6D-3047-19A2F1FFE400}"/>
+                <a16:creationId xmlns:a16="http://schemas.microsoft.com/office/drawing/2014/main" id="{88E45658-7DE4-99A0-DD6E-14745BC00932}"/>
               </a:ext>
             </a:extLst>
           </p:cNvPr>
@@ -4774,7 +6418,7 @@
         </p:nvSpPr>
         <p:spPr>
           <a:xfrm>
-            <a:off x="238760" y="178812"/>
+            <a:off x="238760" y="203200"/>
             <a:ext cx="9875520" cy="1356360"/>
           </a:xfrm>
         </p:spPr>
@@ -4784,18 +6428,72 @@
           <a:p>
             <a:r>
               <a:rPr lang="de-CH" dirty="0"/>
-              <a:t>Budset by Type</a:t>
+              <a:t>Height – by Type</a:t>
             </a:r>
             <a:endParaRPr lang="en-GB" dirty="0"/>
+          </a:p>
+        </p:txBody>
+      </p:sp>
+      <p:sp>
+        <p:nvSpPr>
+          <p:cNvPr id="6" name="TextBox 5">
+            <a:extLst>
+              <a:ext uri="{FF2B5EF4-FFF2-40B4-BE49-F238E27FC236}">
+                <a16:creationId xmlns:a16="http://schemas.microsoft.com/office/drawing/2014/main" id="{BC044F4B-72E6-AB1B-4698-07642C2B12A6}"/>
+              </a:ext>
+            </a:extLst>
+          </p:cNvPr>
+          <p:cNvSpPr txBox="1"/>
+          <p:nvPr/>
+        </p:nvSpPr>
+        <p:spPr>
+          <a:xfrm>
+            <a:off x="8280400" y="561955"/>
+            <a:ext cx="2661920" cy="923330"/>
+          </a:xfrm>
+          <a:prstGeom prst="rect">
+            <a:avLst/>
+          </a:prstGeom>
+          <a:noFill/>
+        </p:spPr>
+        <p:txBody>
+          <a:bodyPr wrap="square" rtlCol="0">
+            <a:spAutoFit/>
+          </a:bodyPr>
+          <a:lstStyle/>
+          <a:p>
+            <a:r>
+              <a:rPr lang="de-CH" dirty="0">
+                <a:solidFill>
+                  <a:srgbClr val="FF0000"/>
+                </a:solidFill>
+              </a:rPr>
+              <a:t>How many height values for each type?</a:t>
+            </a:r>
+          </a:p>
+          <a:p>
+            <a:r>
+              <a:rPr lang="de-CH" dirty="0">
+                <a:solidFill>
+                  <a:srgbClr val="FF0000"/>
+                </a:solidFill>
+              </a:rPr>
+              <a:t>How many Nas?</a:t>
+            </a:r>
+            <a:endParaRPr lang="en-GB" dirty="0">
+              <a:solidFill>
+                <a:srgbClr val="FF0000"/>
+              </a:solidFill>
+            </a:endParaRPr>
           </a:p>
         </p:txBody>
       </p:sp>
       <p:pic>
         <p:nvPicPr>
-          <p:cNvPr id="5" name="Content Placeholder 4" descr="A graph of a graph&#10;&#10;AI-generated content may be incorrect.">
+          <p:cNvPr id="10" name="Content Placeholder 9" descr="A diagram of different colored rectangles&#10;&#10;AI-generated content may be incorrect.">
             <a:extLst>
               <a:ext uri="{FF2B5EF4-FFF2-40B4-BE49-F238E27FC236}">
-                <a16:creationId xmlns:a16="http://schemas.microsoft.com/office/drawing/2014/main" id="{74CD08E0-9A64-49FE-60CB-7BB27C2718EC}"/>
+                <a16:creationId xmlns:a16="http://schemas.microsoft.com/office/drawing/2014/main" id="{8BA279B2-C990-BC1D-5784-CB13A3FEFDBE}"/>
               </a:ext>
             </a:extLst>
           </p:cNvPr>
@@ -4814,20 +6512,296 @@
               </a:ext>
             </a:extLst>
           </a:blip>
-          <a:srcRect t="6163"/>
+          <a:srcRect t="5930"/>
           <a:stretch/>
         </p:blipFill>
         <p:spPr>
           <a:xfrm>
-            <a:off x="1334318" y="1320800"/>
-            <a:ext cx="9143182" cy="5155531"/>
+            <a:off x="1273629" y="1479925"/>
+            <a:ext cx="9002485" cy="5088833"/>
           </a:xfrm>
         </p:spPr>
       </p:pic>
+      <p:cxnSp>
+        <p:nvCxnSpPr>
+          <p:cNvPr id="4" name="Straight Connector 3">
+            <a:extLst>
+              <a:ext uri="{FF2B5EF4-FFF2-40B4-BE49-F238E27FC236}">
+                <a16:creationId xmlns:a16="http://schemas.microsoft.com/office/drawing/2014/main" id="{799FF156-1706-02AD-E8DE-8029EE35527A}"/>
+              </a:ext>
+            </a:extLst>
+          </p:cNvPr>
+          <p:cNvCxnSpPr>
+            <a:cxnSpLocks/>
+          </p:cNvCxnSpPr>
+          <p:nvPr/>
+        </p:nvCxnSpPr>
+        <p:spPr>
+          <a:xfrm flipV="1">
+            <a:off x="3434552" y="2697258"/>
+            <a:ext cx="2088872" cy="2986"/>
+          </a:xfrm>
+          <a:prstGeom prst="line">
+            <a:avLst/>
+          </a:prstGeom>
+          <a:ln>
+            <a:solidFill>
+              <a:schemeClr val="accent6">
+                <a:lumMod val="75000"/>
+              </a:schemeClr>
+            </a:solidFill>
+          </a:ln>
+        </p:spPr>
+        <p:style>
+          <a:lnRef idx="2">
+            <a:schemeClr val="accent1"/>
+          </a:lnRef>
+          <a:fillRef idx="0">
+            <a:schemeClr val="accent1"/>
+          </a:fillRef>
+          <a:effectRef idx="1">
+            <a:schemeClr val="accent1"/>
+          </a:effectRef>
+          <a:fontRef idx="minor">
+            <a:schemeClr val="tx1"/>
+          </a:fontRef>
+        </p:style>
+      </p:cxnSp>
+      <p:sp>
+        <p:nvSpPr>
+          <p:cNvPr id="5" name="TextBox 4">
+            <a:extLst>
+              <a:ext uri="{FF2B5EF4-FFF2-40B4-BE49-F238E27FC236}">
+                <a16:creationId xmlns:a16="http://schemas.microsoft.com/office/drawing/2014/main" id="{0B94D3B1-D2D1-C219-BFFD-F4DB6DC8B9BB}"/>
+              </a:ext>
+            </a:extLst>
+          </p:cNvPr>
+          <p:cNvSpPr txBox="1"/>
+          <p:nvPr/>
+        </p:nvSpPr>
+        <p:spPr>
+          <a:xfrm>
+            <a:off x="4139315" y="2439021"/>
+            <a:ext cx="679347" cy="364074"/>
+          </a:xfrm>
+          <a:prstGeom prst="rect">
+            <a:avLst/>
+          </a:prstGeom>
+          <a:noFill/>
+          <a:ln>
+            <a:noFill/>
+          </a:ln>
+        </p:spPr>
+        <p:txBody>
+          <a:bodyPr wrap="square" rtlCol="0">
+            <a:spAutoFit/>
+          </a:bodyPr>
+          <a:lstStyle/>
+          <a:p>
+            <a:pPr algn="ctr"/>
+            <a:r>
+              <a:rPr lang="en-GB" sz="1766" b="1" dirty="0">
+                <a:solidFill>
+                  <a:schemeClr val="accent6">
+                    <a:lumMod val="75000"/>
+                  </a:schemeClr>
+                </a:solidFill>
+                <a:latin typeface="Helvetica" panose="020B0604020202020204"/>
+                <a:cs typeface="Helvetica" panose="020B0604020202020204"/>
+              </a:rPr>
+              <a:t>*</a:t>
+            </a:r>
+          </a:p>
+        </p:txBody>
+      </p:sp>
+      <p:cxnSp>
+        <p:nvCxnSpPr>
+          <p:cNvPr id="7" name="Straight Connector 6">
+            <a:extLst>
+              <a:ext uri="{FF2B5EF4-FFF2-40B4-BE49-F238E27FC236}">
+                <a16:creationId xmlns:a16="http://schemas.microsoft.com/office/drawing/2014/main" id="{EF7AD5F4-45BE-97EA-56EB-EB3658392A22}"/>
+              </a:ext>
+            </a:extLst>
+          </p:cNvPr>
+          <p:cNvCxnSpPr>
+            <a:cxnSpLocks/>
+          </p:cNvCxnSpPr>
+          <p:nvPr/>
+        </p:nvCxnSpPr>
+        <p:spPr>
+          <a:xfrm flipV="1">
+            <a:off x="6328904" y="2400269"/>
+            <a:ext cx="2088872" cy="2986"/>
+          </a:xfrm>
+          <a:prstGeom prst="line">
+            <a:avLst/>
+          </a:prstGeom>
+          <a:ln>
+            <a:solidFill>
+              <a:schemeClr val="accent6">
+                <a:lumMod val="75000"/>
+              </a:schemeClr>
+            </a:solidFill>
+          </a:ln>
+        </p:spPr>
+        <p:style>
+          <a:lnRef idx="2">
+            <a:schemeClr val="accent1"/>
+          </a:lnRef>
+          <a:fillRef idx="0">
+            <a:schemeClr val="accent1"/>
+          </a:fillRef>
+          <a:effectRef idx="1">
+            <a:schemeClr val="accent1"/>
+          </a:effectRef>
+          <a:fontRef idx="minor">
+            <a:schemeClr val="tx1"/>
+          </a:fontRef>
+        </p:style>
+      </p:cxnSp>
+      <p:sp>
+        <p:nvSpPr>
+          <p:cNvPr id="8" name="TextBox 7">
+            <a:extLst>
+              <a:ext uri="{FF2B5EF4-FFF2-40B4-BE49-F238E27FC236}">
+                <a16:creationId xmlns:a16="http://schemas.microsoft.com/office/drawing/2014/main" id="{47F509E7-DF81-6201-EAEF-76C19805D2B3}"/>
+              </a:ext>
+            </a:extLst>
+          </p:cNvPr>
+          <p:cNvSpPr txBox="1"/>
+          <p:nvPr/>
+        </p:nvSpPr>
+        <p:spPr>
+          <a:xfrm>
+            <a:off x="7033667" y="2142032"/>
+            <a:ext cx="679347" cy="364074"/>
+          </a:xfrm>
+          <a:prstGeom prst="rect">
+            <a:avLst/>
+          </a:prstGeom>
+          <a:noFill/>
+          <a:ln>
+            <a:noFill/>
+          </a:ln>
+        </p:spPr>
+        <p:txBody>
+          <a:bodyPr wrap="square" rtlCol="0">
+            <a:spAutoFit/>
+          </a:bodyPr>
+          <a:lstStyle/>
+          <a:p>
+            <a:pPr algn="ctr"/>
+            <a:r>
+              <a:rPr lang="en-GB" sz="1766" b="1" dirty="0">
+                <a:solidFill>
+                  <a:schemeClr val="accent6">
+                    <a:lumMod val="75000"/>
+                  </a:schemeClr>
+                </a:solidFill>
+                <a:latin typeface="Helvetica" panose="020B0604020202020204"/>
+                <a:cs typeface="Helvetica" panose="020B0604020202020204"/>
+              </a:rPr>
+              <a:t>*</a:t>
+            </a:r>
+          </a:p>
+        </p:txBody>
+      </p:sp>
+      <p:cxnSp>
+        <p:nvCxnSpPr>
+          <p:cNvPr id="9" name="Straight Connector 8">
+            <a:extLst>
+              <a:ext uri="{FF2B5EF4-FFF2-40B4-BE49-F238E27FC236}">
+                <a16:creationId xmlns:a16="http://schemas.microsoft.com/office/drawing/2014/main" id="{9856D891-6E77-53B9-A5ED-9F3C0CB4763A}"/>
+              </a:ext>
+            </a:extLst>
+          </p:cNvPr>
+          <p:cNvCxnSpPr>
+            <a:cxnSpLocks/>
+          </p:cNvCxnSpPr>
+          <p:nvPr/>
+        </p:nvCxnSpPr>
+        <p:spPr>
+          <a:xfrm>
+            <a:off x="3434552" y="1722714"/>
+            <a:ext cx="4983224" cy="0"/>
+          </a:xfrm>
+          <a:prstGeom prst="line">
+            <a:avLst/>
+          </a:prstGeom>
+          <a:ln>
+            <a:solidFill>
+              <a:schemeClr val="accent6">
+                <a:lumMod val="75000"/>
+              </a:schemeClr>
+            </a:solidFill>
+          </a:ln>
+        </p:spPr>
+        <p:style>
+          <a:lnRef idx="2">
+            <a:schemeClr val="accent1"/>
+          </a:lnRef>
+          <a:fillRef idx="0">
+            <a:schemeClr val="accent1"/>
+          </a:fillRef>
+          <a:effectRef idx="1">
+            <a:schemeClr val="accent1"/>
+          </a:effectRef>
+          <a:fontRef idx="minor">
+            <a:schemeClr val="tx1"/>
+          </a:fontRef>
+        </p:style>
+      </p:cxnSp>
+      <p:sp>
+        <p:nvSpPr>
+          <p:cNvPr id="11" name="TextBox 10">
+            <a:extLst>
+              <a:ext uri="{FF2B5EF4-FFF2-40B4-BE49-F238E27FC236}">
+                <a16:creationId xmlns:a16="http://schemas.microsoft.com/office/drawing/2014/main" id="{925679F4-CF01-D594-4512-3725711039C9}"/>
+              </a:ext>
+            </a:extLst>
+          </p:cNvPr>
+          <p:cNvSpPr txBox="1"/>
+          <p:nvPr/>
+        </p:nvSpPr>
+        <p:spPr>
+          <a:xfrm>
+            <a:off x="5649557" y="1406376"/>
+            <a:ext cx="679347" cy="364074"/>
+          </a:xfrm>
+          <a:prstGeom prst="rect">
+            <a:avLst/>
+          </a:prstGeom>
+          <a:noFill/>
+          <a:ln>
+            <a:noFill/>
+          </a:ln>
+        </p:spPr>
+        <p:txBody>
+          <a:bodyPr wrap="square" rtlCol="0">
+            <a:spAutoFit/>
+          </a:bodyPr>
+          <a:lstStyle/>
+          <a:p>
+            <a:pPr algn="ctr"/>
+            <a:r>
+              <a:rPr lang="en-GB" sz="1766" b="1" dirty="0">
+                <a:solidFill>
+                  <a:schemeClr val="accent6">
+                    <a:lumMod val="75000"/>
+                  </a:schemeClr>
+                </a:solidFill>
+                <a:latin typeface="Helvetica" panose="020B0604020202020204"/>
+                <a:cs typeface="Helvetica" panose="020B0604020202020204"/>
+              </a:rPr>
+              <a:t>*</a:t>
+            </a:r>
+          </a:p>
+        </p:txBody>
+      </p:sp>
     </p:spTree>
     <p:extLst>
       <p:ext uri="{BB962C8B-B14F-4D97-AF65-F5344CB8AC3E}">
-        <p14:creationId xmlns:p14="http://schemas.microsoft.com/office/powerpoint/2010/main" val="366536072"/>
+        <p14:creationId xmlns:p14="http://schemas.microsoft.com/office/powerpoint/2010/main" val="522262804"/>
       </p:ext>
     </p:extLst>
   </p:cSld>
@@ -4859,7 +6833,7 @@
           <p:cNvPr id="2" name="Title 1">
             <a:extLst>
               <a:ext uri="{FF2B5EF4-FFF2-40B4-BE49-F238E27FC236}">
-                <a16:creationId xmlns:a16="http://schemas.microsoft.com/office/drawing/2014/main" id="{E5EB79DC-5387-676F-0683-1D49454F40B3}"/>
+                <a16:creationId xmlns:a16="http://schemas.microsoft.com/office/drawing/2014/main" id="{32D9D9BF-2B66-09AD-138F-36386DDD5CDD}"/>
               </a:ext>
             </a:extLst>
           </p:cNvPr>
@@ -4870,14 +6844,19 @@
             <p:ph type="title"/>
           </p:nvPr>
         </p:nvSpPr>
-        <p:spPr/>
+        <p:spPr>
+          <a:xfrm>
+            <a:off x="189848" y="263545"/>
+            <a:ext cx="9875520" cy="1356360"/>
+          </a:xfrm>
+        </p:spPr>
         <p:txBody>
           <a:bodyPr/>
           <a:lstStyle/>
           <a:p>
             <a:r>
               <a:rPr lang="de-CH" dirty="0"/>
-              <a:t>Budburst – by provenance</a:t>
+              <a:t>Budset – by provenance</a:t>
             </a:r>
             <a:endParaRPr lang="en-GB" dirty="0"/>
           </a:p>
@@ -4885,10 +6864,10 @@
       </p:sp>
       <p:pic>
         <p:nvPicPr>
-          <p:cNvPr id="5" name="Content Placeholder 4" descr="A graph with blue and black lines&#10;&#10;AI-generated content may be incorrect.">
+          <p:cNvPr id="5" name="Content Placeholder 4">
             <a:extLst>
               <a:ext uri="{FF2B5EF4-FFF2-40B4-BE49-F238E27FC236}">
-                <a16:creationId xmlns:a16="http://schemas.microsoft.com/office/drawing/2014/main" id="{A613A6A1-D807-9828-02A8-F458A86438B3}"/>
+                <a16:creationId xmlns:a16="http://schemas.microsoft.com/office/drawing/2014/main" id="{C81AF245-CF10-C522-E0CE-18AABCB35AA8}"/>
               </a:ext>
             </a:extLst>
           </p:cNvPr>
@@ -4900,29 +6879,29 @@
           </p:nvPr>
         </p:nvPicPr>
         <p:blipFill>
-          <a:blip r:embed="rId2">
+          <a:blip r:embed="rId3">
             <a:extLst>
               <a:ext uri="{28A0092B-C50C-407E-A947-70E740481C1C}">
                 <a14:useLocalDpi xmlns:a14="http://schemas.microsoft.com/office/drawing/2010/main" val="0"/>
               </a:ext>
             </a:extLst>
           </a:blip>
-          <a:srcRect t="6223"/>
+          <a:srcRect t="7493"/>
           <a:stretch/>
         </p:blipFill>
         <p:spPr>
           <a:xfrm>
-            <a:off x="721360" y="1584960"/>
-            <a:ext cx="8816633" cy="4968240"/>
+            <a:off x="739264" y="1597014"/>
+            <a:ext cx="8776687" cy="4878756"/>
           </a:xfrm>
         </p:spPr>
       </p:pic>
       <p:sp>
         <p:nvSpPr>
-          <p:cNvPr id="6" name="TextBox 5">
+          <p:cNvPr id="3" name="TextBox 2">
             <a:extLst>
               <a:ext uri="{FF2B5EF4-FFF2-40B4-BE49-F238E27FC236}">
-                <a16:creationId xmlns:a16="http://schemas.microsoft.com/office/drawing/2014/main" id="{88649343-2493-E174-DAD2-92A791FD7486}"/>
+                <a16:creationId xmlns:a16="http://schemas.microsoft.com/office/drawing/2014/main" id="{3FEE3C62-7A17-B683-8845-1CC05C605A19}"/>
               </a:ext>
             </a:extLst>
           </p:cNvPr>
@@ -4931,8 +6910,8 @@
         </p:nvSpPr>
         <p:spPr>
           <a:xfrm>
-            <a:off x="9286118" y="950297"/>
-            <a:ext cx="2367932" cy="2031325"/>
+            <a:off x="9588376" y="1785484"/>
+            <a:ext cx="1864360" cy="923330"/>
           </a:xfrm>
           <a:prstGeom prst="rect">
             <a:avLst/>
@@ -4947,26 +6926,18 @@
           <a:p>
             <a:r>
               <a:rPr lang="de-CH" dirty="0"/>
-              <a:t>Slightly less even distribution between provenances, but smaller range than budset</a:t>
-            </a:r>
-          </a:p>
-          <a:p>
-            <a:endParaRPr lang="de-CH" dirty="0"/>
-          </a:p>
-          <a:p>
-            <a:r>
-              <a:rPr lang="en-GB" dirty="0"/>
-              <a:t>More outliers</a:t>
-            </a:r>
-          </a:p>
-        </p:txBody>
-      </p:sp>
-      <p:sp>
-        <p:nvSpPr>
-          <p:cNvPr id="7" name="TextBox 6">
+              <a:t>Even distribution between provenances</a:t>
+            </a:r>
+            <a:endParaRPr lang="en-GB" dirty="0"/>
+          </a:p>
+        </p:txBody>
+      </p:sp>
+      <p:sp>
+        <p:nvSpPr>
+          <p:cNvPr id="9" name="TextBox 8">
             <a:extLst>
               <a:ext uri="{FF2B5EF4-FFF2-40B4-BE49-F238E27FC236}">
-                <a16:creationId xmlns:a16="http://schemas.microsoft.com/office/drawing/2014/main" id="{93CF37AE-0442-D191-0D72-30187F796763}"/>
+                <a16:creationId xmlns:a16="http://schemas.microsoft.com/office/drawing/2014/main" id="{B0C60FA7-6976-A204-5DB2-FA364834CB49}"/>
               </a:ext>
             </a:extLst>
           </p:cNvPr>
@@ -4975,8 +6946,8 @@
         </p:nvSpPr>
         <p:spPr>
           <a:xfrm>
-            <a:off x="9261044" y="4705310"/>
-            <a:ext cx="2707436" cy="1200329"/>
+            <a:off x="9711892" y="6096893"/>
+            <a:ext cx="2131350" cy="369332"/>
           </a:xfrm>
           <a:prstGeom prst="rect">
             <a:avLst/>
@@ -4984,41 +6955,127 @@
           <a:noFill/>
         </p:spPr>
         <p:txBody>
+          <a:bodyPr wrap="square">
+            <a:spAutoFit/>
+          </a:bodyPr>
+          <a:lstStyle/>
+          <a:p>
+            <a:pPr algn="ctr"/>
+            <a:r>
+              <a:rPr lang="en-GB" dirty="0"/>
+              <a:t>Day 0 = 10/09/2023</a:t>
+            </a:r>
+          </a:p>
+        </p:txBody>
+      </p:sp>
+      <p:cxnSp>
+        <p:nvCxnSpPr>
+          <p:cNvPr id="10" name="Straight Connector 9">
+            <a:extLst>
+              <a:ext uri="{FF2B5EF4-FFF2-40B4-BE49-F238E27FC236}">
+                <a16:creationId xmlns:a16="http://schemas.microsoft.com/office/drawing/2014/main" id="{627207B2-C399-F774-B53B-5CE49BA29F56}"/>
+              </a:ext>
+            </a:extLst>
+          </p:cNvPr>
+          <p:cNvCxnSpPr>
+            <a:cxnSpLocks/>
+          </p:cNvCxnSpPr>
+          <p:nvPr/>
+        </p:nvCxnSpPr>
+        <p:spPr>
+          <a:xfrm flipV="1">
+            <a:off x="5792742" y="1762532"/>
+            <a:ext cx="2088872" cy="2986"/>
+          </a:xfrm>
+          <a:prstGeom prst="line">
+            <a:avLst/>
+          </a:prstGeom>
+          <a:ln>
+            <a:solidFill>
+              <a:schemeClr val="accent6">
+                <a:lumMod val="75000"/>
+              </a:schemeClr>
+            </a:solidFill>
+          </a:ln>
+        </p:spPr>
+        <p:style>
+          <a:lnRef idx="2">
+            <a:schemeClr val="accent1"/>
+          </a:lnRef>
+          <a:fillRef idx="0">
+            <a:schemeClr val="accent1"/>
+          </a:fillRef>
+          <a:effectRef idx="1">
+            <a:schemeClr val="accent1"/>
+          </a:effectRef>
+          <a:fontRef idx="minor">
+            <a:schemeClr val="tx1"/>
+          </a:fontRef>
+        </p:style>
+      </p:cxnSp>
+      <p:sp>
+        <p:nvSpPr>
+          <p:cNvPr id="11" name="TextBox 10">
+            <a:extLst>
+              <a:ext uri="{FF2B5EF4-FFF2-40B4-BE49-F238E27FC236}">
+                <a16:creationId xmlns:a16="http://schemas.microsoft.com/office/drawing/2014/main" id="{1DE83656-BBCA-820A-78B8-B8825292C4BF}"/>
+              </a:ext>
+            </a:extLst>
+          </p:cNvPr>
+          <p:cNvSpPr txBox="1"/>
+          <p:nvPr/>
+        </p:nvSpPr>
+        <p:spPr>
+          <a:xfrm>
+            <a:off x="6497505" y="1539263"/>
+            <a:ext cx="805702" cy="246221"/>
+          </a:xfrm>
+          <a:prstGeom prst="rect">
+            <a:avLst/>
+          </a:prstGeom>
+          <a:noFill/>
+          <a:ln>
+            <a:noFill/>
+          </a:ln>
+        </p:spPr>
+        <p:txBody>
           <a:bodyPr wrap="square" rtlCol="0">
             <a:spAutoFit/>
           </a:bodyPr>
           <a:lstStyle/>
           <a:p>
-            <a:r>
-              <a:rPr lang="de-CH" dirty="0">
+            <a:pPr algn="ctr"/>
+            <a:r>
+              <a:rPr lang="de-CH" sz="1000" dirty="0">
                 <a:solidFill>
-                  <a:srgbClr val="FF0000"/>
+                  <a:schemeClr val="accent6">
+                    <a:lumMod val="75000"/>
+                  </a:schemeClr>
                 </a:solidFill>
+                <a:latin typeface="Helvetica" panose="020B0604020202020204"/>
+                <a:cs typeface="Helvetica" panose="020B0604020202020204"/>
               </a:rPr>
-              <a:t>How many budburst values for each provenance?</a:t>
-            </a:r>
-          </a:p>
-          <a:p>
-            <a:r>
-              <a:rPr lang="de-CH" dirty="0">
+              <a:t>0</a:t>
+            </a:r>
+            <a:r>
+              <a:rPr lang="en-GB" sz="1000" dirty="0">
                 <a:solidFill>
-                  <a:srgbClr val="FF0000"/>
+                  <a:schemeClr val="accent6">
+                    <a:lumMod val="75000"/>
+                  </a:schemeClr>
                 </a:solidFill>
+                <a:latin typeface="Helvetica" panose="020B0604020202020204"/>
+                <a:cs typeface="Helvetica" panose="020B0604020202020204"/>
               </a:rPr>
-              <a:t>How many Nas?</a:t>
-            </a:r>
-            <a:endParaRPr lang="en-GB" dirty="0">
-              <a:solidFill>
-                <a:srgbClr val="FF0000"/>
-              </a:solidFill>
-            </a:endParaRPr>
+              <a:t>.042</a:t>
+            </a:r>
           </a:p>
         </p:txBody>
       </p:sp>
     </p:spTree>
     <p:extLst>
       <p:ext uri="{BB962C8B-B14F-4D97-AF65-F5344CB8AC3E}">
-        <p14:creationId xmlns:p14="http://schemas.microsoft.com/office/powerpoint/2010/main" val="1309389261"/>
+        <p14:creationId xmlns:p14="http://schemas.microsoft.com/office/powerpoint/2010/main" val="4018528445"/>
       </p:ext>
     </p:extLst>
   </p:cSld>
@@ -5050,7 +7107,7 @@
           <p:cNvPr id="2" name="Title 1">
             <a:extLst>
               <a:ext uri="{FF2B5EF4-FFF2-40B4-BE49-F238E27FC236}">
-                <a16:creationId xmlns:a16="http://schemas.microsoft.com/office/drawing/2014/main" id="{87423E70-6AE2-13AB-B9D6-DFD4DC3807B8}"/>
+                <a16:creationId xmlns:a16="http://schemas.microsoft.com/office/drawing/2014/main" id="{2309895B-F36B-0FE8-66E4-57C233A9ABD4}"/>
               </a:ext>
             </a:extLst>
           </p:cNvPr>
@@ -5063,7 +7120,7 @@
         </p:nvSpPr>
         <p:spPr>
           <a:xfrm>
-            <a:off x="177800" y="196168"/>
+            <a:off x="218975" y="234214"/>
             <a:ext cx="9875520" cy="1356360"/>
           </a:xfrm>
         </p:spPr>
@@ -5073,7 +7130,7 @@
           <a:p>
             <a:r>
               <a:rPr lang="de-CH" dirty="0"/>
-              <a:t>Budburst by Type</a:t>
+              <a:t>Budset – by Provenance</a:t>
             </a:r>
             <a:endParaRPr lang="en-GB" dirty="0"/>
           </a:p>
@@ -5081,10 +7138,10 @@
       </p:sp>
       <p:pic>
         <p:nvPicPr>
-          <p:cNvPr id="5" name="Content Placeholder 4" descr="A graph of a graph&#10;&#10;AI-generated content may be incorrect.">
+          <p:cNvPr id="9" name="Content Placeholder 8" descr="A graph of a graph&#10;&#10;AI-generated content may be incorrect.">
             <a:extLst>
               <a:ext uri="{FF2B5EF4-FFF2-40B4-BE49-F238E27FC236}">
-                <a16:creationId xmlns:a16="http://schemas.microsoft.com/office/drawing/2014/main" id="{16D65E6A-4EF0-6D4D-7682-EC32F509A222}"/>
+                <a16:creationId xmlns:a16="http://schemas.microsoft.com/office/drawing/2014/main" id="{E9D7C26D-A23C-D424-F674-5FE3142C3DDD}"/>
               </a:ext>
             </a:extLst>
           </p:cNvPr>
@@ -5103,20 +7160,810 @@
               </a:ext>
             </a:extLst>
           </a:blip>
-          <a:srcRect t="6302"/>
-          <a:stretch/>
+          <a:stretch>
+            <a:fillRect/>
+          </a:stretch>
         </p:blipFill>
         <p:spPr>
           <a:xfrm>
-            <a:off x="1296023" y="1124632"/>
-            <a:ext cx="9599953" cy="5405120"/>
+            <a:off x="858377" y="1232034"/>
+            <a:ext cx="10663062" cy="5391752"/>
           </a:xfrm>
         </p:spPr>
       </p:pic>
+      <p:cxnSp>
+        <p:nvCxnSpPr>
+          <p:cNvPr id="11" name="Straight Arrow Connector 10">
+            <a:extLst>
+              <a:ext uri="{FF2B5EF4-FFF2-40B4-BE49-F238E27FC236}">
+                <a16:creationId xmlns:a16="http://schemas.microsoft.com/office/drawing/2014/main" id="{B145E7EB-00AB-0A3C-462D-869596290F9D}"/>
+              </a:ext>
+            </a:extLst>
+          </p:cNvPr>
+          <p:cNvCxnSpPr/>
+          <p:nvPr/>
+        </p:nvCxnSpPr>
+        <p:spPr>
+          <a:xfrm>
+            <a:off x="7161196" y="2781701"/>
+            <a:ext cx="0" cy="1232034"/>
+          </a:xfrm>
+          <a:prstGeom prst="straightConnector1">
+            <a:avLst/>
+          </a:prstGeom>
+          <a:ln w="19050">
+            <a:solidFill>
+              <a:schemeClr val="bg2">
+                <a:lumMod val="25000"/>
+              </a:schemeClr>
+            </a:solidFill>
+            <a:tailEnd type="triangle" w="lg" len="med"/>
+          </a:ln>
+        </p:spPr>
+        <p:style>
+          <a:lnRef idx="1">
+            <a:schemeClr val="accent1"/>
+          </a:lnRef>
+          <a:fillRef idx="0">
+            <a:schemeClr val="accent1"/>
+          </a:fillRef>
+          <a:effectRef idx="0">
+            <a:schemeClr val="accent1"/>
+          </a:effectRef>
+          <a:fontRef idx="minor">
+            <a:schemeClr val="tx1"/>
+          </a:fontRef>
+        </p:style>
+      </p:cxnSp>
     </p:spTree>
     <p:extLst>
       <p:ext uri="{BB962C8B-B14F-4D97-AF65-F5344CB8AC3E}">
-        <p14:creationId xmlns:p14="http://schemas.microsoft.com/office/powerpoint/2010/main" val="1505597422"/>
+        <p14:creationId xmlns:p14="http://schemas.microsoft.com/office/powerpoint/2010/main" val="3321713989"/>
+      </p:ext>
+    </p:extLst>
+  </p:cSld>
+  <p:clrMapOvr>
+    <a:masterClrMapping/>
+  </p:clrMapOvr>
+</p:sld>
+</file>
+
+<file path=ppt/slides/slide17.xml><?xml version="1.0" encoding="utf-8"?>
+<p:sld xmlns:a="http://schemas.openxmlformats.org/drawingml/2006/main" xmlns:r="http://schemas.openxmlformats.org/officeDocument/2006/relationships" xmlns:p="http://schemas.openxmlformats.org/presentationml/2006/main">
+  <p:cSld>
+    <p:spTree>
+      <p:nvGrpSpPr>
+        <p:cNvPr id="1" name=""/>
+        <p:cNvGrpSpPr/>
+        <p:nvPr/>
+      </p:nvGrpSpPr>
+      <p:grpSpPr>
+        <a:xfrm>
+          <a:off x="0" y="0"/>
+          <a:ext cx="0" cy="0"/>
+          <a:chOff x="0" y="0"/>
+          <a:chExt cx="0" cy="0"/>
+        </a:xfrm>
+      </p:grpSpPr>
+      <p:sp>
+        <p:nvSpPr>
+          <p:cNvPr id="2" name="Title 1">
+            <a:extLst>
+              <a:ext uri="{FF2B5EF4-FFF2-40B4-BE49-F238E27FC236}">
+                <a16:creationId xmlns:a16="http://schemas.microsoft.com/office/drawing/2014/main" id="{331E21EA-EC58-E43B-46B6-72D5584F9856}"/>
+              </a:ext>
+            </a:extLst>
+          </p:cNvPr>
+          <p:cNvSpPr>
+            <a:spLocks noGrp="1"/>
+          </p:cNvSpPr>
+          <p:nvPr>
+            <p:ph type="title"/>
+          </p:nvPr>
+        </p:nvSpPr>
+        <p:spPr>
+          <a:xfrm>
+            <a:off x="238225" y="243840"/>
+            <a:ext cx="9875520" cy="1356360"/>
+          </a:xfrm>
+        </p:spPr>
+        <p:txBody>
+          <a:bodyPr/>
+          <a:lstStyle/>
+          <a:p>
+            <a:r>
+              <a:rPr lang="de-CH" dirty="0"/>
+              <a:t>Budset – by Type</a:t>
+            </a:r>
+            <a:endParaRPr lang="en-GB" dirty="0"/>
+          </a:p>
+        </p:txBody>
+      </p:sp>
+      <p:pic>
+        <p:nvPicPr>
+          <p:cNvPr id="9" name="Content Placeholder 8">
+            <a:extLst>
+              <a:ext uri="{FF2B5EF4-FFF2-40B4-BE49-F238E27FC236}">
+                <a16:creationId xmlns:a16="http://schemas.microsoft.com/office/drawing/2014/main" id="{FA0D3437-97B6-1053-8FD3-9E66A7F8235A}"/>
+              </a:ext>
+            </a:extLst>
+          </p:cNvPr>
+          <p:cNvPicPr>
+            <a:picLocks noGrp="1" noChangeAspect="1"/>
+          </p:cNvPicPr>
+          <p:nvPr>
+            <p:ph idx="1"/>
+          </p:nvPr>
+        </p:nvPicPr>
+        <p:blipFill>
+          <a:blip r:embed="rId2">
+            <a:extLst>
+              <a:ext uri="{28A0092B-C50C-407E-A947-70E740481C1C}">
+                <a14:useLocalDpi xmlns:a14="http://schemas.microsoft.com/office/drawing/2010/main" val="0"/>
+              </a:ext>
+            </a:extLst>
+          </a:blip>
+          <a:stretch>
+            <a:fillRect/>
+          </a:stretch>
+        </p:blipFill>
+        <p:spPr>
+          <a:xfrm>
+            <a:off x="835942" y="1294689"/>
+            <a:ext cx="10520115" cy="5319471"/>
+          </a:xfrm>
+        </p:spPr>
+      </p:pic>
+      <p:cxnSp>
+        <p:nvCxnSpPr>
+          <p:cNvPr id="10" name="Straight Connector 9">
+            <a:extLst>
+              <a:ext uri="{FF2B5EF4-FFF2-40B4-BE49-F238E27FC236}">
+                <a16:creationId xmlns:a16="http://schemas.microsoft.com/office/drawing/2014/main" id="{21E77FB2-79EE-9075-C06A-8515F77F5B87}"/>
+              </a:ext>
+            </a:extLst>
+          </p:cNvPr>
+          <p:cNvCxnSpPr>
+            <a:cxnSpLocks/>
+          </p:cNvCxnSpPr>
+          <p:nvPr/>
+        </p:nvCxnSpPr>
+        <p:spPr>
+          <a:xfrm flipV="1">
+            <a:off x="3254326" y="1708729"/>
+            <a:ext cx="3062500" cy="2986"/>
+          </a:xfrm>
+          <a:prstGeom prst="line">
+            <a:avLst/>
+          </a:prstGeom>
+          <a:ln>
+            <a:solidFill>
+              <a:schemeClr val="accent6">
+                <a:lumMod val="75000"/>
+              </a:schemeClr>
+            </a:solidFill>
+          </a:ln>
+        </p:spPr>
+        <p:style>
+          <a:lnRef idx="2">
+            <a:schemeClr val="accent1"/>
+          </a:lnRef>
+          <a:fillRef idx="0">
+            <a:schemeClr val="accent1"/>
+          </a:fillRef>
+          <a:effectRef idx="1">
+            <a:schemeClr val="accent1"/>
+          </a:effectRef>
+          <a:fontRef idx="minor">
+            <a:schemeClr val="tx1"/>
+          </a:fontRef>
+        </p:style>
+      </p:cxnSp>
+      <p:sp>
+        <p:nvSpPr>
+          <p:cNvPr id="11" name="TextBox 10">
+            <a:extLst>
+              <a:ext uri="{FF2B5EF4-FFF2-40B4-BE49-F238E27FC236}">
+                <a16:creationId xmlns:a16="http://schemas.microsoft.com/office/drawing/2014/main" id="{3E6EA98B-C626-6AC0-4F03-A613577D5935}"/>
+              </a:ext>
+            </a:extLst>
+          </p:cNvPr>
+          <p:cNvSpPr txBox="1"/>
+          <p:nvPr/>
+        </p:nvSpPr>
+        <p:spPr>
+          <a:xfrm>
+            <a:off x="4470416" y="1403218"/>
+            <a:ext cx="679347" cy="364074"/>
+          </a:xfrm>
+          <a:prstGeom prst="rect">
+            <a:avLst/>
+          </a:prstGeom>
+          <a:noFill/>
+          <a:ln>
+            <a:noFill/>
+          </a:ln>
+        </p:spPr>
+        <p:txBody>
+          <a:bodyPr wrap="square" rtlCol="0">
+            <a:spAutoFit/>
+          </a:bodyPr>
+          <a:lstStyle/>
+          <a:p>
+            <a:pPr algn="ctr"/>
+            <a:r>
+              <a:rPr lang="en-GB" sz="1766" b="1" dirty="0">
+                <a:solidFill>
+                  <a:schemeClr val="accent6">
+                    <a:lumMod val="75000"/>
+                  </a:schemeClr>
+                </a:solidFill>
+                <a:latin typeface="Helvetica" panose="020B0604020202020204"/>
+                <a:cs typeface="Helvetica" panose="020B0604020202020204"/>
+              </a:rPr>
+              <a:t>*</a:t>
+            </a:r>
+          </a:p>
+        </p:txBody>
+      </p:sp>
+      <p:cxnSp>
+        <p:nvCxnSpPr>
+          <p:cNvPr id="13" name="Straight Connector 12">
+            <a:extLst>
+              <a:ext uri="{FF2B5EF4-FFF2-40B4-BE49-F238E27FC236}">
+                <a16:creationId xmlns:a16="http://schemas.microsoft.com/office/drawing/2014/main" id="{87C6D792-97FC-FD07-3960-989C62EBBECF}"/>
+              </a:ext>
+            </a:extLst>
+          </p:cNvPr>
+          <p:cNvCxnSpPr>
+            <a:cxnSpLocks/>
+          </p:cNvCxnSpPr>
+          <p:nvPr/>
+        </p:nvCxnSpPr>
+        <p:spPr>
+          <a:xfrm>
+            <a:off x="3254326" y="1390375"/>
+            <a:ext cx="6027081" cy="0"/>
+          </a:xfrm>
+          <a:prstGeom prst="line">
+            <a:avLst/>
+          </a:prstGeom>
+          <a:ln>
+            <a:solidFill>
+              <a:schemeClr val="accent6">
+                <a:lumMod val="75000"/>
+              </a:schemeClr>
+            </a:solidFill>
+          </a:ln>
+        </p:spPr>
+        <p:style>
+          <a:lnRef idx="2">
+            <a:schemeClr val="accent1"/>
+          </a:lnRef>
+          <a:fillRef idx="0">
+            <a:schemeClr val="accent1"/>
+          </a:fillRef>
+          <a:effectRef idx="1">
+            <a:schemeClr val="accent1"/>
+          </a:effectRef>
+          <a:fontRef idx="minor">
+            <a:schemeClr val="tx1"/>
+          </a:fontRef>
+        </p:style>
+      </p:cxnSp>
+      <p:sp>
+        <p:nvSpPr>
+          <p:cNvPr id="14" name="TextBox 13">
+            <a:extLst>
+              <a:ext uri="{FF2B5EF4-FFF2-40B4-BE49-F238E27FC236}">
+                <a16:creationId xmlns:a16="http://schemas.microsoft.com/office/drawing/2014/main" id="{392A4E8F-20B8-D1CF-298E-3001E437C6C5}"/>
+              </a:ext>
+            </a:extLst>
+          </p:cNvPr>
+          <p:cNvSpPr txBox="1"/>
+          <p:nvPr/>
+        </p:nvSpPr>
+        <p:spPr>
+          <a:xfrm>
+            <a:off x="5977152" y="1081878"/>
+            <a:ext cx="679347" cy="364074"/>
+          </a:xfrm>
+          <a:prstGeom prst="rect">
+            <a:avLst/>
+          </a:prstGeom>
+          <a:noFill/>
+          <a:ln>
+            <a:noFill/>
+          </a:ln>
+        </p:spPr>
+        <p:txBody>
+          <a:bodyPr wrap="square" rtlCol="0">
+            <a:spAutoFit/>
+          </a:bodyPr>
+          <a:lstStyle/>
+          <a:p>
+            <a:pPr algn="ctr"/>
+            <a:r>
+              <a:rPr lang="en-GB" sz="1766" b="1" dirty="0">
+                <a:solidFill>
+                  <a:schemeClr val="accent6">
+                    <a:lumMod val="75000"/>
+                  </a:schemeClr>
+                </a:solidFill>
+                <a:latin typeface="Helvetica" panose="020B0604020202020204"/>
+                <a:cs typeface="Helvetica" panose="020B0604020202020204"/>
+              </a:rPr>
+              <a:t>*</a:t>
+            </a:r>
+          </a:p>
+        </p:txBody>
+      </p:sp>
+    </p:spTree>
+    <p:extLst>
+      <p:ext uri="{BB962C8B-B14F-4D97-AF65-F5344CB8AC3E}">
+        <p14:creationId xmlns:p14="http://schemas.microsoft.com/office/powerpoint/2010/main" val="4221340399"/>
+      </p:ext>
+    </p:extLst>
+  </p:cSld>
+  <p:clrMapOvr>
+    <a:masterClrMapping/>
+  </p:clrMapOvr>
+</p:sld>
+</file>
+
+<file path=ppt/slides/slide18.xml><?xml version="1.0" encoding="utf-8"?>
+<p:sld xmlns:a="http://schemas.openxmlformats.org/drawingml/2006/main" xmlns:r="http://schemas.openxmlformats.org/officeDocument/2006/relationships" xmlns:p="http://schemas.openxmlformats.org/presentationml/2006/main">
+  <p:cSld>
+    <p:spTree>
+      <p:nvGrpSpPr>
+        <p:cNvPr id="1" name=""/>
+        <p:cNvGrpSpPr/>
+        <p:nvPr/>
+      </p:nvGrpSpPr>
+      <p:grpSpPr>
+        <a:xfrm>
+          <a:off x="0" y="0"/>
+          <a:ext cx="0" cy="0"/>
+          <a:chOff x="0" y="0"/>
+          <a:chExt cx="0" cy="0"/>
+        </a:xfrm>
+      </p:grpSpPr>
+      <p:sp>
+        <p:nvSpPr>
+          <p:cNvPr id="2" name="Title 1">
+            <a:extLst>
+              <a:ext uri="{FF2B5EF4-FFF2-40B4-BE49-F238E27FC236}">
+                <a16:creationId xmlns:a16="http://schemas.microsoft.com/office/drawing/2014/main" id="{B4D941A4-7800-BF6D-3047-19A2F1FFE400}"/>
+              </a:ext>
+            </a:extLst>
+          </p:cNvPr>
+          <p:cNvSpPr>
+            <a:spLocks noGrp="1"/>
+          </p:cNvSpPr>
+          <p:nvPr>
+            <p:ph type="title"/>
+          </p:nvPr>
+        </p:nvSpPr>
+        <p:spPr>
+          <a:xfrm>
+            <a:off x="238760" y="178812"/>
+            <a:ext cx="9875520" cy="1356360"/>
+          </a:xfrm>
+        </p:spPr>
+        <p:txBody>
+          <a:bodyPr/>
+          <a:lstStyle/>
+          <a:p>
+            <a:r>
+              <a:rPr lang="de-CH" dirty="0"/>
+              <a:t>Budset by Type</a:t>
+            </a:r>
+            <a:endParaRPr lang="en-GB" dirty="0"/>
+          </a:p>
+        </p:txBody>
+      </p:sp>
+      <p:pic>
+        <p:nvPicPr>
+          <p:cNvPr id="9" name="Content Placeholder 8">
+            <a:extLst>
+              <a:ext uri="{FF2B5EF4-FFF2-40B4-BE49-F238E27FC236}">
+                <a16:creationId xmlns:a16="http://schemas.microsoft.com/office/drawing/2014/main" id="{270947E2-94D3-B544-4587-E9882F4D2BAA}"/>
+              </a:ext>
+            </a:extLst>
+          </p:cNvPr>
+          <p:cNvPicPr>
+            <a:picLocks noGrp="1" noChangeAspect="1"/>
+          </p:cNvPicPr>
+          <p:nvPr>
+            <p:ph idx="1"/>
+          </p:nvPr>
+        </p:nvPicPr>
+        <p:blipFill>
+          <a:blip r:embed="rId2">
+            <a:extLst>
+              <a:ext uri="{28A0092B-C50C-407E-A947-70E740481C1C}">
+                <a14:useLocalDpi xmlns:a14="http://schemas.microsoft.com/office/drawing/2010/main" val="0"/>
+              </a:ext>
+            </a:extLst>
+          </a:blip>
+          <a:stretch>
+            <a:fillRect/>
+          </a:stretch>
+        </p:blipFill>
+        <p:spPr>
+          <a:xfrm>
+            <a:off x="1053049" y="1535171"/>
+            <a:ext cx="9958252" cy="5035367"/>
+          </a:xfrm>
+        </p:spPr>
+      </p:pic>
+      <p:cxnSp>
+        <p:nvCxnSpPr>
+          <p:cNvPr id="4" name="Straight Arrow Connector 3">
+            <a:extLst>
+              <a:ext uri="{FF2B5EF4-FFF2-40B4-BE49-F238E27FC236}">
+                <a16:creationId xmlns:a16="http://schemas.microsoft.com/office/drawing/2014/main" id="{8E594E9A-0DC9-656A-15F4-E36D519C6094}"/>
+              </a:ext>
+            </a:extLst>
+          </p:cNvPr>
+          <p:cNvCxnSpPr/>
+          <p:nvPr/>
+        </p:nvCxnSpPr>
+        <p:spPr>
+          <a:xfrm>
+            <a:off x="7007192" y="2675823"/>
+            <a:ext cx="0" cy="1232034"/>
+          </a:xfrm>
+          <a:prstGeom prst="straightConnector1">
+            <a:avLst/>
+          </a:prstGeom>
+          <a:ln w="19050">
+            <a:solidFill>
+              <a:schemeClr val="bg2">
+                <a:lumMod val="25000"/>
+              </a:schemeClr>
+            </a:solidFill>
+            <a:tailEnd type="triangle" w="lg" len="med"/>
+          </a:ln>
+        </p:spPr>
+        <p:style>
+          <a:lnRef idx="1">
+            <a:schemeClr val="accent1"/>
+          </a:lnRef>
+          <a:fillRef idx="0">
+            <a:schemeClr val="accent1"/>
+          </a:fillRef>
+          <a:effectRef idx="0">
+            <a:schemeClr val="accent1"/>
+          </a:effectRef>
+          <a:fontRef idx="minor">
+            <a:schemeClr val="tx1"/>
+          </a:fontRef>
+        </p:style>
+      </p:cxnSp>
+    </p:spTree>
+    <p:extLst>
+      <p:ext uri="{BB962C8B-B14F-4D97-AF65-F5344CB8AC3E}">
+        <p14:creationId xmlns:p14="http://schemas.microsoft.com/office/powerpoint/2010/main" val="366536072"/>
+      </p:ext>
+    </p:extLst>
+  </p:cSld>
+  <p:clrMapOvr>
+    <a:masterClrMapping/>
+  </p:clrMapOvr>
+</p:sld>
+</file>
+
+<file path=ppt/slides/slide19.xml><?xml version="1.0" encoding="utf-8"?>
+<p:sld xmlns:a="http://schemas.openxmlformats.org/drawingml/2006/main" xmlns:r="http://schemas.openxmlformats.org/officeDocument/2006/relationships" xmlns:p="http://schemas.openxmlformats.org/presentationml/2006/main">
+  <p:cSld>
+    <p:spTree>
+      <p:nvGrpSpPr>
+        <p:cNvPr id="1" name=""/>
+        <p:cNvGrpSpPr/>
+        <p:nvPr/>
+      </p:nvGrpSpPr>
+      <p:grpSpPr>
+        <a:xfrm>
+          <a:off x="0" y="0"/>
+          <a:ext cx="0" cy="0"/>
+          <a:chOff x="0" y="0"/>
+          <a:chExt cx="0" cy="0"/>
+        </a:xfrm>
+      </p:grpSpPr>
+      <p:sp>
+        <p:nvSpPr>
+          <p:cNvPr id="2" name="Title 1">
+            <a:extLst>
+              <a:ext uri="{FF2B5EF4-FFF2-40B4-BE49-F238E27FC236}">
+                <a16:creationId xmlns:a16="http://schemas.microsoft.com/office/drawing/2014/main" id="{E5EB79DC-5387-676F-0683-1D49454F40B3}"/>
+              </a:ext>
+            </a:extLst>
+          </p:cNvPr>
+          <p:cNvSpPr>
+            <a:spLocks noGrp="1"/>
+          </p:cNvSpPr>
+          <p:nvPr>
+            <p:ph type="title"/>
+          </p:nvPr>
+        </p:nvSpPr>
+        <p:spPr>
+          <a:xfrm>
+            <a:off x="218974" y="176490"/>
+            <a:ext cx="9875520" cy="1356360"/>
+          </a:xfrm>
+        </p:spPr>
+        <p:txBody>
+          <a:bodyPr/>
+          <a:lstStyle/>
+          <a:p>
+            <a:r>
+              <a:rPr lang="de-CH" dirty="0"/>
+              <a:t>Budburst – by Provenance</a:t>
+            </a:r>
+            <a:endParaRPr lang="en-GB" dirty="0"/>
+          </a:p>
+        </p:txBody>
+      </p:sp>
+      <p:sp>
+        <p:nvSpPr>
+          <p:cNvPr id="4" name="TextBox 3">
+            <a:extLst>
+              <a:ext uri="{FF2B5EF4-FFF2-40B4-BE49-F238E27FC236}">
+                <a16:creationId xmlns:a16="http://schemas.microsoft.com/office/drawing/2014/main" id="{1F23F0DC-52E1-09BD-080C-AFC35699FB60}"/>
+              </a:ext>
+            </a:extLst>
+          </p:cNvPr>
+          <p:cNvSpPr txBox="1"/>
+          <p:nvPr/>
+        </p:nvSpPr>
+        <p:spPr>
+          <a:xfrm>
+            <a:off x="9630612" y="670004"/>
+            <a:ext cx="2131350" cy="369332"/>
+          </a:xfrm>
+          <a:prstGeom prst="rect">
+            <a:avLst/>
+          </a:prstGeom>
+          <a:noFill/>
+        </p:spPr>
+        <p:txBody>
+          <a:bodyPr wrap="square">
+            <a:spAutoFit/>
+          </a:bodyPr>
+          <a:lstStyle/>
+          <a:p>
+            <a:pPr algn="ctr"/>
+            <a:r>
+              <a:rPr lang="en-GB" dirty="0"/>
+              <a:t>Day 0 = 01/02/2024</a:t>
+            </a:r>
+          </a:p>
+        </p:txBody>
+      </p:sp>
+      <p:pic>
+        <p:nvPicPr>
+          <p:cNvPr id="11" name="Content Placeholder 10" descr="A graph of a diagram&#10;&#10;AI-generated content may be incorrect.">
+            <a:extLst>
+              <a:ext uri="{FF2B5EF4-FFF2-40B4-BE49-F238E27FC236}">
+                <a16:creationId xmlns:a16="http://schemas.microsoft.com/office/drawing/2014/main" id="{44A0C449-8F18-850D-9203-E214A67FEAD7}"/>
+              </a:ext>
+            </a:extLst>
+          </p:cNvPr>
+          <p:cNvPicPr>
+            <a:picLocks noGrp="1" noChangeAspect="1"/>
+          </p:cNvPicPr>
+          <p:nvPr>
+            <p:ph idx="1"/>
+          </p:nvPr>
+        </p:nvPicPr>
+        <p:blipFill>
+          <a:blip r:embed="rId2">
+            <a:extLst>
+              <a:ext uri="{28A0092B-C50C-407E-A947-70E740481C1C}">
+                <a14:useLocalDpi xmlns:a14="http://schemas.microsoft.com/office/drawing/2010/main" val="0"/>
+              </a:ext>
+            </a:extLst>
+          </a:blip>
+          <a:stretch>
+            <a:fillRect/>
+          </a:stretch>
+        </p:blipFill>
+        <p:spPr>
+          <a:xfrm>
+            <a:off x="348758" y="1685992"/>
+            <a:ext cx="9517795" cy="4812650"/>
+          </a:xfrm>
+        </p:spPr>
+      </p:pic>
+      <p:cxnSp>
+        <p:nvCxnSpPr>
+          <p:cNvPr id="12" name="Straight Connector 11">
+            <a:extLst>
+              <a:ext uri="{FF2B5EF4-FFF2-40B4-BE49-F238E27FC236}">
+                <a16:creationId xmlns:a16="http://schemas.microsoft.com/office/drawing/2014/main" id="{5982C0FB-D28F-93CA-4DE9-0A62C347B1DA}"/>
+              </a:ext>
+            </a:extLst>
+          </p:cNvPr>
+          <p:cNvCxnSpPr>
+            <a:cxnSpLocks/>
+          </p:cNvCxnSpPr>
+          <p:nvPr/>
+        </p:nvCxnSpPr>
+        <p:spPr>
+          <a:xfrm flipV="1">
+            <a:off x="2325447" y="1732324"/>
+            <a:ext cx="3062500" cy="2986"/>
+          </a:xfrm>
+          <a:prstGeom prst="line">
+            <a:avLst/>
+          </a:prstGeom>
+          <a:ln>
+            <a:solidFill>
+              <a:schemeClr val="accent6">
+                <a:lumMod val="75000"/>
+              </a:schemeClr>
+            </a:solidFill>
+          </a:ln>
+        </p:spPr>
+        <p:style>
+          <a:lnRef idx="2">
+            <a:schemeClr val="accent1"/>
+          </a:lnRef>
+          <a:fillRef idx="0">
+            <a:schemeClr val="accent1"/>
+          </a:fillRef>
+          <a:effectRef idx="1">
+            <a:schemeClr val="accent1"/>
+          </a:effectRef>
+          <a:fontRef idx="minor">
+            <a:schemeClr val="tx1"/>
+          </a:fontRef>
+        </p:style>
+      </p:cxnSp>
+      <p:sp>
+        <p:nvSpPr>
+          <p:cNvPr id="13" name="TextBox 12">
+            <a:extLst>
+              <a:ext uri="{FF2B5EF4-FFF2-40B4-BE49-F238E27FC236}">
+                <a16:creationId xmlns:a16="http://schemas.microsoft.com/office/drawing/2014/main" id="{57228138-E4A7-851D-FC56-2306BC16034C}"/>
+              </a:ext>
+            </a:extLst>
+          </p:cNvPr>
+          <p:cNvSpPr txBox="1"/>
+          <p:nvPr/>
+        </p:nvSpPr>
+        <p:spPr>
+          <a:xfrm>
+            <a:off x="3587257" y="1486311"/>
+            <a:ext cx="679347" cy="246221"/>
+          </a:xfrm>
+          <a:prstGeom prst="rect">
+            <a:avLst/>
+          </a:prstGeom>
+          <a:noFill/>
+          <a:ln>
+            <a:noFill/>
+          </a:ln>
+        </p:spPr>
+        <p:txBody>
+          <a:bodyPr wrap="square" rtlCol="0">
+            <a:spAutoFit/>
+          </a:bodyPr>
+          <a:lstStyle/>
+          <a:p>
+            <a:pPr algn="ctr"/>
+            <a:r>
+              <a:rPr lang="en-GB" sz="1000" dirty="0">
+                <a:solidFill>
+                  <a:schemeClr val="accent6">
+                    <a:lumMod val="75000"/>
+                  </a:schemeClr>
+                </a:solidFill>
+                <a:latin typeface="Helvetica" panose="020B0604020202020204"/>
+                <a:cs typeface="Helvetica" panose="020B0604020202020204"/>
+              </a:rPr>
+              <a:t>0.013</a:t>
+            </a:r>
+          </a:p>
+        </p:txBody>
+      </p:sp>
+      <p:cxnSp>
+        <p:nvCxnSpPr>
+          <p:cNvPr id="14" name="Straight Connector 13">
+            <a:extLst>
+              <a:ext uri="{FF2B5EF4-FFF2-40B4-BE49-F238E27FC236}">
+                <a16:creationId xmlns:a16="http://schemas.microsoft.com/office/drawing/2014/main" id="{10EC720A-2AF0-9C6D-6E05-3934CC044EA9}"/>
+              </a:ext>
+            </a:extLst>
+          </p:cNvPr>
+          <p:cNvCxnSpPr>
+            <a:cxnSpLocks/>
+          </p:cNvCxnSpPr>
+          <p:nvPr/>
+        </p:nvCxnSpPr>
+        <p:spPr>
+          <a:xfrm flipV="1">
+            <a:off x="5528414" y="1729338"/>
+            <a:ext cx="3062500" cy="2986"/>
+          </a:xfrm>
+          <a:prstGeom prst="line">
+            <a:avLst/>
+          </a:prstGeom>
+          <a:ln>
+            <a:solidFill>
+              <a:schemeClr val="accent6">
+                <a:lumMod val="75000"/>
+              </a:schemeClr>
+            </a:solidFill>
+          </a:ln>
+        </p:spPr>
+        <p:style>
+          <a:lnRef idx="2">
+            <a:schemeClr val="accent1"/>
+          </a:lnRef>
+          <a:fillRef idx="0">
+            <a:schemeClr val="accent1"/>
+          </a:fillRef>
+          <a:effectRef idx="1">
+            <a:schemeClr val="accent1"/>
+          </a:effectRef>
+          <a:fontRef idx="minor">
+            <a:schemeClr val="tx1"/>
+          </a:fontRef>
+        </p:style>
+      </p:cxnSp>
+      <p:sp>
+        <p:nvSpPr>
+          <p:cNvPr id="15" name="TextBox 14">
+            <a:extLst>
+              <a:ext uri="{FF2B5EF4-FFF2-40B4-BE49-F238E27FC236}">
+                <a16:creationId xmlns:a16="http://schemas.microsoft.com/office/drawing/2014/main" id="{0923EC24-A6E5-C849-B975-9601C8597CF3}"/>
+              </a:ext>
+            </a:extLst>
+          </p:cNvPr>
+          <p:cNvSpPr txBox="1"/>
+          <p:nvPr/>
+        </p:nvSpPr>
+        <p:spPr>
+          <a:xfrm>
+            <a:off x="6790224" y="1483325"/>
+            <a:ext cx="679347" cy="246221"/>
+          </a:xfrm>
+          <a:prstGeom prst="rect">
+            <a:avLst/>
+          </a:prstGeom>
+          <a:noFill/>
+          <a:ln>
+            <a:noFill/>
+          </a:ln>
+        </p:spPr>
+        <p:txBody>
+          <a:bodyPr wrap="square" rtlCol="0">
+            <a:spAutoFit/>
+          </a:bodyPr>
+          <a:lstStyle/>
+          <a:p>
+            <a:pPr algn="ctr"/>
+            <a:r>
+              <a:rPr lang="en-GB" sz="1000" dirty="0">
+                <a:solidFill>
+                  <a:schemeClr val="accent6">
+                    <a:lumMod val="75000"/>
+                  </a:schemeClr>
+                </a:solidFill>
+                <a:latin typeface="Helvetica" panose="020B0604020202020204"/>
+                <a:cs typeface="Helvetica" panose="020B0604020202020204"/>
+              </a:rPr>
+              <a:t>0.01</a:t>
+            </a:r>
+          </a:p>
+        </p:txBody>
+      </p:sp>
+    </p:spTree>
+    <p:extLst>
+      <p:ext uri="{BB962C8B-B14F-4D97-AF65-F5344CB8AC3E}">
+        <p14:creationId xmlns:p14="http://schemas.microsoft.com/office/powerpoint/2010/main" val="1309389261"/>
       </p:ext>
     </p:extLst>
   </p:cSld>
@@ -5248,10 +8095,603 @@
           </a:p>
         </p:txBody>
       </p:sp>
+      <p:sp>
+        <p:nvSpPr>
+          <p:cNvPr id="3" name="TextBox 2">
+            <a:extLst>
+              <a:ext uri="{FF2B5EF4-FFF2-40B4-BE49-F238E27FC236}">
+                <a16:creationId xmlns:a16="http://schemas.microsoft.com/office/drawing/2014/main" id="{E890D675-07F7-60A4-05DA-BBEE0C81C238}"/>
+              </a:ext>
+            </a:extLst>
+          </p:cNvPr>
+          <p:cNvSpPr txBox="1"/>
+          <p:nvPr/>
+        </p:nvSpPr>
+        <p:spPr>
+          <a:xfrm>
+            <a:off x="5362005" y="1554480"/>
+            <a:ext cx="616789" cy="369332"/>
+          </a:xfrm>
+          <a:prstGeom prst="rect">
+            <a:avLst/>
+          </a:prstGeom>
+          <a:noFill/>
+        </p:spPr>
+        <p:txBody>
+          <a:bodyPr wrap="square" rtlCol="0">
+            <a:spAutoFit/>
+          </a:bodyPr>
+          <a:lstStyle/>
+          <a:p>
+            <a:pPr algn="ctr"/>
+            <a:r>
+              <a:rPr lang="de-CH" dirty="0"/>
+              <a:t>-116</a:t>
+            </a:r>
+            <a:endParaRPr lang="en-GB" dirty="0"/>
+          </a:p>
+        </p:txBody>
+      </p:sp>
+      <p:cxnSp>
+        <p:nvCxnSpPr>
+          <p:cNvPr id="7" name="Straight Arrow Connector 6">
+            <a:extLst>
+              <a:ext uri="{FF2B5EF4-FFF2-40B4-BE49-F238E27FC236}">
+                <a16:creationId xmlns:a16="http://schemas.microsoft.com/office/drawing/2014/main" id="{D0163F98-6CDF-4287-2948-EAF8EBED1BD1}"/>
+              </a:ext>
+            </a:extLst>
+          </p:cNvPr>
+          <p:cNvCxnSpPr>
+            <a:cxnSpLocks/>
+          </p:cNvCxnSpPr>
+          <p:nvPr/>
+        </p:nvCxnSpPr>
+        <p:spPr>
+          <a:xfrm>
+            <a:off x="3921760" y="1569720"/>
+            <a:ext cx="2926080" cy="665480"/>
+          </a:xfrm>
+          <a:prstGeom prst="straightConnector1">
+            <a:avLst/>
+          </a:prstGeom>
+          <a:ln>
+            <a:tailEnd type="triangle"/>
+          </a:ln>
+        </p:spPr>
+        <p:style>
+          <a:lnRef idx="1">
+            <a:schemeClr val="accent1"/>
+          </a:lnRef>
+          <a:fillRef idx="0">
+            <a:schemeClr val="accent1"/>
+          </a:fillRef>
+          <a:effectRef idx="0">
+            <a:schemeClr val="accent1"/>
+          </a:effectRef>
+          <a:fontRef idx="minor">
+            <a:schemeClr val="tx1"/>
+          </a:fontRef>
+        </p:style>
+      </p:cxnSp>
     </p:spTree>
     <p:extLst>
       <p:ext uri="{BB962C8B-B14F-4D97-AF65-F5344CB8AC3E}">
         <p14:creationId xmlns:p14="http://schemas.microsoft.com/office/powerpoint/2010/main" val="1618141787"/>
+      </p:ext>
+    </p:extLst>
+  </p:cSld>
+  <p:clrMapOvr>
+    <a:masterClrMapping/>
+  </p:clrMapOvr>
+</p:sld>
+</file>
+
+<file path=ppt/slides/slide20.xml><?xml version="1.0" encoding="utf-8"?>
+<p:sld xmlns:a="http://schemas.openxmlformats.org/drawingml/2006/main" xmlns:r="http://schemas.openxmlformats.org/officeDocument/2006/relationships" xmlns:p="http://schemas.openxmlformats.org/presentationml/2006/main">
+  <p:cSld>
+    <p:spTree>
+      <p:nvGrpSpPr>
+        <p:cNvPr id="1" name=""/>
+        <p:cNvGrpSpPr/>
+        <p:nvPr/>
+      </p:nvGrpSpPr>
+      <p:grpSpPr>
+        <a:xfrm>
+          <a:off x="0" y="0"/>
+          <a:ext cx="0" cy="0"/>
+          <a:chOff x="0" y="0"/>
+          <a:chExt cx="0" cy="0"/>
+        </a:xfrm>
+      </p:grpSpPr>
+      <p:sp>
+        <p:nvSpPr>
+          <p:cNvPr id="2" name="Title 1">
+            <a:extLst>
+              <a:ext uri="{FF2B5EF4-FFF2-40B4-BE49-F238E27FC236}">
+                <a16:creationId xmlns:a16="http://schemas.microsoft.com/office/drawing/2014/main" id="{971A7E35-F3A7-7E5B-ED8A-FA3BA661E53E}"/>
+              </a:ext>
+            </a:extLst>
+          </p:cNvPr>
+          <p:cNvSpPr>
+            <a:spLocks noGrp="1"/>
+          </p:cNvSpPr>
+          <p:nvPr>
+            <p:ph type="title"/>
+          </p:nvPr>
+        </p:nvSpPr>
+        <p:spPr>
+          <a:xfrm>
+            <a:off x="238225" y="224589"/>
+            <a:ext cx="9875520" cy="1356360"/>
+          </a:xfrm>
+        </p:spPr>
+        <p:txBody>
+          <a:bodyPr/>
+          <a:lstStyle/>
+          <a:p>
+            <a:r>
+              <a:rPr lang="de-CH" dirty="0"/>
+              <a:t>Burburst - by Provenance</a:t>
+            </a:r>
+            <a:endParaRPr lang="en-GB" dirty="0"/>
+          </a:p>
+        </p:txBody>
+      </p:sp>
+      <p:pic>
+        <p:nvPicPr>
+          <p:cNvPr id="5" name="Content Placeholder 4" descr="A graph of a graph&#10;&#10;AI-generated content may be incorrect.">
+            <a:extLst>
+              <a:ext uri="{FF2B5EF4-FFF2-40B4-BE49-F238E27FC236}">
+                <a16:creationId xmlns:a16="http://schemas.microsoft.com/office/drawing/2014/main" id="{2D2CC6DF-5B3C-EB76-C731-64BD8A77302C}"/>
+              </a:ext>
+            </a:extLst>
+          </p:cNvPr>
+          <p:cNvPicPr>
+            <a:picLocks noGrp="1" noChangeAspect="1"/>
+          </p:cNvPicPr>
+          <p:nvPr>
+            <p:ph idx="1"/>
+          </p:nvPr>
+        </p:nvPicPr>
+        <p:blipFill>
+          <a:blip r:embed="rId2">
+            <a:extLst>
+              <a:ext uri="{28A0092B-C50C-407E-A947-70E740481C1C}">
+                <a14:useLocalDpi xmlns:a14="http://schemas.microsoft.com/office/drawing/2010/main" val="0"/>
+              </a:ext>
+            </a:extLst>
+          </a:blip>
+          <a:stretch>
+            <a:fillRect/>
+          </a:stretch>
+        </p:blipFill>
+        <p:spPr>
+          <a:xfrm>
+            <a:off x="861762" y="1259840"/>
+            <a:ext cx="10468476" cy="5293360"/>
+          </a:xfrm>
+        </p:spPr>
+      </p:pic>
+    </p:spTree>
+    <p:extLst>
+      <p:ext uri="{BB962C8B-B14F-4D97-AF65-F5344CB8AC3E}">
+        <p14:creationId xmlns:p14="http://schemas.microsoft.com/office/powerpoint/2010/main" val="2763315938"/>
+      </p:ext>
+    </p:extLst>
+  </p:cSld>
+  <p:clrMapOvr>
+    <a:masterClrMapping/>
+  </p:clrMapOvr>
+</p:sld>
+</file>
+
+<file path=ppt/slides/slide21.xml><?xml version="1.0" encoding="utf-8"?>
+<p:sld xmlns:a="http://schemas.openxmlformats.org/drawingml/2006/main" xmlns:r="http://schemas.openxmlformats.org/officeDocument/2006/relationships" xmlns:p="http://schemas.openxmlformats.org/presentationml/2006/main">
+  <p:cSld>
+    <p:spTree>
+      <p:nvGrpSpPr>
+        <p:cNvPr id="1" name=""/>
+        <p:cNvGrpSpPr/>
+        <p:nvPr/>
+      </p:nvGrpSpPr>
+      <p:grpSpPr>
+        <a:xfrm>
+          <a:off x="0" y="0"/>
+          <a:ext cx="0" cy="0"/>
+          <a:chOff x="0" y="0"/>
+          <a:chExt cx="0" cy="0"/>
+        </a:xfrm>
+      </p:grpSpPr>
+      <p:sp>
+        <p:nvSpPr>
+          <p:cNvPr id="2" name="Title 1">
+            <a:extLst>
+              <a:ext uri="{FF2B5EF4-FFF2-40B4-BE49-F238E27FC236}">
+                <a16:creationId xmlns:a16="http://schemas.microsoft.com/office/drawing/2014/main" id="{54C10286-6041-399A-065F-9CA72ED989EA}"/>
+              </a:ext>
+            </a:extLst>
+          </p:cNvPr>
+          <p:cNvSpPr>
+            <a:spLocks noGrp="1"/>
+          </p:cNvSpPr>
+          <p:nvPr>
+            <p:ph type="title"/>
+          </p:nvPr>
+        </p:nvSpPr>
+        <p:spPr>
+          <a:xfrm>
+            <a:off x="187960" y="223520"/>
+            <a:ext cx="9875520" cy="1356360"/>
+          </a:xfrm>
+        </p:spPr>
+        <p:txBody>
+          <a:bodyPr/>
+          <a:lstStyle/>
+          <a:p>
+            <a:r>
+              <a:rPr lang="de-CH" dirty="0"/>
+              <a:t>Budburst – by Type</a:t>
+            </a:r>
+            <a:endParaRPr lang="en-GB" dirty="0"/>
+          </a:p>
+        </p:txBody>
+      </p:sp>
+      <p:pic>
+        <p:nvPicPr>
+          <p:cNvPr id="9" name="Content Placeholder 8" descr="A graph of a diagram&#10;&#10;AI-generated content may be incorrect.">
+            <a:extLst>
+              <a:ext uri="{FF2B5EF4-FFF2-40B4-BE49-F238E27FC236}">
+                <a16:creationId xmlns:a16="http://schemas.microsoft.com/office/drawing/2014/main" id="{463E4468-FDCA-104C-62BA-3B778918FA92}"/>
+              </a:ext>
+            </a:extLst>
+          </p:cNvPr>
+          <p:cNvPicPr>
+            <a:picLocks noGrp="1" noChangeAspect="1"/>
+          </p:cNvPicPr>
+          <p:nvPr>
+            <p:ph idx="1"/>
+          </p:nvPr>
+        </p:nvPicPr>
+        <p:blipFill>
+          <a:blip r:embed="rId2">
+            <a:extLst>
+              <a:ext uri="{28A0092B-C50C-407E-A947-70E740481C1C}">
+                <a14:useLocalDpi xmlns:a14="http://schemas.microsoft.com/office/drawing/2010/main" val="0"/>
+              </a:ext>
+            </a:extLst>
+          </a:blip>
+          <a:stretch>
+            <a:fillRect/>
+          </a:stretch>
+        </p:blipFill>
+        <p:spPr>
+          <a:xfrm>
+            <a:off x="576234" y="1198881"/>
+            <a:ext cx="10659360" cy="5389880"/>
+          </a:xfrm>
+        </p:spPr>
+      </p:pic>
+    </p:spTree>
+    <p:extLst>
+      <p:ext uri="{BB962C8B-B14F-4D97-AF65-F5344CB8AC3E}">
+        <p14:creationId xmlns:p14="http://schemas.microsoft.com/office/powerpoint/2010/main" val="1459603130"/>
+      </p:ext>
+    </p:extLst>
+  </p:cSld>
+  <p:clrMapOvr>
+    <a:masterClrMapping/>
+  </p:clrMapOvr>
+</p:sld>
+</file>
+
+<file path=ppt/slides/slide22.xml><?xml version="1.0" encoding="utf-8"?>
+<p:sld xmlns:a="http://schemas.openxmlformats.org/drawingml/2006/main" xmlns:r="http://schemas.openxmlformats.org/officeDocument/2006/relationships" xmlns:p="http://schemas.openxmlformats.org/presentationml/2006/main">
+  <p:cSld>
+    <p:spTree>
+      <p:nvGrpSpPr>
+        <p:cNvPr id="1" name=""/>
+        <p:cNvGrpSpPr/>
+        <p:nvPr/>
+      </p:nvGrpSpPr>
+      <p:grpSpPr>
+        <a:xfrm>
+          <a:off x="0" y="0"/>
+          <a:ext cx="0" cy="0"/>
+          <a:chOff x="0" y="0"/>
+          <a:chExt cx="0" cy="0"/>
+        </a:xfrm>
+      </p:grpSpPr>
+      <p:sp>
+        <p:nvSpPr>
+          <p:cNvPr id="2" name="Title 1">
+            <a:extLst>
+              <a:ext uri="{FF2B5EF4-FFF2-40B4-BE49-F238E27FC236}">
+                <a16:creationId xmlns:a16="http://schemas.microsoft.com/office/drawing/2014/main" id="{87423E70-6AE2-13AB-B9D6-DFD4DC3807B8}"/>
+              </a:ext>
+            </a:extLst>
+          </p:cNvPr>
+          <p:cNvSpPr>
+            <a:spLocks noGrp="1"/>
+          </p:cNvSpPr>
+          <p:nvPr>
+            <p:ph type="title"/>
+          </p:nvPr>
+        </p:nvSpPr>
+        <p:spPr>
+          <a:xfrm>
+            <a:off x="177800" y="196168"/>
+            <a:ext cx="9875520" cy="1356360"/>
+          </a:xfrm>
+        </p:spPr>
+        <p:txBody>
+          <a:bodyPr/>
+          <a:lstStyle/>
+          <a:p>
+            <a:r>
+              <a:rPr lang="de-CH" dirty="0"/>
+              <a:t>Budburst by Type</a:t>
+            </a:r>
+            <a:endParaRPr lang="en-GB" dirty="0"/>
+          </a:p>
+        </p:txBody>
+      </p:sp>
+      <p:pic>
+        <p:nvPicPr>
+          <p:cNvPr id="8" name="Content Placeholder 7" descr="A graph of a graph&#10;&#10;AI-generated content may be incorrect.">
+            <a:extLst>
+              <a:ext uri="{FF2B5EF4-FFF2-40B4-BE49-F238E27FC236}">
+                <a16:creationId xmlns:a16="http://schemas.microsoft.com/office/drawing/2014/main" id="{4EC47E45-9E07-5478-4A1D-D66819A23913}"/>
+              </a:ext>
+            </a:extLst>
+          </p:cNvPr>
+          <p:cNvPicPr>
+            <a:picLocks noGrp="1" noChangeAspect="1"/>
+          </p:cNvPicPr>
+          <p:nvPr>
+            <p:ph idx="1"/>
+          </p:nvPr>
+        </p:nvPicPr>
+        <p:blipFill>
+          <a:blip r:embed="rId2">
+            <a:extLst>
+              <a:ext uri="{28A0092B-C50C-407E-A947-70E740481C1C}">
+                <a14:useLocalDpi xmlns:a14="http://schemas.microsoft.com/office/drawing/2010/main" val="0"/>
+              </a:ext>
+            </a:extLst>
+          </a:blip>
+          <a:stretch>
+            <a:fillRect/>
+          </a:stretch>
+        </p:blipFill>
+        <p:spPr>
+          <a:xfrm>
+            <a:off x="608204" y="1209040"/>
+            <a:ext cx="10602941" cy="5361352"/>
+          </a:xfrm>
+        </p:spPr>
+      </p:pic>
+    </p:spTree>
+    <p:extLst>
+      <p:ext uri="{BB962C8B-B14F-4D97-AF65-F5344CB8AC3E}">
+        <p14:creationId xmlns:p14="http://schemas.microsoft.com/office/powerpoint/2010/main" val="1505597422"/>
+      </p:ext>
+    </p:extLst>
+  </p:cSld>
+  <p:clrMapOvr>
+    <a:masterClrMapping/>
+  </p:clrMapOvr>
+</p:sld>
+</file>
+
+<file path=ppt/slides/slide23.xml><?xml version="1.0" encoding="utf-8"?>
+<p:sld xmlns:a="http://schemas.openxmlformats.org/drawingml/2006/main" xmlns:r="http://schemas.openxmlformats.org/officeDocument/2006/relationships" xmlns:p="http://schemas.openxmlformats.org/presentationml/2006/main">
+  <p:cSld>
+    <p:spTree>
+      <p:nvGrpSpPr>
+        <p:cNvPr id="1" name=""/>
+        <p:cNvGrpSpPr/>
+        <p:nvPr/>
+      </p:nvGrpSpPr>
+      <p:grpSpPr>
+        <a:xfrm>
+          <a:off x="0" y="0"/>
+          <a:ext cx="0" cy="0"/>
+          <a:chOff x="0" y="0"/>
+          <a:chExt cx="0" cy="0"/>
+        </a:xfrm>
+      </p:grpSpPr>
+      <p:sp>
+        <p:nvSpPr>
+          <p:cNvPr id="2" name="Title 1">
+            <a:extLst>
+              <a:ext uri="{FF2B5EF4-FFF2-40B4-BE49-F238E27FC236}">
+                <a16:creationId xmlns:a16="http://schemas.microsoft.com/office/drawing/2014/main" id="{7B8526B4-C28B-9F40-11FC-0C82F8F92148}"/>
+              </a:ext>
+            </a:extLst>
+          </p:cNvPr>
+          <p:cNvSpPr>
+            <a:spLocks noGrp="1"/>
+          </p:cNvSpPr>
+          <p:nvPr>
+            <p:ph type="title"/>
+          </p:nvPr>
+        </p:nvSpPr>
+        <p:spPr/>
+        <p:txBody>
+          <a:bodyPr/>
+          <a:lstStyle/>
+          <a:p>
+            <a:r>
+              <a:rPr lang="en-GB" dirty="0"/>
+              <a:t>Missing  trait comparisons</a:t>
+            </a:r>
+          </a:p>
+        </p:txBody>
+      </p:sp>
+      <p:sp>
+        <p:nvSpPr>
+          <p:cNvPr id="3" name="Content Placeholder 2">
+            <a:extLst>
+              <a:ext uri="{FF2B5EF4-FFF2-40B4-BE49-F238E27FC236}">
+                <a16:creationId xmlns:a16="http://schemas.microsoft.com/office/drawing/2014/main" id="{F604B187-7D1D-6C91-8666-FC9DB4E0FC90}"/>
+              </a:ext>
+            </a:extLst>
+          </p:cNvPr>
+          <p:cNvSpPr>
+            <a:spLocks noGrp="1"/>
+          </p:cNvSpPr>
+          <p:nvPr>
+            <p:ph idx="1"/>
+          </p:nvPr>
+        </p:nvSpPr>
+        <p:spPr/>
+        <p:txBody>
+          <a:bodyPr/>
+          <a:lstStyle/>
+          <a:p>
+            <a:r>
+              <a:rPr lang="en-GB" dirty="0"/>
+              <a:t>Mortality based on Provenance AND Type</a:t>
+            </a:r>
+          </a:p>
+          <a:p>
+            <a:endParaRPr lang="en-GB" dirty="0"/>
+          </a:p>
+          <a:p>
+            <a:endParaRPr lang="en-GB" dirty="0"/>
+          </a:p>
+        </p:txBody>
+      </p:sp>
+      <p:pic>
+        <p:nvPicPr>
+          <p:cNvPr id="5" name="Picture 4">
+            <a:extLst>
+              <a:ext uri="{FF2B5EF4-FFF2-40B4-BE49-F238E27FC236}">
+                <a16:creationId xmlns:a16="http://schemas.microsoft.com/office/drawing/2014/main" id="{A3C27B33-D24F-727E-2389-C5F17212B789}"/>
+              </a:ext>
+            </a:extLst>
+          </p:cNvPr>
+          <p:cNvPicPr>
+            <a:picLocks noChangeAspect="1"/>
+          </p:cNvPicPr>
+          <p:nvPr/>
+        </p:nvPicPr>
+        <p:blipFill>
+          <a:blip r:embed="rId2"/>
+          <a:stretch>
+            <a:fillRect/>
+          </a:stretch>
+        </p:blipFill>
+        <p:spPr>
+          <a:xfrm>
+            <a:off x="7653229" y="1745491"/>
+            <a:ext cx="3473629" cy="4248368"/>
+          </a:xfrm>
+          <a:prstGeom prst="rect">
+            <a:avLst/>
+          </a:prstGeom>
+        </p:spPr>
+      </p:pic>
+    </p:spTree>
+    <p:extLst>
+      <p:ext uri="{BB962C8B-B14F-4D97-AF65-F5344CB8AC3E}">
+        <p14:creationId xmlns:p14="http://schemas.microsoft.com/office/powerpoint/2010/main" val="2235722807"/>
+      </p:ext>
+    </p:extLst>
+  </p:cSld>
+  <p:clrMapOvr>
+    <a:masterClrMapping/>
+  </p:clrMapOvr>
+</p:sld>
+</file>
+
+<file path=ppt/slides/slide24.xml><?xml version="1.0" encoding="utf-8"?>
+<p:sld xmlns:a="http://schemas.openxmlformats.org/drawingml/2006/main" xmlns:r="http://schemas.openxmlformats.org/officeDocument/2006/relationships" xmlns:p="http://schemas.openxmlformats.org/presentationml/2006/main">
+  <p:cSld>
+    <p:spTree>
+      <p:nvGrpSpPr>
+        <p:cNvPr id="1" name=""/>
+        <p:cNvGrpSpPr/>
+        <p:nvPr/>
+      </p:nvGrpSpPr>
+      <p:grpSpPr>
+        <a:xfrm>
+          <a:off x="0" y="0"/>
+          <a:ext cx="0" cy="0"/>
+          <a:chOff x="0" y="0"/>
+          <a:chExt cx="0" cy="0"/>
+        </a:xfrm>
+      </p:grpSpPr>
+      <p:sp>
+        <p:nvSpPr>
+          <p:cNvPr id="2" name="Title 1">
+            <a:extLst>
+              <a:ext uri="{FF2B5EF4-FFF2-40B4-BE49-F238E27FC236}">
+                <a16:creationId xmlns:a16="http://schemas.microsoft.com/office/drawing/2014/main" id="{F4E77790-0A48-B0C3-E2DE-563D31F33DAB}"/>
+              </a:ext>
+            </a:extLst>
+          </p:cNvPr>
+          <p:cNvSpPr>
+            <a:spLocks noGrp="1"/>
+          </p:cNvSpPr>
+          <p:nvPr>
+            <p:ph type="title"/>
+          </p:nvPr>
+        </p:nvSpPr>
+        <p:spPr/>
+        <p:txBody>
+          <a:bodyPr/>
+          <a:lstStyle/>
+          <a:p>
+            <a:r>
+              <a:rPr lang="en-GB" dirty="0"/>
+              <a:t>Missing trait data</a:t>
+            </a:r>
+          </a:p>
+        </p:txBody>
+      </p:sp>
+      <p:sp>
+        <p:nvSpPr>
+          <p:cNvPr id="3" name="Content Placeholder 2">
+            <a:extLst>
+              <a:ext uri="{FF2B5EF4-FFF2-40B4-BE49-F238E27FC236}">
+                <a16:creationId xmlns:a16="http://schemas.microsoft.com/office/drawing/2014/main" id="{B4892CD5-BA4F-A107-6E44-94C41B70BB93}"/>
+              </a:ext>
+            </a:extLst>
+          </p:cNvPr>
+          <p:cNvSpPr>
+            <a:spLocks noGrp="1"/>
+          </p:cNvSpPr>
+          <p:nvPr>
+            <p:ph idx="1"/>
+          </p:nvPr>
+        </p:nvSpPr>
+        <p:spPr/>
+        <p:txBody>
+          <a:bodyPr/>
+          <a:lstStyle/>
+          <a:p>
+            <a:r>
+              <a:rPr lang="en-GB" dirty="0"/>
+              <a:t>Dothistroma tolerance</a:t>
+            </a:r>
+          </a:p>
+          <a:p>
+            <a:r>
+              <a:rPr lang="en-GB" dirty="0" err="1"/>
+              <a:t>Root:shoot</a:t>
+            </a:r>
+            <a:r>
+              <a:rPr lang="en-GB" dirty="0"/>
+              <a:t> ratio</a:t>
+            </a:r>
+          </a:p>
+        </p:txBody>
+      </p:sp>
+    </p:spTree>
+    <p:extLst>
+      <p:ext uri="{BB962C8B-B14F-4D97-AF65-F5344CB8AC3E}">
+        <p14:creationId xmlns:p14="http://schemas.microsoft.com/office/powerpoint/2010/main" val="200535796"/>
       </p:ext>
     </p:extLst>
   </p:cSld>
@@ -5278,12 +8718,46 @@
           <a:chExt cx="0" cy="0"/>
         </a:xfrm>
       </p:grpSpPr>
+      <p:sp>
+        <p:nvSpPr>
+          <p:cNvPr id="2" name="Title 1">
+            <a:extLst>
+              <a:ext uri="{FF2B5EF4-FFF2-40B4-BE49-F238E27FC236}">
+                <a16:creationId xmlns:a16="http://schemas.microsoft.com/office/drawing/2014/main" id="{168C75FB-2C6E-BD4A-0495-ABAEC6CE37D7}"/>
+              </a:ext>
+            </a:extLst>
+          </p:cNvPr>
+          <p:cNvSpPr>
+            <a:spLocks noGrp="1"/>
+          </p:cNvSpPr>
+          <p:nvPr>
+            <p:ph type="title"/>
+          </p:nvPr>
+        </p:nvSpPr>
+        <p:spPr>
+          <a:xfrm>
+            <a:off x="248920" y="233680"/>
+            <a:ext cx="9875520" cy="1356360"/>
+          </a:xfrm>
+        </p:spPr>
+        <p:txBody>
+          <a:bodyPr/>
+          <a:lstStyle/>
+          <a:p>
+            <a:r>
+              <a:rPr lang="de-CH" dirty="0"/>
+              <a:t>Provenance distribution</a:t>
+            </a:r>
+            <a:endParaRPr lang="en-GB" dirty="0"/>
+          </a:p>
+        </p:txBody>
+      </p:sp>
       <p:pic>
         <p:nvPicPr>
-          <p:cNvPr id="6" name="Content Placeholder 5" descr="A graph of different colored bars&#10;&#10;AI-generated content may be incorrect.">
+          <p:cNvPr id="5" name="Content Placeholder 4" descr="A graph with different colored rectangles&#10;&#10;AI-generated content may be incorrect.">
             <a:extLst>
               <a:ext uri="{FF2B5EF4-FFF2-40B4-BE49-F238E27FC236}">
-                <a16:creationId xmlns:a16="http://schemas.microsoft.com/office/drawing/2014/main" id="{AD890090-EF65-13CD-3F06-580B5D3AF2EB}"/>
+                <a16:creationId xmlns:a16="http://schemas.microsoft.com/office/drawing/2014/main" id="{6226C969-854B-D7FD-DFE0-FB7D108928AD}"/>
               </a:ext>
             </a:extLst>
           </p:cNvPr>
@@ -5302,54 +8776,21 @@
               </a:ext>
             </a:extLst>
           </a:blip>
-          <a:srcRect t="5660"/>
-          <a:stretch/>
+          <a:stretch>
+            <a:fillRect/>
+          </a:stretch>
         </p:blipFill>
         <p:spPr>
           <a:xfrm>
-            <a:off x="1452880" y="1349888"/>
-            <a:ext cx="9286240" cy="5264272"/>
+            <a:off x="1620520" y="1144927"/>
+            <a:ext cx="9118600" cy="5479393"/>
           </a:xfrm>
         </p:spPr>
       </p:pic>
-      <p:sp>
-        <p:nvSpPr>
-          <p:cNvPr id="4" name="Title 1">
-            <a:extLst>
-              <a:ext uri="{FF2B5EF4-FFF2-40B4-BE49-F238E27FC236}">
-                <a16:creationId xmlns:a16="http://schemas.microsoft.com/office/drawing/2014/main" id="{C2C95541-CA90-A88F-7649-31BAE83914A4}"/>
-              </a:ext>
-            </a:extLst>
-          </p:cNvPr>
-          <p:cNvSpPr>
-            <a:spLocks noGrp="1"/>
-          </p:cNvSpPr>
-          <p:nvPr>
-            <p:ph type="title"/>
-          </p:nvPr>
-        </p:nvSpPr>
-        <p:spPr>
-          <a:xfrm>
-            <a:off x="228600" y="243840"/>
-            <a:ext cx="9875838" cy="1355725"/>
-          </a:xfrm>
-        </p:spPr>
-        <p:txBody>
-          <a:bodyPr/>
-          <a:lstStyle/>
-          <a:p>
-            <a:r>
-              <a:rPr lang="de-CH" dirty="0"/>
-              <a:t>Status – by Provenance</a:t>
-            </a:r>
-            <a:endParaRPr lang="en-GB" dirty="0"/>
-          </a:p>
-        </p:txBody>
-      </p:sp>
     </p:spTree>
     <p:extLst>
       <p:ext uri="{BB962C8B-B14F-4D97-AF65-F5344CB8AC3E}">
-        <p14:creationId xmlns:p14="http://schemas.microsoft.com/office/powerpoint/2010/main" val="1264928361"/>
+        <p14:creationId xmlns:p14="http://schemas.microsoft.com/office/powerpoint/2010/main" val="985959284"/>
       </p:ext>
     </p:extLst>
   </p:cSld>
@@ -5378,10 +8819,10 @@
       </p:grpSpPr>
       <p:sp>
         <p:nvSpPr>
-          <p:cNvPr id="2" name="Title 1">
+          <p:cNvPr id="4" name="Title 1">
             <a:extLst>
               <a:ext uri="{FF2B5EF4-FFF2-40B4-BE49-F238E27FC236}">
-                <a16:creationId xmlns:a16="http://schemas.microsoft.com/office/drawing/2014/main" id="{3924B841-9362-0383-46CC-CFFBEFEFB90A}"/>
+                <a16:creationId xmlns:a16="http://schemas.microsoft.com/office/drawing/2014/main" id="{C2C95541-CA90-A88F-7649-31BAE83914A4}"/>
               </a:ext>
             </a:extLst>
           </p:cNvPr>
@@ -5394,8 +8835,8 @@
         </p:nvSpPr>
         <p:spPr>
           <a:xfrm>
-            <a:off x="238760" y="233680"/>
-            <a:ext cx="9875520" cy="1356360"/>
+            <a:off x="228600" y="243840"/>
+            <a:ext cx="9875838" cy="1355725"/>
           </a:xfrm>
         </p:spPr>
         <p:txBody>
@@ -5404,7 +8845,7 @@
           <a:p>
             <a:r>
               <a:rPr lang="de-CH" dirty="0"/>
-              <a:t>Status – by Type</a:t>
+              <a:t>Status – by Provenance</a:t>
             </a:r>
             <a:endParaRPr lang="en-GB" dirty="0"/>
           </a:p>
@@ -5412,10 +8853,10 @@
       </p:sp>
       <p:pic>
         <p:nvPicPr>
-          <p:cNvPr id="5" name="Content Placeholder 4" descr="A graph with different colored bars&#10;&#10;AI-generated content may be incorrect.">
+          <p:cNvPr id="7" name="Content Placeholder 6">
             <a:extLst>
               <a:ext uri="{FF2B5EF4-FFF2-40B4-BE49-F238E27FC236}">
-                <a16:creationId xmlns:a16="http://schemas.microsoft.com/office/drawing/2014/main" id="{A1CE5F60-A8AD-E47F-B1ED-5F1950277951}"/>
+                <a16:creationId xmlns:a16="http://schemas.microsoft.com/office/drawing/2014/main" id="{DCFA758F-D810-5393-BA80-278AA366BAC3}"/>
               </a:ext>
             </a:extLst>
           </p:cNvPr>
@@ -5434,20 +8875,21 @@
               </a:ext>
             </a:extLst>
           </a:blip>
-          <a:srcRect t="5930"/>
-          <a:stretch/>
+          <a:stretch>
+            <a:fillRect/>
+          </a:stretch>
         </p:blipFill>
         <p:spPr>
           <a:xfrm>
-            <a:off x="1413847" y="1229360"/>
-            <a:ext cx="9364306" cy="5293360"/>
+            <a:off x="1663822" y="1239520"/>
+            <a:ext cx="8864356" cy="5374640"/>
           </a:xfrm>
         </p:spPr>
       </p:pic>
     </p:spTree>
     <p:extLst>
       <p:ext uri="{BB962C8B-B14F-4D97-AF65-F5344CB8AC3E}">
-        <p14:creationId xmlns:p14="http://schemas.microsoft.com/office/powerpoint/2010/main" val="71374995"/>
+        <p14:creationId xmlns:p14="http://schemas.microsoft.com/office/powerpoint/2010/main" val="1264928361"/>
       </p:ext>
     </p:extLst>
   </p:cSld>
@@ -5476,10 +8918,10 @@
       </p:grpSpPr>
       <p:sp>
         <p:nvSpPr>
-          <p:cNvPr id="4" name="Title 1">
+          <p:cNvPr id="2" name="Title 1">
             <a:extLst>
               <a:ext uri="{FF2B5EF4-FFF2-40B4-BE49-F238E27FC236}">
-                <a16:creationId xmlns:a16="http://schemas.microsoft.com/office/drawing/2014/main" id="{F351BBFA-4D62-6F56-D9B2-084422C226AB}"/>
+                <a16:creationId xmlns:a16="http://schemas.microsoft.com/office/drawing/2014/main" id="{26A2107B-1EA8-BA64-B10E-8A0B8E21FB4C}"/>
               </a:ext>
             </a:extLst>
           </p:cNvPr>
@@ -5492,8 +8934,8 @@
         </p:nvSpPr>
         <p:spPr>
           <a:xfrm>
-            <a:off x="248920" y="213360"/>
-            <a:ext cx="9875838" cy="1355725"/>
+            <a:off x="228600" y="243840"/>
+            <a:ext cx="9875520" cy="1356360"/>
           </a:xfrm>
         </p:spPr>
         <p:txBody>
@@ -5502,7 +8944,7 @@
           <a:p>
             <a:r>
               <a:rPr lang="de-CH" dirty="0"/>
-              <a:t>Status – by Block</a:t>
+              <a:t>Type distribution</a:t>
             </a:r>
             <a:endParaRPr lang="en-GB" dirty="0"/>
           </a:p>
@@ -5510,10 +8952,10 @@
       </p:sp>
       <p:pic>
         <p:nvPicPr>
-          <p:cNvPr id="10" name="Content Placeholder 9" descr="A graph of blue and red bars&#10;&#10;AI-generated content may be incorrect.">
+          <p:cNvPr id="18" name="Content Placeholder 17" descr="A graph with different colored squares&#10;&#10;AI-generated content may be incorrect.">
             <a:extLst>
               <a:ext uri="{FF2B5EF4-FFF2-40B4-BE49-F238E27FC236}">
-                <a16:creationId xmlns:a16="http://schemas.microsoft.com/office/drawing/2014/main" id="{EA175353-6AD5-76CA-2329-CCA6E2F2F8DA}"/>
+                <a16:creationId xmlns:a16="http://schemas.microsoft.com/office/drawing/2014/main" id="{46EE900A-3FC4-6135-E0EC-34BB7B492793}"/>
               </a:ext>
             </a:extLst>
           </p:cNvPr>
@@ -5538,15 +8980,15 @@
         </p:blipFill>
         <p:spPr>
           <a:xfrm>
-            <a:off x="1547778" y="1148080"/>
-            <a:ext cx="9096444" cy="5466080"/>
+            <a:off x="1635760" y="1406545"/>
+            <a:ext cx="8666316" cy="5207615"/>
           </a:xfrm>
         </p:spPr>
       </p:pic>
     </p:spTree>
     <p:extLst>
       <p:ext uri="{BB962C8B-B14F-4D97-AF65-F5344CB8AC3E}">
-        <p14:creationId xmlns:p14="http://schemas.microsoft.com/office/powerpoint/2010/main" val="2413059109"/>
+        <p14:creationId xmlns:p14="http://schemas.microsoft.com/office/powerpoint/2010/main" val="1284769585"/>
       </p:ext>
     </p:extLst>
   </p:cSld>
@@ -5578,7 +9020,7 @@
           <p:cNvPr id="2" name="Title 1">
             <a:extLst>
               <a:ext uri="{FF2B5EF4-FFF2-40B4-BE49-F238E27FC236}">
-                <a16:creationId xmlns:a16="http://schemas.microsoft.com/office/drawing/2014/main" id="{DBBAC9F3-8100-D77A-023E-C972C89795AC}"/>
+                <a16:creationId xmlns:a16="http://schemas.microsoft.com/office/drawing/2014/main" id="{3924B841-9362-0383-46CC-CFFBEFEFB90A}"/>
               </a:ext>
             </a:extLst>
           </p:cNvPr>
@@ -5591,7 +9033,7 @@
         </p:nvSpPr>
         <p:spPr>
           <a:xfrm>
-            <a:off x="228600" y="223520"/>
+            <a:off x="238760" y="233680"/>
             <a:ext cx="9875520" cy="1356360"/>
           </a:xfrm>
         </p:spPr>
@@ -5601,7 +9043,7 @@
           <a:p>
             <a:r>
               <a:rPr lang="de-CH" dirty="0"/>
-              <a:t>Status – by Family</a:t>
+              <a:t>Status – by Type</a:t>
             </a:r>
             <a:endParaRPr lang="en-GB" dirty="0"/>
           </a:p>
@@ -5609,10 +9051,10 @@
       </p:sp>
       <p:pic>
         <p:nvPicPr>
-          <p:cNvPr id="9" name="Content Placeholder 8" descr="A graph of a family&#10;&#10;AI-generated content may be incorrect.">
+          <p:cNvPr id="8" name="Content Placeholder 7" descr="A graph of different colored rectangular shapes&#10;&#10;AI-generated content may be incorrect.">
             <a:extLst>
               <a:ext uri="{FF2B5EF4-FFF2-40B4-BE49-F238E27FC236}">
-                <a16:creationId xmlns:a16="http://schemas.microsoft.com/office/drawing/2014/main" id="{11EA4D3C-9827-BB96-BA2A-29A5ABBE1BA1}"/>
+                <a16:creationId xmlns:a16="http://schemas.microsoft.com/office/drawing/2014/main" id="{A4EBBA57-7401-0BD7-B240-3C16D4D8B1E9}"/>
               </a:ext>
             </a:extLst>
           </p:cNvPr>
@@ -5631,20 +9073,21 @@
               </a:ext>
             </a:extLst>
           </a:blip>
-          <a:srcRect t="5409"/>
-          <a:stretch/>
+          <a:stretch>
+            <a:fillRect/>
+          </a:stretch>
         </p:blipFill>
         <p:spPr>
           <a:xfrm>
-            <a:off x="1250101" y="1219200"/>
-            <a:ext cx="9509339" cy="5405120"/>
+            <a:off x="1625600" y="1203330"/>
+            <a:ext cx="8940800" cy="5420990"/>
           </a:xfrm>
         </p:spPr>
       </p:pic>
     </p:spTree>
     <p:extLst>
       <p:ext uri="{BB962C8B-B14F-4D97-AF65-F5344CB8AC3E}">
-        <p14:creationId xmlns:p14="http://schemas.microsoft.com/office/powerpoint/2010/main" val="4087577250"/>
+        <p14:creationId xmlns:p14="http://schemas.microsoft.com/office/powerpoint/2010/main" val="71374995"/>
       </p:ext>
     </p:extLst>
   </p:cSld>
@@ -5676,7 +9119,7 @@
           <p:cNvPr id="2" name="Title 1">
             <a:extLst>
               <a:ext uri="{FF2B5EF4-FFF2-40B4-BE49-F238E27FC236}">
-                <a16:creationId xmlns:a16="http://schemas.microsoft.com/office/drawing/2014/main" id="{168C75FB-2C6E-BD4A-0495-ABAEC6CE37D7}"/>
+                <a16:creationId xmlns:a16="http://schemas.microsoft.com/office/drawing/2014/main" id="{149EE15F-4B94-ED05-018D-4CF3EB11561C}"/>
               </a:ext>
             </a:extLst>
           </p:cNvPr>
@@ -5687,63 +9130,48 @@
             <p:ph type="title"/>
           </p:nvPr>
         </p:nvSpPr>
-        <p:spPr>
-          <a:xfrm>
-            <a:off x="248920" y="233680"/>
-            <a:ext cx="9875520" cy="1356360"/>
-          </a:xfrm>
-        </p:spPr>
+        <p:spPr/>
         <p:txBody>
           <a:bodyPr/>
           <a:lstStyle/>
           <a:p>
             <a:r>
               <a:rPr lang="de-CH" dirty="0"/>
-              <a:t>Provenance distribution</a:t>
+              <a:t>Rowens vs benmore / plantation vs regen?</a:t>
             </a:r>
             <a:endParaRPr lang="en-GB" dirty="0"/>
           </a:p>
         </p:txBody>
       </p:sp>
-      <p:pic>
-        <p:nvPicPr>
-          <p:cNvPr id="5" name="Content Placeholder 4" descr="A graph with different colored rectangles&#10;&#10;AI-generated content may be incorrect.">
+      <p:sp>
+        <p:nvSpPr>
+          <p:cNvPr id="3" name="Content Placeholder 2">
             <a:extLst>
               <a:ext uri="{FF2B5EF4-FFF2-40B4-BE49-F238E27FC236}">
-                <a16:creationId xmlns:a16="http://schemas.microsoft.com/office/drawing/2014/main" id="{6226C969-854B-D7FD-DFE0-FB7D108928AD}"/>
+                <a16:creationId xmlns:a16="http://schemas.microsoft.com/office/drawing/2014/main" id="{5EFF545B-FB32-FB99-3DEF-751F64DCBFFE}"/>
               </a:ext>
             </a:extLst>
           </p:cNvPr>
-          <p:cNvPicPr>
-            <a:picLocks noGrp="1" noChangeAspect="1"/>
-          </p:cNvPicPr>
+          <p:cNvSpPr>
+            <a:spLocks noGrp="1"/>
+          </p:cNvSpPr>
           <p:nvPr>
             <p:ph idx="1"/>
           </p:nvPr>
-        </p:nvPicPr>
-        <p:blipFill>
-          <a:blip r:embed="rId2">
-            <a:extLst>
-              <a:ext uri="{28A0092B-C50C-407E-A947-70E740481C1C}">
-                <a14:useLocalDpi xmlns:a14="http://schemas.microsoft.com/office/drawing/2010/main" val="0"/>
-              </a:ext>
-            </a:extLst>
-          </a:blip>
-          <a:stretch>
-            <a:fillRect/>
-          </a:stretch>
-        </p:blipFill>
-        <p:spPr>
-          <a:xfrm>
-            <a:off x="1620520" y="1103704"/>
-            <a:ext cx="8950960" cy="5378658"/>
-          </a:xfrm>
-        </p:spPr>
-      </p:pic>
+        </p:nvSpPr>
+        <p:spPr/>
+        <p:txBody>
+          <a:bodyPr/>
+          <a:lstStyle/>
+          <a:p>
+            <a:endParaRPr lang="en-GB"/>
+          </a:p>
+        </p:txBody>
+      </p:sp>
     </p:spTree>
     <p:extLst>
       <p:ext uri="{BB962C8B-B14F-4D97-AF65-F5344CB8AC3E}">
-        <p14:creationId xmlns:p14="http://schemas.microsoft.com/office/powerpoint/2010/main" val="985959284"/>
+        <p14:creationId xmlns:p14="http://schemas.microsoft.com/office/powerpoint/2010/main" val="1622543642"/>
       </p:ext>
     </p:extLst>
   </p:cSld>
@@ -5772,10 +9200,10 @@
       </p:grpSpPr>
       <p:sp>
         <p:nvSpPr>
-          <p:cNvPr id="2" name="Title 1">
+          <p:cNvPr id="4" name="Title 1">
             <a:extLst>
               <a:ext uri="{FF2B5EF4-FFF2-40B4-BE49-F238E27FC236}">
-                <a16:creationId xmlns:a16="http://schemas.microsoft.com/office/drawing/2014/main" id="{26A2107B-1EA8-BA64-B10E-8A0B8E21FB4C}"/>
+                <a16:creationId xmlns:a16="http://schemas.microsoft.com/office/drawing/2014/main" id="{F351BBFA-4D62-6F56-D9B2-084422C226AB}"/>
               </a:ext>
             </a:extLst>
           </p:cNvPr>
@@ -5788,8 +9216,8 @@
         </p:nvSpPr>
         <p:spPr>
           <a:xfrm>
-            <a:off x="228600" y="243840"/>
-            <a:ext cx="9875520" cy="1356360"/>
+            <a:off x="248920" y="213360"/>
+            <a:ext cx="9875838" cy="1355725"/>
           </a:xfrm>
         </p:spPr>
         <p:txBody>
@@ -5798,7 +9226,7 @@
           <a:p>
             <a:r>
               <a:rPr lang="de-CH" dirty="0"/>
-              <a:t>Type distribution</a:t>
+              <a:t>Status – by Block</a:t>
             </a:r>
             <a:endParaRPr lang="en-GB" dirty="0"/>
           </a:p>
@@ -5806,10 +9234,10 @@
       </p:sp>
       <p:pic>
         <p:nvPicPr>
-          <p:cNvPr id="18" name="Content Placeholder 17" descr="A graph with different colored squares&#10;&#10;AI-generated content may be incorrect.">
+          <p:cNvPr id="10" name="Content Placeholder 9" descr="A graph of blue and red bars&#10;&#10;AI-generated content may be incorrect.">
             <a:extLst>
               <a:ext uri="{FF2B5EF4-FFF2-40B4-BE49-F238E27FC236}">
-                <a16:creationId xmlns:a16="http://schemas.microsoft.com/office/drawing/2014/main" id="{46EE900A-3FC4-6135-E0EC-34BB7B492793}"/>
+                <a16:creationId xmlns:a16="http://schemas.microsoft.com/office/drawing/2014/main" id="{EA175353-6AD5-76CA-2329-CCA6E2F2F8DA}"/>
               </a:ext>
             </a:extLst>
           </p:cNvPr>
@@ -5834,15 +9262,15 @@
         </p:blipFill>
         <p:spPr>
           <a:xfrm>
-            <a:off x="1635760" y="1406545"/>
-            <a:ext cx="8666316" cy="5207615"/>
+            <a:off x="1547778" y="1148080"/>
+            <a:ext cx="9096444" cy="5466080"/>
           </a:xfrm>
         </p:spPr>
       </p:pic>
     </p:spTree>
     <p:extLst>
       <p:ext uri="{BB962C8B-B14F-4D97-AF65-F5344CB8AC3E}">
-        <p14:creationId xmlns:p14="http://schemas.microsoft.com/office/powerpoint/2010/main" val="1284769585"/>
+        <p14:creationId xmlns:p14="http://schemas.microsoft.com/office/powerpoint/2010/main" val="2413059109"/>
       </p:ext>
     </p:extLst>
   </p:cSld>
@@ -5874,7 +9302,7 @@
           <p:cNvPr id="2" name="Title 1">
             <a:extLst>
               <a:ext uri="{FF2B5EF4-FFF2-40B4-BE49-F238E27FC236}">
-                <a16:creationId xmlns:a16="http://schemas.microsoft.com/office/drawing/2014/main" id="{DED8D4A8-9316-1F4F-4391-A51F0AE12446}"/>
+                <a16:creationId xmlns:a16="http://schemas.microsoft.com/office/drawing/2014/main" id="{9DF1BC62-6E05-2214-83CA-8D9E2160A19B}"/>
               </a:ext>
             </a:extLst>
           </p:cNvPr>
@@ -5887,7 +9315,7 @@
         </p:nvSpPr>
         <p:spPr>
           <a:xfrm>
-            <a:off x="238760" y="274320"/>
+            <a:off x="228600" y="233680"/>
             <a:ext cx="9875520" cy="1356360"/>
           </a:xfrm>
         </p:spPr>
@@ -5897,50 +9325,251 @@
           <a:p>
             <a:r>
               <a:rPr lang="de-CH" dirty="0"/>
-              <a:t>DBB – 2024-2025</a:t>
+              <a:t>Family distribution</a:t>
             </a:r>
             <a:endParaRPr lang="en-GB" dirty="0"/>
           </a:p>
         </p:txBody>
       </p:sp>
-      <p:pic>
-        <p:nvPicPr>
-          <p:cNvPr id="6" name="Content Placeholder 5" descr="A graph with numbers and a red line&#10;&#10;AI-generated content may be incorrect.">
+      <p:graphicFrame>
+        <p:nvGraphicFramePr>
+          <p:cNvPr id="9" name="Content Placeholder 8">
             <a:extLst>
               <a:ext uri="{FF2B5EF4-FFF2-40B4-BE49-F238E27FC236}">
-                <a16:creationId xmlns:a16="http://schemas.microsoft.com/office/drawing/2014/main" id="{60E642FF-9B67-83CD-BE65-139ECD5DC288}"/>
+                <a16:creationId xmlns:a16="http://schemas.microsoft.com/office/drawing/2014/main" id="{0AADB95F-2104-542D-E0E1-ABEDEF08E276}"/>
               </a:ext>
             </a:extLst>
           </p:cNvPr>
-          <p:cNvPicPr>
-            <a:picLocks noGrp="1" noChangeAspect="1"/>
-          </p:cNvPicPr>
+          <p:cNvGraphicFramePr>
+            <a:graphicFrameLocks noGrp="1"/>
+          </p:cNvGraphicFramePr>
           <p:nvPr>
             <p:ph idx="1"/>
-          </p:nvPr>
-        </p:nvPicPr>
-        <p:blipFill>
-          <a:blip r:embed="rId2">
-            <a:extLst>
-              <a:ext uri="{28A0092B-C50C-407E-A947-70E740481C1C}">
-                <a14:useLocalDpi xmlns:a14="http://schemas.microsoft.com/office/drawing/2010/main" val="0"/>
-              </a:ext>
-            </a:extLst>
-          </a:blip>
-          <a:srcRect t="5930"/>
-          <a:stretch/>
-        </p:blipFill>
-        <p:spPr>
-          <a:xfrm>
-            <a:off x="1458686" y="1341013"/>
-            <a:ext cx="9274628" cy="5242667"/>
-          </a:xfrm>
-        </p:spPr>
-      </p:pic>
+            <p:extLst>
+              <p:ext uri="{D42A27DB-BD31-4B8C-83A1-F6EECF244321}">
+                <p14:modId xmlns:p14="http://schemas.microsoft.com/office/powerpoint/2010/main" val="807074493"/>
+              </p:ext>
+            </p:extLst>
+          </p:nvPr>
+        </p:nvGraphicFramePr>
+        <p:xfrm>
+          <a:off x="2087880" y="1442720"/>
+          <a:ext cx="7929880" cy="4866641"/>
+        </p:xfrm>
+        <a:graphic>
+          <a:graphicData uri="http://schemas.openxmlformats.org/drawingml/2006/table">
+            <a:tbl>
+              <a:tblPr firstRow="1" bandRow="1">
+                <a:tableStyleId>{5C22544A-7EE6-4342-B048-85BDC9FD1C3A}</a:tableStyleId>
+              </a:tblPr>
+              <a:tblGrid>
+                <a:gridCol w="3635794">
+                  <a:extLst>
+                    <a:ext uri="{9D8B030D-6E8A-4147-A177-3AD203B41FA5}">
+                      <a16:colId xmlns:a16="http://schemas.microsoft.com/office/drawing/2014/main" val="3170092466"/>
+                    </a:ext>
+                  </a:extLst>
+                </a:gridCol>
+                <a:gridCol w="4294086">
+                  <a:extLst>
+                    <a:ext uri="{9D8B030D-6E8A-4147-A177-3AD203B41FA5}">
+                      <a16:colId xmlns:a16="http://schemas.microsoft.com/office/drawing/2014/main" val="373613929"/>
+                    </a:ext>
+                  </a:extLst>
+                </a:gridCol>
+              </a:tblGrid>
+              <a:tr h="1466977">
+                <a:tc>
+                  <a:txBody>
+                    <a:bodyPr/>
+                    <a:lstStyle/>
+                    <a:p>
+                      <a:pPr algn="ctr"/>
+                      <a:r>
+                        <a:rPr lang="de-CH" sz="3500" b="1" dirty="0"/>
+                        <a:t>Number of families</a:t>
+                      </a:r>
+                      <a:endParaRPr lang="en-GB" sz="3500" b="1" dirty="0"/>
+                    </a:p>
+                  </a:txBody>
+                  <a:tcPr anchor="ctr"/>
+                </a:tc>
+                <a:tc>
+                  <a:txBody>
+                    <a:bodyPr/>
+                    <a:lstStyle/>
+                    <a:p>
+                      <a:pPr algn="ctr"/>
+                      <a:r>
+                        <a:rPr lang="de-CH" sz="3500" b="1" dirty="0"/>
+                        <a:t>Number of individuals</a:t>
+                      </a:r>
+                      <a:endParaRPr lang="en-GB" sz="3500" b="1" dirty="0"/>
+                    </a:p>
+                  </a:txBody>
+                  <a:tcPr anchor="ctr"/>
+                </a:tc>
+                <a:extLst>
+                  <a:ext uri="{0D108BD9-81ED-4DB2-BD59-A6C34878D82A}">
+                    <a16:rowId xmlns:a16="http://schemas.microsoft.com/office/drawing/2014/main" val="4129906220"/>
+                  </a:ext>
+                </a:extLst>
+              </a:tr>
+              <a:tr h="849916">
+                <a:tc>
+                  <a:txBody>
+                    <a:bodyPr/>
+                    <a:lstStyle/>
+                    <a:p>
+                      <a:pPr algn="ctr"/>
+                      <a:r>
+                        <a:rPr lang="de-CH" sz="3000" dirty="0"/>
+                        <a:t>46</a:t>
+                      </a:r>
+                      <a:endParaRPr lang="en-GB" sz="3000" dirty="0"/>
+                    </a:p>
+                  </a:txBody>
+                  <a:tcPr anchor="ctr"/>
+                </a:tc>
+                <a:tc>
+                  <a:txBody>
+                    <a:bodyPr/>
+                    <a:lstStyle/>
+                    <a:p>
+                      <a:pPr algn="ctr"/>
+                      <a:r>
+                        <a:rPr lang="de-CH" sz="3000" dirty="0"/>
+                        <a:t>10</a:t>
+                      </a:r>
+                    </a:p>
+                  </a:txBody>
+                  <a:tcPr anchor="ctr"/>
+                </a:tc>
+                <a:extLst>
+                  <a:ext uri="{0D108BD9-81ED-4DB2-BD59-A6C34878D82A}">
+                    <a16:rowId xmlns:a16="http://schemas.microsoft.com/office/drawing/2014/main" val="3721636462"/>
+                  </a:ext>
+                </a:extLst>
+              </a:tr>
+              <a:tr h="849916">
+                <a:tc>
+                  <a:txBody>
+                    <a:bodyPr/>
+                    <a:lstStyle/>
+                    <a:p>
+                      <a:pPr algn="ctr"/>
+                      <a:r>
+                        <a:rPr lang="de-CH" sz="3000" dirty="0"/>
+                        <a:t>6</a:t>
+                      </a:r>
+                      <a:endParaRPr lang="en-GB" sz="3000" dirty="0"/>
+                    </a:p>
+                  </a:txBody>
+                  <a:tcPr anchor="ctr"/>
+                </a:tc>
+                <a:tc>
+                  <a:txBody>
+                    <a:bodyPr/>
+                    <a:lstStyle/>
+                    <a:p>
+                      <a:pPr algn="ctr"/>
+                      <a:r>
+                        <a:rPr lang="de-CH" sz="3000" dirty="0"/>
+                        <a:t>50</a:t>
+                      </a:r>
+                      <a:endParaRPr lang="en-GB" sz="3000" dirty="0"/>
+                    </a:p>
+                  </a:txBody>
+                  <a:tcPr anchor="ctr"/>
+                </a:tc>
+                <a:extLst>
+                  <a:ext uri="{0D108BD9-81ED-4DB2-BD59-A6C34878D82A}">
+                    <a16:rowId xmlns:a16="http://schemas.microsoft.com/office/drawing/2014/main" val="169093567"/>
+                  </a:ext>
+                </a:extLst>
+              </a:tr>
+              <a:tr h="849916">
+                <a:tc>
+                  <a:txBody>
+                    <a:bodyPr/>
+                    <a:lstStyle/>
+                    <a:p>
+                      <a:pPr algn="ctr"/>
+                      <a:r>
+                        <a:rPr lang="de-CH" sz="3000" dirty="0"/>
+                        <a:t>1</a:t>
+                      </a:r>
+                      <a:endParaRPr lang="en-GB" sz="3000" dirty="0"/>
+                    </a:p>
+                  </a:txBody>
+                  <a:tcPr anchor="ctr"/>
+                </a:tc>
+                <a:tc>
+                  <a:txBody>
+                    <a:bodyPr/>
+                    <a:lstStyle/>
+                    <a:p>
+                      <a:pPr algn="ctr"/>
+                      <a:r>
+                        <a:rPr lang="de-CH" sz="3000" dirty="0"/>
+                        <a:t>12</a:t>
+                      </a:r>
+                      <a:endParaRPr lang="en-GB" sz="3000" dirty="0"/>
+                    </a:p>
+                  </a:txBody>
+                  <a:tcPr anchor="ctr"/>
+                </a:tc>
+                <a:extLst>
+                  <a:ext uri="{0D108BD9-81ED-4DB2-BD59-A6C34878D82A}">
+                    <a16:rowId xmlns:a16="http://schemas.microsoft.com/office/drawing/2014/main" val="2023861897"/>
+                  </a:ext>
+                </a:extLst>
+              </a:tr>
+              <a:tr h="849916">
+                <a:tc>
+                  <a:txBody>
+                    <a:bodyPr/>
+                    <a:lstStyle/>
+                    <a:p>
+                      <a:pPr algn="ctr"/>
+                      <a:r>
+                        <a:rPr lang="de-CH" sz="3000" dirty="0"/>
+                        <a:t>1</a:t>
+                      </a:r>
+                      <a:endParaRPr lang="en-GB" sz="3000" dirty="0"/>
+                    </a:p>
+                  </a:txBody>
+                  <a:tcPr anchor="ctr"/>
+                </a:tc>
+                <a:tc>
+                  <a:txBody>
+                    <a:bodyPr/>
+                    <a:lstStyle/>
+                    <a:p>
+                      <a:pPr algn="ctr"/>
+                      <a:r>
+                        <a:rPr lang="de-CH" sz="3000" dirty="0"/>
+                        <a:t>8</a:t>
+                      </a:r>
+                      <a:endParaRPr lang="en-GB" sz="3000" dirty="0"/>
+                    </a:p>
+                  </a:txBody>
+                  <a:tcPr anchor="ctr"/>
+                </a:tc>
+                <a:extLst>
+                  <a:ext uri="{0D108BD9-81ED-4DB2-BD59-A6C34878D82A}">
+                    <a16:rowId xmlns:a16="http://schemas.microsoft.com/office/drawing/2014/main" val="2947029118"/>
+                  </a:ext>
+                </a:extLst>
+              </a:tr>
+            </a:tbl>
+          </a:graphicData>
+        </a:graphic>
+      </p:graphicFrame>
     </p:spTree>
     <p:extLst>
       <p:ext uri="{BB962C8B-B14F-4D97-AF65-F5344CB8AC3E}">
-        <p14:creationId xmlns:p14="http://schemas.microsoft.com/office/powerpoint/2010/main" val="4154756640"/>
+        <p14:creationId xmlns:p14="http://schemas.microsoft.com/office/powerpoint/2010/main" val="4222636709"/>
       </p:ext>
     </p:extLst>
   </p:cSld>
@@ -6185,4 +9814,319 @@
     </a:ext>
   </a:extLst>
 </a:theme>
+</file>
+
+<file path=ppt/theme/theme2.xml><?xml version="1.0" encoding="utf-8"?>
+<a:theme xmlns:a="http://schemas.openxmlformats.org/drawingml/2006/main" name="Office Theme">
+  <a:themeElements>
+    <a:clrScheme name="Office">
+      <a:dk1>
+        <a:sysClr val="windowText" lastClr="000000"/>
+      </a:dk1>
+      <a:lt1>
+        <a:sysClr val="window" lastClr="FFFFFF"/>
+      </a:lt1>
+      <a:dk2>
+        <a:srgbClr val="0E2841"/>
+      </a:dk2>
+      <a:lt2>
+        <a:srgbClr val="E8E8E8"/>
+      </a:lt2>
+      <a:accent1>
+        <a:srgbClr val="156082"/>
+      </a:accent1>
+      <a:accent2>
+        <a:srgbClr val="E97132"/>
+      </a:accent2>
+      <a:accent3>
+        <a:srgbClr val="196B24"/>
+      </a:accent3>
+      <a:accent4>
+        <a:srgbClr val="0F9ED5"/>
+      </a:accent4>
+      <a:accent5>
+        <a:srgbClr val="A02B93"/>
+      </a:accent5>
+      <a:accent6>
+        <a:srgbClr val="4EA72E"/>
+      </a:accent6>
+      <a:hlink>
+        <a:srgbClr val="467886"/>
+      </a:hlink>
+      <a:folHlink>
+        <a:srgbClr val="96607D"/>
+      </a:folHlink>
+    </a:clrScheme>
+    <a:fontScheme name="Office">
+      <a:majorFont>
+        <a:latin typeface="Aptos Display" panose="02110004020202020204"/>
+        <a:ea typeface=""/>
+        <a:cs typeface=""/>
+        <a:font script="Jpan" typeface="游ゴシック Light"/>
+        <a:font script="Hang" typeface="맑은 고딕"/>
+        <a:font script="Hans" typeface="等线 Light"/>
+        <a:font script="Hant" typeface="新細明體"/>
+        <a:font script="Arab" typeface="Times New Roman"/>
+        <a:font script="Hebr" typeface="Times New Roman"/>
+        <a:font script="Thai" typeface="Angsana New"/>
+        <a:font script="Ethi" typeface="Nyala"/>
+        <a:font script="Beng" typeface="Vrinda"/>
+        <a:font script="Gujr" typeface="Shruti"/>
+        <a:font script="Khmr" typeface="MoolBoran"/>
+        <a:font script="Knda" typeface="Tunga"/>
+        <a:font script="Guru" typeface="Raavi"/>
+        <a:font script="Cans" typeface="Euphemia"/>
+        <a:font script="Cher" typeface="Plantagenet Cherokee"/>
+        <a:font script="Yiii" typeface="Microsoft Yi Baiti"/>
+        <a:font script="Tibt" typeface="Microsoft Himalaya"/>
+        <a:font script="Thaa" typeface="MV Boli"/>
+        <a:font script="Deva" typeface="Mangal"/>
+        <a:font script="Telu" typeface="Gautami"/>
+        <a:font script="Taml" typeface="Latha"/>
+        <a:font script="Syrc" typeface="Estrangelo Edessa"/>
+        <a:font script="Orya" typeface="Kalinga"/>
+        <a:font script="Mlym" typeface="Kartika"/>
+        <a:font script="Laoo" typeface="DokChampa"/>
+        <a:font script="Sinh" typeface="Iskoola Pota"/>
+        <a:font script="Mong" typeface="Mongolian Baiti"/>
+        <a:font script="Viet" typeface="Times New Roman"/>
+        <a:font script="Uigh" typeface="Microsoft Uighur"/>
+        <a:font script="Geor" typeface="Sylfaen"/>
+        <a:font script="Armn" typeface="Arial"/>
+        <a:font script="Bugi" typeface="Leelawadee UI"/>
+        <a:font script="Bopo" typeface="Microsoft JhengHei"/>
+        <a:font script="Java" typeface="Javanese Text"/>
+        <a:font script="Lisu" typeface="Segoe UI"/>
+        <a:font script="Mymr" typeface="Myanmar Text"/>
+        <a:font script="Nkoo" typeface="Ebrima"/>
+        <a:font script="Olck" typeface="Nirmala UI"/>
+        <a:font script="Osma" typeface="Ebrima"/>
+        <a:font script="Phag" typeface="Phagspa"/>
+        <a:font script="Syrn" typeface="Estrangelo Edessa"/>
+        <a:font script="Syrj" typeface="Estrangelo Edessa"/>
+        <a:font script="Syre" typeface="Estrangelo Edessa"/>
+        <a:font script="Sora" typeface="Nirmala UI"/>
+        <a:font script="Tale" typeface="Microsoft Tai Le"/>
+        <a:font script="Talu" typeface="Microsoft New Tai Lue"/>
+        <a:font script="Tfng" typeface="Ebrima"/>
+      </a:majorFont>
+      <a:minorFont>
+        <a:latin typeface="Aptos" panose="02110004020202020204"/>
+        <a:ea typeface=""/>
+        <a:cs typeface=""/>
+        <a:font script="Jpan" typeface="游ゴシック"/>
+        <a:font script="Hang" typeface="맑은 고딕"/>
+        <a:font script="Hans" typeface="等线"/>
+        <a:font script="Hant" typeface="新細明體"/>
+        <a:font script="Arab" typeface="Arial"/>
+        <a:font script="Hebr" typeface="Arial"/>
+        <a:font script="Thai" typeface="Cordia New"/>
+        <a:font script="Ethi" typeface="Nyala"/>
+        <a:font script="Beng" typeface="Vrinda"/>
+        <a:font script="Gujr" typeface="Shruti"/>
+        <a:font script="Khmr" typeface="DaunPenh"/>
+        <a:font script="Knda" typeface="Tunga"/>
+        <a:font script="Guru" typeface="Raavi"/>
+        <a:font script="Cans" typeface="Euphemia"/>
+        <a:font script="Cher" typeface="Plantagenet Cherokee"/>
+        <a:font script="Yiii" typeface="Microsoft Yi Baiti"/>
+        <a:font script="Tibt" typeface="Microsoft Himalaya"/>
+        <a:font script="Thaa" typeface="MV Boli"/>
+        <a:font script="Deva" typeface="Mangal"/>
+        <a:font script="Telu" typeface="Gautami"/>
+        <a:font script="Taml" typeface="Latha"/>
+        <a:font script="Syrc" typeface="Estrangelo Edessa"/>
+        <a:font script="Orya" typeface="Kalinga"/>
+        <a:font script="Mlym" typeface="Kartika"/>
+        <a:font script="Laoo" typeface="DokChampa"/>
+        <a:font script="Sinh" typeface="Iskoola Pota"/>
+        <a:font script="Mong" typeface="Mongolian Baiti"/>
+        <a:font script="Viet" typeface="Arial"/>
+        <a:font script="Uigh" typeface="Microsoft Uighur"/>
+        <a:font script="Geor" typeface="Sylfaen"/>
+        <a:font script="Armn" typeface="Arial"/>
+        <a:font script="Bugi" typeface="Leelawadee UI"/>
+        <a:font script="Bopo" typeface="Microsoft JhengHei"/>
+        <a:font script="Java" typeface="Javanese Text"/>
+        <a:font script="Lisu" typeface="Segoe UI"/>
+        <a:font script="Mymr" typeface="Myanmar Text"/>
+        <a:font script="Nkoo" typeface="Ebrima"/>
+        <a:font script="Olck" typeface="Nirmala UI"/>
+        <a:font script="Osma" typeface="Ebrima"/>
+        <a:font script="Phag" typeface="Phagspa"/>
+        <a:font script="Syrn" typeface="Estrangelo Edessa"/>
+        <a:font script="Syrj" typeface="Estrangelo Edessa"/>
+        <a:font script="Syre" typeface="Estrangelo Edessa"/>
+        <a:font script="Sora" typeface="Nirmala UI"/>
+        <a:font script="Tale" typeface="Microsoft Tai Le"/>
+        <a:font script="Talu" typeface="Microsoft New Tai Lue"/>
+        <a:font script="Tfng" typeface="Ebrima"/>
+      </a:minorFont>
+    </a:fontScheme>
+    <a:fmtScheme name="Office">
+      <a:fillStyleLst>
+        <a:solidFill>
+          <a:schemeClr val="phClr"/>
+        </a:solidFill>
+        <a:gradFill rotWithShape="1">
+          <a:gsLst>
+            <a:gs pos="0">
+              <a:schemeClr val="phClr">
+                <a:lumMod val="110000"/>
+                <a:satMod val="105000"/>
+                <a:tint val="67000"/>
+              </a:schemeClr>
+            </a:gs>
+            <a:gs pos="50000">
+              <a:schemeClr val="phClr">
+                <a:lumMod val="105000"/>
+                <a:satMod val="103000"/>
+                <a:tint val="73000"/>
+              </a:schemeClr>
+            </a:gs>
+            <a:gs pos="100000">
+              <a:schemeClr val="phClr">
+                <a:lumMod val="105000"/>
+                <a:satMod val="109000"/>
+                <a:tint val="81000"/>
+              </a:schemeClr>
+            </a:gs>
+          </a:gsLst>
+          <a:lin ang="5400000" scaled="0"/>
+        </a:gradFill>
+        <a:gradFill rotWithShape="1">
+          <a:gsLst>
+            <a:gs pos="0">
+              <a:schemeClr val="phClr">
+                <a:satMod val="103000"/>
+                <a:lumMod val="102000"/>
+                <a:tint val="94000"/>
+              </a:schemeClr>
+            </a:gs>
+            <a:gs pos="50000">
+              <a:schemeClr val="phClr">
+                <a:satMod val="110000"/>
+                <a:lumMod val="100000"/>
+                <a:shade val="100000"/>
+              </a:schemeClr>
+            </a:gs>
+            <a:gs pos="100000">
+              <a:schemeClr val="phClr">
+                <a:lumMod val="99000"/>
+                <a:satMod val="120000"/>
+                <a:shade val="78000"/>
+              </a:schemeClr>
+            </a:gs>
+          </a:gsLst>
+          <a:lin ang="5400000" scaled="0"/>
+        </a:gradFill>
+      </a:fillStyleLst>
+      <a:lnStyleLst>
+        <a:ln w="12700" cap="flat" cmpd="sng" algn="ctr">
+          <a:solidFill>
+            <a:schemeClr val="phClr"/>
+          </a:solidFill>
+          <a:prstDash val="solid"/>
+          <a:miter lim="800000"/>
+        </a:ln>
+        <a:ln w="19050" cap="flat" cmpd="sng" algn="ctr">
+          <a:solidFill>
+            <a:schemeClr val="phClr"/>
+          </a:solidFill>
+          <a:prstDash val="solid"/>
+          <a:miter lim="800000"/>
+        </a:ln>
+        <a:ln w="25400" cap="flat" cmpd="sng" algn="ctr">
+          <a:solidFill>
+            <a:schemeClr val="phClr"/>
+          </a:solidFill>
+          <a:prstDash val="solid"/>
+          <a:miter lim="800000"/>
+        </a:ln>
+      </a:lnStyleLst>
+      <a:effectStyleLst>
+        <a:effectStyle>
+          <a:effectLst/>
+        </a:effectStyle>
+        <a:effectStyle>
+          <a:effectLst/>
+        </a:effectStyle>
+        <a:effectStyle>
+          <a:effectLst>
+            <a:outerShdw blurRad="57150" dist="19050" dir="5400000" algn="ctr" rotWithShape="0">
+              <a:srgbClr val="000000">
+                <a:alpha val="63000"/>
+              </a:srgbClr>
+            </a:outerShdw>
+          </a:effectLst>
+        </a:effectStyle>
+      </a:effectStyleLst>
+      <a:bgFillStyleLst>
+        <a:solidFill>
+          <a:schemeClr val="phClr"/>
+        </a:solidFill>
+        <a:solidFill>
+          <a:schemeClr val="phClr">
+            <a:tint val="95000"/>
+            <a:satMod val="170000"/>
+          </a:schemeClr>
+        </a:solidFill>
+        <a:gradFill rotWithShape="1">
+          <a:gsLst>
+            <a:gs pos="0">
+              <a:schemeClr val="phClr">
+                <a:tint val="93000"/>
+                <a:satMod val="150000"/>
+                <a:shade val="98000"/>
+                <a:lumMod val="102000"/>
+              </a:schemeClr>
+            </a:gs>
+            <a:gs pos="50000">
+              <a:schemeClr val="phClr">
+                <a:tint val="98000"/>
+                <a:satMod val="130000"/>
+                <a:shade val="90000"/>
+                <a:lumMod val="103000"/>
+              </a:schemeClr>
+            </a:gs>
+            <a:gs pos="100000">
+              <a:schemeClr val="phClr">
+                <a:shade val="63000"/>
+                <a:satMod val="120000"/>
+              </a:schemeClr>
+            </a:gs>
+          </a:gsLst>
+          <a:lin ang="5400000" scaled="0"/>
+        </a:gradFill>
+      </a:bgFillStyleLst>
+    </a:fmtScheme>
+  </a:themeElements>
+  <a:objectDefaults>
+    <a:lnDef>
+      <a:spPr/>
+      <a:bodyPr/>
+      <a:lstStyle/>
+      <a:style>
+        <a:lnRef idx="2">
+          <a:schemeClr val="accent1"/>
+        </a:lnRef>
+        <a:fillRef idx="0">
+          <a:schemeClr val="accent1"/>
+        </a:fillRef>
+        <a:effectRef idx="1">
+          <a:schemeClr val="accent1"/>
+        </a:effectRef>
+        <a:fontRef idx="minor">
+          <a:schemeClr val="tx1"/>
+        </a:fontRef>
+      </a:style>
+    </a:lnDef>
+  </a:objectDefaults>
+  <a:extraClrSchemeLst/>
+  <a:extLst>
+    <a:ext uri="{05A4C25C-085E-4340-85A3-A5531E510DB2}">
+      <thm15:themeFamily xmlns:thm15="http://schemas.microsoft.com/office/thememl/2012/main" name="Office Theme" id="{2E142A2C-CD16-42D6-873A-C26D2A0506FA}" vid="{1BDDFF52-6CD6-40A5-AB3C-68EB2F1E4D0A}"/>
+    </a:ext>
+  </a:extLst>
+</a:theme>
 </file>
--- a/RapidAdaptation_DataExploration.pptx
+++ b/RapidAdaptation_DataExploration.pptx
@@ -5,7 +5,7 @@
     <p:sldMasterId id="2147483660" r:id="rId1"/>
   </p:sldMasterIdLst>
   <p:notesMasterIdLst>
-    <p:notesMasterId r:id="rId26"/>
+    <p:notesMasterId r:id="rId28"/>
   </p:notesMasterIdLst>
   <p:sldIdLst>
     <p:sldId id="256" r:id="rId2"/>
@@ -14,24 +14,26 @@
     <p:sldId id="269" r:id="rId5"/>
     <p:sldId id="268" r:id="rId6"/>
     <p:sldId id="267" r:id="rId7"/>
-    <p:sldId id="273" r:id="rId8"/>
-    <p:sldId id="270" r:id="rId9"/>
-    <p:sldId id="274" r:id="rId10"/>
-    <p:sldId id="272" r:id="rId11"/>
-    <p:sldId id="258" r:id="rId12"/>
-    <p:sldId id="259" r:id="rId13"/>
-    <p:sldId id="262" r:id="rId14"/>
-    <p:sldId id="266" r:id="rId15"/>
-    <p:sldId id="261" r:id="rId16"/>
-    <p:sldId id="275" r:id="rId17"/>
-    <p:sldId id="276" r:id="rId18"/>
-    <p:sldId id="263" r:id="rId19"/>
-    <p:sldId id="265" r:id="rId20"/>
-    <p:sldId id="277" r:id="rId21"/>
-    <p:sldId id="278" r:id="rId22"/>
-    <p:sldId id="264" r:id="rId23"/>
-    <p:sldId id="280" r:id="rId24"/>
-    <p:sldId id="279" r:id="rId25"/>
+    <p:sldId id="270" r:id="rId8"/>
+    <p:sldId id="272" r:id="rId9"/>
+    <p:sldId id="258" r:id="rId10"/>
+    <p:sldId id="259" r:id="rId11"/>
+    <p:sldId id="262" r:id="rId12"/>
+    <p:sldId id="266" r:id="rId13"/>
+    <p:sldId id="284" r:id="rId14"/>
+    <p:sldId id="261" r:id="rId15"/>
+    <p:sldId id="275" r:id="rId16"/>
+    <p:sldId id="276" r:id="rId17"/>
+    <p:sldId id="263" r:id="rId18"/>
+    <p:sldId id="265" r:id="rId19"/>
+    <p:sldId id="277" r:id="rId20"/>
+    <p:sldId id="278" r:id="rId21"/>
+    <p:sldId id="264" r:id="rId22"/>
+    <p:sldId id="282" r:id="rId23"/>
+    <p:sldId id="283" r:id="rId24"/>
+    <p:sldId id="281" r:id="rId25"/>
+    <p:sldId id="280" r:id="rId26"/>
+    <p:sldId id="279" r:id="rId27"/>
   </p:sldIdLst>
   <p:sldSz cx="12192000" cy="6858000"/>
   <p:notesSz cx="6858000" cy="9144000"/>
@@ -141,7 +143,7 @@
 <file path=ppt/revisionInfo.xml><?xml version="1.0" encoding="utf-8"?>
 <p1510:revInfo xmlns:a="http://schemas.openxmlformats.org/drawingml/2006/main" xmlns:r="http://schemas.openxmlformats.org/officeDocument/2006/relationships" xmlns:p1510="http://schemas.microsoft.com/office/powerpoint/2015/10/main">
   <p1510:revLst>
-    <p1510:client id="{100BBC7B-7ACA-4A4D-BA33-DEF31D162335}" v="105" dt="2025-12-09T13:05:36.581"/>
+    <p1510:client id="{100BBC7B-7ACA-4A4D-BA33-DEF31D162335}" v="131" dt="2025-12-11T16:47:59.011"/>
   </p1510:revLst>
 </p1510:revInfo>
 </file>
@@ -151,7 +153,7 @@
   <pc:docChgLst>
     <pc:chgData name="Luisa Dickenmann" userId="0c0840b0-1ae7-42c8-98b5-b02d8f71a603" providerId="ADAL" clId="{100BBC7B-7ACA-4A4D-BA33-DEF31D162335}"/>
     <pc:docChg chg="undo custSel addSld delSld modSld sldOrd">
-      <pc:chgData name="Luisa Dickenmann" userId="0c0840b0-1ae7-42c8-98b5-b02d8f71a603" providerId="ADAL" clId="{100BBC7B-7ACA-4A4D-BA33-DEF31D162335}" dt="2025-12-09T14:38:07.173" v="2781" actId="1035"/>
+      <pc:chgData name="Luisa Dickenmann" userId="0c0840b0-1ae7-42c8-98b5-b02d8f71a603" providerId="ADAL" clId="{100BBC7B-7ACA-4A4D-BA33-DEF31D162335}" dt="2025-12-11T16:50:14.011" v="3816" actId="1076"/>
       <pc:docMkLst>
         <pc:docMk/>
       </pc:docMkLst>
@@ -192,14 +194,6 @@
             <ac:spMk id="2" creationId="{C84B0C2D-403E-AF7F-8AEE-86B35FE4EA5E}"/>
           </ac:spMkLst>
         </pc:spChg>
-        <pc:spChg chg="add del mod">
-          <ac:chgData name="Luisa Dickenmann" userId="0c0840b0-1ae7-42c8-98b5-b02d8f71a603" providerId="ADAL" clId="{100BBC7B-7ACA-4A4D-BA33-DEF31D162335}" dt="2025-12-08T14:24:00.490" v="704" actId="478"/>
-          <ac:spMkLst>
-            <pc:docMk/>
-            <pc:sldMk cId="1618141787" sldId="257"/>
-            <ac:spMk id="3" creationId="{72515921-7BC3-6E66-F544-F04F562E7A71}"/>
-          </ac:spMkLst>
-        </pc:spChg>
         <pc:spChg chg="add mod">
           <ac:chgData name="Luisa Dickenmann" userId="0c0840b0-1ae7-42c8-98b5-b02d8f71a603" providerId="ADAL" clId="{100BBC7B-7ACA-4A4D-BA33-DEF31D162335}" dt="2025-12-09T09:09:49.349" v="1336" actId="1076"/>
           <ac:spMkLst>
@@ -214,14 +208,6 @@
             <pc:docMk/>
             <pc:sldMk cId="1618141787" sldId="257"/>
             <ac:spMk id="4" creationId="{63AB7877-6A7E-90C1-8A72-F78A798BE679}"/>
-          </ac:spMkLst>
-        </pc:spChg>
-        <pc:spChg chg="add del mod">
-          <ac:chgData name="Luisa Dickenmann" userId="0c0840b0-1ae7-42c8-98b5-b02d8f71a603" providerId="ADAL" clId="{100BBC7B-7ACA-4A4D-BA33-DEF31D162335}" dt="2025-12-09T13:02:57.904" v="2519" actId="478"/>
-          <ac:spMkLst>
-            <pc:docMk/>
-            <pc:sldMk cId="1618141787" sldId="257"/>
-            <ac:spMk id="10" creationId="{5D5F5D37-8A59-81D5-0EF6-552164B074C6}"/>
           </ac:spMkLst>
         </pc:spChg>
         <pc:picChg chg="mod modCrop">
@@ -263,68 +249,12 @@
             <ac:spMk id="3" creationId="{7FC9CC8D-5E27-7D11-D30C-DB30F7B517A9}"/>
           </ac:spMkLst>
         </pc:spChg>
-        <pc:spChg chg="add del mod">
-          <ac:chgData name="Luisa Dickenmann" userId="0c0840b0-1ae7-42c8-98b5-b02d8f71a603" providerId="ADAL" clId="{100BBC7B-7ACA-4A4D-BA33-DEF31D162335}" dt="2025-12-08T13:49:42.448" v="441" actId="931"/>
-          <ac:spMkLst>
-            <pc:docMk/>
-            <pc:sldMk cId="4154756640" sldId="258"/>
-            <ac:spMk id="4" creationId="{8623E004-269D-DA9B-FE56-2A75D127167B}"/>
-          </ac:spMkLst>
-        </pc:spChg>
-        <pc:spChg chg="add del mod">
-          <ac:chgData name="Luisa Dickenmann" userId="0c0840b0-1ae7-42c8-98b5-b02d8f71a603" providerId="ADAL" clId="{100BBC7B-7ACA-4A4D-BA33-DEF31D162335}" dt="2025-12-09T12:19:15.944" v="2313" actId="931"/>
-          <ac:spMkLst>
-            <pc:docMk/>
-            <pc:sldMk cId="4154756640" sldId="258"/>
-            <ac:spMk id="5" creationId="{2B524A18-D257-C102-002A-9D3416D34480}"/>
-          </ac:spMkLst>
-        </pc:spChg>
-        <pc:spChg chg="add del mod">
-          <ac:chgData name="Luisa Dickenmann" userId="0c0840b0-1ae7-42c8-98b5-b02d8f71a603" providerId="ADAL" clId="{100BBC7B-7ACA-4A4D-BA33-DEF31D162335}" dt="2025-12-09T12:22:47.233" v="2408" actId="931"/>
-          <ac:spMkLst>
-            <pc:docMk/>
-            <pc:sldMk cId="4154756640" sldId="258"/>
-            <ac:spMk id="10" creationId="{43E83777-568E-C647-90E7-61CE2532B52C}"/>
-          </ac:spMkLst>
-        </pc:spChg>
-        <pc:spChg chg="add del mod">
-          <ac:chgData name="Luisa Dickenmann" userId="0c0840b0-1ae7-42c8-98b5-b02d8f71a603" providerId="ADAL" clId="{100BBC7B-7ACA-4A4D-BA33-DEF31D162335}" dt="2025-12-09T12:49:59.226" v="2438" actId="478"/>
-          <ac:spMkLst>
-            <pc:docMk/>
-            <pc:sldMk cId="4154756640" sldId="258"/>
-            <ac:spMk id="14" creationId="{5287C868-62A9-5490-0560-E1F6D386B451}"/>
-          </ac:spMkLst>
-        </pc:spChg>
-        <pc:picChg chg="add del mod modCrop">
-          <ac:chgData name="Luisa Dickenmann" userId="0c0840b0-1ae7-42c8-98b5-b02d8f71a603" providerId="ADAL" clId="{100BBC7B-7ACA-4A4D-BA33-DEF31D162335}" dt="2025-12-09T12:19:08.604" v="2312" actId="478"/>
-          <ac:picMkLst>
-            <pc:docMk/>
-            <pc:sldMk cId="4154756640" sldId="258"/>
-            <ac:picMk id="6" creationId="{60E642FF-9B67-83CD-BE65-139ECD5DC288}"/>
-          </ac:picMkLst>
-        </pc:picChg>
-        <pc:picChg chg="add del mod">
-          <ac:chgData name="Luisa Dickenmann" userId="0c0840b0-1ae7-42c8-98b5-b02d8f71a603" providerId="ADAL" clId="{100BBC7B-7ACA-4A4D-BA33-DEF31D162335}" dt="2025-12-09T12:22:41.340" v="2407" actId="478"/>
-          <ac:picMkLst>
-            <pc:docMk/>
-            <pc:sldMk cId="4154756640" sldId="258"/>
-            <ac:picMk id="8" creationId="{B73381E8-838A-396E-4CA3-A4A7C84C7559}"/>
-          </ac:picMkLst>
-        </pc:picChg>
         <pc:picChg chg="add del mod ord modCrop">
           <ac:chgData name="Luisa Dickenmann" userId="0c0840b0-1ae7-42c8-98b5-b02d8f71a603" providerId="ADAL" clId="{100BBC7B-7ACA-4A4D-BA33-DEF31D162335}" dt="2025-12-09T12:54:19.475" v="2510" actId="1076"/>
           <ac:picMkLst>
             <pc:docMk/>
             <pc:sldMk cId="4154756640" sldId="258"/>
             <ac:picMk id="12" creationId="{BD49C6AC-C674-843D-C8F1-02241A71B122}"/>
-          </ac:picMkLst>
-        </pc:picChg>
-        <pc:picChg chg="del mod modCrop">
-          <ac:chgData name="Luisa Dickenmann" userId="0c0840b0-1ae7-42c8-98b5-b02d8f71a603" providerId="ADAL" clId="{100BBC7B-7ACA-4A4D-BA33-DEF31D162335}" dt="2025-12-08T13:49:37.996" v="440" actId="478"/>
-          <ac:picMkLst>
-            <pc:docMk/>
-            <pc:sldMk cId="4154756640" sldId="258"/>
-            <ac:picMk id="13" creationId="{20E9ABAA-AE1B-6BCA-1B39-06C6C56C6344}"/>
           </ac:picMkLst>
         </pc:picChg>
       </pc:sldChg>
@@ -342,28 +272,12 @@
             <ac:spMk id="2" creationId="{EC37FC25-0092-D266-9369-B42C8B0A2DCD}"/>
           </ac:spMkLst>
         </pc:spChg>
-        <pc:spChg chg="add del mod">
-          <ac:chgData name="Luisa Dickenmann" userId="0c0840b0-1ae7-42c8-98b5-b02d8f71a603" providerId="ADAL" clId="{100BBC7B-7ACA-4A4D-BA33-DEF31D162335}" dt="2025-12-09T12:44:53.493" v="2416" actId="931"/>
-          <ac:spMkLst>
-            <pc:docMk/>
-            <pc:sldMk cId="2740833318" sldId="259"/>
-            <ac:spMk id="4" creationId="{532D2E4B-88AD-EAF1-3A11-A5EEBF4FDB12}"/>
-          </ac:spMkLst>
-        </pc:spChg>
         <pc:spChg chg="add mod">
           <ac:chgData name="Luisa Dickenmann" userId="0c0840b0-1ae7-42c8-98b5-b02d8f71a603" providerId="ADAL" clId="{100BBC7B-7ACA-4A4D-BA33-DEF31D162335}" dt="2025-12-09T12:52:31.636" v="2497" actId="1076"/>
           <ac:spMkLst>
             <pc:docMk/>
             <pc:sldMk cId="2740833318" sldId="259"/>
             <ac:spMk id="7" creationId="{48543C4B-69A1-290C-CEFB-6E8DFA1E1BD1}"/>
-          </ac:spMkLst>
-        </pc:spChg>
-        <pc:spChg chg="add del mod">
-          <ac:chgData name="Luisa Dickenmann" userId="0c0840b0-1ae7-42c8-98b5-b02d8f71a603" providerId="ADAL" clId="{100BBC7B-7ACA-4A4D-BA33-DEF31D162335}" dt="2025-12-09T12:50:06.464" v="2440" actId="931"/>
-          <ac:spMkLst>
-            <pc:docMk/>
-            <pc:sldMk cId="2740833318" sldId="259"/>
-            <ac:spMk id="9" creationId="{4B86054D-C31C-DCF9-B905-30FB8008FA94}"/>
           </ac:spMkLst>
         </pc:spChg>
         <pc:spChg chg="add mod">
@@ -374,28 +288,12 @@
             <ac:spMk id="12" creationId="{86B23E41-3A5D-BCAF-834C-2A32E08422A5}"/>
           </ac:spMkLst>
         </pc:spChg>
-        <pc:picChg chg="add del mod">
-          <ac:chgData name="Luisa Dickenmann" userId="0c0840b0-1ae7-42c8-98b5-b02d8f71a603" providerId="ADAL" clId="{100BBC7B-7ACA-4A4D-BA33-DEF31D162335}" dt="2025-12-09T12:50:01.499" v="2439" actId="478"/>
-          <ac:picMkLst>
-            <pc:docMk/>
-            <pc:sldMk cId="2740833318" sldId="259"/>
-            <ac:picMk id="6" creationId="{4C5BE8CB-F4AE-8643-ACF9-3C68BE49ECE3}"/>
-          </ac:picMkLst>
-        </pc:picChg>
         <pc:picChg chg="add mod ord">
           <ac:chgData name="Luisa Dickenmann" userId="0c0840b0-1ae7-42c8-98b5-b02d8f71a603" providerId="ADAL" clId="{100BBC7B-7ACA-4A4D-BA33-DEF31D162335}" dt="2025-12-09T12:50:14.400" v="2444" actId="14100"/>
           <ac:picMkLst>
             <pc:docMk/>
             <pc:sldMk cId="2740833318" sldId="259"/>
             <ac:picMk id="11" creationId="{C5869241-031B-EBB0-A018-4867A27D2D22}"/>
-          </ac:picMkLst>
-        </pc:picChg>
-        <pc:picChg chg="del mod modCrop">
-          <ac:chgData name="Luisa Dickenmann" userId="0c0840b0-1ae7-42c8-98b5-b02d8f71a603" providerId="ADAL" clId="{100BBC7B-7ACA-4A4D-BA33-DEF31D162335}" dt="2025-12-09T12:44:47.670" v="2415" actId="478"/>
-          <ac:picMkLst>
-            <pc:docMk/>
-            <pc:sldMk cId="2740833318" sldId="259"/>
-            <ac:picMk id="13" creationId="{DF5F4204-7DFC-D576-7935-B7E0866D43BB}"/>
           </ac:picMkLst>
         </pc:picChg>
       </pc:sldChg>
@@ -407,7 +305,7 @@
         </pc:sldMkLst>
       </pc:sldChg>
       <pc:sldChg chg="addSp delSp modSp new mod modNotesTx">
-        <pc:chgData name="Luisa Dickenmann" userId="0c0840b0-1ae7-42c8-98b5-b02d8f71a603" providerId="ADAL" clId="{100BBC7B-7ACA-4A4D-BA33-DEF31D162335}" dt="2025-12-09T13:05:39.778" v="2552" actId="20577"/>
+        <pc:chgData name="Luisa Dickenmann" userId="0c0840b0-1ae7-42c8-98b5-b02d8f71a603" providerId="ADAL" clId="{100BBC7B-7ACA-4A4D-BA33-DEF31D162335}" dt="2025-12-11T16:43:25.318" v="3529" actId="1076"/>
         <pc:sldMkLst>
           <pc:docMk/>
           <pc:sldMk cId="4018528445" sldId="261"/>
@@ -428,32 +326,8 @@
             <ac:spMk id="3" creationId="{3FEE3C62-7A17-B683-8845-1CC05C605A19}"/>
           </ac:spMkLst>
         </pc:spChg>
-        <pc:spChg chg="add del mod">
-          <ac:chgData name="Luisa Dickenmann" userId="0c0840b0-1ae7-42c8-98b5-b02d8f71a603" providerId="ADAL" clId="{100BBC7B-7ACA-4A4D-BA33-DEF31D162335}" dt="2025-12-09T13:03:09.675" v="2520" actId="478"/>
-          <ac:spMkLst>
-            <pc:docMk/>
-            <pc:sldMk cId="4018528445" sldId="261"/>
-            <ac:spMk id="4" creationId="{E5DCEE24-4EB7-F051-422E-FF7AF5E0BE67}"/>
-          </ac:spMkLst>
-        </pc:spChg>
-        <pc:spChg chg="add del mod">
-          <ac:chgData name="Luisa Dickenmann" userId="0c0840b0-1ae7-42c8-98b5-b02d8f71a603" providerId="ADAL" clId="{100BBC7B-7ACA-4A4D-BA33-DEF31D162335}" dt="2025-12-09T11:33:55.744" v="2032" actId="478"/>
-          <ac:spMkLst>
-            <pc:docMk/>
-            <pc:sldMk cId="4018528445" sldId="261"/>
-            <ac:spMk id="6" creationId="{80950EBB-8C17-AB55-C2D8-9EFAA45D6BB0}"/>
-          </ac:spMkLst>
-        </pc:spChg>
-        <pc:spChg chg="add del mod">
-          <ac:chgData name="Luisa Dickenmann" userId="0c0840b0-1ae7-42c8-98b5-b02d8f71a603" providerId="ADAL" clId="{100BBC7B-7ACA-4A4D-BA33-DEF31D162335}" dt="2025-12-09T11:45:50.736" v="2101" actId="478"/>
-          <ac:spMkLst>
-            <pc:docMk/>
-            <pc:sldMk cId="4018528445" sldId="261"/>
-            <ac:spMk id="7" creationId="{BBEFE0AB-082B-2E38-5653-035A328645CC}"/>
-          </ac:spMkLst>
-        </pc:spChg>
         <pc:spChg chg="add mod">
-          <ac:chgData name="Luisa Dickenmann" userId="0c0840b0-1ae7-42c8-98b5-b02d8f71a603" providerId="ADAL" clId="{100BBC7B-7ACA-4A4D-BA33-DEF31D162335}" dt="2025-12-09T11:34:55.282" v="2064" actId="20577"/>
+          <ac:chgData name="Luisa Dickenmann" userId="0c0840b0-1ae7-42c8-98b5-b02d8f71a603" providerId="ADAL" clId="{100BBC7B-7ACA-4A4D-BA33-DEF31D162335}" dt="2025-12-11T16:43:25.318" v="3529" actId="1076"/>
           <ac:spMkLst>
             <pc:docMk/>
             <pc:sldMk cId="4018528445" sldId="261"/>
@@ -466,22 +340,6 @@
             <pc:docMk/>
             <pc:sldMk cId="4018528445" sldId="261"/>
             <ac:spMk id="11" creationId="{1DE83656-BBCA-820A-78B8-B8825292C4BF}"/>
-          </ac:spMkLst>
-        </pc:spChg>
-        <pc:spChg chg="add del mod">
-          <ac:chgData name="Luisa Dickenmann" userId="0c0840b0-1ae7-42c8-98b5-b02d8f71a603" providerId="ADAL" clId="{100BBC7B-7ACA-4A4D-BA33-DEF31D162335}" dt="2025-12-09T13:05:30.480" v="2535" actId="21"/>
-          <ac:spMkLst>
-            <pc:docMk/>
-            <pc:sldMk cId="4018528445" sldId="261"/>
-            <ac:spMk id="12" creationId="{B288B677-3035-51D8-5C17-98D87F87F1C8}"/>
-          </ac:spMkLst>
-        </pc:spChg>
-        <pc:spChg chg="add mod">
-          <ac:chgData name="Luisa Dickenmann" userId="0c0840b0-1ae7-42c8-98b5-b02d8f71a603" providerId="ADAL" clId="{100BBC7B-7ACA-4A4D-BA33-DEF31D162335}" dt="2025-12-09T13:05:34.989" v="2548"/>
-          <ac:spMkLst>
-            <pc:docMk/>
-            <pc:sldMk cId="4018528445" sldId="261"/>
-            <ac:spMk id="13" creationId="{B288B677-3035-51D8-5C17-98D87F87F1C8}"/>
           </ac:spMkLst>
         </pc:spChg>
         <pc:picChg chg="add mod modCrop">
@@ -515,22 +373,6 @@
             <ac:spMk id="2" creationId="{186B59D3-816C-2A57-089A-EA265D288680}"/>
           </ac:spMkLst>
         </pc:spChg>
-        <pc:spChg chg="del">
-          <ac:chgData name="Luisa Dickenmann" userId="0c0840b0-1ae7-42c8-98b5-b02d8f71a603" providerId="ADAL" clId="{100BBC7B-7ACA-4A4D-BA33-DEF31D162335}" dt="2025-12-08T12:14:21.839" v="349" actId="931"/>
-          <ac:spMkLst>
-            <pc:docMk/>
-            <pc:sldMk cId="2468455985" sldId="262"/>
-            <ac:spMk id="3" creationId="{5082D910-5641-70E7-318E-1494D91CF015}"/>
-          </ac:spMkLst>
-        </pc:spChg>
-        <pc:spChg chg="add del mod">
-          <ac:chgData name="Luisa Dickenmann" userId="0c0840b0-1ae7-42c8-98b5-b02d8f71a603" providerId="ADAL" clId="{100BBC7B-7ACA-4A4D-BA33-DEF31D162335}" dt="2025-12-09T11:30:40.660" v="2001" actId="478"/>
-          <ac:spMkLst>
-            <pc:docMk/>
-            <pc:sldMk cId="2468455985" sldId="262"/>
-            <ac:spMk id="3" creationId="{91EC97E6-8AEB-87D4-7239-85C8894300AB}"/>
-          </ac:spMkLst>
-        </pc:spChg>
         <pc:spChg chg="add mod">
           <ac:chgData name="Luisa Dickenmann" userId="0c0840b0-1ae7-42c8-98b5-b02d8f71a603" providerId="ADAL" clId="{100BBC7B-7ACA-4A4D-BA33-DEF31D162335}" dt="2025-12-08T13:50:55.797" v="517" actId="207"/>
           <ac:spMkLst>
@@ -555,22 +397,6 @@
             <ac:spMk id="13" creationId="{2544A9C5-D7E0-7596-44AC-D0B1CF22A9BF}"/>
           </ac:spMkLst>
         </pc:spChg>
-        <pc:grpChg chg="add del mod">
-          <ac:chgData name="Luisa Dickenmann" userId="0c0840b0-1ae7-42c8-98b5-b02d8f71a603" providerId="ADAL" clId="{100BBC7B-7ACA-4A4D-BA33-DEF31D162335}" dt="2025-12-09T11:30:36.654" v="2000" actId="165"/>
-          <ac:grpSpMkLst>
-            <pc:docMk/>
-            <pc:sldMk cId="2468455985" sldId="262"/>
-            <ac:grpSpMk id="9" creationId="{98166884-4D6A-8802-5B00-59AF1ACB92C4}"/>
-          </ac:grpSpMkLst>
-        </pc:grpChg>
-        <pc:grpChg chg="add del mod">
-          <ac:chgData name="Luisa Dickenmann" userId="0c0840b0-1ae7-42c8-98b5-b02d8f71a603" providerId="ADAL" clId="{100BBC7B-7ACA-4A4D-BA33-DEF31D162335}" dt="2025-12-09T11:30:25.490" v="1998" actId="165"/>
-          <ac:grpSpMkLst>
-            <pc:docMk/>
-            <pc:sldMk cId="2468455985" sldId="262"/>
-            <ac:grpSpMk id="11" creationId="{B22E8C7C-1926-55FC-C68F-12555B48D643}"/>
-          </ac:grpSpMkLst>
-        </pc:grpChg>
         <pc:picChg chg="add mod ord modCrop">
           <ac:chgData name="Luisa Dickenmann" userId="0c0840b0-1ae7-42c8-98b5-b02d8f71a603" providerId="ADAL" clId="{100BBC7B-7ACA-4A4D-BA33-DEF31D162335}" dt="2025-12-09T14:38:07.173" v="2781" actId="1035"/>
           <ac:picMkLst>
@@ -579,22 +405,6 @@
             <ac:picMk id="5" creationId="{73E0993F-5E9C-1D30-1C0B-6E7EB90E7028}"/>
           </ac:picMkLst>
         </pc:picChg>
-        <pc:picChg chg="add mod">
-          <ac:chgData name="Luisa Dickenmann" userId="0c0840b0-1ae7-42c8-98b5-b02d8f71a603" providerId="ADAL" clId="{100BBC7B-7ACA-4A4D-BA33-DEF31D162335}" dt="2025-12-09T11:28:39.524" v="1983"/>
-          <ac:picMkLst>
-            <pc:docMk/>
-            <pc:sldMk cId="2468455985" sldId="262"/>
-            <ac:picMk id="10" creationId="{F2F9C6E6-9E85-D418-EFB2-D406905421A2}"/>
-          </ac:picMkLst>
-        </pc:picChg>
-        <pc:cxnChg chg="add del mod">
-          <ac:chgData name="Luisa Dickenmann" userId="0c0840b0-1ae7-42c8-98b5-b02d8f71a603" providerId="ADAL" clId="{100BBC7B-7ACA-4A4D-BA33-DEF31D162335}" dt="2025-12-09T11:27:48.538" v="1679" actId="478"/>
-          <ac:cxnSpMkLst>
-            <pc:docMk/>
-            <pc:sldMk cId="2468455985" sldId="262"/>
-            <ac:cxnSpMk id="4" creationId="{9B08037A-6536-2908-99A6-FC68C8DAEEA4}"/>
-          </ac:cxnSpMkLst>
-        </pc:cxnChg>
         <pc:cxnChg chg="add mod topLvl">
           <ac:chgData name="Luisa Dickenmann" userId="0c0840b0-1ae7-42c8-98b5-b02d8f71a603" providerId="ADAL" clId="{100BBC7B-7ACA-4A4D-BA33-DEF31D162335}" dt="2025-12-09T11:30:36.654" v="2000" actId="165"/>
           <ac:cxnSpMkLst>
@@ -626,38 +436,6 @@
             <ac:spMk id="2" creationId="{B4D941A4-7800-BF6D-3047-19A2F1FFE400}"/>
           </ac:spMkLst>
         </pc:spChg>
-        <pc:spChg chg="del">
-          <ac:chgData name="Luisa Dickenmann" userId="0c0840b0-1ae7-42c8-98b5-b02d8f71a603" providerId="ADAL" clId="{100BBC7B-7ACA-4A4D-BA33-DEF31D162335}" dt="2025-12-08T11:57:37.698" v="109" actId="931"/>
-          <ac:spMkLst>
-            <pc:docMk/>
-            <pc:sldMk cId="366536072" sldId="263"/>
-            <ac:spMk id="3" creationId="{AC727228-8F6E-4303-82F6-D5F4357795D7}"/>
-          </ac:spMkLst>
-        </pc:spChg>
-        <pc:spChg chg="add del mod">
-          <ac:chgData name="Luisa Dickenmann" userId="0c0840b0-1ae7-42c8-98b5-b02d8f71a603" providerId="ADAL" clId="{100BBC7B-7ACA-4A4D-BA33-DEF31D162335}" dt="2025-12-09T12:04:43.841" v="2197" actId="478"/>
-          <ac:spMkLst>
-            <pc:docMk/>
-            <pc:sldMk cId="366536072" sldId="263"/>
-            <ac:spMk id="3" creationId="{C13A3920-AC57-BA3B-7610-C11A7999D3F2}"/>
-          </ac:spMkLst>
-        </pc:spChg>
-        <pc:spChg chg="add del mod">
-          <ac:chgData name="Luisa Dickenmann" userId="0c0840b0-1ae7-42c8-98b5-b02d8f71a603" providerId="ADAL" clId="{100BBC7B-7ACA-4A4D-BA33-DEF31D162335}" dt="2025-12-09T12:06:50.241" v="2201" actId="931"/>
-          <ac:spMkLst>
-            <pc:docMk/>
-            <pc:sldMk cId="366536072" sldId="263"/>
-            <ac:spMk id="7" creationId="{B285CAAB-7D53-5FB3-9E17-B912504C3176}"/>
-          </ac:spMkLst>
-        </pc:spChg>
-        <pc:picChg chg="add del mod modCrop">
-          <ac:chgData name="Luisa Dickenmann" userId="0c0840b0-1ae7-42c8-98b5-b02d8f71a603" providerId="ADAL" clId="{100BBC7B-7ACA-4A4D-BA33-DEF31D162335}" dt="2025-12-09T12:06:41.989" v="2200" actId="478"/>
-          <ac:picMkLst>
-            <pc:docMk/>
-            <pc:sldMk cId="366536072" sldId="263"/>
-            <ac:picMk id="5" creationId="{74CD08E0-9A64-49FE-60CB-7BB27C2718EC}"/>
-          </ac:picMkLst>
-        </pc:picChg>
         <pc:picChg chg="add mod ord">
           <ac:chgData name="Luisa Dickenmann" userId="0c0840b0-1ae7-42c8-98b5-b02d8f71a603" providerId="ADAL" clId="{100BBC7B-7ACA-4A4D-BA33-DEF31D162335}" dt="2025-12-09T12:06:57.988" v="2204" actId="14100"/>
           <ac:picMkLst>
@@ -689,38 +467,6 @@
             <ac:spMk id="2" creationId="{87423E70-6AE2-13AB-B9D6-DFD4DC3807B8}"/>
           </ac:spMkLst>
         </pc:spChg>
-        <pc:spChg chg="add del mod">
-          <ac:chgData name="Luisa Dickenmann" userId="0c0840b0-1ae7-42c8-98b5-b02d8f71a603" providerId="ADAL" clId="{100BBC7B-7ACA-4A4D-BA33-DEF31D162335}" dt="2025-12-09T12:15:55.612" v="2302" actId="478"/>
-          <ac:spMkLst>
-            <pc:docMk/>
-            <pc:sldMk cId="1505597422" sldId="264"/>
-            <ac:spMk id="3" creationId="{2255ADE4-89C3-9EED-BB0D-6A8E686DCEE0}"/>
-          </ac:spMkLst>
-        </pc:spChg>
-        <pc:spChg chg="del">
-          <ac:chgData name="Luisa Dickenmann" userId="0c0840b0-1ae7-42c8-98b5-b02d8f71a603" providerId="ADAL" clId="{100BBC7B-7ACA-4A4D-BA33-DEF31D162335}" dt="2025-12-08T12:02:21.112" v="174" actId="931"/>
-          <ac:spMkLst>
-            <pc:docMk/>
-            <pc:sldMk cId="1505597422" sldId="264"/>
-            <ac:spMk id="3" creationId="{8E71B790-1314-9531-7375-6100B66ED4C6}"/>
-          </ac:spMkLst>
-        </pc:spChg>
-        <pc:spChg chg="add del mod">
-          <ac:chgData name="Luisa Dickenmann" userId="0c0840b0-1ae7-42c8-98b5-b02d8f71a603" providerId="ADAL" clId="{100BBC7B-7ACA-4A4D-BA33-DEF31D162335}" dt="2025-12-09T12:16:03.222" v="2303" actId="931"/>
-          <ac:spMkLst>
-            <pc:docMk/>
-            <pc:sldMk cId="1505597422" sldId="264"/>
-            <ac:spMk id="6" creationId="{1B4B201C-5932-3744-A0F8-DAF0CDB34C4C}"/>
-          </ac:spMkLst>
-        </pc:spChg>
-        <pc:picChg chg="add del mod modCrop">
-          <ac:chgData name="Luisa Dickenmann" userId="0c0840b0-1ae7-42c8-98b5-b02d8f71a603" providerId="ADAL" clId="{100BBC7B-7ACA-4A4D-BA33-DEF31D162335}" dt="2025-12-09T12:15:54.797" v="2301" actId="478"/>
-          <ac:picMkLst>
-            <pc:docMk/>
-            <pc:sldMk cId="1505597422" sldId="264"/>
-            <ac:picMk id="5" creationId="{16D65E6A-4EF0-6D4D-7682-EC32F509A222}"/>
-          </ac:picMkLst>
-        </pc:picChg>
         <pc:picChg chg="add mod">
           <ac:chgData name="Luisa Dickenmann" userId="0c0840b0-1ae7-42c8-98b5-b02d8f71a603" providerId="ADAL" clId="{100BBC7B-7ACA-4A4D-BA33-DEF31D162335}" dt="2025-12-09T12:16:17.709" v="2311" actId="1076"/>
           <ac:picMkLst>
@@ -744,52 +490,12 @@
             <ac:spMk id="2" creationId="{E5EB79DC-5387-676F-0683-1D49454F40B3}"/>
           </ac:spMkLst>
         </pc:spChg>
-        <pc:spChg chg="add del mod">
-          <ac:chgData name="Luisa Dickenmann" userId="0c0840b0-1ae7-42c8-98b5-b02d8f71a603" providerId="ADAL" clId="{100BBC7B-7ACA-4A4D-BA33-DEF31D162335}" dt="2025-12-09T11:50:56.535" v="2145" actId="478"/>
-          <ac:spMkLst>
-            <pc:docMk/>
-            <pc:sldMk cId="1309389261" sldId="265"/>
-            <ac:spMk id="3" creationId="{47A13D92-FCF6-7583-9936-71295497D6BD}"/>
-          </ac:spMkLst>
-        </pc:spChg>
-        <pc:spChg chg="del">
-          <ac:chgData name="Luisa Dickenmann" userId="0c0840b0-1ae7-42c8-98b5-b02d8f71a603" providerId="ADAL" clId="{100BBC7B-7ACA-4A4D-BA33-DEF31D162335}" dt="2025-12-08T12:01:07.416" v="160" actId="931"/>
-          <ac:spMkLst>
-            <pc:docMk/>
-            <pc:sldMk cId="1309389261" sldId="265"/>
-            <ac:spMk id="3" creationId="{B7445A8B-7D82-B218-76BE-38031B3A0D80}"/>
-          </ac:spMkLst>
-        </pc:spChg>
         <pc:spChg chg="add mod">
           <ac:chgData name="Luisa Dickenmann" userId="0c0840b0-1ae7-42c8-98b5-b02d8f71a603" providerId="ADAL" clId="{100BBC7B-7ACA-4A4D-BA33-DEF31D162335}" dt="2025-12-09T13:02:44.534" v="2517" actId="1076"/>
           <ac:spMkLst>
             <pc:docMk/>
             <pc:sldMk cId="1309389261" sldId="265"/>
             <ac:spMk id="4" creationId="{1F23F0DC-52E1-09BD-080C-AFC35699FB60}"/>
-          </ac:spMkLst>
-        </pc:spChg>
-        <pc:spChg chg="add del mod">
-          <ac:chgData name="Luisa Dickenmann" userId="0c0840b0-1ae7-42c8-98b5-b02d8f71a603" providerId="ADAL" clId="{100BBC7B-7ACA-4A4D-BA33-DEF31D162335}" dt="2025-12-09T13:02:40.778" v="2516" actId="478"/>
-          <ac:spMkLst>
-            <pc:docMk/>
-            <pc:sldMk cId="1309389261" sldId="265"/>
-            <ac:spMk id="6" creationId="{88649343-2493-E174-DAD2-92A791FD7486}"/>
-          </ac:spMkLst>
-        </pc:spChg>
-        <pc:spChg chg="add del mod">
-          <ac:chgData name="Luisa Dickenmann" userId="0c0840b0-1ae7-42c8-98b5-b02d8f71a603" providerId="ADAL" clId="{100BBC7B-7ACA-4A4D-BA33-DEF31D162335}" dt="2025-12-09T13:02:37.432" v="2515" actId="478"/>
-          <ac:spMkLst>
-            <pc:docMk/>
-            <pc:sldMk cId="1309389261" sldId="265"/>
-            <ac:spMk id="7" creationId="{93CF37AE-0442-D191-0D72-30187F796763}"/>
-          </ac:spMkLst>
-        </pc:spChg>
-        <pc:spChg chg="add del mod">
-          <ac:chgData name="Luisa Dickenmann" userId="0c0840b0-1ae7-42c8-98b5-b02d8f71a603" providerId="ADAL" clId="{100BBC7B-7ACA-4A4D-BA33-DEF31D162335}" dt="2025-12-09T12:08:48.829" v="2207" actId="931"/>
-          <ac:spMkLst>
-            <pc:docMk/>
-            <pc:sldMk cId="1309389261" sldId="265"/>
-            <ac:spMk id="9" creationId="{1E7207BF-7D1A-06E6-759A-4DC70AB43061}"/>
           </ac:spMkLst>
         </pc:spChg>
         <pc:spChg chg="add mod">
@@ -808,14 +514,6 @@
             <ac:spMk id="15" creationId="{0923EC24-A6E5-C849-B975-9601C8597CF3}"/>
           </ac:spMkLst>
         </pc:spChg>
-        <pc:picChg chg="add del mod modCrop">
-          <ac:chgData name="Luisa Dickenmann" userId="0c0840b0-1ae7-42c8-98b5-b02d8f71a603" providerId="ADAL" clId="{100BBC7B-7ACA-4A4D-BA33-DEF31D162335}" dt="2025-12-09T12:08:37.349" v="2206" actId="478"/>
-          <ac:picMkLst>
-            <pc:docMk/>
-            <pc:sldMk cId="1309389261" sldId="265"/>
-            <ac:picMk id="5" creationId="{A613A6A1-D807-9828-02A8-F458A86438B3}"/>
-          </ac:picMkLst>
-        </pc:picChg>
         <pc:picChg chg="add mod">
           <ac:chgData name="Luisa Dickenmann" userId="0c0840b0-1ae7-42c8-98b5-b02d8f71a603" providerId="ADAL" clId="{100BBC7B-7ACA-4A4D-BA33-DEF31D162335}" dt="2025-12-09T12:11:08.004" v="2244" actId="1076"/>
           <ac:picMkLst>
@@ -855,22 +553,6 @@
             <ac:spMk id="2" creationId="{88E45658-7DE4-99A0-DD6E-14745BC00932}"/>
           </ac:spMkLst>
         </pc:spChg>
-        <pc:spChg chg="del">
-          <ac:chgData name="Luisa Dickenmann" userId="0c0840b0-1ae7-42c8-98b5-b02d8f71a603" providerId="ADAL" clId="{100BBC7B-7ACA-4A4D-BA33-DEF31D162335}" dt="2025-12-08T12:17:17.488" v="427" actId="931"/>
-          <ac:spMkLst>
-            <pc:docMk/>
-            <pc:sldMk cId="522262804" sldId="266"/>
-            <ac:spMk id="3" creationId="{A23DF43B-180F-6577-FD50-EEDB2C1CCCB5}"/>
-          </ac:spMkLst>
-        </pc:spChg>
-        <pc:spChg chg="add del mod">
-          <ac:chgData name="Luisa Dickenmann" userId="0c0840b0-1ae7-42c8-98b5-b02d8f71a603" providerId="ADAL" clId="{100BBC7B-7ACA-4A4D-BA33-DEF31D162335}" dt="2025-12-09T11:33:02.436" v="2013" actId="478"/>
-          <ac:spMkLst>
-            <pc:docMk/>
-            <pc:sldMk cId="522262804" sldId="266"/>
-            <ac:spMk id="3" creationId="{DD786037-11A1-D806-1999-4E5EABCA8722}"/>
-          </ac:spMkLst>
-        </pc:spChg>
         <pc:spChg chg="add mod">
           <ac:chgData name="Luisa Dickenmann" userId="0c0840b0-1ae7-42c8-98b5-b02d8f71a603" providerId="ADAL" clId="{100BBC7B-7ACA-4A4D-BA33-DEF31D162335}" dt="2025-12-09T11:32:28.788" v="2004" actId="1076"/>
           <ac:spMkLst>
@@ -887,14 +569,6 @@
             <ac:spMk id="6" creationId="{BC044F4B-72E6-AB1B-4698-07642C2B12A6}"/>
           </ac:spMkLst>
         </pc:spChg>
-        <pc:spChg chg="add del mod">
-          <ac:chgData name="Luisa Dickenmann" userId="0c0840b0-1ae7-42c8-98b5-b02d8f71a603" providerId="ADAL" clId="{100BBC7B-7ACA-4A4D-BA33-DEF31D162335}" dt="2025-12-08T14:19:58.755" v="634" actId="931"/>
-          <ac:spMkLst>
-            <pc:docMk/>
-            <pc:sldMk cId="522262804" sldId="266"/>
-            <ac:spMk id="8" creationId="{1E182486-652B-51B1-0DB4-87FCBC4202F4}"/>
-          </ac:spMkLst>
-        </pc:spChg>
         <pc:spChg chg="add mod">
           <ac:chgData name="Luisa Dickenmann" userId="0c0840b0-1ae7-42c8-98b5-b02d8f71a603" providerId="ADAL" clId="{100BBC7B-7ACA-4A4D-BA33-DEF31D162335}" dt="2025-12-09T11:32:33.736" v="2006" actId="1076"/>
           <ac:spMkLst>
@@ -911,14 +585,6 @@
             <ac:spMk id="11" creationId="{925679F4-CF01-D594-4512-3725711039C9}"/>
           </ac:spMkLst>
         </pc:spChg>
-        <pc:picChg chg="add del mod modCrop">
-          <ac:chgData name="Luisa Dickenmann" userId="0c0840b0-1ae7-42c8-98b5-b02d8f71a603" providerId="ADAL" clId="{100BBC7B-7ACA-4A4D-BA33-DEF31D162335}" dt="2025-12-08T14:19:55.360" v="633" actId="478"/>
-          <ac:picMkLst>
-            <pc:docMk/>
-            <pc:sldMk cId="522262804" sldId="266"/>
-            <ac:picMk id="5" creationId="{4B09988F-19A5-4E3F-2A12-E557FFF1503B}"/>
-          </ac:picMkLst>
-        </pc:picChg>
         <pc:picChg chg="add mod modCrop">
           <ac:chgData name="Luisa Dickenmann" userId="0c0840b0-1ae7-42c8-98b5-b02d8f71a603" providerId="ADAL" clId="{100BBC7B-7ACA-4A4D-BA33-DEF31D162335}" dt="2025-12-09T11:32:46.789" v="2011" actId="1076"/>
           <ac:picMkLst>
@@ -966,38 +632,6 @@
             <ac:spMk id="2" creationId="{3924B841-9362-0383-46CC-CFFBEFEFB90A}"/>
           </ac:spMkLst>
         </pc:spChg>
-        <pc:spChg chg="add del mod">
-          <ac:chgData name="Luisa Dickenmann" userId="0c0840b0-1ae7-42c8-98b5-b02d8f71a603" providerId="ADAL" clId="{100BBC7B-7ACA-4A4D-BA33-DEF31D162335}" dt="2025-12-09T09:30:55.591" v="1394" actId="478"/>
-          <ac:spMkLst>
-            <pc:docMk/>
-            <pc:sldMk cId="71374995" sldId="267"/>
-            <ac:spMk id="3" creationId="{45A95934-3FF5-5A04-E000-1437CD4A4B7A}"/>
-          </ac:spMkLst>
-        </pc:spChg>
-        <pc:spChg chg="del">
-          <ac:chgData name="Luisa Dickenmann" userId="0c0840b0-1ae7-42c8-98b5-b02d8f71a603" providerId="ADAL" clId="{100BBC7B-7ACA-4A4D-BA33-DEF31D162335}" dt="2025-12-08T15:00:56.102" v="749" actId="931"/>
-          <ac:spMkLst>
-            <pc:docMk/>
-            <pc:sldMk cId="71374995" sldId="267"/>
-            <ac:spMk id="3" creationId="{C5D45000-2327-9F64-320C-7F13070C3D6D}"/>
-          </ac:spMkLst>
-        </pc:spChg>
-        <pc:spChg chg="add del mod">
-          <ac:chgData name="Luisa Dickenmann" userId="0c0840b0-1ae7-42c8-98b5-b02d8f71a603" providerId="ADAL" clId="{100BBC7B-7ACA-4A4D-BA33-DEF31D162335}" dt="2025-12-09T09:30:51.299" v="1391" actId="931"/>
-          <ac:spMkLst>
-            <pc:docMk/>
-            <pc:sldMk cId="71374995" sldId="267"/>
-            <ac:spMk id="6" creationId="{36454AC2-EA9F-3FA3-6581-43BC92543F44}"/>
-          </ac:spMkLst>
-        </pc:spChg>
-        <pc:picChg chg="add del mod modCrop">
-          <ac:chgData name="Luisa Dickenmann" userId="0c0840b0-1ae7-42c8-98b5-b02d8f71a603" providerId="ADAL" clId="{100BBC7B-7ACA-4A4D-BA33-DEF31D162335}" dt="2025-12-09T09:30:46.034" v="1390" actId="478"/>
-          <ac:picMkLst>
-            <pc:docMk/>
-            <pc:sldMk cId="71374995" sldId="267"/>
-            <ac:picMk id="5" creationId="{A1CE5F60-A8AD-E47F-B1ED-5F1950277951}"/>
-          </ac:picMkLst>
-        </pc:picChg>
         <pc:picChg chg="add mod">
           <ac:chgData name="Luisa Dickenmann" userId="0c0840b0-1ae7-42c8-98b5-b02d8f71a603" providerId="ADAL" clId="{100BBC7B-7ACA-4A4D-BA33-DEF31D162335}" dt="2025-12-09T09:31:08.345" v="1400" actId="1076"/>
           <ac:picMkLst>
@@ -1021,70 +655,6 @@
             <ac:spMk id="2" creationId="{26A2107B-1EA8-BA64-B10E-8A0B8E21FB4C}"/>
           </ac:spMkLst>
         </pc:spChg>
-        <pc:spChg chg="del">
-          <ac:chgData name="Luisa Dickenmann" userId="0c0840b0-1ae7-42c8-98b5-b02d8f71a603" providerId="ADAL" clId="{100BBC7B-7ACA-4A4D-BA33-DEF31D162335}" dt="2025-12-08T14:20:40.187" v="677" actId="931"/>
-          <ac:spMkLst>
-            <pc:docMk/>
-            <pc:sldMk cId="1284769585" sldId="268"/>
-            <ac:spMk id="3" creationId="{2D475B74-E9C3-E334-CE1D-1F2D91223DCD}"/>
-          </ac:spMkLst>
-        </pc:spChg>
-        <pc:spChg chg="add del mod">
-          <ac:chgData name="Luisa Dickenmann" userId="0c0840b0-1ae7-42c8-98b5-b02d8f71a603" providerId="ADAL" clId="{100BBC7B-7ACA-4A4D-BA33-DEF31D162335}" dt="2025-12-08T14:21:00.340" v="681" actId="931"/>
-          <ac:spMkLst>
-            <pc:docMk/>
-            <pc:sldMk cId="1284769585" sldId="268"/>
-            <ac:spMk id="7" creationId="{B5DE2E83-425E-06E0-4757-0E1D976A3F01}"/>
-          </ac:spMkLst>
-        </pc:spChg>
-        <pc:spChg chg="add del mod">
-          <ac:chgData name="Luisa Dickenmann" userId="0c0840b0-1ae7-42c8-98b5-b02d8f71a603" providerId="ADAL" clId="{100BBC7B-7ACA-4A4D-BA33-DEF31D162335}" dt="2025-12-08T14:21:39.809" v="685" actId="931"/>
-          <ac:spMkLst>
-            <pc:docMk/>
-            <pc:sldMk cId="1284769585" sldId="268"/>
-            <ac:spMk id="11" creationId="{B0ABEDB3-CC77-573F-8715-0AD9B422EB55}"/>
-          </ac:spMkLst>
-        </pc:spChg>
-        <pc:spChg chg="add del mod">
-          <ac:chgData name="Luisa Dickenmann" userId="0c0840b0-1ae7-42c8-98b5-b02d8f71a603" providerId="ADAL" clId="{100BBC7B-7ACA-4A4D-BA33-DEF31D162335}" dt="2025-12-08T14:25:04.840" v="742" actId="478"/>
-          <ac:spMkLst>
-            <pc:docMk/>
-            <pc:sldMk cId="1284769585" sldId="268"/>
-            <ac:spMk id="14" creationId="{335AFEB9-6171-80FA-9AA3-57C19E453BED}"/>
-          </ac:spMkLst>
-        </pc:spChg>
-        <pc:spChg chg="add del mod">
-          <ac:chgData name="Luisa Dickenmann" userId="0c0840b0-1ae7-42c8-98b5-b02d8f71a603" providerId="ADAL" clId="{100BBC7B-7ACA-4A4D-BA33-DEF31D162335}" dt="2025-12-08T14:46:18.764" v="744" actId="931"/>
-          <ac:spMkLst>
-            <pc:docMk/>
-            <pc:sldMk cId="1284769585" sldId="268"/>
-            <ac:spMk id="16" creationId="{8A56E870-4677-2A40-2F05-D20449CF7C8B}"/>
-          </ac:spMkLst>
-        </pc:spChg>
-        <pc:picChg chg="add del mod">
-          <ac:chgData name="Luisa Dickenmann" userId="0c0840b0-1ae7-42c8-98b5-b02d8f71a603" providerId="ADAL" clId="{100BBC7B-7ACA-4A4D-BA33-DEF31D162335}" dt="2025-12-08T14:20:56.823" v="680" actId="478"/>
-          <ac:picMkLst>
-            <pc:docMk/>
-            <pc:sldMk cId="1284769585" sldId="268"/>
-            <ac:picMk id="5" creationId="{65C0BBCC-2E2F-A9EF-5563-686DE2B356BE}"/>
-          </ac:picMkLst>
-        </pc:picChg>
-        <pc:picChg chg="add del mod">
-          <ac:chgData name="Luisa Dickenmann" userId="0c0840b0-1ae7-42c8-98b5-b02d8f71a603" providerId="ADAL" clId="{100BBC7B-7ACA-4A4D-BA33-DEF31D162335}" dt="2025-12-08T14:21:33.116" v="684" actId="478"/>
-          <ac:picMkLst>
-            <pc:docMk/>
-            <pc:sldMk cId="1284769585" sldId="268"/>
-            <ac:picMk id="9" creationId="{B83F64B8-3184-EC00-46E8-5D501A9CF1FC}"/>
-          </ac:picMkLst>
-        </pc:picChg>
-        <pc:picChg chg="add del mod">
-          <ac:chgData name="Luisa Dickenmann" userId="0c0840b0-1ae7-42c8-98b5-b02d8f71a603" providerId="ADAL" clId="{100BBC7B-7ACA-4A4D-BA33-DEF31D162335}" dt="2025-12-08T14:46:11.754" v="743" actId="478"/>
-          <ac:picMkLst>
-            <pc:docMk/>
-            <pc:sldMk cId="1284769585" sldId="268"/>
-            <ac:picMk id="13" creationId="{2371C52C-BD47-B2CB-3B8A-0C572B64175C}"/>
-          </ac:picMkLst>
-        </pc:picChg>
         <pc:picChg chg="add mod">
           <ac:chgData name="Luisa Dickenmann" userId="0c0840b0-1ae7-42c8-98b5-b02d8f71a603" providerId="ADAL" clId="{100BBC7B-7ACA-4A4D-BA33-DEF31D162335}" dt="2025-12-08T14:46:25.582" v="748" actId="14100"/>
           <ac:picMkLst>
@@ -1100,30 +670,6 @@
           <pc:docMk/>
           <pc:sldMk cId="1264928361" sldId="269"/>
         </pc:sldMkLst>
-        <pc:spChg chg="add del mod">
-          <ac:chgData name="Luisa Dickenmann" userId="0c0840b0-1ae7-42c8-98b5-b02d8f71a603" providerId="ADAL" clId="{100BBC7B-7ACA-4A4D-BA33-DEF31D162335}" dt="2025-12-09T09:26:50.206" v="1382" actId="478"/>
-          <ac:spMkLst>
-            <pc:docMk/>
-            <pc:sldMk cId="1264928361" sldId="269"/>
-            <ac:spMk id="2" creationId="{7BAAE22C-5A2A-06D6-68CE-BE56F8AF3823}"/>
-          </ac:spMkLst>
-        </pc:spChg>
-        <pc:spChg chg="del">
-          <ac:chgData name="Luisa Dickenmann" userId="0c0840b0-1ae7-42c8-98b5-b02d8f71a603" providerId="ADAL" clId="{100BBC7B-7ACA-4A4D-BA33-DEF31D162335}" dt="2025-12-08T14:24:18.526" v="706"/>
-          <ac:spMkLst>
-            <pc:docMk/>
-            <pc:sldMk cId="1264928361" sldId="269"/>
-            <ac:spMk id="2" creationId="{DB86227E-8BC9-48C2-4954-7A70664D246C}"/>
-          </ac:spMkLst>
-        </pc:spChg>
-        <pc:spChg chg="del">
-          <ac:chgData name="Luisa Dickenmann" userId="0c0840b0-1ae7-42c8-98b5-b02d8f71a603" providerId="ADAL" clId="{100BBC7B-7ACA-4A4D-BA33-DEF31D162335}" dt="2025-12-08T15:17:36.340" v="789" actId="931"/>
-          <ac:spMkLst>
-            <pc:docMk/>
-            <pc:sldMk cId="1264928361" sldId="269"/>
-            <ac:spMk id="3" creationId="{6ECA84FA-A3F6-E9F8-BAC9-5B792C4C5144}"/>
-          </ac:spMkLst>
-        </pc:spChg>
         <pc:spChg chg="add mod">
           <ac:chgData name="Luisa Dickenmann" userId="0c0840b0-1ae7-42c8-98b5-b02d8f71a603" providerId="ADAL" clId="{100BBC7B-7ACA-4A4D-BA33-DEF31D162335}" dt="2025-12-08T15:17:39.682" v="792" actId="1076"/>
           <ac:spMkLst>
@@ -1132,52 +678,12 @@
             <ac:spMk id="4" creationId="{C2C95541-CA90-A88F-7649-31BAE83914A4}"/>
           </ac:spMkLst>
         </pc:spChg>
-        <pc:spChg chg="add del mod">
-          <ac:chgData name="Luisa Dickenmann" userId="0c0840b0-1ae7-42c8-98b5-b02d8f71a603" providerId="ADAL" clId="{100BBC7B-7ACA-4A4D-BA33-DEF31D162335}" dt="2025-12-09T09:26:43.843" v="1381" actId="931"/>
-          <ac:spMkLst>
-            <pc:docMk/>
-            <pc:sldMk cId="1264928361" sldId="269"/>
-            <ac:spMk id="5" creationId="{CB6DCB8E-0847-CF03-718F-64DEB08C8ED6}"/>
-          </ac:spMkLst>
-        </pc:spChg>
-        <pc:spChg chg="add del mod">
-          <ac:chgData name="Luisa Dickenmann" userId="0c0840b0-1ae7-42c8-98b5-b02d8f71a603" providerId="ADAL" clId="{100BBC7B-7ACA-4A4D-BA33-DEF31D162335}" dt="2025-12-08T16:19:18.287" v="916" actId="478"/>
-          <ac:spMkLst>
-            <pc:docMk/>
-            <pc:sldMk cId="1264928361" sldId="269"/>
-            <ac:spMk id="7" creationId="{8EA37AC0-F260-8473-81E2-44DEA36FA95C}"/>
-          </ac:spMkLst>
-        </pc:spChg>
-        <pc:spChg chg="add del mod">
-          <ac:chgData name="Luisa Dickenmann" userId="0c0840b0-1ae7-42c8-98b5-b02d8f71a603" providerId="ADAL" clId="{100BBC7B-7ACA-4A4D-BA33-DEF31D162335}" dt="2025-12-08T16:19:46.488" v="918" actId="931"/>
-          <ac:spMkLst>
-            <pc:docMk/>
-            <pc:sldMk cId="1264928361" sldId="269"/>
-            <ac:spMk id="9" creationId="{8EDBD2F8-B2DF-3505-26DA-E186E0ABECF5}"/>
-          </ac:spMkLst>
-        </pc:spChg>
-        <pc:picChg chg="add del mod modCrop">
-          <ac:chgData name="Luisa Dickenmann" userId="0c0840b0-1ae7-42c8-98b5-b02d8f71a603" providerId="ADAL" clId="{100BBC7B-7ACA-4A4D-BA33-DEF31D162335}" dt="2025-12-08T16:19:41.035" v="917" actId="478"/>
-          <ac:picMkLst>
-            <pc:docMk/>
-            <pc:sldMk cId="1264928361" sldId="269"/>
-            <ac:picMk id="6" creationId="{AD890090-EF65-13CD-3F06-580B5D3AF2EB}"/>
-          </ac:picMkLst>
-        </pc:picChg>
         <pc:picChg chg="add mod">
           <ac:chgData name="Luisa Dickenmann" userId="0c0840b0-1ae7-42c8-98b5-b02d8f71a603" providerId="ADAL" clId="{100BBC7B-7ACA-4A4D-BA33-DEF31D162335}" dt="2025-12-09T09:26:55.622" v="1385" actId="1076"/>
           <ac:picMkLst>
             <pc:docMk/>
             <pc:sldMk cId="1264928361" sldId="269"/>
             <ac:picMk id="7" creationId="{DCFA758F-D810-5393-BA80-278AA366BAC3}"/>
-          </ac:picMkLst>
-        </pc:picChg>
-        <pc:picChg chg="add del mod modCrop">
-          <ac:chgData name="Luisa Dickenmann" userId="0c0840b0-1ae7-42c8-98b5-b02d8f71a603" providerId="ADAL" clId="{100BBC7B-7ACA-4A4D-BA33-DEF31D162335}" dt="2025-12-09T09:26:34.154" v="1380" actId="478"/>
-          <ac:picMkLst>
-            <pc:docMk/>
-            <pc:sldMk cId="1264928361" sldId="269"/>
-            <ac:picMk id="11" creationId="{74C94231-08B9-4F45-86A0-76BD9BDF6CF9}"/>
           </ac:picMkLst>
         </pc:picChg>
       </pc:sldChg>
@@ -1187,22 +693,6 @@
           <pc:docMk/>
           <pc:sldMk cId="2413059109" sldId="270"/>
         </pc:sldMkLst>
-        <pc:spChg chg="del">
-          <ac:chgData name="Luisa Dickenmann" userId="0c0840b0-1ae7-42c8-98b5-b02d8f71a603" providerId="ADAL" clId="{100BBC7B-7ACA-4A4D-BA33-DEF31D162335}" dt="2025-12-08T14:24:26.085" v="728"/>
-          <ac:spMkLst>
-            <pc:docMk/>
-            <pc:sldMk cId="2413059109" sldId="270"/>
-            <ac:spMk id="2" creationId="{60427FBF-51B3-79E2-8BBC-2D3361A7FFA4}"/>
-          </ac:spMkLst>
-        </pc:spChg>
-        <pc:spChg chg="del">
-          <ac:chgData name="Luisa Dickenmann" userId="0c0840b0-1ae7-42c8-98b5-b02d8f71a603" providerId="ADAL" clId="{100BBC7B-7ACA-4A4D-BA33-DEF31D162335}" dt="2025-12-08T15:42:35.550" v="851" actId="931"/>
-          <ac:spMkLst>
-            <pc:docMk/>
-            <pc:sldMk cId="2413059109" sldId="270"/>
-            <ac:spMk id="3" creationId="{1C15EAB5-15B8-86BD-3419-353AA073DC02}"/>
-          </ac:spMkLst>
-        </pc:spChg>
         <pc:spChg chg="add mod">
           <ac:chgData name="Luisa Dickenmann" userId="0c0840b0-1ae7-42c8-98b5-b02d8f71a603" providerId="ADAL" clId="{100BBC7B-7ACA-4A4D-BA33-DEF31D162335}" dt="2025-12-08T15:42:29.661" v="850" actId="1076"/>
           <ac:spMkLst>
@@ -1211,52 +701,12 @@
             <ac:spMk id="4" creationId="{F351BBFA-4D62-6F56-D9B2-084422C226AB}"/>
           </ac:spMkLst>
         </pc:spChg>
-        <pc:spChg chg="add del mod">
-          <ac:chgData name="Luisa Dickenmann" userId="0c0840b0-1ae7-42c8-98b5-b02d8f71a603" providerId="ADAL" clId="{100BBC7B-7ACA-4A4D-BA33-DEF31D162335}" dt="2025-12-08T15:43:10.605" v="855" actId="931"/>
-          <ac:spMkLst>
-            <pc:docMk/>
-            <pc:sldMk cId="2413059109" sldId="270"/>
-            <ac:spMk id="8" creationId="{4F4988D8-FD40-C370-7F4A-A91BFA267D2E}"/>
-          </ac:spMkLst>
-        </pc:spChg>
-        <pc:spChg chg="add del mod">
-          <ac:chgData name="Luisa Dickenmann" userId="0c0840b0-1ae7-42c8-98b5-b02d8f71a603" providerId="ADAL" clId="{100BBC7B-7ACA-4A4D-BA33-DEF31D162335}" dt="2025-12-08T16:21:56.700" v="933" actId="478"/>
-          <ac:spMkLst>
-            <pc:docMk/>
-            <pc:sldMk cId="2413059109" sldId="270"/>
-            <ac:spMk id="12" creationId="{43C20938-CF01-39D9-0586-03FE862C7D56}"/>
-          </ac:spMkLst>
-        </pc:spChg>
-        <pc:spChg chg="add del mod">
-          <ac:chgData name="Luisa Dickenmann" userId="0c0840b0-1ae7-42c8-98b5-b02d8f71a603" providerId="ADAL" clId="{100BBC7B-7ACA-4A4D-BA33-DEF31D162335}" dt="2025-12-08T16:21:55.900" v="930" actId="478"/>
-          <ac:spMkLst>
-            <pc:docMk/>
-            <pc:sldMk cId="2413059109" sldId="270"/>
-            <ac:spMk id="16" creationId="{D2208F67-A82A-E253-5518-B48A4D110B6C}"/>
-          </ac:spMkLst>
-        </pc:spChg>
-        <pc:picChg chg="add del mod">
-          <ac:chgData name="Luisa Dickenmann" userId="0c0840b0-1ae7-42c8-98b5-b02d8f71a603" providerId="ADAL" clId="{100BBC7B-7ACA-4A4D-BA33-DEF31D162335}" dt="2025-12-08T15:43:05.724" v="854" actId="478"/>
-          <ac:picMkLst>
-            <pc:docMk/>
-            <pc:sldMk cId="2413059109" sldId="270"/>
-            <ac:picMk id="6" creationId="{8A8DF9E4-C9E1-F6E5-FFA0-CFA7CDFD4E3A}"/>
-          </ac:picMkLst>
-        </pc:picChg>
         <pc:picChg chg="add del mod">
           <ac:chgData name="Luisa Dickenmann" userId="0c0840b0-1ae7-42c8-98b5-b02d8f71a603" providerId="ADAL" clId="{100BBC7B-7ACA-4A4D-BA33-DEF31D162335}" dt="2025-12-08T16:21:56.700" v="933" actId="478"/>
           <ac:picMkLst>
             <pc:docMk/>
             <pc:sldMk cId="2413059109" sldId="270"/>
             <ac:picMk id="10" creationId="{EA175353-6AD5-76CA-2329-CCA6E2F2F8DA}"/>
-          </ac:picMkLst>
-        </pc:picChg>
-        <pc:picChg chg="add del mod">
-          <ac:chgData name="Luisa Dickenmann" userId="0c0840b0-1ae7-42c8-98b5-b02d8f71a603" providerId="ADAL" clId="{100BBC7B-7ACA-4A4D-BA33-DEF31D162335}" dt="2025-12-08T16:21:56.253" v="932" actId="931"/>
-          <ac:picMkLst>
-            <pc:docMk/>
-            <pc:sldMk cId="2413059109" sldId="270"/>
-            <ac:picMk id="14" creationId="{5B1EEFB9-210D-DEC5-3CEE-A9D3A3C78B55}"/>
           </ac:picMkLst>
         </pc:picChg>
       </pc:sldChg>
@@ -1272,14 +722,6 @@
             <pc:docMk/>
             <pc:sldMk cId="985959284" sldId="271"/>
             <ac:spMk id="2" creationId="{168C75FB-2C6E-BD4A-0495-ABAEC6CE37D7}"/>
-          </ac:spMkLst>
-        </pc:spChg>
-        <pc:spChg chg="del">
-          <ac:chgData name="Luisa Dickenmann" userId="0c0840b0-1ae7-42c8-98b5-b02d8f71a603" providerId="ADAL" clId="{100BBC7B-7ACA-4A4D-BA33-DEF31D162335}" dt="2025-12-08T15:16:07.123" v="784" actId="931"/>
-          <ac:spMkLst>
-            <pc:docMk/>
-            <pc:sldMk cId="985959284" sldId="271"/>
-            <ac:spMk id="3" creationId="{E5D6C9AB-0E03-A8A4-1D6D-D9993A18A725}"/>
           </ac:spMkLst>
         </pc:spChg>
         <pc:picChg chg="add mod">
@@ -1305,22 +747,6 @@
             <ac:spMk id="2" creationId="{DBBAC9F3-8100-D77A-023E-C972C89795AC}"/>
           </ac:spMkLst>
         </pc:spChg>
-        <pc:spChg chg="del">
-          <ac:chgData name="Luisa Dickenmann" userId="0c0840b0-1ae7-42c8-98b5-b02d8f71a603" providerId="ADAL" clId="{100BBC7B-7ACA-4A4D-BA33-DEF31D162335}" dt="2025-12-08T15:43:14.965" v="857" actId="931"/>
-          <ac:spMkLst>
-            <pc:docMk/>
-            <pc:sldMk cId="4087577250" sldId="272"/>
-            <ac:spMk id="3" creationId="{C66BD223-4350-C820-7AF7-260F8A9F05F9}"/>
-          </ac:spMkLst>
-        </pc:spChg>
-        <pc:spChg chg="add del mod">
-          <ac:chgData name="Luisa Dickenmann" userId="0c0840b0-1ae7-42c8-98b5-b02d8f71a603" providerId="ADAL" clId="{100BBC7B-7ACA-4A4D-BA33-DEF31D162335}" dt="2025-12-09T10:09:34.390" v="1446" actId="478"/>
-          <ac:spMkLst>
-            <pc:docMk/>
-            <pc:sldMk cId="4087577250" sldId="272"/>
-            <ac:spMk id="3" creationId="{D67EB707-6845-6AB8-D642-0416D43E4863}"/>
-          </ac:spMkLst>
-        </pc:spChg>
         <pc:spChg chg="add mod">
           <ac:chgData name="Luisa Dickenmann" userId="0c0840b0-1ae7-42c8-98b5-b02d8f71a603" providerId="ADAL" clId="{100BBC7B-7ACA-4A4D-BA33-DEF31D162335}" dt="2025-12-09T10:11:04.800" v="1487" actId="20577"/>
           <ac:spMkLst>
@@ -1329,62 +755,6 @@
             <ac:spMk id="6" creationId="{C5012472-E3FE-9887-B742-0271FEB26237}"/>
           </ac:spMkLst>
         </pc:spChg>
-        <pc:spChg chg="add del mod">
-          <ac:chgData name="Luisa Dickenmann" userId="0c0840b0-1ae7-42c8-98b5-b02d8f71a603" providerId="ADAL" clId="{100BBC7B-7ACA-4A4D-BA33-DEF31D162335}" dt="2025-12-08T15:44:12.727" v="867" actId="931"/>
-          <ac:spMkLst>
-            <pc:docMk/>
-            <pc:sldMk cId="4087577250" sldId="272"/>
-            <ac:spMk id="7" creationId="{8D6C9324-A5FD-0775-4747-C7FE69E1A6DE}"/>
-          </ac:spMkLst>
-        </pc:spChg>
-        <pc:spChg chg="add del mod">
-          <ac:chgData name="Luisa Dickenmann" userId="0c0840b0-1ae7-42c8-98b5-b02d8f71a603" providerId="ADAL" clId="{100BBC7B-7ACA-4A4D-BA33-DEF31D162335}" dt="2025-12-08T16:22:19.877" v="935" actId="931"/>
-          <ac:spMkLst>
-            <pc:docMk/>
-            <pc:sldMk cId="4087577250" sldId="272"/>
-            <ac:spMk id="11" creationId="{7A437E10-3391-D653-5B40-6BB421282C41}"/>
-          </ac:spMkLst>
-        </pc:spChg>
-        <pc:spChg chg="add del mod">
-          <ac:chgData name="Luisa Dickenmann" userId="0c0840b0-1ae7-42c8-98b5-b02d8f71a603" providerId="ADAL" clId="{100BBC7B-7ACA-4A4D-BA33-DEF31D162335}" dt="2025-12-08T16:22:34.518" v="939" actId="931"/>
-          <ac:spMkLst>
-            <pc:docMk/>
-            <pc:sldMk cId="4087577250" sldId="272"/>
-            <ac:spMk id="15" creationId="{43259BE7-8490-A8DE-5FC6-F15DF7F56525}"/>
-          </ac:spMkLst>
-        </pc:spChg>
-        <pc:spChg chg="add del mod">
-          <ac:chgData name="Luisa Dickenmann" userId="0c0840b0-1ae7-42c8-98b5-b02d8f71a603" providerId="ADAL" clId="{100BBC7B-7ACA-4A4D-BA33-DEF31D162335}" dt="2025-12-08T16:23:23.837" v="960" actId="931"/>
-          <ac:spMkLst>
-            <pc:docMk/>
-            <pc:sldMk cId="4087577250" sldId="272"/>
-            <ac:spMk id="19" creationId="{25049C4E-6BB9-D364-E1F8-1A699A99212D}"/>
-          </ac:spMkLst>
-        </pc:spChg>
-        <pc:spChg chg="add del mod">
-          <ac:chgData name="Luisa Dickenmann" userId="0c0840b0-1ae7-42c8-98b5-b02d8f71a603" providerId="ADAL" clId="{100BBC7B-7ACA-4A4D-BA33-DEF31D162335}" dt="2025-12-08T16:25:07.418" v="966" actId="931"/>
-          <ac:spMkLst>
-            <pc:docMk/>
-            <pc:sldMk cId="4087577250" sldId="272"/>
-            <ac:spMk id="23" creationId="{A3610182-7A85-EC30-A317-8148FDB54FF2}"/>
-          </ac:spMkLst>
-        </pc:spChg>
-        <pc:spChg chg="add del mod">
-          <ac:chgData name="Luisa Dickenmann" userId="0c0840b0-1ae7-42c8-98b5-b02d8f71a603" providerId="ADAL" clId="{100BBC7B-7ACA-4A4D-BA33-DEF31D162335}" dt="2025-12-09T10:09:31.516" v="1445" actId="931"/>
-          <ac:spMkLst>
-            <pc:docMk/>
-            <pc:sldMk cId="4087577250" sldId="272"/>
-            <ac:spMk id="27" creationId="{40565BB2-56E7-E156-7476-3AE39487A87B}"/>
-          </ac:spMkLst>
-        </pc:spChg>
-        <pc:picChg chg="add del mod modCrop">
-          <ac:chgData name="Luisa Dickenmann" userId="0c0840b0-1ae7-42c8-98b5-b02d8f71a603" providerId="ADAL" clId="{100BBC7B-7ACA-4A4D-BA33-DEF31D162335}" dt="2025-12-08T15:44:08.979" v="866" actId="478"/>
-          <ac:picMkLst>
-            <pc:docMk/>
-            <pc:sldMk cId="4087577250" sldId="272"/>
-            <ac:picMk id="5" creationId="{126834C1-AB21-229E-A7E1-0CCF3D851590}"/>
-          </ac:picMkLst>
-        </pc:picChg>
         <pc:picChg chg="add mod modCrop">
           <ac:chgData name="Luisa Dickenmann" userId="0c0840b0-1ae7-42c8-98b5-b02d8f71a603" providerId="ADAL" clId="{100BBC7B-7ACA-4A4D-BA33-DEF31D162335}" dt="2025-12-09T10:11:14.408" v="1488" actId="732"/>
           <ac:picMkLst>
@@ -1393,140 +763,36 @@
             <ac:picMk id="5" creationId="{88AB1702-AC8E-BCAE-24FC-C14A03615DD3}"/>
           </ac:picMkLst>
         </pc:picChg>
-        <pc:picChg chg="add del mod modCrop">
-          <ac:chgData name="Luisa Dickenmann" userId="0c0840b0-1ae7-42c8-98b5-b02d8f71a603" providerId="ADAL" clId="{100BBC7B-7ACA-4A4D-BA33-DEF31D162335}" dt="2025-12-08T16:22:14.811" v="934" actId="478"/>
-          <ac:picMkLst>
-            <pc:docMk/>
-            <pc:sldMk cId="4087577250" sldId="272"/>
-            <ac:picMk id="9" creationId="{11EA4D3C-9827-BB96-BA2A-29A5ABBE1BA1}"/>
-          </ac:picMkLst>
-        </pc:picChg>
-        <pc:picChg chg="add del mod">
-          <ac:chgData name="Luisa Dickenmann" userId="0c0840b0-1ae7-42c8-98b5-b02d8f71a603" providerId="ADAL" clId="{100BBC7B-7ACA-4A4D-BA33-DEF31D162335}" dt="2025-12-08T16:22:31.186" v="938" actId="478"/>
-          <ac:picMkLst>
-            <pc:docMk/>
-            <pc:sldMk cId="4087577250" sldId="272"/>
-            <ac:picMk id="13" creationId="{FEF5CA2A-DE23-389C-BCF3-1D5B88A92D5E}"/>
-          </ac:picMkLst>
-        </pc:picChg>
-        <pc:picChg chg="add del mod">
-          <ac:chgData name="Luisa Dickenmann" userId="0c0840b0-1ae7-42c8-98b5-b02d8f71a603" providerId="ADAL" clId="{100BBC7B-7ACA-4A4D-BA33-DEF31D162335}" dt="2025-12-08T16:23:15.939" v="959" actId="478"/>
-          <ac:picMkLst>
-            <pc:docMk/>
-            <pc:sldMk cId="4087577250" sldId="272"/>
-            <ac:picMk id="17" creationId="{81FA670A-AD4A-F576-B565-B031FAF50827}"/>
-          </ac:picMkLst>
-        </pc:picChg>
-        <pc:picChg chg="add del mod">
-          <ac:chgData name="Luisa Dickenmann" userId="0c0840b0-1ae7-42c8-98b5-b02d8f71a603" providerId="ADAL" clId="{100BBC7B-7ACA-4A4D-BA33-DEF31D162335}" dt="2025-12-08T16:23:32.354" v="965" actId="478"/>
-          <ac:picMkLst>
-            <pc:docMk/>
-            <pc:sldMk cId="4087577250" sldId="272"/>
-            <ac:picMk id="21" creationId="{13C2C514-9829-EF5B-403C-5EDCA9F40468}"/>
-          </ac:picMkLst>
-        </pc:picChg>
-        <pc:picChg chg="add del mod">
-          <ac:chgData name="Luisa Dickenmann" userId="0c0840b0-1ae7-42c8-98b5-b02d8f71a603" providerId="ADAL" clId="{100BBC7B-7ACA-4A4D-BA33-DEF31D162335}" dt="2025-12-08T16:25:10.580" v="970" actId="478"/>
-          <ac:picMkLst>
-            <pc:docMk/>
-            <pc:sldMk cId="4087577250" sldId="272"/>
-            <ac:picMk id="25" creationId="{272F4CF6-7028-BF0C-D9D8-718B7700F2D6}"/>
-          </ac:picMkLst>
-        </pc:picChg>
       </pc:sldChg>
-      <pc:sldChg chg="addSp delSp modSp new mod">
-        <pc:chgData name="Luisa Dickenmann" userId="0c0840b0-1ae7-42c8-98b5-b02d8f71a603" providerId="ADAL" clId="{100BBC7B-7ACA-4A4D-BA33-DEF31D162335}" dt="2025-12-09T10:33:00.601" v="1509" actId="931"/>
+      <pc:sldChg chg="addSp delSp modSp new del mod">
+        <pc:chgData name="Luisa Dickenmann" userId="0c0840b0-1ae7-42c8-98b5-b02d8f71a603" providerId="ADAL" clId="{100BBC7B-7ACA-4A4D-BA33-DEF31D162335}" dt="2025-12-11T16:47:40.889" v="3766" actId="47"/>
         <pc:sldMkLst>
           <pc:docMk/>
           <pc:sldMk cId="1622543642" sldId="273"/>
         </pc:sldMkLst>
-        <pc:spChg chg="mod">
-          <ac:chgData name="Luisa Dickenmann" userId="0c0840b0-1ae7-42c8-98b5-b02d8f71a603" providerId="ADAL" clId="{100BBC7B-7ACA-4A4D-BA33-DEF31D162335}" dt="2025-12-09T09:13:58.954" v="1377" actId="20577"/>
-          <ac:spMkLst>
-            <pc:docMk/>
-            <pc:sldMk cId="1622543642" sldId="273"/>
-            <ac:spMk id="2" creationId="{149EE15F-4B94-ED05-018D-4CF3EB11561C}"/>
-          </ac:spMkLst>
-        </pc:spChg>
-        <pc:spChg chg="add del">
-          <ac:chgData name="Luisa Dickenmann" userId="0c0840b0-1ae7-42c8-98b5-b02d8f71a603" providerId="ADAL" clId="{100BBC7B-7ACA-4A4D-BA33-DEF31D162335}" dt="2025-12-09T10:33:00.601" v="1509" actId="931"/>
-          <ac:spMkLst>
-            <pc:docMk/>
-            <pc:sldMk cId="1622543642" sldId="273"/>
-            <ac:spMk id="3" creationId="{5EFF545B-FB32-FB99-3DEF-751F64DCBFFE}"/>
-          </ac:spMkLst>
-        </pc:spChg>
-        <pc:picChg chg="add mod">
-          <ac:chgData name="Luisa Dickenmann" userId="0c0840b0-1ae7-42c8-98b5-b02d8f71a603" providerId="ADAL" clId="{100BBC7B-7ACA-4A4D-BA33-DEF31D162335}" dt="2025-12-09T10:33:00.601" v="1509" actId="931"/>
-          <ac:picMkLst>
-            <pc:docMk/>
-            <pc:sldMk cId="1622543642" sldId="273"/>
-            <ac:picMk id="5" creationId="{04379E65-BD29-A6C0-D20D-65F36BCBC949}"/>
-          </ac:picMkLst>
-        </pc:picChg>
       </pc:sldChg>
-      <pc:sldChg chg="addSp delSp modSp new mod">
-        <pc:chgData name="Luisa Dickenmann" userId="0c0840b0-1ae7-42c8-98b5-b02d8f71a603" providerId="ADAL" clId="{100BBC7B-7ACA-4A4D-BA33-DEF31D162335}" dt="2025-12-09T10:39:59.558" v="1677" actId="2062"/>
+      <pc:sldChg chg="addSp delSp modSp new del mod">
+        <pc:chgData name="Luisa Dickenmann" userId="0c0840b0-1ae7-42c8-98b5-b02d8f71a603" providerId="ADAL" clId="{100BBC7B-7ACA-4A4D-BA33-DEF31D162335}" dt="2025-12-11T16:48:37.120" v="3799" actId="47"/>
         <pc:sldMkLst>
           <pc:docMk/>
           <pc:sldMk cId="4222636709" sldId="274"/>
         </pc:sldMkLst>
-        <pc:spChg chg="mod">
-          <ac:chgData name="Luisa Dickenmann" userId="0c0840b0-1ae7-42c8-98b5-b02d8f71a603" providerId="ADAL" clId="{100BBC7B-7ACA-4A4D-BA33-DEF31D162335}" dt="2025-12-09T09:52:21.205" v="1444" actId="1076"/>
+        <pc:spChg chg="add mod">
+          <ac:chgData name="Luisa Dickenmann" userId="0c0840b0-1ae7-42c8-98b5-b02d8f71a603" providerId="ADAL" clId="{100BBC7B-7ACA-4A4D-BA33-DEF31D162335}" dt="2025-12-11T16:48:27.512" v="3798" actId="1076"/>
           <ac:spMkLst>
             <pc:docMk/>
             <pc:sldMk cId="4222636709" sldId="274"/>
-            <ac:spMk id="2" creationId="{9DF1BC62-6E05-2214-83CA-8D9E2160A19B}"/>
+            <ac:spMk id="12" creationId="{31B25E77-5BAC-84FD-D736-D673EFA1488B}"/>
           </ac:spMkLst>
         </pc:spChg>
-        <pc:spChg chg="del">
-          <ac:chgData name="Luisa Dickenmann" userId="0c0840b0-1ae7-42c8-98b5-b02d8f71a603" providerId="ADAL" clId="{100BBC7B-7ACA-4A4D-BA33-DEF31D162335}" dt="2025-12-09T10:33:25.096" v="1510" actId="931"/>
-          <ac:spMkLst>
-            <pc:docMk/>
-            <pc:sldMk cId="4222636709" sldId="274"/>
-            <ac:spMk id="3" creationId="{75C94D3E-1E89-AA8F-84F8-EA97048F8495}"/>
-          </ac:spMkLst>
-        </pc:spChg>
-        <pc:spChg chg="add del mod">
-          <ac:chgData name="Luisa Dickenmann" userId="0c0840b0-1ae7-42c8-98b5-b02d8f71a603" providerId="ADAL" clId="{100BBC7B-7ACA-4A4D-BA33-DEF31D162335}" dt="2025-12-09T10:35:32.813" v="1528" actId="3680"/>
-          <ac:spMkLst>
-            <pc:docMk/>
-            <pc:sldMk cId="4222636709" sldId="274"/>
-            <ac:spMk id="7" creationId="{3BBFBC9B-15EE-D1A6-F4D3-F551E19655C2}"/>
-          </ac:spMkLst>
-        </pc:spChg>
-        <pc:graphicFrameChg chg="add del mod ord modGraphic">
-          <ac:chgData name="Luisa Dickenmann" userId="0c0840b0-1ae7-42c8-98b5-b02d8f71a603" providerId="ADAL" clId="{100BBC7B-7ACA-4A4D-BA33-DEF31D162335}" dt="2025-12-09T10:35:19.734" v="1527" actId="3680"/>
-          <ac:graphicFrameMkLst>
-            <pc:docMk/>
-            <pc:sldMk cId="4222636709" sldId="274"/>
-            <ac:graphicFrameMk id="8" creationId="{5A8BDCCA-95A4-2A68-34B4-BCD887151C72}"/>
-          </ac:graphicFrameMkLst>
-        </pc:graphicFrameChg>
         <pc:graphicFrameChg chg="add mod ord modGraphic">
-          <ac:chgData name="Luisa Dickenmann" userId="0c0840b0-1ae7-42c8-98b5-b02d8f71a603" providerId="ADAL" clId="{100BBC7B-7ACA-4A4D-BA33-DEF31D162335}" dt="2025-12-09T10:39:59.558" v="1677" actId="2062"/>
+          <ac:chgData name="Luisa Dickenmann" userId="0c0840b0-1ae7-42c8-98b5-b02d8f71a603" providerId="ADAL" clId="{100BBC7B-7ACA-4A4D-BA33-DEF31D162335}" dt="2025-12-11T16:47:51.968" v="3767" actId="12385"/>
           <ac:graphicFrameMkLst>
             <pc:docMk/>
             <pc:sldMk cId="4222636709" sldId="274"/>
             <ac:graphicFrameMk id="9" creationId="{0AADB95F-2104-542D-E0E1-ABEDEF08E276}"/>
           </ac:graphicFrameMkLst>
         </pc:graphicFrameChg>
-        <pc:picChg chg="add del mod">
-          <ac:chgData name="Luisa Dickenmann" userId="0c0840b0-1ae7-42c8-98b5-b02d8f71a603" providerId="ADAL" clId="{100BBC7B-7ACA-4A4D-BA33-DEF31D162335}" dt="2025-12-09T10:35:02.971" v="1525" actId="478"/>
-          <ac:picMkLst>
-            <pc:docMk/>
-            <pc:sldMk cId="4222636709" sldId="274"/>
-            <ac:picMk id="5" creationId="{7C850420-242B-ED0F-E2C6-7D4355198D45}"/>
-          </ac:picMkLst>
-        </pc:picChg>
-        <pc:picChg chg="add del mod">
-          <ac:chgData name="Luisa Dickenmann" userId="0c0840b0-1ae7-42c8-98b5-b02d8f71a603" providerId="ADAL" clId="{100BBC7B-7ACA-4A4D-BA33-DEF31D162335}" dt="2025-12-09T10:39:21.790" v="1668" actId="478"/>
-          <ac:picMkLst>
-            <pc:docMk/>
-            <pc:sldMk cId="4222636709" sldId="274"/>
-            <ac:picMk id="11" creationId="{D44CAE93-27F2-B4E0-1B1B-D070419A12A0}"/>
-          </ac:picMkLst>
-        </pc:picChg>
       </pc:sldChg>
       <pc:sldChg chg="addSp delSp modSp new mod">
         <pc:chgData name="Luisa Dickenmann" userId="0c0840b0-1ae7-42c8-98b5-b02d8f71a603" providerId="ADAL" clId="{100BBC7B-7ACA-4A4D-BA33-DEF31D162335}" dt="2025-12-09T11:50:47.749" v="2144" actId="692"/>
@@ -1542,30 +808,6 @@
             <ac:spMk id="2" creationId="{2309895B-F36B-0FE8-66E4-57C233A9ABD4}"/>
           </ac:spMkLst>
         </pc:spChg>
-        <pc:spChg chg="del">
-          <ac:chgData name="Luisa Dickenmann" userId="0c0840b0-1ae7-42c8-98b5-b02d8f71a603" providerId="ADAL" clId="{100BBC7B-7ACA-4A4D-BA33-DEF31D162335}" dt="2025-12-09T11:39:41.307" v="2089" actId="931"/>
-          <ac:spMkLst>
-            <pc:docMk/>
-            <pc:sldMk cId="3321713989" sldId="275"/>
-            <ac:spMk id="3" creationId="{9A9879EC-E4A6-EC50-40E1-0047943D9D4F}"/>
-          </ac:spMkLst>
-        </pc:spChg>
-        <pc:spChg chg="add del mod">
-          <ac:chgData name="Luisa Dickenmann" userId="0c0840b0-1ae7-42c8-98b5-b02d8f71a603" providerId="ADAL" clId="{100BBC7B-7ACA-4A4D-BA33-DEF31D162335}" dt="2025-12-09T11:49:46.078" v="2132" actId="931"/>
-          <ac:spMkLst>
-            <pc:docMk/>
-            <pc:sldMk cId="3321713989" sldId="275"/>
-            <ac:spMk id="7" creationId="{2E6B6547-6D33-264E-E2D3-3C79BCD32B83}"/>
-          </ac:spMkLst>
-        </pc:spChg>
-        <pc:picChg chg="add del mod modCrop">
-          <ac:chgData name="Luisa Dickenmann" userId="0c0840b0-1ae7-42c8-98b5-b02d8f71a603" providerId="ADAL" clId="{100BBC7B-7ACA-4A4D-BA33-DEF31D162335}" dt="2025-12-09T11:49:41.554" v="2131" actId="478"/>
-          <ac:picMkLst>
-            <pc:docMk/>
-            <pc:sldMk cId="3321713989" sldId="275"/>
-            <ac:picMk id="5" creationId="{189B652A-BC90-63CF-3867-82F225D24EF2}"/>
-          </ac:picMkLst>
-        </pc:picChg>
         <pc:picChg chg="add mod">
           <ac:chgData name="Luisa Dickenmann" userId="0c0840b0-1ae7-42c8-98b5-b02d8f71a603" providerId="ADAL" clId="{100BBC7B-7ACA-4A4D-BA33-DEF31D162335}" dt="2025-12-09T11:50:08.968" v="2140" actId="14100"/>
           <ac:picMkLst>
@@ -1597,22 +839,6 @@
             <ac:spMk id="2" creationId="{331E21EA-EC58-E43B-46B6-72D5584F9856}"/>
           </ac:spMkLst>
         </pc:spChg>
-        <pc:spChg chg="del">
-          <ac:chgData name="Luisa Dickenmann" userId="0c0840b0-1ae7-42c8-98b5-b02d8f71a603" providerId="ADAL" clId="{100BBC7B-7ACA-4A4D-BA33-DEF31D162335}" dt="2025-12-09T12:00:37.105" v="2179" actId="931"/>
-          <ac:spMkLst>
-            <pc:docMk/>
-            <pc:sldMk cId="4221340399" sldId="276"/>
-            <ac:spMk id="3" creationId="{77875995-147A-24E3-3E00-23C5401B0DA4}"/>
-          </ac:spMkLst>
-        </pc:spChg>
-        <pc:spChg chg="add del mod">
-          <ac:chgData name="Luisa Dickenmann" userId="0c0840b0-1ae7-42c8-98b5-b02d8f71a603" providerId="ADAL" clId="{100BBC7B-7ACA-4A4D-BA33-DEF31D162335}" dt="2025-12-09T12:01:09.584" v="2181" actId="931"/>
-          <ac:spMkLst>
-            <pc:docMk/>
-            <pc:sldMk cId="4221340399" sldId="276"/>
-            <ac:spMk id="7" creationId="{945CB08A-8A31-A401-A73C-50AC2D0F7B83}"/>
-          </ac:spMkLst>
-        </pc:spChg>
         <pc:spChg chg="add mod">
           <ac:chgData name="Luisa Dickenmann" userId="0c0840b0-1ae7-42c8-98b5-b02d8f71a603" providerId="ADAL" clId="{100BBC7B-7ACA-4A4D-BA33-DEF31D162335}" dt="2025-12-09T12:01:57.195" v="2194" actId="1076"/>
           <ac:spMkLst>
@@ -1629,14 +855,6 @@
             <ac:spMk id="14" creationId="{392A4E8F-20B8-D1CF-298E-3001E437C6C5}"/>
           </ac:spMkLst>
         </pc:spChg>
-        <pc:picChg chg="add del mod">
-          <ac:chgData name="Luisa Dickenmann" userId="0c0840b0-1ae7-42c8-98b5-b02d8f71a603" providerId="ADAL" clId="{100BBC7B-7ACA-4A4D-BA33-DEF31D162335}" dt="2025-12-09T12:01:02.825" v="2180" actId="478"/>
-          <ac:picMkLst>
-            <pc:docMk/>
-            <pc:sldMk cId="4221340399" sldId="276"/>
-            <ac:picMk id="5" creationId="{6C08B72B-A0E8-2895-91E1-55418D73F0B2}"/>
-          </ac:picMkLst>
-        </pc:picChg>
         <pc:picChg chg="add mod">
           <ac:chgData name="Luisa Dickenmann" userId="0c0840b0-1ae7-42c8-98b5-b02d8f71a603" providerId="ADAL" clId="{100BBC7B-7ACA-4A4D-BA33-DEF31D162335}" dt="2025-12-09T12:01:15.243" v="2184" actId="1076"/>
           <ac:picMkLst>
@@ -1676,14 +894,6 @@
             <ac:spMk id="2" creationId="{971A7E35-F3A7-7E5B-ED8A-FA3BA661E53E}"/>
           </ac:spMkLst>
         </pc:spChg>
-        <pc:spChg chg="del">
-          <ac:chgData name="Luisa Dickenmann" userId="0c0840b0-1ae7-42c8-98b5-b02d8f71a603" providerId="ADAL" clId="{100BBC7B-7ACA-4A4D-BA33-DEF31D162335}" dt="2025-12-09T12:12:45.296" v="2259" actId="931"/>
-          <ac:spMkLst>
-            <pc:docMk/>
-            <pc:sldMk cId="2763315938" sldId="277"/>
-            <ac:spMk id="3" creationId="{31F5546C-DB55-5030-2A09-F0AEDFD90F31}"/>
-          </ac:spMkLst>
-        </pc:spChg>
         <pc:picChg chg="add mod">
           <ac:chgData name="Luisa Dickenmann" userId="0c0840b0-1ae7-42c8-98b5-b02d8f71a603" providerId="ADAL" clId="{100BBC7B-7ACA-4A4D-BA33-DEF31D162335}" dt="2025-12-09T12:12:55.315" v="2264" actId="1076"/>
           <ac:picMkLst>
@@ -1707,30 +917,6 @@
             <ac:spMk id="2" creationId="{54C10286-6041-399A-065F-9CA72ED989EA}"/>
           </ac:spMkLst>
         </pc:spChg>
-        <pc:spChg chg="del">
-          <ac:chgData name="Luisa Dickenmann" userId="0c0840b0-1ae7-42c8-98b5-b02d8f71a603" providerId="ADAL" clId="{100BBC7B-7ACA-4A4D-BA33-DEF31D162335}" dt="2025-12-09T12:13:46.831" v="2287" actId="931"/>
-          <ac:spMkLst>
-            <pc:docMk/>
-            <pc:sldMk cId="1459603130" sldId="278"/>
-            <ac:spMk id="3" creationId="{B19B68EA-E50C-F7AF-8DFC-0BD3DABD8AFA}"/>
-          </ac:spMkLst>
-        </pc:spChg>
-        <pc:spChg chg="add del mod">
-          <ac:chgData name="Luisa Dickenmann" userId="0c0840b0-1ae7-42c8-98b5-b02d8f71a603" providerId="ADAL" clId="{100BBC7B-7ACA-4A4D-BA33-DEF31D162335}" dt="2025-12-09T12:14:00.411" v="2291" actId="931"/>
-          <ac:spMkLst>
-            <pc:docMk/>
-            <pc:sldMk cId="1459603130" sldId="278"/>
-            <ac:spMk id="7" creationId="{64C8C323-C279-346E-BFDD-96E6FF180654}"/>
-          </ac:spMkLst>
-        </pc:spChg>
-        <pc:picChg chg="add del mod">
-          <ac:chgData name="Luisa Dickenmann" userId="0c0840b0-1ae7-42c8-98b5-b02d8f71a603" providerId="ADAL" clId="{100BBC7B-7ACA-4A4D-BA33-DEF31D162335}" dt="2025-12-09T12:13:49.809" v="2290" actId="478"/>
-          <ac:picMkLst>
-            <pc:docMk/>
-            <pc:sldMk cId="1459603130" sldId="278"/>
-            <ac:picMk id="5" creationId="{5CF9DF7C-8ABE-C3DC-BD42-29EAC4357DB1}"/>
-          </ac:picMkLst>
-        </pc:picChg>
         <pc:picChg chg="add mod">
           <ac:chgData name="Luisa Dickenmann" userId="0c0840b0-1ae7-42c8-98b5-b02d8f71a603" providerId="ADAL" clId="{100BBC7B-7ACA-4A4D-BA33-DEF31D162335}" dt="2025-12-09T12:14:44.316" v="2300" actId="14100"/>
           <ac:picMkLst>
@@ -1793,6 +979,290 @@
             <ac:picMk id="5" creationId="{A3C27B33-D24F-727E-2389-C5F17212B789}"/>
           </ac:picMkLst>
         </pc:picChg>
+      </pc:sldChg>
+      <pc:sldChg chg="addSp delSp modSp new mod modNotesTx">
+        <pc:chgData name="Luisa Dickenmann" userId="0c0840b0-1ae7-42c8-98b5-b02d8f71a603" providerId="ADAL" clId="{100BBC7B-7ACA-4A4D-BA33-DEF31D162335}" dt="2025-12-11T16:50:14.011" v="3816" actId="1076"/>
+        <pc:sldMkLst>
+          <pc:docMk/>
+          <pc:sldMk cId="1520243702" sldId="281"/>
+        </pc:sldMkLst>
+        <pc:spChg chg="mod">
+          <ac:chgData name="Luisa Dickenmann" userId="0c0840b0-1ae7-42c8-98b5-b02d8f71a603" providerId="ADAL" clId="{100BBC7B-7ACA-4A4D-BA33-DEF31D162335}" dt="2025-12-11T16:50:01.169" v="3812" actId="1076"/>
+          <ac:spMkLst>
+            <pc:docMk/>
+            <pc:sldMk cId="1520243702" sldId="281"/>
+            <ac:spMk id="2" creationId="{D4D7EE4B-07AE-A580-2F47-92BB4583481C}"/>
+          </ac:spMkLst>
+        </pc:spChg>
+        <pc:spChg chg="del">
+          <ac:chgData name="Luisa Dickenmann" userId="0c0840b0-1ae7-42c8-98b5-b02d8f71a603" providerId="ADAL" clId="{100BBC7B-7ACA-4A4D-BA33-DEF31D162335}" dt="2025-12-11T14:13:02.146" v="2847" actId="931"/>
+          <ac:spMkLst>
+            <pc:docMk/>
+            <pc:sldMk cId="1520243702" sldId="281"/>
+            <ac:spMk id="3" creationId="{D235ACE3-C471-9EA2-9FEA-B60230495951}"/>
+          </ac:spMkLst>
+        </pc:spChg>
+        <pc:spChg chg="add del">
+          <ac:chgData name="Luisa Dickenmann" userId="0c0840b0-1ae7-42c8-98b5-b02d8f71a603" providerId="ADAL" clId="{100BBC7B-7ACA-4A4D-BA33-DEF31D162335}" dt="2025-12-11T14:13:23.573" v="2855" actId="478"/>
+          <ac:spMkLst>
+            <pc:docMk/>
+            <pc:sldMk cId="1520243702" sldId="281"/>
+            <ac:spMk id="6" creationId="{44EAE06B-E9D0-68B9-786E-DB17081801E5}"/>
+          </ac:spMkLst>
+        </pc:spChg>
+        <pc:spChg chg="add mod">
+          <ac:chgData name="Luisa Dickenmann" userId="0c0840b0-1ae7-42c8-98b5-b02d8f71a603" providerId="ADAL" clId="{100BBC7B-7ACA-4A4D-BA33-DEF31D162335}" dt="2025-12-11T16:50:14.011" v="3816" actId="1076"/>
+          <ac:spMkLst>
+            <pc:docMk/>
+            <pc:sldMk cId="1520243702" sldId="281"/>
+            <ac:spMk id="7" creationId="{CB172020-44E6-DE5B-B25B-D5496F6A2FBE}"/>
+          </ac:spMkLst>
+        </pc:spChg>
+        <pc:spChg chg="add mod">
+          <ac:chgData name="Luisa Dickenmann" userId="0c0840b0-1ae7-42c8-98b5-b02d8f71a603" providerId="ADAL" clId="{100BBC7B-7ACA-4A4D-BA33-DEF31D162335}" dt="2025-12-11T14:17:03.210" v="2958" actId="164"/>
+          <ac:spMkLst>
+            <pc:docMk/>
+            <pc:sldMk cId="1520243702" sldId="281"/>
+            <ac:spMk id="8" creationId="{773C7F82-E832-0C7D-BDE0-799839FE8646}"/>
+          </ac:spMkLst>
+        </pc:spChg>
+        <pc:spChg chg="add mod">
+          <ac:chgData name="Luisa Dickenmann" userId="0c0840b0-1ae7-42c8-98b5-b02d8f71a603" providerId="ADAL" clId="{100BBC7B-7ACA-4A4D-BA33-DEF31D162335}" dt="2025-12-11T14:17:03.210" v="2958" actId="164"/>
+          <ac:spMkLst>
+            <pc:docMk/>
+            <pc:sldMk cId="1520243702" sldId="281"/>
+            <ac:spMk id="18" creationId="{AFDA960C-4FF0-9727-FDC7-DEC5A1B3D69A}"/>
+          </ac:spMkLst>
+        </pc:spChg>
+        <pc:spChg chg="add mod">
+          <ac:chgData name="Luisa Dickenmann" userId="0c0840b0-1ae7-42c8-98b5-b02d8f71a603" providerId="ADAL" clId="{100BBC7B-7ACA-4A4D-BA33-DEF31D162335}" dt="2025-12-11T14:17:03.210" v="2958" actId="164"/>
+          <ac:spMkLst>
+            <pc:docMk/>
+            <pc:sldMk cId="1520243702" sldId="281"/>
+            <ac:spMk id="20" creationId="{76CE414E-3410-1510-03EE-285BDB52B742}"/>
+          </ac:spMkLst>
+        </pc:spChg>
+        <pc:spChg chg="add mod">
+          <ac:chgData name="Luisa Dickenmann" userId="0c0840b0-1ae7-42c8-98b5-b02d8f71a603" providerId="ADAL" clId="{100BBC7B-7ACA-4A4D-BA33-DEF31D162335}" dt="2025-12-11T14:17:03.210" v="2958" actId="164"/>
+          <ac:spMkLst>
+            <pc:docMk/>
+            <pc:sldMk cId="1520243702" sldId="281"/>
+            <ac:spMk id="22" creationId="{110BF767-68F0-A2DB-F5BC-1D0E94E05BEB}"/>
+          </ac:spMkLst>
+        </pc:spChg>
+        <pc:spChg chg="add mod">
+          <ac:chgData name="Luisa Dickenmann" userId="0c0840b0-1ae7-42c8-98b5-b02d8f71a603" providerId="ADAL" clId="{100BBC7B-7ACA-4A4D-BA33-DEF31D162335}" dt="2025-12-11T16:20:01.137" v="3122" actId="20577"/>
+          <ac:spMkLst>
+            <pc:docMk/>
+            <pc:sldMk cId="1520243702" sldId="281"/>
+            <ac:spMk id="45" creationId="{BBE91596-867D-B142-F93D-2DF48B8D6254}"/>
+          </ac:spMkLst>
+        </pc:spChg>
+        <pc:grpChg chg="add mod">
+          <ac:chgData name="Luisa Dickenmann" userId="0c0840b0-1ae7-42c8-98b5-b02d8f71a603" providerId="ADAL" clId="{100BBC7B-7ACA-4A4D-BA33-DEF31D162335}" dt="2025-12-11T14:17:08.267" v="2959" actId="1076"/>
+          <ac:grpSpMkLst>
+            <pc:docMk/>
+            <pc:sldMk cId="1520243702" sldId="281"/>
+            <ac:grpSpMk id="43" creationId="{BD12648D-5A86-B45C-F50D-F34B91A73BAD}"/>
+          </ac:grpSpMkLst>
+        </pc:grpChg>
+        <pc:picChg chg="add mod">
+          <ac:chgData name="Luisa Dickenmann" userId="0c0840b0-1ae7-42c8-98b5-b02d8f71a603" providerId="ADAL" clId="{100BBC7B-7ACA-4A4D-BA33-DEF31D162335}" dt="2025-12-11T16:50:09.224" v="3815" actId="14100"/>
+          <ac:picMkLst>
+            <pc:docMk/>
+            <pc:sldMk cId="1520243702" sldId="281"/>
+            <ac:picMk id="5" creationId="{B4DE219A-B6A9-5821-1F9D-1F5634FAB1A3}"/>
+          </ac:picMkLst>
+        </pc:picChg>
+        <pc:cxnChg chg="add mod">
+          <ac:chgData name="Luisa Dickenmann" userId="0c0840b0-1ae7-42c8-98b5-b02d8f71a603" providerId="ADAL" clId="{100BBC7B-7ACA-4A4D-BA33-DEF31D162335}" dt="2025-12-11T16:50:14.011" v="3816" actId="1076"/>
+          <ac:cxnSpMkLst>
+            <pc:docMk/>
+            <pc:sldMk cId="1520243702" sldId="281"/>
+            <ac:cxnSpMk id="10" creationId="{F08A697B-293A-3B9A-EA5D-A7F12FE9C9F9}"/>
+          </ac:cxnSpMkLst>
+        </pc:cxnChg>
+        <pc:cxnChg chg="add del mod">
+          <ac:chgData name="Luisa Dickenmann" userId="0c0840b0-1ae7-42c8-98b5-b02d8f71a603" providerId="ADAL" clId="{100BBC7B-7ACA-4A4D-BA33-DEF31D162335}" dt="2025-12-11T14:16:29.423" v="2948" actId="478"/>
+          <ac:cxnSpMkLst>
+            <pc:docMk/>
+            <pc:sldMk cId="1520243702" sldId="281"/>
+            <ac:cxnSpMk id="24" creationId="{0EA599C2-9A0C-5CAF-9A2E-CE2D7FE0FBB9}"/>
+          </ac:cxnSpMkLst>
+        </pc:cxnChg>
+        <pc:cxnChg chg="add del mod">
+          <ac:chgData name="Luisa Dickenmann" userId="0c0840b0-1ae7-42c8-98b5-b02d8f71a603" providerId="ADAL" clId="{100BBC7B-7ACA-4A4D-BA33-DEF31D162335}" dt="2025-12-11T14:16:34.898" v="2950" actId="478"/>
+          <ac:cxnSpMkLst>
+            <pc:docMk/>
+            <pc:sldMk cId="1520243702" sldId="281"/>
+            <ac:cxnSpMk id="25" creationId="{368BF930-2682-A33A-B16C-A7D3F39F6E29}"/>
+          </ac:cxnSpMkLst>
+        </pc:cxnChg>
+        <pc:cxnChg chg="add del mod">
+          <ac:chgData name="Luisa Dickenmann" userId="0c0840b0-1ae7-42c8-98b5-b02d8f71a603" providerId="ADAL" clId="{100BBC7B-7ACA-4A4D-BA33-DEF31D162335}" dt="2025-12-11T14:16:36.719" v="2951" actId="478"/>
+          <ac:cxnSpMkLst>
+            <pc:docMk/>
+            <pc:sldMk cId="1520243702" sldId="281"/>
+            <ac:cxnSpMk id="31" creationId="{F62BFAD7-BDA4-F817-042E-505E9A0348D1}"/>
+          </ac:cxnSpMkLst>
+        </pc:cxnChg>
+        <pc:cxnChg chg="add mod">
+          <ac:chgData name="Luisa Dickenmann" userId="0c0840b0-1ae7-42c8-98b5-b02d8f71a603" providerId="ADAL" clId="{100BBC7B-7ACA-4A4D-BA33-DEF31D162335}" dt="2025-12-11T14:17:03.210" v="2958" actId="164"/>
+          <ac:cxnSpMkLst>
+            <pc:docMk/>
+            <pc:sldMk cId="1520243702" sldId="281"/>
+            <ac:cxnSpMk id="35" creationId="{4BE918CE-CEFB-8E0E-E44F-344B6DD64237}"/>
+          </ac:cxnSpMkLst>
+        </pc:cxnChg>
+        <pc:cxnChg chg="add mod">
+          <ac:chgData name="Luisa Dickenmann" userId="0c0840b0-1ae7-42c8-98b5-b02d8f71a603" providerId="ADAL" clId="{100BBC7B-7ACA-4A4D-BA33-DEF31D162335}" dt="2025-12-11T14:17:03.210" v="2958" actId="164"/>
+          <ac:cxnSpMkLst>
+            <pc:docMk/>
+            <pc:sldMk cId="1520243702" sldId="281"/>
+            <ac:cxnSpMk id="36" creationId="{20E964FC-C3D8-69EE-511C-06E93F78CBF8}"/>
+          </ac:cxnSpMkLst>
+        </pc:cxnChg>
+        <pc:cxnChg chg="add mod">
+          <ac:chgData name="Luisa Dickenmann" userId="0c0840b0-1ae7-42c8-98b5-b02d8f71a603" providerId="ADAL" clId="{100BBC7B-7ACA-4A4D-BA33-DEF31D162335}" dt="2025-12-11T14:17:03.210" v="2958" actId="164"/>
+          <ac:cxnSpMkLst>
+            <pc:docMk/>
+            <pc:sldMk cId="1520243702" sldId="281"/>
+            <ac:cxnSpMk id="39" creationId="{455E7990-4745-4C6B-7822-25A01C4CC2BC}"/>
+          </ac:cxnSpMkLst>
+        </pc:cxnChg>
+      </pc:sldChg>
+      <pc:sldChg chg="addSp delSp modSp new mod">
+        <pc:chgData name="Luisa Dickenmann" userId="0c0840b0-1ae7-42c8-98b5-b02d8f71a603" providerId="ADAL" clId="{100BBC7B-7ACA-4A4D-BA33-DEF31D162335}" dt="2025-12-11T16:44:34.738" v="3560" actId="20577"/>
+        <pc:sldMkLst>
+          <pc:docMk/>
+          <pc:sldMk cId="232684958" sldId="282"/>
+        </pc:sldMkLst>
+        <pc:spChg chg="mod">
+          <ac:chgData name="Luisa Dickenmann" userId="0c0840b0-1ae7-42c8-98b5-b02d8f71a603" providerId="ADAL" clId="{100BBC7B-7ACA-4A4D-BA33-DEF31D162335}" dt="2025-12-11T16:31:06.999" v="3265" actId="20577"/>
+          <ac:spMkLst>
+            <pc:docMk/>
+            <pc:sldMk cId="232684958" sldId="282"/>
+            <ac:spMk id="2" creationId="{EF986BC2-00B2-FE0A-3FD2-8B3983EDDD41}"/>
+          </ac:spMkLst>
+        </pc:spChg>
+        <pc:spChg chg="del">
+          <ac:chgData name="Luisa Dickenmann" userId="0c0840b0-1ae7-42c8-98b5-b02d8f71a603" providerId="ADAL" clId="{100BBC7B-7ACA-4A4D-BA33-DEF31D162335}" dt="2025-12-11T16:26:52.774" v="3124" actId="931"/>
+          <ac:spMkLst>
+            <pc:docMk/>
+            <pc:sldMk cId="232684958" sldId="282"/>
+            <ac:spMk id="3" creationId="{1E74B375-2D84-6AA4-C745-A460D96B38EF}"/>
+          </ac:spMkLst>
+        </pc:spChg>
+        <pc:spChg chg="add mod">
+          <ac:chgData name="Luisa Dickenmann" userId="0c0840b0-1ae7-42c8-98b5-b02d8f71a603" providerId="ADAL" clId="{100BBC7B-7ACA-4A4D-BA33-DEF31D162335}" dt="2025-12-11T16:29:07.112" v="3175" actId="1076"/>
+          <ac:spMkLst>
+            <pc:docMk/>
+            <pc:sldMk cId="232684958" sldId="282"/>
+            <ac:spMk id="10" creationId="{AFE8A3AE-E1B6-A94E-7C86-528849D7B52B}"/>
+          </ac:spMkLst>
+        </pc:spChg>
+        <pc:spChg chg="add mod">
+          <ac:chgData name="Luisa Dickenmann" userId="0c0840b0-1ae7-42c8-98b5-b02d8f71a603" providerId="ADAL" clId="{100BBC7B-7ACA-4A4D-BA33-DEF31D162335}" dt="2025-12-11T16:29:43.319" v="3195" actId="1076"/>
+          <ac:spMkLst>
+            <pc:docMk/>
+            <pc:sldMk cId="232684958" sldId="282"/>
+            <ac:spMk id="12" creationId="{A9FC8493-0AD6-BDCD-FA4F-8FDE947FB7F5}"/>
+          </ac:spMkLst>
+        </pc:spChg>
+        <pc:spChg chg="add mod">
+          <ac:chgData name="Luisa Dickenmann" userId="0c0840b0-1ae7-42c8-98b5-b02d8f71a603" providerId="ADAL" clId="{100BBC7B-7ACA-4A4D-BA33-DEF31D162335}" dt="2025-12-11T16:44:34.738" v="3560" actId="20577"/>
+          <ac:spMkLst>
+            <pc:docMk/>
+            <pc:sldMk cId="232684958" sldId="282"/>
+            <ac:spMk id="17" creationId="{CEF2B93A-CB40-DAF3-E74D-8368928952C9}"/>
+          </ac:spMkLst>
+        </pc:spChg>
+        <pc:picChg chg="add mod">
+          <ac:chgData name="Luisa Dickenmann" userId="0c0840b0-1ae7-42c8-98b5-b02d8f71a603" providerId="ADAL" clId="{100BBC7B-7ACA-4A4D-BA33-DEF31D162335}" dt="2025-12-11T16:29:29.488" v="3192" actId="1035"/>
+          <ac:picMkLst>
+            <pc:docMk/>
+            <pc:sldMk cId="232684958" sldId="282"/>
+            <ac:picMk id="5" creationId="{9E7923FB-1127-0B4E-8720-F56777E2285D}"/>
+          </ac:picMkLst>
+        </pc:picChg>
+        <pc:cxnChg chg="add mod">
+          <ac:chgData name="Luisa Dickenmann" userId="0c0840b0-1ae7-42c8-98b5-b02d8f71a603" providerId="ADAL" clId="{100BBC7B-7ACA-4A4D-BA33-DEF31D162335}" dt="2025-12-11T16:29:39.167" v="3194" actId="14100"/>
+          <ac:cxnSpMkLst>
+            <pc:docMk/>
+            <pc:sldMk cId="232684958" sldId="282"/>
+            <ac:cxnSpMk id="7" creationId="{25D74AA0-35DD-764B-F3C0-5ECE2236E1C8}"/>
+          </ac:cxnSpMkLst>
+        </pc:cxnChg>
+        <pc:cxnChg chg="add mod">
+          <ac:chgData name="Luisa Dickenmann" userId="0c0840b0-1ae7-42c8-98b5-b02d8f71a603" providerId="ADAL" clId="{100BBC7B-7ACA-4A4D-BA33-DEF31D162335}" dt="2025-12-11T16:29:46.580" v="3196" actId="14100"/>
+          <ac:cxnSpMkLst>
+            <pc:docMk/>
+            <pc:sldMk cId="232684958" sldId="282"/>
+            <ac:cxnSpMk id="11" creationId="{F9E2F8F7-A542-4D12-3444-9EE948B6280A}"/>
+          </ac:cxnSpMkLst>
+        </pc:cxnChg>
+      </pc:sldChg>
+      <pc:sldChg chg="addSp delSp modSp new mod">
+        <pc:chgData name="Luisa Dickenmann" userId="0c0840b0-1ae7-42c8-98b5-b02d8f71a603" providerId="ADAL" clId="{100BBC7B-7ACA-4A4D-BA33-DEF31D162335}" dt="2025-12-11T16:39:33.456" v="3280" actId="1076"/>
+        <pc:sldMkLst>
+          <pc:docMk/>
+          <pc:sldMk cId="4142346926" sldId="283"/>
+        </pc:sldMkLst>
+        <pc:spChg chg="del">
+          <ac:chgData name="Luisa Dickenmann" userId="0c0840b0-1ae7-42c8-98b5-b02d8f71a603" providerId="ADAL" clId="{100BBC7B-7ACA-4A4D-BA33-DEF31D162335}" dt="2025-12-11T16:31:15.715" v="3268"/>
+          <ac:spMkLst>
+            <pc:docMk/>
+            <pc:sldMk cId="4142346926" sldId="283"/>
+            <ac:spMk id="2" creationId="{37CA41E9-BA21-60D0-1B73-6E1D1D96C837}"/>
+          </ac:spMkLst>
+        </pc:spChg>
+        <pc:spChg chg="del">
+          <ac:chgData name="Luisa Dickenmann" userId="0c0840b0-1ae7-42c8-98b5-b02d8f71a603" providerId="ADAL" clId="{100BBC7B-7ACA-4A4D-BA33-DEF31D162335}" dt="2025-12-11T16:32:57.685" v="3274" actId="931"/>
+          <ac:spMkLst>
+            <pc:docMk/>
+            <pc:sldMk cId="4142346926" sldId="283"/>
+            <ac:spMk id="3" creationId="{C8177E0E-9758-087A-7554-9EF915C2D2BE}"/>
+          </ac:spMkLst>
+        </pc:spChg>
+        <pc:spChg chg="add mod">
+          <ac:chgData name="Luisa Dickenmann" userId="0c0840b0-1ae7-42c8-98b5-b02d8f71a603" providerId="ADAL" clId="{100BBC7B-7ACA-4A4D-BA33-DEF31D162335}" dt="2025-12-11T16:31:21.028" v="3273" actId="20577"/>
+          <ac:spMkLst>
+            <pc:docMk/>
+            <pc:sldMk cId="4142346926" sldId="283"/>
+            <ac:spMk id="4" creationId="{478994BB-FF3F-9B64-8EE7-6BC8F9927B16}"/>
+          </ac:spMkLst>
+        </pc:spChg>
+        <pc:picChg chg="add mod">
+          <ac:chgData name="Luisa Dickenmann" userId="0c0840b0-1ae7-42c8-98b5-b02d8f71a603" providerId="ADAL" clId="{100BBC7B-7ACA-4A4D-BA33-DEF31D162335}" dt="2025-12-11T16:39:33.456" v="3280" actId="1076"/>
+          <ac:picMkLst>
+            <pc:docMk/>
+            <pc:sldMk cId="4142346926" sldId="283"/>
+            <ac:picMk id="6" creationId="{3A2CE3E1-04C3-C3BF-742C-0BCABABAA34C}"/>
+          </ac:picMkLst>
+        </pc:picChg>
+      </pc:sldChg>
+      <pc:sldChg chg="modSp new mod">
+        <pc:chgData name="Luisa Dickenmann" userId="0c0840b0-1ae7-42c8-98b5-b02d8f71a603" providerId="ADAL" clId="{100BBC7B-7ACA-4A4D-BA33-DEF31D162335}" dt="2025-12-11T16:49:37.056" v="3810" actId="20577"/>
+        <pc:sldMkLst>
+          <pc:docMk/>
+          <pc:sldMk cId="536145808" sldId="284"/>
+        </pc:sldMkLst>
+        <pc:spChg chg="mod">
+          <ac:chgData name="Luisa Dickenmann" userId="0c0840b0-1ae7-42c8-98b5-b02d8f71a603" providerId="ADAL" clId="{100BBC7B-7ACA-4A4D-BA33-DEF31D162335}" dt="2025-12-11T16:40:15.175" v="3311" actId="20577"/>
+          <ac:spMkLst>
+            <pc:docMk/>
+            <pc:sldMk cId="536145808" sldId="284"/>
+            <ac:spMk id="2" creationId="{453C67C6-7C6F-9EC2-BC2C-F591BF4901DA}"/>
+          </ac:spMkLst>
+        </pc:spChg>
+        <pc:spChg chg="mod">
+          <ac:chgData name="Luisa Dickenmann" userId="0c0840b0-1ae7-42c8-98b5-b02d8f71a603" providerId="ADAL" clId="{100BBC7B-7ACA-4A4D-BA33-DEF31D162335}" dt="2025-12-11T16:49:37.056" v="3810" actId="20577"/>
+          <ac:spMkLst>
+            <pc:docMk/>
+            <pc:sldMk cId="536145808" sldId="284"/>
+            <ac:spMk id="3" creationId="{4667D288-CBE2-F195-7FFC-C90ACACBE117}"/>
+          </ac:spMkLst>
+        </pc:spChg>
       </pc:sldChg>
     </pc:docChg>
   </pc:docChgLst>
@@ -2216,7 +1686,7 @@
           <a:p>
             <a:fld id="{00BEF3A4-E543-4418-A8C6-AC4DBC501A73}" type="slidenum">
               <a:rPr lang="en-GB" smtClean="0"/>
-              <a:t>15</a:t>
+              <a:t>14</a:t>
             </a:fld>
             <a:endParaRPr lang="en-GB"/>
           </a:p>
@@ -2226,6 +1696,94 @@
     <p:extLst>
       <p:ext uri="{BB962C8B-B14F-4D97-AF65-F5344CB8AC3E}">
         <p14:creationId xmlns:p14="http://schemas.microsoft.com/office/powerpoint/2010/main" val="494490276"/>
+      </p:ext>
+    </p:extLst>
+  </p:cSld>
+  <p:clrMapOvr>
+    <a:masterClrMapping/>
+  </p:clrMapOvr>
+</p:notes>
+</file>
+
+<file path=ppt/notesSlides/notesSlide2.xml><?xml version="1.0" encoding="utf-8"?>
+<p:notes xmlns:a="http://schemas.openxmlformats.org/drawingml/2006/main" xmlns:r="http://schemas.openxmlformats.org/officeDocument/2006/relationships" xmlns:p="http://schemas.openxmlformats.org/presentationml/2006/main">
+  <p:cSld>
+    <p:spTree>
+      <p:nvGrpSpPr>
+        <p:cNvPr id="1" name=""/>
+        <p:cNvGrpSpPr/>
+        <p:nvPr/>
+      </p:nvGrpSpPr>
+      <p:grpSpPr>
+        <a:xfrm>
+          <a:off x="0" y="0"/>
+          <a:ext cx="0" cy="0"/>
+          <a:chOff x="0" y="0"/>
+          <a:chExt cx="0" cy="0"/>
+        </a:xfrm>
+      </p:grpSpPr>
+      <p:sp>
+        <p:nvSpPr>
+          <p:cNvPr id="2" name="Slide Image Placeholder 1"/>
+          <p:cNvSpPr>
+            <a:spLocks noGrp="1" noRot="1" noChangeAspect="1"/>
+          </p:cNvSpPr>
+          <p:nvPr>
+            <p:ph type="sldImg"/>
+          </p:nvPr>
+        </p:nvSpPr>
+        <p:spPr/>
+      </p:sp>
+      <p:sp>
+        <p:nvSpPr>
+          <p:cNvPr id="3" name="Notes Placeholder 2"/>
+          <p:cNvSpPr>
+            <a:spLocks noGrp="1"/>
+          </p:cNvSpPr>
+          <p:nvPr>
+            <p:ph type="body" idx="1"/>
+          </p:nvPr>
+        </p:nvSpPr>
+        <p:spPr/>
+        <p:txBody>
+          <a:bodyPr/>
+          <a:lstStyle/>
+          <a:p>
+            <a:r>
+              <a:rPr lang="de-CH" dirty="0"/>
+              <a:t>Plot met office daylength or temperature data </a:t>
+            </a:r>
+            <a:endParaRPr lang="en-GB" dirty="0"/>
+          </a:p>
+        </p:txBody>
+      </p:sp>
+      <p:sp>
+        <p:nvSpPr>
+          <p:cNvPr id="4" name="Slide Number Placeholder 3"/>
+          <p:cNvSpPr>
+            <a:spLocks noGrp="1"/>
+          </p:cNvSpPr>
+          <p:nvPr>
+            <p:ph type="sldNum" sz="quarter" idx="5"/>
+          </p:nvPr>
+        </p:nvSpPr>
+        <p:spPr/>
+        <p:txBody>
+          <a:bodyPr/>
+          <a:lstStyle/>
+          <a:p>
+            <a:fld id="{00BEF3A4-E543-4418-A8C6-AC4DBC501A73}" type="slidenum">
+              <a:rPr lang="en-GB" smtClean="0"/>
+              <a:t>24</a:t>
+            </a:fld>
+            <a:endParaRPr lang="en-GB"/>
+          </a:p>
+        </p:txBody>
+      </p:sp>
+    </p:spTree>
+    <p:extLst>
+      <p:ext uri="{BB962C8B-B14F-4D97-AF65-F5344CB8AC3E}">
+        <p14:creationId xmlns:p14="http://schemas.microsoft.com/office/powerpoint/2010/main" val="1572052894"/>
       </p:ext>
     </p:extLst>
   </p:cSld>
@@ -5589,46 +5147,12 @@
           <a:chExt cx="0" cy="0"/>
         </a:xfrm>
       </p:grpSpPr>
-      <p:sp>
-        <p:nvSpPr>
-          <p:cNvPr id="2" name="Title 1">
-            <a:extLst>
-              <a:ext uri="{FF2B5EF4-FFF2-40B4-BE49-F238E27FC236}">
-                <a16:creationId xmlns:a16="http://schemas.microsoft.com/office/drawing/2014/main" id="{DBBAC9F3-8100-D77A-023E-C972C89795AC}"/>
-              </a:ext>
-            </a:extLst>
-          </p:cNvPr>
-          <p:cNvSpPr>
-            <a:spLocks noGrp="1"/>
-          </p:cNvSpPr>
-          <p:nvPr>
-            <p:ph type="title"/>
-          </p:nvPr>
-        </p:nvSpPr>
-        <p:spPr>
-          <a:xfrm>
-            <a:off x="228600" y="223520"/>
-            <a:ext cx="9875520" cy="995680"/>
-          </a:xfrm>
-        </p:spPr>
-        <p:txBody>
-          <a:bodyPr/>
-          <a:lstStyle/>
-          <a:p>
-            <a:r>
-              <a:rPr lang="de-CH" dirty="0"/>
-              <a:t>Status – by Family</a:t>
-            </a:r>
-            <a:endParaRPr lang="en-GB" dirty="0"/>
-          </a:p>
-        </p:txBody>
-      </p:sp>
       <p:pic>
         <p:nvPicPr>
-          <p:cNvPr id="5" name="Content Placeholder 4">
+          <p:cNvPr id="11" name="Content Placeholder 10">
             <a:extLst>
               <a:ext uri="{FF2B5EF4-FFF2-40B4-BE49-F238E27FC236}">
-                <a16:creationId xmlns:a16="http://schemas.microsoft.com/office/drawing/2014/main" id="{88AB1702-AC8E-BCAE-24FC-C14A03615DD3}"/>
+                <a16:creationId xmlns:a16="http://schemas.microsoft.com/office/drawing/2014/main" id="{C5869241-031B-EBB0-A018-4867A27D2D22}"/>
               </a:ext>
             </a:extLst>
           </p:cNvPr>
@@ -5647,22 +5171,57 @@
               </a:ext>
             </a:extLst>
           </a:blip>
-          <a:srcRect t="6549"/>
-          <a:stretch/>
+          <a:stretch>
+            <a:fillRect/>
+          </a:stretch>
         </p:blipFill>
         <p:spPr>
           <a:xfrm>
-            <a:off x="1226129" y="1095555"/>
-            <a:ext cx="9739742" cy="5518605"/>
+            <a:off x="833120" y="1423966"/>
+            <a:ext cx="10304635" cy="5210514"/>
           </a:xfrm>
         </p:spPr>
       </p:pic>
       <p:sp>
         <p:nvSpPr>
-          <p:cNvPr id="6" name="TextBox 5">
+          <p:cNvPr id="2" name="Title 1">
             <a:extLst>
               <a:ext uri="{FF2B5EF4-FFF2-40B4-BE49-F238E27FC236}">
-                <a16:creationId xmlns:a16="http://schemas.microsoft.com/office/drawing/2014/main" id="{C5012472-E3FE-9887-B742-0271FEB26237}"/>
+                <a16:creationId xmlns:a16="http://schemas.microsoft.com/office/drawing/2014/main" id="{EC37FC25-0092-D266-9369-B42C8B0A2DCD}"/>
+              </a:ext>
+            </a:extLst>
+          </p:cNvPr>
+          <p:cNvSpPr>
+            <a:spLocks noGrp="1"/>
+          </p:cNvSpPr>
+          <p:nvPr>
+            <p:ph type="title"/>
+          </p:nvPr>
+        </p:nvSpPr>
+        <p:spPr>
+          <a:xfrm>
+            <a:off x="238760" y="223520"/>
+            <a:ext cx="9875520" cy="1356360"/>
+          </a:xfrm>
+        </p:spPr>
+        <p:txBody>
+          <a:bodyPr/>
+          <a:lstStyle/>
+          <a:p>
+            <a:r>
+              <a:rPr lang="de-CH" dirty="0"/>
+              <a:t>Height</a:t>
+            </a:r>
+            <a:endParaRPr lang="en-GB" dirty="0"/>
+          </a:p>
+        </p:txBody>
+      </p:sp>
+      <p:sp>
+        <p:nvSpPr>
+          <p:cNvPr id="7" name="TextBox 6">
+            <a:extLst>
+              <a:ext uri="{FF2B5EF4-FFF2-40B4-BE49-F238E27FC236}">
+                <a16:creationId xmlns:a16="http://schemas.microsoft.com/office/drawing/2014/main" id="{48543C4B-69A1-290C-CEFB-6E8DFA1E1BD1}"/>
               </a:ext>
             </a:extLst>
           </p:cNvPr>
@@ -5671,8 +5230,8 @@
         </p:nvSpPr>
         <p:spPr>
           <a:xfrm>
-            <a:off x="5382883" y="586596"/>
-            <a:ext cx="3045125" cy="369332"/>
+            <a:off x="8776513" y="537367"/>
+            <a:ext cx="2675531" cy="400110"/>
           </a:xfrm>
           <a:prstGeom prst="rect">
             <a:avLst/>
@@ -5686,17 +5245,77 @@
           <a:lstStyle/>
           <a:p>
             <a:r>
-              <a:rPr lang="de-CH" dirty="0"/>
-              <a:t>Top and bottom 10 Families</a:t>
-            </a:r>
-            <a:endParaRPr lang="en-GB" dirty="0"/>
+              <a:rPr lang="de-CH" sz="1000" dirty="0">
+                <a:solidFill>
+                  <a:schemeClr val="accent6">
+                    <a:lumMod val="75000"/>
+                  </a:schemeClr>
+                </a:solidFill>
+              </a:rPr>
+              <a:t>506 trees that are alive at both timepoints have height measurements</a:t>
+            </a:r>
+            <a:endParaRPr lang="en-GB" sz="1000" dirty="0">
+              <a:solidFill>
+                <a:schemeClr val="accent6">
+                  <a:lumMod val="75000"/>
+                </a:schemeClr>
+              </a:solidFill>
+            </a:endParaRPr>
+          </a:p>
+        </p:txBody>
+      </p:sp>
+      <p:sp>
+        <p:nvSpPr>
+          <p:cNvPr id="12" name="TextBox 11">
+            <a:extLst>
+              <a:ext uri="{FF2B5EF4-FFF2-40B4-BE49-F238E27FC236}">
+                <a16:creationId xmlns:a16="http://schemas.microsoft.com/office/drawing/2014/main" id="{86B23E41-3A5D-BCAF-834C-2A32E08422A5}"/>
+              </a:ext>
+            </a:extLst>
+          </p:cNvPr>
+          <p:cNvSpPr txBox="1"/>
+          <p:nvPr/>
+        </p:nvSpPr>
+        <p:spPr>
+          <a:xfrm>
+            <a:off x="8776514" y="1017566"/>
+            <a:ext cx="2675531" cy="400110"/>
+          </a:xfrm>
+          <a:prstGeom prst="rect">
+            <a:avLst/>
+          </a:prstGeom>
+          <a:noFill/>
+        </p:spPr>
+        <p:txBody>
+          <a:bodyPr wrap="square" rtlCol="0">
+            <a:spAutoFit/>
+          </a:bodyPr>
+          <a:lstStyle/>
+          <a:p>
+            <a:r>
+              <a:rPr lang="de-CH" sz="1000" dirty="0">
+                <a:solidFill>
+                  <a:schemeClr val="accent6">
+                    <a:lumMod val="75000"/>
+                  </a:schemeClr>
+                </a:solidFill>
+              </a:rPr>
+              <a:t>1 tree is alive at both and has DBB but not height</a:t>
+            </a:r>
+            <a:endParaRPr lang="en-GB" sz="1000" dirty="0">
+              <a:solidFill>
+                <a:schemeClr val="accent6">
+                  <a:lumMod val="75000"/>
+                </a:schemeClr>
+              </a:solidFill>
+            </a:endParaRPr>
           </a:p>
         </p:txBody>
       </p:sp>
     </p:spTree>
     <p:extLst>
       <p:ext uri="{BB962C8B-B14F-4D97-AF65-F5344CB8AC3E}">
-        <p14:creationId xmlns:p14="http://schemas.microsoft.com/office/powerpoint/2010/main" val="4087577250"/>
+        <p14:creationId xmlns:p14="http://schemas.microsoft.com/office/powerpoint/2010/main" val="2740833318"/>
       </p:ext>
     </p:extLst>
   </p:cSld>
@@ -5725,10 +5344,10 @@
       </p:grpSpPr>
       <p:pic>
         <p:nvPicPr>
-          <p:cNvPr id="12" name="Content Placeholder 11" descr="A graph with red lines and numbers&#10;&#10;AI-generated content may be incorrect.">
+          <p:cNvPr id="5" name="Content Placeholder 4" descr="A diagram of different colored squares&#10;&#10;AI-generated content may be incorrect.">
             <a:extLst>
               <a:ext uri="{FF2B5EF4-FFF2-40B4-BE49-F238E27FC236}">
-                <a16:creationId xmlns:a16="http://schemas.microsoft.com/office/drawing/2014/main" id="{BD49C6AC-C674-843D-C8F1-02241A71B122}"/>
+                <a16:creationId xmlns:a16="http://schemas.microsoft.com/office/drawing/2014/main" id="{73E0993F-5E9C-1D30-1C0B-6E7EB90E7028}"/>
               </a:ext>
             </a:extLst>
           </p:cNvPr>
@@ -5747,13 +5366,13 @@
               </a:ext>
             </a:extLst>
           </a:blip>
-          <a:srcRect t="6070"/>
+          <a:srcRect t="6225"/>
           <a:stretch/>
         </p:blipFill>
         <p:spPr>
           <a:xfrm>
-            <a:off x="544941" y="1310640"/>
-            <a:ext cx="11102118" cy="5273040"/>
+            <a:off x="1786756" y="1766126"/>
+            <a:ext cx="8618487" cy="4856480"/>
           </a:xfrm>
         </p:spPr>
       </p:pic>
@@ -5762,7 +5381,7 @@
           <p:cNvPr id="2" name="Title 1">
             <a:extLst>
               <a:ext uri="{FF2B5EF4-FFF2-40B4-BE49-F238E27FC236}">
-                <a16:creationId xmlns:a16="http://schemas.microsoft.com/office/drawing/2014/main" id="{DED8D4A8-9316-1F4F-4391-A51F0AE12446}"/>
+                <a16:creationId xmlns:a16="http://schemas.microsoft.com/office/drawing/2014/main" id="{186B59D3-816C-2A57-089A-EA265D288680}"/>
               </a:ext>
             </a:extLst>
           </p:cNvPr>
@@ -5775,7 +5394,7 @@
         </p:nvSpPr>
         <p:spPr>
           <a:xfrm>
-            <a:off x="238760" y="274320"/>
+            <a:off x="238760" y="213360"/>
             <a:ext cx="9875520" cy="1356360"/>
           </a:xfrm>
         </p:spPr>
@@ -5785,7 +5404,7 @@
           <a:p>
             <a:r>
               <a:rPr lang="de-CH" dirty="0"/>
-              <a:t>DBB</a:t>
+              <a:t>Height – by Provenance</a:t>
             </a:r>
             <a:endParaRPr lang="en-GB" dirty="0"/>
           </a:p>
@@ -5793,10 +5412,10 @@
       </p:sp>
       <p:sp>
         <p:nvSpPr>
-          <p:cNvPr id="3" name="TextBox 2">
+          <p:cNvPr id="6" name="TextBox 5">
             <a:extLst>
               <a:ext uri="{FF2B5EF4-FFF2-40B4-BE49-F238E27FC236}">
-                <a16:creationId xmlns:a16="http://schemas.microsoft.com/office/drawing/2014/main" id="{7FC9CC8D-5E27-7D11-D30C-DB30F7B517A9}"/>
+                <a16:creationId xmlns:a16="http://schemas.microsoft.com/office/drawing/2014/main" id="{85B2C7B7-4BA9-EB08-7CDD-E8CB7044D6E1}"/>
               </a:ext>
             </a:extLst>
           </p:cNvPr>
@@ -5805,8 +5424,8 @@
         </p:nvSpPr>
         <p:spPr>
           <a:xfrm>
-            <a:off x="9193074" y="552390"/>
-            <a:ext cx="2675531" cy="400110"/>
+            <a:off x="8270240" y="670560"/>
+            <a:ext cx="2661920" cy="923330"/>
           </a:xfrm>
           <a:prstGeom prst="rect">
             <a:avLst/>
@@ -5820,29 +5439,219 @@
           <a:lstStyle/>
           <a:p>
             <a:r>
-              <a:rPr lang="de-CH" sz="1000" dirty="0">
+              <a:rPr lang="de-CH" dirty="0">
+                <a:solidFill>
+                  <a:srgbClr val="FF0000"/>
+                </a:solidFill>
+              </a:rPr>
+              <a:t>How many height values for each provenance?</a:t>
+            </a:r>
+          </a:p>
+          <a:p>
+            <a:r>
+              <a:rPr lang="de-CH" dirty="0">
+                <a:solidFill>
+                  <a:srgbClr val="FF0000"/>
+                </a:solidFill>
+              </a:rPr>
+              <a:t>How many NAs</a:t>
+            </a:r>
+            <a:endParaRPr lang="en-GB" dirty="0">
+              <a:solidFill>
+                <a:srgbClr val="FF0000"/>
+              </a:solidFill>
+            </a:endParaRPr>
+          </a:p>
+        </p:txBody>
+      </p:sp>
+      <p:cxnSp>
+        <p:nvCxnSpPr>
+          <p:cNvPr id="7" name="Straight Connector 6">
+            <a:extLst>
+              <a:ext uri="{FF2B5EF4-FFF2-40B4-BE49-F238E27FC236}">
+                <a16:creationId xmlns:a16="http://schemas.microsoft.com/office/drawing/2014/main" id="{19059EA4-2DBF-0663-3CBB-735422399593}"/>
+              </a:ext>
+            </a:extLst>
+          </p:cNvPr>
+          <p:cNvCxnSpPr>
+            <a:cxnSpLocks/>
+          </p:cNvCxnSpPr>
+          <p:nvPr/>
+        </p:nvCxnSpPr>
+        <p:spPr>
+          <a:xfrm flipV="1">
+            <a:off x="6745584" y="2254710"/>
+            <a:ext cx="2088872" cy="2986"/>
+          </a:xfrm>
+          <a:prstGeom prst="line">
+            <a:avLst/>
+          </a:prstGeom>
+          <a:ln>
+            <a:solidFill>
+              <a:schemeClr val="accent6">
+                <a:lumMod val="75000"/>
+              </a:schemeClr>
+            </a:solidFill>
+          </a:ln>
+        </p:spPr>
+        <p:style>
+          <a:lnRef idx="2">
+            <a:schemeClr val="accent1"/>
+          </a:lnRef>
+          <a:fillRef idx="0">
+            <a:schemeClr val="accent1"/>
+          </a:fillRef>
+          <a:effectRef idx="1">
+            <a:schemeClr val="accent1"/>
+          </a:effectRef>
+          <a:fontRef idx="minor">
+            <a:schemeClr val="tx1"/>
+          </a:fontRef>
+        </p:style>
+      </p:cxnSp>
+      <p:sp>
+        <p:nvSpPr>
+          <p:cNvPr id="8" name="TextBox 7">
+            <a:extLst>
+              <a:ext uri="{FF2B5EF4-FFF2-40B4-BE49-F238E27FC236}">
+                <a16:creationId xmlns:a16="http://schemas.microsoft.com/office/drawing/2014/main" id="{B4B09F37-05AB-B6E9-E388-410DADB688E9}"/>
+              </a:ext>
+            </a:extLst>
+          </p:cNvPr>
+          <p:cNvSpPr txBox="1"/>
+          <p:nvPr/>
+        </p:nvSpPr>
+        <p:spPr>
+          <a:xfrm>
+            <a:off x="7450347" y="1996473"/>
+            <a:ext cx="679347" cy="364074"/>
+          </a:xfrm>
+          <a:prstGeom prst="rect">
+            <a:avLst/>
+          </a:prstGeom>
+          <a:noFill/>
+          <a:ln>
+            <a:noFill/>
+          </a:ln>
+        </p:spPr>
+        <p:txBody>
+          <a:bodyPr wrap="square" rtlCol="0">
+            <a:spAutoFit/>
+          </a:bodyPr>
+          <a:lstStyle/>
+          <a:p>
+            <a:pPr algn="ctr"/>
+            <a:r>
+              <a:rPr lang="en-GB" sz="1766" b="1" dirty="0">
                 <a:solidFill>
                   <a:schemeClr val="accent6">
                     <a:lumMod val="75000"/>
                   </a:schemeClr>
                 </a:solidFill>
+                <a:latin typeface="Helvetica" panose="020B0604020202020204"/>
+                <a:cs typeface="Helvetica" panose="020B0604020202020204"/>
               </a:rPr>
-              <a:t>506 trees that are alive at both timepoints have DBB measurements</a:t>
-            </a:r>
-            <a:endParaRPr lang="en-GB" sz="1000" dirty="0">
-              <a:solidFill>
-                <a:schemeClr val="accent6">
-                  <a:lumMod val="75000"/>
-                </a:schemeClr>
-              </a:solidFill>
-            </a:endParaRPr>
+              <a:t>*</a:t>
+            </a:r>
+          </a:p>
+        </p:txBody>
+      </p:sp>
+      <p:cxnSp>
+        <p:nvCxnSpPr>
+          <p:cNvPr id="12" name="Straight Connector 11">
+            <a:extLst>
+              <a:ext uri="{FF2B5EF4-FFF2-40B4-BE49-F238E27FC236}">
+                <a16:creationId xmlns:a16="http://schemas.microsoft.com/office/drawing/2014/main" id="{FCE061F1-94C7-639C-91D4-CFA492EA4128}"/>
+              </a:ext>
+            </a:extLst>
+          </p:cNvPr>
+          <p:cNvCxnSpPr>
+            <a:cxnSpLocks/>
+          </p:cNvCxnSpPr>
+          <p:nvPr/>
+        </p:nvCxnSpPr>
+        <p:spPr>
+          <a:xfrm flipV="1">
+            <a:off x="3790687" y="2254710"/>
+            <a:ext cx="2088872" cy="2986"/>
+          </a:xfrm>
+          <a:prstGeom prst="line">
+            <a:avLst/>
+          </a:prstGeom>
+          <a:ln>
+            <a:solidFill>
+              <a:schemeClr val="accent6">
+                <a:lumMod val="75000"/>
+              </a:schemeClr>
+            </a:solidFill>
+          </a:ln>
+        </p:spPr>
+        <p:style>
+          <a:lnRef idx="2">
+            <a:schemeClr val="accent1"/>
+          </a:lnRef>
+          <a:fillRef idx="0">
+            <a:schemeClr val="accent1"/>
+          </a:fillRef>
+          <a:effectRef idx="1">
+            <a:schemeClr val="accent1"/>
+          </a:effectRef>
+          <a:fontRef idx="minor">
+            <a:schemeClr val="tx1"/>
+          </a:fontRef>
+        </p:style>
+      </p:cxnSp>
+      <p:sp>
+        <p:nvSpPr>
+          <p:cNvPr id="13" name="TextBox 12">
+            <a:extLst>
+              <a:ext uri="{FF2B5EF4-FFF2-40B4-BE49-F238E27FC236}">
+                <a16:creationId xmlns:a16="http://schemas.microsoft.com/office/drawing/2014/main" id="{2544A9C5-D7E0-7596-44AC-D0B1CF22A9BF}"/>
+              </a:ext>
+            </a:extLst>
+          </p:cNvPr>
+          <p:cNvSpPr txBox="1"/>
+          <p:nvPr/>
+        </p:nvSpPr>
+        <p:spPr>
+          <a:xfrm>
+            <a:off x="4495450" y="1996473"/>
+            <a:ext cx="679347" cy="364074"/>
+          </a:xfrm>
+          <a:prstGeom prst="rect">
+            <a:avLst/>
+          </a:prstGeom>
+          <a:noFill/>
+          <a:ln>
+            <a:noFill/>
+          </a:ln>
+        </p:spPr>
+        <p:txBody>
+          <a:bodyPr wrap="square" rtlCol="0">
+            <a:spAutoFit/>
+          </a:bodyPr>
+          <a:lstStyle/>
+          <a:p>
+            <a:pPr algn="ctr"/>
+            <a:r>
+              <a:rPr lang="en-GB" sz="1766" b="1" dirty="0">
+                <a:solidFill>
+                  <a:schemeClr val="accent6">
+                    <a:lumMod val="75000"/>
+                  </a:schemeClr>
+                </a:solidFill>
+                <a:latin typeface="Helvetica" panose="020B0604020202020204"/>
+                <a:cs typeface="Helvetica" panose="020B0604020202020204"/>
+              </a:rPr>
+              <a:t>*</a:t>
+            </a:r>
           </a:p>
         </p:txBody>
       </p:sp>
     </p:spTree>
     <p:extLst>
       <p:ext uri="{BB962C8B-B14F-4D97-AF65-F5344CB8AC3E}">
-        <p14:creationId xmlns:p14="http://schemas.microsoft.com/office/powerpoint/2010/main" val="4154756640"/>
+        <p14:creationId xmlns:p14="http://schemas.microsoft.com/office/powerpoint/2010/main" val="2468455985"/>
       </p:ext>
     </p:extLst>
   </p:cSld>
@@ -5869,12 +5678,100 @@
           <a:chExt cx="0" cy="0"/>
         </a:xfrm>
       </p:grpSpPr>
+      <p:sp>
+        <p:nvSpPr>
+          <p:cNvPr id="2" name="Title 1">
+            <a:extLst>
+              <a:ext uri="{FF2B5EF4-FFF2-40B4-BE49-F238E27FC236}">
+                <a16:creationId xmlns:a16="http://schemas.microsoft.com/office/drawing/2014/main" id="{88E45658-7DE4-99A0-DD6E-14745BC00932}"/>
+              </a:ext>
+            </a:extLst>
+          </p:cNvPr>
+          <p:cNvSpPr>
+            <a:spLocks noGrp="1"/>
+          </p:cNvSpPr>
+          <p:nvPr>
+            <p:ph type="title"/>
+          </p:nvPr>
+        </p:nvSpPr>
+        <p:spPr>
+          <a:xfrm>
+            <a:off x="238760" y="203200"/>
+            <a:ext cx="9875520" cy="1356360"/>
+          </a:xfrm>
+        </p:spPr>
+        <p:txBody>
+          <a:bodyPr/>
+          <a:lstStyle/>
+          <a:p>
+            <a:r>
+              <a:rPr lang="de-CH" dirty="0"/>
+              <a:t>Height – by Type</a:t>
+            </a:r>
+            <a:endParaRPr lang="en-GB" dirty="0"/>
+          </a:p>
+        </p:txBody>
+      </p:sp>
+      <p:sp>
+        <p:nvSpPr>
+          <p:cNvPr id="6" name="TextBox 5">
+            <a:extLst>
+              <a:ext uri="{FF2B5EF4-FFF2-40B4-BE49-F238E27FC236}">
+                <a16:creationId xmlns:a16="http://schemas.microsoft.com/office/drawing/2014/main" id="{BC044F4B-72E6-AB1B-4698-07642C2B12A6}"/>
+              </a:ext>
+            </a:extLst>
+          </p:cNvPr>
+          <p:cNvSpPr txBox="1"/>
+          <p:nvPr/>
+        </p:nvSpPr>
+        <p:spPr>
+          <a:xfrm>
+            <a:off x="8280400" y="561955"/>
+            <a:ext cx="2661920" cy="923330"/>
+          </a:xfrm>
+          <a:prstGeom prst="rect">
+            <a:avLst/>
+          </a:prstGeom>
+          <a:noFill/>
+        </p:spPr>
+        <p:txBody>
+          <a:bodyPr wrap="square" rtlCol="0">
+            <a:spAutoFit/>
+          </a:bodyPr>
+          <a:lstStyle/>
+          <a:p>
+            <a:r>
+              <a:rPr lang="de-CH" dirty="0">
+                <a:solidFill>
+                  <a:srgbClr val="FF0000"/>
+                </a:solidFill>
+              </a:rPr>
+              <a:t>How many height values for each type?</a:t>
+            </a:r>
+          </a:p>
+          <a:p>
+            <a:r>
+              <a:rPr lang="de-CH" dirty="0">
+                <a:solidFill>
+                  <a:srgbClr val="FF0000"/>
+                </a:solidFill>
+              </a:rPr>
+              <a:t>How many Nas?</a:t>
+            </a:r>
+            <a:endParaRPr lang="en-GB" dirty="0">
+              <a:solidFill>
+                <a:srgbClr val="FF0000"/>
+              </a:solidFill>
+            </a:endParaRPr>
+          </a:p>
+        </p:txBody>
+      </p:sp>
       <p:pic>
         <p:nvPicPr>
-          <p:cNvPr id="11" name="Content Placeholder 10">
+          <p:cNvPr id="10" name="Content Placeholder 9" descr="A diagram of different colored rectangles&#10;&#10;AI-generated content may be incorrect.">
             <a:extLst>
               <a:ext uri="{FF2B5EF4-FFF2-40B4-BE49-F238E27FC236}">
-                <a16:creationId xmlns:a16="http://schemas.microsoft.com/office/drawing/2014/main" id="{C5869241-031B-EBB0-A018-4867A27D2D22}"/>
+                <a16:creationId xmlns:a16="http://schemas.microsoft.com/office/drawing/2014/main" id="{8BA279B2-C990-BC1D-5784-CB13A3FEFDBE}"/>
               </a:ext>
             </a:extLst>
           </p:cNvPr>
@@ -5893,57 +5790,67 @@
               </a:ext>
             </a:extLst>
           </a:blip>
-          <a:stretch>
-            <a:fillRect/>
-          </a:stretch>
+          <a:srcRect t="5930"/>
+          <a:stretch/>
         </p:blipFill>
         <p:spPr>
           <a:xfrm>
-            <a:off x="833120" y="1423966"/>
-            <a:ext cx="10304635" cy="5210514"/>
+            <a:off x="1273629" y="1479925"/>
+            <a:ext cx="9002485" cy="5088833"/>
           </a:xfrm>
         </p:spPr>
       </p:pic>
-      <p:sp>
-        <p:nvSpPr>
-          <p:cNvPr id="2" name="Title 1">
+      <p:cxnSp>
+        <p:nvCxnSpPr>
+          <p:cNvPr id="4" name="Straight Connector 3">
             <a:extLst>
               <a:ext uri="{FF2B5EF4-FFF2-40B4-BE49-F238E27FC236}">
-                <a16:creationId xmlns:a16="http://schemas.microsoft.com/office/drawing/2014/main" id="{EC37FC25-0092-D266-9369-B42C8B0A2DCD}"/>
+                <a16:creationId xmlns:a16="http://schemas.microsoft.com/office/drawing/2014/main" id="{799FF156-1706-02AD-E8DE-8029EE35527A}"/>
               </a:ext>
             </a:extLst>
           </p:cNvPr>
-          <p:cNvSpPr>
-            <a:spLocks noGrp="1"/>
-          </p:cNvSpPr>
-          <p:nvPr>
-            <p:ph type="title"/>
-          </p:nvPr>
-        </p:nvSpPr>
-        <p:spPr>
-          <a:xfrm>
-            <a:off x="238760" y="223520"/>
-            <a:ext cx="9875520" cy="1356360"/>
-          </a:xfrm>
-        </p:spPr>
-        <p:txBody>
-          <a:bodyPr/>
-          <a:lstStyle/>
-          <a:p>
-            <a:r>
-              <a:rPr lang="de-CH" dirty="0"/>
-              <a:t>Height</a:t>
-            </a:r>
-            <a:endParaRPr lang="en-GB" dirty="0"/>
-          </a:p>
-        </p:txBody>
-      </p:sp>
-      <p:sp>
-        <p:nvSpPr>
-          <p:cNvPr id="7" name="TextBox 6">
+          <p:cNvCxnSpPr>
+            <a:cxnSpLocks/>
+          </p:cNvCxnSpPr>
+          <p:nvPr/>
+        </p:nvCxnSpPr>
+        <p:spPr>
+          <a:xfrm flipV="1">
+            <a:off x="3434552" y="2697258"/>
+            <a:ext cx="2088872" cy="2986"/>
+          </a:xfrm>
+          <a:prstGeom prst="line">
+            <a:avLst/>
+          </a:prstGeom>
+          <a:ln>
+            <a:solidFill>
+              <a:schemeClr val="accent6">
+                <a:lumMod val="75000"/>
+              </a:schemeClr>
+            </a:solidFill>
+          </a:ln>
+        </p:spPr>
+        <p:style>
+          <a:lnRef idx="2">
+            <a:schemeClr val="accent1"/>
+          </a:lnRef>
+          <a:fillRef idx="0">
+            <a:schemeClr val="accent1"/>
+          </a:fillRef>
+          <a:effectRef idx="1">
+            <a:schemeClr val="accent1"/>
+          </a:effectRef>
+          <a:fontRef idx="minor">
+            <a:schemeClr val="tx1"/>
+          </a:fontRef>
+        </p:style>
+      </p:cxnSp>
+      <p:sp>
+        <p:nvSpPr>
+          <p:cNvPr id="5" name="TextBox 4">
             <a:extLst>
               <a:ext uri="{FF2B5EF4-FFF2-40B4-BE49-F238E27FC236}">
-                <a16:creationId xmlns:a16="http://schemas.microsoft.com/office/drawing/2014/main" id="{48543C4B-69A1-290C-CEFB-6E8DFA1E1BD1}"/>
+                <a16:creationId xmlns:a16="http://schemas.microsoft.com/office/drawing/2014/main" id="{0B94D3B1-D2D1-C219-BFFD-F4DB6DC8B9BB}"/>
               </a:ext>
             </a:extLst>
           </p:cNvPr>
@@ -5952,13 +5859,16 @@
         </p:nvSpPr>
         <p:spPr>
           <a:xfrm>
-            <a:off x="8776513" y="537367"/>
-            <a:ext cx="2675531" cy="400110"/>
+            <a:off x="4139315" y="2439021"/>
+            <a:ext cx="679347" cy="364074"/>
           </a:xfrm>
           <a:prstGeom prst="rect">
             <a:avLst/>
           </a:prstGeom>
           <a:noFill/>
+          <a:ln>
+            <a:noFill/>
+          </a:ln>
         </p:spPr>
         <p:txBody>
           <a:bodyPr wrap="square" rtlCol="0">
@@ -5966,32 +5876,73 @@
           </a:bodyPr>
           <a:lstStyle/>
           <a:p>
-            <a:r>
-              <a:rPr lang="de-CH" sz="1000" dirty="0">
+            <a:pPr algn="ctr"/>
+            <a:r>
+              <a:rPr lang="en-GB" sz="1766" b="1" dirty="0">
                 <a:solidFill>
                   <a:schemeClr val="accent6">
                     <a:lumMod val="75000"/>
                   </a:schemeClr>
                 </a:solidFill>
+                <a:latin typeface="Helvetica" panose="020B0604020202020204"/>
+                <a:cs typeface="Helvetica" panose="020B0604020202020204"/>
               </a:rPr>
-              <a:t>506 trees that are alive at both timepoints have height measurements</a:t>
-            </a:r>
-            <a:endParaRPr lang="en-GB" sz="1000" dirty="0">
-              <a:solidFill>
-                <a:schemeClr val="accent6">
-                  <a:lumMod val="75000"/>
-                </a:schemeClr>
-              </a:solidFill>
-            </a:endParaRPr>
-          </a:p>
-        </p:txBody>
-      </p:sp>
-      <p:sp>
-        <p:nvSpPr>
-          <p:cNvPr id="12" name="TextBox 11">
+              <a:t>*</a:t>
+            </a:r>
+          </a:p>
+        </p:txBody>
+      </p:sp>
+      <p:cxnSp>
+        <p:nvCxnSpPr>
+          <p:cNvPr id="7" name="Straight Connector 6">
             <a:extLst>
               <a:ext uri="{FF2B5EF4-FFF2-40B4-BE49-F238E27FC236}">
-                <a16:creationId xmlns:a16="http://schemas.microsoft.com/office/drawing/2014/main" id="{86B23E41-3A5D-BCAF-834C-2A32E08422A5}"/>
+                <a16:creationId xmlns:a16="http://schemas.microsoft.com/office/drawing/2014/main" id="{EF7AD5F4-45BE-97EA-56EB-EB3658392A22}"/>
+              </a:ext>
+            </a:extLst>
+          </p:cNvPr>
+          <p:cNvCxnSpPr>
+            <a:cxnSpLocks/>
+          </p:cNvCxnSpPr>
+          <p:nvPr/>
+        </p:nvCxnSpPr>
+        <p:spPr>
+          <a:xfrm flipV="1">
+            <a:off x="6328904" y="2400269"/>
+            <a:ext cx="2088872" cy="2986"/>
+          </a:xfrm>
+          <a:prstGeom prst="line">
+            <a:avLst/>
+          </a:prstGeom>
+          <a:ln>
+            <a:solidFill>
+              <a:schemeClr val="accent6">
+                <a:lumMod val="75000"/>
+              </a:schemeClr>
+            </a:solidFill>
+          </a:ln>
+        </p:spPr>
+        <p:style>
+          <a:lnRef idx="2">
+            <a:schemeClr val="accent1"/>
+          </a:lnRef>
+          <a:fillRef idx="0">
+            <a:schemeClr val="accent1"/>
+          </a:fillRef>
+          <a:effectRef idx="1">
+            <a:schemeClr val="accent1"/>
+          </a:effectRef>
+          <a:fontRef idx="minor">
+            <a:schemeClr val="tx1"/>
+          </a:fontRef>
+        </p:style>
+      </p:cxnSp>
+      <p:sp>
+        <p:nvSpPr>
+          <p:cNvPr id="8" name="TextBox 7">
+            <a:extLst>
+              <a:ext uri="{FF2B5EF4-FFF2-40B4-BE49-F238E27FC236}">
+                <a16:creationId xmlns:a16="http://schemas.microsoft.com/office/drawing/2014/main" id="{47F509E7-DF81-6201-EAEF-76C19805D2B3}"/>
               </a:ext>
             </a:extLst>
           </p:cNvPr>
@@ -6000,13 +5951,16 @@
         </p:nvSpPr>
         <p:spPr>
           <a:xfrm>
-            <a:off x="8776514" y="1017566"/>
-            <a:ext cx="2675531" cy="400110"/>
+            <a:off x="7033667" y="2142032"/>
+            <a:ext cx="679347" cy="364074"/>
           </a:xfrm>
           <a:prstGeom prst="rect">
             <a:avLst/>
           </a:prstGeom>
           <a:noFill/>
+          <a:ln>
+            <a:noFill/>
+          </a:ln>
         </p:spPr>
         <p:txBody>
           <a:bodyPr wrap="square" rtlCol="0">
@@ -6014,30 +5968,118 @@
           </a:bodyPr>
           <a:lstStyle/>
           <a:p>
-            <a:r>
-              <a:rPr lang="de-CH" sz="1000" dirty="0">
+            <a:pPr algn="ctr"/>
+            <a:r>
+              <a:rPr lang="en-GB" sz="1766" b="1" dirty="0">
                 <a:solidFill>
                   <a:schemeClr val="accent6">
                     <a:lumMod val="75000"/>
                   </a:schemeClr>
                 </a:solidFill>
+                <a:latin typeface="Helvetica" panose="020B0604020202020204"/>
+                <a:cs typeface="Helvetica" panose="020B0604020202020204"/>
               </a:rPr>
-              <a:t>1 tree is alive at both and has DBB but not height</a:t>
-            </a:r>
-            <a:endParaRPr lang="en-GB" sz="1000" dirty="0">
-              <a:solidFill>
-                <a:schemeClr val="accent6">
-                  <a:lumMod val="75000"/>
-                </a:schemeClr>
-              </a:solidFill>
-            </a:endParaRPr>
+              <a:t>*</a:t>
+            </a:r>
+          </a:p>
+        </p:txBody>
+      </p:sp>
+      <p:cxnSp>
+        <p:nvCxnSpPr>
+          <p:cNvPr id="9" name="Straight Connector 8">
+            <a:extLst>
+              <a:ext uri="{FF2B5EF4-FFF2-40B4-BE49-F238E27FC236}">
+                <a16:creationId xmlns:a16="http://schemas.microsoft.com/office/drawing/2014/main" id="{9856D891-6E77-53B9-A5ED-9F3C0CB4763A}"/>
+              </a:ext>
+            </a:extLst>
+          </p:cNvPr>
+          <p:cNvCxnSpPr>
+            <a:cxnSpLocks/>
+          </p:cNvCxnSpPr>
+          <p:nvPr/>
+        </p:nvCxnSpPr>
+        <p:spPr>
+          <a:xfrm>
+            <a:off x="3434552" y="1722714"/>
+            <a:ext cx="4983224" cy="0"/>
+          </a:xfrm>
+          <a:prstGeom prst="line">
+            <a:avLst/>
+          </a:prstGeom>
+          <a:ln>
+            <a:solidFill>
+              <a:schemeClr val="accent6">
+                <a:lumMod val="75000"/>
+              </a:schemeClr>
+            </a:solidFill>
+          </a:ln>
+        </p:spPr>
+        <p:style>
+          <a:lnRef idx="2">
+            <a:schemeClr val="accent1"/>
+          </a:lnRef>
+          <a:fillRef idx="0">
+            <a:schemeClr val="accent1"/>
+          </a:fillRef>
+          <a:effectRef idx="1">
+            <a:schemeClr val="accent1"/>
+          </a:effectRef>
+          <a:fontRef idx="minor">
+            <a:schemeClr val="tx1"/>
+          </a:fontRef>
+        </p:style>
+      </p:cxnSp>
+      <p:sp>
+        <p:nvSpPr>
+          <p:cNvPr id="11" name="TextBox 10">
+            <a:extLst>
+              <a:ext uri="{FF2B5EF4-FFF2-40B4-BE49-F238E27FC236}">
+                <a16:creationId xmlns:a16="http://schemas.microsoft.com/office/drawing/2014/main" id="{925679F4-CF01-D594-4512-3725711039C9}"/>
+              </a:ext>
+            </a:extLst>
+          </p:cNvPr>
+          <p:cNvSpPr txBox="1"/>
+          <p:nvPr/>
+        </p:nvSpPr>
+        <p:spPr>
+          <a:xfrm>
+            <a:off x="5649557" y="1406376"/>
+            <a:ext cx="679347" cy="364074"/>
+          </a:xfrm>
+          <a:prstGeom prst="rect">
+            <a:avLst/>
+          </a:prstGeom>
+          <a:noFill/>
+          <a:ln>
+            <a:noFill/>
+          </a:ln>
+        </p:spPr>
+        <p:txBody>
+          <a:bodyPr wrap="square" rtlCol="0">
+            <a:spAutoFit/>
+          </a:bodyPr>
+          <a:lstStyle/>
+          <a:p>
+            <a:pPr algn="ctr"/>
+            <a:r>
+              <a:rPr lang="en-GB" sz="1766" b="1" dirty="0">
+                <a:solidFill>
+                  <a:schemeClr val="accent6">
+                    <a:lumMod val="75000"/>
+                  </a:schemeClr>
+                </a:solidFill>
+                <a:latin typeface="Helvetica" panose="020B0604020202020204"/>
+                <a:cs typeface="Helvetica" panose="020B0604020202020204"/>
+              </a:rPr>
+              <a:t>*</a:t>
+            </a:r>
           </a:p>
         </p:txBody>
       </p:sp>
     </p:spTree>
     <p:extLst>
       <p:ext uri="{BB962C8B-B14F-4D97-AF65-F5344CB8AC3E}">
-        <p14:creationId xmlns:p14="http://schemas.microsoft.com/office/powerpoint/2010/main" val="2740833318"/>
+        <p14:creationId xmlns:p14="http://schemas.microsoft.com/office/powerpoint/2010/main" val="522262804"/>
       </p:ext>
     </p:extLst>
   </p:cSld>
@@ -6064,49 +6106,15 @@
           <a:chExt cx="0" cy="0"/>
         </a:xfrm>
       </p:grpSpPr>
-      <p:pic>
-        <p:nvPicPr>
-          <p:cNvPr id="5" name="Content Placeholder 4" descr="A diagram of different colored squares&#10;&#10;AI-generated content may be incorrect.">
+      <p:sp>
+        <p:nvSpPr>
+          <p:cNvPr id="2" name="Title 1">
             <a:extLst>
               <a:ext uri="{FF2B5EF4-FFF2-40B4-BE49-F238E27FC236}">
-                <a16:creationId xmlns:a16="http://schemas.microsoft.com/office/drawing/2014/main" id="{73E0993F-5E9C-1D30-1C0B-6E7EB90E7028}"/>
+                <a16:creationId xmlns:a16="http://schemas.microsoft.com/office/drawing/2014/main" id="{453C67C6-7C6F-9EC2-BC2C-F591BF4901DA}"/>
               </a:ext>
             </a:extLst>
           </p:cNvPr>
-          <p:cNvPicPr>
-            <a:picLocks noGrp="1" noChangeAspect="1"/>
-          </p:cNvPicPr>
-          <p:nvPr>
-            <p:ph idx="1"/>
-          </p:nvPr>
-        </p:nvPicPr>
-        <p:blipFill>
-          <a:blip r:embed="rId2">
-            <a:extLst>
-              <a:ext uri="{28A0092B-C50C-407E-A947-70E740481C1C}">
-                <a14:useLocalDpi xmlns:a14="http://schemas.microsoft.com/office/drawing/2010/main" val="0"/>
-              </a:ext>
-            </a:extLst>
-          </a:blip>
-          <a:srcRect t="6225"/>
-          <a:stretch/>
-        </p:blipFill>
-        <p:spPr>
-          <a:xfrm>
-            <a:off x="1786756" y="1766126"/>
-            <a:ext cx="8618487" cy="4856480"/>
-          </a:xfrm>
-        </p:spPr>
-      </p:pic>
-      <p:sp>
-        <p:nvSpPr>
-          <p:cNvPr id="2" name="Title 1">
-            <a:extLst>
-              <a:ext uri="{FF2B5EF4-FFF2-40B4-BE49-F238E27FC236}">
-                <a16:creationId xmlns:a16="http://schemas.microsoft.com/office/drawing/2014/main" id="{186B59D3-816C-2A57-089A-EA265D288680}"/>
-              </a:ext>
-            </a:extLst>
-          </p:cNvPr>
           <p:cNvSpPr>
             <a:spLocks noGrp="1"/>
           </p:cNvSpPr>
@@ -6116,7 +6124,7 @@
         </p:nvSpPr>
         <p:spPr>
           <a:xfrm>
-            <a:off x="238760" y="213360"/>
+            <a:off x="239618" y="212992"/>
             <a:ext cx="9875520" cy="1356360"/>
           </a:xfrm>
         </p:spPr>
@@ -6126,7 +6134,7 @@
           <a:p>
             <a:r>
               <a:rPr lang="de-CH" dirty="0"/>
-              <a:t>Height – by Provenance</a:t>
+              <a:t>Budset &amp; Budburst</a:t>
             </a:r>
             <a:endParaRPr lang="en-GB" dirty="0"/>
           </a:p>
@@ -6134,246 +6142,99 @@
       </p:sp>
       <p:sp>
         <p:nvSpPr>
-          <p:cNvPr id="6" name="TextBox 5">
+          <p:cNvPr id="3" name="Content Placeholder 2">
             <a:extLst>
               <a:ext uri="{FF2B5EF4-FFF2-40B4-BE49-F238E27FC236}">
-                <a16:creationId xmlns:a16="http://schemas.microsoft.com/office/drawing/2014/main" id="{85B2C7B7-4BA9-EB08-7CDD-E8CB7044D6E1}"/>
+                <a16:creationId xmlns:a16="http://schemas.microsoft.com/office/drawing/2014/main" id="{4667D288-CBE2-F195-7FFC-C90ACACBE117}"/>
               </a:ext>
             </a:extLst>
           </p:cNvPr>
-          <p:cNvSpPr txBox="1"/>
-          <p:nvPr/>
-        </p:nvSpPr>
-        <p:spPr>
-          <a:xfrm>
-            <a:off x="8270240" y="670560"/>
-            <a:ext cx="2661920" cy="923330"/>
-          </a:xfrm>
-          <a:prstGeom prst="rect">
-            <a:avLst/>
-          </a:prstGeom>
-          <a:noFill/>
-        </p:spPr>
-        <p:txBody>
-          <a:bodyPr wrap="square" rtlCol="0">
-            <a:spAutoFit/>
-          </a:bodyPr>
+          <p:cNvSpPr>
+            <a:spLocks noGrp="1"/>
+          </p:cNvSpPr>
+          <p:nvPr>
+            <p:ph idx="1"/>
+          </p:nvPr>
+        </p:nvSpPr>
+        <p:spPr>
+          <a:xfrm>
+            <a:off x="933680" y="1569352"/>
+            <a:ext cx="9872871" cy="4038600"/>
+          </a:xfrm>
+        </p:spPr>
+        <p:txBody>
+          <a:bodyPr/>
           <a:lstStyle/>
           <a:p>
             <a:r>
-              <a:rPr lang="de-CH" dirty="0">
-                <a:solidFill>
-                  <a:srgbClr val="FF0000"/>
-                </a:solidFill>
-              </a:rPr>
-              <a:t>How many height values for each provenance?</a:t>
-            </a:r>
-          </a:p>
-          <a:p>
-            <a:r>
-              <a:rPr lang="de-CH" dirty="0">
-                <a:solidFill>
-                  <a:srgbClr val="FF0000"/>
-                </a:solidFill>
-              </a:rPr>
-              <a:t>How many NAs</a:t>
-            </a:r>
-            <a:endParaRPr lang="en-GB" dirty="0">
-              <a:solidFill>
-                <a:srgbClr val="FF0000"/>
-              </a:solidFill>
-            </a:endParaRPr>
-          </a:p>
-        </p:txBody>
-      </p:sp>
-      <p:cxnSp>
-        <p:nvCxnSpPr>
-          <p:cNvPr id="7" name="Straight Connector 6">
-            <a:extLst>
-              <a:ext uri="{FF2B5EF4-FFF2-40B4-BE49-F238E27FC236}">
-                <a16:creationId xmlns:a16="http://schemas.microsoft.com/office/drawing/2014/main" id="{19059EA4-2DBF-0663-3CBB-735422399593}"/>
-              </a:ext>
-            </a:extLst>
-          </p:cNvPr>
-          <p:cNvCxnSpPr>
-            <a:cxnSpLocks/>
-          </p:cNvCxnSpPr>
-          <p:nvPr/>
-        </p:nvCxnSpPr>
-        <p:spPr>
-          <a:xfrm flipV="1">
-            <a:off x="6745584" y="2254710"/>
-            <a:ext cx="2088872" cy="2986"/>
-          </a:xfrm>
-          <a:prstGeom prst="line">
-            <a:avLst/>
-          </a:prstGeom>
-          <a:ln>
-            <a:solidFill>
-              <a:schemeClr val="accent6">
-                <a:lumMod val="75000"/>
-              </a:schemeClr>
-            </a:solidFill>
-          </a:ln>
-        </p:spPr>
-        <p:style>
-          <a:lnRef idx="2">
-            <a:schemeClr val="accent1"/>
-          </a:lnRef>
-          <a:fillRef idx="0">
-            <a:schemeClr val="accent1"/>
-          </a:fillRef>
-          <a:effectRef idx="1">
-            <a:schemeClr val="accent1"/>
-          </a:effectRef>
-          <a:fontRef idx="minor">
-            <a:schemeClr val="tx1"/>
-          </a:fontRef>
-        </p:style>
-      </p:cxnSp>
-      <p:sp>
-        <p:nvSpPr>
-          <p:cNvPr id="8" name="TextBox 7">
-            <a:extLst>
-              <a:ext uri="{FF2B5EF4-FFF2-40B4-BE49-F238E27FC236}">
-                <a16:creationId xmlns:a16="http://schemas.microsoft.com/office/drawing/2014/main" id="{B4B09F37-05AB-B6E9-E388-410DADB688E9}"/>
-              </a:ext>
-            </a:extLst>
-          </p:cNvPr>
-          <p:cNvSpPr txBox="1"/>
-          <p:nvPr/>
-        </p:nvSpPr>
-        <p:spPr>
-          <a:xfrm>
-            <a:off x="7450347" y="1996473"/>
-            <a:ext cx="679347" cy="364074"/>
-          </a:xfrm>
-          <a:prstGeom prst="rect">
-            <a:avLst/>
-          </a:prstGeom>
-          <a:noFill/>
-          <a:ln>
-            <a:noFill/>
-          </a:ln>
-        </p:spPr>
-        <p:txBody>
-          <a:bodyPr wrap="square" rtlCol="0">
-            <a:spAutoFit/>
-          </a:bodyPr>
-          <a:lstStyle/>
-          <a:p>
-            <a:pPr algn="ctr"/>
-            <a:r>
-              <a:rPr lang="en-GB" sz="1766" b="1" dirty="0">
-                <a:solidFill>
-                  <a:schemeClr val="accent6">
-                    <a:lumMod val="75000"/>
-                  </a:schemeClr>
-                </a:solidFill>
-                <a:latin typeface="Helvetica" panose="020B0604020202020204"/>
-                <a:cs typeface="Helvetica" panose="020B0604020202020204"/>
-              </a:rPr>
-              <a:t>*</a:t>
-            </a:r>
-          </a:p>
-        </p:txBody>
-      </p:sp>
-      <p:cxnSp>
-        <p:nvCxnSpPr>
-          <p:cNvPr id="12" name="Straight Connector 11">
-            <a:extLst>
-              <a:ext uri="{FF2B5EF4-FFF2-40B4-BE49-F238E27FC236}">
-                <a16:creationId xmlns:a16="http://schemas.microsoft.com/office/drawing/2014/main" id="{FCE061F1-94C7-639C-91D4-CFA492EA4128}"/>
-              </a:ext>
-            </a:extLst>
-          </p:cNvPr>
-          <p:cNvCxnSpPr>
-            <a:cxnSpLocks/>
-          </p:cNvCxnSpPr>
-          <p:nvPr/>
-        </p:nvCxnSpPr>
-        <p:spPr>
-          <a:xfrm flipV="1">
-            <a:off x="3790687" y="2254710"/>
-            <a:ext cx="2088872" cy="2986"/>
-          </a:xfrm>
-          <a:prstGeom prst="line">
-            <a:avLst/>
-          </a:prstGeom>
-          <a:ln>
-            <a:solidFill>
-              <a:schemeClr val="accent6">
-                <a:lumMod val="75000"/>
-              </a:schemeClr>
-            </a:solidFill>
-          </a:ln>
-        </p:spPr>
-        <p:style>
-          <a:lnRef idx="2">
-            <a:schemeClr val="accent1"/>
-          </a:lnRef>
-          <a:fillRef idx="0">
-            <a:schemeClr val="accent1"/>
-          </a:fillRef>
-          <a:effectRef idx="1">
-            <a:schemeClr val="accent1"/>
-          </a:effectRef>
-          <a:fontRef idx="minor">
-            <a:schemeClr val="tx1"/>
-          </a:fontRef>
-        </p:style>
-      </p:cxnSp>
-      <p:sp>
-        <p:nvSpPr>
-          <p:cNvPr id="13" name="TextBox 12">
-            <a:extLst>
-              <a:ext uri="{FF2B5EF4-FFF2-40B4-BE49-F238E27FC236}">
-                <a16:creationId xmlns:a16="http://schemas.microsoft.com/office/drawing/2014/main" id="{2544A9C5-D7E0-7596-44AC-D0B1CF22A9BF}"/>
-              </a:ext>
-            </a:extLst>
-          </p:cNvPr>
-          <p:cNvSpPr txBox="1"/>
-          <p:nvPr/>
-        </p:nvSpPr>
-        <p:spPr>
-          <a:xfrm>
-            <a:off x="4495450" y="1996473"/>
-            <a:ext cx="679347" cy="364074"/>
-          </a:xfrm>
-          <a:prstGeom prst="rect">
-            <a:avLst/>
-          </a:prstGeom>
-          <a:noFill/>
-          <a:ln>
-            <a:noFill/>
-          </a:ln>
-        </p:spPr>
-        <p:txBody>
-          <a:bodyPr wrap="square" rtlCol="0">
-            <a:spAutoFit/>
-          </a:bodyPr>
-          <a:lstStyle/>
-          <a:p>
-            <a:pPr algn="ctr"/>
-            <a:r>
-              <a:rPr lang="en-GB" sz="1766" b="1" dirty="0">
-                <a:solidFill>
-                  <a:schemeClr val="accent6">
-                    <a:lumMod val="75000"/>
-                  </a:schemeClr>
-                </a:solidFill>
-                <a:latin typeface="Helvetica" panose="020B0604020202020204"/>
-                <a:cs typeface="Helvetica" panose="020B0604020202020204"/>
-              </a:rPr>
-              <a:t>*</a:t>
-            </a:r>
+              <a:rPr lang="de-CH" dirty="0"/>
+              <a:t>Date of planting: 20-23/6/2023</a:t>
+            </a:r>
+          </a:p>
+          <a:p>
+            <a:r>
+              <a:rPr lang="de-CH" dirty="0"/>
+              <a:t>Budset period: 11/9/2023 – 17/5/2024</a:t>
+            </a:r>
+          </a:p>
+          <a:p>
+            <a:r>
+              <a:rPr lang="de-CH" dirty="0"/>
+              <a:t>Budburst period: 2/2/2024 – 22/5/2024</a:t>
+            </a:r>
+          </a:p>
+          <a:p>
+            <a:endParaRPr lang="de-CH" dirty="0"/>
+          </a:p>
+          <a:p>
+            <a:r>
+              <a:rPr lang="de-CH" u="sng" dirty="0"/>
+              <a:t>Sample sizes:</a:t>
+            </a:r>
+          </a:p>
+          <a:p>
+            <a:pPr lvl="1"/>
+            <a:r>
+              <a:rPr lang="de-CH" sz="2200" dirty="0"/>
+              <a:t>Budset: 549 trees</a:t>
+            </a:r>
+          </a:p>
+          <a:p>
+            <a:pPr lvl="1"/>
+            <a:r>
+              <a:rPr lang="de-CH" sz="2200" dirty="0"/>
+              <a:t>Budburst: 575 trees</a:t>
+            </a:r>
+          </a:p>
+          <a:p>
+            <a:pPr lvl="2"/>
+            <a:r>
+              <a:rPr lang="de-CH" sz="2000" dirty="0"/>
+              <a:t>(Maybe 26 didn’t have noticeable buds?)</a:t>
+            </a:r>
+          </a:p>
+          <a:p>
+            <a:pPr lvl="1"/>
+            <a:r>
+              <a:rPr lang="de-CH" sz="2200" dirty="0"/>
+              <a:t>Budset &amp; Budburst: 529 trees have data (~85%)</a:t>
+            </a:r>
+          </a:p>
+          <a:p>
+            <a:endParaRPr lang="de-CH" dirty="0"/>
+          </a:p>
+          <a:p>
+            <a:endParaRPr lang="de-CH" dirty="0"/>
+          </a:p>
+          <a:p>
+            <a:endParaRPr lang="en-GB" dirty="0"/>
           </a:p>
         </p:txBody>
       </p:sp>
     </p:spTree>
     <p:extLst>
       <p:ext uri="{BB962C8B-B14F-4D97-AF65-F5344CB8AC3E}">
-        <p14:creationId xmlns:p14="http://schemas.microsoft.com/office/powerpoint/2010/main" val="2468455985"/>
+        <p14:creationId xmlns:p14="http://schemas.microsoft.com/office/powerpoint/2010/main" val="536145808"/>
       </p:ext>
     </p:extLst>
   </p:cSld>
@@ -6405,7 +6266,7 @@
           <p:cNvPr id="2" name="Title 1">
             <a:extLst>
               <a:ext uri="{FF2B5EF4-FFF2-40B4-BE49-F238E27FC236}">
-                <a16:creationId xmlns:a16="http://schemas.microsoft.com/office/drawing/2014/main" id="{88E45658-7DE4-99A0-DD6E-14745BC00932}"/>
+                <a16:creationId xmlns:a16="http://schemas.microsoft.com/office/drawing/2014/main" id="{32D9D9BF-2B66-09AD-138F-36386DDD5CDD}"/>
               </a:ext>
             </a:extLst>
           </p:cNvPr>
@@ -6418,7 +6279,7 @@
         </p:nvSpPr>
         <p:spPr>
           <a:xfrm>
-            <a:off x="238760" y="203200"/>
+            <a:off x="189848" y="263545"/>
             <a:ext cx="9875520" cy="1356360"/>
           </a:xfrm>
         </p:spPr>
@@ -6428,18 +6289,52 @@
           <a:p>
             <a:r>
               <a:rPr lang="de-CH" dirty="0"/>
-              <a:t>Height – by Type</a:t>
+              <a:t>Budset – by provenance</a:t>
             </a:r>
             <a:endParaRPr lang="en-GB" dirty="0"/>
           </a:p>
         </p:txBody>
       </p:sp>
-      <p:sp>
-        <p:nvSpPr>
-          <p:cNvPr id="6" name="TextBox 5">
+      <p:pic>
+        <p:nvPicPr>
+          <p:cNvPr id="5" name="Content Placeholder 4">
             <a:extLst>
               <a:ext uri="{FF2B5EF4-FFF2-40B4-BE49-F238E27FC236}">
-                <a16:creationId xmlns:a16="http://schemas.microsoft.com/office/drawing/2014/main" id="{BC044F4B-72E6-AB1B-4698-07642C2B12A6}"/>
+                <a16:creationId xmlns:a16="http://schemas.microsoft.com/office/drawing/2014/main" id="{C81AF245-CF10-C522-E0CE-18AABCB35AA8}"/>
+              </a:ext>
+            </a:extLst>
+          </p:cNvPr>
+          <p:cNvPicPr>
+            <a:picLocks noGrp="1" noChangeAspect="1"/>
+          </p:cNvPicPr>
+          <p:nvPr>
+            <p:ph idx="1"/>
+          </p:nvPr>
+        </p:nvPicPr>
+        <p:blipFill>
+          <a:blip r:embed="rId3">
+            <a:extLst>
+              <a:ext uri="{28A0092B-C50C-407E-A947-70E740481C1C}">
+                <a14:useLocalDpi xmlns:a14="http://schemas.microsoft.com/office/drawing/2010/main" val="0"/>
+              </a:ext>
+            </a:extLst>
+          </a:blip>
+          <a:srcRect t="7493"/>
+          <a:stretch/>
+        </p:blipFill>
+        <p:spPr>
+          <a:xfrm>
+            <a:off x="739264" y="1597014"/>
+            <a:ext cx="8776687" cy="4878756"/>
+          </a:xfrm>
+        </p:spPr>
+      </p:pic>
+      <p:sp>
+        <p:nvSpPr>
+          <p:cNvPr id="3" name="TextBox 2">
+            <a:extLst>
+              <a:ext uri="{FF2B5EF4-FFF2-40B4-BE49-F238E27FC236}">
+                <a16:creationId xmlns:a16="http://schemas.microsoft.com/office/drawing/2014/main" id="{3FEE3C62-7A17-B683-8845-1CC05C605A19}"/>
               </a:ext>
             </a:extLst>
           </p:cNvPr>
@@ -6448,8 +6343,8 @@
         </p:nvSpPr>
         <p:spPr>
           <a:xfrm>
-            <a:off x="8280400" y="561955"/>
-            <a:ext cx="2661920" cy="923330"/>
+            <a:off x="9588376" y="1785484"/>
+            <a:ext cx="1864360" cy="923330"/>
           </a:xfrm>
           <a:prstGeom prst="rect">
             <a:avLst/>
@@ -6463,71 +6358,55 @@
           <a:lstStyle/>
           <a:p>
             <a:r>
-              <a:rPr lang="de-CH" dirty="0">
-                <a:solidFill>
-                  <a:srgbClr val="FF0000"/>
-                </a:solidFill>
-              </a:rPr>
-              <a:t>How many height values for each type?</a:t>
-            </a:r>
-          </a:p>
-          <a:p>
-            <a:r>
-              <a:rPr lang="de-CH" dirty="0">
-                <a:solidFill>
-                  <a:srgbClr val="FF0000"/>
-                </a:solidFill>
-              </a:rPr>
-              <a:t>How many Nas?</a:t>
-            </a:r>
-            <a:endParaRPr lang="en-GB" dirty="0">
-              <a:solidFill>
-                <a:srgbClr val="FF0000"/>
-              </a:solidFill>
-            </a:endParaRPr>
-          </a:p>
-        </p:txBody>
-      </p:sp>
-      <p:pic>
-        <p:nvPicPr>
-          <p:cNvPr id="10" name="Content Placeholder 9" descr="A diagram of different colored rectangles&#10;&#10;AI-generated content may be incorrect.">
+              <a:rPr lang="de-CH" dirty="0"/>
+              <a:t>Even distribution between provenances</a:t>
+            </a:r>
+            <a:endParaRPr lang="en-GB" dirty="0"/>
+          </a:p>
+        </p:txBody>
+      </p:sp>
+      <p:sp>
+        <p:nvSpPr>
+          <p:cNvPr id="9" name="TextBox 8">
             <a:extLst>
               <a:ext uri="{FF2B5EF4-FFF2-40B4-BE49-F238E27FC236}">
-                <a16:creationId xmlns:a16="http://schemas.microsoft.com/office/drawing/2014/main" id="{8BA279B2-C990-BC1D-5784-CB13A3FEFDBE}"/>
+                <a16:creationId xmlns:a16="http://schemas.microsoft.com/office/drawing/2014/main" id="{B0C60FA7-6976-A204-5DB2-FA364834CB49}"/>
               </a:ext>
             </a:extLst>
           </p:cNvPr>
-          <p:cNvPicPr>
-            <a:picLocks noGrp="1" noChangeAspect="1"/>
-          </p:cNvPicPr>
-          <p:nvPr>
-            <p:ph idx="1"/>
-          </p:nvPr>
-        </p:nvPicPr>
-        <p:blipFill>
-          <a:blip r:embed="rId2">
-            <a:extLst>
-              <a:ext uri="{28A0092B-C50C-407E-A947-70E740481C1C}">
-                <a14:useLocalDpi xmlns:a14="http://schemas.microsoft.com/office/drawing/2010/main" val="0"/>
-              </a:ext>
-            </a:extLst>
-          </a:blip>
-          <a:srcRect t="5930"/>
-          <a:stretch/>
-        </p:blipFill>
-        <p:spPr>
-          <a:xfrm>
-            <a:off x="1273629" y="1479925"/>
-            <a:ext cx="9002485" cy="5088833"/>
-          </a:xfrm>
-        </p:spPr>
-      </p:pic>
+          <p:cNvSpPr txBox="1"/>
+          <p:nvPr/>
+        </p:nvSpPr>
+        <p:spPr>
+          <a:xfrm>
+            <a:off x="9755959" y="5948124"/>
+            <a:ext cx="2131350" cy="646331"/>
+          </a:xfrm>
+          <a:prstGeom prst="rect">
+            <a:avLst/>
+          </a:prstGeom>
+          <a:noFill/>
+        </p:spPr>
+        <p:txBody>
+          <a:bodyPr wrap="square">
+            <a:spAutoFit/>
+          </a:bodyPr>
+          <a:lstStyle/>
+          <a:p>
+            <a:pPr algn="ctr"/>
+            <a:r>
+              <a:rPr lang="en-GB" dirty="0"/>
+              <a:t>Origin date = 10/09/2023</a:t>
+            </a:r>
+          </a:p>
+        </p:txBody>
+      </p:sp>
       <p:cxnSp>
         <p:nvCxnSpPr>
-          <p:cNvPr id="4" name="Straight Connector 3">
+          <p:cNvPr id="10" name="Straight Connector 9">
             <a:extLst>
               <a:ext uri="{FF2B5EF4-FFF2-40B4-BE49-F238E27FC236}">
-                <a16:creationId xmlns:a16="http://schemas.microsoft.com/office/drawing/2014/main" id="{799FF156-1706-02AD-E8DE-8029EE35527A}"/>
+                <a16:creationId xmlns:a16="http://schemas.microsoft.com/office/drawing/2014/main" id="{627207B2-C399-F774-B53B-5CE49BA29F56}"/>
               </a:ext>
             </a:extLst>
           </p:cNvPr>
@@ -6538,7 +6417,7 @@
         </p:nvCxnSpPr>
         <p:spPr>
           <a:xfrm flipV="1">
-            <a:off x="3434552" y="2697258"/>
+            <a:off x="5792742" y="1762532"/>
             <a:ext cx="2088872" cy="2986"/>
           </a:xfrm>
           <a:prstGeom prst="line">
@@ -6569,452 +6448,6 @@
       </p:cxnSp>
       <p:sp>
         <p:nvSpPr>
-          <p:cNvPr id="5" name="TextBox 4">
-            <a:extLst>
-              <a:ext uri="{FF2B5EF4-FFF2-40B4-BE49-F238E27FC236}">
-                <a16:creationId xmlns:a16="http://schemas.microsoft.com/office/drawing/2014/main" id="{0B94D3B1-D2D1-C219-BFFD-F4DB6DC8B9BB}"/>
-              </a:ext>
-            </a:extLst>
-          </p:cNvPr>
-          <p:cNvSpPr txBox="1"/>
-          <p:nvPr/>
-        </p:nvSpPr>
-        <p:spPr>
-          <a:xfrm>
-            <a:off x="4139315" y="2439021"/>
-            <a:ext cx="679347" cy="364074"/>
-          </a:xfrm>
-          <a:prstGeom prst="rect">
-            <a:avLst/>
-          </a:prstGeom>
-          <a:noFill/>
-          <a:ln>
-            <a:noFill/>
-          </a:ln>
-        </p:spPr>
-        <p:txBody>
-          <a:bodyPr wrap="square" rtlCol="0">
-            <a:spAutoFit/>
-          </a:bodyPr>
-          <a:lstStyle/>
-          <a:p>
-            <a:pPr algn="ctr"/>
-            <a:r>
-              <a:rPr lang="en-GB" sz="1766" b="1" dirty="0">
-                <a:solidFill>
-                  <a:schemeClr val="accent6">
-                    <a:lumMod val="75000"/>
-                  </a:schemeClr>
-                </a:solidFill>
-                <a:latin typeface="Helvetica" panose="020B0604020202020204"/>
-                <a:cs typeface="Helvetica" panose="020B0604020202020204"/>
-              </a:rPr>
-              <a:t>*</a:t>
-            </a:r>
-          </a:p>
-        </p:txBody>
-      </p:sp>
-      <p:cxnSp>
-        <p:nvCxnSpPr>
-          <p:cNvPr id="7" name="Straight Connector 6">
-            <a:extLst>
-              <a:ext uri="{FF2B5EF4-FFF2-40B4-BE49-F238E27FC236}">
-                <a16:creationId xmlns:a16="http://schemas.microsoft.com/office/drawing/2014/main" id="{EF7AD5F4-45BE-97EA-56EB-EB3658392A22}"/>
-              </a:ext>
-            </a:extLst>
-          </p:cNvPr>
-          <p:cNvCxnSpPr>
-            <a:cxnSpLocks/>
-          </p:cNvCxnSpPr>
-          <p:nvPr/>
-        </p:nvCxnSpPr>
-        <p:spPr>
-          <a:xfrm flipV="1">
-            <a:off x="6328904" y="2400269"/>
-            <a:ext cx="2088872" cy="2986"/>
-          </a:xfrm>
-          <a:prstGeom prst="line">
-            <a:avLst/>
-          </a:prstGeom>
-          <a:ln>
-            <a:solidFill>
-              <a:schemeClr val="accent6">
-                <a:lumMod val="75000"/>
-              </a:schemeClr>
-            </a:solidFill>
-          </a:ln>
-        </p:spPr>
-        <p:style>
-          <a:lnRef idx="2">
-            <a:schemeClr val="accent1"/>
-          </a:lnRef>
-          <a:fillRef idx="0">
-            <a:schemeClr val="accent1"/>
-          </a:fillRef>
-          <a:effectRef idx="1">
-            <a:schemeClr val="accent1"/>
-          </a:effectRef>
-          <a:fontRef idx="minor">
-            <a:schemeClr val="tx1"/>
-          </a:fontRef>
-        </p:style>
-      </p:cxnSp>
-      <p:sp>
-        <p:nvSpPr>
-          <p:cNvPr id="8" name="TextBox 7">
-            <a:extLst>
-              <a:ext uri="{FF2B5EF4-FFF2-40B4-BE49-F238E27FC236}">
-                <a16:creationId xmlns:a16="http://schemas.microsoft.com/office/drawing/2014/main" id="{47F509E7-DF81-6201-EAEF-76C19805D2B3}"/>
-              </a:ext>
-            </a:extLst>
-          </p:cNvPr>
-          <p:cNvSpPr txBox="1"/>
-          <p:nvPr/>
-        </p:nvSpPr>
-        <p:spPr>
-          <a:xfrm>
-            <a:off x="7033667" y="2142032"/>
-            <a:ext cx="679347" cy="364074"/>
-          </a:xfrm>
-          <a:prstGeom prst="rect">
-            <a:avLst/>
-          </a:prstGeom>
-          <a:noFill/>
-          <a:ln>
-            <a:noFill/>
-          </a:ln>
-        </p:spPr>
-        <p:txBody>
-          <a:bodyPr wrap="square" rtlCol="0">
-            <a:spAutoFit/>
-          </a:bodyPr>
-          <a:lstStyle/>
-          <a:p>
-            <a:pPr algn="ctr"/>
-            <a:r>
-              <a:rPr lang="en-GB" sz="1766" b="1" dirty="0">
-                <a:solidFill>
-                  <a:schemeClr val="accent6">
-                    <a:lumMod val="75000"/>
-                  </a:schemeClr>
-                </a:solidFill>
-                <a:latin typeface="Helvetica" panose="020B0604020202020204"/>
-                <a:cs typeface="Helvetica" panose="020B0604020202020204"/>
-              </a:rPr>
-              <a:t>*</a:t>
-            </a:r>
-          </a:p>
-        </p:txBody>
-      </p:sp>
-      <p:cxnSp>
-        <p:nvCxnSpPr>
-          <p:cNvPr id="9" name="Straight Connector 8">
-            <a:extLst>
-              <a:ext uri="{FF2B5EF4-FFF2-40B4-BE49-F238E27FC236}">
-                <a16:creationId xmlns:a16="http://schemas.microsoft.com/office/drawing/2014/main" id="{9856D891-6E77-53B9-A5ED-9F3C0CB4763A}"/>
-              </a:ext>
-            </a:extLst>
-          </p:cNvPr>
-          <p:cNvCxnSpPr>
-            <a:cxnSpLocks/>
-          </p:cNvCxnSpPr>
-          <p:nvPr/>
-        </p:nvCxnSpPr>
-        <p:spPr>
-          <a:xfrm>
-            <a:off x="3434552" y="1722714"/>
-            <a:ext cx="4983224" cy="0"/>
-          </a:xfrm>
-          <a:prstGeom prst="line">
-            <a:avLst/>
-          </a:prstGeom>
-          <a:ln>
-            <a:solidFill>
-              <a:schemeClr val="accent6">
-                <a:lumMod val="75000"/>
-              </a:schemeClr>
-            </a:solidFill>
-          </a:ln>
-        </p:spPr>
-        <p:style>
-          <a:lnRef idx="2">
-            <a:schemeClr val="accent1"/>
-          </a:lnRef>
-          <a:fillRef idx="0">
-            <a:schemeClr val="accent1"/>
-          </a:fillRef>
-          <a:effectRef idx="1">
-            <a:schemeClr val="accent1"/>
-          </a:effectRef>
-          <a:fontRef idx="minor">
-            <a:schemeClr val="tx1"/>
-          </a:fontRef>
-        </p:style>
-      </p:cxnSp>
-      <p:sp>
-        <p:nvSpPr>
-          <p:cNvPr id="11" name="TextBox 10">
-            <a:extLst>
-              <a:ext uri="{FF2B5EF4-FFF2-40B4-BE49-F238E27FC236}">
-                <a16:creationId xmlns:a16="http://schemas.microsoft.com/office/drawing/2014/main" id="{925679F4-CF01-D594-4512-3725711039C9}"/>
-              </a:ext>
-            </a:extLst>
-          </p:cNvPr>
-          <p:cNvSpPr txBox="1"/>
-          <p:nvPr/>
-        </p:nvSpPr>
-        <p:spPr>
-          <a:xfrm>
-            <a:off x="5649557" y="1406376"/>
-            <a:ext cx="679347" cy="364074"/>
-          </a:xfrm>
-          <a:prstGeom prst="rect">
-            <a:avLst/>
-          </a:prstGeom>
-          <a:noFill/>
-          <a:ln>
-            <a:noFill/>
-          </a:ln>
-        </p:spPr>
-        <p:txBody>
-          <a:bodyPr wrap="square" rtlCol="0">
-            <a:spAutoFit/>
-          </a:bodyPr>
-          <a:lstStyle/>
-          <a:p>
-            <a:pPr algn="ctr"/>
-            <a:r>
-              <a:rPr lang="en-GB" sz="1766" b="1" dirty="0">
-                <a:solidFill>
-                  <a:schemeClr val="accent6">
-                    <a:lumMod val="75000"/>
-                  </a:schemeClr>
-                </a:solidFill>
-                <a:latin typeface="Helvetica" panose="020B0604020202020204"/>
-                <a:cs typeface="Helvetica" panose="020B0604020202020204"/>
-              </a:rPr>
-              <a:t>*</a:t>
-            </a:r>
-          </a:p>
-        </p:txBody>
-      </p:sp>
-    </p:spTree>
-    <p:extLst>
-      <p:ext uri="{BB962C8B-B14F-4D97-AF65-F5344CB8AC3E}">
-        <p14:creationId xmlns:p14="http://schemas.microsoft.com/office/powerpoint/2010/main" val="522262804"/>
-      </p:ext>
-    </p:extLst>
-  </p:cSld>
-  <p:clrMapOvr>
-    <a:masterClrMapping/>
-  </p:clrMapOvr>
-</p:sld>
-</file>
-
-<file path=ppt/slides/slide15.xml><?xml version="1.0" encoding="utf-8"?>
-<p:sld xmlns:a="http://schemas.openxmlformats.org/drawingml/2006/main" xmlns:r="http://schemas.openxmlformats.org/officeDocument/2006/relationships" xmlns:p="http://schemas.openxmlformats.org/presentationml/2006/main">
-  <p:cSld>
-    <p:spTree>
-      <p:nvGrpSpPr>
-        <p:cNvPr id="1" name=""/>
-        <p:cNvGrpSpPr/>
-        <p:nvPr/>
-      </p:nvGrpSpPr>
-      <p:grpSpPr>
-        <a:xfrm>
-          <a:off x="0" y="0"/>
-          <a:ext cx="0" cy="0"/>
-          <a:chOff x="0" y="0"/>
-          <a:chExt cx="0" cy="0"/>
-        </a:xfrm>
-      </p:grpSpPr>
-      <p:sp>
-        <p:nvSpPr>
-          <p:cNvPr id="2" name="Title 1">
-            <a:extLst>
-              <a:ext uri="{FF2B5EF4-FFF2-40B4-BE49-F238E27FC236}">
-                <a16:creationId xmlns:a16="http://schemas.microsoft.com/office/drawing/2014/main" id="{32D9D9BF-2B66-09AD-138F-36386DDD5CDD}"/>
-              </a:ext>
-            </a:extLst>
-          </p:cNvPr>
-          <p:cNvSpPr>
-            <a:spLocks noGrp="1"/>
-          </p:cNvSpPr>
-          <p:nvPr>
-            <p:ph type="title"/>
-          </p:nvPr>
-        </p:nvSpPr>
-        <p:spPr>
-          <a:xfrm>
-            <a:off x="189848" y="263545"/>
-            <a:ext cx="9875520" cy="1356360"/>
-          </a:xfrm>
-        </p:spPr>
-        <p:txBody>
-          <a:bodyPr/>
-          <a:lstStyle/>
-          <a:p>
-            <a:r>
-              <a:rPr lang="de-CH" dirty="0"/>
-              <a:t>Budset – by provenance</a:t>
-            </a:r>
-            <a:endParaRPr lang="en-GB" dirty="0"/>
-          </a:p>
-        </p:txBody>
-      </p:sp>
-      <p:pic>
-        <p:nvPicPr>
-          <p:cNvPr id="5" name="Content Placeholder 4">
-            <a:extLst>
-              <a:ext uri="{FF2B5EF4-FFF2-40B4-BE49-F238E27FC236}">
-                <a16:creationId xmlns:a16="http://schemas.microsoft.com/office/drawing/2014/main" id="{C81AF245-CF10-C522-E0CE-18AABCB35AA8}"/>
-              </a:ext>
-            </a:extLst>
-          </p:cNvPr>
-          <p:cNvPicPr>
-            <a:picLocks noGrp="1" noChangeAspect="1"/>
-          </p:cNvPicPr>
-          <p:nvPr>
-            <p:ph idx="1"/>
-          </p:nvPr>
-        </p:nvPicPr>
-        <p:blipFill>
-          <a:blip r:embed="rId3">
-            <a:extLst>
-              <a:ext uri="{28A0092B-C50C-407E-A947-70E740481C1C}">
-                <a14:useLocalDpi xmlns:a14="http://schemas.microsoft.com/office/drawing/2010/main" val="0"/>
-              </a:ext>
-            </a:extLst>
-          </a:blip>
-          <a:srcRect t="7493"/>
-          <a:stretch/>
-        </p:blipFill>
-        <p:spPr>
-          <a:xfrm>
-            <a:off x="739264" y="1597014"/>
-            <a:ext cx="8776687" cy="4878756"/>
-          </a:xfrm>
-        </p:spPr>
-      </p:pic>
-      <p:sp>
-        <p:nvSpPr>
-          <p:cNvPr id="3" name="TextBox 2">
-            <a:extLst>
-              <a:ext uri="{FF2B5EF4-FFF2-40B4-BE49-F238E27FC236}">
-                <a16:creationId xmlns:a16="http://schemas.microsoft.com/office/drawing/2014/main" id="{3FEE3C62-7A17-B683-8845-1CC05C605A19}"/>
-              </a:ext>
-            </a:extLst>
-          </p:cNvPr>
-          <p:cNvSpPr txBox="1"/>
-          <p:nvPr/>
-        </p:nvSpPr>
-        <p:spPr>
-          <a:xfrm>
-            <a:off x="9588376" y="1785484"/>
-            <a:ext cx="1864360" cy="923330"/>
-          </a:xfrm>
-          <a:prstGeom prst="rect">
-            <a:avLst/>
-          </a:prstGeom>
-          <a:noFill/>
-        </p:spPr>
-        <p:txBody>
-          <a:bodyPr wrap="square" rtlCol="0">
-            <a:spAutoFit/>
-          </a:bodyPr>
-          <a:lstStyle/>
-          <a:p>
-            <a:r>
-              <a:rPr lang="de-CH" dirty="0"/>
-              <a:t>Even distribution between provenances</a:t>
-            </a:r>
-            <a:endParaRPr lang="en-GB" dirty="0"/>
-          </a:p>
-        </p:txBody>
-      </p:sp>
-      <p:sp>
-        <p:nvSpPr>
-          <p:cNvPr id="9" name="TextBox 8">
-            <a:extLst>
-              <a:ext uri="{FF2B5EF4-FFF2-40B4-BE49-F238E27FC236}">
-                <a16:creationId xmlns:a16="http://schemas.microsoft.com/office/drawing/2014/main" id="{B0C60FA7-6976-A204-5DB2-FA364834CB49}"/>
-              </a:ext>
-            </a:extLst>
-          </p:cNvPr>
-          <p:cNvSpPr txBox="1"/>
-          <p:nvPr/>
-        </p:nvSpPr>
-        <p:spPr>
-          <a:xfrm>
-            <a:off x="9711892" y="6096893"/>
-            <a:ext cx="2131350" cy="369332"/>
-          </a:xfrm>
-          <a:prstGeom prst="rect">
-            <a:avLst/>
-          </a:prstGeom>
-          <a:noFill/>
-        </p:spPr>
-        <p:txBody>
-          <a:bodyPr wrap="square">
-            <a:spAutoFit/>
-          </a:bodyPr>
-          <a:lstStyle/>
-          <a:p>
-            <a:pPr algn="ctr"/>
-            <a:r>
-              <a:rPr lang="en-GB" dirty="0"/>
-              <a:t>Day 0 = 10/09/2023</a:t>
-            </a:r>
-          </a:p>
-        </p:txBody>
-      </p:sp>
-      <p:cxnSp>
-        <p:nvCxnSpPr>
-          <p:cNvPr id="10" name="Straight Connector 9">
-            <a:extLst>
-              <a:ext uri="{FF2B5EF4-FFF2-40B4-BE49-F238E27FC236}">
-                <a16:creationId xmlns:a16="http://schemas.microsoft.com/office/drawing/2014/main" id="{627207B2-C399-F774-B53B-5CE49BA29F56}"/>
-              </a:ext>
-            </a:extLst>
-          </p:cNvPr>
-          <p:cNvCxnSpPr>
-            <a:cxnSpLocks/>
-          </p:cNvCxnSpPr>
-          <p:nvPr/>
-        </p:nvCxnSpPr>
-        <p:spPr>
-          <a:xfrm flipV="1">
-            <a:off x="5792742" y="1762532"/>
-            <a:ext cx="2088872" cy="2986"/>
-          </a:xfrm>
-          <a:prstGeom prst="line">
-            <a:avLst/>
-          </a:prstGeom>
-          <a:ln>
-            <a:solidFill>
-              <a:schemeClr val="accent6">
-                <a:lumMod val="75000"/>
-              </a:schemeClr>
-            </a:solidFill>
-          </a:ln>
-        </p:spPr>
-        <p:style>
-          <a:lnRef idx="2">
-            <a:schemeClr val="accent1"/>
-          </a:lnRef>
-          <a:fillRef idx="0">
-            <a:schemeClr val="accent1"/>
-          </a:fillRef>
-          <a:effectRef idx="1">
-            <a:schemeClr val="accent1"/>
-          </a:effectRef>
-          <a:fontRef idx="minor">
-            <a:schemeClr val="tx1"/>
-          </a:fontRef>
-        </p:style>
-      </p:cxnSp>
-      <p:sp>
-        <p:nvSpPr>
           <p:cNvPr id="11" name="TextBox 10">
             <a:extLst>
               <a:ext uri="{FF2B5EF4-FFF2-40B4-BE49-F238E27FC236}">
@@ -7085,7 +6518,7 @@
 </p:sld>
 </file>
 
-<file path=ppt/slides/slide16.xml><?xml version="1.0" encoding="utf-8"?>
+<file path=ppt/slides/slide15.xml><?xml version="1.0" encoding="utf-8"?>
 <p:sld xmlns:a="http://schemas.openxmlformats.org/drawingml/2006/main" xmlns:r="http://schemas.openxmlformats.org/officeDocument/2006/relationships" xmlns:p="http://schemas.openxmlformats.org/presentationml/2006/main">
   <p:cSld>
     <p:spTree>
@@ -7228,7 +6661,7 @@
 </p:sld>
 </file>
 
-<file path=ppt/slides/slide17.xml><?xml version="1.0" encoding="utf-8"?>
+<file path=ppt/slides/slide16.xml><?xml version="1.0" encoding="utf-8"?>
 <p:sld xmlns:a="http://schemas.openxmlformats.org/drawingml/2006/main" xmlns:r="http://schemas.openxmlformats.org/officeDocument/2006/relationships" xmlns:p="http://schemas.openxmlformats.org/presentationml/2006/main">
   <p:cSld>
     <p:spTree>
@@ -7511,7 +6944,7 @@
 </p:sld>
 </file>
 
-<file path=ppt/slides/slide18.xml><?xml version="1.0" encoding="utf-8"?>
+<file path=ppt/slides/slide17.xml><?xml version="1.0" encoding="utf-8"?>
 <p:sld xmlns:a="http://schemas.openxmlformats.org/drawingml/2006/main" xmlns:r="http://schemas.openxmlformats.org/officeDocument/2006/relationships" xmlns:p="http://schemas.openxmlformats.org/presentationml/2006/main">
   <p:cSld>
     <p:spTree>
@@ -7654,6 +7087,325 @@
 </p:sld>
 </file>
 
+<file path=ppt/slides/slide18.xml><?xml version="1.0" encoding="utf-8"?>
+<p:sld xmlns:a="http://schemas.openxmlformats.org/drawingml/2006/main" xmlns:r="http://schemas.openxmlformats.org/officeDocument/2006/relationships" xmlns:p="http://schemas.openxmlformats.org/presentationml/2006/main">
+  <p:cSld>
+    <p:spTree>
+      <p:nvGrpSpPr>
+        <p:cNvPr id="1" name=""/>
+        <p:cNvGrpSpPr/>
+        <p:nvPr/>
+      </p:nvGrpSpPr>
+      <p:grpSpPr>
+        <a:xfrm>
+          <a:off x="0" y="0"/>
+          <a:ext cx="0" cy="0"/>
+          <a:chOff x="0" y="0"/>
+          <a:chExt cx="0" cy="0"/>
+        </a:xfrm>
+      </p:grpSpPr>
+      <p:sp>
+        <p:nvSpPr>
+          <p:cNvPr id="2" name="Title 1">
+            <a:extLst>
+              <a:ext uri="{FF2B5EF4-FFF2-40B4-BE49-F238E27FC236}">
+                <a16:creationId xmlns:a16="http://schemas.microsoft.com/office/drawing/2014/main" id="{E5EB79DC-5387-676F-0683-1D49454F40B3}"/>
+              </a:ext>
+            </a:extLst>
+          </p:cNvPr>
+          <p:cNvSpPr>
+            <a:spLocks noGrp="1"/>
+          </p:cNvSpPr>
+          <p:nvPr>
+            <p:ph type="title"/>
+          </p:nvPr>
+        </p:nvSpPr>
+        <p:spPr>
+          <a:xfrm>
+            <a:off x="218974" y="176490"/>
+            <a:ext cx="9875520" cy="1356360"/>
+          </a:xfrm>
+        </p:spPr>
+        <p:txBody>
+          <a:bodyPr/>
+          <a:lstStyle/>
+          <a:p>
+            <a:r>
+              <a:rPr lang="de-CH" dirty="0"/>
+              <a:t>Budburst – by Provenance</a:t>
+            </a:r>
+            <a:endParaRPr lang="en-GB" dirty="0"/>
+          </a:p>
+        </p:txBody>
+      </p:sp>
+      <p:sp>
+        <p:nvSpPr>
+          <p:cNvPr id="4" name="TextBox 3">
+            <a:extLst>
+              <a:ext uri="{FF2B5EF4-FFF2-40B4-BE49-F238E27FC236}">
+                <a16:creationId xmlns:a16="http://schemas.microsoft.com/office/drawing/2014/main" id="{1F23F0DC-52E1-09BD-080C-AFC35699FB60}"/>
+              </a:ext>
+            </a:extLst>
+          </p:cNvPr>
+          <p:cNvSpPr txBox="1"/>
+          <p:nvPr/>
+        </p:nvSpPr>
+        <p:spPr>
+          <a:xfrm>
+            <a:off x="9630612" y="670004"/>
+            <a:ext cx="2131350" cy="369332"/>
+          </a:xfrm>
+          <a:prstGeom prst="rect">
+            <a:avLst/>
+          </a:prstGeom>
+          <a:noFill/>
+        </p:spPr>
+        <p:txBody>
+          <a:bodyPr wrap="square">
+            <a:spAutoFit/>
+          </a:bodyPr>
+          <a:lstStyle/>
+          <a:p>
+            <a:pPr algn="ctr"/>
+            <a:r>
+              <a:rPr lang="en-GB" dirty="0"/>
+              <a:t>Day 0 = 01/02/2024</a:t>
+            </a:r>
+          </a:p>
+        </p:txBody>
+      </p:sp>
+      <p:pic>
+        <p:nvPicPr>
+          <p:cNvPr id="11" name="Content Placeholder 10" descr="A graph of a diagram&#10;&#10;AI-generated content may be incorrect.">
+            <a:extLst>
+              <a:ext uri="{FF2B5EF4-FFF2-40B4-BE49-F238E27FC236}">
+                <a16:creationId xmlns:a16="http://schemas.microsoft.com/office/drawing/2014/main" id="{44A0C449-8F18-850D-9203-E214A67FEAD7}"/>
+              </a:ext>
+            </a:extLst>
+          </p:cNvPr>
+          <p:cNvPicPr>
+            <a:picLocks noGrp="1" noChangeAspect="1"/>
+          </p:cNvPicPr>
+          <p:nvPr>
+            <p:ph idx="1"/>
+          </p:nvPr>
+        </p:nvPicPr>
+        <p:blipFill>
+          <a:blip r:embed="rId2">
+            <a:extLst>
+              <a:ext uri="{28A0092B-C50C-407E-A947-70E740481C1C}">
+                <a14:useLocalDpi xmlns:a14="http://schemas.microsoft.com/office/drawing/2010/main" val="0"/>
+              </a:ext>
+            </a:extLst>
+          </a:blip>
+          <a:stretch>
+            <a:fillRect/>
+          </a:stretch>
+        </p:blipFill>
+        <p:spPr>
+          <a:xfrm>
+            <a:off x="348758" y="1685992"/>
+            <a:ext cx="9517795" cy="4812650"/>
+          </a:xfrm>
+        </p:spPr>
+      </p:pic>
+      <p:cxnSp>
+        <p:nvCxnSpPr>
+          <p:cNvPr id="12" name="Straight Connector 11">
+            <a:extLst>
+              <a:ext uri="{FF2B5EF4-FFF2-40B4-BE49-F238E27FC236}">
+                <a16:creationId xmlns:a16="http://schemas.microsoft.com/office/drawing/2014/main" id="{5982C0FB-D28F-93CA-4DE9-0A62C347B1DA}"/>
+              </a:ext>
+            </a:extLst>
+          </p:cNvPr>
+          <p:cNvCxnSpPr>
+            <a:cxnSpLocks/>
+          </p:cNvCxnSpPr>
+          <p:nvPr/>
+        </p:nvCxnSpPr>
+        <p:spPr>
+          <a:xfrm flipV="1">
+            <a:off x="2325447" y="1732324"/>
+            <a:ext cx="3062500" cy="2986"/>
+          </a:xfrm>
+          <a:prstGeom prst="line">
+            <a:avLst/>
+          </a:prstGeom>
+          <a:ln>
+            <a:solidFill>
+              <a:schemeClr val="accent6">
+                <a:lumMod val="75000"/>
+              </a:schemeClr>
+            </a:solidFill>
+          </a:ln>
+        </p:spPr>
+        <p:style>
+          <a:lnRef idx="2">
+            <a:schemeClr val="accent1"/>
+          </a:lnRef>
+          <a:fillRef idx="0">
+            <a:schemeClr val="accent1"/>
+          </a:fillRef>
+          <a:effectRef idx="1">
+            <a:schemeClr val="accent1"/>
+          </a:effectRef>
+          <a:fontRef idx="minor">
+            <a:schemeClr val="tx1"/>
+          </a:fontRef>
+        </p:style>
+      </p:cxnSp>
+      <p:sp>
+        <p:nvSpPr>
+          <p:cNvPr id="13" name="TextBox 12">
+            <a:extLst>
+              <a:ext uri="{FF2B5EF4-FFF2-40B4-BE49-F238E27FC236}">
+                <a16:creationId xmlns:a16="http://schemas.microsoft.com/office/drawing/2014/main" id="{57228138-E4A7-851D-FC56-2306BC16034C}"/>
+              </a:ext>
+            </a:extLst>
+          </p:cNvPr>
+          <p:cNvSpPr txBox="1"/>
+          <p:nvPr/>
+        </p:nvSpPr>
+        <p:spPr>
+          <a:xfrm>
+            <a:off x="3587257" y="1486311"/>
+            <a:ext cx="679347" cy="246221"/>
+          </a:xfrm>
+          <a:prstGeom prst="rect">
+            <a:avLst/>
+          </a:prstGeom>
+          <a:noFill/>
+          <a:ln>
+            <a:noFill/>
+          </a:ln>
+        </p:spPr>
+        <p:txBody>
+          <a:bodyPr wrap="square" rtlCol="0">
+            <a:spAutoFit/>
+          </a:bodyPr>
+          <a:lstStyle/>
+          <a:p>
+            <a:pPr algn="ctr"/>
+            <a:r>
+              <a:rPr lang="en-GB" sz="1000" dirty="0">
+                <a:solidFill>
+                  <a:schemeClr val="accent6">
+                    <a:lumMod val="75000"/>
+                  </a:schemeClr>
+                </a:solidFill>
+                <a:latin typeface="Helvetica" panose="020B0604020202020204"/>
+                <a:cs typeface="Helvetica" panose="020B0604020202020204"/>
+              </a:rPr>
+              <a:t>0.013</a:t>
+            </a:r>
+          </a:p>
+        </p:txBody>
+      </p:sp>
+      <p:cxnSp>
+        <p:nvCxnSpPr>
+          <p:cNvPr id="14" name="Straight Connector 13">
+            <a:extLst>
+              <a:ext uri="{FF2B5EF4-FFF2-40B4-BE49-F238E27FC236}">
+                <a16:creationId xmlns:a16="http://schemas.microsoft.com/office/drawing/2014/main" id="{10EC720A-2AF0-9C6D-6E05-3934CC044EA9}"/>
+              </a:ext>
+            </a:extLst>
+          </p:cNvPr>
+          <p:cNvCxnSpPr>
+            <a:cxnSpLocks/>
+          </p:cNvCxnSpPr>
+          <p:nvPr/>
+        </p:nvCxnSpPr>
+        <p:spPr>
+          <a:xfrm flipV="1">
+            <a:off x="5528414" y="1729338"/>
+            <a:ext cx="3062500" cy="2986"/>
+          </a:xfrm>
+          <a:prstGeom prst="line">
+            <a:avLst/>
+          </a:prstGeom>
+          <a:ln>
+            <a:solidFill>
+              <a:schemeClr val="accent6">
+                <a:lumMod val="75000"/>
+              </a:schemeClr>
+            </a:solidFill>
+          </a:ln>
+        </p:spPr>
+        <p:style>
+          <a:lnRef idx="2">
+            <a:schemeClr val="accent1"/>
+          </a:lnRef>
+          <a:fillRef idx="0">
+            <a:schemeClr val="accent1"/>
+          </a:fillRef>
+          <a:effectRef idx="1">
+            <a:schemeClr val="accent1"/>
+          </a:effectRef>
+          <a:fontRef idx="minor">
+            <a:schemeClr val="tx1"/>
+          </a:fontRef>
+        </p:style>
+      </p:cxnSp>
+      <p:sp>
+        <p:nvSpPr>
+          <p:cNvPr id="15" name="TextBox 14">
+            <a:extLst>
+              <a:ext uri="{FF2B5EF4-FFF2-40B4-BE49-F238E27FC236}">
+                <a16:creationId xmlns:a16="http://schemas.microsoft.com/office/drawing/2014/main" id="{0923EC24-A6E5-C849-B975-9601C8597CF3}"/>
+              </a:ext>
+            </a:extLst>
+          </p:cNvPr>
+          <p:cNvSpPr txBox="1"/>
+          <p:nvPr/>
+        </p:nvSpPr>
+        <p:spPr>
+          <a:xfrm>
+            <a:off x="6790224" y="1483325"/>
+            <a:ext cx="679347" cy="246221"/>
+          </a:xfrm>
+          <a:prstGeom prst="rect">
+            <a:avLst/>
+          </a:prstGeom>
+          <a:noFill/>
+          <a:ln>
+            <a:noFill/>
+          </a:ln>
+        </p:spPr>
+        <p:txBody>
+          <a:bodyPr wrap="square" rtlCol="0">
+            <a:spAutoFit/>
+          </a:bodyPr>
+          <a:lstStyle/>
+          <a:p>
+            <a:pPr algn="ctr"/>
+            <a:r>
+              <a:rPr lang="en-GB" sz="1000" dirty="0">
+                <a:solidFill>
+                  <a:schemeClr val="accent6">
+                    <a:lumMod val="75000"/>
+                  </a:schemeClr>
+                </a:solidFill>
+                <a:latin typeface="Helvetica" panose="020B0604020202020204"/>
+                <a:cs typeface="Helvetica" panose="020B0604020202020204"/>
+              </a:rPr>
+              <a:t>0.01</a:t>
+            </a:r>
+          </a:p>
+        </p:txBody>
+      </p:sp>
+    </p:spTree>
+    <p:extLst>
+      <p:ext uri="{BB962C8B-B14F-4D97-AF65-F5344CB8AC3E}">
+        <p14:creationId xmlns:p14="http://schemas.microsoft.com/office/powerpoint/2010/main" val="1309389261"/>
+      </p:ext>
+    </p:extLst>
+  </p:cSld>
+  <p:clrMapOvr>
+    <a:masterClrMapping/>
+  </p:clrMapOvr>
+</p:sld>
+</file>
+
 <file path=ppt/slides/slide19.xml><?xml version="1.0" encoding="utf-8"?>
 <p:sld xmlns:a="http://schemas.openxmlformats.org/drawingml/2006/main" xmlns:r="http://schemas.openxmlformats.org/officeDocument/2006/relationships" xmlns:p="http://schemas.openxmlformats.org/presentationml/2006/main">
   <p:cSld>
@@ -7676,7 +7428,7 @@
           <p:cNvPr id="2" name="Title 1">
             <a:extLst>
               <a:ext uri="{FF2B5EF4-FFF2-40B4-BE49-F238E27FC236}">
-                <a16:creationId xmlns:a16="http://schemas.microsoft.com/office/drawing/2014/main" id="{E5EB79DC-5387-676F-0683-1D49454F40B3}"/>
+                <a16:creationId xmlns:a16="http://schemas.microsoft.com/office/drawing/2014/main" id="{971A7E35-F3A7-7E5B-ED8A-FA3BA661E53E}"/>
               </a:ext>
             </a:extLst>
           </p:cNvPr>
@@ -7689,7 +7441,7 @@
         </p:nvSpPr>
         <p:spPr>
           <a:xfrm>
-            <a:off x="218974" y="176490"/>
+            <a:off x="238225" y="224589"/>
             <a:ext cx="9875520" cy="1356360"/>
           </a:xfrm>
         </p:spPr>
@@ -7699,54 +7451,18 @@
           <a:p>
             <a:r>
               <a:rPr lang="de-CH" dirty="0"/>
-              <a:t>Budburst – by Provenance</a:t>
+              <a:t>Burburst - by Provenance</a:t>
             </a:r>
             <a:endParaRPr lang="en-GB" dirty="0"/>
-          </a:p>
-        </p:txBody>
-      </p:sp>
-      <p:sp>
-        <p:nvSpPr>
-          <p:cNvPr id="4" name="TextBox 3">
-            <a:extLst>
-              <a:ext uri="{FF2B5EF4-FFF2-40B4-BE49-F238E27FC236}">
-                <a16:creationId xmlns:a16="http://schemas.microsoft.com/office/drawing/2014/main" id="{1F23F0DC-52E1-09BD-080C-AFC35699FB60}"/>
-              </a:ext>
-            </a:extLst>
-          </p:cNvPr>
-          <p:cNvSpPr txBox="1"/>
-          <p:nvPr/>
-        </p:nvSpPr>
-        <p:spPr>
-          <a:xfrm>
-            <a:off x="9630612" y="670004"/>
-            <a:ext cx="2131350" cy="369332"/>
-          </a:xfrm>
-          <a:prstGeom prst="rect">
-            <a:avLst/>
-          </a:prstGeom>
-          <a:noFill/>
-        </p:spPr>
-        <p:txBody>
-          <a:bodyPr wrap="square">
-            <a:spAutoFit/>
-          </a:bodyPr>
-          <a:lstStyle/>
-          <a:p>
-            <a:pPr algn="ctr"/>
-            <a:r>
-              <a:rPr lang="en-GB" dirty="0"/>
-              <a:t>Day 0 = 01/02/2024</a:t>
-            </a:r>
           </a:p>
         </p:txBody>
       </p:sp>
       <p:pic>
         <p:nvPicPr>
-          <p:cNvPr id="11" name="Content Placeholder 10" descr="A graph of a diagram&#10;&#10;AI-generated content may be incorrect.">
+          <p:cNvPr id="5" name="Content Placeholder 4" descr="A graph of a graph&#10;&#10;AI-generated content may be incorrect.">
             <a:extLst>
               <a:ext uri="{FF2B5EF4-FFF2-40B4-BE49-F238E27FC236}">
-                <a16:creationId xmlns:a16="http://schemas.microsoft.com/office/drawing/2014/main" id="{44A0C449-8F18-850D-9203-E214A67FEAD7}"/>
+                <a16:creationId xmlns:a16="http://schemas.microsoft.com/office/drawing/2014/main" id="{2D2CC6DF-5B3C-EB76-C731-64BD8A77302C}"/>
               </a:ext>
             </a:extLst>
           </p:cNvPr>
@@ -7771,199 +7487,15 @@
         </p:blipFill>
         <p:spPr>
           <a:xfrm>
-            <a:off x="348758" y="1685992"/>
-            <a:ext cx="9517795" cy="4812650"/>
+            <a:off x="861762" y="1259840"/>
+            <a:ext cx="10468476" cy="5293360"/>
           </a:xfrm>
         </p:spPr>
       </p:pic>
-      <p:cxnSp>
-        <p:nvCxnSpPr>
-          <p:cNvPr id="12" name="Straight Connector 11">
-            <a:extLst>
-              <a:ext uri="{FF2B5EF4-FFF2-40B4-BE49-F238E27FC236}">
-                <a16:creationId xmlns:a16="http://schemas.microsoft.com/office/drawing/2014/main" id="{5982C0FB-D28F-93CA-4DE9-0A62C347B1DA}"/>
-              </a:ext>
-            </a:extLst>
-          </p:cNvPr>
-          <p:cNvCxnSpPr>
-            <a:cxnSpLocks/>
-          </p:cNvCxnSpPr>
-          <p:nvPr/>
-        </p:nvCxnSpPr>
-        <p:spPr>
-          <a:xfrm flipV="1">
-            <a:off x="2325447" y="1732324"/>
-            <a:ext cx="3062500" cy="2986"/>
-          </a:xfrm>
-          <a:prstGeom prst="line">
-            <a:avLst/>
-          </a:prstGeom>
-          <a:ln>
-            <a:solidFill>
-              <a:schemeClr val="accent6">
-                <a:lumMod val="75000"/>
-              </a:schemeClr>
-            </a:solidFill>
-          </a:ln>
-        </p:spPr>
-        <p:style>
-          <a:lnRef idx="2">
-            <a:schemeClr val="accent1"/>
-          </a:lnRef>
-          <a:fillRef idx="0">
-            <a:schemeClr val="accent1"/>
-          </a:fillRef>
-          <a:effectRef idx="1">
-            <a:schemeClr val="accent1"/>
-          </a:effectRef>
-          <a:fontRef idx="minor">
-            <a:schemeClr val="tx1"/>
-          </a:fontRef>
-        </p:style>
-      </p:cxnSp>
-      <p:sp>
-        <p:nvSpPr>
-          <p:cNvPr id="13" name="TextBox 12">
-            <a:extLst>
-              <a:ext uri="{FF2B5EF4-FFF2-40B4-BE49-F238E27FC236}">
-                <a16:creationId xmlns:a16="http://schemas.microsoft.com/office/drawing/2014/main" id="{57228138-E4A7-851D-FC56-2306BC16034C}"/>
-              </a:ext>
-            </a:extLst>
-          </p:cNvPr>
-          <p:cNvSpPr txBox="1"/>
-          <p:nvPr/>
-        </p:nvSpPr>
-        <p:spPr>
-          <a:xfrm>
-            <a:off x="3587257" y="1486311"/>
-            <a:ext cx="679347" cy="246221"/>
-          </a:xfrm>
-          <a:prstGeom prst="rect">
-            <a:avLst/>
-          </a:prstGeom>
-          <a:noFill/>
-          <a:ln>
-            <a:noFill/>
-          </a:ln>
-        </p:spPr>
-        <p:txBody>
-          <a:bodyPr wrap="square" rtlCol="0">
-            <a:spAutoFit/>
-          </a:bodyPr>
-          <a:lstStyle/>
-          <a:p>
-            <a:pPr algn="ctr"/>
-            <a:r>
-              <a:rPr lang="en-GB" sz="1000" dirty="0">
-                <a:solidFill>
-                  <a:schemeClr val="accent6">
-                    <a:lumMod val="75000"/>
-                  </a:schemeClr>
-                </a:solidFill>
-                <a:latin typeface="Helvetica" panose="020B0604020202020204"/>
-                <a:cs typeface="Helvetica" panose="020B0604020202020204"/>
-              </a:rPr>
-              <a:t>0.013</a:t>
-            </a:r>
-          </a:p>
-        </p:txBody>
-      </p:sp>
-      <p:cxnSp>
-        <p:nvCxnSpPr>
-          <p:cNvPr id="14" name="Straight Connector 13">
-            <a:extLst>
-              <a:ext uri="{FF2B5EF4-FFF2-40B4-BE49-F238E27FC236}">
-                <a16:creationId xmlns:a16="http://schemas.microsoft.com/office/drawing/2014/main" id="{10EC720A-2AF0-9C6D-6E05-3934CC044EA9}"/>
-              </a:ext>
-            </a:extLst>
-          </p:cNvPr>
-          <p:cNvCxnSpPr>
-            <a:cxnSpLocks/>
-          </p:cNvCxnSpPr>
-          <p:nvPr/>
-        </p:nvCxnSpPr>
-        <p:spPr>
-          <a:xfrm flipV="1">
-            <a:off x="5528414" y="1729338"/>
-            <a:ext cx="3062500" cy="2986"/>
-          </a:xfrm>
-          <a:prstGeom prst="line">
-            <a:avLst/>
-          </a:prstGeom>
-          <a:ln>
-            <a:solidFill>
-              <a:schemeClr val="accent6">
-                <a:lumMod val="75000"/>
-              </a:schemeClr>
-            </a:solidFill>
-          </a:ln>
-        </p:spPr>
-        <p:style>
-          <a:lnRef idx="2">
-            <a:schemeClr val="accent1"/>
-          </a:lnRef>
-          <a:fillRef idx="0">
-            <a:schemeClr val="accent1"/>
-          </a:fillRef>
-          <a:effectRef idx="1">
-            <a:schemeClr val="accent1"/>
-          </a:effectRef>
-          <a:fontRef idx="minor">
-            <a:schemeClr val="tx1"/>
-          </a:fontRef>
-        </p:style>
-      </p:cxnSp>
-      <p:sp>
-        <p:nvSpPr>
-          <p:cNvPr id="15" name="TextBox 14">
-            <a:extLst>
-              <a:ext uri="{FF2B5EF4-FFF2-40B4-BE49-F238E27FC236}">
-                <a16:creationId xmlns:a16="http://schemas.microsoft.com/office/drawing/2014/main" id="{0923EC24-A6E5-C849-B975-9601C8597CF3}"/>
-              </a:ext>
-            </a:extLst>
-          </p:cNvPr>
-          <p:cNvSpPr txBox="1"/>
-          <p:nvPr/>
-        </p:nvSpPr>
-        <p:spPr>
-          <a:xfrm>
-            <a:off x="6790224" y="1483325"/>
-            <a:ext cx="679347" cy="246221"/>
-          </a:xfrm>
-          <a:prstGeom prst="rect">
-            <a:avLst/>
-          </a:prstGeom>
-          <a:noFill/>
-          <a:ln>
-            <a:noFill/>
-          </a:ln>
-        </p:spPr>
-        <p:txBody>
-          <a:bodyPr wrap="square" rtlCol="0">
-            <a:spAutoFit/>
-          </a:bodyPr>
-          <a:lstStyle/>
-          <a:p>
-            <a:pPr algn="ctr"/>
-            <a:r>
-              <a:rPr lang="en-GB" sz="1000" dirty="0">
-                <a:solidFill>
-                  <a:schemeClr val="accent6">
-                    <a:lumMod val="75000"/>
-                  </a:schemeClr>
-                </a:solidFill>
-                <a:latin typeface="Helvetica" panose="020B0604020202020204"/>
-                <a:cs typeface="Helvetica" panose="020B0604020202020204"/>
-              </a:rPr>
-              <a:t>0.01</a:t>
-            </a:r>
-          </a:p>
-        </p:txBody>
-      </p:sp>
     </p:spTree>
     <p:extLst>
       <p:ext uri="{BB962C8B-B14F-4D97-AF65-F5344CB8AC3E}">
-        <p14:creationId xmlns:p14="http://schemas.microsoft.com/office/powerpoint/2010/main" val="1309389261"/>
+        <p14:creationId xmlns:p14="http://schemas.microsoft.com/office/powerpoint/2010/main" val="2763315938"/>
       </p:ext>
     </p:extLst>
   </p:cSld>
@@ -8208,7 +7740,7 @@
           <p:cNvPr id="2" name="Title 1">
             <a:extLst>
               <a:ext uri="{FF2B5EF4-FFF2-40B4-BE49-F238E27FC236}">
-                <a16:creationId xmlns:a16="http://schemas.microsoft.com/office/drawing/2014/main" id="{971A7E35-F3A7-7E5B-ED8A-FA3BA661E53E}"/>
+                <a16:creationId xmlns:a16="http://schemas.microsoft.com/office/drawing/2014/main" id="{54C10286-6041-399A-065F-9CA72ED989EA}"/>
               </a:ext>
             </a:extLst>
           </p:cNvPr>
@@ -8221,7 +7753,7 @@
         </p:nvSpPr>
         <p:spPr>
           <a:xfrm>
-            <a:off x="238225" y="224589"/>
+            <a:off x="187960" y="223520"/>
             <a:ext cx="9875520" cy="1356360"/>
           </a:xfrm>
         </p:spPr>
@@ -8231,7 +7763,7 @@
           <a:p>
             <a:r>
               <a:rPr lang="de-CH" dirty="0"/>
-              <a:t>Burburst - by Provenance</a:t>
+              <a:t>Budburst – by Type</a:t>
             </a:r>
             <a:endParaRPr lang="en-GB" dirty="0"/>
           </a:p>
@@ -8239,10 +7771,10 @@
       </p:sp>
       <p:pic>
         <p:nvPicPr>
-          <p:cNvPr id="5" name="Content Placeholder 4" descr="A graph of a graph&#10;&#10;AI-generated content may be incorrect.">
+          <p:cNvPr id="9" name="Content Placeholder 8" descr="A graph of a diagram&#10;&#10;AI-generated content may be incorrect.">
             <a:extLst>
               <a:ext uri="{FF2B5EF4-FFF2-40B4-BE49-F238E27FC236}">
-                <a16:creationId xmlns:a16="http://schemas.microsoft.com/office/drawing/2014/main" id="{2D2CC6DF-5B3C-EB76-C731-64BD8A77302C}"/>
+                <a16:creationId xmlns:a16="http://schemas.microsoft.com/office/drawing/2014/main" id="{463E4468-FDCA-104C-62BA-3B778918FA92}"/>
               </a:ext>
             </a:extLst>
           </p:cNvPr>
@@ -8267,15 +7799,15 @@
         </p:blipFill>
         <p:spPr>
           <a:xfrm>
-            <a:off x="861762" y="1259840"/>
-            <a:ext cx="10468476" cy="5293360"/>
+            <a:off x="576234" y="1198881"/>
+            <a:ext cx="10659360" cy="5389880"/>
           </a:xfrm>
         </p:spPr>
       </p:pic>
     </p:spTree>
     <p:extLst>
       <p:ext uri="{BB962C8B-B14F-4D97-AF65-F5344CB8AC3E}">
-        <p14:creationId xmlns:p14="http://schemas.microsoft.com/office/powerpoint/2010/main" val="2763315938"/>
+        <p14:creationId xmlns:p14="http://schemas.microsoft.com/office/powerpoint/2010/main" val="1459603130"/>
       </p:ext>
     </p:extLst>
   </p:cSld>
@@ -8307,7 +7839,7 @@
           <p:cNvPr id="2" name="Title 1">
             <a:extLst>
               <a:ext uri="{FF2B5EF4-FFF2-40B4-BE49-F238E27FC236}">
-                <a16:creationId xmlns:a16="http://schemas.microsoft.com/office/drawing/2014/main" id="{54C10286-6041-399A-065F-9CA72ED989EA}"/>
+                <a16:creationId xmlns:a16="http://schemas.microsoft.com/office/drawing/2014/main" id="{87423E70-6AE2-13AB-B9D6-DFD4DC3807B8}"/>
               </a:ext>
             </a:extLst>
           </p:cNvPr>
@@ -8320,7 +7852,7 @@
         </p:nvSpPr>
         <p:spPr>
           <a:xfrm>
-            <a:off x="187960" y="223520"/>
+            <a:off x="177800" y="196168"/>
             <a:ext cx="9875520" cy="1356360"/>
           </a:xfrm>
         </p:spPr>
@@ -8330,7 +7862,7 @@
           <a:p>
             <a:r>
               <a:rPr lang="de-CH" dirty="0"/>
-              <a:t>Budburst – by Type</a:t>
+              <a:t>Budburst by Type</a:t>
             </a:r>
             <a:endParaRPr lang="en-GB" dirty="0"/>
           </a:p>
@@ -8338,10 +7870,10 @@
       </p:sp>
       <p:pic>
         <p:nvPicPr>
-          <p:cNvPr id="9" name="Content Placeholder 8" descr="A graph of a diagram&#10;&#10;AI-generated content may be incorrect.">
+          <p:cNvPr id="8" name="Content Placeholder 7" descr="A graph of a graph&#10;&#10;AI-generated content may be incorrect.">
             <a:extLst>
               <a:ext uri="{FF2B5EF4-FFF2-40B4-BE49-F238E27FC236}">
-                <a16:creationId xmlns:a16="http://schemas.microsoft.com/office/drawing/2014/main" id="{463E4468-FDCA-104C-62BA-3B778918FA92}"/>
+                <a16:creationId xmlns:a16="http://schemas.microsoft.com/office/drawing/2014/main" id="{4EC47E45-9E07-5478-4A1D-D66819A23913}"/>
               </a:ext>
             </a:extLst>
           </p:cNvPr>
@@ -8366,15 +7898,15 @@
         </p:blipFill>
         <p:spPr>
           <a:xfrm>
-            <a:off x="576234" y="1198881"/>
-            <a:ext cx="10659360" cy="5389880"/>
+            <a:off x="608204" y="1209040"/>
+            <a:ext cx="10602941" cy="5361352"/>
           </a:xfrm>
         </p:spPr>
       </p:pic>
     </p:spTree>
     <p:extLst>
       <p:ext uri="{BB962C8B-B14F-4D97-AF65-F5344CB8AC3E}">
-        <p14:creationId xmlns:p14="http://schemas.microsoft.com/office/powerpoint/2010/main" val="1459603130"/>
+        <p14:creationId xmlns:p14="http://schemas.microsoft.com/office/powerpoint/2010/main" val="1505597422"/>
       </p:ext>
     </p:extLst>
   </p:cSld>
@@ -8406,7 +7938,7 @@
           <p:cNvPr id="2" name="Title 1">
             <a:extLst>
               <a:ext uri="{FF2B5EF4-FFF2-40B4-BE49-F238E27FC236}">
-                <a16:creationId xmlns:a16="http://schemas.microsoft.com/office/drawing/2014/main" id="{87423E70-6AE2-13AB-B9D6-DFD4DC3807B8}"/>
+                <a16:creationId xmlns:a16="http://schemas.microsoft.com/office/drawing/2014/main" id="{EF986BC2-00B2-FE0A-3FD2-8B3983EDDD41}"/>
               </a:ext>
             </a:extLst>
           </p:cNvPr>
@@ -8419,7 +7951,7 @@
         </p:nvSpPr>
         <p:spPr>
           <a:xfrm>
-            <a:off x="177800" y="196168"/>
+            <a:off x="215900" y="215900"/>
             <a:ext cx="9875520" cy="1356360"/>
           </a:xfrm>
         </p:spPr>
@@ -8429,7 +7961,7 @@
           <a:p>
             <a:r>
               <a:rPr lang="de-CH" dirty="0"/>
-              <a:t>Budburst by Type</a:t>
+              <a:t>Budset &amp; Budburst - Provenance</a:t>
             </a:r>
             <a:endParaRPr lang="en-GB" dirty="0"/>
           </a:p>
@@ -8437,10 +7969,10 @@
       </p:sp>
       <p:pic>
         <p:nvPicPr>
-          <p:cNvPr id="8" name="Content Placeholder 7" descr="A graph of a graph&#10;&#10;AI-generated content may be incorrect.">
+          <p:cNvPr id="5" name="Content Placeholder 4" descr="A graph of a graph&#10;&#10;AI-generated content may be incorrect.">
             <a:extLst>
               <a:ext uri="{FF2B5EF4-FFF2-40B4-BE49-F238E27FC236}">
-                <a16:creationId xmlns:a16="http://schemas.microsoft.com/office/drawing/2014/main" id="{4EC47E45-9E07-5478-4A1D-D66819A23913}"/>
+                <a16:creationId xmlns:a16="http://schemas.microsoft.com/office/drawing/2014/main" id="{9E7923FB-1127-0B4E-8720-F56777E2285D}"/>
               </a:ext>
             </a:extLst>
           </p:cNvPr>
@@ -8465,15 +7997,206 @@
         </p:blipFill>
         <p:spPr>
           <a:xfrm>
-            <a:off x="608204" y="1209040"/>
-            <a:ext cx="10602941" cy="5361352"/>
+            <a:off x="1818655" y="1294466"/>
+            <a:ext cx="8554689" cy="5309534"/>
           </a:xfrm>
         </p:spPr>
       </p:pic>
+      <p:cxnSp>
+        <p:nvCxnSpPr>
+          <p:cNvPr id="7" name="Straight Arrow Connector 6">
+            <a:extLst>
+              <a:ext uri="{FF2B5EF4-FFF2-40B4-BE49-F238E27FC236}">
+                <a16:creationId xmlns:a16="http://schemas.microsoft.com/office/drawing/2014/main" id="{25D74AA0-35DD-764B-F3C0-5ECE2236E1C8}"/>
+              </a:ext>
+            </a:extLst>
+          </p:cNvPr>
+          <p:cNvCxnSpPr>
+            <a:cxnSpLocks/>
+          </p:cNvCxnSpPr>
+          <p:nvPr/>
+        </p:nvCxnSpPr>
+        <p:spPr>
+          <a:xfrm flipH="1">
+            <a:off x="8775700" y="3111500"/>
+            <a:ext cx="1701800" cy="244733"/>
+          </a:xfrm>
+          <a:prstGeom prst="straightConnector1">
+            <a:avLst/>
+          </a:prstGeom>
+          <a:ln>
+            <a:tailEnd type="triangle"/>
+          </a:ln>
+        </p:spPr>
+        <p:style>
+          <a:lnRef idx="1">
+            <a:schemeClr val="accent1"/>
+          </a:lnRef>
+          <a:fillRef idx="0">
+            <a:schemeClr val="accent1"/>
+          </a:fillRef>
+          <a:effectRef idx="0">
+            <a:schemeClr val="accent1"/>
+          </a:effectRef>
+          <a:fontRef idx="minor">
+            <a:schemeClr val="tx1"/>
+          </a:fontRef>
+        </p:style>
+      </p:cxnSp>
+      <p:sp>
+        <p:nvSpPr>
+          <p:cNvPr id="10" name="TextBox 9">
+            <a:extLst>
+              <a:ext uri="{FF2B5EF4-FFF2-40B4-BE49-F238E27FC236}">
+                <a16:creationId xmlns:a16="http://schemas.microsoft.com/office/drawing/2014/main" id="{AFE8A3AE-E1B6-A94E-7C86-528849D7B52B}"/>
+              </a:ext>
+            </a:extLst>
+          </p:cNvPr>
+          <p:cNvSpPr txBox="1"/>
+          <p:nvPr/>
+        </p:nvSpPr>
+        <p:spPr>
+          <a:xfrm>
+            <a:off x="10477500" y="2833132"/>
+            <a:ext cx="1130299" cy="369332"/>
+          </a:xfrm>
+          <a:prstGeom prst="rect">
+            <a:avLst/>
+          </a:prstGeom>
+          <a:noFill/>
+        </p:spPr>
+        <p:txBody>
+          <a:bodyPr wrap="square" rtlCol="0">
+            <a:spAutoFit/>
+          </a:bodyPr>
+          <a:lstStyle/>
+          <a:p>
+            <a:r>
+              <a:rPr lang="de-CH" dirty="0"/>
+              <a:t>Budburst</a:t>
+            </a:r>
+            <a:endParaRPr lang="en-GB" dirty="0"/>
+          </a:p>
+        </p:txBody>
+      </p:sp>
+      <p:cxnSp>
+        <p:nvCxnSpPr>
+          <p:cNvPr id="11" name="Straight Arrow Connector 10">
+            <a:extLst>
+              <a:ext uri="{FF2B5EF4-FFF2-40B4-BE49-F238E27FC236}">
+                <a16:creationId xmlns:a16="http://schemas.microsoft.com/office/drawing/2014/main" id="{F9E2F8F7-A542-4D12-3444-9EE948B6280A}"/>
+              </a:ext>
+            </a:extLst>
+          </p:cNvPr>
+          <p:cNvCxnSpPr>
+            <a:cxnSpLocks/>
+            <a:stCxn id="12" idx="1"/>
+          </p:cNvCxnSpPr>
+          <p:nvPr/>
+        </p:nvCxnSpPr>
+        <p:spPr>
+          <a:xfrm flipH="1">
+            <a:off x="7124700" y="4980116"/>
+            <a:ext cx="3352800" cy="620584"/>
+          </a:xfrm>
+          <a:prstGeom prst="straightConnector1">
+            <a:avLst/>
+          </a:prstGeom>
+          <a:ln>
+            <a:tailEnd type="triangle"/>
+          </a:ln>
+        </p:spPr>
+        <p:style>
+          <a:lnRef idx="1">
+            <a:schemeClr val="accent1"/>
+          </a:lnRef>
+          <a:fillRef idx="0">
+            <a:schemeClr val="accent1"/>
+          </a:fillRef>
+          <a:effectRef idx="0">
+            <a:schemeClr val="accent1"/>
+          </a:effectRef>
+          <a:fontRef idx="minor">
+            <a:schemeClr val="tx1"/>
+          </a:fontRef>
+        </p:style>
+      </p:cxnSp>
+      <p:sp>
+        <p:nvSpPr>
+          <p:cNvPr id="12" name="TextBox 11">
+            <a:extLst>
+              <a:ext uri="{FF2B5EF4-FFF2-40B4-BE49-F238E27FC236}">
+                <a16:creationId xmlns:a16="http://schemas.microsoft.com/office/drawing/2014/main" id="{A9FC8493-0AD6-BDCD-FA4F-8FDE947FB7F5}"/>
+              </a:ext>
+            </a:extLst>
+          </p:cNvPr>
+          <p:cNvSpPr txBox="1"/>
+          <p:nvPr/>
+        </p:nvSpPr>
+        <p:spPr>
+          <a:xfrm>
+            <a:off x="10477500" y="4795450"/>
+            <a:ext cx="1130299" cy="369332"/>
+          </a:xfrm>
+          <a:prstGeom prst="rect">
+            <a:avLst/>
+          </a:prstGeom>
+          <a:noFill/>
+        </p:spPr>
+        <p:txBody>
+          <a:bodyPr wrap="square" rtlCol="0">
+            <a:spAutoFit/>
+          </a:bodyPr>
+          <a:lstStyle/>
+          <a:p>
+            <a:r>
+              <a:rPr lang="de-CH" dirty="0"/>
+              <a:t>Budset</a:t>
+            </a:r>
+            <a:endParaRPr lang="en-GB" dirty="0"/>
+          </a:p>
+        </p:txBody>
+      </p:sp>
+      <p:sp>
+        <p:nvSpPr>
+          <p:cNvPr id="17" name="TextBox 16">
+            <a:extLst>
+              <a:ext uri="{FF2B5EF4-FFF2-40B4-BE49-F238E27FC236}">
+                <a16:creationId xmlns:a16="http://schemas.microsoft.com/office/drawing/2014/main" id="{CEF2B93A-CB40-DAF3-E74D-8368928952C9}"/>
+              </a:ext>
+            </a:extLst>
+          </p:cNvPr>
+          <p:cNvSpPr txBox="1"/>
+          <p:nvPr/>
+        </p:nvSpPr>
+        <p:spPr>
+          <a:xfrm>
+            <a:off x="9626600" y="432018"/>
+            <a:ext cx="2247900" cy="646331"/>
+          </a:xfrm>
+          <a:prstGeom prst="rect">
+            <a:avLst/>
+          </a:prstGeom>
+          <a:noFill/>
+        </p:spPr>
+        <p:txBody>
+          <a:bodyPr wrap="square" rtlCol="0">
+            <a:spAutoFit/>
+          </a:bodyPr>
+          <a:lstStyle/>
+          <a:p>
+            <a:r>
+              <a:rPr lang="de-CH" dirty="0"/>
+              <a:t>Origin date (planting date) = 20/06/2023</a:t>
+            </a:r>
+            <a:endParaRPr lang="en-GB" dirty="0"/>
+          </a:p>
+        </p:txBody>
+      </p:sp>
     </p:spTree>
     <p:extLst>
       <p:ext uri="{BB962C8B-B14F-4D97-AF65-F5344CB8AC3E}">
-        <p14:creationId xmlns:p14="http://schemas.microsoft.com/office/powerpoint/2010/main" val="1505597422"/>
+        <p14:creationId xmlns:p14="http://schemas.microsoft.com/office/powerpoint/2010/main" val="232684958"/>
       </p:ext>
     </p:extLst>
   </p:cSld>
@@ -8500,6 +8223,663 @@
           <a:chExt cx="0" cy="0"/>
         </a:xfrm>
       </p:grpSpPr>
+      <p:pic>
+        <p:nvPicPr>
+          <p:cNvPr id="6" name="Content Placeholder 5" descr="A graph with lines and numbers&#10;&#10;AI-generated content may be incorrect.">
+            <a:extLst>
+              <a:ext uri="{FF2B5EF4-FFF2-40B4-BE49-F238E27FC236}">
+                <a16:creationId xmlns:a16="http://schemas.microsoft.com/office/drawing/2014/main" id="{3A2CE3E1-04C3-C3BF-742C-0BCABABAA34C}"/>
+              </a:ext>
+            </a:extLst>
+          </p:cNvPr>
+          <p:cNvPicPr>
+            <a:picLocks noGrp="1" noChangeAspect="1"/>
+          </p:cNvPicPr>
+          <p:nvPr>
+            <p:ph idx="1"/>
+          </p:nvPr>
+        </p:nvPicPr>
+        <p:blipFill>
+          <a:blip r:embed="rId2">
+            <a:extLst>
+              <a:ext uri="{28A0092B-C50C-407E-A947-70E740481C1C}">
+                <a14:useLocalDpi xmlns:a14="http://schemas.microsoft.com/office/drawing/2010/main" val="0"/>
+              </a:ext>
+            </a:extLst>
+          </a:blip>
+          <a:stretch>
+            <a:fillRect/>
+          </a:stretch>
+        </p:blipFill>
+        <p:spPr>
+          <a:xfrm>
+            <a:off x="1815803" y="1316326"/>
+            <a:ext cx="8560393" cy="5313074"/>
+          </a:xfrm>
+        </p:spPr>
+      </p:pic>
+      <p:sp>
+        <p:nvSpPr>
+          <p:cNvPr id="4" name="Title 1">
+            <a:extLst>
+              <a:ext uri="{FF2B5EF4-FFF2-40B4-BE49-F238E27FC236}">
+                <a16:creationId xmlns:a16="http://schemas.microsoft.com/office/drawing/2014/main" id="{478994BB-FF3F-9B64-8EE7-6BC8F9927B16}"/>
+              </a:ext>
+            </a:extLst>
+          </p:cNvPr>
+          <p:cNvSpPr>
+            <a:spLocks noGrp="1"/>
+          </p:cNvSpPr>
+          <p:nvPr>
+            <p:ph type="title"/>
+          </p:nvPr>
+        </p:nvSpPr>
+        <p:spPr>
+          <a:xfrm>
+            <a:off x="215900" y="228600"/>
+            <a:ext cx="9875838" cy="1355725"/>
+          </a:xfrm>
+        </p:spPr>
+        <p:txBody>
+          <a:bodyPr/>
+          <a:lstStyle/>
+          <a:p>
+            <a:r>
+              <a:rPr lang="de-CH" dirty="0"/>
+              <a:t>Budset &amp; Budburst - Type</a:t>
+            </a:r>
+            <a:endParaRPr lang="en-GB" dirty="0"/>
+          </a:p>
+        </p:txBody>
+      </p:sp>
+    </p:spTree>
+    <p:extLst>
+      <p:ext uri="{BB962C8B-B14F-4D97-AF65-F5344CB8AC3E}">
+        <p14:creationId xmlns:p14="http://schemas.microsoft.com/office/powerpoint/2010/main" val="4142346926"/>
+      </p:ext>
+    </p:extLst>
+  </p:cSld>
+  <p:clrMapOvr>
+    <a:masterClrMapping/>
+  </p:clrMapOvr>
+</p:sld>
+</file>
+
+<file path=ppt/slides/slide24.xml><?xml version="1.0" encoding="utf-8"?>
+<p:sld xmlns:a="http://schemas.openxmlformats.org/drawingml/2006/main" xmlns:r="http://schemas.openxmlformats.org/officeDocument/2006/relationships" xmlns:p="http://schemas.openxmlformats.org/presentationml/2006/main">
+  <p:cSld>
+    <p:spTree>
+      <p:nvGrpSpPr>
+        <p:cNvPr id="1" name=""/>
+        <p:cNvGrpSpPr/>
+        <p:nvPr/>
+      </p:nvGrpSpPr>
+      <p:grpSpPr>
+        <a:xfrm>
+          <a:off x="0" y="0"/>
+          <a:ext cx="0" cy="0"/>
+          <a:chOff x="0" y="0"/>
+          <a:chExt cx="0" cy="0"/>
+        </a:xfrm>
+      </p:grpSpPr>
+      <p:sp>
+        <p:nvSpPr>
+          <p:cNvPr id="2" name="Title 1">
+            <a:extLst>
+              <a:ext uri="{FF2B5EF4-FFF2-40B4-BE49-F238E27FC236}">
+                <a16:creationId xmlns:a16="http://schemas.microsoft.com/office/drawing/2014/main" id="{D4D7EE4B-07AE-A580-2F47-92BB4583481C}"/>
+              </a:ext>
+            </a:extLst>
+          </p:cNvPr>
+          <p:cNvSpPr>
+            <a:spLocks noGrp="1"/>
+          </p:cNvSpPr>
+          <p:nvPr>
+            <p:ph type="title"/>
+          </p:nvPr>
+        </p:nvSpPr>
+        <p:spPr>
+          <a:xfrm>
+            <a:off x="206567" y="246696"/>
+            <a:ext cx="9875520" cy="1356360"/>
+          </a:xfrm>
+        </p:spPr>
+        <p:txBody>
+          <a:bodyPr/>
+          <a:lstStyle/>
+          <a:p>
+            <a:r>
+              <a:rPr lang="de-CH" dirty="0"/>
+              <a:t>Difference between budset and budburst</a:t>
+            </a:r>
+            <a:endParaRPr lang="en-GB" dirty="0"/>
+          </a:p>
+        </p:txBody>
+      </p:sp>
+      <p:pic>
+        <p:nvPicPr>
+          <p:cNvPr id="5" name="Content Placeholder 4" descr="A graph of a number of days between budget and budburst&#10;&#10;AI-generated content may be incorrect.">
+            <a:extLst>
+              <a:ext uri="{FF2B5EF4-FFF2-40B4-BE49-F238E27FC236}">
+                <a16:creationId xmlns:a16="http://schemas.microsoft.com/office/drawing/2014/main" id="{B4DE219A-B6A9-5821-1F9D-1F5634FAB1A3}"/>
+              </a:ext>
+            </a:extLst>
+          </p:cNvPr>
+          <p:cNvPicPr>
+            <a:picLocks noGrp="1" noChangeAspect="1"/>
+          </p:cNvPicPr>
+          <p:nvPr>
+            <p:ph idx="1"/>
+          </p:nvPr>
+        </p:nvPicPr>
+        <p:blipFill>
+          <a:blip r:embed="rId3">
+            <a:extLst>
+              <a:ext uri="{28A0092B-C50C-407E-A947-70E740481C1C}">
+                <a14:useLocalDpi xmlns:a14="http://schemas.microsoft.com/office/drawing/2010/main" val="0"/>
+              </a:ext>
+            </a:extLst>
+          </a:blip>
+          <a:stretch>
+            <a:fillRect/>
+          </a:stretch>
+        </p:blipFill>
+        <p:spPr>
+          <a:xfrm>
+            <a:off x="676275" y="1157188"/>
+            <a:ext cx="5799488" cy="5448879"/>
+          </a:xfrm>
+        </p:spPr>
+      </p:pic>
+      <p:sp>
+        <p:nvSpPr>
+          <p:cNvPr id="7" name="Rectangle: Rounded Corners 6">
+            <a:extLst>
+              <a:ext uri="{FF2B5EF4-FFF2-40B4-BE49-F238E27FC236}">
+                <a16:creationId xmlns:a16="http://schemas.microsoft.com/office/drawing/2014/main" id="{CB172020-44E6-DE5B-B25B-D5496F6A2FBE}"/>
+              </a:ext>
+            </a:extLst>
+          </p:cNvPr>
+          <p:cNvSpPr/>
+          <p:nvPr/>
+        </p:nvSpPr>
+        <p:spPr>
+          <a:xfrm>
+            <a:off x="1540526" y="5448299"/>
+            <a:ext cx="876300" cy="447675"/>
+          </a:xfrm>
+          <a:prstGeom prst="roundRect">
+            <a:avLst/>
+          </a:prstGeom>
+          <a:noFill/>
+          <a:ln>
+            <a:solidFill>
+              <a:schemeClr val="accent2"/>
+            </a:solidFill>
+          </a:ln>
+        </p:spPr>
+        <p:style>
+          <a:lnRef idx="2">
+            <a:schemeClr val="accent1">
+              <a:shade val="15000"/>
+            </a:schemeClr>
+          </a:lnRef>
+          <a:fillRef idx="1">
+            <a:schemeClr val="accent1"/>
+          </a:fillRef>
+          <a:effectRef idx="0">
+            <a:schemeClr val="accent1"/>
+          </a:effectRef>
+          <a:fontRef idx="minor">
+            <a:schemeClr val="lt1"/>
+          </a:fontRef>
+        </p:style>
+        <p:txBody>
+          <a:bodyPr rtlCol="0" anchor="ctr"/>
+          <a:lstStyle/>
+          <a:p>
+            <a:pPr algn="ctr"/>
+            <a:endParaRPr lang="en-GB"/>
+          </a:p>
+        </p:txBody>
+      </p:sp>
+      <p:cxnSp>
+        <p:nvCxnSpPr>
+          <p:cNvPr id="10" name="Connector: Elbow 9">
+            <a:extLst>
+              <a:ext uri="{FF2B5EF4-FFF2-40B4-BE49-F238E27FC236}">
+                <a16:creationId xmlns:a16="http://schemas.microsoft.com/office/drawing/2014/main" id="{F08A697B-293A-3B9A-EA5D-A7F12FE9C9F9}"/>
+              </a:ext>
+            </a:extLst>
+          </p:cNvPr>
+          <p:cNvCxnSpPr>
+            <a:cxnSpLocks/>
+            <a:stCxn id="7" idx="2"/>
+            <a:endCxn id="8" idx="2"/>
+          </p:cNvCxnSpPr>
+          <p:nvPr/>
+        </p:nvCxnSpPr>
+        <p:spPr>
+          <a:xfrm rot="5400000" flipH="1" flipV="1">
+            <a:off x="4518700" y="2762781"/>
+            <a:ext cx="593168" cy="5673217"/>
+          </a:xfrm>
+          <a:prstGeom prst="bentConnector3">
+            <a:avLst>
+              <a:gd name="adj1" fmla="val -38539"/>
+            </a:avLst>
+          </a:prstGeom>
+          <a:ln>
+            <a:tailEnd type="triangle"/>
+          </a:ln>
+        </p:spPr>
+        <p:style>
+          <a:lnRef idx="1">
+            <a:schemeClr val="accent1"/>
+          </a:lnRef>
+          <a:fillRef idx="0">
+            <a:schemeClr val="accent1"/>
+          </a:fillRef>
+          <a:effectRef idx="0">
+            <a:schemeClr val="accent1"/>
+          </a:effectRef>
+          <a:fontRef idx="minor">
+            <a:schemeClr val="tx1"/>
+          </a:fontRef>
+        </p:style>
+      </p:cxnSp>
+      <p:grpSp>
+        <p:nvGrpSpPr>
+          <p:cNvPr id="43" name="Group 42">
+            <a:extLst>
+              <a:ext uri="{FF2B5EF4-FFF2-40B4-BE49-F238E27FC236}">
+                <a16:creationId xmlns:a16="http://schemas.microsoft.com/office/drawing/2014/main" id="{BD12648D-5A86-B45C-F50D-F34B91A73BAD}"/>
+              </a:ext>
+            </a:extLst>
+          </p:cNvPr>
+          <p:cNvGrpSpPr/>
+          <p:nvPr/>
+        </p:nvGrpSpPr>
+        <p:grpSpPr>
+          <a:xfrm>
+            <a:off x="6588410" y="3733145"/>
+            <a:ext cx="4852162" cy="1938992"/>
+            <a:chOff x="6588410" y="4420969"/>
+            <a:chExt cx="4852162" cy="1938992"/>
+          </a:xfrm>
+        </p:grpSpPr>
+        <p:sp>
+          <p:nvSpPr>
+            <p:cNvPr id="8" name="TextBox 7">
+              <a:extLst>
+                <a:ext uri="{FF2B5EF4-FFF2-40B4-BE49-F238E27FC236}">
+                  <a16:creationId xmlns:a16="http://schemas.microsoft.com/office/drawing/2014/main" id="{773C7F82-E832-0C7D-BDE0-799839FE8646}"/>
+                </a:ext>
+              </a:extLst>
+            </p:cNvPr>
+            <p:cNvSpPr txBox="1"/>
+            <p:nvPr/>
+          </p:nvSpPr>
+          <p:spPr>
+            <a:xfrm>
+              <a:off x="6588410" y="5067300"/>
+              <a:ext cx="2126965" cy="923330"/>
+            </a:xfrm>
+            <a:prstGeom prst="rect">
+              <a:avLst/>
+            </a:prstGeom>
+            <a:noFill/>
+          </p:spPr>
+          <p:txBody>
+            <a:bodyPr wrap="square" rtlCol="0">
+              <a:spAutoFit/>
+            </a:bodyPr>
+            <a:lstStyle/>
+            <a:p>
+              <a:r>
+                <a:rPr lang="de-CH" dirty="0"/>
+                <a:t>6 trees with budset recorded after budburst</a:t>
+              </a:r>
+              <a:endParaRPr lang="en-GB" dirty="0"/>
+            </a:p>
+          </p:txBody>
+        </p:sp>
+        <p:sp>
+          <p:nvSpPr>
+            <p:cNvPr id="18" name="TextBox 17">
+              <a:extLst>
+                <a:ext uri="{FF2B5EF4-FFF2-40B4-BE49-F238E27FC236}">
+                  <a16:creationId xmlns:a16="http://schemas.microsoft.com/office/drawing/2014/main" id="{AFDA960C-4FF0-9727-FDC7-DEC5A1B3D69A}"/>
+                </a:ext>
+              </a:extLst>
+            </p:cNvPr>
+            <p:cNvSpPr txBox="1"/>
+            <p:nvPr/>
+          </p:nvSpPr>
+          <p:spPr>
+            <a:xfrm>
+              <a:off x="9020360" y="4420969"/>
+              <a:ext cx="2420212" cy="646331"/>
+            </a:xfrm>
+            <a:prstGeom prst="rect">
+              <a:avLst/>
+            </a:prstGeom>
+            <a:noFill/>
+          </p:spPr>
+          <p:txBody>
+            <a:bodyPr wrap="square" rtlCol="0">
+              <a:spAutoFit/>
+            </a:bodyPr>
+            <a:lstStyle/>
+            <a:p>
+              <a:r>
+                <a:rPr lang="en-GB" dirty="0"/>
+                <a:t>4 Regen (</a:t>
+              </a:r>
+              <a:r>
+                <a:rPr lang="en-GB" dirty="0" err="1"/>
+                <a:t>Rowens</a:t>
+              </a:r>
+              <a:r>
+                <a:rPr lang="en-GB" dirty="0"/>
+                <a:t>, North Coast)</a:t>
+              </a:r>
+            </a:p>
+          </p:txBody>
+        </p:sp>
+        <p:sp>
+          <p:nvSpPr>
+            <p:cNvPr id="20" name="TextBox 19">
+              <a:extLst>
+                <a:ext uri="{FF2B5EF4-FFF2-40B4-BE49-F238E27FC236}">
+                  <a16:creationId xmlns:a16="http://schemas.microsoft.com/office/drawing/2014/main" id="{76CE414E-3410-1510-03EE-285BDB52B742}"/>
+                </a:ext>
+              </a:extLst>
+            </p:cNvPr>
+            <p:cNvSpPr txBox="1"/>
+            <p:nvPr/>
+          </p:nvSpPr>
+          <p:spPr>
+            <a:xfrm>
+              <a:off x="9000694" y="5205799"/>
+              <a:ext cx="2420212" cy="646331"/>
+            </a:xfrm>
+            <a:prstGeom prst="rect">
+              <a:avLst/>
+            </a:prstGeom>
+            <a:noFill/>
+          </p:spPr>
+          <p:txBody>
+            <a:bodyPr wrap="square">
+              <a:spAutoFit/>
+            </a:bodyPr>
+            <a:lstStyle/>
+            <a:p>
+              <a:r>
+                <a:rPr lang="en-GB" dirty="0"/>
+                <a:t>1 Plantation (</a:t>
+              </a:r>
+              <a:r>
+                <a:rPr lang="en-GB" dirty="0" err="1"/>
+                <a:t>Rowens</a:t>
+              </a:r>
+              <a:r>
+                <a:rPr lang="en-GB" dirty="0"/>
+                <a:t>, North Coast) </a:t>
+              </a:r>
+            </a:p>
+          </p:txBody>
+        </p:sp>
+        <p:sp>
+          <p:nvSpPr>
+            <p:cNvPr id="22" name="TextBox 21">
+              <a:extLst>
+                <a:ext uri="{FF2B5EF4-FFF2-40B4-BE49-F238E27FC236}">
+                  <a16:creationId xmlns:a16="http://schemas.microsoft.com/office/drawing/2014/main" id="{110BF767-68F0-A2DB-F5BC-1D0E94E05BEB}"/>
+                </a:ext>
+              </a:extLst>
+            </p:cNvPr>
+            <p:cNvSpPr txBox="1"/>
+            <p:nvPr/>
+          </p:nvSpPr>
+          <p:spPr>
+            <a:xfrm>
+              <a:off x="9020360" y="5990629"/>
+              <a:ext cx="1743075" cy="369332"/>
+            </a:xfrm>
+            <a:prstGeom prst="rect">
+              <a:avLst/>
+            </a:prstGeom>
+            <a:noFill/>
+          </p:spPr>
+          <p:txBody>
+            <a:bodyPr wrap="square">
+              <a:spAutoFit/>
+            </a:bodyPr>
+            <a:lstStyle/>
+            <a:p>
+              <a:r>
+                <a:rPr lang="en-GB" dirty="0"/>
+                <a:t>1 Origin (Alaska)</a:t>
+              </a:r>
+            </a:p>
+          </p:txBody>
+        </p:sp>
+        <p:cxnSp>
+          <p:nvCxnSpPr>
+            <p:cNvPr id="35" name="Straight Connector 34">
+              <a:extLst>
+                <a:ext uri="{FF2B5EF4-FFF2-40B4-BE49-F238E27FC236}">
+                  <a16:creationId xmlns:a16="http://schemas.microsoft.com/office/drawing/2014/main" id="{4BE918CE-CEFB-8E0E-E44F-344B6DD64237}"/>
+                </a:ext>
+              </a:extLst>
+            </p:cNvPr>
+            <p:cNvCxnSpPr>
+              <a:stCxn id="8" idx="3"/>
+              <a:endCxn id="18" idx="1"/>
+            </p:cNvCxnSpPr>
+            <p:nvPr/>
+          </p:nvCxnSpPr>
+          <p:spPr>
+            <a:xfrm flipV="1">
+              <a:off x="8715375" y="4744135"/>
+              <a:ext cx="304985" cy="784830"/>
+            </a:xfrm>
+            <a:prstGeom prst="line">
+              <a:avLst/>
+            </a:prstGeom>
+          </p:spPr>
+          <p:style>
+            <a:lnRef idx="1">
+              <a:schemeClr val="accent1"/>
+            </a:lnRef>
+            <a:fillRef idx="0">
+              <a:schemeClr val="accent1"/>
+            </a:fillRef>
+            <a:effectRef idx="0">
+              <a:schemeClr val="accent1"/>
+            </a:effectRef>
+            <a:fontRef idx="minor">
+              <a:schemeClr val="tx1"/>
+            </a:fontRef>
+          </p:style>
+        </p:cxnSp>
+        <p:cxnSp>
+          <p:nvCxnSpPr>
+            <p:cNvPr id="36" name="Straight Connector 35">
+              <a:extLst>
+                <a:ext uri="{FF2B5EF4-FFF2-40B4-BE49-F238E27FC236}">
+                  <a16:creationId xmlns:a16="http://schemas.microsoft.com/office/drawing/2014/main" id="{20E964FC-C3D8-69EE-511C-06E93F78CBF8}"/>
+                </a:ext>
+              </a:extLst>
+            </p:cNvPr>
+            <p:cNvCxnSpPr>
+              <a:cxnSpLocks/>
+              <a:stCxn id="8" idx="3"/>
+              <a:endCxn id="20" idx="1"/>
+            </p:cNvCxnSpPr>
+            <p:nvPr/>
+          </p:nvCxnSpPr>
+          <p:spPr>
+            <a:xfrm>
+              <a:off x="8715375" y="5528965"/>
+              <a:ext cx="285319" cy="0"/>
+            </a:xfrm>
+            <a:prstGeom prst="line">
+              <a:avLst/>
+            </a:prstGeom>
+          </p:spPr>
+          <p:style>
+            <a:lnRef idx="1">
+              <a:schemeClr val="accent1"/>
+            </a:lnRef>
+            <a:fillRef idx="0">
+              <a:schemeClr val="accent1"/>
+            </a:fillRef>
+            <a:effectRef idx="0">
+              <a:schemeClr val="accent1"/>
+            </a:effectRef>
+            <a:fontRef idx="minor">
+              <a:schemeClr val="tx1"/>
+            </a:fontRef>
+          </p:style>
+        </p:cxnSp>
+        <p:cxnSp>
+          <p:nvCxnSpPr>
+            <p:cNvPr id="39" name="Straight Connector 38">
+              <a:extLst>
+                <a:ext uri="{FF2B5EF4-FFF2-40B4-BE49-F238E27FC236}">
+                  <a16:creationId xmlns:a16="http://schemas.microsoft.com/office/drawing/2014/main" id="{455E7990-4745-4C6B-7822-25A01C4CC2BC}"/>
+                </a:ext>
+              </a:extLst>
+            </p:cNvPr>
+            <p:cNvCxnSpPr>
+              <a:cxnSpLocks/>
+              <a:stCxn id="8" idx="3"/>
+              <a:endCxn id="22" idx="1"/>
+            </p:cNvCxnSpPr>
+            <p:nvPr/>
+          </p:nvCxnSpPr>
+          <p:spPr>
+            <a:xfrm>
+              <a:off x="8715375" y="5528965"/>
+              <a:ext cx="304985" cy="646330"/>
+            </a:xfrm>
+            <a:prstGeom prst="line">
+              <a:avLst/>
+            </a:prstGeom>
+          </p:spPr>
+          <p:style>
+            <a:lnRef idx="1">
+              <a:schemeClr val="accent1"/>
+            </a:lnRef>
+            <a:fillRef idx="0">
+              <a:schemeClr val="accent1"/>
+            </a:fillRef>
+            <a:effectRef idx="0">
+              <a:schemeClr val="accent1"/>
+            </a:effectRef>
+            <a:fontRef idx="minor">
+              <a:schemeClr val="tx1"/>
+            </a:fontRef>
+          </p:style>
+        </p:cxnSp>
+      </p:grpSp>
+      <p:sp>
+        <p:nvSpPr>
+          <p:cNvPr id="45" name="TextBox 44">
+            <a:extLst>
+              <a:ext uri="{FF2B5EF4-FFF2-40B4-BE49-F238E27FC236}">
+                <a16:creationId xmlns:a16="http://schemas.microsoft.com/office/drawing/2014/main" id="{BBE91596-867D-B142-F93D-2DF48B8D6254}"/>
+              </a:ext>
+            </a:extLst>
+          </p:cNvPr>
+          <p:cNvSpPr txBox="1"/>
+          <p:nvPr/>
+        </p:nvSpPr>
+        <p:spPr>
+          <a:xfrm>
+            <a:off x="7651892" y="1603057"/>
+            <a:ext cx="4133850" cy="1477328"/>
+          </a:xfrm>
+          <a:prstGeom prst="rect">
+            <a:avLst/>
+          </a:prstGeom>
+          <a:noFill/>
+        </p:spPr>
+        <p:txBody>
+          <a:bodyPr wrap="square" rtlCol="0">
+            <a:spAutoFit/>
+          </a:bodyPr>
+          <a:lstStyle/>
+          <a:p>
+            <a:r>
+              <a:rPr lang="en-GB" dirty="0"/>
+              <a:t> no </a:t>
+            </a:r>
+            <a:r>
+              <a:rPr lang="en-GB" dirty="0" err="1"/>
+              <a:t>budset</a:t>
+            </a:r>
+            <a:r>
+              <a:rPr lang="en-GB" dirty="0"/>
+              <a:t> recorded, then </a:t>
+            </a:r>
+            <a:r>
+              <a:rPr lang="en-GB" dirty="0" err="1"/>
+              <a:t>budset</a:t>
+            </a:r>
+            <a:r>
+              <a:rPr lang="en-GB" dirty="0"/>
+              <a:t> &amp; budburst simultaneously, then "second" </a:t>
+            </a:r>
+            <a:r>
+              <a:rPr lang="en-GB" dirty="0" err="1"/>
+              <a:t>budset</a:t>
+            </a:r>
+            <a:r>
+              <a:rPr lang="en-GB" dirty="0"/>
+              <a:t> afterwards??</a:t>
+            </a:r>
+          </a:p>
+          <a:p>
+            <a:r>
+              <a:rPr lang="en-GB" dirty="0"/>
+              <a:t>Probably error in calculating date → check original records</a:t>
+            </a:r>
+          </a:p>
+        </p:txBody>
+      </p:sp>
+    </p:spTree>
+    <p:extLst>
+      <p:ext uri="{BB962C8B-B14F-4D97-AF65-F5344CB8AC3E}">
+        <p14:creationId xmlns:p14="http://schemas.microsoft.com/office/powerpoint/2010/main" val="1520243702"/>
+      </p:ext>
+    </p:extLst>
+  </p:cSld>
+  <p:clrMapOvr>
+    <a:masterClrMapping/>
+  </p:clrMapOvr>
+</p:sld>
+</file>
+
+<file path=ppt/slides/slide25.xml><?xml version="1.0" encoding="utf-8"?>
+<p:sld xmlns:a="http://schemas.openxmlformats.org/drawingml/2006/main" xmlns:r="http://schemas.openxmlformats.org/officeDocument/2006/relationships" xmlns:p="http://schemas.openxmlformats.org/presentationml/2006/main">
+  <p:cSld>
+    <p:spTree>
+      <p:nvGrpSpPr>
+        <p:cNvPr id="1" name=""/>
+        <p:cNvGrpSpPr/>
+        <p:nvPr/>
+      </p:nvGrpSpPr>
+      <p:grpSpPr>
+        <a:xfrm>
+          <a:off x="0" y="0"/>
+          <a:ext cx="0" cy="0"/>
+          <a:chOff x="0" y="0"/>
+          <a:chExt cx="0" cy="0"/>
+        </a:xfrm>
+      </p:grpSpPr>
       <p:sp>
         <p:nvSpPr>
           <p:cNvPr id="2" name="Title 1">
@@ -8605,7 +8985,7 @@
 </p:sld>
 </file>
 
-<file path=ppt/slides/slide24.xml><?xml version="1.0" encoding="utf-8"?>
+<file path=ppt/slides/slide26.xml><?xml version="1.0" encoding="utf-8"?>
 <p:sld xmlns:a="http://schemas.openxmlformats.org/drawingml/2006/main" xmlns:r="http://schemas.openxmlformats.org/officeDocument/2006/relationships" xmlns:p="http://schemas.openxmlformats.org/presentationml/2006/main">
   <p:cSld>
     <p:spTree>
@@ -9116,10 +9496,10 @@
       </p:grpSpPr>
       <p:sp>
         <p:nvSpPr>
-          <p:cNvPr id="2" name="Title 1">
+          <p:cNvPr id="4" name="Title 1">
             <a:extLst>
               <a:ext uri="{FF2B5EF4-FFF2-40B4-BE49-F238E27FC236}">
-                <a16:creationId xmlns:a16="http://schemas.microsoft.com/office/drawing/2014/main" id="{149EE15F-4B94-ED05-018D-4CF3EB11561C}"/>
+                <a16:creationId xmlns:a16="http://schemas.microsoft.com/office/drawing/2014/main" id="{F351BBFA-4D62-6F56-D9B2-084422C226AB}"/>
               </a:ext>
             </a:extLst>
           </p:cNvPr>
@@ -9130,48 +9510,63 @@
             <p:ph type="title"/>
           </p:nvPr>
         </p:nvSpPr>
-        <p:spPr/>
+        <p:spPr>
+          <a:xfrm>
+            <a:off x="248920" y="213360"/>
+            <a:ext cx="9875838" cy="1355725"/>
+          </a:xfrm>
+        </p:spPr>
         <p:txBody>
           <a:bodyPr/>
           <a:lstStyle/>
           <a:p>
             <a:r>
               <a:rPr lang="de-CH" dirty="0"/>
-              <a:t>Rowens vs benmore / plantation vs regen?</a:t>
+              <a:t>Status – by Block</a:t>
             </a:r>
             <a:endParaRPr lang="en-GB" dirty="0"/>
           </a:p>
         </p:txBody>
       </p:sp>
-      <p:sp>
-        <p:nvSpPr>
-          <p:cNvPr id="3" name="Content Placeholder 2">
+      <p:pic>
+        <p:nvPicPr>
+          <p:cNvPr id="10" name="Content Placeholder 9" descr="A graph of blue and red bars&#10;&#10;AI-generated content may be incorrect.">
             <a:extLst>
               <a:ext uri="{FF2B5EF4-FFF2-40B4-BE49-F238E27FC236}">
-                <a16:creationId xmlns:a16="http://schemas.microsoft.com/office/drawing/2014/main" id="{5EFF545B-FB32-FB99-3DEF-751F64DCBFFE}"/>
+                <a16:creationId xmlns:a16="http://schemas.microsoft.com/office/drawing/2014/main" id="{EA175353-6AD5-76CA-2329-CCA6E2F2F8DA}"/>
               </a:ext>
             </a:extLst>
           </p:cNvPr>
-          <p:cNvSpPr>
-            <a:spLocks noGrp="1"/>
-          </p:cNvSpPr>
+          <p:cNvPicPr>
+            <a:picLocks noGrp="1" noChangeAspect="1"/>
+          </p:cNvPicPr>
           <p:nvPr>
             <p:ph idx="1"/>
           </p:nvPr>
-        </p:nvSpPr>
-        <p:spPr/>
-        <p:txBody>
-          <a:bodyPr/>
-          <a:lstStyle/>
-          <a:p>
-            <a:endParaRPr lang="en-GB"/>
-          </a:p>
-        </p:txBody>
-      </p:sp>
+        </p:nvPicPr>
+        <p:blipFill>
+          <a:blip r:embed="rId2">
+            <a:extLst>
+              <a:ext uri="{28A0092B-C50C-407E-A947-70E740481C1C}">
+                <a14:useLocalDpi xmlns:a14="http://schemas.microsoft.com/office/drawing/2010/main" val="0"/>
+              </a:ext>
+            </a:extLst>
+          </a:blip>
+          <a:stretch>
+            <a:fillRect/>
+          </a:stretch>
+        </p:blipFill>
+        <p:spPr>
+          <a:xfrm>
+            <a:off x="1547778" y="1148080"/>
+            <a:ext cx="9096444" cy="5466080"/>
+          </a:xfrm>
+        </p:spPr>
+      </p:pic>
     </p:spTree>
     <p:extLst>
       <p:ext uri="{BB962C8B-B14F-4D97-AF65-F5344CB8AC3E}">
-        <p14:creationId xmlns:p14="http://schemas.microsoft.com/office/powerpoint/2010/main" val="1622543642"/>
+        <p14:creationId xmlns:p14="http://schemas.microsoft.com/office/powerpoint/2010/main" val="2413059109"/>
       </p:ext>
     </p:extLst>
   </p:cSld>
@@ -9200,10 +9595,10 @@
       </p:grpSpPr>
       <p:sp>
         <p:nvSpPr>
-          <p:cNvPr id="4" name="Title 1">
+          <p:cNvPr id="2" name="Title 1">
             <a:extLst>
               <a:ext uri="{FF2B5EF4-FFF2-40B4-BE49-F238E27FC236}">
-                <a16:creationId xmlns:a16="http://schemas.microsoft.com/office/drawing/2014/main" id="{F351BBFA-4D62-6F56-D9B2-084422C226AB}"/>
+                <a16:creationId xmlns:a16="http://schemas.microsoft.com/office/drawing/2014/main" id="{DBBAC9F3-8100-D77A-023E-C972C89795AC}"/>
               </a:ext>
             </a:extLst>
           </p:cNvPr>
@@ -9216,8 +9611,8 @@
         </p:nvSpPr>
         <p:spPr>
           <a:xfrm>
-            <a:off x="248920" y="213360"/>
-            <a:ext cx="9875838" cy="1355725"/>
+            <a:off x="228600" y="223520"/>
+            <a:ext cx="9875520" cy="995680"/>
           </a:xfrm>
         </p:spPr>
         <p:txBody>
@@ -9226,7 +9621,7 @@
           <a:p>
             <a:r>
               <a:rPr lang="de-CH" dirty="0"/>
-              <a:t>Status – by Block</a:t>
+              <a:t>Status – by Family</a:t>
             </a:r>
             <a:endParaRPr lang="en-GB" dirty="0"/>
           </a:p>
@@ -9234,10 +9629,10 @@
       </p:sp>
       <p:pic>
         <p:nvPicPr>
-          <p:cNvPr id="10" name="Content Placeholder 9" descr="A graph of blue and red bars&#10;&#10;AI-generated content may be incorrect.">
+          <p:cNvPr id="5" name="Content Placeholder 4">
             <a:extLst>
               <a:ext uri="{FF2B5EF4-FFF2-40B4-BE49-F238E27FC236}">
-                <a16:creationId xmlns:a16="http://schemas.microsoft.com/office/drawing/2014/main" id="{EA175353-6AD5-76CA-2329-CCA6E2F2F8DA}"/>
+                <a16:creationId xmlns:a16="http://schemas.microsoft.com/office/drawing/2014/main" id="{88AB1702-AC8E-BCAE-24FC-C14A03615DD3}"/>
               </a:ext>
             </a:extLst>
           </p:cNvPr>
@@ -9256,21 +9651,56 @@
               </a:ext>
             </a:extLst>
           </a:blip>
-          <a:stretch>
-            <a:fillRect/>
-          </a:stretch>
+          <a:srcRect t="6549"/>
+          <a:stretch/>
         </p:blipFill>
         <p:spPr>
           <a:xfrm>
-            <a:off x="1547778" y="1148080"/>
-            <a:ext cx="9096444" cy="5466080"/>
+            <a:off x="1226129" y="1095555"/>
+            <a:ext cx="9739742" cy="5518605"/>
           </a:xfrm>
         </p:spPr>
       </p:pic>
+      <p:sp>
+        <p:nvSpPr>
+          <p:cNvPr id="6" name="TextBox 5">
+            <a:extLst>
+              <a:ext uri="{FF2B5EF4-FFF2-40B4-BE49-F238E27FC236}">
+                <a16:creationId xmlns:a16="http://schemas.microsoft.com/office/drawing/2014/main" id="{C5012472-E3FE-9887-B742-0271FEB26237}"/>
+              </a:ext>
+            </a:extLst>
+          </p:cNvPr>
+          <p:cNvSpPr txBox="1"/>
+          <p:nvPr/>
+        </p:nvSpPr>
+        <p:spPr>
+          <a:xfrm>
+            <a:off x="5382883" y="586596"/>
+            <a:ext cx="3045125" cy="369332"/>
+          </a:xfrm>
+          <a:prstGeom prst="rect">
+            <a:avLst/>
+          </a:prstGeom>
+          <a:noFill/>
+        </p:spPr>
+        <p:txBody>
+          <a:bodyPr wrap="square" rtlCol="0">
+            <a:spAutoFit/>
+          </a:bodyPr>
+          <a:lstStyle/>
+          <a:p>
+            <a:r>
+              <a:rPr lang="de-CH" dirty="0"/>
+              <a:t>Top and bottom 10 Families</a:t>
+            </a:r>
+            <a:endParaRPr lang="en-GB" dirty="0"/>
+          </a:p>
+        </p:txBody>
+      </p:sp>
     </p:spTree>
     <p:extLst>
       <p:ext uri="{BB962C8B-B14F-4D97-AF65-F5344CB8AC3E}">
-        <p14:creationId xmlns:p14="http://schemas.microsoft.com/office/powerpoint/2010/main" val="2413059109"/>
+        <p14:creationId xmlns:p14="http://schemas.microsoft.com/office/powerpoint/2010/main" val="4087577250"/>
       </p:ext>
     </p:extLst>
   </p:cSld>
@@ -9297,12 +9727,46 @@
           <a:chExt cx="0" cy="0"/>
         </a:xfrm>
       </p:grpSpPr>
+      <p:pic>
+        <p:nvPicPr>
+          <p:cNvPr id="12" name="Content Placeholder 11" descr="A graph with red lines and numbers&#10;&#10;AI-generated content may be incorrect.">
+            <a:extLst>
+              <a:ext uri="{FF2B5EF4-FFF2-40B4-BE49-F238E27FC236}">
+                <a16:creationId xmlns:a16="http://schemas.microsoft.com/office/drawing/2014/main" id="{BD49C6AC-C674-843D-C8F1-02241A71B122}"/>
+              </a:ext>
+            </a:extLst>
+          </p:cNvPr>
+          <p:cNvPicPr>
+            <a:picLocks noGrp="1" noChangeAspect="1"/>
+          </p:cNvPicPr>
+          <p:nvPr>
+            <p:ph idx="1"/>
+          </p:nvPr>
+        </p:nvPicPr>
+        <p:blipFill>
+          <a:blip r:embed="rId2">
+            <a:extLst>
+              <a:ext uri="{28A0092B-C50C-407E-A947-70E740481C1C}">
+                <a14:useLocalDpi xmlns:a14="http://schemas.microsoft.com/office/drawing/2010/main" val="0"/>
+              </a:ext>
+            </a:extLst>
+          </a:blip>
+          <a:srcRect t="6070"/>
+          <a:stretch/>
+        </p:blipFill>
+        <p:spPr>
+          <a:xfrm>
+            <a:off x="544941" y="1310640"/>
+            <a:ext cx="11102118" cy="5273040"/>
+          </a:xfrm>
+        </p:spPr>
+      </p:pic>
       <p:sp>
         <p:nvSpPr>
           <p:cNvPr id="2" name="Title 1">
             <a:extLst>
               <a:ext uri="{FF2B5EF4-FFF2-40B4-BE49-F238E27FC236}">
-                <a16:creationId xmlns:a16="http://schemas.microsoft.com/office/drawing/2014/main" id="{9DF1BC62-6E05-2214-83CA-8D9E2160A19B}"/>
+                <a16:creationId xmlns:a16="http://schemas.microsoft.com/office/drawing/2014/main" id="{DED8D4A8-9316-1F4F-4391-A51F0AE12446}"/>
               </a:ext>
             </a:extLst>
           </p:cNvPr>
@@ -9315,7 +9779,7 @@
         </p:nvSpPr>
         <p:spPr>
           <a:xfrm>
-            <a:off x="228600" y="233680"/>
+            <a:off x="238760" y="274320"/>
             <a:ext cx="9875520" cy="1356360"/>
           </a:xfrm>
         </p:spPr>
@@ -9325,251 +9789,64 @@
           <a:p>
             <a:r>
               <a:rPr lang="de-CH" dirty="0"/>
-              <a:t>Family distribution</a:t>
+              <a:t>DBB</a:t>
             </a:r>
             <a:endParaRPr lang="en-GB" dirty="0"/>
           </a:p>
         </p:txBody>
       </p:sp>
-      <p:graphicFrame>
-        <p:nvGraphicFramePr>
-          <p:cNvPr id="9" name="Content Placeholder 8">
+      <p:sp>
+        <p:nvSpPr>
+          <p:cNvPr id="3" name="TextBox 2">
             <a:extLst>
               <a:ext uri="{FF2B5EF4-FFF2-40B4-BE49-F238E27FC236}">
-                <a16:creationId xmlns:a16="http://schemas.microsoft.com/office/drawing/2014/main" id="{0AADB95F-2104-542D-E0E1-ABEDEF08E276}"/>
+                <a16:creationId xmlns:a16="http://schemas.microsoft.com/office/drawing/2014/main" id="{7FC9CC8D-5E27-7D11-D30C-DB30F7B517A9}"/>
               </a:ext>
             </a:extLst>
           </p:cNvPr>
-          <p:cNvGraphicFramePr>
-            <a:graphicFrameLocks noGrp="1"/>
-          </p:cNvGraphicFramePr>
-          <p:nvPr>
-            <p:ph idx="1"/>
-            <p:extLst>
-              <p:ext uri="{D42A27DB-BD31-4B8C-83A1-F6EECF244321}">
-                <p14:modId xmlns:p14="http://schemas.microsoft.com/office/powerpoint/2010/main" val="807074493"/>
-              </p:ext>
-            </p:extLst>
-          </p:nvPr>
-        </p:nvGraphicFramePr>
-        <p:xfrm>
-          <a:off x="2087880" y="1442720"/>
-          <a:ext cx="7929880" cy="4866641"/>
-        </p:xfrm>
-        <a:graphic>
-          <a:graphicData uri="http://schemas.openxmlformats.org/drawingml/2006/table">
-            <a:tbl>
-              <a:tblPr firstRow="1" bandRow="1">
-                <a:tableStyleId>{5C22544A-7EE6-4342-B048-85BDC9FD1C3A}</a:tableStyleId>
-              </a:tblPr>
-              <a:tblGrid>
-                <a:gridCol w="3635794">
-                  <a:extLst>
-                    <a:ext uri="{9D8B030D-6E8A-4147-A177-3AD203B41FA5}">
-                      <a16:colId xmlns:a16="http://schemas.microsoft.com/office/drawing/2014/main" val="3170092466"/>
-                    </a:ext>
-                  </a:extLst>
-                </a:gridCol>
-                <a:gridCol w="4294086">
-                  <a:extLst>
-                    <a:ext uri="{9D8B030D-6E8A-4147-A177-3AD203B41FA5}">
-                      <a16:colId xmlns:a16="http://schemas.microsoft.com/office/drawing/2014/main" val="373613929"/>
-                    </a:ext>
-                  </a:extLst>
-                </a:gridCol>
-              </a:tblGrid>
-              <a:tr h="1466977">
-                <a:tc>
-                  <a:txBody>
-                    <a:bodyPr/>
-                    <a:lstStyle/>
-                    <a:p>
-                      <a:pPr algn="ctr"/>
-                      <a:r>
-                        <a:rPr lang="de-CH" sz="3500" b="1" dirty="0"/>
-                        <a:t>Number of families</a:t>
-                      </a:r>
-                      <a:endParaRPr lang="en-GB" sz="3500" b="1" dirty="0"/>
-                    </a:p>
-                  </a:txBody>
-                  <a:tcPr anchor="ctr"/>
-                </a:tc>
-                <a:tc>
-                  <a:txBody>
-                    <a:bodyPr/>
-                    <a:lstStyle/>
-                    <a:p>
-                      <a:pPr algn="ctr"/>
-                      <a:r>
-                        <a:rPr lang="de-CH" sz="3500" b="1" dirty="0"/>
-                        <a:t>Number of individuals</a:t>
-                      </a:r>
-                      <a:endParaRPr lang="en-GB" sz="3500" b="1" dirty="0"/>
-                    </a:p>
-                  </a:txBody>
-                  <a:tcPr anchor="ctr"/>
-                </a:tc>
-                <a:extLst>
-                  <a:ext uri="{0D108BD9-81ED-4DB2-BD59-A6C34878D82A}">
-                    <a16:rowId xmlns:a16="http://schemas.microsoft.com/office/drawing/2014/main" val="4129906220"/>
-                  </a:ext>
-                </a:extLst>
-              </a:tr>
-              <a:tr h="849916">
-                <a:tc>
-                  <a:txBody>
-                    <a:bodyPr/>
-                    <a:lstStyle/>
-                    <a:p>
-                      <a:pPr algn="ctr"/>
-                      <a:r>
-                        <a:rPr lang="de-CH" sz="3000" dirty="0"/>
-                        <a:t>46</a:t>
-                      </a:r>
-                      <a:endParaRPr lang="en-GB" sz="3000" dirty="0"/>
-                    </a:p>
-                  </a:txBody>
-                  <a:tcPr anchor="ctr"/>
-                </a:tc>
-                <a:tc>
-                  <a:txBody>
-                    <a:bodyPr/>
-                    <a:lstStyle/>
-                    <a:p>
-                      <a:pPr algn="ctr"/>
-                      <a:r>
-                        <a:rPr lang="de-CH" sz="3000" dirty="0"/>
-                        <a:t>10</a:t>
-                      </a:r>
-                    </a:p>
-                  </a:txBody>
-                  <a:tcPr anchor="ctr"/>
-                </a:tc>
-                <a:extLst>
-                  <a:ext uri="{0D108BD9-81ED-4DB2-BD59-A6C34878D82A}">
-                    <a16:rowId xmlns:a16="http://schemas.microsoft.com/office/drawing/2014/main" val="3721636462"/>
-                  </a:ext>
-                </a:extLst>
-              </a:tr>
-              <a:tr h="849916">
-                <a:tc>
-                  <a:txBody>
-                    <a:bodyPr/>
-                    <a:lstStyle/>
-                    <a:p>
-                      <a:pPr algn="ctr"/>
-                      <a:r>
-                        <a:rPr lang="de-CH" sz="3000" dirty="0"/>
-                        <a:t>6</a:t>
-                      </a:r>
-                      <a:endParaRPr lang="en-GB" sz="3000" dirty="0"/>
-                    </a:p>
-                  </a:txBody>
-                  <a:tcPr anchor="ctr"/>
-                </a:tc>
-                <a:tc>
-                  <a:txBody>
-                    <a:bodyPr/>
-                    <a:lstStyle/>
-                    <a:p>
-                      <a:pPr algn="ctr"/>
-                      <a:r>
-                        <a:rPr lang="de-CH" sz="3000" dirty="0"/>
-                        <a:t>50</a:t>
-                      </a:r>
-                      <a:endParaRPr lang="en-GB" sz="3000" dirty="0"/>
-                    </a:p>
-                  </a:txBody>
-                  <a:tcPr anchor="ctr"/>
-                </a:tc>
-                <a:extLst>
-                  <a:ext uri="{0D108BD9-81ED-4DB2-BD59-A6C34878D82A}">
-                    <a16:rowId xmlns:a16="http://schemas.microsoft.com/office/drawing/2014/main" val="169093567"/>
-                  </a:ext>
-                </a:extLst>
-              </a:tr>
-              <a:tr h="849916">
-                <a:tc>
-                  <a:txBody>
-                    <a:bodyPr/>
-                    <a:lstStyle/>
-                    <a:p>
-                      <a:pPr algn="ctr"/>
-                      <a:r>
-                        <a:rPr lang="de-CH" sz="3000" dirty="0"/>
-                        <a:t>1</a:t>
-                      </a:r>
-                      <a:endParaRPr lang="en-GB" sz="3000" dirty="0"/>
-                    </a:p>
-                  </a:txBody>
-                  <a:tcPr anchor="ctr"/>
-                </a:tc>
-                <a:tc>
-                  <a:txBody>
-                    <a:bodyPr/>
-                    <a:lstStyle/>
-                    <a:p>
-                      <a:pPr algn="ctr"/>
-                      <a:r>
-                        <a:rPr lang="de-CH" sz="3000" dirty="0"/>
-                        <a:t>12</a:t>
-                      </a:r>
-                      <a:endParaRPr lang="en-GB" sz="3000" dirty="0"/>
-                    </a:p>
-                  </a:txBody>
-                  <a:tcPr anchor="ctr"/>
-                </a:tc>
-                <a:extLst>
-                  <a:ext uri="{0D108BD9-81ED-4DB2-BD59-A6C34878D82A}">
-                    <a16:rowId xmlns:a16="http://schemas.microsoft.com/office/drawing/2014/main" val="2023861897"/>
-                  </a:ext>
-                </a:extLst>
-              </a:tr>
-              <a:tr h="849916">
-                <a:tc>
-                  <a:txBody>
-                    <a:bodyPr/>
-                    <a:lstStyle/>
-                    <a:p>
-                      <a:pPr algn="ctr"/>
-                      <a:r>
-                        <a:rPr lang="de-CH" sz="3000" dirty="0"/>
-                        <a:t>1</a:t>
-                      </a:r>
-                      <a:endParaRPr lang="en-GB" sz="3000" dirty="0"/>
-                    </a:p>
-                  </a:txBody>
-                  <a:tcPr anchor="ctr"/>
-                </a:tc>
-                <a:tc>
-                  <a:txBody>
-                    <a:bodyPr/>
-                    <a:lstStyle/>
-                    <a:p>
-                      <a:pPr algn="ctr"/>
-                      <a:r>
-                        <a:rPr lang="de-CH" sz="3000" dirty="0"/>
-                        <a:t>8</a:t>
-                      </a:r>
-                      <a:endParaRPr lang="en-GB" sz="3000" dirty="0"/>
-                    </a:p>
-                  </a:txBody>
-                  <a:tcPr anchor="ctr"/>
-                </a:tc>
-                <a:extLst>
-                  <a:ext uri="{0D108BD9-81ED-4DB2-BD59-A6C34878D82A}">
-                    <a16:rowId xmlns:a16="http://schemas.microsoft.com/office/drawing/2014/main" val="2947029118"/>
-                  </a:ext>
-                </a:extLst>
-              </a:tr>
-            </a:tbl>
-          </a:graphicData>
-        </a:graphic>
-      </p:graphicFrame>
+          <p:cNvSpPr txBox="1"/>
+          <p:nvPr/>
+        </p:nvSpPr>
+        <p:spPr>
+          <a:xfrm>
+            <a:off x="9193074" y="552390"/>
+            <a:ext cx="2675531" cy="400110"/>
+          </a:xfrm>
+          <a:prstGeom prst="rect">
+            <a:avLst/>
+          </a:prstGeom>
+          <a:noFill/>
+        </p:spPr>
+        <p:txBody>
+          <a:bodyPr wrap="square" rtlCol="0">
+            <a:spAutoFit/>
+          </a:bodyPr>
+          <a:lstStyle/>
+          <a:p>
+            <a:r>
+              <a:rPr lang="de-CH" sz="1000" dirty="0">
+                <a:solidFill>
+                  <a:schemeClr val="accent6">
+                    <a:lumMod val="75000"/>
+                  </a:schemeClr>
+                </a:solidFill>
+              </a:rPr>
+              <a:t>506 trees that are alive at both timepoints have DBB measurements</a:t>
+            </a:r>
+            <a:endParaRPr lang="en-GB" sz="1000" dirty="0">
+              <a:solidFill>
+                <a:schemeClr val="accent6">
+                  <a:lumMod val="75000"/>
+                </a:schemeClr>
+              </a:solidFill>
+            </a:endParaRPr>
+          </a:p>
+        </p:txBody>
+      </p:sp>
     </p:spTree>
     <p:extLst>
       <p:ext uri="{BB962C8B-B14F-4D97-AF65-F5344CB8AC3E}">
-        <p14:creationId xmlns:p14="http://schemas.microsoft.com/office/powerpoint/2010/main" val="4222636709"/>
+        <p14:creationId xmlns:p14="http://schemas.microsoft.com/office/powerpoint/2010/main" val="4154756640"/>
       </p:ext>
     </p:extLst>
   </p:cSld>

--- a/RapidAdaptation_DataExploration.pptx
+++ b/RapidAdaptation_DataExploration.pptx
@@ -5,35 +5,39 @@
     <p:sldMasterId id="2147483660" r:id="rId1"/>
   </p:sldMasterIdLst>
   <p:notesMasterIdLst>
-    <p:notesMasterId r:id="rId28"/>
+    <p:notesMasterId r:id="rId32"/>
   </p:notesMasterIdLst>
   <p:sldIdLst>
     <p:sldId id="256" r:id="rId2"/>
     <p:sldId id="257" r:id="rId3"/>
-    <p:sldId id="271" r:id="rId4"/>
-    <p:sldId id="269" r:id="rId5"/>
-    <p:sldId id="268" r:id="rId6"/>
-    <p:sldId id="267" r:id="rId7"/>
-    <p:sldId id="270" r:id="rId8"/>
-    <p:sldId id="272" r:id="rId9"/>
-    <p:sldId id="258" r:id="rId10"/>
-    <p:sldId id="259" r:id="rId11"/>
-    <p:sldId id="262" r:id="rId12"/>
-    <p:sldId id="266" r:id="rId13"/>
-    <p:sldId id="284" r:id="rId14"/>
-    <p:sldId id="261" r:id="rId15"/>
-    <p:sldId id="275" r:id="rId16"/>
-    <p:sldId id="276" r:id="rId17"/>
-    <p:sldId id="263" r:id="rId18"/>
-    <p:sldId id="265" r:id="rId19"/>
-    <p:sldId id="277" r:id="rId20"/>
-    <p:sldId id="278" r:id="rId21"/>
-    <p:sldId id="264" r:id="rId22"/>
-    <p:sldId id="282" r:id="rId23"/>
-    <p:sldId id="283" r:id="rId24"/>
-    <p:sldId id="281" r:id="rId25"/>
-    <p:sldId id="280" r:id="rId26"/>
-    <p:sldId id="279" r:id="rId27"/>
+    <p:sldId id="285" r:id="rId4"/>
+    <p:sldId id="271" r:id="rId5"/>
+    <p:sldId id="269" r:id="rId6"/>
+    <p:sldId id="268" r:id="rId7"/>
+    <p:sldId id="267" r:id="rId8"/>
+    <p:sldId id="270" r:id="rId9"/>
+    <p:sldId id="272" r:id="rId10"/>
+    <p:sldId id="288" r:id="rId11"/>
+    <p:sldId id="258" r:id="rId12"/>
+    <p:sldId id="259" r:id="rId13"/>
+    <p:sldId id="262" r:id="rId14"/>
+    <p:sldId id="266" r:id="rId15"/>
+    <p:sldId id="284" r:id="rId16"/>
+    <p:sldId id="261" r:id="rId17"/>
+    <p:sldId id="275" r:id="rId18"/>
+    <p:sldId id="276" r:id="rId19"/>
+    <p:sldId id="263" r:id="rId20"/>
+    <p:sldId id="265" r:id="rId21"/>
+    <p:sldId id="277" r:id="rId22"/>
+    <p:sldId id="278" r:id="rId23"/>
+    <p:sldId id="264" r:id="rId24"/>
+    <p:sldId id="286" r:id="rId25"/>
+    <p:sldId id="287" r:id="rId26"/>
+    <p:sldId id="282" r:id="rId27"/>
+    <p:sldId id="283" r:id="rId28"/>
+    <p:sldId id="281" r:id="rId29"/>
+    <p:sldId id="280" r:id="rId30"/>
+    <p:sldId id="279" r:id="rId31"/>
   </p:sldIdLst>
   <p:sldSz cx="12192000" cy="6858000"/>
   <p:notesSz cx="6858000" cy="9144000"/>
@@ -143,7 +147,7 @@
 <file path=ppt/revisionInfo.xml><?xml version="1.0" encoding="utf-8"?>
 <p1510:revInfo xmlns:a="http://schemas.openxmlformats.org/drawingml/2006/main" xmlns:r="http://schemas.openxmlformats.org/officeDocument/2006/relationships" xmlns:p1510="http://schemas.microsoft.com/office/powerpoint/2015/10/main">
   <p1510:revLst>
-    <p1510:client id="{100BBC7B-7ACA-4A4D-BA33-DEF31D162335}" v="131" dt="2025-12-11T16:47:59.011"/>
+    <p1510:client id="{100BBC7B-7ACA-4A4D-BA33-DEF31D162335}" v="132" dt="2025-12-12T09:53:50.214"/>
   </p1510:revLst>
 </p1510:revInfo>
 </file>
@@ -153,7 +157,7 @@
   <pc:docChgLst>
     <pc:chgData name="Luisa Dickenmann" userId="0c0840b0-1ae7-42c8-98b5-b02d8f71a603" providerId="ADAL" clId="{100BBC7B-7ACA-4A4D-BA33-DEF31D162335}"/>
     <pc:docChg chg="undo custSel addSld delSld modSld sldOrd">
-      <pc:chgData name="Luisa Dickenmann" userId="0c0840b0-1ae7-42c8-98b5-b02d8f71a603" providerId="ADAL" clId="{100BBC7B-7ACA-4A4D-BA33-DEF31D162335}" dt="2025-12-11T16:50:14.011" v="3816" actId="1076"/>
+      <pc:chgData name="Luisa Dickenmann" userId="0c0840b0-1ae7-42c8-98b5-b02d8f71a603" providerId="ADAL" clId="{100BBC7B-7ACA-4A4D-BA33-DEF31D162335}" dt="2025-12-12T09:54:28.617" v="4098" actId="20577"/>
       <pc:docMkLst>
         <pc:docMk/>
       </pc:docMkLst>
@@ -734,7 +738,7 @@
         </pc:picChg>
       </pc:sldChg>
       <pc:sldChg chg="addSp delSp modSp new mod">
-        <pc:chgData name="Luisa Dickenmann" userId="0c0840b0-1ae7-42c8-98b5-b02d8f71a603" providerId="ADAL" clId="{100BBC7B-7ACA-4A4D-BA33-DEF31D162335}" dt="2025-12-09T10:11:14.408" v="1488" actId="732"/>
+        <pc:chgData name="Luisa Dickenmann" userId="0c0840b0-1ae7-42c8-98b5-b02d8f71a603" providerId="ADAL" clId="{100BBC7B-7ACA-4A4D-BA33-DEF31D162335}" dt="2025-12-12T09:54:14.818" v="4039" actId="1076"/>
         <pc:sldMkLst>
           <pc:docMk/>
           <pc:sldMk cId="4087577250" sldId="272"/>
@@ -745,6 +749,22 @@
             <pc:docMk/>
             <pc:sldMk cId="4087577250" sldId="272"/>
             <ac:spMk id="2" creationId="{DBBAC9F3-8100-D77A-023E-C972C89795AC}"/>
+          </ac:spMkLst>
+        </pc:spChg>
+        <pc:spChg chg="add mod">
+          <ac:chgData name="Luisa Dickenmann" userId="0c0840b0-1ae7-42c8-98b5-b02d8f71a603" providerId="ADAL" clId="{100BBC7B-7ACA-4A4D-BA33-DEF31D162335}" dt="2025-12-12T09:54:14.818" v="4039" actId="1076"/>
+          <ac:spMkLst>
+            <pc:docMk/>
+            <pc:sldMk cId="4087577250" sldId="272"/>
+            <ac:spMk id="3" creationId="{C4409357-62AB-C53D-577F-0FF4CFF2F18D}"/>
+          </ac:spMkLst>
+        </pc:spChg>
+        <pc:spChg chg="add mod">
+          <ac:chgData name="Luisa Dickenmann" userId="0c0840b0-1ae7-42c8-98b5-b02d8f71a603" providerId="ADAL" clId="{100BBC7B-7ACA-4A4D-BA33-DEF31D162335}" dt="2025-12-12T09:54:11.814" v="4038" actId="1582"/>
+          <ac:spMkLst>
+            <pc:docMk/>
+            <pc:sldMk cId="4087577250" sldId="272"/>
+            <ac:spMk id="4" creationId="{79AA551E-FA63-960E-F087-D4304A8C24A0}"/>
           </ac:spMkLst>
         </pc:spChg>
         <pc:spChg chg="add mod">
@@ -1261,6 +1281,74 @@
             <pc:docMk/>
             <pc:sldMk cId="536145808" sldId="284"/>
             <ac:spMk id="3" creationId="{4667D288-CBE2-F195-7FFC-C90ACACBE117}"/>
+          </ac:spMkLst>
+        </pc:spChg>
+      </pc:sldChg>
+      <pc:sldChg chg="modSp new mod">
+        <pc:chgData name="Luisa Dickenmann" userId="0c0840b0-1ae7-42c8-98b5-b02d8f71a603" providerId="ADAL" clId="{100BBC7B-7ACA-4A4D-BA33-DEF31D162335}" dt="2025-12-12T09:51:44.542" v="3894" actId="20577"/>
+        <pc:sldMkLst>
+          <pc:docMk/>
+          <pc:sldMk cId="1156399153" sldId="285"/>
+        </pc:sldMkLst>
+        <pc:spChg chg="mod">
+          <ac:chgData name="Luisa Dickenmann" userId="0c0840b0-1ae7-42c8-98b5-b02d8f71a603" providerId="ADAL" clId="{100BBC7B-7ACA-4A4D-BA33-DEF31D162335}" dt="2025-12-12T09:51:44.542" v="3894" actId="20577"/>
+          <ac:spMkLst>
+            <pc:docMk/>
+            <pc:sldMk cId="1156399153" sldId="285"/>
+            <ac:spMk id="2" creationId="{00CF54C3-63C1-3F02-8A60-6328BB58EECF}"/>
+          </ac:spMkLst>
+        </pc:spChg>
+      </pc:sldChg>
+      <pc:sldChg chg="modSp new mod">
+        <pc:chgData name="Luisa Dickenmann" userId="0c0840b0-1ae7-42c8-98b5-b02d8f71a603" providerId="ADAL" clId="{100BBC7B-7ACA-4A4D-BA33-DEF31D162335}" dt="2025-12-12T09:52:30.375" v="3941" actId="20577"/>
+        <pc:sldMkLst>
+          <pc:docMk/>
+          <pc:sldMk cId="3635244816" sldId="286"/>
+        </pc:sldMkLst>
+        <pc:spChg chg="mod">
+          <ac:chgData name="Luisa Dickenmann" userId="0c0840b0-1ae7-42c8-98b5-b02d8f71a603" providerId="ADAL" clId="{100BBC7B-7ACA-4A4D-BA33-DEF31D162335}" dt="2025-12-12T09:52:30.375" v="3941" actId="20577"/>
+          <ac:spMkLst>
+            <pc:docMk/>
+            <pc:sldMk cId="3635244816" sldId="286"/>
+            <ac:spMk id="2" creationId="{7C06FE14-95D7-2C34-3B1C-7E62C27D5BD5}"/>
+          </ac:spMkLst>
+        </pc:spChg>
+      </pc:sldChg>
+      <pc:sldChg chg="modSp new mod">
+        <pc:chgData name="Luisa Dickenmann" userId="0c0840b0-1ae7-42c8-98b5-b02d8f71a603" providerId="ADAL" clId="{100BBC7B-7ACA-4A4D-BA33-DEF31D162335}" dt="2025-12-12T09:53:12.722" v="3989" actId="20577"/>
+        <pc:sldMkLst>
+          <pc:docMk/>
+          <pc:sldMk cId="4162262758" sldId="287"/>
+        </pc:sldMkLst>
+        <pc:spChg chg="mod">
+          <ac:chgData name="Luisa Dickenmann" userId="0c0840b0-1ae7-42c8-98b5-b02d8f71a603" providerId="ADAL" clId="{100BBC7B-7ACA-4A4D-BA33-DEF31D162335}" dt="2025-12-12T09:53:12.722" v="3989" actId="20577"/>
+          <ac:spMkLst>
+            <pc:docMk/>
+            <pc:sldMk cId="4162262758" sldId="287"/>
+            <ac:spMk id="2" creationId="{8FEE9FEA-9B3E-6A9F-C090-44E2DA4F43D8}"/>
+          </ac:spMkLst>
+        </pc:spChg>
+      </pc:sldChg>
+      <pc:sldChg chg="modSp new mod">
+        <pc:chgData name="Luisa Dickenmann" userId="0c0840b0-1ae7-42c8-98b5-b02d8f71a603" providerId="ADAL" clId="{100BBC7B-7ACA-4A4D-BA33-DEF31D162335}" dt="2025-12-12T09:54:28.617" v="4098" actId="20577"/>
+        <pc:sldMkLst>
+          <pc:docMk/>
+          <pc:sldMk cId="3026645936" sldId="288"/>
+        </pc:sldMkLst>
+        <pc:spChg chg="mod">
+          <ac:chgData name="Luisa Dickenmann" userId="0c0840b0-1ae7-42c8-98b5-b02d8f71a603" providerId="ADAL" clId="{100BBC7B-7ACA-4A4D-BA33-DEF31D162335}" dt="2025-12-12T09:53:44.675" v="4001" actId="20577"/>
+          <ac:spMkLst>
+            <pc:docMk/>
+            <pc:sldMk cId="3026645936" sldId="288"/>
+            <ac:spMk id="2" creationId="{BA21E4DD-A0E9-85A5-076F-15D48EB17A60}"/>
+          </ac:spMkLst>
+        </pc:spChg>
+        <pc:spChg chg="mod">
+          <ac:chgData name="Luisa Dickenmann" userId="0c0840b0-1ae7-42c8-98b5-b02d8f71a603" providerId="ADAL" clId="{100BBC7B-7ACA-4A4D-BA33-DEF31D162335}" dt="2025-12-12T09:54:28.617" v="4098" actId="20577"/>
+          <ac:spMkLst>
+            <pc:docMk/>
+            <pc:sldMk cId="3026645936" sldId="288"/>
+            <ac:spMk id="3" creationId="{F28F0F0A-631B-70F5-5626-2DE0EA30D885}"/>
           </ac:spMkLst>
         </pc:spChg>
       </pc:sldChg>
@@ -1351,7 +1439,7 @@
           <a:p>
             <a:fld id="{205757B0-FBC9-4508-996A-3E224EB738F1}" type="datetimeFigureOut">
               <a:rPr lang="en-GB" smtClean="0"/>
-              <a:t>09/12/2025</a:t>
+              <a:t>12/12/2025</a:t>
             </a:fld>
             <a:endParaRPr lang="en-GB"/>
           </a:p>
@@ -1686,7 +1774,7 @@
           <a:p>
             <a:fld id="{00BEF3A4-E543-4418-A8C6-AC4DBC501A73}" type="slidenum">
               <a:rPr lang="en-GB" smtClean="0"/>
-              <a:t>14</a:t>
+              <a:t>16</a:t>
             </a:fld>
             <a:endParaRPr lang="en-GB"/>
           </a:p>
@@ -1749,6 +1837,90 @@
           <a:bodyPr/>
           <a:lstStyle/>
           <a:p>
+            <a:endParaRPr lang="en-GB" dirty="0"/>
+          </a:p>
+        </p:txBody>
+      </p:sp>
+      <p:sp>
+        <p:nvSpPr>
+          <p:cNvPr id="4" name="Slide Number Placeholder 3"/>
+          <p:cNvSpPr>
+            <a:spLocks noGrp="1"/>
+          </p:cNvSpPr>
+          <p:nvPr>
+            <p:ph type="sldNum" sz="quarter" idx="5"/>
+          </p:nvPr>
+        </p:nvSpPr>
+        <p:spPr/>
+        <p:txBody>
+          <a:bodyPr/>
+          <a:lstStyle/>
+          <a:p>
+            <a:fld id="{00BEF3A4-E543-4418-A8C6-AC4DBC501A73}" type="slidenum">
+              <a:rPr lang="en-GB" smtClean="0"/>
+              <a:t>26</a:t>
+            </a:fld>
+            <a:endParaRPr lang="en-GB"/>
+          </a:p>
+        </p:txBody>
+      </p:sp>
+    </p:spTree>
+    <p:extLst>
+      <p:ext uri="{BB962C8B-B14F-4D97-AF65-F5344CB8AC3E}">
+        <p14:creationId xmlns:p14="http://schemas.microsoft.com/office/powerpoint/2010/main" val="1916923163"/>
+      </p:ext>
+    </p:extLst>
+  </p:cSld>
+  <p:clrMapOvr>
+    <a:masterClrMapping/>
+  </p:clrMapOvr>
+</p:notes>
+</file>
+
+<file path=ppt/notesSlides/notesSlide3.xml><?xml version="1.0" encoding="utf-8"?>
+<p:notes xmlns:a="http://schemas.openxmlformats.org/drawingml/2006/main" xmlns:r="http://schemas.openxmlformats.org/officeDocument/2006/relationships" xmlns:p="http://schemas.openxmlformats.org/presentationml/2006/main">
+  <p:cSld>
+    <p:spTree>
+      <p:nvGrpSpPr>
+        <p:cNvPr id="1" name=""/>
+        <p:cNvGrpSpPr/>
+        <p:nvPr/>
+      </p:nvGrpSpPr>
+      <p:grpSpPr>
+        <a:xfrm>
+          <a:off x="0" y="0"/>
+          <a:ext cx="0" cy="0"/>
+          <a:chOff x="0" y="0"/>
+          <a:chExt cx="0" cy="0"/>
+        </a:xfrm>
+      </p:grpSpPr>
+      <p:sp>
+        <p:nvSpPr>
+          <p:cNvPr id="2" name="Slide Image Placeholder 1"/>
+          <p:cNvSpPr>
+            <a:spLocks noGrp="1" noRot="1" noChangeAspect="1"/>
+          </p:cNvSpPr>
+          <p:nvPr>
+            <p:ph type="sldImg"/>
+          </p:nvPr>
+        </p:nvSpPr>
+        <p:spPr/>
+      </p:sp>
+      <p:sp>
+        <p:nvSpPr>
+          <p:cNvPr id="3" name="Notes Placeholder 2"/>
+          <p:cNvSpPr>
+            <a:spLocks noGrp="1"/>
+          </p:cNvSpPr>
+          <p:nvPr>
+            <p:ph type="body" idx="1"/>
+          </p:nvPr>
+        </p:nvSpPr>
+        <p:spPr/>
+        <p:txBody>
+          <a:bodyPr/>
+          <a:lstStyle/>
+          <a:p>
             <a:r>
               <a:rPr lang="de-CH" dirty="0"/>
               <a:t>Plot met office daylength or temperature data </a:t>
@@ -1774,7 +1946,7 @@
           <a:p>
             <a:fld id="{00BEF3A4-E543-4418-A8C6-AC4DBC501A73}" type="slidenum">
               <a:rPr lang="en-GB" smtClean="0"/>
-              <a:t>24</a:t>
+              <a:t>28</a:t>
             </a:fld>
             <a:endParaRPr lang="en-GB"/>
           </a:p>
@@ -1989,7 +2161,7 @@
           <a:p>
             <a:fld id="{817C20B3-7C49-43C0-BA15-4AF729A94E81}" type="datetimeFigureOut">
               <a:rPr lang="en-GB" smtClean="0"/>
-              <a:t>09/12/2025</a:t>
+              <a:t>12/12/2025</a:t>
             </a:fld>
             <a:endParaRPr lang="en-GB"/>
           </a:p>
@@ -2210,7 +2382,7 @@
           <a:p>
             <a:fld id="{817C20B3-7C49-43C0-BA15-4AF729A94E81}" type="datetimeFigureOut">
               <a:rPr lang="en-GB" smtClean="0"/>
-              <a:t>09/12/2025</a:t>
+              <a:t>12/12/2025</a:t>
             </a:fld>
             <a:endParaRPr lang="en-GB"/>
           </a:p>
@@ -2390,7 +2562,7 @@
           <a:p>
             <a:fld id="{817C20B3-7C49-43C0-BA15-4AF729A94E81}" type="datetimeFigureOut">
               <a:rPr lang="en-GB" smtClean="0"/>
-              <a:t>09/12/2025</a:t>
+              <a:t>12/12/2025</a:t>
             </a:fld>
             <a:endParaRPr lang="en-GB"/>
           </a:p>
@@ -2560,7 +2732,7 @@
           <a:p>
             <a:fld id="{817C20B3-7C49-43C0-BA15-4AF729A94E81}" type="datetimeFigureOut">
               <a:rPr lang="en-GB" smtClean="0"/>
-              <a:t>09/12/2025</a:t>
+              <a:t>12/12/2025</a:t>
             </a:fld>
             <a:endParaRPr lang="en-GB"/>
           </a:p>
@@ -2811,7 +2983,7 @@
           <a:p>
             <a:fld id="{817C20B3-7C49-43C0-BA15-4AF729A94E81}" type="datetimeFigureOut">
               <a:rPr lang="en-GB" smtClean="0"/>
-              <a:t>09/12/2025</a:t>
+              <a:t>12/12/2025</a:t>
             </a:fld>
             <a:endParaRPr lang="en-GB"/>
           </a:p>
@@ -3134,7 +3306,7 @@
           <a:p>
             <a:fld id="{817C20B3-7C49-43C0-BA15-4AF729A94E81}" type="datetimeFigureOut">
               <a:rPr lang="en-GB" smtClean="0"/>
-              <a:t>09/12/2025</a:t>
+              <a:t>12/12/2025</a:t>
             </a:fld>
             <a:endParaRPr lang="en-GB"/>
           </a:p>
@@ -3558,7 +3730,7 @@
           <a:p>
             <a:fld id="{817C20B3-7C49-43C0-BA15-4AF729A94E81}" type="datetimeFigureOut">
               <a:rPr lang="en-GB" smtClean="0"/>
-              <a:t>09/12/2025</a:t>
+              <a:t>12/12/2025</a:t>
             </a:fld>
             <a:endParaRPr lang="en-GB"/>
           </a:p>
@@ -3676,7 +3848,7 @@
           <a:p>
             <a:fld id="{817C20B3-7C49-43C0-BA15-4AF729A94E81}" type="datetimeFigureOut">
               <a:rPr lang="en-GB" smtClean="0"/>
-              <a:t>09/12/2025</a:t>
+              <a:t>12/12/2025</a:t>
             </a:fld>
             <a:endParaRPr lang="en-GB"/>
           </a:p>
@@ -3771,7 +3943,7 @@
           <a:p>
             <a:fld id="{817C20B3-7C49-43C0-BA15-4AF729A94E81}" type="datetimeFigureOut">
               <a:rPr lang="en-GB" smtClean="0"/>
-              <a:t>09/12/2025</a:t>
+              <a:t>12/12/2025</a:t>
             </a:fld>
             <a:endParaRPr lang="en-GB"/>
           </a:p>
@@ -4061,7 +4233,7 @@
           <a:p>
             <a:fld id="{817C20B3-7C49-43C0-BA15-4AF729A94E81}" type="datetimeFigureOut">
               <a:rPr lang="en-GB" smtClean="0"/>
-              <a:t>09/12/2025</a:t>
+              <a:t>12/12/2025</a:t>
             </a:fld>
             <a:endParaRPr lang="en-GB"/>
           </a:p>
@@ -4333,7 +4505,7 @@
           <a:p>
             <a:fld id="{817C20B3-7C49-43C0-BA15-4AF729A94E81}" type="datetimeFigureOut">
               <a:rPr lang="en-GB" smtClean="0"/>
-              <a:t>09/12/2025</a:t>
+              <a:t>12/12/2025</a:t>
             </a:fld>
             <a:endParaRPr lang="en-GB"/>
           </a:p>
@@ -4587,7 +4759,7 @@
           <a:p>
             <a:fld id="{817C20B3-7C49-43C0-BA15-4AF729A94E81}" type="datetimeFigureOut">
               <a:rPr lang="en-GB" smtClean="0"/>
-              <a:t>09/12/2025</a:t>
+              <a:t>12/12/2025</a:t>
             </a:fld>
             <a:endParaRPr lang="en-GB"/>
           </a:p>
@@ -5147,175 +5319,68 @@
           <a:chExt cx="0" cy="0"/>
         </a:xfrm>
       </p:grpSpPr>
-      <p:pic>
-        <p:nvPicPr>
-          <p:cNvPr id="11" name="Content Placeholder 10">
+      <p:sp>
+        <p:nvSpPr>
+          <p:cNvPr id="2" name="Title 1">
             <a:extLst>
               <a:ext uri="{FF2B5EF4-FFF2-40B4-BE49-F238E27FC236}">
-                <a16:creationId xmlns:a16="http://schemas.microsoft.com/office/drawing/2014/main" id="{C5869241-031B-EBB0-A018-4867A27D2D22}"/>
+                <a16:creationId xmlns:a16="http://schemas.microsoft.com/office/drawing/2014/main" id="{BA21E4DD-A0E9-85A5-076F-15D48EB17A60}"/>
               </a:ext>
             </a:extLst>
           </p:cNvPr>
-          <p:cNvPicPr>
-            <a:picLocks noGrp="1" noChangeAspect="1"/>
-          </p:cNvPicPr>
+          <p:cNvSpPr>
+            <a:spLocks noGrp="1"/>
+          </p:cNvSpPr>
+          <p:nvPr>
+            <p:ph type="title"/>
+          </p:nvPr>
+        </p:nvSpPr>
+        <p:spPr/>
+        <p:txBody>
+          <a:bodyPr/>
+          <a:lstStyle/>
+          <a:p>
+            <a:r>
+              <a:rPr lang="de-CH" dirty="0"/>
+              <a:t>Interaction</a:t>
+            </a:r>
+            <a:endParaRPr lang="en-GB" dirty="0"/>
+          </a:p>
+        </p:txBody>
+      </p:sp>
+      <p:sp>
+        <p:nvSpPr>
+          <p:cNvPr id="3" name="Content Placeholder 2">
+            <a:extLst>
+              <a:ext uri="{FF2B5EF4-FFF2-40B4-BE49-F238E27FC236}">
+                <a16:creationId xmlns:a16="http://schemas.microsoft.com/office/drawing/2014/main" id="{F28F0F0A-631B-70F5-5626-2DE0EA30D885}"/>
+              </a:ext>
+            </a:extLst>
+          </p:cNvPr>
+          <p:cNvSpPr>
+            <a:spLocks noGrp="1"/>
+          </p:cNvSpPr>
           <p:nvPr>
             <p:ph idx="1"/>
           </p:nvPr>
-        </p:nvPicPr>
-        <p:blipFill>
-          <a:blip r:embed="rId2">
-            <a:extLst>
-              <a:ext uri="{28A0092B-C50C-407E-A947-70E740481C1C}">
-                <a14:useLocalDpi xmlns:a14="http://schemas.microsoft.com/office/drawing/2010/main" val="0"/>
-              </a:ext>
-            </a:extLst>
-          </a:blip>
-          <a:stretch>
-            <a:fillRect/>
-          </a:stretch>
-        </p:blipFill>
-        <p:spPr>
-          <a:xfrm>
-            <a:off x="833120" y="1423966"/>
-            <a:ext cx="10304635" cy="5210514"/>
-          </a:xfrm>
-        </p:spPr>
-      </p:pic>
-      <p:sp>
-        <p:nvSpPr>
-          <p:cNvPr id="2" name="Title 1">
-            <a:extLst>
-              <a:ext uri="{FF2B5EF4-FFF2-40B4-BE49-F238E27FC236}">
-                <a16:creationId xmlns:a16="http://schemas.microsoft.com/office/drawing/2014/main" id="{EC37FC25-0092-D266-9369-B42C8B0A2DCD}"/>
-              </a:ext>
-            </a:extLst>
-          </p:cNvPr>
-          <p:cNvSpPr>
-            <a:spLocks noGrp="1"/>
-          </p:cNvSpPr>
-          <p:nvPr>
-            <p:ph type="title"/>
-          </p:nvPr>
-        </p:nvSpPr>
-        <p:spPr>
-          <a:xfrm>
-            <a:off x="238760" y="223520"/>
-            <a:ext cx="9875520" cy="1356360"/>
-          </a:xfrm>
-        </p:spPr>
+        </p:nvSpPr>
+        <p:spPr/>
         <p:txBody>
           <a:bodyPr/>
           <a:lstStyle/>
           <a:p>
             <a:r>
               <a:rPr lang="de-CH" dirty="0"/>
-              <a:t>Height</a:t>
+              <a:t>Mortality based on type AND provenance</a:t>
             </a:r>
             <a:endParaRPr lang="en-GB" dirty="0"/>
-          </a:p>
-        </p:txBody>
-      </p:sp>
-      <p:sp>
-        <p:nvSpPr>
-          <p:cNvPr id="7" name="TextBox 6">
-            <a:extLst>
-              <a:ext uri="{FF2B5EF4-FFF2-40B4-BE49-F238E27FC236}">
-                <a16:creationId xmlns:a16="http://schemas.microsoft.com/office/drawing/2014/main" id="{48543C4B-69A1-290C-CEFB-6E8DFA1E1BD1}"/>
-              </a:ext>
-            </a:extLst>
-          </p:cNvPr>
-          <p:cNvSpPr txBox="1"/>
-          <p:nvPr/>
-        </p:nvSpPr>
-        <p:spPr>
-          <a:xfrm>
-            <a:off x="8776513" y="537367"/>
-            <a:ext cx="2675531" cy="400110"/>
-          </a:xfrm>
-          <a:prstGeom prst="rect">
-            <a:avLst/>
-          </a:prstGeom>
-          <a:noFill/>
-        </p:spPr>
-        <p:txBody>
-          <a:bodyPr wrap="square" rtlCol="0">
-            <a:spAutoFit/>
-          </a:bodyPr>
-          <a:lstStyle/>
-          <a:p>
-            <a:r>
-              <a:rPr lang="de-CH" sz="1000" dirty="0">
-                <a:solidFill>
-                  <a:schemeClr val="accent6">
-                    <a:lumMod val="75000"/>
-                  </a:schemeClr>
-                </a:solidFill>
-              </a:rPr>
-              <a:t>506 trees that are alive at both timepoints have height measurements</a:t>
-            </a:r>
-            <a:endParaRPr lang="en-GB" sz="1000" dirty="0">
-              <a:solidFill>
-                <a:schemeClr val="accent6">
-                  <a:lumMod val="75000"/>
-                </a:schemeClr>
-              </a:solidFill>
-            </a:endParaRPr>
-          </a:p>
-        </p:txBody>
-      </p:sp>
-      <p:sp>
-        <p:nvSpPr>
-          <p:cNvPr id="12" name="TextBox 11">
-            <a:extLst>
-              <a:ext uri="{FF2B5EF4-FFF2-40B4-BE49-F238E27FC236}">
-                <a16:creationId xmlns:a16="http://schemas.microsoft.com/office/drawing/2014/main" id="{86B23E41-3A5D-BCAF-834C-2A32E08422A5}"/>
-              </a:ext>
-            </a:extLst>
-          </p:cNvPr>
-          <p:cNvSpPr txBox="1"/>
-          <p:nvPr/>
-        </p:nvSpPr>
-        <p:spPr>
-          <a:xfrm>
-            <a:off x="8776514" y="1017566"/>
-            <a:ext cx="2675531" cy="400110"/>
-          </a:xfrm>
-          <a:prstGeom prst="rect">
-            <a:avLst/>
-          </a:prstGeom>
-          <a:noFill/>
-        </p:spPr>
-        <p:txBody>
-          <a:bodyPr wrap="square" rtlCol="0">
-            <a:spAutoFit/>
-          </a:bodyPr>
-          <a:lstStyle/>
-          <a:p>
-            <a:r>
-              <a:rPr lang="de-CH" sz="1000" dirty="0">
-                <a:solidFill>
-                  <a:schemeClr val="accent6">
-                    <a:lumMod val="75000"/>
-                  </a:schemeClr>
-                </a:solidFill>
-              </a:rPr>
-              <a:t>1 tree is alive at both and has DBB but not height</a:t>
-            </a:r>
-            <a:endParaRPr lang="en-GB" sz="1000" dirty="0">
-              <a:solidFill>
-                <a:schemeClr val="accent6">
-                  <a:lumMod val="75000"/>
-                </a:schemeClr>
-              </a:solidFill>
-            </a:endParaRPr>
           </a:p>
         </p:txBody>
       </p:sp>
     </p:spTree>
     <p:extLst>
       <p:ext uri="{BB962C8B-B14F-4D97-AF65-F5344CB8AC3E}">
-        <p14:creationId xmlns:p14="http://schemas.microsoft.com/office/powerpoint/2010/main" val="2740833318"/>
+        <p14:creationId xmlns:p14="http://schemas.microsoft.com/office/powerpoint/2010/main" val="3026645936"/>
       </p:ext>
     </p:extLst>
   </p:cSld>
@@ -5344,10 +5409,10 @@
       </p:grpSpPr>
       <p:pic>
         <p:nvPicPr>
-          <p:cNvPr id="5" name="Content Placeholder 4" descr="A diagram of different colored squares&#10;&#10;AI-generated content may be incorrect.">
+          <p:cNvPr id="12" name="Content Placeholder 11" descr="A graph with red lines and numbers&#10;&#10;AI-generated content may be incorrect.">
             <a:extLst>
               <a:ext uri="{FF2B5EF4-FFF2-40B4-BE49-F238E27FC236}">
-                <a16:creationId xmlns:a16="http://schemas.microsoft.com/office/drawing/2014/main" id="{73E0993F-5E9C-1D30-1C0B-6E7EB90E7028}"/>
+                <a16:creationId xmlns:a16="http://schemas.microsoft.com/office/drawing/2014/main" id="{BD49C6AC-C674-843D-C8F1-02241A71B122}"/>
               </a:ext>
             </a:extLst>
           </p:cNvPr>
@@ -5366,13 +5431,13 @@
               </a:ext>
             </a:extLst>
           </a:blip>
-          <a:srcRect t="6225"/>
+          <a:srcRect t="6070"/>
           <a:stretch/>
         </p:blipFill>
         <p:spPr>
           <a:xfrm>
-            <a:off x="1786756" y="1766126"/>
-            <a:ext cx="8618487" cy="4856480"/>
+            <a:off x="544941" y="1310640"/>
+            <a:ext cx="11102118" cy="5273040"/>
           </a:xfrm>
         </p:spPr>
       </p:pic>
@@ -5381,7 +5446,7 @@
           <p:cNvPr id="2" name="Title 1">
             <a:extLst>
               <a:ext uri="{FF2B5EF4-FFF2-40B4-BE49-F238E27FC236}">
-                <a16:creationId xmlns:a16="http://schemas.microsoft.com/office/drawing/2014/main" id="{186B59D3-816C-2A57-089A-EA265D288680}"/>
+                <a16:creationId xmlns:a16="http://schemas.microsoft.com/office/drawing/2014/main" id="{DED8D4A8-9316-1F4F-4391-A51F0AE12446}"/>
               </a:ext>
             </a:extLst>
           </p:cNvPr>
@@ -5394,7 +5459,7 @@
         </p:nvSpPr>
         <p:spPr>
           <a:xfrm>
-            <a:off x="238760" y="213360"/>
+            <a:off x="238760" y="274320"/>
             <a:ext cx="9875520" cy="1356360"/>
           </a:xfrm>
         </p:spPr>
@@ -5404,7 +5469,7 @@
           <a:p>
             <a:r>
               <a:rPr lang="de-CH" dirty="0"/>
-              <a:t>Height – by Provenance</a:t>
+              <a:t>DBB</a:t>
             </a:r>
             <a:endParaRPr lang="en-GB" dirty="0"/>
           </a:p>
@@ -5412,10 +5477,10 @@
       </p:sp>
       <p:sp>
         <p:nvSpPr>
-          <p:cNvPr id="6" name="TextBox 5">
+          <p:cNvPr id="3" name="TextBox 2">
             <a:extLst>
               <a:ext uri="{FF2B5EF4-FFF2-40B4-BE49-F238E27FC236}">
-                <a16:creationId xmlns:a16="http://schemas.microsoft.com/office/drawing/2014/main" id="{85B2C7B7-4BA9-EB08-7CDD-E8CB7044D6E1}"/>
+                <a16:creationId xmlns:a16="http://schemas.microsoft.com/office/drawing/2014/main" id="{7FC9CC8D-5E27-7D11-D30C-DB30F7B517A9}"/>
               </a:ext>
             </a:extLst>
           </p:cNvPr>
@@ -5424,8 +5489,8 @@
         </p:nvSpPr>
         <p:spPr>
           <a:xfrm>
-            <a:off x="8270240" y="670560"/>
-            <a:ext cx="2661920" cy="923330"/>
+            <a:off x="9193074" y="552390"/>
+            <a:ext cx="2675531" cy="400110"/>
           </a:xfrm>
           <a:prstGeom prst="rect">
             <a:avLst/>
@@ -5439,219 +5504,29 @@
           <a:lstStyle/>
           <a:p>
             <a:r>
-              <a:rPr lang="de-CH" dirty="0">
-                <a:solidFill>
-                  <a:srgbClr val="FF0000"/>
-                </a:solidFill>
-              </a:rPr>
-              <a:t>How many height values for each provenance?</a:t>
-            </a:r>
-          </a:p>
-          <a:p>
-            <a:r>
-              <a:rPr lang="de-CH" dirty="0">
-                <a:solidFill>
-                  <a:srgbClr val="FF0000"/>
-                </a:solidFill>
-              </a:rPr>
-              <a:t>How many NAs</a:t>
-            </a:r>
-            <a:endParaRPr lang="en-GB" dirty="0">
-              <a:solidFill>
-                <a:srgbClr val="FF0000"/>
-              </a:solidFill>
-            </a:endParaRPr>
-          </a:p>
-        </p:txBody>
-      </p:sp>
-      <p:cxnSp>
-        <p:nvCxnSpPr>
-          <p:cNvPr id="7" name="Straight Connector 6">
-            <a:extLst>
-              <a:ext uri="{FF2B5EF4-FFF2-40B4-BE49-F238E27FC236}">
-                <a16:creationId xmlns:a16="http://schemas.microsoft.com/office/drawing/2014/main" id="{19059EA4-2DBF-0663-3CBB-735422399593}"/>
-              </a:ext>
-            </a:extLst>
-          </p:cNvPr>
-          <p:cNvCxnSpPr>
-            <a:cxnSpLocks/>
-          </p:cNvCxnSpPr>
-          <p:nvPr/>
-        </p:nvCxnSpPr>
-        <p:spPr>
-          <a:xfrm flipV="1">
-            <a:off x="6745584" y="2254710"/>
-            <a:ext cx="2088872" cy="2986"/>
-          </a:xfrm>
-          <a:prstGeom prst="line">
-            <a:avLst/>
-          </a:prstGeom>
-          <a:ln>
-            <a:solidFill>
-              <a:schemeClr val="accent6">
-                <a:lumMod val="75000"/>
-              </a:schemeClr>
-            </a:solidFill>
-          </a:ln>
-        </p:spPr>
-        <p:style>
-          <a:lnRef idx="2">
-            <a:schemeClr val="accent1"/>
-          </a:lnRef>
-          <a:fillRef idx="0">
-            <a:schemeClr val="accent1"/>
-          </a:fillRef>
-          <a:effectRef idx="1">
-            <a:schemeClr val="accent1"/>
-          </a:effectRef>
-          <a:fontRef idx="minor">
-            <a:schemeClr val="tx1"/>
-          </a:fontRef>
-        </p:style>
-      </p:cxnSp>
-      <p:sp>
-        <p:nvSpPr>
-          <p:cNvPr id="8" name="TextBox 7">
-            <a:extLst>
-              <a:ext uri="{FF2B5EF4-FFF2-40B4-BE49-F238E27FC236}">
-                <a16:creationId xmlns:a16="http://schemas.microsoft.com/office/drawing/2014/main" id="{B4B09F37-05AB-B6E9-E388-410DADB688E9}"/>
-              </a:ext>
-            </a:extLst>
-          </p:cNvPr>
-          <p:cNvSpPr txBox="1"/>
-          <p:nvPr/>
-        </p:nvSpPr>
-        <p:spPr>
-          <a:xfrm>
-            <a:off x="7450347" y="1996473"/>
-            <a:ext cx="679347" cy="364074"/>
-          </a:xfrm>
-          <a:prstGeom prst="rect">
-            <a:avLst/>
-          </a:prstGeom>
-          <a:noFill/>
-          <a:ln>
-            <a:noFill/>
-          </a:ln>
-        </p:spPr>
-        <p:txBody>
-          <a:bodyPr wrap="square" rtlCol="0">
-            <a:spAutoFit/>
-          </a:bodyPr>
-          <a:lstStyle/>
-          <a:p>
-            <a:pPr algn="ctr"/>
-            <a:r>
-              <a:rPr lang="en-GB" sz="1766" b="1" dirty="0">
+              <a:rPr lang="de-CH" sz="1000" dirty="0">
                 <a:solidFill>
                   <a:schemeClr val="accent6">
                     <a:lumMod val="75000"/>
                   </a:schemeClr>
                 </a:solidFill>
-                <a:latin typeface="Helvetica" panose="020B0604020202020204"/>
-                <a:cs typeface="Helvetica" panose="020B0604020202020204"/>
               </a:rPr>
-              <a:t>*</a:t>
-            </a:r>
-          </a:p>
-        </p:txBody>
-      </p:sp>
-      <p:cxnSp>
-        <p:nvCxnSpPr>
-          <p:cNvPr id="12" name="Straight Connector 11">
-            <a:extLst>
-              <a:ext uri="{FF2B5EF4-FFF2-40B4-BE49-F238E27FC236}">
-                <a16:creationId xmlns:a16="http://schemas.microsoft.com/office/drawing/2014/main" id="{FCE061F1-94C7-639C-91D4-CFA492EA4128}"/>
-              </a:ext>
-            </a:extLst>
-          </p:cNvPr>
-          <p:cNvCxnSpPr>
-            <a:cxnSpLocks/>
-          </p:cNvCxnSpPr>
-          <p:nvPr/>
-        </p:nvCxnSpPr>
-        <p:spPr>
-          <a:xfrm flipV="1">
-            <a:off x="3790687" y="2254710"/>
-            <a:ext cx="2088872" cy="2986"/>
-          </a:xfrm>
-          <a:prstGeom prst="line">
-            <a:avLst/>
-          </a:prstGeom>
-          <a:ln>
-            <a:solidFill>
-              <a:schemeClr val="accent6">
-                <a:lumMod val="75000"/>
-              </a:schemeClr>
-            </a:solidFill>
-          </a:ln>
-        </p:spPr>
-        <p:style>
-          <a:lnRef idx="2">
-            <a:schemeClr val="accent1"/>
-          </a:lnRef>
-          <a:fillRef idx="0">
-            <a:schemeClr val="accent1"/>
-          </a:fillRef>
-          <a:effectRef idx="1">
-            <a:schemeClr val="accent1"/>
-          </a:effectRef>
-          <a:fontRef idx="minor">
-            <a:schemeClr val="tx1"/>
-          </a:fontRef>
-        </p:style>
-      </p:cxnSp>
-      <p:sp>
-        <p:nvSpPr>
-          <p:cNvPr id="13" name="TextBox 12">
-            <a:extLst>
-              <a:ext uri="{FF2B5EF4-FFF2-40B4-BE49-F238E27FC236}">
-                <a16:creationId xmlns:a16="http://schemas.microsoft.com/office/drawing/2014/main" id="{2544A9C5-D7E0-7596-44AC-D0B1CF22A9BF}"/>
-              </a:ext>
-            </a:extLst>
-          </p:cNvPr>
-          <p:cNvSpPr txBox="1"/>
-          <p:nvPr/>
-        </p:nvSpPr>
-        <p:spPr>
-          <a:xfrm>
-            <a:off x="4495450" y="1996473"/>
-            <a:ext cx="679347" cy="364074"/>
-          </a:xfrm>
-          <a:prstGeom prst="rect">
-            <a:avLst/>
-          </a:prstGeom>
-          <a:noFill/>
-          <a:ln>
-            <a:noFill/>
-          </a:ln>
-        </p:spPr>
-        <p:txBody>
-          <a:bodyPr wrap="square" rtlCol="0">
-            <a:spAutoFit/>
-          </a:bodyPr>
-          <a:lstStyle/>
-          <a:p>
-            <a:pPr algn="ctr"/>
-            <a:r>
-              <a:rPr lang="en-GB" sz="1766" b="1" dirty="0">
-                <a:solidFill>
-                  <a:schemeClr val="accent6">
-                    <a:lumMod val="75000"/>
-                  </a:schemeClr>
-                </a:solidFill>
-                <a:latin typeface="Helvetica" panose="020B0604020202020204"/>
-                <a:cs typeface="Helvetica" panose="020B0604020202020204"/>
-              </a:rPr>
-              <a:t>*</a:t>
-            </a:r>
+              <a:t>506 trees that are alive at both timepoints have DBB measurements</a:t>
+            </a:r>
+            <a:endParaRPr lang="en-GB" sz="1000" dirty="0">
+              <a:solidFill>
+                <a:schemeClr val="accent6">
+                  <a:lumMod val="75000"/>
+                </a:schemeClr>
+              </a:solidFill>
+            </a:endParaRPr>
           </a:p>
         </p:txBody>
       </p:sp>
     </p:spTree>
     <p:extLst>
       <p:ext uri="{BB962C8B-B14F-4D97-AF65-F5344CB8AC3E}">
-        <p14:creationId xmlns:p14="http://schemas.microsoft.com/office/powerpoint/2010/main" val="2468455985"/>
+        <p14:creationId xmlns:p14="http://schemas.microsoft.com/office/powerpoint/2010/main" val="4154756640"/>
       </p:ext>
     </p:extLst>
   </p:cSld>
@@ -5678,12 +5553,47 @@
           <a:chExt cx="0" cy="0"/>
         </a:xfrm>
       </p:grpSpPr>
+      <p:pic>
+        <p:nvPicPr>
+          <p:cNvPr id="11" name="Content Placeholder 10">
+            <a:extLst>
+              <a:ext uri="{FF2B5EF4-FFF2-40B4-BE49-F238E27FC236}">
+                <a16:creationId xmlns:a16="http://schemas.microsoft.com/office/drawing/2014/main" id="{C5869241-031B-EBB0-A018-4867A27D2D22}"/>
+              </a:ext>
+            </a:extLst>
+          </p:cNvPr>
+          <p:cNvPicPr>
+            <a:picLocks noGrp="1" noChangeAspect="1"/>
+          </p:cNvPicPr>
+          <p:nvPr>
+            <p:ph idx="1"/>
+          </p:nvPr>
+        </p:nvPicPr>
+        <p:blipFill>
+          <a:blip r:embed="rId2">
+            <a:extLst>
+              <a:ext uri="{28A0092B-C50C-407E-A947-70E740481C1C}">
+                <a14:useLocalDpi xmlns:a14="http://schemas.microsoft.com/office/drawing/2010/main" val="0"/>
+              </a:ext>
+            </a:extLst>
+          </a:blip>
+          <a:stretch>
+            <a:fillRect/>
+          </a:stretch>
+        </p:blipFill>
+        <p:spPr>
+          <a:xfrm>
+            <a:off x="833120" y="1423966"/>
+            <a:ext cx="10304635" cy="5210514"/>
+          </a:xfrm>
+        </p:spPr>
+      </p:pic>
       <p:sp>
         <p:nvSpPr>
           <p:cNvPr id="2" name="Title 1">
             <a:extLst>
               <a:ext uri="{FF2B5EF4-FFF2-40B4-BE49-F238E27FC236}">
-                <a16:creationId xmlns:a16="http://schemas.microsoft.com/office/drawing/2014/main" id="{88E45658-7DE4-99A0-DD6E-14745BC00932}"/>
+                <a16:creationId xmlns:a16="http://schemas.microsoft.com/office/drawing/2014/main" id="{EC37FC25-0092-D266-9369-B42C8B0A2DCD}"/>
               </a:ext>
             </a:extLst>
           </p:cNvPr>
@@ -5696,7 +5606,7 @@
         </p:nvSpPr>
         <p:spPr>
           <a:xfrm>
-            <a:off x="238760" y="203200"/>
+            <a:off x="238760" y="223520"/>
             <a:ext cx="9875520" cy="1356360"/>
           </a:xfrm>
         </p:spPr>
@@ -5706,7 +5616,7 @@
           <a:p>
             <a:r>
               <a:rPr lang="de-CH" dirty="0"/>
-              <a:t>Height – by Type</a:t>
+              <a:t>Height</a:t>
             </a:r>
             <a:endParaRPr lang="en-GB" dirty="0"/>
           </a:p>
@@ -5714,10 +5624,10 @@
       </p:sp>
       <p:sp>
         <p:nvSpPr>
-          <p:cNvPr id="6" name="TextBox 5">
+          <p:cNvPr id="7" name="TextBox 6">
             <a:extLst>
               <a:ext uri="{FF2B5EF4-FFF2-40B4-BE49-F238E27FC236}">
-                <a16:creationId xmlns:a16="http://schemas.microsoft.com/office/drawing/2014/main" id="{BC044F4B-72E6-AB1B-4698-07642C2B12A6}"/>
+                <a16:creationId xmlns:a16="http://schemas.microsoft.com/office/drawing/2014/main" id="{48543C4B-69A1-290C-CEFB-6E8DFA1E1BD1}"/>
               </a:ext>
             </a:extLst>
           </p:cNvPr>
@@ -5726,8 +5636,8 @@
         </p:nvSpPr>
         <p:spPr>
           <a:xfrm>
-            <a:off x="8280400" y="561955"/>
-            <a:ext cx="2661920" cy="923330"/>
+            <a:off x="8776513" y="537367"/>
+            <a:ext cx="2675531" cy="400110"/>
           </a:xfrm>
           <a:prstGeom prst="rect">
             <a:avLst/>
@@ -5741,208 +5651,31 @@
           <a:lstStyle/>
           <a:p>
             <a:r>
-              <a:rPr lang="de-CH" dirty="0">
-                <a:solidFill>
-                  <a:srgbClr val="FF0000"/>
-                </a:solidFill>
-              </a:rPr>
-              <a:t>How many height values for each type?</a:t>
-            </a:r>
-          </a:p>
-          <a:p>
-            <a:r>
-              <a:rPr lang="de-CH" dirty="0">
-                <a:solidFill>
-                  <a:srgbClr val="FF0000"/>
-                </a:solidFill>
-              </a:rPr>
-              <a:t>How many Nas?</a:t>
-            </a:r>
-            <a:endParaRPr lang="en-GB" dirty="0">
-              <a:solidFill>
-                <a:srgbClr val="FF0000"/>
-              </a:solidFill>
-            </a:endParaRPr>
-          </a:p>
-        </p:txBody>
-      </p:sp>
-      <p:pic>
-        <p:nvPicPr>
-          <p:cNvPr id="10" name="Content Placeholder 9" descr="A diagram of different colored rectangles&#10;&#10;AI-generated content may be incorrect.">
-            <a:extLst>
-              <a:ext uri="{FF2B5EF4-FFF2-40B4-BE49-F238E27FC236}">
-                <a16:creationId xmlns:a16="http://schemas.microsoft.com/office/drawing/2014/main" id="{8BA279B2-C990-BC1D-5784-CB13A3FEFDBE}"/>
-              </a:ext>
-            </a:extLst>
-          </p:cNvPr>
-          <p:cNvPicPr>
-            <a:picLocks noGrp="1" noChangeAspect="1"/>
-          </p:cNvPicPr>
-          <p:nvPr>
-            <p:ph idx="1"/>
-          </p:nvPr>
-        </p:nvPicPr>
-        <p:blipFill>
-          <a:blip r:embed="rId2">
-            <a:extLst>
-              <a:ext uri="{28A0092B-C50C-407E-A947-70E740481C1C}">
-                <a14:useLocalDpi xmlns:a14="http://schemas.microsoft.com/office/drawing/2010/main" val="0"/>
-              </a:ext>
-            </a:extLst>
-          </a:blip>
-          <a:srcRect t="5930"/>
-          <a:stretch/>
-        </p:blipFill>
-        <p:spPr>
-          <a:xfrm>
-            <a:off x="1273629" y="1479925"/>
-            <a:ext cx="9002485" cy="5088833"/>
-          </a:xfrm>
-        </p:spPr>
-      </p:pic>
-      <p:cxnSp>
-        <p:nvCxnSpPr>
-          <p:cNvPr id="4" name="Straight Connector 3">
-            <a:extLst>
-              <a:ext uri="{FF2B5EF4-FFF2-40B4-BE49-F238E27FC236}">
-                <a16:creationId xmlns:a16="http://schemas.microsoft.com/office/drawing/2014/main" id="{799FF156-1706-02AD-E8DE-8029EE35527A}"/>
-              </a:ext>
-            </a:extLst>
-          </p:cNvPr>
-          <p:cNvCxnSpPr>
-            <a:cxnSpLocks/>
-          </p:cNvCxnSpPr>
-          <p:nvPr/>
-        </p:nvCxnSpPr>
-        <p:spPr>
-          <a:xfrm flipV="1">
-            <a:off x="3434552" y="2697258"/>
-            <a:ext cx="2088872" cy="2986"/>
-          </a:xfrm>
-          <a:prstGeom prst="line">
-            <a:avLst/>
-          </a:prstGeom>
-          <a:ln>
-            <a:solidFill>
-              <a:schemeClr val="accent6">
-                <a:lumMod val="75000"/>
-              </a:schemeClr>
-            </a:solidFill>
-          </a:ln>
-        </p:spPr>
-        <p:style>
-          <a:lnRef idx="2">
-            <a:schemeClr val="accent1"/>
-          </a:lnRef>
-          <a:fillRef idx="0">
-            <a:schemeClr val="accent1"/>
-          </a:fillRef>
-          <a:effectRef idx="1">
-            <a:schemeClr val="accent1"/>
-          </a:effectRef>
-          <a:fontRef idx="minor">
-            <a:schemeClr val="tx1"/>
-          </a:fontRef>
-        </p:style>
-      </p:cxnSp>
-      <p:sp>
-        <p:nvSpPr>
-          <p:cNvPr id="5" name="TextBox 4">
-            <a:extLst>
-              <a:ext uri="{FF2B5EF4-FFF2-40B4-BE49-F238E27FC236}">
-                <a16:creationId xmlns:a16="http://schemas.microsoft.com/office/drawing/2014/main" id="{0B94D3B1-D2D1-C219-BFFD-F4DB6DC8B9BB}"/>
-              </a:ext>
-            </a:extLst>
-          </p:cNvPr>
-          <p:cNvSpPr txBox="1"/>
-          <p:nvPr/>
-        </p:nvSpPr>
-        <p:spPr>
-          <a:xfrm>
-            <a:off x="4139315" y="2439021"/>
-            <a:ext cx="679347" cy="364074"/>
-          </a:xfrm>
-          <a:prstGeom prst="rect">
-            <a:avLst/>
-          </a:prstGeom>
-          <a:noFill/>
-          <a:ln>
-            <a:noFill/>
-          </a:ln>
-        </p:spPr>
-        <p:txBody>
-          <a:bodyPr wrap="square" rtlCol="0">
-            <a:spAutoFit/>
-          </a:bodyPr>
-          <a:lstStyle/>
-          <a:p>
-            <a:pPr algn="ctr"/>
-            <a:r>
-              <a:rPr lang="en-GB" sz="1766" b="1" dirty="0">
+              <a:rPr lang="de-CH" sz="1000" dirty="0">
                 <a:solidFill>
                   <a:schemeClr val="accent6">
                     <a:lumMod val="75000"/>
                   </a:schemeClr>
                 </a:solidFill>
-                <a:latin typeface="Helvetica" panose="020B0604020202020204"/>
-                <a:cs typeface="Helvetica" panose="020B0604020202020204"/>
               </a:rPr>
-              <a:t>*</a:t>
-            </a:r>
-          </a:p>
-        </p:txBody>
-      </p:sp>
-      <p:cxnSp>
-        <p:nvCxnSpPr>
-          <p:cNvPr id="7" name="Straight Connector 6">
+              <a:t>506 trees that are alive at both timepoints have height measurements</a:t>
+            </a:r>
+            <a:endParaRPr lang="en-GB" sz="1000" dirty="0">
+              <a:solidFill>
+                <a:schemeClr val="accent6">
+                  <a:lumMod val="75000"/>
+                </a:schemeClr>
+              </a:solidFill>
+            </a:endParaRPr>
+          </a:p>
+        </p:txBody>
+      </p:sp>
+      <p:sp>
+        <p:nvSpPr>
+          <p:cNvPr id="12" name="TextBox 11">
             <a:extLst>
               <a:ext uri="{FF2B5EF4-FFF2-40B4-BE49-F238E27FC236}">
-                <a16:creationId xmlns:a16="http://schemas.microsoft.com/office/drawing/2014/main" id="{EF7AD5F4-45BE-97EA-56EB-EB3658392A22}"/>
-              </a:ext>
-            </a:extLst>
-          </p:cNvPr>
-          <p:cNvCxnSpPr>
-            <a:cxnSpLocks/>
-          </p:cNvCxnSpPr>
-          <p:nvPr/>
-        </p:nvCxnSpPr>
-        <p:spPr>
-          <a:xfrm flipV="1">
-            <a:off x="6328904" y="2400269"/>
-            <a:ext cx="2088872" cy="2986"/>
-          </a:xfrm>
-          <a:prstGeom prst="line">
-            <a:avLst/>
-          </a:prstGeom>
-          <a:ln>
-            <a:solidFill>
-              <a:schemeClr val="accent6">
-                <a:lumMod val="75000"/>
-              </a:schemeClr>
-            </a:solidFill>
-          </a:ln>
-        </p:spPr>
-        <p:style>
-          <a:lnRef idx="2">
-            <a:schemeClr val="accent1"/>
-          </a:lnRef>
-          <a:fillRef idx="0">
-            <a:schemeClr val="accent1"/>
-          </a:fillRef>
-          <a:effectRef idx="1">
-            <a:schemeClr val="accent1"/>
-          </a:effectRef>
-          <a:fontRef idx="minor">
-            <a:schemeClr val="tx1"/>
-          </a:fontRef>
-        </p:style>
-      </p:cxnSp>
-      <p:sp>
-        <p:nvSpPr>
-          <p:cNvPr id="8" name="TextBox 7">
-            <a:extLst>
-              <a:ext uri="{FF2B5EF4-FFF2-40B4-BE49-F238E27FC236}">
-                <a16:creationId xmlns:a16="http://schemas.microsoft.com/office/drawing/2014/main" id="{47F509E7-DF81-6201-EAEF-76C19805D2B3}"/>
+                <a16:creationId xmlns:a16="http://schemas.microsoft.com/office/drawing/2014/main" id="{86B23E41-3A5D-BCAF-834C-2A32E08422A5}"/>
               </a:ext>
             </a:extLst>
           </p:cNvPr>
@@ -5951,16 +5684,13 @@
         </p:nvSpPr>
         <p:spPr>
           <a:xfrm>
-            <a:off x="7033667" y="2142032"/>
-            <a:ext cx="679347" cy="364074"/>
+            <a:off x="8776514" y="1017566"/>
+            <a:ext cx="2675531" cy="400110"/>
           </a:xfrm>
           <a:prstGeom prst="rect">
             <a:avLst/>
           </a:prstGeom>
           <a:noFill/>
-          <a:ln>
-            <a:noFill/>
-          </a:ln>
         </p:spPr>
         <p:txBody>
           <a:bodyPr wrap="square" rtlCol="0">
@@ -5968,118 +5698,30 @@
           </a:bodyPr>
           <a:lstStyle/>
           <a:p>
-            <a:pPr algn="ctr"/>
-            <a:r>
-              <a:rPr lang="en-GB" sz="1766" b="1" dirty="0">
+            <a:r>
+              <a:rPr lang="de-CH" sz="1000" dirty="0">
                 <a:solidFill>
                   <a:schemeClr val="accent6">
                     <a:lumMod val="75000"/>
                   </a:schemeClr>
                 </a:solidFill>
-                <a:latin typeface="Helvetica" panose="020B0604020202020204"/>
-                <a:cs typeface="Helvetica" panose="020B0604020202020204"/>
               </a:rPr>
-              <a:t>*</a:t>
-            </a:r>
-          </a:p>
-        </p:txBody>
-      </p:sp>
-      <p:cxnSp>
-        <p:nvCxnSpPr>
-          <p:cNvPr id="9" name="Straight Connector 8">
-            <a:extLst>
-              <a:ext uri="{FF2B5EF4-FFF2-40B4-BE49-F238E27FC236}">
-                <a16:creationId xmlns:a16="http://schemas.microsoft.com/office/drawing/2014/main" id="{9856D891-6E77-53B9-A5ED-9F3C0CB4763A}"/>
-              </a:ext>
-            </a:extLst>
-          </p:cNvPr>
-          <p:cNvCxnSpPr>
-            <a:cxnSpLocks/>
-          </p:cNvCxnSpPr>
-          <p:nvPr/>
-        </p:nvCxnSpPr>
-        <p:spPr>
-          <a:xfrm>
-            <a:off x="3434552" y="1722714"/>
-            <a:ext cx="4983224" cy="0"/>
-          </a:xfrm>
-          <a:prstGeom prst="line">
-            <a:avLst/>
-          </a:prstGeom>
-          <a:ln>
-            <a:solidFill>
-              <a:schemeClr val="accent6">
-                <a:lumMod val="75000"/>
-              </a:schemeClr>
-            </a:solidFill>
-          </a:ln>
-        </p:spPr>
-        <p:style>
-          <a:lnRef idx="2">
-            <a:schemeClr val="accent1"/>
-          </a:lnRef>
-          <a:fillRef idx="0">
-            <a:schemeClr val="accent1"/>
-          </a:fillRef>
-          <a:effectRef idx="1">
-            <a:schemeClr val="accent1"/>
-          </a:effectRef>
-          <a:fontRef idx="minor">
-            <a:schemeClr val="tx1"/>
-          </a:fontRef>
-        </p:style>
-      </p:cxnSp>
-      <p:sp>
-        <p:nvSpPr>
-          <p:cNvPr id="11" name="TextBox 10">
-            <a:extLst>
-              <a:ext uri="{FF2B5EF4-FFF2-40B4-BE49-F238E27FC236}">
-                <a16:creationId xmlns:a16="http://schemas.microsoft.com/office/drawing/2014/main" id="{925679F4-CF01-D594-4512-3725711039C9}"/>
-              </a:ext>
-            </a:extLst>
-          </p:cNvPr>
-          <p:cNvSpPr txBox="1"/>
-          <p:nvPr/>
-        </p:nvSpPr>
-        <p:spPr>
-          <a:xfrm>
-            <a:off x="5649557" y="1406376"/>
-            <a:ext cx="679347" cy="364074"/>
-          </a:xfrm>
-          <a:prstGeom prst="rect">
-            <a:avLst/>
-          </a:prstGeom>
-          <a:noFill/>
-          <a:ln>
-            <a:noFill/>
-          </a:ln>
-        </p:spPr>
-        <p:txBody>
-          <a:bodyPr wrap="square" rtlCol="0">
-            <a:spAutoFit/>
-          </a:bodyPr>
-          <a:lstStyle/>
-          <a:p>
-            <a:pPr algn="ctr"/>
-            <a:r>
-              <a:rPr lang="en-GB" sz="1766" b="1" dirty="0">
-                <a:solidFill>
-                  <a:schemeClr val="accent6">
-                    <a:lumMod val="75000"/>
-                  </a:schemeClr>
-                </a:solidFill>
-                <a:latin typeface="Helvetica" panose="020B0604020202020204"/>
-                <a:cs typeface="Helvetica" panose="020B0604020202020204"/>
-              </a:rPr>
-              <a:t>*</a:t>
-            </a:r>
+              <a:t>1 tree is alive at both and has DBB but not height</a:t>
+            </a:r>
+            <a:endParaRPr lang="en-GB" sz="1000" dirty="0">
+              <a:solidFill>
+                <a:schemeClr val="accent6">
+                  <a:lumMod val="75000"/>
+                </a:schemeClr>
+              </a:solidFill>
+            </a:endParaRPr>
           </a:p>
         </p:txBody>
       </p:sp>
     </p:spTree>
     <p:extLst>
       <p:ext uri="{BB962C8B-B14F-4D97-AF65-F5344CB8AC3E}">
-        <p14:creationId xmlns:p14="http://schemas.microsoft.com/office/powerpoint/2010/main" val="522262804"/>
+        <p14:creationId xmlns:p14="http://schemas.microsoft.com/office/powerpoint/2010/main" val="2740833318"/>
       </p:ext>
     </p:extLst>
   </p:cSld>
@@ -6106,12 +5748,46 @@
           <a:chExt cx="0" cy="0"/>
         </a:xfrm>
       </p:grpSpPr>
+      <p:pic>
+        <p:nvPicPr>
+          <p:cNvPr id="5" name="Content Placeholder 4" descr="A diagram of different colored squares&#10;&#10;AI-generated content may be incorrect.">
+            <a:extLst>
+              <a:ext uri="{FF2B5EF4-FFF2-40B4-BE49-F238E27FC236}">
+                <a16:creationId xmlns:a16="http://schemas.microsoft.com/office/drawing/2014/main" id="{73E0993F-5E9C-1D30-1C0B-6E7EB90E7028}"/>
+              </a:ext>
+            </a:extLst>
+          </p:cNvPr>
+          <p:cNvPicPr>
+            <a:picLocks noGrp="1" noChangeAspect="1"/>
+          </p:cNvPicPr>
+          <p:nvPr>
+            <p:ph idx="1"/>
+          </p:nvPr>
+        </p:nvPicPr>
+        <p:blipFill>
+          <a:blip r:embed="rId2">
+            <a:extLst>
+              <a:ext uri="{28A0092B-C50C-407E-A947-70E740481C1C}">
+                <a14:useLocalDpi xmlns:a14="http://schemas.microsoft.com/office/drawing/2010/main" val="0"/>
+              </a:ext>
+            </a:extLst>
+          </a:blip>
+          <a:srcRect t="6225"/>
+          <a:stretch/>
+        </p:blipFill>
+        <p:spPr>
+          <a:xfrm>
+            <a:off x="1786756" y="1766126"/>
+            <a:ext cx="8618487" cy="4856480"/>
+          </a:xfrm>
+        </p:spPr>
+      </p:pic>
       <p:sp>
         <p:nvSpPr>
           <p:cNvPr id="2" name="Title 1">
             <a:extLst>
               <a:ext uri="{FF2B5EF4-FFF2-40B4-BE49-F238E27FC236}">
-                <a16:creationId xmlns:a16="http://schemas.microsoft.com/office/drawing/2014/main" id="{453C67C6-7C6F-9EC2-BC2C-F591BF4901DA}"/>
+                <a16:creationId xmlns:a16="http://schemas.microsoft.com/office/drawing/2014/main" id="{186B59D3-816C-2A57-089A-EA265D288680}"/>
               </a:ext>
             </a:extLst>
           </p:cNvPr>
@@ -6124,7 +5800,7 @@
         </p:nvSpPr>
         <p:spPr>
           <a:xfrm>
-            <a:off x="239618" y="212992"/>
+            <a:off x="238760" y="213360"/>
             <a:ext cx="9875520" cy="1356360"/>
           </a:xfrm>
         </p:spPr>
@@ -6134,7 +5810,7 @@
           <a:p>
             <a:r>
               <a:rPr lang="de-CH" dirty="0"/>
-              <a:t>Budset &amp; Budburst</a:t>
+              <a:t>Height – by Provenance</a:t>
             </a:r>
             <a:endParaRPr lang="en-GB" dirty="0"/>
           </a:p>
@@ -6142,99 +5818,246 @@
       </p:sp>
       <p:sp>
         <p:nvSpPr>
-          <p:cNvPr id="3" name="Content Placeholder 2">
+          <p:cNvPr id="6" name="TextBox 5">
             <a:extLst>
               <a:ext uri="{FF2B5EF4-FFF2-40B4-BE49-F238E27FC236}">
-                <a16:creationId xmlns:a16="http://schemas.microsoft.com/office/drawing/2014/main" id="{4667D288-CBE2-F195-7FFC-C90ACACBE117}"/>
+                <a16:creationId xmlns:a16="http://schemas.microsoft.com/office/drawing/2014/main" id="{85B2C7B7-4BA9-EB08-7CDD-E8CB7044D6E1}"/>
               </a:ext>
             </a:extLst>
           </p:cNvPr>
-          <p:cNvSpPr>
-            <a:spLocks noGrp="1"/>
-          </p:cNvSpPr>
-          <p:nvPr>
-            <p:ph idx="1"/>
-          </p:nvPr>
-        </p:nvSpPr>
-        <p:spPr>
-          <a:xfrm>
-            <a:off x="933680" y="1569352"/>
-            <a:ext cx="9872871" cy="4038600"/>
-          </a:xfrm>
-        </p:spPr>
-        <p:txBody>
-          <a:bodyPr/>
-          <a:lstStyle/>
-          <a:p>
-            <a:r>
-              <a:rPr lang="de-CH" dirty="0"/>
-              <a:t>Date of planting: 20-23/6/2023</a:t>
-            </a:r>
-          </a:p>
-          <a:p>
-            <a:r>
-              <a:rPr lang="de-CH" dirty="0"/>
-              <a:t>Budset period: 11/9/2023 – 17/5/2024</a:t>
-            </a:r>
-          </a:p>
-          <a:p>
-            <a:r>
-              <a:rPr lang="de-CH" dirty="0"/>
-              <a:t>Budburst period: 2/2/2024 – 22/5/2024</a:t>
-            </a:r>
-          </a:p>
-          <a:p>
-            <a:endParaRPr lang="de-CH" dirty="0"/>
-          </a:p>
-          <a:p>
-            <a:r>
-              <a:rPr lang="de-CH" u="sng" dirty="0"/>
-              <a:t>Sample sizes:</a:t>
-            </a:r>
-          </a:p>
-          <a:p>
-            <a:pPr lvl="1"/>
-            <a:r>
-              <a:rPr lang="de-CH" sz="2200" dirty="0"/>
-              <a:t>Budset: 549 trees</a:t>
-            </a:r>
-          </a:p>
-          <a:p>
-            <a:pPr lvl="1"/>
-            <a:r>
-              <a:rPr lang="de-CH" sz="2200" dirty="0"/>
-              <a:t>Budburst: 575 trees</a:t>
-            </a:r>
-          </a:p>
-          <a:p>
-            <a:pPr lvl="2"/>
-            <a:r>
-              <a:rPr lang="de-CH" sz="2000" dirty="0"/>
-              <a:t>(Maybe 26 didn’t have noticeable buds?)</a:t>
-            </a:r>
-          </a:p>
-          <a:p>
-            <a:pPr lvl="1"/>
-            <a:r>
-              <a:rPr lang="de-CH" sz="2200" dirty="0"/>
-              <a:t>Budset &amp; Budburst: 529 trees have data (~85%)</a:t>
-            </a:r>
-          </a:p>
-          <a:p>
-            <a:endParaRPr lang="de-CH" dirty="0"/>
-          </a:p>
-          <a:p>
-            <a:endParaRPr lang="de-CH" dirty="0"/>
-          </a:p>
-          <a:p>
-            <a:endParaRPr lang="en-GB" dirty="0"/>
+          <p:cNvSpPr txBox="1"/>
+          <p:nvPr/>
+        </p:nvSpPr>
+        <p:spPr>
+          <a:xfrm>
+            <a:off x="8270240" y="670560"/>
+            <a:ext cx="2661920" cy="923330"/>
+          </a:xfrm>
+          <a:prstGeom prst="rect">
+            <a:avLst/>
+          </a:prstGeom>
+          <a:noFill/>
+        </p:spPr>
+        <p:txBody>
+          <a:bodyPr wrap="square" rtlCol="0">
+            <a:spAutoFit/>
+          </a:bodyPr>
+          <a:lstStyle/>
+          <a:p>
+            <a:r>
+              <a:rPr lang="de-CH" dirty="0">
+                <a:solidFill>
+                  <a:srgbClr val="FF0000"/>
+                </a:solidFill>
+              </a:rPr>
+              <a:t>How many height values for each provenance?</a:t>
+            </a:r>
+          </a:p>
+          <a:p>
+            <a:r>
+              <a:rPr lang="de-CH" dirty="0">
+                <a:solidFill>
+                  <a:srgbClr val="FF0000"/>
+                </a:solidFill>
+              </a:rPr>
+              <a:t>How many NAs</a:t>
+            </a:r>
+            <a:endParaRPr lang="en-GB" dirty="0">
+              <a:solidFill>
+                <a:srgbClr val="FF0000"/>
+              </a:solidFill>
+            </a:endParaRPr>
+          </a:p>
+        </p:txBody>
+      </p:sp>
+      <p:cxnSp>
+        <p:nvCxnSpPr>
+          <p:cNvPr id="7" name="Straight Connector 6">
+            <a:extLst>
+              <a:ext uri="{FF2B5EF4-FFF2-40B4-BE49-F238E27FC236}">
+                <a16:creationId xmlns:a16="http://schemas.microsoft.com/office/drawing/2014/main" id="{19059EA4-2DBF-0663-3CBB-735422399593}"/>
+              </a:ext>
+            </a:extLst>
+          </p:cNvPr>
+          <p:cNvCxnSpPr>
+            <a:cxnSpLocks/>
+          </p:cNvCxnSpPr>
+          <p:nvPr/>
+        </p:nvCxnSpPr>
+        <p:spPr>
+          <a:xfrm flipV="1">
+            <a:off x="6745584" y="2254710"/>
+            <a:ext cx="2088872" cy="2986"/>
+          </a:xfrm>
+          <a:prstGeom prst="line">
+            <a:avLst/>
+          </a:prstGeom>
+          <a:ln>
+            <a:solidFill>
+              <a:schemeClr val="accent6">
+                <a:lumMod val="75000"/>
+              </a:schemeClr>
+            </a:solidFill>
+          </a:ln>
+        </p:spPr>
+        <p:style>
+          <a:lnRef idx="2">
+            <a:schemeClr val="accent1"/>
+          </a:lnRef>
+          <a:fillRef idx="0">
+            <a:schemeClr val="accent1"/>
+          </a:fillRef>
+          <a:effectRef idx="1">
+            <a:schemeClr val="accent1"/>
+          </a:effectRef>
+          <a:fontRef idx="minor">
+            <a:schemeClr val="tx1"/>
+          </a:fontRef>
+        </p:style>
+      </p:cxnSp>
+      <p:sp>
+        <p:nvSpPr>
+          <p:cNvPr id="8" name="TextBox 7">
+            <a:extLst>
+              <a:ext uri="{FF2B5EF4-FFF2-40B4-BE49-F238E27FC236}">
+                <a16:creationId xmlns:a16="http://schemas.microsoft.com/office/drawing/2014/main" id="{B4B09F37-05AB-B6E9-E388-410DADB688E9}"/>
+              </a:ext>
+            </a:extLst>
+          </p:cNvPr>
+          <p:cNvSpPr txBox="1"/>
+          <p:nvPr/>
+        </p:nvSpPr>
+        <p:spPr>
+          <a:xfrm>
+            <a:off x="7450347" y="1996473"/>
+            <a:ext cx="679347" cy="364074"/>
+          </a:xfrm>
+          <a:prstGeom prst="rect">
+            <a:avLst/>
+          </a:prstGeom>
+          <a:noFill/>
+          <a:ln>
+            <a:noFill/>
+          </a:ln>
+        </p:spPr>
+        <p:txBody>
+          <a:bodyPr wrap="square" rtlCol="0">
+            <a:spAutoFit/>
+          </a:bodyPr>
+          <a:lstStyle/>
+          <a:p>
+            <a:pPr algn="ctr"/>
+            <a:r>
+              <a:rPr lang="en-GB" sz="1766" b="1" dirty="0">
+                <a:solidFill>
+                  <a:schemeClr val="accent6">
+                    <a:lumMod val="75000"/>
+                  </a:schemeClr>
+                </a:solidFill>
+                <a:latin typeface="Helvetica" panose="020B0604020202020204"/>
+                <a:cs typeface="Helvetica" panose="020B0604020202020204"/>
+              </a:rPr>
+              <a:t>*</a:t>
+            </a:r>
+          </a:p>
+        </p:txBody>
+      </p:sp>
+      <p:cxnSp>
+        <p:nvCxnSpPr>
+          <p:cNvPr id="12" name="Straight Connector 11">
+            <a:extLst>
+              <a:ext uri="{FF2B5EF4-FFF2-40B4-BE49-F238E27FC236}">
+                <a16:creationId xmlns:a16="http://schemas.microsoft.com/office/drawing/2014/main" id="{FCE061F1-94C7-639C-91D4-CFA492EA4128}"/>
+              </a:ext>
+            </a:extLst>
+          </p:cNvPr>
+          <p:cNvCxnSpPr>
+            <a:cxnSpLocks/>
+          </p:cNvCxnSpPr>
+          <p:nvPr/>
+        </p:nvCxnSpPr>
+        <p:spPr>
+          <a:xfrm flipV="1">
+            <a:off x="3790687" y="2254710"/>
+            <a:ext cx="2088872" cy="2986"/>
+          </a:xfrm>
+          <a:prstGeom prst="line">
+            <a:avLst/>
+          </a:prstGeom>
+          <a:ln>
+            <a:solidFill>
+              <a:schemeClr val="accent6">
+                <a:lumMod val="75000"/>
+              </a:schemeClr>
+            </a:solidFill>
+          </a:ln>
+        </p:spPr>
+        <p:style>
+          <a:lnRef idx="2">
+            <a:schemeClr val="accent1"/>
+          </a:lnRef>
+          <a:fillRef idx="0">
+            <a:schemeClr val="accent1"/>
+          </a:fillRef>
+          <a:effectRef idx="1">
+            <a:schemeClr val="accent1"/>
+          </a:effectRef>
+          <a:fontRef idx="minor">
+            <a:schemeClr val="tx1"/>
+          </a:fontRef>
+        </p:style>
+      </p:cxnSp>
+      <p:sp>
+        <p:nvSpPr>
+          <p:cNvPr id="13" name="TextBox 12">
+            <a:extLst>
+              <a:ext uri="{FF2B5EF4-FFF2-40B4-BE49-F238E27FC236}">
+                <a16:creationId xmlns:a16="http://schemas.microsoft.com/office/drawing/2014/main" id="{2544A9C5-D7E0-7596-44AC-D0B1CF22A9BF}"/>
+              </a:ext>
+            </a:extLst>
+          </p:cNvPr>
+          <p:cNvSpPr txBox="1"/>
+          <p:nvPr/>
+        </p:nvSpPr>
+        <p:spPr>
+          <a:xfrm>
+            <a:off x="4495450" y="1996473"/>
+            <a:ext cx="679347" cy="364074"/>
+          </a:xfrm>
+          <a:prstGeom prst="rect">
+            <a:avLst/>
+          </a:prstGeom>
+          <a:noFill/>
+          <a:ln>
+            <a:noFill/>
+          </a:ln>
+        </p:spPr>
+        <p:txBody>
+          <a:bodyPr wrap="square" rtlCol="0">
+            <a:spAutoFit/>
+          </a:bodyPr>
+          <a:lstStyle/>
+          <a:p>
+            <a:pPr algn="ctr"/>
+            <a:r>
+              <a:rPr lang="en-GB" sz="1766" b="1" dirty="0">
+                <a:solidFill>
+                  <a:schemeClr val="accent6">
+                    <a:lumMod val="75000"/>
+                  </a:schemeClr>
+                </a:solidFill>
+                <a:latin typeface="Helvetica" panose="020B0604020202020204"/>
+                <a:cs typeface="Helvetica" panose="020B0604020202020204"/>
+              </a:rPr>
+              <a:t>*</a:t>
+            </a:r>
           </a:p>
         </p:txBody>
       </p:sp>
     </p:spTree>
     <p:extLst>
       <p:ext uri="{BB962C8B-B14F-4D97-AF65-F5344CB8AC3E}">
-        <p14:creationId xmlns:p14="http://schemas.microsoft.com/office/powerpoint/2010/main" val="536145808"/>
+        <p14:creationId xmlns:p14="http://schemas.microsoft.com/office/powerpoint/2010/main" val="2468455985"/>
       </p:ext>
     </p:extLst>
   </p:cSld>
@@ -6266,7 +6089,7 @@
           <p:cNvPr id="2" name="Title 1">
             <a:extLst>
               <a:ext uri="{FF2B5EF4-FFF2-40B4-BE49-F238E27FC236}">
-                <a16:creationId xmlns:a16="http://schemas.microsoft.com/office/drawing/2014/main" id="{32D9D9BF-2B66-09AD-138F-36386DDD5CDD}"/>
+                <a16:creationId xmlns:a16="http://schemas.microsoft.com/office/drawing/2014/main" id="{88E45658-7DE4-99A0-DD6E-14745BC00932}"/>
               </a:ext>
             </a:extLst>
           </p:cNvPr>
@@ -6279,7 +6102,7 @@
         </p:nvSpPr>
         <p:spPr>
           <a:xfrm>
-            <a:off x="189848" y="263545"/>
+            <a:off x="238760" y="203200"/>
             <a:ext cx="9875520" cy="1356360"/>
           </a:xfrm>
         </p:spPr>
@@ -6289,18 +6112,72 @@
           <a:p>
             <a:r>
               <a:rPr lang="de-CH" dirty="0"/>
-              <a:t>Budset – by provenance</a:t>
+              <a:t>Height – by Type</a:t>
             </a:r>
             <a:endParaRPr lang="en-GB" dirty="0"/>
+          </a:p>
+        </p:txBody>
+      </p:sp>
+      <p:sp>
+        <p:nvSpPr>
+          <p:cNvPr id="6" name="TextBox 5">
+            <a:extLst>
+              <a:ext uri="{FF2B5EF4-FFF2-40B4-BE49-F238E27FC236}">
+                <a16:creationId xmlns:a16="http://schemas.microsoft.com/office/drawing/2014/main" id="{BC044F4B-72E6-AB1B-4698-07642C2B12A6}"/>
+              </a:ext>
+            </a:extLst>
+          </p:cNvPr>
+          <p:cNvSpPr txBox="1"/>
+          <p:nvPr/>
+        </p:nvSpPr>
+        <p:spPr>
+          <a:xfrm>
+            <a:off x="8280400" y="561955"/>
+            <a:ext cx="2661920" cy="923330"/>
+          </a:xfrm>
+          <a:prstGeom prst="rect">
+            <a:avLst/>
+          </a:prstGeom>
+          <a:noFill/>
+        </p:spPr>
+        <p:txBody>
+          <a:bodyPr wrap="square" rtlCol="0">
+            <a:spAutoFit/>
+          </a:bodyPr>
+          <a:lstStyle/>
+          <a:p>
+            <a:r>
+              <a:rPr lang="de-CH" dirty="0">
+                <a:solidFill>
+                  <a:srgbClr val="FF0000"/>
+                </a:solidFill>
+              </a:rPr>
+              <a:t>How many height values for each type?</a:t>
+            </a:r>
+          </a:p>
+          <a:p>
+            <a:r>
+              <a:rPr lang="de-CH" dirty="0">
+                <a:solidFill>
+                  <a:srgbClr val="FF0000"/>
+                </a:solidFill>
+              </a:rPr>
+              <a:t>How many Nas?</a:t>
+            </a:r>
+            <a:endParaRPr lang="en-GB" dirty="0">
+              <a:solidFill>
+                <a:srgbClr val="FF0000"/>
+              </a:solidFill>
+            </a:endParaRPr>
           </a:p>
         </p:txBody>
       </p:sp>
       <p:pic>
         <p:nvPicPr>
-          <p:cNvPr id="5" name="Content Placeholder 4">
+          <p:cNvPr id="10" name="Content Placeholder 9" descr="A diagram of different colored rectangles&#10;&#10;AI-generated content may be incorrect.">
             <a:extLst>
               <a:ext uri="{FF2B5EF4-FFF2-40B4-BE49-F238E27FC236}">
-                <a16:creationId xmlns:a16="http://schemas.microsoft.com/office/drawing/2014/main" id="{C81AF245-CF10-C522-E0CE-18AABCB35AA8}"/>
+                <a16:creationId xmlns:a16="http://schemas.microsoft.com/office/drawing/2014/main" id="{8BA279B2-C990-BC1D-5784-CB13A3FEFDBE}"/>
               </a:ext>
             </a:extLst>
           </p:cNvPr>
@@ -6312,101 +6189,29 @@
           </p:nvPr>
         </p:nvPicPr>
         <p:blipFill>
-          <a:blip r:embed="rId3">
+          <a:blip r:embed="rId2">
             <a:extLst>
               <a:ext uri="{28A0092B-C50C-407E-A947-70E740481C1C}">
                 <a14:useLocalDpi xmlns:a14="http://schemas.microsoft.com/office/drawing/2010/main" val="0"/>
               </a:ext>
             </a:extLst>
           </a:blip>
-          <a:srcRect t="7493"/>
+          <a:srcRect t="5930"/>
           <a:stretch/>
         </p:blipFill>
         <p:spPr>
           <a:xfrm>
-            <a:off x="739264" y="1597014"/>
-            <a:ext cx="8776687" cy="4878756"/>
+            <a:off x="1273629" y="1479925"/>
+            <a:ext cx="9002485" cy="5088833"/>
           </a:xfrm>
         </p:spPr>
       </p:pic>
-      <p:sp>
-        <p:nvSpPr>
-          <p:cNvPr id="3" name="TextBox 2">
-            <a:extLst>
-              <a:ext uri="{FF2B5EF4-FFF2-40B4-BE49-F238E27FC236}">
-                <a16:creationId xmlns:a16="http://schemas.microsoft.com/office/drawing/2014/main" id="{3FEE3C62-7A17-B683-8845-1CC05C605A19}"/>
-              </a:ext>
-            </a:extLst>
-          </p:cNvPr>
-          <p:cNvSpPr txBox="1"/>
-          <p:nvPr/>
-        </p:nvSpPr>
-        <p:spPr>
-          <a:xfrm>
-            <a:off x="9588376" y="1785484"/>
-            <a:ext cx="1864360" cy="923330"/>
-          </a:xfrm>
-          <a:prstGeom prst="rect">
-            <a:avLst/>
-          </a:prstGeom>
-          <a:noFill/>
-        </p:spPr>
-        <p:txBody>
-          <a:bodyPr wrap="square" rtlCol="0">
-            <a:spAutoFit/>
-          </a:bodyPr>
-          <a:lstStyle/>
-          <a:p>
-            <a:r>
-              <a:rPr lang="de-CH" dirty="0"/>
-              <a:t>Even distribution between provenances</a:t>
-            </a:r>
-            <a:endParaRPr lang="en-GB" dirty="0"/>
-          </a:p>
-        </p:txBody>
-      </p:sp>
-      <p:sp>
-        <p:nvSpPr>
-          <p:cNvPr id="9" name="TextBox 8">
-            <a:extLst>
-              <a:ext uri="{FF2B5EF4-FFF2-40B4-BE49-F238E27FC236}">
-                <a16:creationId xmlns:a16="http://schemas.microsoft.com/office/drawing/2014/main" id="{B0C60FA7-6976-A204-5DB2-FA364834CB49}"/>
-              </a:ext>
-            </a:extLst>
-          </p:cNvPr>
-          <p:cNvSpPr txBox="1"/>
-          <p:nvPr/>
-        </p:nvSpPr>
-        <p:spPr>
-          <a:xfrm>
-            <a:off x="9755959" y="5948124"/>
-            <a:ext cx="2131350" cy="646331"/>
-          </a:xfrm>
-          <a:prstGeom prst="rect">
-            <a:avLst/>
-          </a:prstGeom>
-          <a:noFill/>
-        </p:spPr>
-        <p:txBody>
-          <a:bodyPr wrap="square">
-            <a:spAutoFit/>
-          </a:bodyPr>
-          <a:lstStyle/>
-          <a:p>
-            <a:pPr algn="ctr"/>
-            <a:r>
-              <a:rPr lang="en-GB" dirty="0"/>
-              <a:t>Origin date = 10/09/2023</a:t>
-            </a:r>
-          </a:p>
-        </p:txBody>
-      </p:sp>
       <p:cxnSp>
         <p:nvCxnSpPr>
-          <p:cNvPr id="10" name="Straight Connector 9">
+          <p:cNvPr id="4" name="Straight Connector 3">
             <a:extLst>
               <a:ext uri="{FF2B5EF4-FFF2-40B4-BE49-F238E27FC236}">
-                <a16:creationId xmlns:a16="http://schemas.microsoft.com/office/drawing/2014/main" id="{627207B2-C399-F774-B53B-5CE49BA29F56}"/>
+                <a16:creationId xmlns:a16="http://schemas.microsoft.com/office/drawing/2014/main" id="{799FF156-1706-02AD-E8DE-8029EE35527A}"/>
               </a:ext>
             </a:extLst>
           </p:cNvPr>
@@ -6417,7 +6222,7 @@
         </p:nvCxnSpPr>
         <p:spPr>
           <a:xfrm flipV="1">
-            <a:off x="5792742" y="1762532"/>
+            <a:off x="3434552" y="2697258"/>
             <a:ext cx="2088872" cy="2986"/>
           </a:xfrm>
           <a:prstGeom prst="line">
@@ -6448,6 +6253,607 @@
       </p:cxnSp>
       <p:sp>
         <p:nvSpPr>
+          <p:cNvPr id="5" name="TextBox 4">
+            <a:extLst>
+              <a:ext uri="{FF2B5EF4-FFF2-40B4-BE49-F238E27FC236}">
+                <a16:creationId xmlns:a16="http://schemas.microsoft.com/office/drawing/2014/main" id="{0B94D3B1-D2D1-C219-BFFD-F4DB6DC8B9BB}"/>
+              </a:ext>
+            </a:extLst>
+          </p:cNvPr>
+          <p:cNvSpPr txBox="1"/>
+          <p:nvPr/>
+        </p:nvSpPr>
+        <p:spPr>
+          <a:xfrm>
+            <a:off x="4139315" y="2439021"/>
+            <a:ext cx="679347" cy="364074"/>
+          </a:xfrm>
+          <a:prstGeom prst="rect">
+            <a:avLst/>
+          </a:prstGeom>
+          <a:noFill/>
+          <a:ln>
+            <a:noFill/>
+          </a:ln>
+        </p:spPr>
+        <p:txBody>
+          <a:bodyPr wrap="square" rtlCol="0">
+            <a:spAutoFit/>
+          </a:bodyPr>
+          <a:lstStyle/>
+          <a:p>
+            <a:pPr algn="ctr"/>
+            <a:r>
+              <a:rPr lang="en-GB" sz="1766" b="1" dirty="0">
+                <a:solidFill>
+                  <a:schemeClr val="accent6">
+                    <a:lumMod val="75000"/>
+                  </a:schemeClr>
+                </a:solidFill>
+                <a:latin typeface="Helvetica" panose="020B0604020202020204"/>
+                <a:cs typeface="Helvetica" panose="020B0604020202020204"/>
+              </a:rPr>
+              <a:t>*</a:t>
+            </a:r>
+          </a:p>
+        </p:txBody>
+      </p:sp>
+      <p:cxnSp>
+        <p:nvCxnSpPr>
+          <p:cNvPr id="7" name="Straight Connector 6">
+            <a:extLst>
+              <a:ext uri="{FF2B5EF4-FFF2-40B4-BE49-F238E27FC236}">
+                <a16:creationId xmlns:a16="http://schemas.microsoft.com/office/drawing/2014/main" id="{EF7AD5F4-45BE-97EA-56EB-EB3658392A22}"/>
+              </a:ext>
+            </a:extLst>
+          </p:cNvPr>
+          <p:cNvCxnSpPr>
+            <a:cxnSpLocks/>
+          </p:cNvCxnSpPr>
+          <p:nvPr/>
+        </p:nvCxnSpPr>
+        <p:spPr>
+          <a:xfrm flipV="1">
+            <a:off x="6328904" y="2400269"/>
+            <a:ext cx="2088872" cy="2986"/>
+          </a:xfrm>
+          <a:prstGeom prst="line">
+            <a:avLst/>
+          </a:prstGeom>
+          <a:ln>
+            <a:solidFill>
+              <a:schemeClr val="accent6">
+                <a:lumMod val="75000"/>
+              </a:schemeClr>
+            </a:solidFill>
+          </a:ln>
+        </p:spPr>
+        <p:style>
+          <a:lnRef idx="2">
+            <a:schemeClr val="accent1"/>
+          </a:lnRef>
+          <a:fillRef idx="0">
+            <a:schemeClr val="accent1"/>
+          </a:fillRef>
+          <a:effectRef idx="1">
+            <a:schemeClr val="accent1"/>
+          </a:effectRef>
+          <a:fontRef idx="minor">
+            <a:schemeClr val="tx1"/>
+          </a:fontRef>
+        </p:style>
+      </p:cxnSp>
+      <p:sp>
+        <p:nvSpPr>
+          <p:cNvPr id="8" name="TextBox 7">
+            <a:extLst>
+              <a:ext uri="{FF2B5EF4-FFF2-40B4-BE49-F238E27FC236}">
+                <a16:creationId xmlns:a16="http://schemas.microsoft.com/office/drawing/2014/main" id="{47F509E7-DF81-6201-EAEF-76C19805D2B3}"/>
+              </a:ext>
+            </a:extLst>
+          </p:cNvPr>
+          <p:cNvSpPr txBox="1"/>
+          <p:nvPr/>
+        </p:nvSpPr>
+        <p:spPr>
+          <a:xfrm>
+            <a:off x="7033667" y="2142032"/>
+            <a:ext cx="679347" cy="364074"/>
+          </a:xfrm>
+          <a:prstGeom prst="rect">
+            <a:avLst/>
+          </a:prstGeom>
+          <a:noFill/>
+          <a:ln>
+            <a:noFill/>
+          </a:ln>
+        </p:spPr>
+        <p:txBody>
+          <a:bodyPr wrap="square" rtlCol="0">
+            <a:spAutoFit/>
+          </a:bodyPr>
+          <a:lstStyle/>
+          <a:p>
+            <a:pPr algn="ctr"/>
+            <a:r>
+              <a:rPr lang="en-GB" sz="1766" b="1" dirty="0">
+                <a:solidFill>
+                  <a:schemeClr val="accent6">
+                    <a:lumMod val="75000"/>
+                  </a:schemeClr>
+                </a:solidFill>
+                <a:latin typeface="Helvetica" panose="020B0604020202020204"/>
+                <a:cs typeface="Helvetica" panose="020B0604020202020204"/>
+              </a:rPr>
+              <a:t>*</a:t>
+            </a:r>
+          </a:p>
+        </p:txBody>
+      </p:sp>
+      <p:cxnSp>
+        <p:nvCxnSpPr>
+          <p:cNvPr id="9" name="Straight Connector 8">
+            <a:extLst>
+              <a:ext uri="{FF2B5EF4-FFF2-40B4-BE49-F238E27FC236}">
+                <a16:creationId xmlns:a16="http://schemas.microsoft.com/office/drawing/2014/main" id="{9856D891-6E77-53B9-A5ED-9F3C0CB4763A}"/>
+              </a:ext>
+            </a:extLst>
+          </p:cNvPr>
+          <p:cNvCxnSpPr>
+            <a:cxnSpLocks/>
+          </p:cNvCxnSpPr>
+          <p:nvPr/>
+        </p:nvCxnSpPr>
+        <p:spPr>
+          <a:xfrm>
+            <a:off x="3434552" y="1722714"/>
+            <a:ext cx="4983224" cy="0"/>
+          </a:xfrm>
+          <a:prstGeom prst="line">
+            <a:avLst/>
+          </a:prstGeom>
+          <a:ln>
+            <a:solidFill>
+              <a:schemeClr val="accent6">
+                <a:lumMod val="75000"/>
+              </a:schemeClr>
+            </a:solidFill>
+          </a:ln>
+        </p:spPr>
+        <p:style>
+          <a:lnRef idx="2">
+            <a:schemeClr val="accent1"/>
+          </a:lnRef>
+          <a:fillRef idx="0">
+            <a:schemeClr val="accent1"/>
+          </a:fillRef>
+          <a:effectRef idx="1">
+            <a:schemeClr val="accent1"/>
+          </a:effectRef>
+          <a:fontRef idx="minor">
+            <a:schemeClr val="tx1"/>
+          </a:fontRef>
+        </p:style>
+      </p:cxnSp>
+      <p:sp>
+        <p:nvSpPr>
+          <p:cNvPr id="11" name="TextBox 10">
+            <a:extLst>
+              <a:ext uri="{FF2B5EF4-FFF2-40B4-BE49-F238E27FC236}">
+                <a16:creationId xmlns:a16="http://schemas.microsoft.com/office/drawing/2014/main" id="{925679F4-CF01-D594-4512-3725711039C9}"/>
+              </a:ext>
+            </a:extLst>
+          </p:cNvPr>
+          <p:cNvSpPr txBox="1"/>
+          <p:nvPr/>
+        </p:nvSpPr>
+        <p:spPr>
+          <a:xfrm>
+            <a:off x="5649557" y="1406376"/>
+            <a:ext cx="679347" cy="364074"/>
+          </a:xfrm>
+          <a:prstGeom prst="rect">
+            <a:avLst/>
+          </a:prstGeom>
+          <a:noFill/>
+          <a:ln>
+            <a:noFill/>
+          </a:ln>
+        </p:spPr>
+        <p:txBody>
+          <a:bodyPr wrap="square" rtlCol="0">
+            <a:spAutoFit/>
+          </a:bodyPr>
+          <a:lstStyle/>
+          <a:p>
+            <a:pPr algn="ctr"/>
+            <a:r>
+              <a:rPr lang="en-GB" sz="1766" b="1" dirty="0">
+                <a:solidFill>
+                  <a:schemeClr val="accent6">
+                    <a:lumMod val="75000"/>
+                  </a:schemeClr>
+                </a:solidFill>
+                <a:latin typeface="Helvetica" panose="020B0604020202020204"/>
+                <a:cs typeface="Helvetica" panose="020B0604020202020204"/>
+              </a:rPr>
+              <a:t>*</a:t>
+            </a:r>
+          </a:p>
+        </p:txBody>
+      </p:sp>
+    </p:spTree>
+    <p:extLst>
+      <p:ext uri="{BB962C8B-B14F-4D97-AF65-F5344CB8AC3E}">
+        <p14:creationId xmlns:p14="http://schemas.microsoft.com/office/powerpoint/2010/main" val="522262804"/>
+      </p:ext>
+    </p:extLst>
+  </p:cSld>
+  <p:clrMapOvr>
+    <a:masterClrMapping/>
+  </p:clrMapOvr>
+</p:sld>
+</file>
+
+<file path=ppt/slides/slide15.xml><?xml version="1.0" encoding="utf-8"?>
+<p:sld xmlns:a="http://schemas.openxmlformats.org/drawingml/2006/main" xmlns:r="http://schemas.openxmlformats.org/officeDocument/2006/relationships" xmlns:p="http://schemas.openxmlformats.org/presentationml/2006/main">
+  <p:cSld>
+    <p:spTree>
+      <p:nvGrpSpPr>
+        <p:cNvPr id="1" name=""/>
+        <p:cNvGrpSpPr/>
+        <p:nvPr/>
+      </p:nvGrpSpPr>
+      <p:grpSpPr>
+        <a:xfrm>
+          <a:off x="0" y="0"/>
+          <a:ext cx="0" cy="0"/>
+          <a:chOff x="0" y="0"/>
+          <a:chExt cx="0" cy="0"/>
+        </a:xfrm>
+      </p:grpSpPr>
+      <p:sp>
+        <p:nvSpPr>
+          <p:cNvPr id="2" name="Title 1">
+            <a:extLst>
+              <a:ext uri="{FF2B5EF4-FFF2-40B4-BE49-F238E27FC236}">
+                <a16:creationId xmlns:a16="http://schemas.microsoft.com/office/drawing/2014/main" id="{453C67C6-7C6F-9EC2-BC2C-F591BF4901DA}"/>
+              </a:ext>
+            </a:extLst>
+          </p:cNvPr>
+          <p:cNvSpPr>
+            <a:spLocks noGrp="1"/>
+          </p:cNvSpPr>
+          <p:nvPr>
+            <p:ph type="title"/>
+          </p:nvPr>
+        </p:nvSpPr>
+        <p:spPr>
+          <a:xfrm>
+            <a:off x="239618" y="212992"/>
+            <a:ext cx="9875520" cy="1356360"/>
+          </a:xfrm>
+        </p:spPr>
+        <p:txBody>
+          <a:bodyPr/>
+          <a:lstStyle/>
+          <a:p>
+            <a:r>
+              <a:rPr lang="de-CH" dirty="0"/>
+              <a:t>Budset &amp; Budburst</a:t>
+            </a:r>
+            <a:endParaRPr lang="en-GB" dirty="0"/>
+          </a:p>
+        </p:txBody>
+      </p:sp>
+      <p:sp>
+        <p:nvSpPr>
+          <p:cNvPr id="3" name="Content Placeholder 2">
+            <a:extLst>
+              <a:ext uri="{FF2B5EF4-FFF2-40B4-BE49-F238E27FC236}">
+                <a16:creationId xmlns:a16="http://schemas.microsoft.com/office/drawing/2014/main" id="{4667D288-CBE2-F195-7FFC-C90ACACBE117}"/>
+              </a:ext>
+            </a:extLst>
+          </p:cNvPr>
+          <p:cNvSpPr>
+            <a:spLocks noGrp="1"/>
+          </p:cNvSpPr>
+          <p:nvPr>
+            <p:ph idx="1"/>
+          </p:nvPr>
+        </p:nvSpPr>
+        <p:spPr>
+          <a:xfrm>
+            <a:off x="933680" y="1569352"/>
+            <a:ext cx="9872871" cy="4038600"/>
+          </a:xfrm>
+        </p:spPr>
+        <p:txBody>
+          <a:bodyPr/>
+          <a:lstStyle/>
+          <a:p>
+            <a:r>
+              <a:rPr lang="de-CH" dirty="0"/>
+              <a:t>Date of planting: 20-23/6/2023</a:t>
+            </a:r>
+          </a:p>
+          <a:p>
+            <a:r>
+              <a:rPr lang="de-CH" dirty="0"/>
+              <a:t>Budset period: 11/9/2023 – 17/5/2024</a:t>
+            </a:r>
+          </a:p>
+          <a:p>
+            <a:r>
+              <a:rPr lang="de-CH" dirty="0"/>
+              <a:t>Budburst period: 2/2/2024 – 22/5/2024</a:t>
+            </a:r>
+          </a:p>
+          <a:p>
+            <a:endParaRPr lang="de-CH" dirty="0"/>
+          </a:p>
+          <a:p>
+            <a:r>
+              <a:rPr lang="de-CH" u="sng" dirty="0"/>
+              <a:t>Sample sizes:</a:t>
+            </a:r>
+          </a:p>
+          <a:p>
+            <a:pPr lvl="1"/>
+            <a:r>
+              <a:rPr lang="de-CH" sz="2200" dirty="0"/>
+              <a:t>Budset: 549 trees</a:t>
+            </a:r>
+          </a:p>
+          <a:p>
+            <a:pPr lvl="1"/>
+            <a:r>
+              <a:rPr lang="de-CH" sz="2200" dirty="0"/>
+              <a:t>Budburst: 575 trees</a:t>
+            </a:r>
+          </a:p>
+          <a:p>
+            <a:pPr lvl="2"/>
+            <a:r>
+              <a:rPr lang="de-CH" sz="2000" dirty="0"/>
+              <a:t>(Maybe 26 didn’t have noticeable buds?)</a:t>
+            </a:r>
+          </a:p>
+          <a:p>
+            <a:pPr lvl="1"/>
+            <a:r>
+              <a:rPr lang="de-CH" sz="2200" dirty="0"/>
+              <a:t>Budset &amp; Budburst: 529 trees have data (~85%)</a:t>
+            </a:r>
+          </a:p>
+          <a:p>
+            <a:endParaRPr lang="de-CH" dirty="0"/>
+          </a:p>
+          <a:p>
+            <a:endParaRPr lang="de-CH" dirty="0"/>
+          </a:p>
+          <a:p>
+            <a:endParaRPr lang="en-GB" dirty="0"/>
+          </a:p>
+        </p:txBody>
+      </p:sp>
+    </p:spTree>
+    <p:extLst>
+      <p:ext uri="{BB962C8B-B14F-4D97-AF65-F5344CB8AC3E}">
+        <p14:creationId xmlns:p14="http://schemas.microsoft.com/office/powerpoint/2010/main" val="536145808"/>
+      </p:ext>
+    </p:extLst>
+  </p:cSld>
+  <p:clrMapOvr>
+    <a:masterClrMapping/>
+  </p:clrMapOvr>
+</p:sld>
+</file>
+
+<file path=ppt/slides/slide16.xml><?xml version="1.0" encoding="utf-8"?>
+<p:sld xmlns:a="http://schemas.openxmlformats.org/drawingml/2006/main" xmlns:r="http://schemas.openxmlformats.org/officeDocument/2006/relationships" xmlns:p="http://schemas.openxmlformats.org/presentationml/2006/main">
+  <p:cSld>
+    <p:spTree>
+      <p:nvGrpSpPr>
+        <p:cNvPr id="1" name=""/>
+        <p:cNvGrpSpPr/>
+        <p:nvPr/>
+      </p:nvGrpSpPr>
+      <p:grpSpPr>
+        <a:xfrm>
+          <a:off x="0" y="0"/>
+          <a:ext cx="0" cy="0"/>
+          <a:chOff x="0" y="0"/>
+          <a:chExt cx="0" cy="0"/>
+        </a:xfrm>
+      </p:grpSpPr>
+      <p:sp>
+        <p:nvSpPr>
+          <p:cNvPr id="2" name="Title 1">
+            <a:extLst>
+              <a:ext uri="{FF2B5EF4-FFF2-40B4-BE49-F238E27FC236}">
+                <a16:creationId xmlns:a16="http://schemas.microsoft.com/office/drawing/2014/main" id="{32D9D9BF-2B66-09AD-138F-36386DDD5CDD}"/>
+              </a:ext>
+            </a:extLst>
+          </p:cNvPr>
+          <p:cNvSpPr>
+            <a:spLocks noGrp="1"/>
+          </p:cNvSpPr>
+          <p:nvPr>
+            <p:ph type="title"/>
+          </p:nvPr>
+        </p:nvSpPr>
+        <p:spPr>
+          <a:xfrm>
+            <a:off x="189848" y="263545"/>
+            <a:ext cx="9875520" cy="1356360"/>
+          </a:xfrm>
+        </p:spPr>
+        <p:txBody>
+          <a:bodyPr/>
+          <a:lstStyle/>
+          <a:p>
+            <a:r>
+              <a:rPr lang="de-CH" dirty="0"/>
+              <a:t>Budset – by provenance</a:t>
+            </a:r>
+            <a:endParaRPr lang="en-GB" dirty="0"/>
+          </a:p>
+        </p:txBody>
+      </p:sp>
+      <p:pic>
+        <p:nvPicPr>
+          <p:cNvPr id="5" name="Content Placeholder 4">
+            <a:extLst>
+              <a:ext uri="{FF2B5EF4-FFF2-40B4-BE49-F238E27FC236}">
+                <a16:creationId xmlns:a16="http://schemas.microsoft.com/office/drawing/2014/main" id="{C81AF245-CF10-C522-E0CE-18AABCB35AA8}"/>
+              </a:ext>
+            </a:extLst>
+          </p:cNvPr>
+          <p:cNvPicPr>
+            <a:picLocks noGrp="1" noChangeAspect="1"/>
+          </p:cNvPicPr>
+          <p:nvPr>
+            <p:ph idx="1"/>
+          </p:nvPr>
+        </p:nvPicPr>
+        <p:blipFill>
+          <a:blip r:embed="rId3">
+            <a:extLst>
+              <a:ext uri="{28A0092B-C50C-407E-A947-70E740481C1C}">
+                <a14:useLocalDpi xmlns:a14="http://schemas.microsoft.com/office/drawing/2010/main" val="0"/>
+              </a:ext>
+            </a:extLst>
+          </a:blip>
+          <a:srcRect t="7493"/>
+          <a:stretch/>
+        </p:blipFill>
+        <p:spPr>
+          <a:xfrm>
+            <a:off x="739264" y="1597014"/>
+            <a:ext cx="8776687" cy="4878756"/>
+          </a:xfrm>
+        </p:spPr>
+      </p:pic>
+      <p:sp>
+        <p:nvSpPr>
+          <p:cNvPr id="3" name="TextBox 2">
+            <a:extLst>
+              <a:ext uri="{FF2B5EF4-FFF2-40B4-BE49-F238E27FC236}">
+                <a16:creationId xmlns:a16="http://schemas.microsoft.com/office/drawing/2014/main" id="{3FEE3C62-7A17-B683-8845-1CC05C605A19}"/>
+              </a:ext>
+            </a:extLst>
+          </p:cNvPr>
+          <p:cNvSpPr txBox="1"/>
+          <p:nvPr/>
+        </p:nvSpPr>
+        <p:spPr>
+          <a:xfrm>
+            <a:off x="9588376" y="1785484"/>
+            <a:ext cx="1864360" cy="923330"/>
+          </a:xfrm>
+          <a:prstGeom prst="rect">
+            <a:avLst/>
+          </a:prstGeom>
+          <a:noFill/>
+        </p:spPr>
+        <p:txBody>
+          <a:bodyPr wrap="square" rtlCol="0">
+            <a:spAutoFit/>
+          </a:bodyPr>
+          <a:lstStyle/>
+          <a:p>
+            <a:r>
+              <a:rPr lang="de-CH" dirty="0"/>
+              <a:t>Even distribution between provenances</a:t>
+            </a:r>
+            <a:endParaRPr lang="en-GB" dirty="0"/>
+          </a:p>
+        </p:txBody>
+      </p:sp>
+      <p:sp>
+        <p:nvSpPr>
+          <p:cNvPr id="9" name="TextBox 8">
+            <a:extLst>
+              <a:ext uri="{FF2B5EF4-FFF2-40B4-BE49-F238E27FC236}">
+                <a16:creationId xmlns:a16="http://schemas.microsoft.com/office/drawing/2014/main" id="{B0C60FA7-6976-A204-5DB2-FA364834CB49}"/>
+              </a:ext>
+            </a:extLst>
+          </p:cNvPr>
+          <p:cNvSpPr txBox="1"/>
+          <p:nvPr/>
+        </p:nvSpPr>
+        <p:spPr>
+          <a:xfrm>
+            <a:off x="9755959" y="5948124"/>
+            <a:ext cx="2131350" cy="646331"/>
+          </a:xfrm>
+          <a:prstGeom prst="rect">
+            <a:avLst/>
+          </a:prstGeom>
+          <a:noFill/>
+        </p:spPr>
+        <p:txBody>
+          <a:bodyPr wrap="square">
+            <a:spAutoFit/>
+          </a:bodyPr>
+          <a:lstStyle/>
+          <a:p>
+            <a:pPr algn="ctr"/>
+            <a:r>
+              <a:rPr lang="en-GB" dirty="0"/>
+              <a:t>Origin date = 10/09/2023</a:t>
+            </a:r>
+          </a:p>
+        </p:txBody>
+      </p:sp>
+      <p:cxnSp>
+        <p:nvCxnSpPr>
+          <p:cNvPr id="10" name="Straight Connector 9">
+            <a:extLst>
+              <a:ext uri="{FF2B5EF4-FFF2-40B4-BE49-F238E27FC236}">
+                <a16:creationId xmlns:a16="http://schemas.microsoft.com/office/drawing/2014/main" id="{627207B2-C399-F774-B53B-5CE49BA29F56}"/>
+              </a:ext>
+            </a:extLst>
+          </p:cNvPr>
+          <p:cNvCxnSpPr>
+            <a:cxnSpLocks/>
+          </p:cNvCxnSpPr>
+          <p:nvPr/>
+        </p:nvCxnSpPr>
+        <p:spPr>
+          <a:xfrm flipV="1">
+            <a:off x="5792742" y="1762532"/>
+            <a:ext cx="2088872" cy="2986"/>
+          </a:xfrm>
+          <a:prstGeom prst="line">
+            <a:avLst/>
+          </a:prstGeom>
+          <a:ln>
+            <a:solidFill>
+              <a:schemeClr val="accent6">
+                <a:lumMod val="75000"/>
+              </a:schemeClr>
+            </a:solidFill>
+          </a:ln>
+        </p:spPr>
+        <p:style>
+          <a:lnRef idx="2">
+            <a:schemeClr val="accent1"/>
+          </a:lnRef>
+          <a:fillRef idx="0">
+            <a:schemeClr val="accent1"/>
+          </a:fillRef>
+          <a:effectRef idx="1">
+            <a:schemeClr val="accent1"/>
+          </a:effectRef>
+          <a:fontRef idx="minor">
+            <a:schemeClr val="tx1"/>
+          </a:fontRef>
+        </p:style>
+      </p:cxnSp>
+      <p:sp>
+        <p:nvSpPr>
           <p:cNvPr id="11" name="TextBox 10">
             <a:extLst>
               <a:ext uri="{FF2B5EF4-FFF2-40B4-BE49-F238E27FC236}">
@@ -6518,7 +6924,7 @@
 </p:sld>
 </file>
 
-<file path=ppt/slides/slide15.xml><?xml version="1.0" encoding="utf-8"?>
+<file path=ppt/slides/slide17.xml><?xml version="1.0" encoding="utf-8"?>
 <p:sld xmlns:a="http://schemas.openxmlformats.org/drawingml/2006/main" xmlns:r="http://schemas.openxmlformats.org/officeDocument/2006/relationships" xmlns:p="http://schemas.openxmlformats.org/presentationml/2006/main">
   <p:cSld>
     <p:spTree>
@@ -6661,432 +7067,6 @@
 </p:sld>
 </file>
 
-<file path=ppt/slides/slide16.xml><?xml version="1.0" encoding="utf-8"?>
-<p:sld xmlns:a="http://schemas.openxmlformats.org/drawingml/2006/main" xmlns:r="http://schemas.openxmlformats.org/officeDocument/2006/relationships" xmlns:p="http://schemas.openxmlformats.org/presentationml/2006/main">
-  <p:cSld>
-    <p:spTree>
-      <p:nvGrpSpPr>
-        <p:cNvPr id="1" name=""/>
-        <p:cNvGrpSpPr/>
-        <p:nvPr/>
-      </p:nvGrpSpPr>
-      <p:grpSpPr>
-        <a:xfrm>
-          <a:off x="0" y="0"/>
-          <a:ext cx="0" cy="0"/>
-          <a:chOff x="0" y="0"/>
-          <a:chExt cx="0" cy="0"/>
-        </a:xfrm>
-      </p:grpSpPr>
-      <p:sp>
-        <p:nvSpPr>
-          <p:cNvPr id="2" name="Title 1">
-            <a:extLst>
-              <a:ext uri="{FF2B5EF4-FFF2-40B4-BE49-F238E27FC236}">
-                <a16:creationId xmlns:a16="http://schemas.microsoft.com/office/drawing/2014/main" id="{331E21EA-EC58-E43B-46B6-72D5584F9856}"/>
-              </a:ext>
-            </a:extLst>
-          </p:cNvPr>
-          <p:cNvSpPr>
-            <a:spLocks noGrp="1"/>
-          </p:cNvSpPr>
-          <p:nvPr>
-            <p:ph type="title"/>
-          </p:nvPr>
-        </p:nvSpPr>
-        <p:spPr>
-          <a:xfrm>
-            <a:off x="238225" y="243840"/>
-            <a:ext cx="9875520" cy="1356360"/>
-          </a:xfrm>
-        </p:spPr>
-        <p:txBody>
-          <a:bodyPr/>
-          <a:lstStyle/>
-          <a:p>
-            <a:r>
-              <a:rPr lang="de-CH" dirty="0"/>
-              <a:t>Budset – by Type</a:t>
-            </a:r>
-            <a:endParaRPr lang="en-GB" dirty="0"/>
-          </a:p>
-        </p:txBody>
-      </p:sp>
-      <p:pic>
-        <p:nvPicPr>
-          <p:cNvPr id="9" name="Content Placeholder 8">
-            <a:extLst>
-              <a:ext uri="{FF2B5EF4-FFF2-40B4-BE49-F238E27FC236}">
-                <a16:creationId xmlns:a16="http://schemas.microsoft.com/office/drawing/2014/main" id="{FA0D3437-97B6-1053-8FD3-9E66A7F8235A}"/>
-              </a:ext>
-            </a:extLst>
-          </p:cNvPr>
-          <p:cNvPicPr>
-            <a:picLocks noGrp="1" noChangeAspect="1"/>
-          </p:cNvPicPr>
-          <p:nvPr>
-            <p:ph idx="1"/>
-          </p:nvPr>
-        </p:nvPicPr>
-        <p:blipFill>
-          <a:blip r:embed="rId2">
-            <a:extLst>
-              <a:ext uri="{28A0092B-C50C-407E-A947-70E740481C1C}">
-                <a14:useLocalDpi xmlns:a14="http://schemas.microsoft.com/office/drawing/2010/main" val="0"/>
-              </a:ext>
-            </a:extLst>
-          </a:blip>
-          <a:stretch>
-            <a:fillRect/>
-          </a:stretch>
-        </p:blipFill>
-        <p:spPr>
-          <a:xfrm>
-            <a:off x="835942" y="1294689"/>
-            <a:ext cx="10520115" cy="5319471"/>
-          </a:xfrm>
-        </p:spPr>
-      </p:pic>
-      <p:cxnSp>
-        <p:nvCxnSpPr>
-          <p:cNvPr id="10" name="Straight Connector 9">
-            <a:extLst>
-              <a:ext uri="{FF2B5EF4-FFF2-40B4-BE49-F238E27FC236}">
-                <a16:creationId xmlns:a16="http://schemas.microsoft.com/office/drawing/2014/main" id="{21E77FB2-79EE-9075-C06A-8515F77F5B87}"/>
-              </a:ext>
-            </a:extLst>
-          </p:cNvPr>
-          <p:cNvCxnSpPr>
-            <a:cxnSpLocks/>
-          </p:cNvCxnSpPr>
-          <p:nvPr/>
-        </p:nvCxnSpPr>
-        <p:spPr>
-          <a:xfrm flipV="1">
-            <a:off x="3254326" y="1708729"/>
-            <a:ext cx="3062500" cy="2986"/>
-          </a:xfrm>
-          <a:prstGeom prst="line">
-            <a:avLst/>
-          </a:prstGeom>
-          <a:ln>
-            <a:solidFill>
-              <a:schemeClr val="accent6">
-                <a:lumMod val="75000"/>
-              </a:schemeClr>
-            </a:solidFill>
-          </a:ln>
-        </p:spPr>
-        <p:style>
-          <a:lnRef idx="2">
-            <a:schemeClr val="accent1"/>
-          </a:lnRef>
-          <a:fillRef idx="0">
-            <a:schemeClr val="accent1"/>
-          </a:fillRef>
-          <a:effectRef idx="1">
-            <a:schemeClr val="accent1"/>
-          </a:effectRef>
-          <a:fontRef idx="minor">
-            <a:schemeClr val="tx1"/>
-          </a:fontRef>
-        </p:style>
-      </p:cxnSp>
-      <p:sp>
-        <p:nvSpPr>
-          <p:cNvPr id="11" name="TextBox 10">
-            <a:extLst>
-              <a:ext uri="{FF2B5EF4-FFF2-40B4-BE49-F238E27FC236}">
-                <a16:creationId xmlns:a16="http://schemas.microsoft.com/office/drawing/2014/main" id="{3E6EA98B-C626-6AC0-4F03-A613577D5935}"/>
-              </a:ext>
-            </a:extLst>
-          </p:cNvPr>
-          <p:cNvSpPr txBox="1"/>
-          <p:nvPr/>
-        </p:nvSpPr>
-        <p:spPr>
-          <a:xfrm>
-            <a:off x="4470416" y="1403218"/>
-            <a:ext cx="679347" cy="364074"/>
-          </a:xfrm>
-          <a:prstGeom prst="rect">
-            <a:avLst/>
-          </a:prstGeom>
-          <a:noFill/>
-          <a:ln>
-            <a:noFill/>
-          </a:ln>
-        </p:spPr>
-        <p:txBody>
-          <a:bodyPr wrap="square" rtlCol="0">
-            <a:spAutoFit/>
-          </a:bodyPr>
-          <a:lstStyle/>
-          <a:p>
-            <a:pPr algn="ctr"/>
-            <a:r>
-              <a:rPr lang="en-GB" sz="1766" b="1" dirty="0">
-                <a:solidFill>
-                  <a:schemeClr val="accent6">
-                    <a:lumMod val="75000"/>
-                  </a:schemeClr>
-                </a:solidFill>
-                <a:latin typeface="Helvetica" panose="020B0604020202020204"/>
-                <a:cs typeface="Helvetica" panose="020B0604020202020204"/>
-              </a:rPr>
-              <a:t>*</a:t>
-            </a:r>
-          </a:p>
-        </p:txBody>
-      </p:sp>
-      <p:cxnSp>
-        <p:nvCxnSpPr>
-          <p:cNvPr id="13" name="Straight Connector 12">
-            <a:extLst>
-              <a:ext uri="{FF2B5EF4-FFF2-40B4-BE49-F238E27FC236}">
-                <a16:creationId xmlns:a16="http://schemas.microsoft.com/office/drawing/2014/main" id="{87C6D792-97FC-FD07-3960-989C62EBBECF}"/>
-              </a:ext>
-            </a:extLst>
-          </p:cNvPr>
-          <p:cNvCxnSpPr>
-            <a:cxnSpLocks/>
-          </p:cNvCxnSpPr>
-          <p:nvPr/>
-        </p:nvCxnSpPr>
-        <p:spPr>
-          <a:xfrm>
-            <a:off x="3254326" y="1390375"/>
-            <a:ext cx="6027081" cy="0"/>
-          </a:xfrm>
-          <a:prstGeom prst="line">
-            <a:avLst/>
-          </a:prstGeom>
-          <a:ln>
-            <a:solidFill>
-              <a:schemeClr val="accent6">
-                <a:lumMod val="75000"/>
-              </a:schemeClr>
-            </a:solidFill>
-          </a:ln>
-        </p:spPr>
-        <p:style>
-          <a:lnRef idx="2">
-            <a:schemeClr val="accent1"/>
-          </a:lnRef>
-          <a:fillRef idx="0">
-            <a:schemeClr val="accent1"/>
-          </a:fillRef>
-          <a:effectRef idx="1">
-            <a:schemeClr val="accent1"/>
-          </a:effectRef>
-          <a:fontRef idx="minor">
-            <a:schemeClr val="tx1"/>
-          </a:fontRef>
-        </p:style>
-      </p:cxnSp>
-      <p:sp>
-        <p:nvSpPr>
-          <p:cNvPr id="14" name="TextBox 13">
-            <a:extLst>
-              <a:ext uri="{FF2B5EF4-FFF2-40B4-BE49-F238E27FC236}">
-                <a16:creationId xmlns:a16="http://schemas.microsoft.com/office/drawing/2014/main" id="{392A4E8F-20B8-D1CF-298E-3001E437C6C5}"/>
-              </a:ext>
-            </a:extLst>
-          </p:cNvPr>
-          <p:cNvSpPr txBox="1"/>
-          <p:nvPr/>
-        </p:nvSpPr>
-        <p:spPr>
-          <a:xfrm>
-            <a:off x="5977152" y="1081878"/>
-            <a:ext cx="679347" cy="364074"/>
-          </a:xfrm>
-          <a:prstGeom prst="rect">
-            <a:avLst/>
-          </a:prstGeom>
-          <a:noFill/>
-          <a:ln>
-            <a:noFill/>
-          </a:ln>
-        </p:spPr>
-        <p:txBody>
-          <a:bodyPr wrap="square" rtlCol="0">
-            <a:spAutoFit/>
-          </a:bodyPr>
-          <a:lstStyle/>
-          <a:p>
-            <a:pPr algn="ctr"/>
-            <a:r>
-              <a:rPr lang="en-GB" sz="1766" b="1" dirty="0">
-                <a:solidFill>
-                  <a:schemeClr val="accent6">
-                    <a:lumMod val="75000"/>
-                  </a:schemeClr>
-                </a:solidFill>
-                <a:latin typeface="Helvetica" panose="020B0604020202020204"/>
-                <a:cs typeface="Helvetica" panose="020B0604020202020204"/>
-              </a:rPr>
-              <a:t>*</a:t>
-            </a:r>
-          </a:p>
-        </p:txBody>
-      </p:sp>
-    </p:spTree>
-    <p:extLst>
-      <p:ext uri="{BB962C8B-B14F-4D97-AF65-F5344CB8AC3E}">
-        <p14:creationId xmlns:p14="http://schemas.microsoft.com/office/powerpoint/2010/main" val="4221340399"/>
-      </p:ext>
-    </p:extLst>
-  </p:cSld>
-  <p:clrMapOvr>
-    <a:masterClrMapping/>
-  </p:clrMapOvr>
-</p:sld>
-</file>
-
-<file path=ppt/slides/slide17.xml><?xml version="1.0" encoding="utf-8"?>
-<p:sld xmlns:a="http://schemas.openxmlformats.org/drawingml/2006/main" xmlns:r="http://schemas.openxmlformats.org/officeDocument/2006/relationships" xmlns:p="http://schemas.openxmlformats.org/presentationml/2006/main">
-  <p:cSld>
-    <p:spTree>
-      <p:nvGrpSpPr>
-        <p:cNvPr id="1" name=""/>
-        <p:cNvGrpSpPr/>
-        <p:nvPr/>
-      </p:nvGrpSpPr>
-      <p:grpSpPr>
-        <a:xfrm>
-          <a:off x="0" y="0"/>
-          <a:ext cx="0" cy="0"/>
-          <a:chOff x="0" y="0"/>
-          <a:chExt cx="0" cy="0"/>
-        </a:xfrm>
-      </p:grpSpPr>
-      <p:sp>
-        <p:nvSpPr>
-          <p:cNvPr id="2" name="Title 1">
-            <a:extLst>
-              <a:ext uri="{FF2B5EF4-FFF2-40B4-BE49-F238E27FC236}">
-                <a16:creationId xmlns:a16="http://schemas.microsoft.com/office/drawing/2014/main" id="{B4D941A4-7800-BF6D-3047-19A2F1FFE400}"/>
-              </a:ext>
-            </a:extLst>
-          </p:cNvPr>
-          <p:cNvSpPr>
-            <a:spLocks noGrp="1"/>
-          </p:cNvSpPr>
-          <p:nvPr>
-            <p:ph type="title"/>
-          </p:nvPr>
-        </p:nvSpPr>
-        <p:spPr>
-          <a:xfrm>
-            <a:off x="238760" y="178812"/>
-            <a:ext cx="9875520" cy="1356360"/>
-          </a:xfrm>
-        </p:spPr>
-        <p:txBody>
-          <a:bodyPr/>
-          <a:lstStyle/>
-          <a:p>
-            <a:r>
-              <a:rPr lang="de-CH" dirty="0"/>
-              <a:t>Budset by Type</a:t>
-            </a:r>
-            <a:endParaRPr lang="en-GB" dirty="0"/>
-          </a:p>
-        </p:txBody>
-      </p:sp>
-      <p:pic>
-        <p:nvPicPr>
-          <p:cNvPr id="9" name="Content Placeholder 8">
-            <a:extLst>
-              <a:ext uri="{FF2B5EF4-FFF2-40B4-BE49-F238E27FC236}">
-                <a16:creationId xmlns:a16="http://schemas.microsoft.com/office/drawing/2014/main" id="{270947E2-94D3-B544-4587-E9882F4D2BAA}"/>
-              </a:ext>
-            </a:extLst>
-          </p:cNvPr>
-          <p:cNvPicPr>
-            <a:picLocks noGrp="1" noChangeAspect="1"/>
-          </p:cNvPicPr>
-          <p:nvPr>
-            <p:ph idx="1"/>
-          </p:nvPr>
-        </p:nvPicPr>
-        <p:blipFill>
-          <a:blip r:embed="rId2">
-            <a:extLst>
-              <a:ext uri="{28A0092B-C50C-407E-A947-70E740481C1C}">
-                <a14:useLocalDpi xmlns:a14="http://schemas.microsoft.com/office/drawing/2010/main" val="0"/>
-              </a:ext>
-            </a:extLst>
-          </a:blip>
-          <a:stretch>
-            <a:fillRect/>
-          </a:stretch>
-        </p:blipFill>
-        <p:spPr>
-          <a:xfrm>
-            <a:off x="1053049" y="1535171"/>
-            <a:ext cx="9958252" cy="5035367"/>
-          </a:xfrm>
-        </p:spPr>
-      </p:pic>
-      <p:cxnSp>
-        <p:nvCxnSpPr>
-          <p:cNvPr id="4" name="Straight Arrow Connector 3">
-            <a:extLst>
-              <a:ext uri="{FF2B5EF4-FFF2-40B4-BE49-F238E27FC236}">
-                <a16:creationId xmlns:a16="http://schemas.microsoft.com/office/drawing/2014/main" id="{8E594E9A-0DC9-656A-15F4-E36D519C6094}"/>
-              </a:ext>
-            </a:extLst>
-          </p:cNvPr>
-          <p:cNvCxnSpPr/>
-          <p:nvPr/>
-        </p:nvCxnSpPr>
-        <p:spPr>
-          <a:xfrm>
-            <a:off x="7007192" y="2675823"/>
-            <a:ext cx="0" cy="1232034"/>
-          </a:xfrm>
-          <a:prstGeom prst="straightConnector1">
-            <a:avLst/>
-          </a:prstGeom>
-          <a:ln w="19050">
-            <a:solidFill>
-              <a:schemeClr val="bg2">
-                <a:lumMod val="25000"/>
-              </a:schemeClr>
-            </a:solidFill>
-            <a:tailEnd type="triangle" w="lg" len="med"/>
-          </a:ln>
-        </p:spPr>
-        <p:style>
-          <a:lnRef idx="1">
-            <a:schemeClr val="accent1"/>
-          </a:lnRef>
-          <a:fillRef idx="0">
-            <a:schemeClr val="accent1"/>
-          </a:fillRef>
-          <a:effectRef idx="0">
-            <a:schemeClr val="accent1"/>
-          </a:effectRef>
-          <a:fontRef idx="minor">
-            <a:schemeClr val="tx1"/>
-          </a:fontRef>
-        </p:style>
-      </p:cxnSp>
-    </p:spTree>
-    <p:extLst>
-      <p:ext uri="{BB962C8B-B14F-4D97-AF65-F5344CB8AC3E}">
-        <p14:creationId xmlns:p14="http://schemas.microsoft.com/office/powerpoint/2010/main" val="366536072"/>
-      </p:ext>
-    </p:extLst>
-  </p:cSld>
-  <p:clrMapOvr>
-    <a:masterClrMapping/>
-  </p:clrMapOvr>
-</p:sld>
-</file>
-
 <file path=ppt/slides/slide18.xml><?xml version="1.0" encoding="utf-8"?>
 <p:sld xmlns:a="http://schemas.openxmlformats.org/drawingml/2006/main" xmlns:r="http://schemas.openxmlformats.org/officeDocument/2006/relationships" xmlns:p="http://schemas.openxmlformats.org/presentationml/2006/main">
   <p:cSld>
@@ -7109,7 +7089,7 @@
           <p:cNvPr id="2" name="Title 1">
             <a:extLst>
               <a:ext uri="{FF2B5EF4-FFF2-40B4-BE49-F238E27FC236}">
-                <a16:creationId xmlns:a16="http://schemas.microsoft.com/office/drawing/2014/main" id="{E5EB79DC-5387-676F-0683-1D49454F40B3}"/>
+                <a16:creationId xmlns:a16="http://schemas.microsoft.com/office/drawing/2014/main" id="{331E21EA-EC58-E43B-46B6-72D5584F9856}"/>
               </a:ext>
             </a:extLst>
           </p:cNvPr>
@@ -7122,7 +7102,7 @@
         </p:nvSpPr>
         <p:spPr>
           <a:xfrm>
-            <a:off x="218974" y="176490"/>
+            <a:off x="238225" y="243840"/>
             <a:ext cx="9875520" cy="1356360"/>
           </a:xfrm>
         </p:spPr>
@@ -7132,54 +7112,18 @@
           <a:p>
             <a:r>
               <a:rPr lang="de-CH" dirty="0"/>
-              <a:t>Budburst – by Provenance</a:t>
+              <a:t>Budset – by Type</a:t>
             </a:r>
             <a:endParaRPr lang="en-GB" dirty="0"/>
-          </a:p>
-        </p:txBody>
-      </p:sp>
-      <p:sp>
-        <p:nvSpPr>
-          <p:cNvPr id="4" name="TextBox 3">
-            <a:extLst>
-              <a:ext uri="{FF2B5EF4-FFF2-40B4-BE49-F238E27FC236}">
-                <a16:creationId xmlns:a16="http://schemas.microsoft.com/office/drawing/2014/main" id="{1F23F0DC-52E1-09BD-080C-AFC35699FB60}"/>
-              </a:ext>
-            </a:extLst>
-          </p:cNvPr>
-          <p:cNvSpPr txBox="1"/>
-          <p:nvPr/>
-        </p:nvSpPr>
-        <p:spPr>
-          <a:xfrm>
-            <a:off x="9630612" y="670004"/>
-            <a:ext cx="2131350" cy="369332"/>
-          </a:xfrm>
-          <a:prstGeom prst="rect">
-            <a:avLst/>
-          </a:prstGeom>
-          <a:noFill/>
-        </p:spPr>
-        <p:txBody>
-          <a:bodyPr wrap="square">
-            <a:spAutoFit/>
-          </a:bodyPr>
-          <a:lstStyle/>
-          <a:p>
-            <a:pPr algn="ctr"/>
-            <a:r>
-              <a:rPr lang="en-GB" dirty="0"/>
-              <a:t>Day 0 = 01/02/2024</a:t>
-            </a:r>
           </a:p>
         </p:txBody>
       </p:sp>
       <p:pic>
         <p:nvPicPr>
-          <p:cNvPr id="11" name="Content Placeholder 10" descr="A graph of a diagram&#10;&#10;AI-generated content may be incorrect.">
+          <p:cNvPr id="9" name="Content Placeholder 8">
             <a:extLst>
               <a:ext uri="{FF2B5EF4-FFF2-40B4-BE49-F238E27FC236}">
-                <a16:creationId xmlns:a16="http://schemas.microsoft.com/office/drawing/2014/main" id="{44A0C449-8F18-850D-9203-E214A67FEAD7}"/>
+                <a16:creationId xmlns:a16="http://schemas.microsoft.com/office/drawing/2014/main" id="{FA0D3437-97B6-1053-8FD3-9E66A7F8235A}"/>
               </a:ext>
             </a:extLst>
           </p:cNvPr>
@@ -7204,17 +7148,17 @@
         </p:blipFill>
         <p:spPr>
           <a:xfrm>
-            <a:off x="348758" y="1685992"/>
-            <a:ext cx="9517795" cy="4812650"/>
+            <a:off x="835942" y="1294689"/>
+            <a:ext cx="10520115" cy="5319471"/>
           </a:xfrm>
         </p:spPr>
       </p:pic>
       <p:cxnSp>
         <p:nvCxnSpPr>
-          <p:cNvPr id="12" name="Straight Connector 11">
+          <p:cNvPr id="10" name="Straight Connector 9">
             <a:extLst>
               <a:ext uri="{FF2B5EF4-FFF2-40B4-BE49-F238E27FC236}">
-                <a16:creationId xmlns:a16="http://schemas.microsoft.com/office/drawing/2014/main" id="{5982C0FB-D28F-93CA-4DE9-0A62C347B1DA}"/>
+                <a16:creationId xmlns:a16="http://schemas.microsoft.com/office/drawing/2014/main" id="{21E77FB2-79EE-9075-C06A-8515F77F5B87}"/>
               </a:ext>
             </a:extLst>
           </p:cNvPr>
@@ -7225,7 +7169,7 @@
         </p:nvCxnSpPr>
         <p:spPr>
           <a:xfrm flipV="1">
-            <a:off x="2325447" y="1732324"/>
+            <a:off x="3254326" y="1708729"/>
             <a:ext cx="3062500" cy="2986"/>
           </a:xfrm>
           <a:prstGeom prst="line">
@@ -7256,10 +7200,10 @@
       </p:cxnSp>
       <p:sp>
         <p:nvSpPr>
-          <p:cNvPr id="13" name="TextBox 12">
+          <p:cNvPr id="11" name="TextBox 10">
             <a:extLst>
               <a:ext uri="{FF2B5EF4-FFF2-40B4-BE49-F238E27FC236}">
-                <a16:creationId xmlns:a16="http://schemas.microsoft.com/office/drawing/2014/main" id="{57228138-E4A7-851D-FC56-2306BC16034C}"/>
+                <a16:creationId xmlns:a16="http://schemas.microsoft.com/office/drawing/2014/main" id="{3E6EA98B-C626-6AC0-4F03-A613577D5935}"/>
               </a:ext>
             </a:extLst>
           </p:cNvPr>
@@ -7268,8 +7212,8 @@
         </p:nvSpPr>
         <p:spPr>
           <a:xfrm>
-            <a:off x="3587257" y="1486311"/>
-            <a:ext cx="679347" cy="246221"/>
+            <a:off x="4470416" y="1403218"/>
+            <a:ext cx="679347" cy="364074"/>
           </a:xfrm>
           <a:prstGeom prst="rect">
             <a:avLst/>
@@ -7287,7 +7231,7 @@
           <a:p>
             <a:pPr algn="ctr"/>
             <a:r>
-              <a:rPr lang="en-GB" sz="1000" dirty="0">
+              <a:rPr lang="en-GB" sz="1766" b="1" dirty="0">
                 <a:solidFill>
                   <a:schemeClr val="accent6">
                     <a:lumMod val="75000"/>
@@ -7296,17 +7240,17 @@
                 <a:latin typeface="Helvetica" panose="020B0604020202020204"/>
                 <a:cs typeface="Helvetica" panose="020B0604020202020204"/>
               </a:rPr>
-              <a:t>0.013</a:t>
+              <a:t>*</a:t>
             </a:r>
           </a:p>
         </p:txBody>
       </p:sp>
       <p:cxnSp>
         <p:nvCxnSpPr>
-          <p:cNvPr id="14" name="Straight Connector 13">
+          <p:cNvPr id="13" name="Straight Connector 12">
             <a:extLst>
               <a:ext uri="{FF2B5EF4-FFF2-40B4-BE49-F238E27FC236}">
-                <a16:creationId xmlns:a16="http://schemas.microsoft.com/office/drawing/2014/main" id="{10EC720A-2AF0-9C6D-6E05-3934CC044EA9}"/>
+                <a16:creationId xmlns:a16="http://schemas.microsoft.com/office/drawing/2014/main" id="{87C6D792-97FC-FD07-3960-989C62EBBECF}"/>
               </a:ext>
             </a:extLst>
           </p:cNvPr>
@@ -7316,9 +7260,9 @@
           <p:nvPr/>
         </p:nvCxnSpPr>
         <p:spPr>
-          <a:xfrm flipV="1">
-            <a:off x="5528414" y="1729338"/>
-            <a:ext cx="3062500" cy="2986"/>
+          <a:xfrm>
+            <a:off x="3254326" y="1390375"/>
+            <a:ext cx="6027081" cy="0"/>
           </a:xfrm>
           <a:prstGeom prst="line">
             <a:avLst/>
@@ -7348,10 +7292,10 @@
       </p:cxnSp>
       <p:sp>
         <p:nvSpPr>
-          <p:cNvPr id="15" name="TextBox 14">
+          <p:cNvPr id="14" name="TextBox 13">
             <a:extLst>
               <a:ext uri="{FF2B5EF4-FFF2-40B4-BE49-F238E27FC236}">
-                <a16:creationId xmlns:a16="http://schemas.microsoft.com/office/drawing/2014/main" id="{0923EC24-A6E5-C849-B975-9601C8597CF3}"/>
+                <a16:creationId xmlns:a16="http://schemas.microsoft.com/office/drawing/2014/main" id="{392A4E8F-20B8-D1CF-298E-3001E437C6C5}"/>
               </a:ext>
             </a:extLst>
           </p:cNvPr>
@@ -7360,8 +7304,8 @@
         </p:nvSpPr>
         <p:spPr>
           <a:xfrm>
-            <a:off x="6790224" y="1483325"/>
-            <a:ext cx="679347" cy="246221"/>
+            <a:off x="5977152" y="1081878"/>
+            <a:ext cx="679347" cy="364074"/>
           </a:xfrm>
           <a:prstGeom prst="rect">
             <a:avLst/>
@@ -7379,7 +7323,7 @@
           <a:p>
             <a:pPr algn="ctr"/>
             <a:r>
-              <a:rPr lang="en-GB" sz="1000" dirty="0">
+              <a:rPr lang="en-GB" sz="1766" b="1" dirty="0">
                 <a:solidFill>
                   <a:schemeClr val="accent6">
                     <a:lumMod val="75000"/>
@@ -7388,7 +7332,7 @@
                 <a:latin typeface="Helvetica" panose="020B0604020202020204"/>
                 <a:cs typeface="Helvetica" panose="020B0604020202020204"/>
               </a:rPr>
-              <a:t>0.01</a:t>
+              <a:t>*</a:t>
             </a:r>
           </a:p>
         </p:txBody>
@@ -7396,7 +7340,7 @@
     </p:spTree>
     <p:extLst>
       <p:ext uri="{BB962C8B-B14F-4D97-AF65-F5344CB8AC3E}">
-        <p14:creationId xmlns:p14="http://schemas.microsoft.com/office/powerpoint/2010/main" val="1309389261"/>
+        <p14:creationId xmlns:p14="http://schemas.microsoft.com/office/powerpoint/2010/main" val="4221340399"/>
       </p:ext>
     </p:extLst>
   </p:cSld>
@@ -7428,7 +7372,7 @@
           <p:cNvPr id="2" name="Title 1">
             <a:extLst>
               <a:ext uri="{FF2B5EF4-FFF2-40B4-BE49-F238E27FC236}">
-                <a16:creationId xmlns:a16="http://schemas.microsoft.com/office/drawing/2014/main" id="{971A7E35-F3A7-7E5B-ED8A-FA3BA661E53E}"/>
+                <a16:creationId xmlns:a16="http://schemas.microsoft.com/office/drawing/2014/main" id="{B4D941A4-7800-BF6D-3047-19A2F1FFE400}"/>
               </a:ext>
             </a:extLst>
           </p:cNvPr>
@@ -7441,7 +7385,7 @@
         </p:nvSpPr>
         <p:spPr>
           <a:xfrm>
-            <a:off x="238225" y="224589"/>
+            <a:off x="238760" y="178812"/>
             <a:ext cx="9875520" cy="1356360"/>
           </a:xfrm>
         </p:spPr>
@@ -7451,7 +7395,7 @@
           <a:p>
             <a:r>
               <a:rPr lang="de-CH" dirty="0"/>
-              <a:t>Burburst - by Provenance</a:t>
+              <a:t>Budset by Type</a:t>
             </a:r>
             <a:endParaRPr lang="en-GB" dirty="0"/>
           </a:p>
@@ -7459,10 +7403,10 @@
       </p:sp>
       <p:pic>
         <p:nvPicPr>
-          <p:cNvPr id="5" name="Content Placeholder 4" descr="A graph of a graph&#10;&#10;AI-generated content may be incorrect.">
+          <p:cNvPr id="9" name="Content Placeholder 8">
             <a:extLst>
               <a:ext uri="{FF2B5EF4-FFF2-40B4-BE49-F238E27FC236}">
-                <a16:creationId xmlns:a16="http://schemas.microsoft.com/office/drawing/2014/main" id="{2D2CC6DF-5B3C-EB76-C731-64BD8A77302C}"/>
+                <a16:creationId xmlns:a16="http://schemas.microsoft.com/office/drawing/2014/main" id="{270947E2-94D3-B544-4587-E9882F4D2BAA}"/>
               </a:ext>
             </a:extLst>
           </p:cNvPr>
@@ -7487,15 +7431,59 @@
         </p:blipFill>
         <p:spPr>
           <a:xfrm>
-            <a:off x="861762" y="1259840"/>
-            <a:ext cx="10468476" cy="5293360"/>
+            <a:off x="1053049" y="1535171"/>
+            <a:ext cx="9958252" cy="5035367"/>
           </a:xfrm>
         </p:spPr>
       </p:pic>
+      <p:cxnSp>
+        <p:nvCxnSpPr>
+          <p:cNvPr id="4" name="Straight Arrow Connector 3">
+            <a:extLst>
+              <a:ext uri="{FF2B5EF4-FFF2-40B4-BE49-F238E27FC236}">
+                <a16:creationId xmlns:a16="http://schemas.microsoft.com/office/drawing/2014/main" id="{8E594E9A-0DC9-656A-15F4-E36D519C6094}"/>
+              </a:ext>
+            </a:extLst>
+          </p:cNvPr>
+          <p:cNvCxnSpPr/>
+          <p:nvPr/>
+        </p:nvCxnSpPr>
+        <p:spPr>
+          <a:xfrm>
+            <a:off x="7007192" y="2675823"/>
+            <a:ext cx="0" cy="1232034"/>
+          </a:xfrm>
+          <a:prstGeom prst="straightConnector1">
+            <a:avLst/>
+          </a:prstGeom>
+          <a:ln w="19050">
+            <a:solidFill>
+              <a:schemeClr val="bg2">
+                <a:lumMod val="25000"/>
+              </a:schemeClr>
+            </a:solidFill>
+            <a:tailEnd type="triangle" w="lg" len="med"/>
+          </a:ln>
+        </p:spPr>
+        <p:style>
+          <a:lnRef idx="1">
+            <a:schemeClr val="accent1"/>
+          </a:lnRef>
+          <a:fillRef idx="0">
+            <a:schemeClr val="accent1"/>
+          </a:fillRef>
+          <a:effectRef idx="0">
+            <a:schemeClr val="accent1"/>
+          </a:effectRef>
+          <a:fontRef idx="minor">
+            <a:schemeClr val="tx1"/>
+          </a:fontRef>
+        </p:style>
+      </p:cxnSp>
     </p:spTree>
     <p:extLst>
       <p:ext uri="{BB962C8B-B14F-4D97-AF65-F5344CB8AC3E}">
-        <p14:creationId xmlns:p14="http://schemas.microsoft.com/office/powerpoint/2010/main" val="2763315938"/>
+        <p14:creationId xmlns:p14="http://schemas.microsoft.com/office/powerpoint/2010/main" val="366536072"/>
       </p:ext>
     </p:extLst>
   </p:cSld>
@@ -7740,7 +7728,7 @@
           <p:cNvPr id="2" name="Title 1">
             <a:extLst>
               <a:ext uri="{FF2B5EF4-FFF2-40B4-BE49-F238E27FC236}">
-                <a16:creationId xmlns:a16="http://schemas.microsoft.com/office/drawing/2014/main" id="{54C10286-6041-399A-065F-9CA72ED989EA}"/>
+                <a16:creationId xmlns:a16="http://schemas.microsoft.com/office/drawing/2014/main" id="{E5EB79DC-5387-676F-0683-1D49454F40B3}"/>
               </a:ext>
             </a:extLst>
           </p:cNvPr>
@@ -7753,7 +7741,7 @@
         </p:nvSpPr>
         <p:spPr>
           <a:xfrm>
-            <a:off x="187960" y="223520"/>
+            <a:off x="218974" y="176490"/>
             <a:ext cx="9875520" cy="1356360"/>
           </a:xfrm>
         </p:spPr>
@@ -7763,18 +7751,54 @@
           <a:p>
             <a:r>
               <a:rPr lang="de-CH" dirty="0"/>
-              <a:t>Budburst – by Type</a:t>
+              <a:t>Budburst – by Provenance</a:t>
             </a:r>
             <a:endParaRPr lang="en-GB" dirty="0"/>
+          </a:p>
+        </p:txBody>
+      </p:sp>
+      <p:sp>
+        <p:nvSpPr>
+          <p:cNvPr id="4" name="TextBox 3">
+            <a:extLst>
+              <a:ext uri="{FF2B5EF4-FFF2-40B4-BE49-F238E27FC236}">
+                <a16:creationId xmlns:a16="http://schemas.microsoft.com/office/drawing/2014/main" id="{1F23F0DC-52E1-09BD-080C-AFC35699FB60}"/>
+              </a:ext>
+            </a:extLst>
+          </p:cNvPr>
+          <p:cNvSpPr txBox="1"/>
+          <p:nvPr/>
+        </p:nvSpPr>
+        <p:spPr>
+          <a:xfrm>
+            <a:off x="9630612" y="670004"/>
+            <a:ext cx="2131350" cy="369332"/>
+          </a:xfrm>
+          <a:prstGeom prst="rect">
+            <a:avLst/>
+          </a:prstGeom>
+          <a:noFill/>
+        </p:spPr>
+        <p:txBody>
+          <a:bodyPr wrap="square">
+            <a:spAutoFit/>
+          </a:bodyPr>
+          <a:lstStyle/>
+          <a:p>
+            <a:pPr algn="ctr"/>
+            <a:r>
+              <a:rPr lang="en-GB" dirty="0"/>
+              <a:t>Day 0 = 01/02/2024</a:t>
+            </a:r>
           </a:p>
         </p:txBody>
       </p:sp>
       <p:pic>
         <p:nvPicPr>
-          <p:cNvPr id="9" name="Content Placeholder 8" descr="A graph of a diagram&#10;&#10;AI-generated content may be incorrect.">
+          <p:cNvPr id="11" name="Content Placeholder 10" descr="A graph of a diagram&#10;&#10;AI-generated content may be incorrect.">
             <a:extLst>
               <a:ext uri="{FF2B5EF4-FFF2-40B4-BE49-F238E27FC236}">
-                <a16:creationId xmlns:a16="http://schemas.microsoft.com/office/drawing/2014/main" id="{463E4468-FDCA-104C-62BA-3B778918FA92}"/>
+                <a16:creationId xmlns:a16="http://schemas.microsoft.com/office/drawing/2014/main" id="{44A0C449-8F18-850D-9203-E214A67FEAD7}"/>
               </a:ext>
             </a:extLst>
           </p:cNvPr>
@@ -7799,15 +7823,199 @@
         </p:blipFill>
         <p:spPr>
           <a:xfrm>
-            <a:off x="576234" y="1198881"/>
-            <a:ext cx="10659360" cy="5389880"/>
+            <a:off x="348758" y="1685992"/>
+            <a:ext cx="9517795" cy="4812650"/>
           </a:xfrm>
         </p:spPr>
       </p:pic>
+      <p:cxnSp>
+        <p:nvCxnSpPr>
+          <p:cNvPr id="12" name="Straight Connector 11">
+            <a:extLst>
+              <a:ext uri="{FF2B5EF4-FFF2-40B4-BE49-F238E27FC236}">
+                <a16:creationId xmlns:a16="http://schemas.microsoft.com/office/drawing/2014/main" id="{5982C0FB-D28F-93CA-4DE9-0A62C347B1DA}"/>
+              </a:ext>
+            </a:extLst>
+          </p:cNvPr>
+          <p:cNvCxnSpPr>
+            <a:cxnSpLocks/>
+          </p:cNvCxnSpPr>
+          <p:nvPr/>
+        </p:nvCxnSpPr>
+        <p:spPr>
+          <a:xfrm flipV="1">
+            <a:off x="2325447" y="1732324"/>
+            <a:ext cx="3062500" cy="2986"/>
+          </a:xfrm>
+          <a:prstGeom prst="line">
+            <a:avLst/>
+          </a:prstGeom>
+          <a:ln>
+            <a:solidFill>
+              <a:schemeClr val="accent6">
+                <a:lumMod val="75000"/>
+              </a:schemeClr>
+            </a:solidFill>
+          </a:ln>
+        </p:spPr>
+        <p:style>
+          <a:lnRef idx="2">
+            <a:schemeClr val="accent1"/>
+          </a:lnRef>
+          <a:fillRef idx="0">
+            <a:schemeClr val="accent1"/>
+          </a:fillRef>
+          <a:effectRef idx="1">
+            <a:schemeClr val="accent1"/>
+          </a:effectRef>
+          <a:fontRef idx="minor">
+            <a:schemeClr val="tx1"/>
+          </a:fontRef>
+        </p:style>
+      </p:cxnSp>
+      <p:sp>
+        <p:nvSpPr>
+          <p:cNvPr id="13" name="TextBox 12">
+            <a:extLst>
+              <a:ext uri="{FF2B5EF4-FFF2-40B4-BE49-F238E27FC236}">
+                <a16:creationId xmlns:a16="http://schemas.microsoft.com/office/drawing/2014/main" id="{57228138-E4A7-851D-FC56-2306BC16034C}"/>
+              </a:ext>
+            </a:extLst>
+          </p:cNvPr>
+          <p:cNvSpPr txBox="1"/>
+          <p:nvPr/>
+        </p:nvSpPr>
+        <p:spPr>
+          <a:xfrm>
+            <a:off x="3587257" y="1486311"/>
+            <a:ext cx="679347" cy="246221"/>
+          </a:xfrm>
+          <a:prstGeom prst="rect">
+            <a:avLst/>
+          </a:prstGeom>
+          <a:noFill/>
+          <a:ln>
+            <a:noFill/>
+          </a:ln>
+        </p:spPr>
+        <p:txBody>
+          <a:bodyPr wrap="square" rtlCol="0">
+            <a:spAutoFit/>
+          </a:bodyPr>
+          <a:lstStyle/>
+          <a:p>
+            <a:pPr algn="ctr"/>
+            <a:r>
+              <a:rPr lang="en-GB" sz="1000" dirty="0">
+                <a:solidFill>
+                  <a:schemeClr val="accent6">
+                    <a:lumMod val="75000"/>
+                  </a:schemeClr>
+                </a:solidFill>
+                <a:latin typeface="Helvetica" panose="020B0604020202020204"/>
+                <a:cs typeface="Helvetica" panose="020B0604020202020204"/>
+              </a:rPr>
+              <a:t>0.013</a:t>
+            </a:r>
+          </a:p>
+        </p:txBody>
+      </p:sp>
+      <p:cxnSp>
+        <p:nvCxnSpPr>
+          <p:cNvPr id="14" name="Straight Connector 13">
+            <a:extLst>
+              <a:ext uri="{FF2B5EF4-FFF2-40B4-BE49-F238E27FC236}">
+                <a16:creationId xmlns:a16="http://schemas.microsoft.com/office/drawing/2014/main" id="{10EC720A-2AF0-9C6D-6E05-3934CC044EA9}"/>
+              </a:ext>
+            </a:extLst>
+          </p:cNvPr>
+          <p:cNvCxnSpPr>
+            <a:cxnSpLocks/>
+          </p:cNvCxnSpPr>
+          <p:nvPr/>
+        </p:nvCxnSpPr>
+        <p:spPr>
+          <a:xfrm flipV="1">
+            <a:off x="5528414" y="1729338"/>
+            <a:ext cx="3062500" cy="2986"/>
+          </a:xfrm>
+          <a:prstGeom prst="line">
+            <a:avLst/>
+          </a:prstGeom>
+          <a:ln>
+            <a:solidFill>
+              <a:schemeClr val="accent6">
+                <a:lumMod val="75000"/>
+              </a:schemeClr>
+            </a:solidFill>
+          </a:ln>
+        </p:spPr>
+        <p:style>
+          <a:lnRef idx="2">
+            <a:schemeClr val="accent1"/>
+          </a:lnRef>
+          <a:fillRef idx="0">
+            <a:schemeClr val="accent1"/>
+          </a:fillRef>
+          <a:effectRef idx="1">
+            <a:schemeClr val="accent1"/>
+          </a:effectRef>
+          <a:fontRef idx="minor">
+            <a:schemeClr val="tx1"/>
+          </a:fontRef>
+        </p:style>
+      </p:cxnSp>
+      <p:sp>
+        <p:nvSpPr>
+          <p:cNvPr id="15" name="TextBox 14">
+            <a:extLst>
+              <a:ext uri="{FF2B5EF4-FFF2-40B4-BE49-F238E27FC236}">
+                <a16:creationId xmlns:a16="http://schemas.microsoft.com/office/drawing/2014/main" id="{0923EC24-A6E5-C849-B975-9601C8597CF3}"/>
+              </a:ext>
+            </a:extLst>
+          </p:cNvPr>
+          <p:cNvSpPr txBox="1"/>
+          <p:nvPr/>
+        </p:nvSpPr>
+        <p:spPr>
+          <a:xfrm>
+            <a:off x="6790224" y="1483325"/>
+            <a:ext cx="679347" cy="246221"/>
+          </a:xfrm>
+          <a:prstGeom prst="rect">
+            <a:avLst/>
+          </a:prstGeom>
+          <a:noFill/>
+          <a:ln>
+            <a:noFill/>
+          </a:ln>
+        </p:spPr>
+        <p:txBody>
+          <a:bodyPr wrap="square" rtlCol="0">
+            <a:spAutoFit/>
+          </a:bodyPr>
+          <a:lstStyle/>
+          <a:p>
+            <a:pPr algn="ctr"/>
+            <a:r>
+              <a:rPr lang="en-GB" sz="1000" dirty="0">
+                <a:solidFill>
+                  <a:schemeClr val="accent6">
+                    <a:lumMod val="75000"/>
+                  </a:schemeClr>
+                </a:solidFill>
+                <a:latin typeface="Helvetica" panose="020B0604020202020204"/>
+                <a:cs typeface="Helvetica" panose="020B0604020202020204"/>
+              </a:rPr>
+              <a:t>0.01</a:t>
+            </a:r>
+          </a:p>
+        </p:txBody>
+      </p:sp>
     </p:spTree>
     <p:extLst>
       <p:ext uri="{BB962C8B-B14F-4D97-AF65-F5344CB8AC3E}">
-        <p14:creationId xmlns:p14="http://schemas.microsoft.com/office/powerpoint/2010/main" val="1459603130"/>
+        <p14:creationId xmlns:p14="http://schemas.microsoft.com/office/powerpoint/2010/main" val="1309389261"/>
       </p:ext>
     </p:extLst>
   </p:cSld>
@@ -7839,7 +8047,7 @@
           <p:cNvPr id="2" name="Title 1">
             <a:extLst>
               <a:ext uri="{FF2B5EF4-FFF2-40B4-BE49-F238E27FC236}">
-                <a16:creationId xmlns:a16="http://schemas.microsoft.com/office/drawing/2014/main" id="{87423E70-6AE2-13AB-B9D6-DFD4DC3807B8}"/>
+                <a16:creationId xmlns:a16="http://schemas.microsoft.com/office/drawing/2014/main" id="{971A7E35-F3A7-7E5B-ED8A-FA3BA661E53E}"/>
               </a:ext>
             </a:extLst>
           </p:cNvPr>
@@ -7852,7 +8060,7 @@
         </p:nvSpPr>
         <p:spPr>
           <a:xfrm>
-            <a:off x="177800" y="196168"/>
+            <a:off x="238225" y="224589"/>
             <a:ext cx="9875520" cy="1356360"/>
           </a:xfrm>
         </p:spPr>
@@ -7862,7 +8070,7 @@
           <a:p>
             <a:r>
               <a:rPr lang="de-CH" dirty="0"/>
-              <a:t>Budburst by Type</a:t>
+              <a:t>Burburst - by Provenance</a:t>
             </a:r>
             <a:endParaRPr lang="en-GB" dirty="0"/>
           </a:p>
@@ -7870,10 +8078,10 @@
       </p:sp>
       <p:pic>
         <p:nvPicPr>
-          <p:cNvPr id="8" name="Content Placeholder 7" descr="A graph of a graph&#10;&#10;AI-generated content may be incorrect.">
+          <p:cNvPr id="5" name="Content Placeholder 4" descr="A graph of a graph&#10;&#10;AI-generated content may be incorrect.">
             <a:extLst>
               <a:ext uri="{FF2B5EF4-FFF2-40B4-BE49-F238E27FC236}">
-                <a16:creationId xmlns:a16="http://schemas.microsoft.com/office/drawing/2014/main" id="{4EC47E45-9E07-5478-4A1D-D66819A23913}"/>
+                <a16:creationId xmlns:a16="http://schemas.microsoft.com/office/drawing/2014/main" id="{2D2CC6DF-5B3C-EB76-C731-64BD8A77302C}"/>
               </a:ext>
             </a:extLst>
           </p:cNvPr>
@@ -7898,15 +8106,15 @@
         </p:blipFill>
         <p:spPr>
           <a:xfrm>
-            <a:off x="608204" y="1209040"/>
-            <a:ext cx="10602941" cy="5361352"/>
+            <a:off x="861762" y="1259840"/>
+            <a:ext cx="10468476" cy="5293360"/>
           </a:xfrm>
         </p:spPr>
       </p:pic>
     </p:spTree>
     <p:extLst>
       <p:ext uri="{BB962C8B-B14F-4D97-AF65-F5344CB8AC3E}">
-        <p14:creationId xmlns:p14="http://schemas.microsoft.com/office/powerpoint/2010/main" val="1505597422"/>
+        <p14:creationId xmlns:p14="http://schemas.microsoft.com/office/powerpoint/2010/main" val="2763315938"/>
       </p:ext>
     </p:extLst>
   </p:cSld>
@@ -7938,7 +8146,7 @@
           <p:cNvPr id="2" name="Title 1">
             <a:extLst>
               <a:ext uri="{FF2B5EF4-FFF2-40B4-BE49-F238E27FC236}">
-                <a16:creationId xmlns:a16="http://schemas.microsoft.com/office/drawing/2014/main" id="{EF986BC2-00B2-FE0A-3FD2-8B3983EDDD41}"/>
+                <a16:creationId xmlns:a16="http://schemas.microsoft.com/office/drawing/2014/main" id="{54C10286-6041-399A-065F-9CA72ED989EA}"/>
               </a:ext>
             </a:extLst>
           </p:cNvPr>
@@ -7951,7 +8159,7 @@
         </p:nvSpPr>
         <p:spPr>
           <a:xfrm>
-            <a:off x="215900" y="215900"/>
+            <a:off x="187960" y="223520"/>
             <a:ext cx="9875520" cy="1356360"/>
           </a:xfrm>
         </p:spPr>
@@ -7961,7 +8169,7 @@
           <a:p>
             <a:r>
               <a:rPr lang="de-CH" dirty="0"/>
-              <a:t>Budset &amp; Budburst - Provenance</a:t>
+              <a:t>Budburst – by Type</a:t>
             </a:r>
             <a:endParaRPr lang="en-GB" dirty="0"/>
           </a:p>
@@ -7969,10 +8177,10 @@
       </p:sp>
       <p:pic>
         <p:nvPicPr>
-          <p:cNvPr id="5" name="Content Placeholder 4" descr="A graph of a graph&#10;&#10;AI-generated content may be incorrect.">
+          <p:cNvPr id="9" name="Content Placeholder 8" descr="A graph of a diagram&#10;&#10;AI-generated content may be incorrect.">
             <a:extLst>
               <a:ext uri="{FF2B5EF4-FFF2-40B4-BE49-F238E27FC236}">
-                <a16:creationId xmlns:a16="http://schemas.microsoft.com/office/drawing/2014/main" id="{9E7923FB-1127-0B4E-8720-F56777E2285D}"/>
+                <a16:creationId xmlns:a16="http://schemas.microsoft.com/office/drawing/2014/main" id="{463E4468-FDCA-104C-62BA-3B778918FA92}"/>
               </a:ext>
             </a:extLst>
           </p:cNvPr>
@@ -7997,206 +8205,15 @@
         </p:blipFill>
         <p:spPr>
           <a:xfrm>
-            <a:off x="1818655" y="1294466"/>
-            <a:ext cx="8554689" cy="5309534"/>
+            <a:off x="576234" y="1198881"/>
+            <a:ext cx="10659360" cy="5389880"/>
           </a:xfrm>
         </p:spPr>
       </p:pic>
-      <p:cxnSp>
-        <p:nvCxnSpPr>
-          <p:cNvPr id="7" name="Straight Arrow Connector 6">
-            <a:extLst>
-              <a:ext uri="{FF2B5EF4-FFF2-40B4-BE49-F238E27FC236}">
-                <a16:creationId xmlns:a16="http://schemas.microsoft.com/office/drawing/2014/main" id="{25D74AA0-35DD-764B-F3C0-5ECE2236E1C8}"/>
-              </a:ext>
-            </a:extLst>
-          </p:cNvPr>
-          <p:cNvCxnSpPr>
-            <a:cxnSpLocks/>
-          </p:cNvCxnSpPr>
-          <p:nvPr/>
-        </p:nvCxnSpPr>
-        <p:spPr>
-          <a:xfrm flipH="1">
-            <a:off x="8775700" y="3111500"/>
-            <a:ext cx="1701800" cy="244733"/>
-          </a:xfrm>
-          <a:prstGeom prst="straightConnector1">
-            <a:avLst/>
-          </a:prstGeom>
-          <a:ln>
-            <a:tailEnd type="triangle"/>
-          </a:ln>
-        </p:spPr>
-        <p:style>
-          <a:lnRef idx="1">
-            <a:schemeClr val="accent1"/>
-          </a:lnRef>
-          <a:fillRef idx="0">
-            <a:schemeClr val="accent1"/>
-          </a:fillRef>
-          <a:effectRef idx="0">
-            <a:schemeClr val="accent1"/>
-          </a:effectRef>
-          <a:fontRef idx="minor">
-            <a:schemeClr val="tx1"/>
-          </a:fontRef>
-        </p:style>
-      </p:cxnSp>
-      <p:sp>
-        <p:nvSpPr>
-          <p:cNvPr id="10" name="TextBox 9">
-            <a:extLst>
-              <a:ext uri="{FF2B5EF4-FFF2-40B4-BE49-F238E27FC236}">
-                <a16:creationId xmlns:a16="http://schemas.microsoft.com/office/drawing/2014/main" id="{AFE8A3AE-E1B6-A94E-7C86-528849D7B52B}"/>
-              </a:ext>
-            </a:extLst>
-          </p:cNvPr>
-          <p:cNvSpPr txBox="1"/>
-          <p:nvPr/>
-        </p:nvSpPr>
-        <p:spPr>
-          <a:xfrm>
-            <a:off x="10477500" y="2833132"/>
-            <a:ext cx="1130299" cy="369332"/>
-          </a:xfrm>
-          <a:prstGeom prst="rect">
-            <a:avLst/>
-          </a:prstGeom>
-          <a:noFill/>
-        </p:spPr>
-        <p:txBody>
-          <a:bodyPr wrap="square" rtlCol="0">
-            <a:spAutoFit/>
-          </a:bodyPr>
-          <a:lstStyle/>
-          <a:p>
-            <a:r>
-              <a:rPr lang="de-CH" dirty="0"/>
-              <a:t>Budburst</a:t>
-            </a:r>
-            <a:endParaRPr lang="en-GB" dirty="0"/>
-          </a:p>
-        </p:txBody>
-      </p:sp>
-      <p:cxnSp>
-        <p:nvCxnSpPr>
-          <p:cNvPr id="11" name="Straight Arrow Connector 10">
-            <a:extLst>
-              <a:ext uri="{FF2B5EF4-FFF2-40B4-BE49-F238E27FC236}">
-                <a16:creationId xmlns:a16="http://schemas.microsoft.com/office/drawing/2014/main" id="{F9E2F8F7-A542-4D12-3444-9EE948B6280A}"/>
-              </a:ext>
-            </a:extLst>
-          </p:cNvPr>
-          <p:cNvCxnSpPr>
-            <a:cxnSpLocks/>
-            <a:stCxn id="12" idx="1"/>
-          </p:cNvCxnSpPr>
-          <p:nvPr/>
-        </p:nvCxnSpPr>
-        <p:spPr>
-          <a:xfrm flipH="1">
-            <a:off x="7124700" y="4980116"/>
-            <a:ext cx="3352800" cy="620584"/>
-          </a:xfrm>
-          <a:prstGeom prst="straightConnector1">
-            <a:avLst/>
-          </a:prstGeom>
-          <a:ln>
-            <a:tailEnd type="triangle"/>
-          </a:ln>
-        </p:spPr>
-        <p:style>
-          <a:lnRef idx="1">
-            <a:schemeClr val="accent1"/>
-          </a:lnRef>
-          <a:fillRef idx="0">
-            <a:schemeClr val="accent1"/>
-          </a:fillRef>
-          <a:effectRef idx="0">
-            <a:schemeClr val="accent1"/>
-          </a:effectRef>
-          <a:fontRef idx="minor">
-            <a:schemeClr val="tx1"/>
-          </a:fontRef>
-        </p:style>
-      </p:cxnSp>
-      <p:sp>
-        <p:nvSpPr>
-          <p:cNvPr id="12" name="TextBox 11">
-            <a:extLst>
-              <a:ext uri="{FF2B5EF4-FFF2-40B4-BE49-F238E27FC236}">
-                <a16:creationId xmlns:a16="http://schemas.microsoft.com/office/drawing/2014/main" id="{A9FC8493-0AD6-BDCD-FA4F-8FDE947FB7F5}"/>
-              </a:ext>
-            </a:extLst>
-          </p:cNvPr>
-          <p:cNvSpPr txBox="1"/>
-          <p:nvPr/>
-        </p:nvSpPr>
-        <p:spPr>
-          <a:xfrm>
-            <a:off x="10477500" y="4795450"/>
-            <a:ext cx="1130299" cy="369332"/>
-          </a:xfrm>
-          <a:prstGeom prst="rect">
-            <a:avLst/>
-          </a:prstGeom>
-          <a:noFill/>
-        </p:spPr>
-        <p:txBody>
-          <a:bodyPr wrap="square" rtlCol="0">
-            <a:spAutoFit/>
-          </a:bodyPr>
-          <a:lstStyle/>
-          <a:p>
-            <a:r>
-              <a:rPr lang="de-CH" dirty="0"/>
-              <a:t>Budset</a:t>
-            </a:r>
-            <a:endParaRPr lang="en-GB" dirty="0"/>
-          </a:p>
-        </p:txBody>
-      </p:sp>
-      <p:sp>
-        <p:nvSpPr>
-          <p:cNvPr id="17" name="TextBox 16">
-            <a:extLst>
-              <a:ext uri="{FF2B5EF4-FFF2-40B4-BE49-F238E27FC236}">
-                <a16:creationId xmlns:a16="http://schemas.microsoft.com/office/drawing/2014/main" id="{CEF2B93A-CB40-DAF3-E74D-8368928952C9}"/>
-              </a:ext>
-            </a:extLst>
-          </p:cNvPr>
-          <p:cNvSpPr txBox="1"/>
-          <p:nvPr/>
-        </p:nvSpPr>
-        <p:spPr>
-          <a:xfrm>
-            <a:off x="9626600" y="432018"/>
-            <a:ext cx="2247900" cy="646331"/>
-          </a:xfrm>
-          <a:prstGeom prst="rect">
-            <a:avLst/>
-          </a:prstGeom>
-          <a:noFill/>
-        </p:spPr>
-        <p:txBody>
-          <a:bodyPr wrap="square" rtlCol="0">
-            <a:spAutoFit/>
-          </a:bodyPr>
-          <a:lstStyle/>
-          <a:p>
-            <a:r>
-              <a:rPr lang="de-CH" dirty="0"/>
-              <a:t>Origin date (planting date) = 20/06/2023</a:t>
-            </a:r>
-            <a:endParaRPr lang="en-GB" dirty="0"/>
-          </a:p>
-        </p:txBody>
-      </p:sp>
     </p:spTree>
     <p:extLst>
       <p:ext uri="{BB962C8B-B14F-4D97-AF65-F5344CB8AC3E}">
-        <p14:creationId xmlns:p14="http://schemas.microsoft.com/office/powerpoint/2010/main" val="232684958"/>
+        <p14:creationId xmlns:p14="http://schemas.microsoft.com/office/powerpoint/2010/main" val="1459603130"/>
       </p:ext>
     </p:extLst>
   </p:cSld>
@@ -8223,6 +8240,563 @@
           <a:chExt cx="0" cy="0"/>
         </a:xfrm>
       </p:grpSpPr>
+      <p:sp>
+        <p:nvSpPr>
+          <p:cNvPr id="2" name="Title 1">
+            <a:extLst>
+              <a:ext uri="{FF2B5EF4-FFF2-40B4-BE49-F238E27FC236}">
+                <a16:creationId xmlns:a16="http://schemas.microsoft.com/office/drawing/2014/main" id="{87423E70-6AE2-13AB-B9D6-DFD4DC3807B8}"/>
+              </a:ext>
+            </a:extLst>
+          </p:cNvPr>
+          <p:cNvSpPr>
+            <a:spLocks noGrp="1"/>
+          </p:cNvSpPr>
+          <p:nvPr>
+            <p:ph type="title"/>
+          </p:nvPr>
+        </p:nvSpPr>
+        <p:spPr>
+          <a:xfrm>
+            <a:off x="177800" y="196168"/>
+            <a:ext cx="9875520" cy="1356360"/>
+          </a:xfrm>
+        </p:spPr>
+        <p:txBody>
+          <a:bodyPr/>
+          <a:lstStyle/>
+          <a:p>
+            <a:r>
+              <a:rPr lang="de-CH" dirty="0"/>
+              <a:t>Budburst by Type</a:t>
+            </a:r>
+            <a:endParaRPr lang="en-GB" dirty="0"/>
+          </a:p>
+        </p:txBody>
+      </p:sp>
+      <p:pic>
+        <p:nvPicPr>
+          <p:cNvPr id="8" name="Content Placeholder 7" descr="A graph of a graph&#10;&#10;AI-generated content may be incorrect.">
+            <a:extLst>
+              <a:ext uri="{FF2B5EF4-FFF2-40B4-BE49-F238E27FC236}">
+                <a16:creationId xmlns:a16="http://schemas.microsoft.com/office/drawing/2014/main" id="{4EC47E45-9E07-5478-4A1D-D66819A23913}"/>
+              </a:ext>
+            </a:extLst>
+          </p:cNvPr>
+          <p:cNvPicPr>
+            <a:picLocks noGrp="1" noChangeAspect="1"/>
+          </p:cNvPicPr>
+          <p:nvPr>
+            <p:ph idx="1"/>
+          </p:nvPr>
+        </p:nvPicPr>
+        <p:blipFill>
+          <a:blip r:embed="rId2">
+            <a:extLst>
+              <a:ext uri="{28A0092B-C50C-407E-A947-70E740481C1C}">
+                <a14:useLocalDpi xmlns:a14="http://schemas.microsoft.com/office/drawing/2010/main" val="0"/>
+              </a:ext>
+            </a:extLst>
+          </a:blip>
+          <a:stretch>
+            <a:fillRect/>
+          </a:stretch>
+        </p:blipFill>
+        <p:spPr>
+          <a:xfrm>
+            <a:off x="608204" y="1209040"/>
+            <a:ext cx="10602941" cy="5361352"/>
+          </a:xfrm>
+        </p:spPr>
+      </p:pic>
+    </p:spTree>
+    <p:extLst>
+      <p:ext uri="{BB962C8B-B14F-4D97-AF65-F5344CB8AC3E}">
+        <p14:creationId xmlns:p14="http://schemas.microsoft.com/office/powerpoint/2010/main" val="1505597422"/>
+      </p:ext>
+    </p:extLst>
+  </p:cSld>
+  <p:clrMapOvr>
+    <a:masterClrMapping/>
+  </p:clrMapOvr>
+</p:sld>
+</file>
+
+<file path=ppt/slides/slide24.xml><?xml version="1.0" encoding="utf-8"?>
+<p:sld xmlns:a="http://schemas.openxmlformats.org/drawingml/2006/main" xmlns:r="http://schemas.openxmlformats.org/officeDocument/2006/relationships" xmlns:p="http://schemas.openxmlformats.org/presentationml/2006/main">
+  <p:cSld>
+    <p:spTree>
+      <p:nvGrpSpPr>
+        <p:cNvPr id="1" name=""/>
+        <p:cNvGrpSpPr/>
+        <p:nvPr/>
+      </p:nvGrpSpPr>
+      <p:grpSpPr>
+        <a:xfrm>
+          <a:off x="0" y="0"/>
+          <a:ext cx="0" cy="0"/>
+          <a:chOff x="0" y="0"/>
+          <a:chExt cx="0" cy="0"/>
+        </a:xfrm>
+      </p:grpSpPr>
+      <p:sp>
+        <p:nvSpPr>
+          <p:cNvPr id="2" name="Title 1">
+            <a:extLst>
+              <a:ext uri="{FF2B5EF4-FFF2-40B4-BE49-F238E27FC236}">
+                <a16:creationId xmlns:a16="http://schemas.microsoft.com/office/drawing/2014/main" id="{7C06FE14-95D7-2C34-3B1C-7E62C27D5BD5}"/>
+              </a:ext>
+            </a:extLst>
+          </p:cNvPr>
+          <p:cNvSpPr>
+            <a:spLocks noGrp="1"/>
+          </p:cNvSpPr>
+          <p:nvPr>
+            <p:ph type="title"/>
+          </p:nvPr>
+        </p:nvSpPr>
+        <p:spPr/>
+        <p:txBody>
+          <a:bodyPr/>
+          <a:lstStyle/>
+          <a:p>
+            <a:r>
+              <a:rPr lang="de-CH" dirty="0"/>
+              <a:t>Overlay BS &amp; BB data with temperature</a:t>
+            </a:r>
+            <a:endParaRPr lang="en-GB" dirty="0"/>
+          </a:p>
+        </p:txBody>
+      </p:sp>
+      <p:sp>
+        <p:nvSpPr>
+          <p:cNvPr id="3" name="Content Placeholder 2">
+            <a:extLst>
+              <a:ext uri="{FF2B5EF4-FFF2-40B4-BE49-F238E27FC236}">
+                <a16:creationId xmlns:a16="http://schemas.microsoft.com/office/drawing/2014/main" id="{F6DB63F4-FC30-DECB-6678-B7E5BBA0AA7F}"/>
+              </a:ext>
+            </a:extLst>
+          </p:cNvPr>
+          <p:cNvSpPr>
+            <a:spLocks noGrp="1"/>
+          </p:cNvSpPr>
+          <p:nvPr>
+            <p:ph idx="1"/>
+          </p:nvPr>
+        </p:nvSpPr>
+        <p:spPr/>
+        <p:txBody>
+          <a:bodyPr/>
+          <a:lstStyle/>
+          <a:p>
+            <a:endParaRPr lang="en-GB"/>
+          </a:p>
+        </p:txBody>
+      </p:sp>
+    </p:spTree>
+    <p:extLst>
+      <p:ext uri="{BB962C8B-B14F-4D97-AF65-F5344CB8AC3E}">
+        <p14:creationId xmlns:p14="http://schemas.microsoft.com/office/powerpoint/2010/main" val="3635244816"/>
+      </p:ext>
+    </p:extLst>
+  </p:cSld>
+  <p:clrMapOvr>
+    <a:masterClrMapping/>
+  </p:clrMapOvr>
+</p:sld>
+</file>
+
+<file path=ppt/slides/slide25.xml><?xml version="1.0" encoding="utf-8"?>
+<p:sld xmlns:a="http://schemas.openxmlformats.org/drawingml/2006/main" xmlns:r="http://schemas.openxmlformats.org/officeDocument/2006/relationships" xmlns:p="http://schemas.openxmlformats.org/presentationml/2006/main">
+  <p:cSld>
+    <p:spTree>
+      <p:nvGrpSpPr>
+        <p:cNvPr id="1" name=""/>
+        <p:cNvGrpSpPr/>
+        <p:nvPr/>
+      </p:nvGrpSpPr>
+      <p:grpSpPr>
+        <a:xfrm>
+          <a:off x="0" y="0"/>
+          <a:ext cx="0" cy="0"/>
+          <a:chOff x="0" y="0"/>
+          <a:chExt cx="0" cy="0"/>
+        </a:xfrm>
+      </p:grpSpPr>
+      <p:sp>
+        <p:nvSpPr>
+          <p:cNvPr id="2" name="Title 1">
+            <a:extLst>
+              <a:ext uri="{FF2B5EF4-FFF2-40B4-BE49-F238E27FC236}">
+                <a16:creationId xmlns:a16="http://schemas.microsoft.com/office/drawing/2014/main" id="{8FEE9FEA-9B3E-6A9F-C090-44E2DA4F43D8}"/>
+              </a:ext>
+            </a:extLst>
+          </p:cNvPr>
+          <p:cNvSpPr>
+            <a:spLocks noGrp="1"/>
+          </p:cNvSpPr>
+          <p:nvPr>
+            <p:ph type="title"/>
+          </p:nvPr>
+        </p:nvSpPr>
+        <p:spPr/>
+        <p:txBody>
+          <a:bodyPr/>
+          <a:lstStyle/>
+          <a:p>
+            <a:r>
+              <a:rPr lang="de-CH" dirty="0"/>
+              <a:t>Cumulative BS/BB curve (per provenance/type)</a:t>
+            </a:r>
+            <a:endParaRPr lang="en-GB" dirty="0"/>
+          </a:p>
+        </p:txBody>
+      </p:sp>
+      <p:sp>
+        <p:nvSpPr>
+          <p:cNvPr id="3" name="Content Placeholder 2">
+            <a:extLst>
+              <a:ext uri="{FF2B5EF4-FFF2-40B4-BE49-F238E27FC236}">
+                <a16:creationId xmlns:a16="http://schemas.microsoft.com/office/drawing/2014/main" id="{3877EDF9-8919-0183-EBBC-47FDE664CADB}"/>
+              </a:ext>
+            </a:extLst>
+          </p:cNvPr>
+          <p:cNvSpPr>
+            <a:spLocks noGrp="1"/>
+          </p:cNvSpPr>
+          <p:nvPr>
+            <p:ph idx="1"/>
+          </p:nvPr>
+        </p:nvSpPr>
+        <p:spPr/>
+        <p:txBody>
+          <a:bodyPr/>
+          <a:lstStyle/>
+          <a:p>
+            <a:endParaRPr lang="en-GB"/>
+          </a:p>
+        </p:txBody>
+      </p:sp>
+    </p:spTree>
+    <p:extLst>
+      <p:ext uri="{BB962C8B-B14F-4D97-AF65-F5344CB8AC3E}">
+        <p14:creationId xmlns:p14="http://schemas.microsoft.com/office/powerpoint/2010/main" val="4162262758"/>
+      </p:ext>
+    </p:extLst>
+  </p:cSld>
+  <p:clrMapOvr>
+    <a:masterClrMapping/>
+  </p:clrMapOvr>
+</p:sld>
+</file>
+
+<file path=ppt/slides/slide26.xml><?xml version="1.0" encoding="utf-8"?>
+<p:sld xmlns:a="http://schemas.openxmlformats.org/drawingml/2006/main" xmlns:r="http://schemas.openxmlformats.org/officeDocument/2006/relationships" xmlns:p="http://schemas.openxmlformats.org/presentationml/2006/main">
+  <p:cSld>
+    <p:spTree>
+      <p:nvGrpSpPr>
+        <p:cNvPr id="1" name=""/>
+        <p:cNvGrpSpPr/>
+        <p:nvPr/>
+      </p:nvGrpSpPr>
+      <p:grpSpPr>
+        <a:xfrm>
+          <a:off x="0" y="0"/>
+          <a:ext cx="0" cy="0"/>
+          <a:chOff x="0" y="0"/>
+          <a:chExt cx="0" cy="0"/>
+        </a:xfrm>
+      </p:grpSpPr>
+      <p:sp>
+        <p:nvSpPr>
+          <p:cNvPr id="2" name="Title 1">
+            <a:extLst>
+              <a:ext uri="{FF2B5EF4-FFF2-40B4-BE49-F238E27FC236}">
+                <a16:creationId xmlns:a16="http://schemas.microsoft.com/office/drawing/2014/main" id="{EF986BC2-00B2-FE0A-3FD2-8B3983EDDD41}"/>
+              </a:ext>
+            </a:extLst>
+          </p:cNvPr>
+          <p:cNvSpPr>
+            <a:spLocks noGrp="1"/>
+          </p:cNvSpPr>
+          <p:nvPr>
+            <p:ph type="title"/>
+          </p:nvPr>
+        </p:nvSpPr>
+        <p:spPr>
+          <a:xfrm>
+            <a:off x="215900" y="215900"/>
+            <a:ext cx="9875520" cy="1356360"/>
+          </a:xfrm>
+        </p:spPr>
+        <p:txBody>
+          <a:bodyPr/>
+          <a:lstStyle/>
+          <a:p>
+            <a:r>
+              <a:rPr lang="de-CH" dirty="0"/>
+              <a:t>Budset &amp; Budburst - Provenance</a:t>
+            </a:r>
+            <a:endParaRPr lang="en-GB" dirty="0"/>
+          </a:p>
+        </p:txBody>
+      </p:sp>
+      <p:pic>
+        <p:nvPicPr>
+          <p:cNvPr id="5" name="Content Placeholder 4" descr="A graph of a graph&#10;&#10;AI-generated content may be incorrect.">
+            <a:extLst>
+              <a:ext uri="{FF2B5EF4-FFF2-40B4-BE49-F238E27FC236}">
+                <a16:creationId xmlns:a16="http://schemas.microsoft.com/office/drawing/2014/main" id="{9E7923FB-1127-0B4E-8720-F56777E2285D}"/>
+              </a:ext>
+            </a:extLst>
+          </p:cNvPr>
+          <p:cNvPicPr>
+            <a:picLocks noGrp="1" noChangeAspect="1"/>
+          </p:cNvPicPr>
+          <p:nvPr>
+            <p:ph idx="1"/>
+          </p:nvPr>
+        </p:nvPicPr>
+        <p:blipFill>
+          <a:blip r:embed="rId3">
+            <a:extLst>
+              <a:ext uri="{28A0092B-C50C-407E-A947-70E740481C1C}">
+                <a14:useLocalDpi xmlns:a14="http://schemas.microsoft.com/office/drawing/2010/main" val="0"/>
+              </a:ext>
+            </a:extLst>
+          </a:blip>
+          <a:stretch>
+            <a:fillRect/>
+          </a:stretch>
+        </p:blipFill>
+        <p:spPr>
+          <a:xfrm>
+            <a:off x="1818655" y="1294466"/>
+            <a:ext cx="8554689" cy="5309534"/>
+          </a:xfrm>
+        </p:spPr>
+      </p:pic>
+      <p:cxnSp>
+        <p:nvCxnSpPr>
+          <p:cNvPr id="7" name="Straight Arrow Connector 6">
+            <a:extLst>
+              <a:ext uri="{FF2B5EF4-FFF2-40B4-BE49-F238E27FC236}">
+                <a16:creationId xmlns:a16="http://schemas.microsoft.com/office/drawing/2014/main" id="{25D74AA0-35DD-764B-F3C0-5ECE2236E1C8}"/>
+              </a:ext>
+            </a:extLst>
+          </p:cNvPr>
+          <p:cNvCxnSpPr>
+            <a:cxnSpLocks/>
+          </p:cNvCxnSpPr>
+          <p:nvPr/>
+        </p:nvCxnSpPr>
+        <p:spPr>
+          <a:xfrm flipH="1">
+            <a:off x="8775700" y="3111500"/>
+            <a:ext cx="1701800" cy="244733"/>
+          </a:xfrm>
+          <a:prstGeom prst="straightConnector1">
+            <a:avLst/>
+          </a:prstGeom>
+          <a:ln>
+            <a:tailEnd type="triangle"/>
+          </a:ln>
+        </p:spPr>
+        <p:style>
+          <a:lnRef idx="1">
+            <a:schemeClr val="accent1"/>
+          </a:lnRef>
+          <a:fillRef idx="0">
+            <a:schemeClr val="accent1"/>
+          </a:fillRef>
+          <a:effectRef idx="0">
+            <a:schemeClr val="accent1"/>
+          </a:effectRef>
+          <a:fontRef idx="minor">
+            <a:schemeClr val="tx1"/>
+          </a:fontRef>
+        </p:style>
+      </p:cxnSp>
+      <p:sp>
+        <p:nvSpPr>
+          <p:cNvPr id="10" name="TextBox 9">
+            <a:extLst>
+              <a:ext uri="{FF2B5EF4-FFF2-40B4-BE49-F238E27FC236}">
+                <a16:creationId xmlns:a16="http://schemas.microsoft.com/office/drawing/2014/main" id="{AFE8A3AE-E1B6-A94E-7C86-528849D7B52B}"/>
+              </a:ext>
+            </a:extLst>
+          </p:cNvPr>
+          <p:cNvSpPr txBox="1"/>
+          <p:nvPr/>
+        </p:nvSpPr>
+        <p:spPr>
+          <a:xfrm>
+            <a:off x="10477500" y="2833132"/>
+            <a:ext cx="1130299" cy="369332"/>
+          </a:xfrm>
+          <a:prstGeom prst="rect">
+            <a:avLst/>
+          </a:prstGeom>
+          <a:noFill/>
+        </p:spPr>
+        <p:txBody>
+          <a:bodyPr wrap="square" rtlCol="0">
+            <a:spAutoFit/>
+          </a:bodyPr>
+          <a:lstStyle/>
+          <a:p>
+            <a:r>
+              <a:rPr lang="de-CH" dirty="0"/>
+              <a:t>Budburst</a:t>
+            </a:r>
+            <a:endParaRPr lang="en-GB" dirty="0"/>
+          </a:p>
+        </p:txBody>
+      </p:sp>
+      <p:cxnSp>
+        <p:nvCxnSpPr>
+          <p:cNvPr id="11" name="Straight Arrow Connector 10">
+            <a:extLst>
+              <a:ext uri="{FF2B5EF4-FFF2-40B4-BE49-F238E27FC236}">
+                <a16:creationId xmlns:a16="http://schemas.microsoft.com/office/drawing/2014/main" id="{F9E2F8F7-A542-4D12-3444-9EE948B6280A}"/>
+              </a:ext>
+            </a:extLst>
+          </p:cNvPr>
+          <p:cNvCxnSpPr>
+            <a:cxnSpLocks/>
+            <a:stCxn id="12" idx="1"/>
+          </p:cNvCxnSpPr>
+          <p:nvPr/>
+        </p:nvCxnSpPr>
+        <p:spPr>
+          <a:xfrm flipH="1">
+            <a:off x="7124700" y="4980116"/>
+            <a:ext cx="3352800" cy="620584"/>
+          </a:xfrm>
+          <a:prstGeom prst="straightConnector1">
+            <a:avLst/>
+          </a:prstGeom>
+          <a:ln>
+            <a:tailEnd type="triangle"/>
+          </a:ln>
+        </p:spPr>
+        <p:style>
+          <a:lnRef idx="1">
+            <a:schemeClr val="accent1"/>
+          </a:lnRef>
+          <a:fillRef idx="0">
+            <a:schemeClr val="accent1"/>
+          </a:fillRef>
+          <a:effectRef idx="0">
+            <a:schemeClr val="accent1"/>
+          </a:effectRef>
+          <a:fontRef idx="minor">
+            <a:schemeClr val="tx1"/>
+          </a:fontRef>
+        </p:style>
+      </p:cxnSp>
+      <p:sp>
+        <p:nvSpPr>
+          <p:cNvPr id="12" name="TextBox 11">
+            <a:extLst>
+              <a:ext uri="{FF2B5EF4-FFF2-40B4-BE49-F238E27FC236}">
+                <a16:creationId xmlns:a16="http://schemas.microsoft.com/office/drawing/2014/main" id="{A9FC8493-0AD6-BDCD-FA4F-8FDE947FB7F5}"/>
+              </a:ext>
+            </a:extLst>
+          </p:cNvPr>
+          <p:cNvSpPr txBox="1"/>
+          <p:nvPr/>
+        </p:nvSpPr>
+        <p:spPr>
+          <a:xfrm>
+            <a:off x="10477500" y="4795450"/>
+            <a:ext cx="1130299" cy="369332"/>
+          </a:xfrm>
+          <a:prstGeom prst="rect">
+            <a:avLst/>
+          </a:prstGeom>
+          <a:noFill/>
+        </p:spPr>
+        <p:txBody>
+          <a:bodyPr wrap="square" rtlCol="0">
+            <a:spAutoFit/>
+          </a:bodyPr>
+          <a:lstStyle/>
+          <a:p>
+            <a:r>
+              <a:rPr lang="de-CH" dirty="0"/>
+              <a:t>Budset</a:t>
+            </a:r>
+            <a:endParaRPr lang="en-GB" dirty="0"/>
+          </a:p>
+        </p:txBody>
+      </p:sp>
+      <p:sp>
+        <p:nvSpPr>
+          <p:cNvPr id="17" name="TextBox 16">
+            <a:extLst>
+              <a:ext uri="{FF2B5EF4-FFF2-40B4-BE49-F238E27FC236}">
+                <a16:creationId xmlns:a16="http://schemas.microsoft.com/office/drawing/2014/main" id="{CEF2B93A-CB40-DAF3-E74D-8368928952C9}"/>
+              </a:ext>
+            </a:extLst>
+          </p:cNvPr>
+          <p:cNvSpPr txBox="1"/>
+          <p:nvPr/>
+        </p:nvSpPr>
+        <p:spPr>
+          <a:xfrm>
+            <a:off x="9626600" y="432018"/>
+            <a:ext cx="2247900" cy="646331"/>
+          </a:xfrm>
+          <a:prstGeom prst="rect">
+            <a:avLst/>
+          </a:prstGeom>
+          <a:noFill/>
+        </p:spPr>
+        <p:txBody>
+          <a:bodyPr wrap="square" rtlCol="0">
+            <a:spAutoFit/>
+          </a:bodyPr>
+          <a:lstStyle/>
+          <a:p>
+            <a:r>
+              <a:rPr lang="de-CH" dirty="0"/>
+              <a:t>Origin date (planting date) = 20/06/2023</a:t>
+            </a:r>
+            <a:endParaRPr lang="en-GB" dirty="0"/>
+          </a:p>
+        </p:txBody>
+      </p:sp>
+    </p:spTree>
+    <p:extLst>
+      <p:ext uri="{BB962C8B-B14F-4D97-AF65-F5344CB8AC3E}">
+        <p14:creationId xmlns:p14="http://schemas.microsoft.com/office/powerpoint/2010/main" val="232684958"/>
+      </p:ext>
+    </p:extLst>
+  </p:cSld>
+  <p:clrMapOvr>
+    <a:masterClrMapping/>
+  </p:clrMapOvr>
+</p:sld>
+</file>
+
+<file path=ppt/slides/slide27.xml><?xml version="1.0" encoding="utf-8"?>
+<p:sld xmlns:a="http://schemas.openxmlformats.org/drawingml/2006/main" xmlns:r="http://schemas.openxmlformats.org/officeDocument/2006/relationships" xmlns:p="http://schemas.openxmlformats.org/presentationml/2006/main">
+  <p:cSld>
+    <p:spTree>
+      <p:nvGrpSpPr>
+        <p:cNvPr id="1" name=""/>
+        <p:cNvGrpSpPr/>
+        <p:nvPr/>
+      </p:nvGrpSpPr>
+      <p:grpSpPr>
+        <a:xfrm>
+          <a:off x="0" y="0"/>
+          <a:ext cx="0" cy="0"/>
+          <a:chOff x="0" y="0"/>
+          <a:chExt cx="0" cy="0"/>
+        </a:xfrm>
+      </p:grpSpPr>
       <p:pic>
         <p:nvPicPr>
           <p:cNvPr id="6" name="Content Placeholder 5" descr="A graph with lines and numbers&#10;&#10;AI-generated content may be incorrect.">
@@ -8305,7 +8879,7 @@
 </p:sld>
 </file>
 
-<file path=ppt/slides/slide24.xml><?xml version="1.0" encoding="utf-8"?>
+<file path=ppt/slides/slide28.xml><?xml version="1.0" encoding="utf-8"?>
 <p:sld xmlns:a="http://schemas.openxmlformats.org/drawingml/2006/main" xmlns:r="http://schemas.openxmlformats.org/officeDocument/2006/relationships" xmlns:p="http://schemas.openxmlformats.org/presentationml/2006/main">
   <p:cSld>
     <p:spTree>
@@ -8863,7 +9437,7 @@
 </p:sld>
 </file>
 
-<file path=ppt/slides/slide25.xml><?xml version="1.0" encoding="utf-8"?>
+<file path=ppt/slides/slide29.xml><?xml version="1.0" encoding="utf-8"?>
 <p:sld xmlns:a="http://schemas.openxmlformats.org/drawingml/2006/main" xmlns:r="http://schemas.openxmlformats.org/officeDocument/2006/relationships" xmlns:p="http://schemas.openxmlformats.org/presentationml/2006/main">
   <p:cSld>
     <p:spTree>
@@ -8976,102 +9550,6 @@
     <p:extLst>
       <p:ext uri="{BB962C8B-B14F-4D97-AF65-F5344CB8AC3E}">
         <p14:creationId xmlns:p14="http://schemas.microsoft.com/office/powerpoint/2010/main" val="2235722807"/>
-      </p:ext>
-    </p:extLst>
-  </p:cSld>
-  <p:clrMapOvr>
-    <a:masterClrMapping/>
-  </p:clrMapOvr>
-</p:sld>
-</file>
-
-<file path=ppt/slides/slide26.xml><?xml version="1.0" encoding="utf-8"?>
-<p:sld xmlns:a="http://schemas.openxmlformats.org/drawingml/2006/main" xmlns:r="http://schemas.openxmlformats.org/officeDocument/2006/relationships" xmlns:p="http://schemas.openxmlformats.org/presentationml/2006/main">
-  <p:cSld>
-    <p:spTree>
-      <p:nvGrpSpPr>
-        <p:cNvPr id="1" name=""/>
-        <p:cNvGrpSpPr/>
-        <p:nvPr/>
-      </p:nvGrpSpPr>
-      <p:grpSpPr>
-        <a:xfrm>
-          <a:off x="0" y="0"/>
-          <a:ext cx="0" cy="0"/>
-          <a:chOff x="0" y="0"/>
-          <a:chExt cx="0" cy="0"/>
-        </a:xfrm>
-      </p:grpSpPr>
-      <p:sp>
-        <p:nvSpPr>
-          <p:cNvPr id="2" name="Title 1">
-            <a:extLst>
-              <a:ext uri="{FF2B5EF4-FFF2-40B4-BE49-F238E27FC236}">
-                <a16:creationId xmlns:a16="http://schemas.microsoft.com/office/drawing/2014/main" id="{F4E77790-0A48-B0C3-E2DE-563D31F33DAB}"/>
-              </a:ext>
-            </a:extLst>
-          </p:cNvPr>
-          <p:cNvSpPr>
-            <a:spLocks noGrp="1"/>
-          </p:cNvSpPr>
-          <p:nvPr>
-            <p:ph type="title"/>
-          </p:nvPr>
-        </p:nvSpPr>
-        <p:spPr/>
-        <p:txBody>
-          <a:bodyPr/>
-          <a:lstStyle/>
-          <a:p>
-            <a:r>
-              <a:rPr lang="en-GB" dirty="0"/>
-              <a:t>Missing trait data</a:t>
-            </a:r>
-          </a:p>
-        </p:txBody>
-      </p:sp>
-      <p:sp>
-        <p:nvSpPr>
-          <p:cNvPr id="3" name="Content Placeholder 2">
-            <a:extLst>
-              <a:ext uri="{FF2B5EF4-FFF2-40B4-BE49-F238E27FC236}">
-                <a16:creationId xmlns:a16="http://schemas.microsoft.com/office/drawing/2014/main" id="{B4892CD5-BA4F-A107-6E44-94C41B70BB93}"/>
-              </a:ext>
-            </a:extLst>
-          </p:cNvPr>
-          <p:cNvSpPr>
-            <a:spLocks noGrp="1"/>
-          </p:cNvSpPr>
-          <p:nvPr>
-            <p:ph idx="1"/>
-          </p:nvPr>
-        </p:nvSpPr>
-        <p:spPr/>
-        <p:txBody>
-          <a:bodyPr/>
-          <a:lstStyle/>
-          <a:p>
-            <a:r>
-              <a:rPr lang="en-GB" dirty="0"/>
-              <a:t>Dothistroma tolerance</a:t>
-            </a:r>
-          </a:p>
-          <a:p>
-            <a:r>
-              <a:rPr lang="en-GB" dirty="0" err="1"/>
-              <a:t>Root:shoot</a:t>
-            </a:r>
-            <a:r>
-              <a:rPr lang="en-GB" dirty="0"/>
-              <a:t> ratio</a:t>
-            </a:r>
-          </a:p>
-        </p:txBody>
-      </p:sp>
-    </p:spTree>
-    <p:extLst>
-      <p:ext uri="{BB962C8B-B14F-4D97-AF65-F5344CB8AC3E}">
-        <p14:creationId xmlns:p14="http://schemas.microsoft.com/office/powerpoint/2010/main" val="200535796"/>
       </p:ext>
     </p:extLst>
   </p:cSld>
@@ -9103,7 +9581,7 @@
           <p:cNvPr id="2" name="Title 1">
             <a:extLst>
               <a:ext uri="{FF2B5EF4-FFF2-40B4-BE49-F238E27FC236}">
-                <a16:creationId xmlns:a16="http://schemas.microsoft.com/office/drawing/2014/main" id="{168C75FB-2C6E-BD4A-0495-ABAEC6CE37D7}"/>
+                <a16:creationId xmlns:a16="http://schemas.microsoft.com/office/drawing/2014/main" id="{00CF54C3-63C1-3F02-8A60-6328BB58EECF}"/>
               </a:ext>
             </a:extLst>
           </p:cNvPr>
@@ -9114,63 +9592,144 @@
             <p:ph type="title"/>
           </p:nvPr>
         </p:nvSpPr>
-        <p:spPr>
-          <a:xfrm>
-            <a:off x="248920" y="233680"/>
-            <a:ext cx="9875520" cy="1356360"/>
-          </a:xfrm>
-        </p:spPr>
+        <p:spPr/>
         <p:txBody>
           <a:bodyPr/>
           <a:lstStyle/>
           <a:p>
             <a:r>
               <a:rPr lang="de-CH" dirty="0"/>
-              <a:t>Provenance distribution</a:t>
+              <a:t>How many families in each type &amp; provenance?</a:t>
             </a:r>
             <a:endParaRPr lang="en-GB" dirty="0"/>
           </a:p>
         </p:txBody>
       </p:sp>
-      <p:pic>
-        <p:nvPicPr>
-          <p:cNvPr id="5" name="Content Placeholder 4" descr="A graph with different colored rectangles&#10;&#10;AI-generated content may be incorrect.">
+      <p:sp>
+        <p:nvSpPr>
+          <p:cNvPr id="3" name="Content Placeholder 2">
             <a:extLst>
               <a:ext uri="{FF2B5EF4-FFF2-40B4-BE49-F238E27FC236}">
-                <a16:creationId xmlns:a16="http://schemas.microsoft.com/office/drawing/2014/main" id="{6226C969-854B-D7FD-DFE0-FB7D108928AD}"/>
+                <a16:creationId xmlns:a16="http://schemas.microsoft.com/office/drawing/2014/main" id="{8F0518EC-B1B3-C3A8-B6A5-FCDA5A152EB4}"/>
               </a:ext>
             </a:extLst>
           </p:cNvPr>
-          <p:cNvPicPr>
-            <a:picLocks noGrp="1" noChangeAspect="1"/>
-          </p:cNvPicPr>
+          <p:cNvSpPr>
+            <a:spLocks noGrp="1"/>
+          </p:cNvSpPr>
           <p:nvPr>
             <p:ph idx="1"/>
           </p:nvPr>
-        </p:nvPicPr>
-        <p:blipFill>
-          <a:blip r:embed="rId2">
-            <a:extLst>
-              <a:ext uri="{28A0092B-C50C-407E-A947-70E740481C1C}">
-                <a14:useLocalDpi xmlns:a14="http://schemas.microsoft.com/office/drawing/2010/main" val="0"/>
-              </a:ext>
-            </a:extLst>
-          </a:blip>
-          <a:stretch>
-            <a:fillRect/>
-          </a:stretch>
-        </p:blipFill>
-        <p:spPr>
-          <a:xfrm>
-            <a:off x="1620520" y="1144927"/>
-            <a:ext cx="9118600" cy="5479393"/>
-          </a:xfrm>
-        </p:spPr>
-      </p:pic>
+        </p:nvSpPr>
+        <p:spPr/>
+        <p:txBody>
+          <a:bodyPr/>
+          <a:lstStyle/>
+          <a:p>
+            <a:endParaRPr lang="en-GB"/>
+          </a:p>
+        </p:txBody>
+      </p:sp>
     </p:spTree>
     <p:extLst>
       <p:ext uri="{BB962C8B-B14F-4D97-AF65-F5344CB8AC3E}">
-        <p14:creationId xmlns:p14="http://schemas.microsoft.com/office/powerpoint/2010/main" val="985959284"/>
+        <p14:creationId xmlns:p14="http://schemas.microsoft.com/office/powerpoint/2010/main" val="1156399153"/>
+      </p:ext>
+    </p:extLst>
+  </p:cSld>
+  <p:clrMapOvr>
+    <a:masterClrMapping/>
+  </p:clrMapOvr>
+</p:sld>
+</file>
+
+<file path=ppt/slides/slide30.xml><?xml version="1.0" encoding="utf-8"?>
+<p:sld xmlns:a="http://schemas.openxmlformats.org/drawingml/2006/main" xmlns:r="http://schemas.openxmlformats.org/officeDocument/2006/relationships" xmlns:p="http://schemas.openxmlformats.org/presentationml/2006/main">
+  <p:cSld>
+    <p:spTree>
+      <p:nvGrpSpPr>
+        <p:cNvPr id="1" name=""/>
+        <p:cNvGrpSpPr/>
+        <p:nvPr/>
+      </p:nvGrpSpPr>
+      <p:grpSpPr>
+        <a:xfrm>
+          <a:off x="0" y="0"/>
+          <a:ext cx="0" cy="0"/>
+          <a:chOff x="0" y="0"/>
+          <a:chExt cx="0" cy="0"/>
+        </a:xfrm>
+      </p:grpSpPr>
+      <p:sp>
+        <p:nvSpPr>
+          <p:cNvPr id="2" name="Title 1">
+            <a:extLst>
+              <a:ext uri="{FF2B5EF4-FFF2-40B4-BE49-F238E27FC236}">
+                <a16:creationId xmlns:a16="http://schemas.microsoft.com/office/drawing/2014/main" id="{F4E77790-0A48-B0C3-E2DE-563D31F33DAB}"/>
+              </a:ext>
+            </a:extLst>
+          </p:cNvPr>
+          <p:cNvSpPr>
+            <a:spLocks noGrp="1"/>
+          </p:cNvSpPr>
+          <p:nvPr>
+            <p:ph type="title"/>
+          </p:nvPr>
+        </p:nvSpPr>
+        <p:spPr/>
+        <p:txBody>
+          <a:bodyPr/>
+          <a:lstStyle/>
+          <a:p>
+            <a:r>
+              <a:rPr lang="en-GB" dirty="0"/>
+              <a:t>Missing trait data</a:t>
+            </a:r>
+          </a:p>
+        </p:txBody>
+      </p:sp>
+      <p:sp>
+        <p:nvSpPr>
+          <p:cNvPr id="3" name="Content Placeholder 2">
+            <a:extLst>
+              <a:ext uri="{FF2B5EF4-FFF2-40B4-BE49-F238E27FC236}">
+                <a16:creationId xmlns:a16="http://schemas.microsoft.com/office/drawing/2014/main" id="{B4892CD5-BA4F-A107-6E44-94C41B70BB93}"/>
+              </a:ext>
+            </a:extLst>
+          </p:cNvPr>
+          <p:cNvSpPr>
+            <a:spLocks noGrp="1"/>
+          </p:cNvSpPr>
+          <p:nvPr>
+            <p:ph idx="1"/>
+          </p:nvPr>
+        </p:nvSpPr>
+        <p:spPr/>
+        <p:txBody>
+          <a:bodyPr/>
+          <a:lstStyle/>
+          <a:p>
+            <a:r>
+              <a:rPr lang="en-GB" dirty="0"/>
+              <a:t>Dothistroma tolerance</a:t>
+            </a:r>
+          </a:p>
+          <a:p>
+            <a:r>
+              <a:rPr lang="en-GB" dirty="0" err="1"/>
+              <a:t>Root:shoot</a:t>
+            </a:r>
+            <a:r>
+              <a:rPr lang="en-GB" dirty="0"/>
+              <a:t> ratio</a:t>
+            </a:r>
+          </a:p>
+        </p:txBody>
+      </p:sp>
+    </p:spTree>
+    <p:extLst>
+      <p:ext uri="{BB962C8B-B14F-4D97-AF65-F5344CB8AC3E}">
+        <p14:creationId xmlns:p14="http://schemas.microsoft.com/office/powerpoint/2010/main" val="200535796"/>
       </p:ext>
     </p:extLst>
   </p:cSld>
@@ -9199,10 +9758,10 @@
       </p:grpSpPr>
       <p:sp>
         <p:nvSpPr>
-          <p:cNvPr id="4" name="Title 1">
+          <p:cNvPr id="2" name="Title 1">
             <a:extLst>
               <a:ext uri="{FF2B5EF4-FFF2-40B4-BE49-F238E27FC236}">
-                <a16:creationId xmlns:a16="http://schemas.microsoft.com/office/drawing/2014/main" id="{C2C95541-CA90-A88F-7649-31BAE83914A4}"/>
+                <a16:creationId xmlns:a16="http://schemas.microsoft.com/office/drawing/2014/main" id="{168C75FB-2C6E-BD4A-0495-ABAEC6CE37D7}"/>
               </a:ext>
             </a:extLst>
           </p:cNvPr>
@@ -9215,8 +9774,8 @@
         </p:nvSpPr>
         <p:spPr>
           <a:xfrm>
-            <a:off x="228600" y="243840"/>
-            <a:ext cx="9875838" cy="1355725"/>
+            <a:off x="248920" y="233680"/>
+            <a:ext cx="9875520" cy="1356360"/>
           </a:xfrm>
         </p:spPr>
         <p:txBody>
@@ -9225,7 +9784,7 @@
           <a:p>
             <a:r>
               <a:rPr lang="de-CH" dirty="0"/>
-              <a:t>Status – by Provenance</a:t>
+              <a:t>Provenance distribution</a:t>
             </a:r>
             <a:endParaRPr lang="en-GB" dirty="0"/>
           </a:p>
@@ -9233,10 +9792,10 @@
       </p:sp>
       <p:pic>
         <p:nvPicPr>
-          <p:cNvPr id="7" name="Content Placeholder 6">
+          <p:cNvPr id="5" name="Content Placeholder 4" descr="A graph with different colored rectangles&#10;&#10;AI-generated content may be incorrect.">
             <a:extLst>
               <a:ext uri="{FF2B5EF4-FFF2-40B4-BE49-F238E27FC236}">
-                <a16:creationId xmlns:a16="http://schemas.microsoft.com/office/drawing/2014/main" id="{DCFA758F-D810-5393-BA80-278AA366BAC3}"/>
+                <a16:creationId xmlns:a16="http://schemas.microsoft.com/office/drawing/2014/main" id="{6226C969-854B-D7FD-DFE0-FB7D108928AD}"/>
               </a:ext>
             </a:extLst>
           </p:cNvPr>
@@ -9261,15 +9820,15 @@
         </p:blipFill>
         <p:spPr>
           <a:xfrm>
-            <a:off x="1663822" y="1239520"/>
-            <a:ext cx="8864356" cy="5374640"/>
+            <a:off x="1620520" y="1144927"/>
+            <a:ext cx="9118600" cy="5479393"/>
           </a:xfrm>
         </p:spPr>
       </p:pic>
     </p:spTree>
     <p:extLst>
       <p:ext uri="{BB962C8B-B14F-4D97-AF65-F5344CB8AC3E}">
-        <p14:creationId xmlns:p14="http://schemas.microsoft.com/office/powerpoint/2010/main" val="1264928361"/>
+        <p14:creationId xmlns:p14="http://schemas.microsoft.com/office/powerpoint/2010/main" val="985959284"/>
       </p:ext>
     </p:extLst>
   </p:cSld>
@@ -9298,10 +9857,10 @@
       </p:grpSpPr>
       <p:sp>
         <p:nvSpPr>
-          <p:cNvPr id="2" name="Title 1">
+          <p:cNvPr id="4" name="Title 1">
             <a:extLst>
               <a:ext uri="{FF2B5EF4-FFF2-40B4-BE49-F238E27FC236}">
-                <a16:creationId xmlns:a16="http://schemas.microsoft.com/office/drawing/2014/main" id="{26A2107B-1EA8-BA64-B10E-8A0B8E21FB4C}"/>
+                <a16:creationId xmlns:a16="http://schemas.microsoft.com/office/drawing/2014/main" id="{C2C95541-CA90-A88F-7649-31BAE83914A4}"/>
               </a:ext>
             </a:extLst>
           </p:cNvPr>
@@ -9315,7 +9874,7 @@
         <p:spPr>
           <a:xfrm>
             <a:off x="228600" y="243840"/>
-            <a:ext cx="9875520" cy="1356360"/>
+            <a:ext cx="9875838" cy="1355725"/>
           </a:xfrm>
         </p:spPr>
         <p:txBody>
@@ -9324,7 +9883,7 @@
           <a:p>
             <a:r>
               <a:rPr lang="de-CH" dirty="0"/>
-              <a:t>Type distribution</a:t>
+              <a:t>Status – by Provenance</a:t>
             </a:r>
             <a:endParaRPr lang="en-GB" dirty="0"/>
           </a:p>
@@ -9332,10 +9891,10 @@
       </p:sp>
       <p:pic>
         <p:nvPicPr>
-          <p:cNvPr id="18" name="Content Placeholder 17" descr="A graph with different colored squares&#10;&#10;AI-generated content may be incorrect.">
+          <p:cNvPr id="7" name="Content Placeholder 6">
             <a:extLst>
               <a:ext uri="{FF2B5EF4-FFF2-40B4-BE49-F238E27FC236}">
-                <a16:creationId xmlns:a16="http://schemas.microsoft.com/office/drawing/2014/main" id="{46EE900A-3FC4-6135-E0EC-34BB7B492793}"/>
+                <a16:creationId xmlns:a16="http://schemas.microsoft.com/office/drawing/2014/main" id="{DCFA758F-D810-5393-BA80-278AA366BAC3}"/>
               </a:ext>
             </a:extLst>
           </p:cNvPr>
@@ -9360,15 +9919,15 @@
         </p:blipFill>
         <p:spPr>
           <a:xfrm>
-            <a:off x="1635760" y="1406545"/>
-            <a:ext cx="8666316" cy="5207615"/>
+            <a:off x="1663822" y="1239520"/>
+            <a:ext cx="8864356" cy="5374640"/>
           </a:xfrm>
         </p:spPr>
       </p:pic>
     </p:spTree>
     <p:extLst>
       <p:ext uri="{BB962C8B-B14F-4D97-AF65-F5344CB8AC3E}">
-        <p14:creationId xmlns:p14="http://schemas.microsoft.com/office/powerpoint/2010/main" val="1284769585"/>
+        <p14:creationId xmlns:p14="http://schemas.microsoft.com/office/powerpoint/2010/main" val="1264928361"/>
       </p:ext>
     </p:extLst>
   </p:cSld>
@@ -9400,7 +9959,7 @@
           <p:cNvPr id="2" name="Title 1">
             <a:extLst>
               <a:ext uri="{FF2B5EF4-FFF2-40B4-BE49-F238E27FC236}">
-                <a16:creationId xmlns:a16="http://schemas.microsoft.com/office/drawing/2014/main" id="{3924B841-9362-0383-46CC-CFFBEFEFB90A}"/>
+                <a16:creationId xmlns:a16="http://schemas.microsoft.com/office/drawing/2014/main" id="{26A2107B-1EA8-BA64-B10E-8A0B8E21FB4C}"/>
               </a:ext>
             </a:extLst>
           </p:cNvPr>
@@ -9413,7 +9972,7 @@
         </p:nvSpPr>
         <p:spPr>
           <a:xfrm>
-            <a:off x="238760" y="233680"/>
+            <a:off x="228600" y="243840"/>
             <a:ext cx="9875520" cy="1356360"/>
           </a:xfrm>
         </p:spPr>
@@ -9423,7 +9982,7 @@
           <a:p>
             <a:r>
               <a:rPr lang="de-CH" dirty="0"/>
-              <a:t>Status – by Type</a:t>
+              <a:t>Type distribution</a:t>
             </a:r>
             <a:endParaRPr lang="en-GB" dirty="0"/>
           </a:p>
@@ -9431,10 +9990,10 @@
       </p:sp>
       <p:pic>
         <p:nvPicPr>
-          <p:cNvPr id="8" name="Content Placeholder 7" descr="A graph of different colored rectangular shapes&#10;&#10;AI-generated content may be incorrect.">
+          <p:cNvPr id="18" name="Content Placeholder 17" descr="A graph with different colored squares&#10;&#10;AI-generated content may be incorrect.">
             <a:extLst>
               <a:ext uri="{FF2B5EF4-FFF2-40B4-BE49-F238E27FC236}">
-                <a16:creationId xmlns:a16="http://schemas.microsoft.com/office/drawing/2014/main" id="{A4EBBA57-7401-0BD7-B240-3C16D4D8B1E9}"/>
+                <a16:creationId xmlns:a16="http://schemas.microsoft.com/office/drawing/2014/main" id="{46EE900A-3FC4-6135-E0EC-34BB7B492793}"/>
               </a:ext>
             </a:extLst>
           </p:cNvPr>
@@ -9459,15 +10018,15 @@
         </p:blipFill>
         <p:spPr>
           <a:xfrm>
-            <a:off x="1625600" y="1203330"/>
-            <a:ext cx="8940800" cy="5420990"/>
+            <a:off x="1635760" y="1406545"/>
+            <a:ext cx="8666316" cy="5207615"/>
           </a:xfrm>
         </p:spPr>
       </p:pic>
     </p:spTree>
     <p:extLst>
       <p:ext uri="{BB962C8B-B14F-4D97-AF65-F5344CB8AC3E}">
-        <p14:creationId xmlns:p14="http://schemas.microsoft.com/office/powerpoint/2010/main" val="71374995"/>
+        <p14:creationId xmlns:p14="http://schemas.microsoft.com/office/powerpoint/2010/main" val="1284769585"/>
       </p:ext>
     </p:extLst>
   </p:cSld>
@@ -9496,10 +10055,10 @@
       </p:grpSpPr>
       <p:sp>
         <p:nvSpPr>
-          <p:cNvPr id="4" name="Title 1">
+          <p:cNvPr id="2" name="Title 1">
             <a:extLst>
               <a:ext uri="{FF2B5EF4-FFF2-40B4-BE49-F238E27FC236}">
-                <a16:creationId xmlns:a16="http://schemas.microsoft.com/office/drawing/2014/main" id="{F351BBFA-4D62-6F56-D9B2-084422C226AB}"/>
+                <a16:creationId xmlns:a16="http://schemas.microsoft.com/office/drawing/2014/main" id="{3924B841-9362-0383-46CC-CFFBEFEFB90A}"/>
               </a:ext>
             </a:extLst>
           </p:cNvPr>
@@ -9512,8 +10071,8 @@
         </p:nvSpPr>
         <p:spPr>
           <a:xfrm>
-            <a:off x="248920" y="213360"/>
-            <a:ext cx="9875838" cy="1355725"/>
+            <a:off x="238760" y="233680"/>
+            <a:ext cx="9875520" cy="1356360"/>
           </a:xfrm>
         </p:spPr>
         <p:txBody>
@@ -9522,7 +10081,7 @@
           <a:p>
             <a:r>
               <a:rPr lang="de-CH" dirty="0"/>
-              <a:t>Status – by Block</a:t>
+              <a:t>Status – by Type</a:t>
             </a:r>
             <a:endParaRPr lang="en-GB" dirty="0"/>
           </a:p>
@@ -9530,10 +10089,10 @@
       </p:sp>
       <p:pic>
         <p:nvPicPr>
-          <p:cNvPr id="10" name="Content Placeholder 9" descr="A graph of blue and red bars&#10;&#10;AI-generated content may be incorrect.">
+          <p:cNvPr id="8" name="Content Placeholder 7" descr="A graph of different colored rectangular shapes&#10;&#10;AI-generated content may be incorrect.">
             <a:extLst>
               <a:ext uri="{FF2B5EF4-FFF2-40B4-BE49-F238E27FC236}">
-                <a16:creationId xmlns:a16="http://schemas.microsoft.com/office/drawing/2014/main" id="{EA175353-6AD5-76CA-2329-CCA6E2F2F8DA}"/>
+                <a16:creationId xmlns:a16="http://schemas.microsoft.com/office/drawing/2014/main" id="{A4EBBA57-7401-0BD7-B240-3C16D4D8B1E9}"/>
               </a:ext>
             </a:extLst>
           </p:cNvPr>
@@ -9558,15 +10117,15 @@
         </p:blipFill>
         <p:spPr>
           <a:xfrm>
-            <a:off x="1547778" y="1148080"/>
-            <a:ext cx="9096444" cy="5466080"/>
+            <a:off x="1625600" y="1203330"/>
+            <a:ext cx="8940800" cy="5420990"/>
           </a:xfrm>
         </p:spPr>
       </p:pic>
     </p:spTree>
     <p:extLst>
       <p:ext uri="{BB962C8B-B14F-4D97-AF65-F5344CB8AC3E}">
-        <p14:creationId xmlns:p14="http://schemas.microsoft.com/office/powerpoint/2010/main" val="2413059109"/>
+        <p14:creationId xmlns:p14="http://schemas.microsoft.com/office/powerpoint/2010/main" val="71374995"/>
       </p:ext>
     </p:extLst>
   </p:cSld>
@@ -9595,10 +10154,10 @@
       </p:grpSpPr>
       <p:sp>
         <p:nvSpPr>
-          <p:cNvPr id="2" name="Title 1">
+          <p:cNvPr id="4" name="Title 1">
             <a:extLst>
               <a:ext uri="{FF2B5EF4-FFF2-40B4-BE49-F238E27FC236}">
-                <a16:creationId xmlns:a16="http://schemas.microsoft.com/office/drawing/2014/main" id="{DBBAC9F3-8100-D77A-023E-C972C89795AC}"/>
+                <a16:creationId xmlns:a16="http://schemas.microsoft.com/office/drawing/2014/main" id="{F351BBFA-4D62-6F56-D9B2-084422C226AB}"/>
               </a:ext>
             </a:extLst>
           </p:cNvPr>
@@ -9611,8 +10170,8 @@
         </p:nvSpPr>
         <p:spPr>
           <a:xfrm>
-            <a:off x="228600" y="223520"/>
-            <a:ext cx="9875520" cy="995680"/>
+            <a:off x="248920" y="213360"/>
+            <a:ext cx="9875838" cy="1355725"/>
           </a:xfrm>
         </p:spPr>
         <p:txBody>
@@ -9621,7 +10180,7 @@
           <a:p>
             <a:r>
               <a:rPr lang="de-CH" dirty="0"/>
-              <a:t>Status – by Family</a:t>
+              <a:t>Status – by Block</a:t>
             </a:r>
             <a:endParaRPr lang="en-GB" dirty="0"/>
           </a:p>
@@ -9629,10 +10188,10 @@
       </p:sp>
       <p:pic>
         <p:nvPicPr>
-          <p:cNvPr id="5" name="Content Placeholder 4">
+          <p:cNvPr id="10" name="Content Placeholder 9" descr="A graph of blue and red bars&#10;&#10;AI-generated content may be incorrect.">
             <a:extLst>
               <a:ext uri="{FF2B5EF4-FFF2-40B4-BE49-F238E27FC236}">
-                <a16:creationId xmlns:a16="http://schemas.microsoft.com/office/drawing/2014/main" id="{88AB1702-AC8E-BCAE-24FC-C14A03615DD3}"/>
+                <a16:creationId xmlns:a16="http://schemas.microsoft.com/office/drawing/2014/main" id="{EA175353-6AD5-76CA-2329-CCA6E2F2F8DA}"/>
               </a:ext>
             </a:extLst>
           </p:cNvPr>
@@ -9651,56 +10210,21 @@
               </a:ext>
             </a:extLst>
           </a:blip>
-          <a:srcRect t="6549"/>
-          <a:stretch/>
+          <a:stretch>
+            <a:fillRect/>
+          </a:stretch>
         </p:blipFill>
         <p:spPr>
           <a:xfrm>
-            <a:off x="1226129" y="1095555"/>
-            <a:ext cx="9739742" cy="5518605"/>
+            <a:off x="1547778" y="1148080"/>
+            <a:ext cx="9096444" cy="5466080"/>
           </a:xfrm>
         </p:spPr>
       </p:pic>
-      <p:sp>
-        <p:nvSpPr>
-          <p:cNvPr id="6" name="TextBox 5">
-            <a:extLst>
-              <a:ext uri="{FF2B5EF4-FFF2-40B4-BE49-F238E27FC236}">
-                <a16:creationId xmlns:a16="http://schemas.microsoft.com/office/drawing/2014/main" id="{C5012472-E3FE-9887-B742-0271FEB26237}"/>
-              </a:ext>
-            </a:extLst>
-          </p:cNvPr>
-          <p:cNvSpPr txBox="1"/>
-          <p:nvPr/>
-        </p:nvSpPr>
-        <p:spPr>
-          <a:xfrm>
-            <a:off x="5382883" y="586596"/>
-            <a:ext cx="3045125" cy="369332"/>
-          </a:xfrm>
-          <a:prstGeom prst="rect">
-            <a:avLst/>
-          </a:prstGeom>
-          <a:noFill/>
-        </p:spPr>
-        <p:txBody>
-          <a:bodyPr wrap="square" rtlCol="0">
-            <a:spAutoFit/>
-          </a:bodyPr>
-          <a:lstStyle/>
-          <a:p>
-            <a:r>
-              <a:rPr lang="de-CH" dirty="0"/>
-              <a:t>Top and bottom 10 Families</a:t>
-            </a:r>
-            <a:endParaRPr lang="en-GB" dirty="0"/>
-          </a:p>
-        </p:txBody>
-      </p:sp>
     </p:spTree>
     <p:extLst>
       <p:ext uri="{BB962C8B-B14F-4D97-AF65-F5344CB8AC3E}">
-        <p14:creationId xmlns:p14="http://schemas.microsoft.com/office/powerpoint/2010/main" val="4087577250"/>
+        <p14:creationId xmlns:p14="http://schemas.microsoft.com/office/powerpoint/2010/main" val="2413059109"/>
       </p:ext>
     </p:extLst>
   </p:cSld>
@@ -9727,12 +10251,46 @@
           <a:chExt cx="0" cy="0"/>
         </a:xfrm>
       </p:grpSpPr>
+      <p:sp>
+        <p:nvSpPr>
+          <p:cNvPr id="2" name="Title 1">
+            <a:extLst>
+              <a:ext uri="{FF2B5EF4-FFF2-40B4-BE49-F238E27FC236}">
+                <a16:creationId xmlns:a16="http://schemas.microsoft.com/office/drawing/2014/main" id="{DBBAC9F3-8100-D77A-023E-C972C89795AC}"/>
+              </a:ext>
+            </a:extLst>
+          </p:cNvPr>
+          <p:cNvSpPr>
+            <a:spLocks noGrp="1"/>
+          </p:cNvSpPr>
+          <p:nvPr>
+            <p:ph type="title"/>
+          </p:nvPr>
+        </p:nvSpPr>
+        <p:spPr>
+          <a:xfrm>
+            <a:off x="228600" y="223520"/>
+            <a:ext cx="9875520" cy="995680"/>
+          </a:xfrm>
+        </p:spPr>
+        <p:txBody>
+          <a:bodyPr/>
+          <a:lstStyle/>
+          <a:p>
+            <a:r>
+              <a:rPr lang="de-CH" dirty="0"/>
+              <a:t>Status – by Family</a:t>
+            </a:r>
+            <a:endParaRPr lang="en-GB" dirty="0"/>
+          </a:p>
+        </p:txBody>
+      </p:sp>
       <p:pic>
         <p:nvPicPr>
-          <p:cNvPr id="12" name="Content Placeholder 11" descr="A graph with red lines and numbers&#10;&#10;AI-generated content may be incorrect.">
+          <p:cNvPr id="5" name="Content Placeholder 4">
             <a:extLst>
               <a:ext uri="{FF2B5EF4-FFF2-40B4-BE49-F238E27FC236}">
-                <a16:creationId xmlns:a16="http://schemas.microsoft.com/office/drawing/2014/main" id="{BD49C6AC-C674-843D-C8F1-02241A71B122}"/>
+                <a16:creationId xmlns:a16="http://schemas.microsoft.com/office/drawing/2014/main" id="{88AB1702-AC8E-BCAE-24FC-C14A03615DD3}"/>
               </a:ext>
             </a:extLst>
           </p:cNvPr>
@@ -9751,56 +10309,22 @@
               </a:ext>
             </a:extLst>
           </a:blip>
-          <a:srcRect t="6070"/>
+          <a:srcRect t="6549"/>
           <a:stretch/>
         </p:blipFill>
         <p:spPr>
           <a:xfrm>
-            <a:off x="544941" y="1310640"/>
-            <a:ext cx="11102118" cy="5273040"/>
+            <a:off x="1226129" y="1095555"/>
+            <a:ext cx="9739742" cy="5518605"/>
           </a:xfrm>
         </p:spPr>
       </p:pic>
       <p:sp>
         <p:nvSpPr>
-          <p:cNvPr id="2" name="Title 1">
+          <p:cNvPr id="6" name="TextBox 5">
             <a:extLst>
               <a:ext uri="{FF2B5EF4-FFF2-40B4-BE49-F238E27FC236}">
-                <a16:creationId xmlns:a16="http://schemas.microsoft.com/office/drawing/2014/main" id="{DED8D4A8-9316-1F4F-4391-A51F0AE12446}"/>
-              </a:ext>
-            </a:extLst>
-          </p:cNvPr>
-          <p:cNvSpPr>
-            <a:spLocks noGrp="1"/>
-          </p:cNvSpPr>
-          <p:nvPr>
-            <p:ph type="title"/>
-          </p:nvPr>
-        </p:nvSpPr>
-        <p:spPr>
-          <a:xfrm>
-            <a:off x="238760" y="274320"/>
-            <a:ext cx="9875520" cy="1356360"/>
-          </a:xfrm>
-        </p:spPr>
-        <p:txBody>
-          <a:bodyPr/>
-          <a:lstStyle/>
-          <a:p>
-            <a:r>
-              <a:rPr lang="de-CH" dirty="0"/>
-              <a:t>DBB</a:t>
-            </a:r>
-            <a:endParaRPr lang="en-GB" dirty="0"/>
-          </a:p>
-        </p:txBody>
-      </p:sp>
-      <p:sp>
-        <p:nvSpPr>
-          <p:cNvPr id="3" name="TextBox 2">
-            <a:extLst>
-              <a:ext uri="{FF2B5EF4-FFF2-40B4-BE49-F238E27FC236}">
-                <a16:creationId xmlns:a16="http://schemas.microsoft.com/office/drawing/2014/main" id="{7FC9CC8D-5E27-7D11-D30C-DB30F7B517A9}"/>
+                <a16:creationId xmlns:a16="http://schemas.microsoft.com/office/drawing/2014/main" id="{C5012472-E3FE-9887-B742-0271FEB26237}"/>
               </a:ext>
             </a:extLst>
           </p:cNvPr>
@@ -9809,8 +10333,8 @@
         </p:nvSpPr>
         <p:spPr>
           <a:xfrm>
-            <a:off x="9193074" y="552390"/>
-            <a:ext cx="2675531" cy="400110"/>
+            <a:off x="5382883" y="586596"/>
+            <a:ext cx="3045125" cy="369332"/>
           </a:xfrm>
           <a:prstGeom prst="rect">
             <a:avLst/>
@@ -9824,29 +10348,105 @@
           <a:lstStyle/>
           <a:p>
             <a:r>
-              <a:rPr lang="de-CH" sz="1000" dirty="0">
-                <a:solidFill>
-                  <a:schemeClr val="accent6">
-                    <a:lumMod val="75000"/>
-                  </a:schemeClr>
-                </a:solidFill>
-              </a:rPr>
-              <a:t>506 trees that are alive at both timepoints have DBB measurements</a:t>
-            </a:r>
-            <a:endParaRPr lang="en-GB" sz="1000" dirty="0">
-              <a:solidFill>
-                <a:schemeClr val="accent6">
-                  <a:lumMod val="75000"/>
-                </a:schemeClr>
-              </a:solidFill>
-            </a:endParaRPr>
+              <a:rPr lang="de-CH" dirty="0"/>
+              <a:t>Top and bottom 10 Families</a:t>
+            </a:r>
+            <a:endParaRPr lang="en-GB" dirty="0"/>
+          </a:p>
+        </p:txBody>
+      </p:sp>
+      <p:sp>
+        <p:nvSpPr>
+          <p:cNvPr id="3" name="TextBox 2">
+            <a:extLst>
+              <a:ext uri="{FF2B5EF4-FFF2-40B4-BE49-F238E27FC236}">
+                <a16:creationId xmlns:a16="http://schemas.microsoft.com/office/drawing/2014/main" id="{C4409357-62AB-C53D-577F-0FF4CFF2F18D}"/>
+              </a:ext>
+            </a:extLst>
+          </p:cNvPr>
+          <p:cNvSpPr txBox="1"/>
+          <p:nvPr/>
+        </p:nvSpPr>
+        <p:spPr>
+          <a:xfrm>
+            <a:off x="7626539" y="3956766"/>
+            <a:ext cx="2353734" cy="646331"/>
+          </a:xfrm>
+          <a:prstGeom prst="rect">
+            <a:avLst/>
+          </a:prstGeom>
+          <a:noFill/>
+        </p:spPr>
+        <p:txBody>
+          <a:bodyPr wrap="square" rtlCol="0">
+            <a:spAutoFit/>
+          </a:bodyPr>
+          <a:lstStyle/>
+          <a:p>
+            <a:r>
+              <a:rPr lang="de-CH" dirty="0"/>
+              <a:t>Why so many with exactly 50%??</a:t>
+            </a:r>
+            <a:endParaRPr lang="en-GB" dirty="0"/>
+          </a:p>
+        </p:txBody>
+      </p:sp>
+      <p:sp>
+        <p:nvSpPr>
+          <p:cNvPr id="4" name="Rectangle: Rounded Corners 3">
+            <a:extLst>
+              <a:ext uri="{FF2B5EF4-FFF2-40B4-BE49-F238E27FC236}">
+                <a16:creationId xmlns:a16="http://schemas.microsoft.com/office/drawing/2014/main" id="{79AA551E-FA63-960E-F087-D4304A8C24A0}"/>
+              </a:ext>
+            </a:extLst>
+          </p:cNvPr>
+          <p:cNvSpPr/>
+          <p:nvPr/>
+        </p:nvSpPr>
+        <p:spPr>
+          <a:xfrm>
+            <a:off x="6096000" y="3429000"/>
+            <a:ext cx="1507067" cy="1905000"/>
+          </a:xfrm>
+          <a:prstGeom prst="roundRect">
+            <a:avLst/>
+          </a:prstGeom>
+          <a:noFill/>
+          <a:ln w="38100">
+            <a:solidFill>
+              <a:srgbClr val="FF0000"/>
+            </a:solidFill>
+          </a:ln>
+        </p:spPr>
+        <p:style>
+          <a:lnRef idx="2">
+            <a:schemeClr val="accent1">
+              <a:shade val="15000"/>
+            </a:schemeClr>
+          </a:lnRef>
+          <a:fillRef idx="1">
+            <a:schemeClr val="accent1"/>
+          </a:fillRef>
+          <a:effectRef idx="0">
+            <a:schemeClr val="accent1"/>
+          </a:effectRef>
+          <a:fontRef idx="minor">
+            <a:schemeClr val="lt1"/>
+          </a:fontRef>
+        </p:style>
+        <p:txBody>
+          <a:bodyPr rtlCol="0" anchor="ctr"/>
+          <a:lstStyle/>
+          <a:p>
+            <a:pPr algn="ctr"/>
+            <a:endParaRPr lang="en-GB"/>
           </a:p>
         </p:txBody>
       </p:sp>
     </p:spTree>
     <p:extLst>
       <p:ext uri="{BB962C8B-B14F-4D97-AF65-F5344CB8AC3E}">
-        <p14:creationId xmlns:p14="http://schemas.microsoft.com/office/powerpoint/2010/main" val="4154756640"/>
+        <p14:creationId xmlns:p14="http://schemas.microsoft.com/office/powerpoint/2010/main" val="4087577250"/>
       </p:ext>
     </p:extLst>
   </p:cSld>

--- a/RapidAdaptation_DataExploration.pptx
+++ b/RapidAdaptation_DataExploration.pptx
@@ -5,7 +5,7 @@
     <p:sldMasterId id="2147483660" r:id="rId1"/>
   </p:sldMasterIdLst>
   <p:notesMasterIdLst>
-    <p:notesMasterId r:id="rId32"/>
+    <p:notesMasterId r:id="rId33"/>
   </p:notesMasterIdLst>
   <p:sldIdLst>
     <p:sldId id="256" r:id="rId2"/>
@@ -16,28 +16,29 @@
     <p:sldId id="268" r:id="rId7"/>
     <p:sldId id="267" r:id="rId8"/>
     <p:sldId id="270" r:id="rId9"/>
-    <p:sldId id="272" r:id="rId10"/>
-    <p:sldId id="288" r:id="rId11"/>
-    <p:sldId id="258" r:id="rId12"/>
-    <p:sldId id="259" r:id="rId13"/>
-    <p:sldId id="262" r:id="rId14"/>
-    <p:sldId id="266" r:id="rId15"/>
-    <p:sldId id="284" r:id="rId16"/>
-    <p:sldId id="261" r:id="rId17"/>
-    <p:sldId id="275" r:id="rId18"/>
-    <p:sldId id="276" r:id="rId19"/>
-    <p:sldId id="263" r:id="rId20"/>
-    <p:sldId id="265" r:id="rId21"/>
-    <p:sldId id="277" r:id="rId22"/>
-    <p:sldId id="278" r:id="rId23"/>
-    <p:sldId id="264" r:id="rId24"/>
-    <p:sldId id="286" r:id="rId25"/>
-    <p:sldId id="287" r:id="rId26"/>
-    <p:sldId id="282" r:id="rId27"/>
-    <p:sldId id="283" r:id="rId28"/>
-    <p:sldId id="281" r:id="rId29"/>
-    <p:sldId id="280" r:id="rId30"/>
-    <p:sldId id="279" r:id="rId31"/>
+    <p:sldId id="289" r:id="rId10"/>
+    <p:sldId id="272" r:id="rId11"/>
+    <p:sldId id="288" r:id="rId12"/>
+    <p:sldId id="258" r:id="rId13"/>
+    <p:sldId id="259" r:id="rId14"/>
+    <p:sldId id="262" r:id="rId15"/>
+    <p:sldId id="266" r:id="rId16"/>
+    <p:sldId id="284" r:id="rId17"/>
+    <p:sldId id="261" r:id="rId18"/>
+    <p:sldId id="275" r:id="rId19"/>
+    <p:sldId id="276" r:id="rId20"/>
+    <p:sldId id="263" r:id="rId21"/>
+    <p:sldId id="265" r:id="rId22"/>
+    <p:sldId id="277" r:id="rId23"/>
+    <p:sldId id="278" r:id="rId24"/>
+    <p:sldId id="264" r:id="rId25"/>
+    <p:sldId id="286" r:id="rId26"/>
+    <p:sldId id="287" r:id="rId27"/>
+    <p:sldId id="282" r:id="rId28"/>
+    <p:sldId id="283" r:id="rId29"/>
+    <p:sldId id="281" r:id="rId30"/>
+    <p:sldId id="280" r:id="rId31"/>
+    <p:sldId id="279" r:id="rId32"/>
   </p:sldIdLst>
   <p:sldSz cx="12192000" cy="6858000"/>
   <p:notesSz cx="6858000" cy="9144000"/>
@@ -147,7 +148,7 @@
 <file path=ppt/revisionInfo.xml><?xml version="1.0" encoding="utf-8"?>
 <p1510:revInfo xmlns:a="http://schemas.openxmlformats.org/drawingml/2006/main" xmlns:r="http://schemas.openxmlformats.org/officeDocument/2006/relationships" xmlns:p1510="http://schemas.microsoft.com/office/powerpoint/2015/10/main">
   <p1510:revLst>
-    <p1510:client id="{100BBC7B-7ACA-4A4D-BA33-DEF31D162335}" v="132" dt="2025-12-12T09:53:50.214"/>
+    <p1510:client id="{14F8172B-23CC-43AF-8874-FD0289D90325}" v="2" dt="2026-01-19T15:59:21.470"/>
   </p1510:revLst>
 </p1510:revInfo>
 </file>
@@ -797,22 +798,6 @@
           <pc:docMk/>
           <pc:sldMk cId="4222636709" sldId="274"/>
         </pc:sldMkLst>
-        <pc:spChg chg="add mod">
-          <ac:chgData name="Luisa Dickenmann" userId="0c0840b0-1ae7-42c8-98b5-b02d8f71a603" providerId="ADAL" clId="{100BBC7B-7ACA-4A4D-BA33-DEF31D162335}" dt="2025-12-11T16:48:27.512" v="3798" actId="1076"/>
-          <ac:spMkLst>
-            <pc:docMk/>
-            <pc:sldMk cId="4222636709" sldId="274"/>
-            <ac:spMk id="12" creationId="{31B25E77-5BAC-84FD-D736-D673EFA1488B}"/>
-          </ac:spMkLst>
-        </pc:spChg>
-        <pc:graphicFrameChg chg="add mod ord modGraphic">
-          <ac:chgData name="Luisa Dickenmann" userId="0c0840b0-1ae7-42c8-98b5-b02d8f71a603" providerId="ADAL" clId="{100BBC7B-7ACA-4A4D-BA33-DEF31D162335}" dt="2025-12-11T16:47:51.968" v="3767" actId="12385"/>
-          <ac:graphicFrameMkLst>
-            <pc:docMk/>
-            <pc:sldMk cId="4222636709" sldId="274"/>
-            <ac:graphicFrameMk id="9" creationId="{0AADB95F-2104-542D-E0E1-ABEDEF08E276}"/>
-          </ac:graphicFrameMkLst>
-        </pc:graphicFrameChg>
       </pc:sldChg>
       <pc:sldChg chg="addSp delSp modSp new mod">
         <pc:chgData name="Luisa Dickenmann" userId="0c0840b0-1ae7-42c8-98b5-b02d8f71a603" providerId="ADAL" clId="{100BBC7B-7ACA-4A4D-BA33-DEF31D162335}" dt="2025-12-09T11:50:47.749" v="2144" actId="692"/>
@@ -1014,22 +999,6 @@
             <ac:spMk id="2" creationId="{D4D7EE4B-07AE-A580-2F47-92BB4583481C}"/>
           </ac:spMkLst>
         </pc:spChg>
-        <pc:spChg chg="del">
-          <ac:chgData name="Luisa Dickenmann" userId="0c0840b0-1ae7-42c8-98b5-b02d8f71a603" providerId="ADAL" clId="{100BBC7B-7ACA-4A4D-BA33-DEF31D162335}" dt="2025-12-11T14:13:02.146" v="2847" actId="931"/>
-          <ac:spMkLst>
-            <pc:docMk/>
-            <pc:sldMk cId="1520243702" sldId="281"/>
-            <ac:spMk id="3" creationId="{D235ACE3-C471-9EA2-9FEA-B60230495951}"/>
-          </ac:spMkLst>
-        </pc:spChg>
-        <pc:spChg chg="add del">
-          <ac:chgData name="Luisa Dickenmann" userId="0c0840b0-1ae7-42c8-98b5-b02d8f71a603" providerId="ADAL" clId="{100BBC7B-7ACA-4A4D-BA33-DEF31D162335}" dt="2025-12-11T14:13:23.573" v="2855" actId="478"/>
-          <ac:spMkLst>
-            <pc:docMk/>
-            <pc:sldMk cId="1520243702" sldId="281"/>
-            <ac:spMk id="6" creationId="{44EAE06B-E9D0-68B9-786E-DB17081801E5}"/>
-          </ac:spMkLst>
-        </pc:spChg>
         <pc:spChg chg="add mod">
           <ac:chgData name="Luisa Dickenmann" userId="0c0840b0-1ae7-42c8-98b5-b02d8f71a603" providerId="ADAL" clId="{100BBC7B-7ACA-4A4D-BA33-DEF31D162335}" dt="2025-12-11T16:50:14.011" v="3816" actId="1076"/>
           <ac:spMkLst>
@@ -1100,30 +1069,6 @@
             <pc:docMk/>
             <pc:sldMk cId="1520243702" sldId="281"/>
             <ac:cxnSpMk id="10" creationId="{F08A697B-293A-3B9A-EA5D-A7F12FE9C9F9}"/>
-          </ac:cxnSpMkLst>
-        </pc:cxnChg>
-        <pc:cxnChg chg="add del mod">
-          <ac:chgData name="Luisa Dickenmann" userId="0c0840b0-1ae7-42c8-98b5-b02d8f71a603" providerId="ADAL" clId="{100BBC7B-7ACA-4A4D-BA33-DEF31D162335}" dt="2025-12-11T14:16:29.423" v="2948" actId="478"/>
-          <ac:cxnSpMkLst>
-            <pc:docMk/>
-            <pc:sldMk cId="1520243702" sldId="281"/>
-            <ac:cxnSpMk id="24" creationId="{0EA599C2-9A0C-5CAF-9A2E-CE2D7FE0FBB9}"/>
-          </ac:cxnSpMkLst>
-        </pc:cxnChg>
-        <pc:cxnChg chg="add del mod">
-          <ac:chgData name="Luisa Dickenmann" userId="0c0840b0-1ae7-42c8-98b5-b02d8f71a603" providerId="ADAL" clId="{100BBC7B-7ACA-4A4D-BA33-DEF31D162335}" dt="2025-12-11T14:16:34.898" v="2950" actId="478"/>
-          <ac:cxnSpMkLst>
-            <pc:docMk/>
-            <pc:sldMk cId="1520243702" sldId="281"/>
-            <ac:cxnSpMk id="25" creationId="{368BF930-2682-A33A-B16C-A7D3F39F6E29}"/>
-          </ac:cxnSpMkLst>
-        </pc:cxnChg>
-        <pc:cxnChg chg="add del mod">
-          <ac:chgData name="Luisa Dickenmann" userId="0c0840b0-1ae7-42c8-98b5-b02d8f71a603" providerId="ADAL" clId="{100BBC7B-7ACA-4A4D-BA33-DEF31D162335}" dt="2025-12-11T14:16:36.719" v="2951" actId="478"/>
-          <ac:cxnSpMkLst>
-            <pc:docMk/>
-            <pc:sldMk cId="1520243702" sldId="281"/>
-            <ac:cxnSpMk id="31" creationId="{F62BFAD7-BDA4-F817-042E-505E9A0348D1}"/>
           </ac:cxnSpMkLst>
         </pc:cxnChg>
         <pc:cxnChg chg="add mod">
@@ -1165,14 +1110,6 @@
             <ac:spMk id="2" creationId="{EF986BC2-00B2-FE0A-3FD2-8B3983EDDD41}"/>
           </ac:spMkLst>
         </pc:spChg>
-        <pc:spChg chg="del">
-          <ac:chgData name="Luisa Dickenmann" userId="0c0840b0-1ae7-42c8-98b5-b02d8f71a603" providerId="ADAL" clId="{100BBC7B-7ACA-4A4D-BA33-DEF31D162335}" dt="2025-12-11T16:26:52.774" v="3124" actId="931"/>
-          <ac:spMkLst>
-            <pc:docMk/>
-            <pc:sldMk cId="232684958" sldId="282"/>
-            <ac:spMk id="3" creationId="{1E74B375-2D84-6AA4-C745-A460D96B38EF}"/>
-          </ac:spMkLst>
-        </pc:spChg>
         <pc:spChg chg="add mod">
           <ac:chgData name="Luisa Dickenmann" userId="0c0840b0-1ae7-42c8-98b5-b02d8f71a603" providerId="ADAL" clId="{100BBC7B-7ACA-4A4D-BA33-DEF31D162335}" dt="2025-12-11T16:29:07.112" v="3175" actId="1076"/>
           <ac:spMkLst>
@@ -1228,22 +1165,6 @@
           <pc:docMk/>
           <pc:sldMk cId="4142346926" sldId="283"/>
         </pc:sldMkLst>
-        <pc:spChg chg="del">
-          <ac:chgData name="Luisa Dickenmann" userId="0c0840b0-1ae7-42c8-98b5-b02d8f71a603" providerId="ADAL" clId="{100BBC7B-7ACA-4A4D-BA33-DEF31D162335}" dt="2025-12-11T16:31:15.715" v="3268"/>
-          <ac:spMkLst>
-            <pc:docMk/>
-            <pc:sldMk cId="4142346926" sldId="283"/>
-            <ac:spMk id="2" creationId="{37CA41E9-BA21-60D0-1B73-6E1D1D96C837}"/>
-          </ac:spMkLst>
-        </pc:spChg>
-        <pc:spChg chg="del">
-          <ac:chgData name="Luisa Dickenmann" userId="0c0840b0-1ae7-42c8-98b5-b02d8f71a603" providerId="ADAL" clId="{100BBC7B-7ACA-4A4D-BA33-DEF31D162335}" dt="2025-12-11T16:32:57.685" v="3274" actId="931"/>
-          <ac:spMkLst>
-            <pc:docMk/>
-            <pc:sldMk cId="4142346926" sldId="283"/>
-            <ac:spMk id="3" creationId="{C8177E0E-9758-087A-7554-9EF915C2D2BE}"/>
-          </ac:spMkLst>
-        </pc:spChg>
         <pc:spChg chg="add mod">
           <ac:chgData name="Luisa Dickenmann" userId="0c0840b0-1ae7-42c8-98b5-b02d8f71a603" providerId="ADAL" clId="{100BBC7B-7ACA-4A4D-BA33-DEF31D162335}" dt="2025-12-11T16:31:21.028" v="3273" actId="20577"/>
           <ac:spMkLst>
@@ -1351,6 +1272,62 @@
             <ac:spMk id="3" creationId="{F28F0F0A-631B-70F5-5626-2DE0EA30D885}"/>
           </ac:spMkLst>
         </pc:spChg>
+      </pc:sldChg>
+    </pc:docChg>
+  </pc:docChgLst>
+  <pc:docChgLst>
+    <pc:chgData name="Luisa Dickenmann" userId="0c0840b0-1ae7-42c8-98b5-b02d8f71a603" providerId="ADAL" clId="{14F8172B-23CC-43AF-8874-FD0289D90325}"/>
+    <pc:docChg chg="custSel addSld modSld">
+      <pc:chgData name="Luisa Dickenmann" userId="0c0840b0-1ae7-42c8-98b5-b02d8f71a603" providerId="ADAL" clId="{14F8172B-23CC-43AF-8874-FD0289D90325}" dt="2026-01-19T15:59:48.578" v="36" actId="14100"/>
+      <pc:docMkLst>
+        <pc:docMk/>
+      </pc:docMkLst>
+      <pc:sldChg chg="addSp delSp modSp new mod">
+        <pc:chgData name="Luisa Dickenmann" userId="0c0840b0-1ae7-42c8-98b5-b02d8f71a603" providerId="ADAL" clId="{14F8172B-23CC-43AF-8874-FD0289D90325}" dt="2026-01-19T15:59:48.578" v="36" actId="14100"/>
+        <pc:sldMkLst>
+          <pc:docMk/>
+          <pc:sldMk cId="3085592028" sldId="289"/>
+        </pc:sldMkLst>
+        <pc:spChg chg="mod">
+          <ac:chgData name="Luisa Dickenmann" userId="0c0840b0-1ae7-42c8-98b5-b02d8f71a603" providerId="ADAL" clId="{14F8172B-23CC-43AF-8874-FD0289D90325}" dt="2026-01-19T15:59:42.221" v="32" actId="1076"/>
+          <ac:spMkLst>
+            <pc:docMk/>
+            <pc:sldMk cId="3085592028" sldId="289"/>
+            <ac:spMk id="2" creationId="{33D63F40-F221-2E7F-F83E-35F6231E0E7B}"/>
+          </ac:spMkLst>
+        </pc:spChg>
+        <pc:spChg chg="del">
+          <ac:chgData name="Luisa Dickenmann" userId="0c0840b0-1ae7-42c8-98b5-b02d8f71a603" providerId="ADAL" clId="{14F8172B-23CC-43AF-8874-FD0289D90325}" dt="2026-01-19T15:58:12.368" v="22"/>
+          <ac:spMkLst>
+            <pc:docMk/>
+            <pc:sldMk cId="3085592028" sldId="289"/>
+            <ac:spMk id="3" creationId="{8CBA336C-3D2E-6712-47DF-E333BE84B5F6}"/>
+          </ac:spMkLst>
+        </pc:spChg>
+        <pc:spChg chg="add del mod">
+          <ac:chgData name="Luisa Dickenmann" userId="0c0840b0-1ae7-42c8-98b5-b02d8f71a603" providerId="ADAL" clId="{14F8172B-23CC-43AF-8874-FD0289D90325}" dt="2026-01-19T15:59:21.470" v="26" actId="931"/>
+          <ac:spMkLst>
+            <pc:docMk/>
+            <pc:sldMk cId="3085592028" sldId="289"/>
+            <ac:spMk id="7" creationId="{62224BF0-B41A-33F7-E65B-99D3DE15C9C3}"/>
+          </ac:spMkLst>
+        </pc:spChg>
+        <pc:picChg chg="add del mod">
+          <ac:chgData name="Luisa Dickenmann" userId="0c0840b0-1ae7-42c8-98b5-b02d8f71a603" providerId="ADAL" clId="{14F8172B-23CC-43AF-8874-FD0289D90325}" dt="2026-01-19T15:58:20.124" v="25" actId="478"/>
+          <ac:picMkLst>
+            <pc:docMk/>
+            <pc:sldMk cId="3085592028" sldId="289"/>
+            <ac:picMk id="5" creationId="{A3D13E38-845D-F651-5895-22646D7E4292}"/>
+          </ac:picMkLst>
+        </pc:picChg>
+        <pc:picChg chg="add mod modCrop">
+          <ac:chgData name="Luisa Dickenmann" userId="0c0840b0-1ae7-42c8-98b5-b02d8f71a603" providerId="ADAL" clId="{14F8172B-23CC-43AF-8874-FD0289D90325}" dt="2026-01-19T15:59:48.578" v="36" actId="14100"/>
+          <ac:picMkLst>
+            <pc:docMk/>
+            <pc:sldMk cId="3085592028" sldId="289"/>
+            <ac:picMk id="9" creationId="{9DC3274B-287F-4CA0-BAE5-BEC9FBDB4565}"/>
+          </ac:picMkLst>
+        </pc:picChg>
       </pc:sldChg>
     </pc:docChg>
   </pc:docChgLst>
@@ -1439,7 +1416,7 @@
           <a:p>
             <a:fld id="{205757B0-FBC9-4508-996A-3E224EB738F1}" type="datetimeFigureOut">
               <a:rPr lang="en-GB" smtClean="0"/>
-              <a:t>12/12/2025</a:t>
+              <a:t>19/01/2026</a:t>
             </a:fld>
             <a:endParaRPr lang="en-GB"/>
           </a:p>
@@ -1750,10 +1727,7 @@
           <a:bodyPr/>
           <a:lstStyle/>
           <a:p>
-            <a:r>
-              <a:rPr lang="en-GB" dirty="0"/>
-              <a:t>North coast n=50</a:t>
-            </a:r>
+            <a:endParaRPr lang="en-GB" dirty="0"/>
           </a:p>
         </p:txBody>
       </p:sp>
@@ -1774,7 +1748,7 @@
           <a:p>
             <a:fld id="{00BEF3A4-E543-4418-A8C6-AC4DBC501A73}" type="slidenum">
               <a:rPr lang="en-GB" smtClean="0"/>
-              <a:t>16</a:t>
+              <a:t>1</a:t>
             </a:fld>
             <a:endParaRPr lang="en-GB"/>
           </a:p>
@@ -1783,7 +1757,7 @@
     </p:spTree>
     <p:extLst>
       <p:ext uri="{BB962C8B-B14F-4D97-AF65-F5344CB8AC3E}">
-        <p14:creationId xmlns:p14="http://schemas.microsoft.com/office/powerpoint/2010/main" val="494490276"/>
+        <p14:creationId xmlns:p14="http://schemas.microsoft.com/office/powerpoint/2010/main" val="548995778"/>
       </p:ext>
     </p:extLst>
   </p:cSld>
@@ -1837,7 +1811,10 @@
           <a:bodyPr/>
           <a:lstStyle/>
           <a:p>
-            <a:endParaRPr lang="en-GB" dirty="0"/>
+            <a:r>
+              <a:rPr lang="en-GB" dirty="0"/>
+              <a:t>North coast n=50</a:t>
+            </a:r>
           </a:p>
         </p:txBody>
       </p:sp>
@@ -1858,7 +1835,7 @@
           <a:p>
             <a:fld id="{00BEF3A4-E543-4418-A8C6-AC4DBC501A73}" type="slidenum">
               <a:rPr lang="en-GB" smtClean="0"/>
-              <a:t>26</a:t>
+              <a:t>17</a:t>
             </a:fld>
             <a:endParaRPr lang="en-GB"/>
           </a:p>
@@ -1867,7 +1844,7 @@
     </p:spTree>
     <p:extLst>
       <p:ext uri="{BB962C8B-B14F-4D97-AF65-F5344CB8AC3E}">
-        <p14:creationId xmlns:p14="http://schemas.microsoft.com/office/powerpoint/2010/main" val="1916923163"/>
+        <p14:creationId xmlns:p14="http://schemas.microsoft.com/office/powerpoint/2010/main" val="494490276"/>
       </p:ext>
     </p:extLst>
   </p:cSld>
@@ -1921,6 +1898,90 @@
           <a:bodyPr/>
           <a:lstStyle/>
           <a:p>
+            <a:endParaRPr lang="en-GB" dirty="0"/>
+          </a:p>
+        </p:txBody>
+      </p:sp>
+      <p:sp>
+        <p:nvSpPr>
+          <p:cNvPr id="4" name="Slide Number Placeholder 3"/>
+          <p:cNvSpPr>
+            <a:spLocks noGrp="1"/>
+          </p:cNvSpPr>
+          <p:nvPr>
+            <p:ph type="sldNum" sz="quarter" idx="5"/>
+          </p:nvPr>
+        </p:nvSpPr>
+        <p:spPr/>
+        <p:txBody>
+          <a:bodyPr/>
+          <a:lstStyle/>
+          <a:p>
+            <a:fld id="{00BEF3A4-E543-4418-A8C6-AC4DBC501A73}" type="slidenum">
+              <a:rPr lang="en-GB" smtClean="0"/>
+              <a:t>27</a:t>
+            </a:fld>
+            <a:endParaRPr lang="en-GB"/>
+          </a:p>
+        </p:txBody>
+      </p:sp>
+    </p:spTree>
+    <p:extLst>
+      <p:ext uri="{BB962C8B-B14F-4D97-AF65-F5344CB8AC3E}">
+        <p14:creationId xmlns:p14="http://schemas.microsoft.com/office/powerpoint/2010/main" val="1916923163"/>
+      </p:ext>
+    </p:extLst>
+  </p:cSld>
+  <p:clrMapOvr>
+    <a:masterClrMapping/>
+  </p:clrMapOvr>
+</p:notes>
+</file>
+
+<file path=ppt/notesSlides/notesSlide4.xml><?xml version="1.0" encoding="utf-8"?>
+<p:notes xmlns:a="http://schemas.openxmlformats.org/drawingml/2006/main" xmlns:r="http://schemas.openxmlformats.org/officeDocument/2006/relationships" xmlns:p="http://schemas.openxmlformats.org/presentationml/2006/main">
+  <p:cSld>
+    <p:spTree>
+      <p:nvGrpSpPr>
+        <p:cNvPr id="1" name=""/>
+        <p:cNvGrpSpPr/>
+        <p:nvPr/>
+      </p:nvGrpSpPr>
+      <p:grpSpPr>
+        <a:xfrm>
+          <a:off x="0" y="0"/>
+          <a:ext cx="0" cy="0"/>
+          <a:chOff x="0" y="0"/>
+          <a:chExt cx="0" cy="0"/>
+        </a:xfrm>
+      </p:grpSpPr>
+      <p:sp>
+        <p:nvSpPr>
+          <p:cNvPr id="2" name="Slide Image Placeholder 1"/>
+          <p:cNvSpPr>
+            <a:spLocks noGrp="1" noRot="1" noChangeAspect="1"/>
+          </p:cNvSpPr>
+          <p:nvPr>
+            <p:ph type="sldImg"/>
+          </p:nvPr>
+        </p:nvSpPr>
+        <p:spPr/>
+      </p:sp>
+      <p:sp>
+        <p:nvSpPr>
+          <p:cNvPr id="3" name="Notes Placeholder 2"/>
+          <p:cNvSpPr>
+            <a:spLocks noGrp="1"/>
+          </p:cNvSpPr>
+          <p:nvPr>
+            <p:ph type="body" idx="1"/>
+          </p:nvPr>
+        </p:nvSpPr>
+        <p:spPr/>
+        <p:txBody>
+          <a:bodyPr/>
+          <a:lstStyle/>
+          <a:p>
             <a:r>
               <a:rPr lang="de-CH" dirty="0"/>
               <a:t>Plot met office daylength or temperature data </a:t>
@@ -1946,7 +2007,7 @@
           <a:p>
             <a:fld id="{00BEF3A4-E543-4418-A8C6-AC4DBC501A73}" type="slidenum">
               <a:rPr lang="en-GB" smtClean="0"/>
-              <a:t>28</a:t>
+              <a:t>29</a:t>
             </a:fld>
             <a:endParaRPr lang="en-GB"/>
           </a:p>
@@ -2161,7 +2222,7 @@
           <a:p>
             <a:fld id="{817C20B3-7C49-43C0-BA15-4AF729A94E81}" type="datetimeFigureOut">
               <a:rPr lang="en-GB" smtClean="0"/>
-              <a:t>12/12/2025</a:t>
+              <a:t>19/01/2026</a:t>
             </a:fld>
             <a:endParaRPr lang="en-GB"/>
           </a:p>
@@ -2382,7 +2443,7 @@
           <a:p>
             <a:fld id="{817C20B3-7C49-43C0-BA15-4AF729A94E81}" type="datetimeFigureOut">
               <a:rPr lang="en-GB" smtClean="0"/>
-              <a:t>12/12/2025</a:t>
+              <a:t>19/01/2026</a:t>
             </a:fld>
             <a:endParaRPr lang="en-GB"/>
           </a:p>
@@ -2562,7 +2623,7 @@
           <a:p>
             <a:fld id="{817C20B3-7C49-43C0-BA15-4AF729A94E81}" type="datetimeFigureOut">
               <a:rPr lang="en-GB" smtClean="0"/>
-              <a:t>12/12/2025</a:t>
+              <a:t>19/01/2026</a:t>
             </a:fld>
             <a:endParaRPr lang="en-GB"/>
           </a:p>
@@ -2732,7 +2793,7 @@
           <a:p>
             <a:fld id="{817C20B3-7C49-43C0-BA15-4AF729A94E81}" type="datetimeFigureOut">
               <a:rPr lang="en-GB" smtClean="0"/>
-              <a:t>12/12/2025</a:t>
+              <a:t>19/01/2026</a:t>
             </a:fld>
             <a:endParaRPr lang="en-GB"/>
           </a:p>
@@ -2983,7 +3044,7 @@
           <a:p>
             <a:fld id="{817C20B3-7C49-43C0-BA15-4AF729A94E81}" type="datetimeFigureOut">
               <a:rPr lang="en-GB" smtClean="0"/>
-              <a:t>12/12/2025</a:t>
+              <a:t>19/01/2026</a:t>
             </a:fld>
             <a:endParaRPr lang="en-GB"/>
           </a:p>
@@ -3306,7 +3367,7 @@
           <a:p>
             <a:fld id="{817C20B3-7C49-43C0-BA15-4AF729A94E81}" type="datetimeFigureOut">
               <a:rPr lang="en-GB" smtClean="0"/>
-              <a:t>12/12/2025</a:t>
+              <a:t>19/01/2026</a:t>
             </a:fld>
             <a:endParaRPr lang="en-GB"/>
           </a:p>
@@ -3730,7 +3791,7 @@
           <a:p>
             <a:fld id="{817C20B3-7C49-43C0-BA15-4AF729A94E81}" type="datetimeFigureOut">
               <a:rPr lang="en-GB" smtClean="0"/>
-              <a:t>12/12/2025</a:t>
+              <a:t>19/01/2026</a:t>
             </a:fld>
             <a:endParaRPr lang="en-GB"/>
           </a:p>
@@ -3848,7 +3909,7 @@
           <a:p>
             <a:fld id="{817C20B3-7C49-43C0-BA15-4AF729A94E81}" type="datetimeFigureOut">
               <a:rPr lang="en-GB" smtClean="0"/>
-              <a:t>12/12/2025</a:t>
+              <a:t>19/01/2026</a:t>
             </a:fld>
             <a:endParaRPr lang="en-GB"/>
           </a:p>
@@ -3943,7 +4004,7 @@
           <a:p>
             <a:fld id="{817C20B3-7C49-43C0-BA15-4AF729A94E81}" type="datetimeFigureOut">
               <a:rPr lang="en-GB" smtClean="0"/>
-              <a:t>12/12/2025</a:t>
+              <a:t>19/01/2026</a:t>
             </a:fld>
             <a:endParaRPr lang="en-GB"/>
           </a:p>
@@ -4233,7 +4294,7 @@
           <a:p>
             <a:fld id="{817C20B3-7C49-43C0-BA15-4AF729A94E81}" type="datetimeFigureOut">
               <a:rPr lang="en-GB" smtClean="0"/>
-              <a:t>12/12/2025</a:t>
+              <a:t>19/01/2026</a:t>
             </a:fld>
             <a:endParaRPr lang="en-GB"/>
           </a:p>
@@ -4505,7 +4566,7 @@
           <a:p>
             <a:fld id="{817C20B3-7C49-43C0-BA15-4AF729A94E81}" type="datetimeFigureOut">
               <a:rPr lang="en-GB" smtClean="0"/>
-              <a:t>12/12/2025</a:t>
+              <a:t>19/01/2026</a:t>
             </a:fld>
             <a:endParaRPr lang="en-GB"/>
           </a:p>
@@ -4759,7 +4820,7 @@
           <a:p>
             <a:fld id="{817C20B3-7C49-43C0-BA15-4AF729A94E81}" type="datetimeFigureOut">
               <a:rPr lang="en-GB" smtClean="0"/>
-              <a:t>12/12/2025</a:t>
+              <a:t>19/01/2026</a:t>
             </a:fld>
             <a:endParaRPr lang="en-GB"/>
           </a:p>
@@ -5324,7 +5385,7 @@
           <p:cNvPr id="2" name="Title 1">
             <a:extLst>
               <a:ext uri="{FF2B5EF4-FFF2-40B4-BE49-F238E27FC236}">
-                <a16:creationId xmlns:a16="http://schemas.microsoft.com/office/drawing/2014/main" id="{BA21E4DD-A0E9-85A5-076F-15D48EB17A60}"/>
+                <a16:creationId xmlns:a16="http://schemas.microsoft.com/office/drawing/2014/main" id="{DBBAC9F3-8100-D77A-023E-C972C89795AC}"/>
               </a:ext>
             </a:extLst>
           </p:cNvPr>
@@ -5335,52 +5396,186 @@
             <p:ph type="title"/>
           </p:nvPr>
         </p:nvSpPr>
-        <p:spPr/>
+        <p:spPr>
+          <a:xfrm>
+            <a:off x="228600" y="223520"/>
+            <a:ext cx="9875520" cy="995680"/>
+          </a:xfrm>
+        </p:spPr>
         <p:txBody>
           <a:bodyPr/>
           <a:lstStyle/>
           <a:p>
             <a:r>
               <a:rPr lang="de-CH" dirty="0"/>
-              <a:t>Interaction</a:t>
+              <a:t>Status – by Family</a:t>
             </a:r>
             <a:endParaRPr lang="en-GB" dirty="0"/>
           </a:p>
         </p:txBody>
       </p:sp>
-      <p:sp>
-        <p:nvSpPr>
-          <p:cNvPr id="3" name="Content Placeholder 2">
+      <p:pic>
+        <p:nvPicPr>
+          <p:cNvPr id="5" name="Content Placeholder 4">
             <a:extLst>
               <a:ext uri="{FF2B5EF4-FFF2-40B4-BE49-F238E27FC236}">
-                <a16:creationId xmlns:a16="http://schemas.microsoft.com/office/drawing/2014/main" id="{F28F0F0A-631B-70F5-5626-2DE0EA30D885}"/>
+                <a16:creationId xmlns:a16="http://schemas.microsoft.com/office/drawing/2014/main" id="{88AB1702-AC8E-BCAE-24FC-C14A03615DD3}"/>
               </a:ext>
             </a:extLst>
           </p:cNvPr>
-          <p:cNvSpPr>
-            <a:spLocks noGrp="1"/>
-          </p:cNvSpPr>
+          <p:cNvPicPr>
+            <a:picLocks noGrp="1" noChangeAspect="1"/>
+          </p:cNvPicPr>
           <p:nvPr>
             <p:ph idx="1"/>
           </p:nvPr>
-        </p:nvSpPr>
-        <p:spPr/>
-        <p:txBody>
-          <a:bodyPr/>
+        </p:nvPicPr>
+        <p:blipFill>
+          <a:blip r:embed="rId2">
+            <a:extLst>
+              <a:ext uri="{28A0092B-C50C-407E-A947-70E740481C1C}">
+                <a14:useLocalDpi xmlns:a14="http://schemas.microsoft.com/office/drawing/2010/main" val="0"/>
+              </a:ext>
+            </a:extLst>
+          </a:blip>
+          <a:srcRect t="6549"/>
+          <a:stretch/>
+        </p:blipFill>
+        <p:spPr>
+          <a:xfrm>
+            <a:off x="1226129" y="1095555"/>
+            <a:ext cx="9739742" cy="5518605"/>
+          </a:xfrm>
+        </p:spPr>
+      </p:pic>
+      <p:sp>
+        <p:nvSpPr>
+          <p:cNvPr id="6" name="TextBox 5">
+            <a:extLst>
+              <a:ext uri="{FF2B5EF4-FFF2-40B4-BE49-F238E27FC236}">
+                <a16:creationId xmlns:a16="http://schemas.microsoft.com/office/drawing/2014/main" id="{C5012472-E3FE-9887-B742-0271FEB26237}"/>
+              </a:ext>
+            </a:extLst>
+          </p:cNvPr>
+          <p:cNvSpPr txBox="1"/>
+          <p:nvPr/>
+        </p:nvSpPr>
+        <p:spPr>
+          <a:xfrm>
+            <a:off x="5382883" y="586596"/>
+            <a:ext cx="3045125" cy="369332"/>
+          </a:xfrm>
+          <a:prstGeom prst="rect">
+            <a:avLst/>
+          </a:prstGeom>
+          <a:noFill/>
+        </p:spPr>
+        <p:txBody>
+          <a:bodyPr wrap="square" rtlCol="0">
+            <a:spAutoFit/>
+          </a:bodyPr>
           <a:lstStyle/>
           <a:p>
             <a:r>
               <a:rPr lang="de-CH" dirty="0"/>
-              <a:t>Mortality based on type AND provenance</a:t>
+              <a:t>Top and bottom 10 Families</a:t>
             </a:r>
             <a:endParaRPr lang="en-GB" dirty="0"/>
+          </a:p>
+        </p:txBody>
+      </p:sp>
+      <p:sp>
+        <p:nvSpPr>
+          <p:cNvPr id="3" name="TextBox 2">
+            <a:extLst>
+              <a:ext uri="{FF2B5EF4-FFF2-40B4-BE49-F238E27FC236}">
+                <a16:creationId xmlns:a16="http://schemas.microsoft.com/office/drawing/2014/main" id="{C4409357-62AB-C53D-577F-0FF4CFF2F18D}"/>
+              </a:ext>
+            </a:extLst>
+          </p:cNvPr>
+          <p:cNvSpPr txBox="1"/>
+          <p:nvPr/>
+        </p:nvSpPr>
+        <p:spPr>
+          <a:xfrm>
+            <a:off x="7626539" y="3956766"/>
+            <a:ext cx="2353734" cy="646331"/>
+          </a:xfrm>
+          <a:prstGeom prst="rect">
+            <a:avLst/>
+          </a:prstGeom>
+          <a:noFill/>
+        </p:spPr>
+        <p:txBody>
+          <a:bodyPr wrap="square" rtlCol="0">
+            <a:spAutoFit/>
+          </a:bodyPr>
+          <a:lstStyle/>
+          <a:p>
+            <a:r>
+              <a:rPr lang="de-CH" dirty="0"/>
+              <a:t>Why so many with exactly 50%??</a:t>
+            </a:r>
+            <a:endParaRPr lang="en-GB" dirty="0"/>
+          </a:p>
+        </p:txBody>
+      </p:sp>
+      <p:sp>
+        <p:nvSpPr>
+          <p:cNvPr id="4" name="Rectangle: Rounded Corners 3">
+            <a:extLst>
+              <a:ext uri="{FF2B5EF4-FFF2-40B4-BE49-F238E27FC236}">
+                <a16:creationId xmlns:a16="http://schemas.microsoft.com/office/drawing/2014/main" id="{79AA551E-FA63-960E-F087-D4304A8C24A0}"/>
+              </a:ext>
+            </a:extLst>
+          </p:cNvPr>
+          <p:cNvSpPr/>
+          <p:nvPr/>
+        </p:nvSpPr>
+        <p:spPr>
+          <a:xfrm>
+            <a:off x="6096000" y="3429000"/>
+            <a:ext cx="1507067" cy="1905000"/>
+          </a:xfrm>
+          <a:prstGeom prst="roundRect">
+            <a:avLst/>
+          </a:prstGeom>
+          <a:noFill/>
+          <a:ln w="38100">
+            <a:solidFill>
+              <a:srgbClr val="FF0000"/>
+            </a:solidFill>
+          </a:ln>
+        </p:spPr>
+        <p:style>
+          <a:lnRef idx="2">
+            <a:schemeClr val="accent1">
+              <a:shade val="15000"/>
+            </a:schemeClr>
+          </a:lnRef>
+          <a:fillRef idx="1">
+            <a:schemeClr val="accent1"/>
+          </a:fillRef>
+          <a:effectRef idx="0">
+            <a:schemeClr val="accent1"/>
+          </a:effectRef>
+          <a:fontRef idx="minor">
+            <a:schemeClr val="lt1"/>
+          </a:fontRef>
+        </p:style>
+        <p:txBody>
+          <a:bodyPr rtlCol="0" anchor="ctr"/>
+          <a:lstStyle/>
+          <a:p>
+            <a:pPr algn="ctr"/>
+            <a:endParaRPr lang="en-GB"/>
           </a:p>
         </p:txBody>
       </p:sp>
     </p:spTree>
     <p:extLst>
       <p:ext uri="{BB962C8B-B14F-4D97-AF65-F5344CB8AC3E}">
-        <p14:creationId xmlns:p14="http://schemas.microsoft.com/office/powerpoint/2010/main" val="3026645936"/>
+        <p14:creationId xmlns:p14="http://schemas.microsoft.com/office/powerpoint/2010/main" val="4087577250"/>
       </p:ext>
     </p:extLst>
   </p:cSld>
@@ -5407,126 +5602,68 @@
           <a:chExt cx="0" cy="0"/>
         </a:xfrm>
       </p:grpSpPr>
-      <p:pic>
-        <p:nvPicPr>
-          <p:cNvPr id="12" name="Content Placeholder 11" descr="A graph with red lines and numbers&#10;&#10;AI-generated content may be incorrect.">
+      <p:sp>
+        <p:nvSpPr>
+          <p:cNvPr id="2" name="Title 1">
             <a:extLst>
               <a:ext uri="{FF2B5EF4-FFF2-40B4-BE49-F238E27FC236}">
-                <a16:creationId xmlns:a16="http://schemas.microsoft.com/office/drawing/2014/main" id="{BD49C6AC-C674-843D-C8F1-02241A71B122}"/>
+                <a16:creationId xmlns:a16="http://schemas.microsoft.com/office/drawing/2014/main" id="{BA21E4DD-A0E9-85A5-076F-15D48EB17A60}"/>
               </a:ext>
             </a:extLst>
           </p:cNvPr>
-          <p:cNvPicPr>
-            <a:picLocks noGrp="1" noChangeAspect="1"/>
-          </p:cNvPicPr>
+          <p:cNvSpPr>
+            <a:spLocks noGrp="1"/>
+          </p:cNvSpPr>
+          <p:nvPr>
+            <p:ph type="title"/>
+          </p:nvPr>
+        </p:nvSpPr>
+        <p:spPr/>
+        <p:txBody>
+          <a:bodyPr/>
+          <a:lstStyle/>
+          <a:p>
+            <a:r>
+              <a:rPr lang="de-CH" dirty="0"/>
+              <a:t>Interaction</a:t>
+            </a:r>
+            <a:endParaRPr lang="en-GB" dirty="0"/>
+          </a:p>
+        </p:txBody>
+      </p:sp>
+      <p:sp>
+        <p:nvSpPr>
+          <p:cNvPr id="3" name="Content Placeholder 2">
+            <a:extLst>
+              <a:ext uri="{FF2B5EF4-FFF2-40B4-BE49-F238E27FC236}">
+                <a16:creationId xmlns:a16="http://schemas.microsoft.com/office/drawing/2014/main" id="{F28F0F0A-631B-70F5-5626-2DE0EA30D885}"/>
+              </a:ext>
+            </a:extLst>
+          </p:cNvPr>
+          <p:cNvSpPr>
+            <a:spLocks noGrp="1"/>
+          </p:cNvSpPr>
           <p:nvPr>
             <p:ph idx="1"/>
           </p:nvPr>
-        </p:nvPicPr>
-        <p:blipFill>
-          <a:blip r:embed="rId2">
-            <a:extLst>
-              <a:ext uri="{28A0092B-C50C-407E-A947-70E740481C1C}">
-                <a14:useLocalDpi xmlns:a14="http://schemas.microsoft.com/office/drawing/2010/main" val="0"/>
-              </a:ext>
-            </a:extLst>
-          </a:blip>
-          <a:srcRect t="6070"/>
-          <a:stretch/>
-        </p:blipFill>
-        <p:spPr>
-          <a:xfrm>
-            <a:off x="544941" y="1310640"/>
-            <a:ext cx="11102118" cy="5273040"/>
-          </a:xfrm>
-        </p:spPr>
-      </p:pic>
-      <p:sp>
-        <p:nvSpPr>
-          <p:cNvPr id="2" name="Title 1">
-            <a:extLst>
-              <a:ext uri="{FF2B5EF4-FFF2-40B4-BE49-F238E27FC236}">
-                <a16:creationId xmlns:a16="http://schemas.microsoft.com/office/drawing/2014/main" id="{DED8D4A8-9316-1F4F-4391-A51F0AE12446}"/>
-              </a:ext>
-            </a:extLst>
-          </p:cNvPr>
-          <p:cNvSpPr>
-            <a:spLocks noGrp="1"/>
-          </p:cNvSpPr>
-          <p:nvPr>
-            <p:ph type="title"/>
-          </p:nvPr>
-        </p:nvSpPr>
-        <p:spPr>
-          <a:xfrm>
-            <a:off x="238760" y="274320"/>
-            <a:ext cx="9875520" cy="1356360"/>
-          </a:xfrm>
-        </p:spPr>
+        </p:nvSpPr>
+        <p:spPr/>
         <p:txBody>
           <a:bodyPr/>
           <a:lstStyle/>
           <a:p>
             <a:r>
               <a:rPr lang="de-CH" dirty="0"/>
-              <a:t>DBB</a:t>
+              <a:t>Mortality based on type AND provenance</a:t>
             </a:r>
             <a:endParaRPr lang="en-GB" dirty="0"/>
-          </a:p>
-        </p:txBody>
-      </p:sp>
-      <p:sp>
-        <p:nvSpPr>
-          <p:cNvPr id="3" name="TextBox 2">
-            <a:extLst>
-              <a:ext uri="{FF2B5EF4-FFF2-40B4-BE49-F238E27FC236}">
-                <a16:creationId xmlns:a16="http://schemas.microsoft.com/office/drawing/2014/main" id="{7FC9CC8D-5E27-7D11-D30C-DB30F7B517A9}"/>
-              </a:ext>
-            </a:extLst>
-          </p:cNvPr>
-          <p:cNvSpPr txBox="1"/>
-          <p:nvPr/>
-        </p:nvSpPr>
-        <p:spPr>
-          <a:xfrm>
-            <a:off x="9193074" y="552390"/>
-            <a:ext cx="2675531" cy="400110"/>
-          </a:xfrm>
-          <a:prstGeom prst="rect">
-            <a:avLst/>
-          </a:prstGeom>
-          <a:noFill/>
-        </p:spPr>
-        <p:txBody>
-          <a:bodyPr wrap="square" rtlCol="0">
-            <a:spAutoFit/>
-          </a:bodyPr>
-          <a:lstStyle/>
-          <a:p>
-            <a:r>
-              <a:rPr lang="de-CH" sz="1000" dirty="0">
-                <a:solidFill>
-                  <a:schemeClr val="accent6">
-                    <a:lumMod val="75000"/>
-                  </a:schemeClr>
-                </a:solidFill>
-              </a:rPr>
-              <a:t>506 trees that are alive at both timepoints have DBB measurements</a:t>
-            </a:r>
-            <a:endParaRPr lang="en-GB" sz="1000" dirty="0">
-              <a:solidFill>
-                <a:schemeClr val="accent6">
-                  <a:lumMod val="75000"/>
-                </a:schemeClr>
-              </a:solidFill>
-            </a:endParaRPr>
           </a:p>
         </p:txBody>
       </p:sp>
     </p:spTree>
     <p:extLst>
       <p:ext uri="{BB962C8B-B14F-4D97-AF65-F5344CB8AC3E}">
-        <p14:creationId xmlns:p14="http://schemas.microsoft.com/office/powerpoint/2010/main" val="4154756640"/>
+        <p14:creationId xmlns:p14="http://schemas.microsoft.com/office/powerpoint/2010/main" val="3026645936"/>
       </p:ext>
     </p:extLst>
   </p:cSld>
@@ -5555,10 +5692,10 @@
       </p:grpSpPr>
       <p:pic>
         <p:nvPicPr>
-          <p:cNvPr id="11" name="Content Placeholder 10">
+          <p:cNvPr id="12" name="Content Placeholder 11" descr="A graph with red lines and numbers&#10;&#10;AI-generated content may be incorrect.">
             <a:extLst>
               <a:ext uri="{FF2B5EF4-FFF2-40B4-BE49-F238E27FC236}">
-                <a16:creationId xmlns:a16="http://schemas.microsoft.com/office/drawing/2014/main" id="{C5869241-031B-EBB0-A018-4867A27D2D22}"/>
+                <a16:creationId xmlns:a16="http://schemas.microsoft.com/office/drawing/2014/main" id="{BD49C6AC-C674-843D-C8F1-02241A71B122}"/>
               </a:ext>
             </a:extLst>
           </p:cNvPr>
@@ -5577,14 +5714,13 @@
               </a:ext>
             </a:extLst>
           </a:blip>
-          <a:stretch>
-            <a:fillRect/>
-          </a:stretch>
+          <a:srcRect t="6070"/>
+          <a:stretch/>
         </p:blipFill>
         <p:spPr>
           <a:xfrm>
-            <a:off x="833120" y="1423966"/>
-            <a:ext cx="10304635" cy="5210514"/>
+            <a:off x="544941" y="1310640"/>
+            <a:ext cx="11102118" cy="5273040"/>
           </a:xfrm>
         </p:spPr>
       </p:pic>
@@ -5593,7 +5729,7 @@
           <p:cNvPr id="2" name="Title 1">
             <a:extLst>
               <a:ext uri="{FF2B5EF4-FFF2-40B4-BE49-F238E27FC236}">
-                <a16:creationId xmlns:a16="http://schemas.microsoft.com/office/drawing/2014/main" id="{EC37FC25-0092-D266-9369-B42C8B0A2DCD}"/>
+                <a16:creationId xmlns:a16="http://schemas.microsoft.com/office/drawing/2014/main" id="{DED8D4A8-9316-1F4F-4391-A51F0AE12446}"/>
               </a:ext>
             </a:extLst>
           </p:cNvPr>
@@ -5606,7 +5742,7 @@
         </p:nvSpPr>
         <p:spPr>
           <a:xfrm>
-            <a:off x="238760" y="223520"/>
+            <a:off x="238760" y="274320"/>
             <a:ext cx="9875520" cy="1356360"/>
           </a:xfrm>
         </p:spPr>
@@ -5616,7 +5752,7 @@
           <a:p>
             <a:r>
               <a:rPr lang="de-CH" dirty="0"/>
-              <a:t>Height</a:t>
+              <a:t>DBB</a:t>
             </a:r>
             <a:endParaRPr lang="en-GB" dirty="0"/>
           </a:p>
@@ -5624,10 +5760,10 @@
       </p:sp>
       <p:sp>
         <p:nvSpPr>
-          <p:cNvPr id="7" name="TextBox 6">
+          <p:cNvPr id="3" name="TextBox 2">
             <a:extLst>
               <a:ext uri="{FF2B5EF4-FFF2-40B4-BE49-F238E27FC236}">
-                <a16:creationId xmlns:a16="http://schemas.microsoft.com/office/drawing/2014/main" id="{48543C4B-69A1-290C-CEFB-6E8DFA1E1BD1}"/>
+                <a16:creationId xmlns:a16="http://schemas.microsoft.com/office/drawing/2014/main" id="{7FC9CC8D-5E27-7D11-D30C-DB30F7B517A9}"/>
               </a:ext>
             </a:extLst>
           </p:cNvPr>
@@ -5636,7 +5772,7 @@
         </p:nvSpPr>
         <p:spPr>
           <a:xfrm>
-            <a:off x="8776513" y="537367"/>
+            <a:off x="9193074" y="552390"/>
             <a:ext cx="2675531" cy="400110"/>
           </a:xfrm>
           <a:prstGeom prst="rect">
@@ -5658,7 +5794,7 @@
                   </a:schemeClr>
                 </a:solidFill>
               </a:rPr>
-              <a:t>506 trees that are alive at both timepoints have height measurements</a:t>
+              <a:t>506 trees that are alive at both timepoints have DBB measurements</a:t>
             </a:r>
             <a:endParaRPr lang="en-GB" sz="1000" dirty="0">
               <a:solidFill>
@@ -5670,58 +5806,10 @@
           </a:p>
         </p:txBody>
       </p:sp>
-      <p:sp>
-        <p:nvSpPr>
-          <p:cNvPr id="12" name="TextBox 11">
-            <a:extLst>
-              <a:ext uri="{FF2B5EF4-FFF2-40B4-BE49-F238E27FC236}">
-                <a16:creationId xmlns:a16="http://schemas.microsoft.com/office/drawing/2014/main" id="{86B23E41-3A5D-BCAF-834C-2A32E08422A5}"/>
-              </a:ext>
-            </a:extLst>
-          </p:cNvPr>
-          <p:cNvSpPr txBox="1"/>
-          <p:nvPr/>
-        </p:nvSpPr>
-        <p:spPr>
-          <a:xfrm>
-            <a:off x="8776514" y="1017566"/>
-            <a:ext cx="2675531" cy="400110"/>
-          </a:xfrm>
-          <a:prstGeom prst="rect">
-            <a:avLst/>
-          </a:prstGeom>
-          <a:noFill/>
-        </p:spPr>
-        <p:txBody>
-          <a:bodyPr wrap="square" rtlCol="0">
-            <a:spAutoFit/>
-          </a:bodyPr>
-          <a:lstStyle/>
-          <a:p>
-            <a:r>
-              <a:rPr lang="de-CH" sz="1000" dirty="0">
-                <a:solidFill>
-                  <a:schemeClr val="accent6">
-                    <a:lumMod val="75000"/>
-                  </a:schemeClr>
-                </a:solidFill>
-              </a:rPr>
-              <a:t>1 tree is alive at both and has DBB but not height</a:t>
-            </a:r>
-            <a:endParaRPr lang="en-GB" sz="1000" dirty="0">
-              <a:solidFill>
-                <a:schemeClr val="accent6">
-                  <a:lumMod val="75000"/>
-                </a:schemeClr>
-              </a:solidFill>
-            </a:endParaRPr>
-          </a:p>
-        </p:txBody>
-      </p:sp>
     </p:spTree>
     <p:extLst>
       <p:ext uri="{BB962C8B-B14F-4D97-AF65-F5344CB8AC3E}">
-        <p14:creationId xmlns:p14="http://schemas.microsoft.com/office/powerpoint/2010/main" val="2740833318"/>
+        <p14:creationId xmlns:p14="http://schemas.microsoft.com/office/powerpoint/2010/main" val="4154756640"/>
       </p:ext>
     </p:extLst>
   </p:cSld>
@@ -5750,10 +5838,10 @@
       </p:grpSpPr>
       <p:pic>
         <p:nvPicPr>
-          <p:cNvPr id="5" name="Content Placeholder 4" descr="A diagram of different colored squares&#10;&#10;AI-generated content may be incorrect.">
+          <p:cNvPr id="11" name="Content Placeholder 10">
             <a:extLst>
               <a:ext uri="{FF2B5EF4-FFF2-40B4-BE49-F238E27FC236}">
-                <a16:creationId xmlns:a16="http://schemas.microsoft.com/office/drawing/2014/main" id="{73E0993F-5E9C-1D30-1C0B-6E7EB90E7028}"/>
+                <a16:creationId xmlns:a16="http://schemas.microsoft.com/office/drawing/2014/main" id="{C5869241-031B-EBB0-A018-4867A27D2D22}"/>
               </a:ext>
             </a:extLst>
           </p:cNvPr>
@@ -5772,13 +5860,14 @@
               </a:ext>
             </a:extLst>
           </a:blip>
-          <a:srcRect t="6225"/>
-          <a:stretch/>
+          <a:stretch>
+            <a:fillRect/>
+          </a:stretch>
         </p:blipFill>
         <p:spPr>
           <a:xfrm>
-            <a:off x="1786756" y="1766126"/>
-            <a:ext cx="8618487" cy="4856480"/>
+            <a:off x="833120" y="1423966"/>
+            <a:ext cx="10304635" cy="5210514"/>
           </a:xfrm>
         </p:spPr>
       </p:pic>
@@ -5787,7 +5876,7 @@
           <p:cNvPr id="2" name="Title 1">
             <a:extLst>
               <a:ext uri="{FF2B5EF4-FFF2-40B4-BE49-F238E27FC236}">
-                <a16:creationId xmlns:a16="http://schemas.microsoft.com/office/drawing/2014/main" id="{186B59D3-816C-2A57-089A-EA265D288680}"/>
+                <a16:creationId xmlns:a16="http://schemas.microsoft.com/office/drawing/2014/main" id="{EC37FC25-0092-D266-9369-B42C8B0A2DCD}"/>
               </a:ext>
             </a:extLst>
           </p:cNvPr>
@@ -5800,7 +5889,7 @@
         </p:nvSpPr>
         <p:spPr>
           <a:xfrm>
-            <a:off x="238760" y="213360"/>
+            <a:off x="238760" y="223520"/>
             <a:ext cx="9875520" cy="1356360"/>
           </a:xfrm>
         </p:spPr>
@@ -5810,7 +5899,7 @@
           <a:p>
             <a:r>
               <a:rPr lang="de-CH" dirty="0"/>
-              <a:t>Height – by Provenance</a:t>
+              <a:t>Height</a:t>
             </a:r>
             <a:endParaRPr lang="en-GB" dirty="0"/>
           </a:p>
@@ -5818,10 +5907,10 @@
       </p:sp>
       <p:sp>
         <p:nvSpPr>
-          <p:cNvPr id="6" name="TextBox 5">
+          <p:cNvPr id="7" name="TextBox 6">
             <a:extLst>
               <a:ext uri="{FF2B5EF4-FFF2-40B4-BE49-F238E27FC236}">
-                <a16:creationId xmlns:a16="http://schemas.microsoft.com/office/drawing/2014/main" id="{85B2C7B7-4BA9-EB08-7CDD-E8CB7044D6E1}"/>
+                <a16:creationId xmlns:a16="http://schemas.microsoft.com/office/drawing/2014/main" id="{48543C4B-69A1-290C-CEFB-6E8DFA1E1BD1}"/>
               </a:ext>
             </a:extLst>
           </p:cNvPr>
@@ -5830,8 +5919,8 @@
         </p:nvSpPr>
         <p:spPr>
           <a:xfrm>
-            <a:off x="8270240" y="670560"/>
-            <a:ext cx="2661920" cy="923330"/>
+            <a:off x="8776513" y="537367"/>
+            <a:ext cx="2675531" cy="400110"/>
           </a:xfrm>
           <a:prstGeom prst="rect">
             <a:avLst/>
@@ -5845,174 +5934,31 @@
           <a:lstStyle/>
           <a:p>
             <a:r>
-              <a:rPr lang="de-CH" dirty="0">
-                <a:solidFill>
-                  <a:srgbClr val="FF0000"/>
-                </a:solidFill>
-              </a:rPr>
-              <a:t>How many height values for each provenance?</a:t>
-            </a:r>
-          </a:p>
-          <a:p>
-            <a:r>
-              <a:rPr lang="de-CH" dirty="0">
-                <a:solidFill>
-                  <a:srgbClr val="FF0000"/>
-                </a:solidFill>
-              </a:rPr>
-              <a:t>How many NAs</a:t>
-            </a:r>
-            <a:endParaRPr lang="en-GB" dirty="0">
-              <a:solidFill>
-                <a:srgbClr val="FF0000"/>
-              </a:solidFill>
-            </a:endParaRPr>
-          </a:p>
-        </p:txBody>
-      </p:sp>
-      <p:cxnSp>
-        <p:nvCxnSpPr>
-          <p:cNvPr id="7" name="Straight Connector 6">
-            <a:extLst>
-              <a:ext uri="{FF2B5EF4-FFF2-40B4-BE49-F238E27FC236}">
-                <a16:creationId xmlns:a16="http://schemas.microsoft.com/office/drawing/2014/main" id="{19059EA4-2DBF-0663-3CBB-735422399593}"/>
-              </a:ext>
-            </a:extLst>
-          </p:cNvPr>
-          <p:cNvCxnSpPr>
-            <a:cxnSpLocks/>
-          </p:cNvCxnSpPr>
-          <p:nvPr/>
-        </p:nvCxnSpPr>
-        <p:spPr>
-          <a:xfrm flipV="1">
-            <a:off x="6745584" y="2254710"/>
-            <a:ext cx="2088872" cy="2986"/>
-          </a:xfrm>
-          <a:prstGeom prst="line">
-            <a:avLst/>
-          </a:prstGeom>
-          <a:ln>
-            <a:solidFill>
-              <a:schemeClr val="accent6">
-                <a:lumMod val="75000"/>
-              </a:schemeClr>
-            </a:solidFill>
-          </a:ln>
-        </p:spPr>
-        <p:style>
-          <a:lnRef idx="2">
-            <a:schemeClr val="accent1"/>
-          </a:lnRef>
-          <a:fillRef idx="0">
-            <a:schemeClr val="accent1"/>
-          </a:fillRef>
-          <a:effectRef idx="1">
-            <a:schemeClr val="accent1"/>
-          </a:effectRef>
-          <a:fontRef idx="minor">
-            <a:schemeClr val="tx1"/>
-          </a:fontRef>
-        </p:style>
-      </p:cxnSp>
-      <p:sp>
-        <p:nvSpPr>
-          <p:cNvPr id="8" name="TextBox 7">
-            <a:extLst>
-              <a:ext uri="{FF2B5EF4-FFF2-40B4-BE49-F238E27FC236}">
-                <a16:creationId xmlns:a16="http://schemas.microsoft.com/office/drawing/2014/main" id="{B4B09F37-05AB-B6E9-E388-410DADB688E9}"/>
-              </a:ext>
-            </a:extLst>
-          </p:cNvPr>
-          <p:cNvSpPr txBox="1"/>
-          <p:nvPr/>
-        </p:nvSpPr>
-        <p:spPr>
-          <a:xfrm>
-            <a:off x="7450347" y="1996473"/>
-            <a:ext cx="679347" cy="364074"/>
-          </a:xfrm>
-          <a:prstGeom prst="rect">
-            <a:avLst/>
-          </a:prstGeom>
-          <a:noFill/>
-          <a:ln>
-            <a:noFill/>
-          </a:ln>
-        </p:spPr>
-        <p:txBody>
-          <a:bodyPr wrap="square" rtlCol="0">
-            <a:spAutoFit/>
-          </a:bodyPr>
-          <a:lstStyle/>
-          <a:p>
-            <a:pPr algn="ctr"/>
-            <a:r>
-              <a:rPr lang="en-GB" sz="1766" b="1" dirty="0">
+              <a:rPr lang="de-CH" sz="1000" dirty="0">
                 <a:solidFill>
                   <a:schemeClr val="accent6">
                     <a:lumMod val="75000"/>
                   </a:schemeClr>
                 </a:solidFill>
-                <a:latin typeface="Helvetica" panose="020B0604020202020204"/>
-                <a:cs typeface="Helvetica" panose="020B0604020202020204"/>
               </a:rPr>
-              <a:t>*</a:t>
-            </a:r>
-          </a:p>
-        </p:txBody>
-      </p:sp>
-      <p:cxnSp>
-        <p:nvCxnSpPr>
-          <p:cNvPr id="12" name="Straight Connector 11">
+              <a:t>506 trees that are alive at both timepoints have height measurements</a:t>
+            </a:r>
+            <a:endParaRPr lang="en-GB" sz="1000" dirty="0">
+              <a:solidFill>
+                <a:schemeClr val="accent6">
+                  <a:lumMod val="75000"/>
+                </a:schemeClr>
+              </a:solidFill>
+            </a:endParaRPr>
+          </a:p>
+        </p:txBody>
+      </p:sp>
+      <p:sp>
+        <p:nvSpPr>
+          <p:cNvPr id="12" name="TextBox 11">
             <a:extLst>
               <a:ext uri="{FF2B5EF4-FFF2-40B4-BE49-F238E27FC236}">
-                <a16:creationId xmlns:a16="http://schemas.microsoft.com/office/drawing/2014/main" id="{FCE061F1-94C7-639C-91D4-CFA492EA4128}"/>
-              </a:ext>
-            </a:extLst>
-          </p:cNvPr>
-          <p:cNvCxnSpPr>
-            <a:cxnSpLocks/>
-          </p:cNvCxnSpPr>
-          <p:nvPr/>
-        </p:nvCxnSpPr>
-        <p:spPr>
-          <a:xfrm flipV="1">
-            <a:off x="3790687" y="2254710"/>
-            <a:ext cx="2088872" cy="2986"/>
-          </a:xfrm>
-          <a:prstGeom prst="line">
-            <a:avLst/>
-          </a:prstGeom>
-          <a:ln>
-            <a:solidFill>
-              <a:schemeClr val="accent6">
-                <a:lumMod val="75000"/>
-              </a:schemeClr>
-            </a:solidFill>
-          </a:ln>
-        </p:spPr>
-        <p:style>
-          <a:lnRef idx="2">
-            <a:schemeClr val="accent1"/>
-          </a:lnRef>
-          <a:fillRef idx="0">
-            <a:schemeClr val="accent1"/>
-          </a:fillRef>
-          <a:effectRef idx="1">
-            <a:schemeClr val="accent1"/>
-          </a:effectRef>
-          <a:fontRef idx="minor">
-            <a:schemeClr val="tx1"/>
-          </a:fontRef>
-        </p:style>
-      </p:cxnSp>
-      <p:sp>
-        <p:nvSpPr>
-          <p:cNvPr id="13" name="TextBox 12">
-            <a:extLst>
-              <a:ext uri="{FF2B5EF4-FFF2-40B4-BE49-F238E27FC236}">
-                <a16:creationId xmlns:a16="http://schemas.microsoft.com/office/drawing/2014/main" id="{2544A9C5-D7E0-7596-44AC-D0B1CF22A9BF}"/>
+                <a16:creationId xmlns:a16="http://schemas.microsoft.com/office/drawing/2014/main" id="{86B23E41-3A5D-BCAF-834C-2A32E08422A5}"/>
               </a:ext>
             </a:extLst>
           </p:cNvPr>
@@ -6021,16 +5967,13 @@
         </p:nvSpPr>
         <p:spPr>
           <a:xfrm>
-            <a:off x="4495450" y="1996473"/>
-            <a:ext cx="679347" cy="364074"/>
+            <a:off x="8776514" y="1017566"/>
+            <a:ext cx="2675531" cy="400110"/>
           </a:xfrm>
           <a:prstGeom prst="rect">
             <a:avLst/>
           </a:prstGeom>
           <a:noFill/>
-          <a:ln>
-            <a:noFill/>
-          </a:ln>
         </p:spPr>
         <p:txBody>
           <a:bodyPr wrap="square" rtlCol="0">
@@ -6038,26 +5981,30 @@
           </a:bodyPr>
           <a:lstStyle/>
           <a:p>
-            <a:pPr algn="ctr"/>
-            <a:r>
-              <a:rPr lang="en-GB" sz="1766" b="1" dirty="0">
+            <a:r>
+              <a:rPr lang="de-CH" sz="1000" dirty="0">
                 <a:solidFill>
                   <a:schemeClr val="accent6">
                     <a:lumMod val="75000"/>
                   </a:schemeClr>
                 </a:solidFill>
-                <a:latin typeface="Helvetica" panose="020B0604020202020204"/>
-                <a:cs typeface="Helvetica" panose="020B0604020202020204"/>
               </a:rPr>
-              <a:t>*</a:t>
-            </a:r>
+              <a:t>1 tree is alive at both and has DBB but not height</a:t>
+            </a:r>
+            <a:endParaRPr lang="en-GB" sz="1000" dirty="0">
+              <a:solidFill>
+                <a:schemeClr val="accent6">
+                  <a:lumMod val="75000"/>
+                </a:schemeClr>
+              </a:solidFill>
+            </a:endParaRPr>
           </a:p>
         </p:txBody>
       </p:sp>
     </p:spTree>
     <p:extLst>
       <p:ext uri="{BB962C8B-B14F-4D97-AF65-F5344CB8AC3E}">
-        <p14:creationId xmlns:p14="http://schemas.microsoft.com/office/powerpoint/2010/main" val="2468455985"/>
+        <p14:creationId xmlns:p14="http://schemas.microsoft.com/office/powerpoint/2010/main" val="2740833318"/>
       </p:ext>
     </p:extLst>
   </p:cSld>
@@ -6084,12 +6031,46 @@
           <a:chExt cx="0" cy="0"/>
         </a:xfrm>
       </p:grpSpPr>
+      <p:pic>
+        <p:nvPicPr>
+          <p:cNvPr id="5" name="Content Placeholder 4" descr="A diagram of different colored squares&#10;&#10;AI-generated content may be incorrect.">
+            <a:extLst>
+              <a:ext uri="{FF2B5EF4-FFF2-40B4-BE49-F238E27FC236}">
+                <a16:creationId xmlns:a16="http://schemas.microsoft.com/office/drawing/2014/main" id="{73E0993F-5E9C-1D30-1C0B-6E7EB90E7028}"/>
+              </a:ext>
+            </a:extLst>
+          </p:cNvPr>
+          <p:cNvPicPr>
+            <a:picLocks noGrp="1" noChangeAspect="1"/>
+          </p:cNvPicPr>
+          <p:nvPr>
+            <p:ph idx="1"/>
+          </p:nvPr>
+        </p:nvPicPr>
+        <p:blipFill>
+          <a:blip r:embed="rId2">
+            <a:extLst>
+              <a:ext uri="{28A0092B-C50C-407E-A947-70E740481C1C}">
+                <a14:useLocalDpi xmlns:a14="http://schemas.microsoft.com/office/drawing/2010/main" val="0"/>
+              </a:ext>
+            </a:extLst>
+          </a:blip>
+          <a:srcRect t="6225"/>
+          <a:stretch/>
+        </p:blipFill>
+        <p:spPr>
+          <a:xfrm>
+            <a:off x="1786756" y="1766126"/>
+            <a:ext cx="8618487" cy="4856480"/>
+          </a:xfrm>
+        </p:spPr>
+      </p:pic>
       <p:sp>
         <p:nvSpPr>
           <p:cNvPr id="2" name="Title 1">
             <a:extLst>
               <a:ext uri="{FF2B5EF4-FFF2-40B4-BE49-F238E27FC236}">
-                <a16:creationId xmlns:a16="http://schemas.microsoft.com/office/drawing/2014/main" id="{88E45658-7DE4-99A0-DD6E-14745BC00932}"/>
+                <a16:creationId xmlns:a16="http://schemas.microsoft.com/office/drawing/2014/main" id="{186B59D3-816C-2A57-089A-EA265D288680}"/>
               </a:ext>
             </a:extLst>
           </p:cNvPr>
@@ -6102,7 +6083,7 @@
         </p:nvSpPr>
         <p:spPr>
           <a:xfrm>
-            <a:off x="238760" y="203200"/>
+            <a:off x="238760" y="213360"/>
             <a:ext cx="9875520" cy="1356360"/>
           </a:xfrm>
         </p:spPr>
@@ -6112,7 +6093,7 @@
           <a:p>
             <a:r>
               <a:rPr lang="de-CH" dirty="0"/>
-              <a:t>Height – by Type</a:t>
+              <a:t>Height – by Provenance</a:t>
             </a:r>
             <a:endParaRPr lang="en-GB" dirty="0"/>
           </a:p>
@@ -6123,7 +6104,7 @@
           <p:cNvPr id="6" name="TextBox 5">
             <a:extLst>
               <a:ext uri="{FF2B5EF4-FFF2-40B4-BE49-F238E27FC236}">
-                <a16:creationId xmlns:a16="http://schemas.microsoft.com/office/drawing/2014/main" id="{BC044F4B-72E6-AB1B-4698-07642C2B12A6}"/>
+                <a16:creationId xmlns:a16="http://schemas.microsoft.com/office/drawing/2014/main" id="{85B2C7B7-4BA9-EB08-7CDD-E8CB7044D6E1}"/>
               </a:ext>
             </a:extLst>
           </p:cNvPr>
@@ -6132,7 +6113,7 @@
         </p:nvSpPr>
         <p:spPr>
           <a:xfrm>
-            <a:off x="8280400" y="561955"/>
+            <a:off x="8270240" y="670560"/>
             <a:ext cx="2661920" cy="923330"/>
           </a:xfrm>
           <a:prstGeom prst="rect">
@@ -6152,7 +6133,7 @@
                   <a:srgbClr val="FF0000"/>
                 </a:solidFill>
               </a:rPr>
-              <a:t>How many height values for each type?</a:t>
+              <a:t>How many height values for each provenance?</a:t>
             </a:r>
           </a:p>
           <a:p>
@@ -6162,7 +6143,7 @@
                   <a:srgbClr val="FF0000"/>
                 </a:solidFill>
               </a:rPr>
-              <a:t>How many Nas?</a:t>
+              <a:t>How many NAs</a:t>
             </a:r>
             <a:endParaRPr lang="en-GB" dirty="0">
               <a:solidFill>
@@ -6172,46 +6153,12 @@
           </a:p>
         </p:txBody>
       </p:sp>
-      <p:pic>
-        <p:nvPicPr>
-          <p:cNvPr id="10" name="Content Placeholder 9" descr="A diagram of different colored rectangles&#10;&#10;AI-generated content may be incorrect.">
-            <a:extLst>
-              <a:ext uri="{FF2B5EF4-FFF2-40B4-BE49-F238E27FC236}">
-                <a16:creationId xmlns:a16="http://schemas.microsoft.com/office/drawing/2014/main" id="{8BA279B2-C990-BC1D-5784-CB13A3FEFDBE}"/>
-              </a:ext>
-            </a:extLst>
-          </p:cNvPr>
-          <p:cNvPicPr>
-            <a:picLocks noGrp="1" noChangeAspect="1"/>
-          </p:cNvPicPr>
-          <p:nvPr>
-            <p:ph idx="1"/>
-          </p:nvPr>
-        </p:nvPicPr>
-        <p:blipFill>
-          <a:blip r:embed="rId2">
-            <a:extLst>
-              <a:ext uri="{28A0092B-C50C-407E-A947-70E740481C1C}">
-                <a14:useLocalDpi xmlns:a14="http://schemas.microsoft.com/office/drawing/2010/main" val="0"/>
-              </a:ext>
-            </a:extLst>
-          </a:blip>
-          <a:srcRect t="5930"/>
-          <a:stretch/>
-        </p:blipFill>
-        <p:spPr>
-          <a:xfrm>
-            <a:off x="1273629" y="1479925"/>
-            <a:ext cx="9002485" cy="5088833"/>
-          </a:xfrm>
-        </p:spPr>
-      </p:pic>
       <p:cxnSp>
         <p:nvCxnSpPr>
-          <p:cNvPr id="4" name="Straight Connector 3">
+          <p:cNvPr id="7" name="Straight Connector 6">
             <a:extLst>
               <a:ext uri="{FF2B5EF4-FFF2-40B4-BE49-F238E27FC236}">
-                <a16:creationId xmlns:a16="http://schemas.microsoft.com/office/drawing/2014/main" id="{799FF156-1706-02AD-E8DE-8029EE35527A}"/>
+                <a16:creationId xmlns:a16="http://schemas.microsoft.com/office/drawing/2014/main" id="{19059EA4-2DBF-0663-3CBB-735422399593}"/>
               </a:ext>
             </a:extLst>
           </p:cNvPr>
@@ -6222,7 +6169,7 @@
         </p:nvCxnSpPr>
         <p:spPr>
           <a:xfrm flipV="1">
-            <a:off x="3434552" y="2697258"/>
+            <a:off x="6745584" y="2254710"/>
             <a:ext cx="2088872" cy="2986"/>
           </a:xfrm>
           <a:prstGeom prst="line">
@@ -6253,10 +6200,10 @@
       </p:cxnSp>
       <p:sp>
         <p:nvSpPr>
-          <p:cNvPr id="5" name="TextBox 4">
+          <p:cNvPr id="8" name="TextBox 7">
             <a:extLst>
               <a:ext uri="{FF2B5EF4-FFF2-40B4-BE49-F238E27FC236}">
-                <a16:creationId xmlns:a16="http://schemas.microsoft.com/office/drawing/2014/main" id="{0B94D3B1-D2D1-C219-BFFD-F4DB6DC8B9BB}"/>
+                <a16:creationId xmlns:a16="http://schemas.microsoft.com/office/drawing/2014/main" id="{B4B09F37-05AB-B6E9-E388-410DADB688E9}"/>
               </a:ext>
             </a:extLst>
           </p:cNvPr>
@@ -6265,7 +6212,7 @@
         </p:nvSpPr>
         <p:spPr>
           <a:xfrm>
-            <a:off x="4139315" y="2439021"/>
+            <a:off x="7450347" y="1996473"/>
             <a:ext cx="679347" cy="364074"/>
           </a:xfrm>
           <a:prstGeom prst="rect">
@@ -6300,10 +6247,10 @@
       </p:sp>
       <p:cxnSp>
         <p:nvCxnSpPr>
-          <p:cNvPr id="7" name="Straight Connector 6">
+          <p:cNvPr id="12" name="Straight Connector 11">
             <a:extLst>
               <a:ext uri="{FF2B5EF4-FFF2-40B4-BE49-F238E27FC236}">
-                <a16:creationId xmlns:a16="http://schemas.microsoft.com/office/drawing/2014/main" id="{EF7AD5F4-45BE-97EA-56EB-EB3658392A22}"/>
+                <a16:creationId xmlns:a16="http://schemas.microsoft.com/office/drawing/2014/main" id="{FCE061F1-94C7-639C-91D4-CFA492EA4128}"/>
               </a:ext>
             </a:extLst>
           </p:cNvPr>
@@ -6314,7 +6261,7 @@
         </p:nvCxnSpPr>
         <p:spPr>
           <a:xfrm flipV="1">
-            <a:off x="6328904" y="2400269"/>
+            <a:off x="3790687" y="2254710"/>
             <a:ext cx="2088872" cy="2986"/>
           </a:xfrm>
           <a:prstGeom prst="line">
@@ -6345,10 +6292,10 @@
       </p:cxnSp>
       <p:sp>
         <p:nvSpPr>
-          <p:cNvPr id="8" name="TextBox 7">
+          <p:cNvPr id="13" name="TextBox 12">
             <a:extLst>
               <a:ext uri="{FF2B5EF4-FFF2-40B4-BE49-F238E27FC236}">
-                <a16:creationId xmlns:a16="http://schemas.microsoft.com/office/drawing/2014/main" id="{47F509E7-DF81-6201-EAEF-76C19805D2B3}"/>
+                <a16:creationId xmlns:a16="http://schemas.microsoft.com/office/drawing/2014/main" id="{2544A9C5-D7E0-7596-44AC-D0B1CF22A9BF}"/>
               </a:ext>
             </a:extLst>
           </p:cNvPr>
@@ -6357,7 +6304,7 @@
         </p:nvSpPr>
         <p:spPr>
           <a:xfrm>
-            <a:off x="7033667" y="2142032"/>
+            <a:off x="4495450" y="1996473"/>
             <a:ext cx="679347" cy="364074"/>
           </a:xfrm>
           <a:prstGeom prst="rect">
@@ -6390,102 +6337,10 @@
           </a:p>
         </p:txBody>
       </p:sp>
-      <p:cxnSp>
-        <p:nvCxnSpPr>
-          <p:cNvPr id="9" name="Straight Connector 8">
-            <a:extLst>
-              <a:ext uri="{FF2B5EF4-FFF2-40B4-BE49-F238E27FC236}">
-                <a16:creationId xmlns:a16="http://schemas.microsoft.com/office/drawing/2014/main" id="{9856D891-6E77-53B9-A5ED-9F3C0CB4763A}"/>
-              </a:ext>
-            </a:extLst>
-          </p:cNvPr>
-          <p:cNvCxnSpPr>
-            <a:cxnSpLocks/>
-          </p:cNvCxnSpPr>
-          <p:nvPr/>
-        </p:nvCxnSpPr>
-        <p:spPr>
-          <a:xfrm>
-            <a:off x="3434552" y="1722714"/>
-            <a:ext cx="4983224" cy="0"/>
-          </a:xfrm>
-          <a:prstGeom prst="line">
-            <a:avLst/>
-          </a:prstGeom>
-          <a:ln>
-            <a:solidFill>
-              <a:schemeClr val="accent6">
-                <a:lumMod val="75000"/>
-              </a:schemeClr>
-            </a:solidFill>
-          </a:ln>
-        </p:spPr>
-        <p:style>
-          <a:lnRef idx="2">
-            <a:schemeClr val="accent1"/>
-          </a:lnRef>
-          <a:fillRef idx="0">
-            <a:schemeClr val="accent1"/>
-          </a:fillRef>
-          <a:effectRef idx="1">
-            <a:schemeClr val="accent1"/>
-          </a:effectRef>
-          <a:fontRef idx="minor">
-            <a:schemeClr val="tx1"/>
-          </a:fontRef>
-        </p:style>
-      </p:cxnSp>
-      <p:sp>
-        <p:nvSpPr>
-          <p:cNvPr id="11" name="TextBox 10">
-            <a:extLst>
-              <a:ext uri="{FF2B5EF4-FFF2-40B4-BE49-F238E27FC236}">
-                <a16:creationId xmlns:a16="http://schemas.microsoft.com/office/drawing/2014/main" id="{925679F4-CF01-D594-4512-3725711039C9}"/>
-              </a:ext>
-            </a:extLst>
-          </p:cNvPr>
-          <p:cNvSpPr txBox="1"/>
-          <p:nvPr/>
-        </p:nvSpPr>
-        <p:spPr>
-          <a:xfrm>
-            <a:off x="5649557" y="1406376"/>
-            <a:ext cx="679347" cy="364074"/>
-          </a:xfrm>
-          <a:prstGeom prst="rect">
-            <a:avLst/>
-          </a:prstGeom>
-          <a:noFill/>
-          <a:ln>
-            <a:noFill/>
-          </a:ln>
-        </p:spPr>
-        <p:txBody>
-          <a:bodyPr wrap="square" rtlCol="0">
-            <a:spAutoFit/>
-          </a:bodyPr>
-          <a:lstStyle/>
-          <a:p>
-            <a:pPr algn="ctr"/>
-            <a:r>
-              <a:rPr lang="en-GB" sz="1766" b="1" dirty="0">
-                <a:solidFill>
-                  <a:schemeClr val="accent6">
-                    <a:lumMod val="75000"/>
-                  </a:schemeClr>
-                </a:solidFill>
-                <a:latin typeface="Helvetica" panose="020B0604020202020204"/>
-                <a:cs typeface="Helvetica" panose="020B0604020202020204"/>
-              </a:rPr>
-              <a:t>*</a:t>
-            </a:r>
-          </a:p>
-        </p:txBody>
-      </p:sp>
     </p:spTree>
     <p:extLst>
       <p:ext uri="{BB962C8B-B14F-4D97-AF65-F5344CB8AC3E}">
-        <p14:creationId xmlns:p14="http://schemas.microsoft.com/office/powerpoint/2010/main" val="522262804"/>
+        <p14:creationId xmlns:p14="http://schemas.microsoft.com/office/powerpoint/2010/main" val="2468455985"/>
       </p:ext>
     </p:extLst>
   </p:cSld>
@@ -6517,7 +6372,7 @@
           <p:cNvPr id="2" name="Title 1">
             <a:extLst>
               <a:ext uri="{FF2B5EF4-FFF2-40B4-BE49-F238E27FC236}">
-                <a16:creationId xmlns:a16="http://schemas.microsoft.com/office/drawing/2014/main" id="{453C67C6-7C6F-9EC2-BC2C-F591BF4901DA}"/>
+                <a16:creationId xmlns:a16="http://schemas.microsoft.com/office/drawing/2014/main" id="{88E45658-7DE4-99A0-DD6E-14745BC00932}"/>
               </a:ext>
             </a:extLst>
           </p:cNvPr>
@@ -6530,7 +6385,7 @@
         </p:nvSpPr>
         <p:spPr>
           <a:xfrm>
-            <a:off x="239618" y="212992"/>
+            <a:off x="238760" y="203200"/>
             <a:ext cx="9875520" cy="1356360"/>
           </a:xfrm>
         </p:spPr>
@@ -6540,7 +6395,7 @@
           <a:p>
             <a:r>
               <a:rPr lang="de-CH" dirty="0"/>
-              <a:t>Budset &amp; Budburst</a:t>
+              <a:t>Height – by Type</a:t>
             </a:r>
             <a:endParaRPr lang="en-GB" dirty="0"/>
           </a:p>
@@ -6548,99 +6403,372 @@
       </p:sp>
       <p:sp>
         <p:nvSpPr>
-          <p:cNvPr id="3" name="Content Placeholder 2">
+          <p:cNvPr id="6" name="TextBox 5">
             <a:extLst>
               <a:ext uri="{FF2B5EF4-FFF2-40B4-BE49-F238E27FC236}">
-                <a16:creationId xmlns:a16="http://schemas.microsoft.com/office/drawing/2014/main" id="{4667D288-CBE2-F195-7FFC-C90ACACBE117}"/>
+                <a16:creationId xmlns:a16="http://schemas.microsoft.com/office/drawing/2014/main" id="{BC044F4B-72E6-AB1B-4698-07642C2B12A6}"/>
               </a:ext>
             </a:extLst>
           </p:cNvPr>
-          <p:cNvSpPr>
-            <a:spLocks noGrp="1"/>
-          </p:cNvSpPr>
+          <p:cNvSpPr txBox="1"/>
+          <p:nvPr/>
+        </p:nvSpPr>
+        <p:spPr>
+          <a:xfrm>
+            <a:off x="8280400" y="561955"/>
+            <a:ext cx="2661920" cy="923330"/>
+          </a:xfrm>
+          <a:prstGeom prst="rect">
+            <a:avLst/>
+          </a:prstGeom>
+          <a:noFill/>
+        </p:spPr>
+        <p:txBody>
+          <a:bodyPr wrap="square" rtlCol="0">
+            <a:spAutoFit/>
+          </a:bodyPr>
+          <a:lstStyle/>
+          <a:p>
+            <a:r>
+              <a:rPr lang="de-CH" dirty="0">
+                <a:solidFill>
+                  <a:srgbClr val="FF0000"/>
+                </a:solidFill>
+              </a:rPr>
+              <a:t>How many height values for each type?</a:t>
+            </a:r>
+          </a:p>
+          <a:p>
+            <a:r>
+              <a:rPr lang="de-CH" dirty="0">
+                <a:solidFill>
+                  <a:srgbClr val="FF0000"/>
+                </a:solidFill>
+              </a:rPr>
+              <a:t>How many Nas?</a:t>
+            </a:r>
+            <a:endParaRPr lang="en-GB" dirty="0">
+              <a:solidFill>
+                <a:srgbClr val="FF0000"/>
+              </a:solidFill>
+            </a:endParaRPr>
+          </a:p>
+        </p:txBody>
+      </p:sp>
+      <p:pic>
+        <p:nvPicPr>
+          <p:cNvPr id="10" name="Content Placeholder 9" descr="A diagram of different colored rectangles&#10;&#10;AI-generated content may be incorrect.">
+            <a:extLst>
+              <a:ext uri="{FF2B5EF4-FFF2-40B4-BE49-F238E27FC236}">
+                <a16:creationId xmlns:a16="http://schemas.microsoft.com/office/drawing/2014/main" id="{8BA279B2-C990-BC1D-5784-CB13A3FEFDBE}"/>
+              </a:ext>
+            </a:extLst>
+          </p:cNvPr>
+          <p:cNvPicPr>
+            <a:picLocks noGrp="1" noChangeAspect="1"/>
+          </p:cNvPicPr>
           <p:nvPr>
             <p:ph idx="1"/>
           </p:nvPr>
-        </p:nvSpPr>
-        <p:spPr>
-          <a:xfrm>
-            <a:off x="933680" y="1569352"/>
-            <a:ext cx="9872871" cy="4038600"/>
-          </a:xfrm>
-        </p:spPr>
-        <p:txBody>
-          <a:bodyPr/>
-          <a:lstStyle/>
-          <a:p>
-            <a:r>
-              <a:rPr lang="de-CH" dirty="0"/>
-              <a:t>Date of planting: 20-23/6/2023</a:t>
-            </a:r>
-          </a:p>
-          <a:p>
-            <a:r>
-              <a:rPr lang="de-CH" dirty="0"/>
-              <a:t>Budset period: 11/9/2023 – 17/5/2024</a:t>
-            </a:r>
-          </a:p>
-          <a:p>
-            <a:r>
-              <a:rPr lang="de-CH" dirty="0"/>
-              <a:t>Budburst period: 2/2/2024 – 22/5/2024</a:t>
-            </a:r>
-          </a:p>
-          <a:p>
-            <a:endParaRPr lang="de-CH" dirty="0"/>
-          </a:p>
-          <a:p>
-            <a:r>
-              <a:rPr lang="de-CH" u="sng" dirty="0"/>
-              <a:t>Sample sizes:</a:t>
-            </a:r>
-          </a:p>
-          <a:p>
-            <a:pPr lvl="1"/>
-            <a:r>
-              <a:rPr lang="de-CH" sz="2200" dirty="0"/>
-              <a:t>Budset: 549 trees</a:t>
-            </a:r>
-          </a:p>
-          <a:p>
-            <a:pPr lvl="1"/>
-            <a:r>
-              <a:rPr lang="de-CH" sz="2200" dirty="0"/>
-              <a:t>Budburst: 575 trees</a:t>
-            </a:r>
-          </a:p>
-          <a:p>
-            <a:pPr lvl="2"/>
-            <a:r>
-              <a:rPr lang="de-CH" sz="2000" dirty="0"/>
-              <a:t>(Maybe 26 didn’t have noticeable buds?)</a:t>
-            </a:r>
-          </a:p>
-          <a:p>
-            <a:pPr lvl="1"/>
-            <a:r>
-              <a:rPr lang="de-CH" sz="2200" dirty="0"/>
-              <a:t>Budset &amp; Budburst: 529 trees have data (~85%)</a:t>
-            </a:r>
-          </a:p>
-          <a:p>
-            <a:endParaRPr lang="de-CH" dirty="0"/>
-          </a:p>
-          <a:p>
-            <a:endParaRPr lang="de-CH" dirty="0"/>
-          </a:p>
-          <a:p>
-            <a:endParaRPr lang="en-GB" dirty="0"/>
+        </p:nvPicPr>
+        <p:blipFill>
+          <a:blip r:embed="rId2">
+            <a:extLst>
+              <a:ext uri="{28A0092B-C50C-407E-A947-70E740481C1C}">
+                <a14:useLocalDpi xmlns:a14="http://schemas.microsoft.com/office/drawing/2010/main" val="0"/>
+              </a:ext>
+            </a:extLst>
+          </a:blip>
+          <a:srcRect t="5930"/>
+          <a:stretch/>
+        </p:blipFill>
+        <p:spPr>
+          <a:xfrm>
+            <a:off x="1273629" y="1479925"/>
+            <a:ext cx="9002485" cy="5088833"/>
+          </a:xfrm>
+        </p:spPr>
+      </p:pic>
+      <p:cxnSp>
+        <p:nvCxnSpPr>
+          <p:cNvPr id="4" name="Straight Connector 3">
+            <a:extLst>
+              <a:ext uri="{FF2B5EF4-FFF2-40B4-BE49-F238E27FC236}">
+                <a16:creationId xmlns:a16="http://schemas.microsoft.com/office/drawing/2014/main" id="{799FF156-1706-02AD-E8DE-8029EE35527A}"/>
+              </a:ext>
+            </a:extLst>
+          </p:cNvPr>
+          <p:cNvCxnSpPr>
+            <a:cxnSpLocks/>
+          </p:cNvCxnSpPr>
+          <p:nvPr/>
+        </p:nvCxnSpPr>
+        <p:spPr>
+          <a:xfrm flipV="1">
+            <a:off x="3434552" y="2697258"/>
+            <a:ext cx="2088872" cy="2986"/>
+          </a:xfrm>
+          <a:prstGeom prst="line">
+            <a:avLst/>
+          </a:prstGeom>
+          <a:ln>
+            <a:solidFill>
+              <a:schemeClr val="accent6">
+                <a:lumMod val="75000"/>
+              </a:schemeClr>
+            </a:solidFill>
+          </a:ln>
+        </p:spPr>
+        <p:style>
+          <a:lnRef idx="2">
+            <a:schemeClr val="accent1"/>
+          </a:lnRef>
+          <a:fillRef idx="0">
+            <a:schemeClr val="accent1"/>
+          </a:fillRef>
+          <a:effectRef idx="1">
+            <a:schemeClr val="accent1"/>
+          </a:effectRef>
+          <a:fontRef idx="minor">
+            <a:schemeClr val="tx1"/>
+          </a:fontRef>
+        </p:style>
+      </p:cxnSp>
+      <p:sp>
+        <p:nvSpPr>
+          <p:cNvPr id="5" name="TextBox 4">
+            <a:extLst>
+              <a:ext uri="{FF2B5EF4-FFF2-40B4-BE49-F238E27FC236}">
+                <a16:creationId xmlns:a16="http://schemas.microsoft.com/office/drawing/2014/main" id="{0B94D3B1-D2D1-C219-BFFD-F4DB6DC8B9BB}"/>
+              </a:ext>
+            </a:extLst>
+          </p:cNvPr>
+          <p:cNvSpPr txBox="1"/>
+          <p:nvPr/>
+        </p:nvSpPr>
+        <p:spPr>
+          <a:xfrm>
+            <a:off x="4139315" y="2439021"/>
+            <a:ext cx="679347" cy="364074"/>
+          </a:xfrm>
+          <a:prstGeom prst="rect">
+            <a:avLst/>
+          </a:prstGeom>
+          <a:noFill/>
+          <a:ln>
+            <a:noFill/>
+          </a:ln>
+        </p:spPr>
+        <p:txBody>
+          <a:bodyPr wrap="square" rtlCol="0">
+            <a:spAutoFit/>
+          </a:bodyPr>
+          <a:lstStyle/>
+          <a:p>
+            <a:pPr algn="ctr"/>
+            <a:r>
+              <a:rPr lang="en-GB" sz="1766" b="1" dirty="0">
+                <a:solidFill>
+                  <a:schemeClr val="accent6">
+                    <a:lumMod val="75000"/>
+                  </a:schemeClr>
+                </a:solidFill>
+                <a:latin typeface="Helvetica" panose="020B0604020202020204"/>
+                <a:cs typeface="Helvetica" panose="020B0604020202020204"/>
+              </a:rPr>
+              <a:t>*</a:t>
+            </a:r>
+          </a:p>
+        </p:txBody>
+      </p:sp>
+      <p:cxnSp>
+        <p:nvCxnSpPr>
+          <p:cNvPr id="7" name="Straight Connector 6">
+            <a:extLst>
+              <a:ext uri="{FF2B5EF4-FFF2-40B4-BE49-F238E27FC236}">
+                <a16:creationId xmlns:a16="http://schemas.microsoft.com/office/drawing/2014/main" id="{EF7AD5F4-45BE-97EA-56EB-EB3658392A22}"/>
+              </a:ext>
+            </a:extLst>
+          </p:cNvPr>
+          <p:cNvCxnSpPr>
+            <a:cxnSpLocks/>
+          </p:cNvCxnSpPr>
+          <p:nvPr/>
+        </p:nvCxnSpPr>
+        <p:spPr>
+          <a:xfrm flipV="1">
+            <a:off x="6328904" y="2400269"/>
+            <a:ext cx="2088872" cy="2986"/>
+          </a:xfrm>
+          <a:prstGeom prst="line">
+            <a:avLst/>
+          </a:prstGeom>
+          <a:ln>
+            <a:solidFill>
+              <a:schemeClr val="accent6">
+                <a:lumMod val="75000"/>
+              </a:schemeClr>
+            </a:solidFill>
+          </a:ln>
+        </p:spPr>
+        <p:style>
+          <a:lnRef idx="2">
+            <a:schemeClr val="accent1"/>
+          </a:lnRef>
+          <a:fillRef idx="0">
+            <a:schemeClr val="accent1"/>
+          </a:fillRef>
+          <a:effectRef idx="1">
+            <a:schemeClr val="accent1"/>
+          </a:effectRef>
+          <a:fontRef idx="minor">
+            <a:schemeClr val="tx1"/>
+          </a:fontRef>
+        </p:style>
+      </p:cxnSp>
+      <p:sp>
+        <p:nvSpPr>
+          <p:cNvPr id="8" name="TextBox 7">
+            <a:extLst>
+              <a:ext uri="{FF2B5EF4-FFF2-40B4-BE49-F238E27FC236}">
+                <a16:creationId xmlns:a16="http://schemas.microsoft.com/office/drawing/2014/main" id="{47F509E7-DF81-6201-EAEF-76C19805D2B3}"/>
+              </a:ext>
+            </a:extLst>
+          </p:cNvPr>
+          <p:cNvSpPr txBox="1"/>
+          <p:nvPr/>
+        </p:nvSpPr>
+        <p:spPr>
+          <a:xfrm>
+            <a:off x="7033667" y="2142032"/>
+            <a:ext cx="679347" cy="364074"/>
+          </a:xfrm>
+          <a:prstGeom prst="rect">
+            <a:avLst/>
+          </a:prstGeom>
+          <a:noFill/>
+          <a:ln>
+            <a:noFill/>
+          </a:ln>
+        </p:spPr>
+        <p:txBody>
+          <a:bodyPr wrap="square" rtlCol="0">
+            <a:spAutoFit/>
+          </a:bodyPr>
+          <a:lstStyle/>
+          <a:p>
+            <a:pPr algn="ctr"/>
+            <a:r>
+              <a:rPr lang="en-GB" sz="1766" b="1" dirty="0">
+                <a:solidFill>
+                  <a:schemeClr val="accent6">
+                    <a:lumMod val="75000"/>
+                  </a:schemeClr>
+                </a:solidFill>
+                <a:latin typeface="Helvetica" panose="020B0604020202020204"/>
+                <a:cs typeface="Helvetica" panose="020B0604020202020204"/>
+              </a:rPr>
+              <a:t>*</a:t>
+            </a:r>
+          </a:p>
+        </p:txBody>
+      </p:sp>
+      <p:cxnSp>
+        <p:nvCxnSpPr>
+          <p:cNvPr id="9" name="Straight Connector 8">
+            <a:extLst>
+              <a:ext uri="{FF2B5EF4-FFF2-40B4-BE49-F238E27FC236}">
+                <a16:creationId xmlns:a16="http://schemas.microsoft.com/office/drawing/2014/main" id="{9856D891-6E77-53B9-A5ED-9F3C0CB4763A}"/>
+              </a:ext>
+            </a:extLst>
+          </p:cNvPr>
+          <p:cNvCxnSpPr>
+            <a:cxnSpLocks/>
+          </p:cNvCxnSpPr>
+          <p:nvPr/>
+        </p:nvCxnSpPr>
+        <p:spPr>
+          <a:xfrm>
+            <a:off x="3434552" y="1722714"/>
+            <a:ext cx="4983224" cy="0"/>
+          </a:xfrm>
+          <a:prstGeom prst="line">
+            <a:avLst/>
+          </a:prstGeom>
+          <a:ln>
+            <a:solidFill>
+              <a:schemeClr val="accent6">
+                <a:lumMod val="75000"/>
+              </a:schemeClr>
+            </a:solidFill>
+          </a:ln>
+        </p:spPr>
+        <p:style>
+          <a:lnRef idx="2">
+            <a:schemeClr val="accent1"/>
+          </a:lnRef>
+          <a:fillRef idx="0">
+            <a:schemeClr val="accent1"/>
+          </a:fillRef>
+          <a:effectRef idx="1">
+            <a:schemeClr val="accent1"/>
+          </a:effectRef>
+          <a:fontRef idx="minor">
+            <a:schemeClr val="tx1"/>
+          </a:fontRef>
+        </p:style>
+      </p:cxnSp>
+      <p:sp>
+        <p:nvSpPr>
+          <p:cNvPr id="11" name="TextBox 10">
+            <a:extLst>
+              <a:ext uri="{FF2B5EF4-FFF2-40B4-BE49-F238E27FC236}">
+                <a16:creationId xmlns:a16="http://schemas.microsoft.com/office/drawing/2014/main" id="{925679F4-CF01-D594-4512-3725711039C9}"/>
+              </a:ext>
+            </a:extLst>
+          </p:cNvPr>
+          <p:cNvSpPr txBox="1"/>
+          <p:nvPr/>
+        </p:nvSpPr>
+        <p:spPr>
+          <a:xfrm>
+            <a:off x="5649557" y="1406376"/>
+            <a:ext cx="679347" cy="364074"/>
+          </a:xfrm>
+          <a:prstGeom prst="rect">
+            <a:avLst/>
+          </a:prstGeom>
+          <a:noFill/>
+          <a:ln>
+            <a:noFill/>
+          </a:ln>
+        </p:spPr>
+        <p:txBody>
+          <a:bodyPr wrap="square" rtlCol="0">
+            <a:spAutoFit/>
+          </a:bodyPr>
+          <a:lstStyle/>
+          <a:p>
+            <a:pPr algn="ctr"/>
+            <a:r>
+              <a:rPr lang="en-GB" sz="1766" b="1" dirty="0">
+                <a:solidFill>
+                  <a:schemeClr val="accent6">
+                    <a:lumMod val="75000"/>
+                  </a:schemeClr>
+                </a:solidFill>
+                <a:latin typeface="Helvetica" panose="020B0604020202020204"/>
+                <a:cs typeface="Helvetica" panose="020B0604020202020204"/>
+              </a:rPr>
+              <a:t>*</a:t>
+            </a:r>
           </a:p>
         </p:txBody>
       </p:sp>
     </p:spTree>
     <p:extLst>
       <p:ext uri="{BB962C8B-B14F-4D97-AF65-F5344CB8AC3E}">
-        <p14:creationId xmlns:p14="http://schemas.microsoft.com/office/powerpoint/2010/main" val="536145808"/>
+        <p14:creationId xmlns:p14="http://schemas.microsoft.com/office/powerpoint/2010/main" val="522262804"/>
       </p:ext>
     </p:extLst>
   </p:cSld>
@@ -6672,6 +6800,161 @@
           <p:cNvPr id="2" name="Title 1">
             <a:extLst>
               <a:ext uri="{FF2B5EF4-FFF2-40B4-BE49-F238E27FC236}">
+                <a16:creationId xmlns:a16="http://schemas.microsoft.com/office/drawing/2014/main" id="{453C67C6-7C6F-9EC2-BC2C-F591BF4901DA}"/>
+              </a:ext>
+            </a:extLst>
+          </p:cNvPr>
+          <p:cNvSpPr>
+            <a:spLocks noGrp="1"/>
+          </p:cNvSpPr>
+          <p:nvPr>
+            <p:ph type="title"/>
+          </p:nvPr>
+        </p:nvSpPr>
+        <p:spPr>
+          <a:xfrm>
+            <a:off x="239618" y="212992"/>
+            <a:ext cx="9875520" cy="1356360"/>
+          </a:xfrm>
+        </p:spPr>
+        <p:txBody>
+          <a:bodyPr/>
+          <a:lstStyle/>
+          <a:p>
+            <a:r>
+              <a:rPr lang="de-CH" dirty="0"/>
+              <a:t>Budset &amp; Budburst</a:t>
+            </a:r>
+            <a:endParaRPr lang="en-GB" dirty="0"/>
+          </a:p>
+        </p:txBody>
+      </p:sp>
+      <p:sp>
+        <p:nvSpPr>
+          <p:cNvPr id="3" name="Content Placeholder 2">
+            <a:extLst>
+              <a:ext uri="{FF2B5EF4-FFF2-40B4-BE49-F238E27FC236}">
+                <a16:creationId xmlns:a16="http://schemas.microsoft.com/office/drawing/2014/main" id="{4667D288-CBE2-F195-7FFC-C90ACACBE117}"/>
+              </a:ext>
+            </a:extLst>
+          </p:cNvPr>
+          <p:cNvSpPr>
+            <a:spLocks noGrp="1"/>
+          </p:cNvSpPr>
+          <p:nvPr>
+            <p:ph idx="1"/>
+          </p:nvPr>
+        </p:nvSpPr>
+        <p:spPr>
+          <a:xfrm>
+            <a:off x="933680" y="1569352"/>
+            <a:ext cx="9872871" cy="4038600"/>
+          </a:xfrm>
+        </p:spPr>
+        <p:txBody>
+          <a:bodyPr/>
+          <a:lstStyle/>
+          <a:p>
+            <a:r>
+              <a:rPr lang="de-CH" dirty="0"/>
+              <a:t>Date of planting: 20-23/6/2023</a:t>
+            </a:r>
+          </a:p>
+          <a:p>
+            <a:r>
+              <a:rPr lang="de-CH" dirty="0"/>
+              <a:t>Budset period: 11/9/2023 – 17/5/2024</a:t>
+            </a:r>
+          </a:p>
+          <a:p>
+            <a:r>
+              <a:rPr lang="de-CH" dirty="0"/>
+              <a:t>Budburst period: 2/2/2024 – 22/5/2024</a:t>
+            </a:r>
+          </a:p>
+          <a:p>
+            <a:endParaRPr lang="de-CH" dirty="0"/>
+          </a:p>
+          <a:p>
+            <a:r>
+              <a:rPr lang="de-CH" u="sng" dirty="0"/>
+              <a:t>Sample sizes:</a:t>
+            </a:r>
+          </a:p>
+          <a:p>
+            <a:pPr lvl="1"/>
+            <a:r>
+              <a:rPr lang="de-CH" sz="2200" dirty="0"/>
+              <a:t>Budset: 549 trees</a:t>
+            </a:r>
+          </a:p>
+          <a:p>
+            <a:pPr lvl="1"/>
+            <a:r>
+              <a:rPr lang="de-CH" sz="2200" dirty="0"/>
+              <a:t>Budburst: 575 trees</a:t>
+            </a:r>
+          </a:p>
+          <a:p>
+            <a:pPr lvl="2"/>
+            <a:r>
+              <a:rPr lang="de-CH" sz="2000" dirty="0"/>
+              <a:t>(Maybe 26 didn’t have noticeable buds?)</a:t>
+            </a:r>
+          </a:p>
+          <a:p>
+            <a:pPr lvl="1"/>
+            <a:r>
+              <a:rPr lang="de-CH" sz="2200" dirty="0"/>
+              <a:t>Budset &amp; Budburst: 529 trees have data (~85%)</a:t>
+            </a:r>
+          </a:p>
+          <a:p>
+            <a:endParaRPr lang="de-CH" dirty="0"/>
+          </a:p>
+          <a:p>
+            <a:endParaRPr lang="de-CH" dirty="0"/>
+          </a:p>
+          <a:p>
+            <a:endParaRPr lang="en-GB" dirty="0"/>
+          </a:p>
+        </p:txBody>
+      </p:sp>
+    </p:spTree>
+    <p:extLst>
+      <p:ext uri="{BB962C8B-B14F-4D97-AF65-F5344CB8AC3E}">
+        <p14:creationId xmlns:p14="http://schemas.microsoft.com/office/powerpoint/2010/main" val="536145808"/>
+      </p:ext>
+    </p:extLst>
+  </p:cSld>
+  <p:clrMapOvr>
+    <a:masterClrMapping/>
+  </p:clrMapOvr>
+</p:sld>
+</file>
+
+<file path=ppt/slides/slide17.xml><?xml version="1.0" encoding="utf-8"?>
+<p:sld xmlns:a="http://schemas.openxmlformats.org/drawingml/2006/main" xmlns:r="http://schemas.openxmlformats.org/officeDocument/2006/relationships" xmlns:p="http://schemas.openxmlformats.org/presentationml/2006/main">
+  <p:cSld>
+    <p:spTree>
+      <p:nvGrpSpPr>
+        <p:cNvPr id="1" name=""/>
+        <p:cNvGrpSpPr/>
+        <p:nvPr/>
+      </p:nvGrpSpPr>
+      <p:grpSpPr>
+        <a:xfrm>
+          <a:off x="0" y="0"/>
+          <a:ext cx="0" cy="0"/>
+          <a:chOff x="0" y="0"/>
+          <a:chExt cx="0" cy="0"/>
+        </a:xfrm>
+      </p:grpSpPr>
+      <p:sp>
+        <p:nvSpPr>
+          <p:cNvPr id="2" name="Title 1">
+            <a:extLst>
+              <a:ext uri="{FF2B5EF4-FFF2-40B4-BE49-F238E27FC236}">
                 <a16:creationId xmlns:a16="http://schemas.microsoft.com/office/drawing/2014/main" id="{32D9D9BF-2B66-09AD-138F-36386DDD5CDD}"/>
               </a:ext>
             </a:extLst>
@@ -6924,7 +7207,7 @@
 </p:sld>
 </file>
 
-<file path=ppt/slides/slide17.xml><?xml version="1.0" encoding="utf-8"?>
+<file path=ppt/slides/slide18.xml><?xml version="1.0" encoding="utf-8"?>
 <p:sld xmlns:a="http://schemas.openxmlformats.org/drawingml/2006/main" xmlns:r="http://schemas.openxmlformats.org/officeDocument/2006/relationships" xmlns:p="http://schemas.openxmlformats.org/presentationml/2006/main">
   <p:cSld>
     <p:spTree>
@@ -7067,289 +7350,6 @@
 </p:sld>
 </file>
 
-<file path=ppt/slides/slide18.xml><?xml version="1.0" encoding="utf-8"?>
-<p:sld xmlns:a="http://schemas.openxmlformats.org/drawingml/2006/main" xmlns:r="http://schemas.openxmlformats.org/officeDocument/2006/relationships" xmlns:p="http://schemas.openxmlformats.org/presentationml/2006/main">
-  <p:cSld>
-    <p:spTree>
-      <p:nvGrpSpPr>
-        <p:cNvPr id="1" name=""/>
-        <p:cNvGrpSpPr/>
-        <p:nvPr/>
-      </p:nvGrpSpPr>
-      <p:grpSpPr>
-        <a:xfrm>
-          <a:off x="0" y="0"/>
-          <a:ext cx="0" cy="0"/>
-          <a:chOff x="0" y="0"/>
-          <a:chExt cx="0" cy="0"/>
-        </a:xfrm>
-      </p:grpSpPr>
-      <p:sp>
-        <p:nvSpPr>
-          <p:cNvPr id="2" name="Title 1">
-            <a:extLst>
-              <a:ext uri="{FF2B5EF4-FFF2-40B4-BE49-F238E27FC236}">
-                <a16:creationId xmlns:a16="http://schemas.microsoft.com/office/drawing/2014/main" id="{331E21EA-EC58-E43B-46B6-72D5584F9856}"/>
-              </a:ext>
-            </a:extLst>
-          </p:cNvPr>
-          <p:cNvSpPr>
-            <a:spLocks noGrp="1"/>
-          </p:cNvSpPr>
-          <p:nvPr>
-            <p:ph type="title"/>
-          </p:nvPr>
-        </p:nvSpPr>
-        <p:spPr>
-          <a:xfrm>
-            <a:off x="238225" y="243840"/>
-            <a:ext cx="9875520" cy="1356360"/>
-          </a:xfrm>
-        </p:spPr>
-        <p:txBody>
-          <a:bodyPr/>
-          <a:lstStyle/>
-          <a:p>
-            <a:r>
-              <a:rPr lang="de-CH" dirty="0"/>
-              <a:t>Budset – by Type</a:t>
-            </a:r>
-            <a:endParaRPr lang="en-GB" dirty="0"/>
-          </a:p>
-        </p:txBody>
-      </p:sp>
-      <p:pic>
-        <p:nvPicPr>
-          <p:cNvPr id="9" name="Content Placeholder 8">
-            <a:extLst>
-              <a:ext uri="{FF2B5EF4-FFF2-40B4-BE49-F238E27FC236}">
-                <a16:creationId xmlns:a16="http://schemas.microsoft.com/office/drawing/2014/main" id="{FA0D3437-97B6-1053-8FD3-9E66A7F8235A}"/>
-              </a:ext>
-            </a:extLst>
-          </p:cNvPr>
-          <p:cNvPicPr>
-            <a:picLocks noGrp="1" noChangeAspect="1"/>
-          </p:cNvPicPr>
-          <p:nvPr>
-            <p:ph idx="1"/>
-          </p:nvPr>
-        </p:nvPicPr>
-        <p:blipFill>
-          <a:blip r:embed="rId2">
-            <a:extLst>
-              <a:ext uri="{28A0092B-C50C-407E-A947-70E740481C1C}">
-                <a14:useLocalDpi xmlns:a14="http://schemas.microsoft.com/office/drawing/2010/main" val="0"/>
-              </a:ext>
-            </a:extLst>
-          </a:blip>
-          <a:stretch>
-            <a:fillRect/>
-          </a:stretch>
-        </p:blipFill>
-        <p:spPr>
-          <a:xfrm>
-            <a:off x="835942" y="1294689"/>
-            <a:ext cx="10520115" cy="5319471"/>
-          </a:xfrm>
-        </p:spPr>
-      </p:pic>
-      <p:cxnSp>
-        <p:nvCxnSpPr>
-          <p:cNvPr id="10" name="Straight Connector 9">
-            <a:extLst>
-              <a:ext uri="{FF2B5EF4-FFF2-40B4-BE49-F238E27FC236}">
-                <a16:creationId xmlns:a16="http://schemas.microsoft.com/office/drawing/2014/main" id="{21E77FB2-79EE-9075-C06A-8515F77F5B87}"/>
-              </a:ext>
-            </a:extLst>
-          </p:cNvPr>
-          <p:cNvCxnSpPr>
-            <a:cxnSpLocks/>
-          </p:cNvCxnSpPr>
-          <p:nvPr/>
-        </p:nvCxnSpPr>
-        <p:spPr>
-          <a:xfrm flipV="1">
-            <a:off x="3254326" y="1708729"/>
-            <a:ext cx="3062500" cy="2986"/>
-          </a:xfrm>
-          <a:prstGeom prst="line">
-            <a:avLst/>
-          </a:prstGeom>
-          <a:ln>
-            <a:solidFill>
-              <a:schemeClr val="accent6">
-                <a:lumMod val="75000"/>
-              </a:schemeClr>
-            </a:solidFill>
-          </a:ln>
-        </p:spPr>
-        <p:style>
-          <a:lnRef idx="2">
-            <a:schemeClr val="accent1"/>
-          </a:lnRef>
-          <a:fillRef idx="0">
-            <a:schemeClr val="accent1"/>
-          </a:fillRef>
-          <a:effectRef idx="1">
-            <a:schemeClr val="accent1"/>
-          </a:effectRef>
-          <a:fontRef idx="minor">
-            <a:schemeClr val="tx1"/>
-          </a:fontRef>
-        </p:style>
-      </p:cxnSp>
-      <p:sp>
-        <p:nvSpPr>
-          <p:cNvPr id="11" name="TextBox 10">
-            <a:extLst>
-              <a:ext uri="{FF2B5EF4-FFF2-40B4-BE49-F238E27FC236}">
-                <a16:creationId xmlns:a16="http://schemas.microsoft.com/office/drawing/2014/main" id="{3E6EA98B-C626-6AC0-4F03-A613577D5935}"/>
-              </a:ext>
-            </a:extLst>
-          </p:cNvPr>
-          <p:cNvSpPr txBox="1"/>
-          <p:nvPr/>
-        </p:nvSpPr>
-        <p:spPr>
-          <a:xfrm>
-            <a:off x="4470416" y="1403218"/>
-            <a:ext cx="679347" cy="364074"/>
-          </a:xfrm>
-          <a:prstGeom prst="rect">
-            <a:avLst/>
-          </a:prstGeom>
-          <a:noFill/>
-          <a:ln>
-            <a:noFill/>
-          </a:ln>
-        </p:spPr>
-        <p:txBody>
-          <a:bodyPr wrap="square" rtlCol="0">
-            <a:spAutoFit/>
-          </a:bodyPr>
-          <a:lstStyle/>
-          <a:p>
-            <a:pPr algn="ctr"/>
-            <a:r>
-              <a:rPr lang="en-GB" sz="1766" b="1" dirty="0">
-                <a:solidFill>
-                  <a:schemeClr val="accent6">
-                    <a:lumMod val="75000"/>
-                  </a:schemeClr>
-                </a:solidFill>
-                <a:latin typeface="Helvetica" panose="020B0604020202020204"/>
-                <a:cs typeface="Helvetica" panose="020B0604020202020204"/>
-              </a:rPr>
-              <a:t>*</a:t>
-            </a:r>
-          </a:p>
-        </p:txBody>
-      </p:sp>
-      <p:cxnSp>
-        <p:nvCxnSpPr>
-          <p:cNvPr id="13" name="Straight Connector 12">
-            <a:extLst>
-              <a:ext uri="{FF2B5EF4-FFF2-40B4-BE49-F238E27FC236}">
-                <a16:creationId xmlns:a16="http://schemas.microsoft.com/office/drawing/2014/main" id="{87C6D792-97FC-FD07-3960-989C62EBBECF}"/>
-              </a:ext>
-            </a:extLst>
-          </p:cNvPr>
-          <p:cNvCxnSpPr>
-            <a:cxnSpLocks/>
-          </p:cNvCxnSpPr>
-          <p:nvPr/>
-        </p:nvCxnSpPr>
-        <p:spPr>
-          <a:xfrm>
-            <a:off x="3254326" y="1390375"/>
-            <a:ext cx="6027081" cy="0"/>
-          </a:xfrm>
-          <a:prstGeom prst="line">
-            <a:avLst/>
-          </a:prstGeom>
-          <a:ln>
-            <a:solidFill>
-              <a:schemeClr val="accent6">
-                <a:lumMod val="75000"/>
-              </a:schemeClr>
-            </a:solidFill>
-          </a:ln>
-        </p:spPr>
-        <p:style>
-          <a:lnRef idx="2">
-            <a:schemeClr val="accent1"/>
-          </a:lnRef>
-          <a:fillRef idx="0">
-            <a:schemeClr val="accent1"/>
-          </a:fillRef>
-          <a:effectRef idx="1">
-            <a:schemeClr val="accent1"/>
-          </a:effectRef>
-          <a:fontRef idx="minor">
-            <a:schemeClr val="tx1"/>
-          </a:fontRef>
-        </p:style>
-      </p:cxnSp>
-      <p:sp>
-        <p:nvSpPr>
-          <p:cNvPr id="14" name="TextBox 13">
-            <a:extLst>
-              <a:ext uri="{FF2B5EF4-FFF2-40B4-BE49-F238E27FC236}">
-                <a16:creationId xmlns:a16="http://schemas.microsoft.com/office/drawing/2014/main" id="{392A4E8F-20B8-D1CF-298E-3001E437C6C5}"/>
-              </a:ext>
-            </a:extLst>
-          </p:cNvPr>
-          <p:cNvSpPr txBox="1"/>
-          <p:nvPr/>
-        </p:nvSpPr>
-        <p:spPr>
-          <a:xfrm>
-            <a:off x="5977152" y="1081878"/>
-            <a:ext cx="679347" cy="364074"/>
-          </a:xfrm>
-          <a:prstGeom prst="rect">
-            <a:avLst/>
-          </a:prstGeom>
-          <a:noFill/>
-          <a:ln>
-            <a:noFill/>
-          </a:ln>
-        </p:spPr>
-        <p:txBody>
-          <a:bodyPr wrap="square" rtlCol="0">
-            <a:spAutoFit/>
-          </a:bodyPr>
-          <a:lstStyle/>
-          <a:p>
-            <a:pPr algn="ctr"/>
-            <a:r>
-              <a:rPr lang="en-GB" sz="1766" b="1" dirty="0">
-                <a:solidFill>
-                  <a:schemeClr val="accent6">
-                    <a:lumMod val="75000"/>
-                  </a:schemeClr>
-                </a:solidFill>
-                <a:latin typeface="Helvetica" panose="020B0604020202020204"/>
-                <a:cs typeface="Helvetica" panose="020B0604020202020204"/>
-              </a:rPr>
-              <a:t>*</a:t>
-            </a:r>
-          </a:p>
-        </p:txBody>
-      </p:sp>
-    </p:spTree>
-    <p:extLst>
-      <p:ext uri="{BB962C8B-B14F-4D97-AF65-F5344CB8AC3E}">
-        <p14:creationId xmlns:p14="http://schemas.microsoft.com/office/powerpoint/2010/main" val="4221340399"/>
-      </p:ext>
-    </p:extLst>
-  </p:cSld>
-  <p:clrMapOvr>
-    <a:masterClrMapping/>
-  </p:clrMapOvr>
-</p:sld>
-</file>
-
 <file path=ppt/slides/slide19.xml><?xml version="1.0" encoding="utf-8"?>
 <p:sld xmlns:a="http://schemas.openxmlformats.org/drawingml/2006/main" xmlns:r="http://schemas.openxmlformats.org/officeDocument/2006/relationships" xmlns:p="http://schemas.openxmlformats.org/presentationml/2006/main">
   <p:cSld>
@@ -7372,7 +7372,7 @@
           <p:cNvPr id="2" name="Title 1">
             <a:extLst>
               <a:ext uri="{FF2B5EF4-FFF2-40B4-BE49-F238E27FC236}">
-                <a16:creationId xmlns:a16="http://schemas.microsoft.com/office/drawing/2014/main" id="{B4D941A4-7800-BF6D-3047-19A2F1FFE400}"/>
+                <a16:creationId xmlns:a16="http://schemas.microsoft.com/office/drawing/2014/main" id="{331E21EA-EC58-E43B-46B6-72D5584F9856}"/>
               </a:ext>
             </a:extLst>
           </p:cNvPr>
@@ -7385,7 +7385,7 @@
         </p:nvSpPr>
         <p:spPr>
           <a:xfrm>
-            <a:off x="238760" y="178812"/>
+            <a:off x="238225" y="243840"/>
             <a:ext cx="9875520" cy="1356360"/>
           </a:xfrm>
         </p:spPr>
@@ -7395,7 +7395,7 @@
           <a:p>
             <a:r>
               <a:rPr lang="de-CH" dirty="0"/>
-              <a:t>Budset by Type</a:t>
+              <a:t>Budset – by Type</a:t>
             </a:r>
             <a:endParaRPr lang="en-GB" dirty="0"/>
           </a:p>
@@ -7406,7 +7406,7 @@
           <p:cNvPr id="9" name="Content Placeholder 8">
             <a:extLst>
               <a:ext uri="{FF2B5EF4-FFF2-40B4-BE49-F238E27FC236}">
-                <a16:creationId xmlns:a16="http://schemas.microsoft.com/office/drawing/2014/main" id="{270947E2-94D3-B544-4587-E9882F4D2BAA}"/>
+                <a16:creationId xmlns:a16="http://schemas.microsoft.com/office/drawing/2014/main" id="{FA0D3437-97B6-1053-8FD3-9E66A7F8235A}"/>
               </a:ext>
             </a:extLst>
           </p:cNvPr>
@@ -7431,48 +7431,49 @@
         </p:blipFill>
         <p:spPr>
           <a:xfrm>
-            <a:off x="1053049" y="1535171"/>
-            <a:ext cx="9958252" cy="5035367"/>
+            <a:off x="835942" y="1294689"/>
+            <a:ext cx="10520115" cy="5319471"/>
           </a:xfrm>
         </p:spPr>
       </p:pic>
       <p:cxnSp>
         <p:nvCxnSpPr>
-          <p:cNvPr id="4" name="Straight Arrow Connector 3">
+          <p:cNvPr id="10" name="Straight Connector 9">
             <a:extLst>
               <a:ext uri="{FF2B5EF4-FFF2-40B4-BE49-F238E27FC236}">
-                <a16:creationId xmlns:a16="http://schemas.microsoft.com/office/drawing/2014/main" id="{8E594E9A-0DC9-656A-15F4-E36D519C6094}"/>
+                <a16:creationId xmlns:a16="http://schemas.microsoft.com/office/drawing/2014/main" id="{21E77FB2-79EE-9075-C06A-8515F77F5B87}"/>
               </a:ext>
             </a:extLst>
           </p:cNvPr>
-          <p:cNvCxnSpPr/>
+          <p:cNvCxnSpPr>
+            <a:cxnSpLocks/>
+          </p:cNvCxnSpPr>
           <p:nvPr/>
         </p:nvCxnSpPr>
         <p:spPr>
-          <a:xfrm>
-            <a:off x="7007192" y="2675823"/>
-            <a:ext cx="0" cy="1232034"/>
-          </a:xfrm>
-          <a:prstGeom prst="straightConnector1">
+          <a:xfrm flipV="1">
+            <a:off x="3254326" y="1708729"/>
+            <a:ext cx="3062500" cy="2986"/>
+          </a:xfrm>
+          <a:prstGeom prst="line">
             <a:avLst/>
           </a:prstGeom>
-          <a:ln w="19050">
+          <a:ln>
             <a:solidFill>
-              <a:schemeClr val="bg2">
-                <a:lumMod val="25000"/>
+              <a:schemeClr val="accent6">
+                <a:lumMod val="75000"/>
               </a:schemeClr>
             </a:solidFill>
-            <a:tailEnd type="triangle" w="lg" len="med"/>
           </a:ln>
         </p:spPr>
         <p:style>
-          <a:lnRef idx="1">
+          <a:lnRef idx="2">
             <a:schemeClr val="accent1"/>
           </a:lnRef>
           <a:fillRef idx="0">
             <a:schemeClr val="accent1"/>
           </a:fillRef>
-          <a:effectRef idx="0">
+          <a:effectRef idx="1">
             <a:schemeClr val="accent1"/>
           </a:effectRef>
           <a:fontRef idx="minor">
@@ -7480,10 +7481,149 @@
           </a:fontRef>
         </p:style>
       </p:cxnSp>
+      <p:sp>
+        <p:nvSpPr>
+          <p:cNvPr id="11" name="TextBox 10">
+            <a:extLst>
+              <a:ext uri="{FF2B5EF4-FFF2-40B4-BE49-F238E27FC236}">
+                <a16:creationId xmlns:a16="http://schemas.microsoft.com/office/drawing/2014/main" id="{3E6EA98B-C626-6AC0-4F03-A613577D5935}"/>
+              </a:ext>
+            </a:extLst>
+          </p:cNvPr>
+          <p:cNvSpPr txBox="1"/>
+          <p:nvPr/>
+        </p:nvSpPr>
+        <p:spPr>
+          <a:xfrm>
+            <a:off x="4470416" y="1403218"/>
+            <a:ext cx="679347" cy="364074"/>
+          </a:xfrm>
+          <a:prstGeom prst="rect">
+            <a:avLst/>
+          </a:prstGeom>
+          <a:noFill/>
+          <a:ln>
+            <a:noFill/>
+          </a:ln>
+        </p:spPr>
+        <p:txBody>
+          <a:bodyPr wrap="square" rtlCol="0">
+            <a:spAutoFit/>
+          </a:bodyPr>
+          <a:lstStyle/>
+          <a:p>
+            <a:pPr algn="ctr"/>
+            <a:r>
+              <a:rPr lang="en-GB" sz="1766" b="1" dirty="0">
+                <a:solidFill>
+                  <a:schemeClr val="accent6">
+                    <a:lumMod val="75000"/>
+                  </a:schemeClr>
+                </a:solidFill>
+                <a:latin typeface="Helvetica" panose="020B0604020202020204"/>
+                <a:cs typeface="Helvetica" panose="020B0604020202020204"/>
+              </a:rPr>
+              <a:t>*</a:t>
+            </a:r>
+          </a:p>
+        </p:txBody>
+      </p:sp>
+      <p:cxnSp>
+        <p:nvCxnSpPr>
+          <p:cNvPr id="13" name="Straight Connector 12">
+            <a:extLst>
+              <a:ext uri="{FF2B5EF4-FFF2-40B4-BE49-F238E27FC236}">
+                <a16:creationId xmlns:a16="http://schemas.microsoft.com/office/drawing/2014/main" id="{87C6D792-97FC-FD07-3960-989C62EBBECF}"/>
+              </a:ext>
+            </a:extLst>
+          </p:cNvPr>
+          <p:cNvCxnSpPr>
+            <a:cxnSpLocks/>
+          </p:cNvCxnSpPr>
+          <p:nvPr/>
+        </p:nvCxnSpPr>
+        <p:spPr>
+          <a:xfrm>
+            <a:off x="3254326" y="1390375"/>
+            <a:ext cx="6027081" cy="0"/>
+          </a:xfrm>
+          <a:prstGeom prst="line">
+            <a:avLst/>
+          </a:prstGeom>
+          <a:ln>
+            <a:solidFill>
+              <a:schemeClr val="accent6">
+                <a:lumMod val="75000"/>
+              </a:schemeClr>
+            </a:solidFill>
+          </a:ln>
+        </p:spPr>
+        <p:style>
+          <a:lnRef idx="2">
+            <a:schemeClr val="accent1"/>
+          </a:lnRef>
+          <a:fillRef idx="0">
+            <a:schemeClr val="accent1"/>
+          </a:fillRef>
+          <a:effectRef idx="1">
+            <a:schemeClr val="accent1"/>
+          </a:effectRef>
+          <a:fontRef idx="minor">
+            <a:schemeClr val="tx1"/>
+          </a:fontRef>
+        </p:style>
+      </p:cxnSp>
+      <p:sp>
+        <p:nvSpPr>
+          <p:cNvPr id="14" name="TextBox 13">
+            <a:extLst>
+              <a:ext uri="{FF2B5EF4-FFF2-40B4-BE49-F238E27FC236}">
+                <a16:creationId xmlns:a16="http://schemas.microsoft.com/office/drawing/2014/main" id="{392A4E8F-20B8-D1CF-298E-3001E437C6C5}"/>
+              </a:ext>
+            </a:extLst>
+          </p:cNvPr>
+          <p:cNvSpPr txBox="1"/>
+          <p:nvPr/>
+        </p:nvSpPr>
+        <p:spPr>
+          <a:xfrm>
+            <a:off x="5977152" y="1081878"/>
+            <a:ext cx="679347" cy="364074"/>
+          </a:xfrm>
+          <a:prstGeom prst="rect">
+            <a:avLst/>
+          </a:prstGeom>
+          <a:noFill/>
+          <a:ln>
+            <a:noFill/>
+          </a:ln>
+        </p:spPr>
+        <p:txBody>
+          <a:bodyPr wrap="square" rtlCol="0">
+            <a:spAutoFit/>
+          </a:bodyPr>
+          <a:lstStyle/>
+          <a:p>
+            <a:pPr algn="ctr"/>
+            <a:r>
+              <a:rPr lang="en-GB" sz="1766" b="1" dirty="0">
+                <a:solidFill>
+                  <a:schemeClr val="accent6">
+                    <a:lumMod val="75000"/>
+                  </a:schemeClr>
+                </a:solidFill>
+                <a:latin typeface="Helvetica" panose="020B0604020202020204"/>
+                <a:cs typeface="Helvetica" panose="020B0604020202020204"/>
+              </a:rPr>
+              <a:t>*</a:t>
+            </a:r>
+          </a:p>
+        </p:txBody>
+      </p:sp>
     </p:spTree>
     <p:extLst>
       <p:ext uri="{BB962C8B-B14F-4D97-AF65-F5344CB8AC3E}">
-        <p14:creationId xmlns:p14="http://schemas.microsoft.com/office/powerpoint/2010/main" val="366536072"/>
+        <p14:creationId xmlns:p14="http://schemas.microsoft.com/office/powerpoint/2010/main" val="4221340399"/>
       </p:ext>
     </p:extLst>
   </p:cSld>
@@ -7728,7 +7868,7 @@
           <p:cNvPr id="2" name="Title 1">
             <a:extLst>
               <a:ext uri="{FF2B5EF4-FFF2-40B4-BE49-F238E27FC236}">
-                <a16:creationId xmlns:a16="http://schemas.microsoft.com/office/drawing/2014/main" id="{E5EB79DC-5387-676F-0683-1D49454F40B3}"/>
+                <a16:creationId xmlns:a16="http://schemas.microsoft.com/office/drawing/2014/main" id="{B4D941A4-7800-BF6D-3047-19A2F1FFE400}"/>
               </a:ext>
             </a:extLst>
           </p:cNvPr>
@@ -7741,7 +7881,7 @@
         </p:nvSpPr>
         <p:spPr>
           <a:xfrm>
-            <a:off x="218974" y="176490"/>
+            <a:off x="238760" y="178812"/>
             <a:ext cx="9875520" cy="1356360"/>
           </a:xfrm>
         </p:spPr>
@@ -7751,54 +7891,18 @@
           <a:p>
             <a:r>
               <a:rPr lang="de-CH" dirty="0"/>
-              <a:t>Budburst – by Provenance</a:t>
+              <a:t>Budset by Type</a:t>
             </a:r>
             <a:endParaRPr lang="en-GB" dirty="0"/>
-          </a:p>
-        </p:txBody>
-      </p:sp>
-      <p:sp>
-        <p:nvSpPr>
-          <p:cNvPr id="4" name="TextBox 3">
-            <a:extLst>
-              <a:ext uri="{FF2B5EF4-FFF2-40B4-BE49-F238E27FC236}">
-                <a16:creationId xmlns:a16="http://schemas.microsoft.com/office/drawing/2014/main" id="{1F23F0DC-52E1-09BD-080C-AFC35699FB60}"/>
-              </a:ext>
-            </a:extLst>
-          </p:cNvPr>
-          <p:cNvSpPr txBox="1"/>
-          <p:nvPr/>
-        </p:nvSpPr>
-        <p:spPr>
-          <a:xfrm>
-            <a:off x="9630612" y="670004"/>
-            <a:ext cx="2131350" cy="369332"/>
-          </a:xfrm>
-          <a:prstGeom prst="rect">
-            <a:avLst/>
-          </a:prstGeom>
-          <a:noFill/>
-        </p:spPr>
-        <p:txBody>
-          <a:bodyPr wrap="square">
-            <a:spAutoFit/>
-          </a:bodyPr>
-          <a:lstStyle/>
-          <a:p>
-            <a:pPr algn="ctr"/>
-            <a:r>
-              <a:rPr lang="en-GB" dirty="0"/>
-              <a:t>Day 0 = 01/02/2024</a:t>
-            </a:r>
           </a:p>
         </p:txBody>
       </p:sp>
       <p:pic>
         <p:nvPicPr>
-          <p:cNvPr id="11" name="Content Placeholder 10" descr="A graph of a diagram&#10;&#10;AI-generated content may be incorrect.">
+          <p:cNvPr id="9" name="Content Placeholder 8">
             <a:extLst>
               <a:ext uri="{FF2B5EF4-FFF2-40B4-BE49-F238E27FC236}">
-                <a16:creationId xmlns:a16="http://schemas.microsoft.com/office/drawing/2014/main" id="{44A0C449-8F18-850D-9203-E214A67FEAD7}"/>
+                <a16:creationId xmlns:a16="http://schemas.microsoft.com/office/drawing/2014/main" id="{270947E2-94D3-B544-4587-E9882F4D2BAA}"/>
               </a:ext>
             </a:extLst>
           </p:cNvPr>
@@ -7823,49 +7927,48 @@
         </p:blipFill>
         <p:spPr>
           <a:xfrm>
-            <a:off x="348758" y="1685992"/>
-            <a:ext cx="9517795" cy="4812650"/>
+            <a:off x="1053049" y="1535171"/>
+            <a:ext cx="9958252" cy="5035367"/>
           </a:xfrm>
         </p:spPr>
       </p:pic>
       <p:cxnSp>
         <p:nvCxnSpPr>
-          <p:cNvPr id="12" name="Straight Connector 11">
+          <p:cNvPr id="4" name="Straight Arrow Connector 3">
             <a:extLst>
               <a:ext uri="{FF2B5EF4-FFF2-40B4-BE49-F238E27FC236}">
-                <a16:creationId xmlns:a16="http://schemas.microsoft.com/office/drawing/2014/main" id="{5982C0FB-D28F-93CA-4DE9-0A62C347B1DA}"/>
+                <a16:creationId xmlns:a16="http://schemas.microsoft.com/office/drawing/2014/main" id="{8E594E9A-0DC9-656A-15F4-E36D519C6094}"/>
               </a:ext>
             </a:extLst>
           </p:cNvPr>
-          <p:cNvCxnSpPr>
-            <a:cxnSpLocks/>
-          </p:cNvCxnSpPr>
+          <p:cNvCxnSpPr/>
           <p:nvPr/>
         </p:nvCxnSpPr>
         <p:spPr>
-          <a:xfrm flipV="1">
-            <a:off x="2325447" y="1732324"/>
-            <a:ext cx="3062500" cy="2986"/>
-          </a:xfrm>
-          <a:prstGeom prst="line">
+          <a:xfrm>
+            <a:off x="7007192" y="2675823"/>
+            <a:ext cx="0" cy="1232034"/>
+          </a:xfrm>
+          <a:prstGeom prst="straightConnector1">
             <a:avLst/>
           </a:prstGeom>
-          <a:ln>
+          <a:ln w="19050">
             <a:solidFill>
-              <a:schemeClr val="accent6">
-                <a:lumMod val="75000"/>
+              <a:schemeClr val="bg2">
+                <a:lumMod val="25000"/>
               </a:schemeClr>
             </a:solidFill>
+            <a:tailEnd type="triangle" w="lg" len="med"/>
           </a:ln>
         </p:spPr>
         <p:style>
-          <a:lnRef idx="2">
+          <a:lnRef idx="1">
             <a:schemeClr val="accent1"/>
           </a:lnRef>
           <a:fillRef idx="0">
             <a:schemeClr val="accent1"/>
           </a:fillRef>
-          <a:effectRef idx="1">
+          <a:effectRef idx="0">
             <a:schemeClr val="accent1"/>
           </a:effectRef>
           <a:fontRef idx="minor">
@@ -7873,149 +7976,10 @@
           </a:fontRef>
         </p:style>
       </p:cxnSp>
-      <p:sp>
-        <p:nvSpPr>
-          <p:cNvPr id="13" name="TextBox 12">
-            <a:extLst>
-              <a:ext uri="{FF2B5EF4-FFF2-40B4-BE49-F238E27FC236}">
-                <a16:creationId xmlns:a16="http://schemas.microsoft.com/office/drawing/2014/main" id="{57228138-E4A7-851D-FC56-2306BC16034C}"/>
-              </a:ext>
-            </a:extLst>
-          </p:cNvPr>
-          <p:cNvSpPr txBox="1"/>
-          <p:nvPr/>
-        </p:nvSpPr>
-        <p:spPr>
-          <a:xfrm>
-            <a:off x="3587257" y="1486311"/>
-            <a:ext cx="679347" cy="246221"/>
-          </a:xfrm>
-          <a:prstGeom prst="rect">
-            <a:avLst/>
-          </a:prstGeom>
-          <a:noFill/>
-          <a:ln>
-            <a:noFill/>
-          </a:ln>
-        </p:spPr>
-        <p:txBody>
-          <a:bodyPr wrap="square" rtlCol="0">
-            <a:spAutoFit/>
-          </a:bodyPr>
-          <a:lstStyle/>
-          <a:p>
-            <a:pPr algn="ctr"/>
-            <a:r>
-              <a:rPr lang="en-GB" sz="1000" dirty="0">
-                <a:solidFill>
-                  <a:schemeClr val="accent6">
-                    <a:lumMod val="75000"/>
-                  </a:schemeClr>
-                </a:solidFill>
-                <a:latin typeface="Helvetica" panose="020B0604020202020204"/>
-                <a:cs typeface="Helvetica" panose="020B0604020202020204"/>
-              </a:rPr>
-              <a:t>0.013</a:t>
-            </a:r>
-          </a:p>
-        </p:txBody>
-      </p:sp>
-      <p:cxnSp>
-        <p:nvCxnSpPr>
-          <p:cNvPr id="14" name="Straight Connector 13">
-            <a:extLst>
-              <a:ext uri="{FF2B5EF4-FFF2-40B4-BE49-F238E27FC236}">
-                <a16:creationId xmlns:a16="http://schemas.microsoft.com/office/drawing/2014/main" id="{10EC720A-2AF0-9C6D-6E05-3934CC044EA9}"/>
-              </a:ext>
-            </a:extLst>
-          </p:cNvPr>
-          <p:cNvCxnSpPr>
-            <a:cxnSpLocks/>
-          </p:cNvCxnSpPr>
-          <p:nvPr/>
-        </p:nvCxnSpPr>
-        <p:spPr>
-          <a:xfrm flipV="1">
-            <a:off x="5528414" y="1729338"/>
-            <a:ext cx="3062500" cy="2986"/>
-          </a:xfrm>
-          <a:prstGeom prst="line">
-            <a:avLst/>
-          </a:prstGeom>
-          <a:ln>
-            <a:solidFill>
-              <a:schemeClr val="accent6">
-                <a:lumMod val="75000"/>
-              </a:schemeClr>
-            </a:solidFill>
-          </a:ln>
-        </p:spPr>
-        <p:style>
-          <a:lnRef idx="2">
-            <a:schemeClr val="accent1"/>
-          </a:lnRef>
-          <a:fillRef idx="0">
-            <a:schemeClr val="accent1"/>
-          </a:fillRef>
-          <a:effectRef idx="1">
-            <a:schemeClr val="accent1"/>
-          </a:effectRef>
-          <a:fontRef idx="minor">
-            <a:schemeClr val="tx1"/>
-          </a:fontRef>
-        </p:style>
-      </p:cxnSp>
-      <p:sp>
-        <p:nvSpPr>
-          <p:cNvPr id="15" name="TextBox 14">
-            <a:extLst>
-              <a:ext uri="{FF2B5EF4-FFF2-40B4-BE49-F238E27FC236}">
-                <a16:creationId xmlns:a16="http://schemas.microsoft.com/office/drawing/2014/main" id="{0923EC24-A6E5-C849-B975-9601C8597CF3}"/>
-              </a:ext>
-            </a:extLst>
-          </p:cNvPr>
-          <p:cNvSpPr txBox="1"/>
-          <p:nvPr/>
-        </p:nvSpPr>
-        <p:spPr>
-          <a:xfrm>
-            <a:off x="6790224" y="1483325"/>
-            <a:ext cx="679347" cy="246221"/>
-          </a:xfrm>
-          <a:prstGeom prst="rect">
-            <a:avLst/>
-          </a:prstGeom>
-          <a:noFill/>
-          <a:ln>
-            <a:noFill/>
-          </a:ln>
-        </p:spPr>
-        <p:txBody>
-          <a:bodyPr wrap="square" rtlCol="0">
-            <a:spAutoFit/>
-          </a:bodyPr>
-          <a:lstStyle/>
-          <a:p>
-            <a:pPr algn="ctr"/>
-            <a:r>
-              <a:rPr lang="en-GB" sz="1000" dirty="0">
-                <a:solidFill>
-                  <a:schemeClr val="accent6">
-                    <a:lumMod val="75000"/>
-                  </a:schemeClr>
-                </a:solidFill>
-                <a:latin typeface="Helvetica" panose="020B0604020202020204"/>
-                <a:cs typeface="Helvetica" panose="020B0604020202020204"/>
-              </a:rPr>
-              <a:t>0.01</a:t>
-            </a:r>
-          </a:p>
-        </p:txBody>
-      </p:sp>
     </p:spTree>
     <p:extLst>
       <p:ext uri="{BB962C8B-B14F-4D97-AF65-F5344CB8AC3E}">
-        <p14:creationId xmlns:p14="http://schemas.microsoft.com/office/powerpoint/2010/main" val="1309389261"/>
+        <p14:creationId xmlns:p14="http://schemas.microsoft.com/office/powerpoint/2010/main" val="366536072"/>
       </p:ext>
     </p:extLst>
   </p:cSld>
@@ -8047,7 +8011,7 @@
           <p:cNvPr id="2" name="Title 1">
             <a:extLst>
               <a:ext uri="{FF2B5EF4-FFF2-40B4-BE49-F238E27FC236}">
-                <a16:creationId xmlns:a16="http://schemas.microsoft.com/office/drawing/2014/main" id="{971A7E35-F3A7-7E5B-ED8A-FA3BA661E53E}"/>
+                <a16:creationId xmlns:a16="http://schemas.microsoft.com/office/drawing/2014/main" id="{E5EB79DC-5387-676F-0683-1D49454F40B3}"/>
               </a:ext>
             </a:extLst>
           </p:cNvPr>
@@ -8060,7 +8024,7 @@
         </p:nvSpPr>
         <p:spPr>
           <a:xfrm>
-            <a:off x="238225" y="224589"/>
+            <a:off x="218974" y="176490"/>
             <a:ext cx="9875520" cy="1356360"/>
           </a:xfrm>
         </p:spPr>
@@ -8070,18 +8034,54 @@
           <a:p>
             <a:r>
               <a:rPr lang="de-CH" dirty="0"/>
-              <a:t>Burburst - by Provenance</a:t>
+              <a:t>Budburst – by Provenance</a:t>
             </a:r>
             <a:endParaRPr lang="en-GB" dirty="0"/>
+          </a:p>
+        </p:txBody>
+      </p:sp>
+      <p:sp>
+        <p:nvSpPr>
+          <p:cNvPr id="4" name="TextBox 3">
+            <a:extLst>
+              <a:ext uri="{FF2B5EF4-FFF2-40B4-BE49-F238E27FC236}">
+                <a16:creationId xmlns:a16="http://schemas.microsoft.com/office/drawing/2014/main" id="{1F23F0DC-52E1-09BD-080C-AFC35699FB60}"/>
+              </a:ext>
+            </a:extLst>
+          </p:cNvPr>
+          <p:cNvSpPr txBox="1"/>
+          <p:nvPr/>
+        </p:nvSpPr>
+        <p:spPr>
+          <a:xfrm>
+            <a:off x="9630612" y="670004"/>
+            <a:ext cx="2131350" cy="369332"/>
+          </a:xfrm>
+          <a:prstGeom prst="rect">
+            <a:avLst/>
+          </a:prstGeom>
+          <a:noFill/>
+        </p:spPr>
+        <p:txBody>
+          <a:bodyPr wrap="square">
+            <a:spAutoFit/>
+          </a:bodyPr>
+          <a:lstStyle/>
+          <a:p>
+            <a:pPr algn="ctr"/>
+            <a:r>
+              <a:rPr lang="en-GB" dirty="0"/>
+              <a:t>Day 0 = 01/02/2024</a:t>
+            </a:r>
           </a:p>
         </p:txBody>
       </p:sp>
       <p:pic>
         <p:nvPicPr>
-          <p:cNvPr id="5" name="Content Placeholder 4" descr="A graph of a graph&#10;&#10;AI-generated content may be incorrect.">
+          <p:cNvPr id="11" name="Content Placeholder 10" descr="A graph of a diagram&#10;&#10;AI-generated content may be incorrect.">
             <a:extLst>
               <a:ext uri="{FF2B5EF4-FFF2-40B4-BE49-F238E27FC236}">
-                <a16:creationId xmlns:a16="http://schemas.microsoft.com/office/drawing/2014/main" id="{2D2CC6DF-5B3C-EB76-C731-64BD8A77302C}"/>
+                <a16:creationId xmlns:a16="http://schemas.microsoft.com/office/drawing/2014/main" id="{44A0C449-8F18-850D-9203-E214A67FEAD7}"/>
               </a:ext>
             </a:extLst>
           </p:cNvPr>
@@ -8106,15 +8106,199 @@
         </p:blipFill>
         <p:spPr>
           <a:xfrm>
-            <a:off x="861762" y="1259840"/>
-            <a:ext cx="10468476" cy="5293360"/>
+            <a:off x="348758" y="1685992"/>
+            <a:ext cx="9517795" cy="4812650"/>
           </a:xfrm>
         </p:spPr>
       </p:pic>
+      <p:cxnSp>
+        <p:nvCxnSpPr>
+          <p:cNvPr id="12" name="Straight Connector 11">
+            <a:extLst>
+              <a:ext uri="{FF2B5EF4-FFF2-40B4-BE49-F238E27FC236}">
+                <a16:creationId xmlns:a16="http://schemas.microsoft.com/office/drawing/2014/main" id="{5982C0FB-D28F-93CA-4DE9-0A62C347B1DA}"/>
+              </a:ext>
+            </a:extLst>
+          </p:cNvPr>
+          <p:cNvCxnSpPr>
+            <a:cxnSpLocks/>
+          </p:cNvCxnSpPr>
+          <p:nvPr/>
+        </p:nvCxnSpPr>
+        <p:spPr>
+          <a:xfrm flipV="1">
+            <a:off x="2325447" y="1732324"/>
+            <a:ext cx="3062500" cy="2986"/>
+          </a:xfrm>
+          <a:prstGeom prst="line">
+            <a:avLst/>
+          </a:prstGeom>
+          <a:ln>
+            <a:solidFill>
+              <a:schemeClr val="accent6">
+                <a:lumMod val="75000"/>
+              </a:schemeClr>
+            </a:solidFill>
+          </a:ln>
+        </p:spPr>
+        <p:style>
+          <a:lnRef idx="2">
+            <a:schemeClr val="accent1"/>
+          </a:lnRef>
+          <a:fillRef idx="0">
+            <a:schemeClr val="accent1"/>
+          </a:fillRef>
+          <a:effectRef idx="1">
+            <a:schemeClr val="accent1"/>
+          </a:effectRef>
+          <a:fontRef idx="minor">
+            <a:schemeClr val="tx1"/>
+          </a:fontRef>
+        </p:style>
+      </p:cxnSp>
+      <p:sp>
+        <p:nvSpPr>
+          <p:cNvPr id="13" name="TextBox 12">
+            <a:extLst>
+              <a:ext uri="{FF2B5EF4-FFF2-40B4-BE49-F238E27FC236}">
+                <a16:creationId xmlns:a16="http://schemas.microsoft.com/office/drawing/2014/main" id="{57228138-E4A7-851D-FC56-2306BC16034C}"/>
+              </a:ext>
+            </a:extLst>
+          </p:cNvPr>
+          <p:cNvSpPr txBox="1"/>
+          <p:nvPr/>
+        </p:nvSpPr>
+        <p:spPr>
+          <a:xfrm>
+            <a:off x="3587257" y="1486311"/>
+            <a:ext cx="679347" cy="246221"/>
+          </a:xfrm>
+          <a:prstGeom prst="rect">
+            <a:avLst/>
+          </a:prstGeom>
+          <a:noFill/>
+          <a:ln>
+            <a:noFill/>
+          </a:ln>
+        </p:spPr>
+        <p:txBody>
+          <a:bodyPr wrap="square" rtlCol="0">
+            <a:spAutoFit/>
+          </a:bodyPr>
+          <a:lstStyle/>
+          <a:p>
+            <a:pPr algn="ctr"/>
+            <a:r>
+              <a:rPr lang="en-GB" sz="1000" dirty="0">
+                <a:solidFill>
+                  <a:schemeClr val="accent6">
+                    <a:lumMod val="75000"/>
+                  </a:schemeClr>
+                </a:solidFill>
+                <a:latin typeface="Helvetica" panose="020B0604020202020204"/>
+                <a:cs typeface="Helvetica" panose="020B0604020202020204"/>
+              </a:rPr>
+              <a:t>0.013</a:t>
+            </a:r>
+          </a:p>
+        </p:txBody>
+      </p:sp>
+      <p:cxnSp>
+        <p:nvCxnSpPr>
+          <p:cNvPr id="14" name="Straight Connector 13">
+            <a:extLst>
+              <a:ext uri="{FF2B5EF4-FFF2-40B4-BE49-F238E27FC236}">
+                <a16:creationId xmlns:a16="http://schemas.microsoft.com/office/drawing/2014/main" id="{10EC720A-2AF0-9C6D-6E05-3934CC044EA9}"/>
+              </a:ext>
+            </a:extLst>
+          </p:cNvPr>
+          <p:cNvCxnSpPr>
+            <a:cxnSpLocks/>
+          </p:cNvCxnSpPr>
+          <p:nvPr/>
+        </p:nvCxnSpPr>
+        <p:spPr>
+          <a:xfrm flipV="1">
+            <a:off x="5528414" y="1729338"/>
+            <a:ext cx="3062500" cy="2986"/>
+          </a:xfrm>
+          <a:prstGeom prst="line">
+            <a:avLst/>
+          </a:prstGeom>
+          <a:ln>
+            <a:solidFill>
+              <a:schemeClr val="accent6">
+                <a:lumMod val="75000"/>
+              </a:schemeClr>
+            </a:solidFill>
+          </a:ln>
+        </p:spPr>
+        <p:style>
+          <a:lnRef idx="2">
+            <a:schemeClr val="accent1"/>
+          </a:lnRef>
+          <a:fillRef idx="0">
+            <a:schemeClr val="accent1"/>
+          </a:fillRef>
+          <a:effectRef idx="1">
+            <a:schemeClr val="accent1"/>
+          </a:effectRef>
+          <a:fontRef idx="minor">
+            <a:schemeClr val="tx1"/>
+          </a:fontRef>
+        </p:style>
+      </p:cxnSp>
+      <p:sp>
+        <p:nvSpPr>
+          <p:cNvPr id="15" name="TextBox 14">
+            <a:extLst>
+              <a:ext uri="{FF2B5EF4-FFF2-40B4-BE49-F238E27FC236}">
+                <a16:creationId xmlns:a16="http://schemas.microsoft.com/office/drawing/2014/main" id="{0923EC24-A6E5-C849-B975-9601C8597CF3}"/>
+              </a:ext>
+            </a:extLst>
+          </p:cNvPr>
+          <p:cNvSpPr txBox="1"/>
+          <p:nvPr/>
+        </p:nvSpPr>
+        <p:spPr>
+          <a:xfrm>
+            <a:off x="6790224" y="1483325"/>
+            <a:ext cx="679347" cy="246221"/>
+          </a:xfrm>
+          <a:prstGeom prst="rect">
+            <a:avLst/>
+          </a:prstGeom>
+          <a:noFill/>
+          <a:ln>
+            <a:noFill/>
+          </a:ln>
+        </p:spPr>
+        <p:txBody>
+          <a:bodyPr wrap="square" rtlCol="0">
+            <a:spAutoFit/>
+          </a:bodyPr>
+          <a:lstStyle/>
+          <a:p>
+            <a:pPr algn="ctr"/>
+            <a:r>
+              <a:rPr lang="en-GB" sz="1000" dirty="0">
+                <a:solidFill>
+                  <a:schemeClr val="accent6">
+                    <a:lumMod val="75000"/>
+                  </a:schemeClr>
+                </a:solidFill>
+                <a:latin typeface="Helvetica" panose="020B0604020202020204"/>
+                <a:cs typeface="Helvetica" panose="020B0604020202020204"/>
+              </a:rPr>
+              <a:t>0.01</a:t>
+            </a:r>
+          </a:p>
+        </p:txBody>
+      </p:sp>
     </p:spTree>
     <p:extLst>
       <p:ext uri="{BB962C8B-B14F-4D97-AF65-F5344CB8AC3E}">
-        <p14:creationId xmlns:p14="http://schemas.microsoft.com/office/powerpoint/2010/main" val="2763315938"/>
+        <p14:creationId xmlns:p14="http://schemas.microsoft.com/office/powerpoint/2010/main" val="1309389261"/>
       </p:ext>
     </p:extLst>
   </p:cSld>
@@ -8146,7 +8330,7 @@
           <p:cNvPr id="2" name="Title 1">
             <a:extLst>
               <a:ext uri="{FF2B5EF4-FFF2-40B4-BE49-F238E27FC236}">
-                <a16:creationId xmlns:a16="http://schemas.microsoft.com/office/drawing/2014/main" id="{54C10286-6041-399A-065F-9CA72ED989EA}"/>
+                <a16:creationId xmlns:a16="http://schemas.microsoft.com/office/drawing/2014/main" id="{971A7E35-F3A7-7E5B-ED8A-FA3BA661E53E}"/>
               </a:ext>
             </a:extLst>
           </p:cNvPr>
@@ -8159,7 +8343,7 @@
         </p:nvSpPr>
         <p:spPr>
           <a:xfrm>
-            <a:off x="187960" y="223520"/>
+            <a:off x="238225" y="224589"/>
             <a:ext cx="9875520" cy="1356360"/>
           </a:xfrm>
         </p:spPr>
@@ -8169,7 +8353,7 @@
           <a:p>
             <a:r>
               <a:rPr lang="de-CH" dirty="0"/>
-              <a:t>Budburst – by Type</a:t>
+              <a:t>Burburst - by Provenance</a:t>
             </a:r>
             <a:endParaRPr lang="en-GB" dirty="0"/>
           </a:p>
@@ -8177,10 +8361,10 @@
       </p:sp>
       <p:pic>
         <p:nvPicPr>
-          <p:cNvPr id="9" name="Content Placeholder 8" descr="A graph of a diagram&#10;&#10;AI-generated content may be incorrect.">
+          <p:cNvPr id="5" name="Content Placeholder 4" descr="A graph of a graph&#10;&#10;AI-generated content may be incorrect.">
             <a:extLst>
               <a:ext uri="{FF2B5EF4-FFF2-40B4-BE49-F238E27FC236}">
-                <a16:creationId xmlns:a16="http://schemas.microsoft.com/office/drawing/2014/main" id="{463E4468-FDCA-104C-62BA-3B778918FA92}"/>
+                <a16:creationId xmlns:a16="http://schemas.microsoft.com/office/drawing/2014/main" id="{2D2CC6DF-5B3C-EB76-C731-64BD8A77302C}"/>
               </a:ext>
             </a:extLst>
           </p:cNvPr>
@@ -8205,15 +8389,15 @@
         </p:blipFill>
         <p:spPr>
           <a:xfrm>
-            <a:off x="576234" y="1198881"/>
-            <a:ext cx="10659360" cy="5389880"/>
+            <a:off x="861762" y="1259840"/>
+            <a:ext cx="10468476" cy="5293360"/>
           </a:xfrm>
         </p:spPr>
       </p:pic>
     </p:spTree>
     <p:extLst>
       <p:ext uri="{BB962C8B-B14F-4D97-AF65-F5344CB8AC3E}">
-        <p14:creationId xmlns:p14="http://schemas.microsoft.com/office/powerpoint/2010/main" val="1459603130"/>
+        <p14:creationId xmlns:p14="http://schemas.microsoft.com/office/powerpoint/2010/main" val="2763315938"/>
       </p:ext>
     </p:extLst>
   </p:cSld>
@@ -8245,7 +8429,7 @@
           <p:cNvPr id="2" name="Title 1">
             <a:extLst>
               <a:ext uri="{FF2B5EF4-FFF2-40B4-BE49-F238E27FC236}">
-                <a16:creationId xmlns:a16="http://schemas.microsoft.com/office/drawing/2014/main" id="{87423E70-6AE2-13AB-B9D6-DFD4DC3807B8}"/>
+                <a16:creationId xmlns:a16="http://schemas.microsoft.com/office/drawing/2014/main" id="{54C10286-6041-399A-065F-9CA72ED989EA}"/>
               </a:ext>
             </a:extLst>
           </p:cNvPr>
@@ -8258,7 +8442,7 @@
         </p:nvSpPr>
         <p:spPr>
           <a:xfrm>
-            <a:off x="177800" y="196168"/>
+            <a:off x="187960" y="223520"/>
             <a:ext cx="9875520" cy="1356360"/>
           </a:xfrm>
         </p:spPr>
@@ -8268,7 +8452,7 @@
           <a:p>
             <a:r>
               <a:rPr lang="de-CH" dirty="0"/>
-              <a:t>Budburst by Type</a:t>
+              <a:t>Budburst – by Type</a:t>
             </a:r>
             <a:endParaRPr lang="en-GB" dirty="0"/>
           </a:p>
@@ -8276,10 +8460,10 @@
       </p:sp>
       <p:pic>
         <p:nvPicPr>
-          <p:cNvPr id="8" name="Content Placeholder 7" descr="A graph of a graph&#10;&#10;AI-generated content may be incorrect.">
+          <p:cNvPr id="9" name="Content Placeholder 8" descr="A graph of a diagram&#10;&#10;AI-generated content may be incorrect.">
             <a:extLst>
               <a:ext uri="{FF2B5EF4-FFF2-40B4-BE49-F238E27FC236}">
-                <a16:creationId xmlns:a16="http://schemas.microsoft.com/office/drawing/2014/main" id="{4EC47E45-9E07-5478-4A1D-D66819A23913}"/>
+                <a16:creationId xmlns:a16="http://schemas.microsoft.com/office/drawing/2014/main" id="{463E4468-FDCA-104C-62BA-3B778918FA92}"/>
               </a:ext>
             </a:extLst>
           </p:cNvPr>
@@ -8304,15 +8488,15 @@
         </p:blipFill>
         <p:spPr>
           <a:xfrm>
-            <a:off x="608204" y="1209040"/>
-            <a:ext cx="10602941" cy="5361352"/>
+            <a:off x="576234" y="1198881"/>
+            <a:ext cx="10659360" cy="5389880"/>
           </a:xfrm>
         </p:spPr>
       </p:pic>
     </p:spTree>
     <p:extLst>
       <p:ext uri="{BB962C8B-B14F-4D97-AF65-F5344CB8AC3E}">
-        <p14:creationId xmlns:p14="http://schemas.microsoft.com/office/powerpoint/2010/main" val="1505597422"/>
+        <p14:creationId xmlns:p14="http://schemas.microsoft.com/office/powerpoint/2010/main" val="1459603130"/>
       </p:ext>
     </p:extLst>
   </p:cSld>
@@ -8344,7 +8528,7 @@
           <p:cNvPr id="2" name="Title 1">
             <a:extLst>
               <a:ext uri="{FF2B5EF4-FFF2-40B4-BE49-F238E27FC236}">
-                <a16:creationId xmlns:a16="http://schemas.microsoft.com/office/drawing/2014/main" id="{7C06FE14-95D7-2C34-3B1C-7E62C27D5BD5}"/>
+                <a16:creationId xmlns:a16="http://schemas.microsoft.com/office/drawing/2014/main" id="{87423E70-6AE2-13AB-B9D6-DFD4DC3807B8}"/>
               </a:ext>
             </a:extLst>
           </p:cNvPr>
@@ -8355,48 +8539,63 @@
             <p:ph type="title"/>
           </p:nvPr>
         </p:nvSpPr>
-        <p:spPr/>
+        <p:spPr>
+          <a:xfrm>
+            <a:off x="177800" y="196168"/>
+            <a:ext cx="9875520" cy="1356360"/>
+          </a:xfrm>
+        </p:spPr>
         <p:txBody>
           <a:bodyPr/>
           <a:lstStyle/>
           <a:p>
             <a:r>
               <a:rPr lang="de-CH" dirty="0"/>
-              <a:t>Overlay BS &amp; BB data with temperature</a:t>
+              <a:t>Budburst by Type</a:t>
             </a:r>
             <a:endParaRPr lang="en-GB" dirty="0"/>
           </a:p>
         </p:txBody>
       </p:sp>
-      <p:sp>
-        <p:nvSpPr>
-          <p:cNvPr id="3" name="Content Placeholder 2">
+      <p:pic>
+        <p:nvPicPr>
+          <p:cNvPr id="8" name="Content Placeholder 7" descr="A graph of a graph&#10;&#10;AI-generated content may be incorrect.">
             <a:extLst>
               <a:ext uri="{FF2B5EF4-FFF2-40B4-BE49-F238E27FC236}">
-                <a16:creationId xmlns:a16="http://schemas.microsoft.com/office/drawing/2014/main" id="{F6DB63F4-FC30-DECB-6678-B7E5BBA0AA7F}"/>
+                <a16:creationId xmlns:a16="http://schemas.microsoft.com/office/drawing/2014/main" id="{4EC47E45-9E07-5478-4A1D-D66819A23913}"/>
               </a:ext>
             </a:extLst>
           </p:cNvPr>
-          <p:cNvSpPr>
-            <a:spLocks noGrp="1"/>
-          </p:cNvSpPr>
+          <p:cNvPicPr>
+            <a:picLocks noGrp="1" noChangeAspect="1"/>
+          </p:cNvPicPr>
           <p:nvPr>
             <p:ph idx="1"/>
           </p:nvPr>
-        </p:nvSpPr>
-        <p:spPr/>
-        <p:txBody>
-          <a:bodyPr/>
-          <a:lstStyle/>
-          <a:p>
-            <a:endParaRPr lang="en-GB"/>
-          </a:p>
-        </p:txBody>
-      </p:sp>
+        </p:nvPicPr>
+        <p:blipFill>
+          <a:blip r:embed="rId2">
+            <a:extLst>
+              <a:ext uri="{28A0092B-C50C-407E-A947-70E740481C1C}">
+                <a14:useLocalDpi xmlns:a14="http://schemas.microsoft.com/office/drawing/2010/main" val="0"/>
+              </a:ext>
+            </a:extLst>
+          </a:blip>
+          <a:stretch>
+            <a:fillRect/>
+          </a:stretch>
+        </p:blipFill>
+        <p:spPr>
+          <a:xfrm>
+            <a:off x="608204" y="1209040"/>
+            <a:ext cx="10602941" cy="5361352"/>
+          </a:xfrm>
+        </p:spPr>
+      </p:pic>
     </p:spTree>
     <p:extLst>
       <p:ext uri="{BB962C8B-B14F-4D97-AF65-F5344CB8AC3E}">
-        <p14:creationId xmlns:p14="http://schemas.microsoft.com/office/powerpoint/2010/main" val="3635244816"/>
+        <p14:creationId xmlns:p14="http://schemas.microsoft.com/office/powerpoint/2010/main" val="1505597422"/>
       </p:ext>
     </p:extLst>
   </p:cSld>
@@ -8428,7 +8627,7 @@
           <p:cNvPr id="2" name="Title 1">
             <a:extLst>
               <a:ext uri="{FF2B5EF4-FFF2-40B4-BE49-F238E27FC236}">
-                <a16:creationId xmlns:a16="http://schemas.microsoft.com/office/drawing/2014/main" id="{8FEE9FEA-9B3E-6A9F-C090-44E2DA4F43D8}"/>
+                <a16:creationId xmlns:a16="http://schemas.microsoft.com/office/drawing/2014/main" id="{7C06FE14-95D7-2C34-3B1C-7E62C27D5BD5}"/>
               </a:ext>
             </a:extLst>
           </p:cNvPr>
@@ -8446,7 +8645,7 @@
           <a:p>
             <a:r>
               <a:rPr lang="de-CH" dirty="0"/>
-              <a:t>Cumulative BS/BB curve (per provenance/type)</a:t>
+              <a:t>Overlay BS &amp; BB data with temperature</a:t>
             </a:r>
             <a:endParaRPr lang="en-GB" dirty="0"/>
           </a:p>
@@ -8457,7 +8656,7 @@
           <p:cNvPr id="3" name="Content Placeholder 2">
             <a:extLst>
               <a:ext uri="{FF2B5EF4-FFF2-40B4-BE49-F238E27FC236}">
-                <a16:creationId xmlns:a16="http://schemas.microsoft.com/office/drawing/2014/main" id="{3877EDF9-8919-0183-EBBC-47FDE664CADB}"/>
+                <a16:creationId xmlns:a16="http://schemas.microsoft.com/office/drawing/2014/main" id="{F6DB63F4-FC30-DECB-6678-B7E5BBA0AA7F}"/>
               </a:ext>
             </a:extLst>
           </p:cNvPr>
@@ -8480,7 +8679,7 @@
     </p:spTree>
     <p:extLst>
       <p:ext uri="{BB962C8B-B14F-4D97-AF65-F5344CB8AC3E}">
-        <p14:creationId xmlns:p14="http://schemas.microsoft.com/office/powerpoint/2010/main" val="4162262758"/>
+        <p14:creationId xmlns:p14="http://schemas.microsoft.com/office/powerpoint/2010/main" val="3635244816"/>
       </p:ext>
     </p:extLst>
   </p:cSld>
@@ -8512,7 +8711,7 @@
           <p:cNvPr id="2" name="Title 1">
             <a:extLst>
               <a:ext uri="{FF2B5EF4-FFF2-40B4-BE49-F238E27FC236}">
-                <a16:creationId xmlns:a16="http://schemas.microsoft.com/office/drawing/2014/main" id="{EF986BC2-00B2-FE0A-3FD2-8B3983EDDD41}"/>
+                <a16:creationId xmlns:a16="http://schemas.microsoft.com/office/drawing/2014/main" id="{8FEE9FEA-9B3E-6A9F-C090-44E2DA4F43D8}"/>
               </a:ext>
             </a:extLst>
           </p:cNvPr>
@@ -8523,254 +8722,48 @@
             <p:ph type="title"/>
           </p:nvPr>
         </p:nvSpPr>
-        <p:spPr>
-          <a:xfrm>
-            <a:off x="215900" y="215900"/>
-            <a:ext cx="9875520" cy="1356360"/>
-          </a:xfrm>
-        </p:spPr>
+        <p:spPr/>
         <p:txBody>
           <a:bodyPr/>
           <a:lstStyle/>
           <a:p>
             <a:r>
               <a:rPr lang="de-CH" dirty="0"/>
-              <a:t>Budset &amp; Budburst - Provenance</a:t>
+              <a:t>Cumulative BS/BB curve (per provenance/type)</a:t>
             </a:r>
             <a:endParaRPr lang="en-GB" dirty="0"/>
           </a:p>
         </p:txBody>
       </p:sp>
-      <p:pic>
-        <p:nvPicPr>
-          <p:cNvPr id="5" name="Content Placeholder 4" descr="A graph of a graph&#10;&#10;AI-generated content may be incorrect.">
+      <p:sp>
+        <p:nvSpPr>
+          <p:cNvPr id="3" name="Content Placeholder 2">
             <a:extLst>
               <a:ext uri="{FF2B5EF4-FFF2-40B4-BE49-F238E27FC236}">
-                <a16:creationId xmlns:a16="http://schemas.microsoft.com/office/drawing/2014/main" id="{9E7923FB-1127-0B4E-8720-F56777E2285D}"/>
+                <a16:creationId xmlns:a16="http://schemas.microsoft.com/office/drawing/2014/main" id="{3877EDF9-8919-0183-EBBC-47FDE664CADB}"/>
               </a:ext>
             </a:extLst>
           </p:cNvPr>
-          <p:cNvPicPr>
-            <a:picLocks noGrp="1" noChangeAspect="1"/>
-          </p:cNvPicPr>
+          <p:cNvSpPr>
+            <a:spLocks noGrp="1"/>
+          </p:cNvSpPr>
           <p:nvPr>
             <p:ph idx="1"/>
           </p:nvPr>
-        </p:nvPicPr>
-        <p:blipFill>
-          <a:blip r:embed="rId3">
-            <a:extLst>
-              <a:ext uri="{28A0092B-C50C-407E-A947-70E740481C1C}">
-                <a14:useLocalDpi xmlns:a14="http://schemas.microsoft.com/office/drawing/2010/main" val="0"/>
-              </a:ext>
-            </a:extLst>
-          </a:blip>
-          <a:stretch>
-            <a:fillRect/>
-          </a:stretch>
-        </p:blipFill>
-        <p:spPr>
-          <a:xfrm>
-            <a:off x="1818655" y="1294466"/>
-            <a:ext cx="8554689" cy="5309534"/>
-          </a:xfrm>
-        </p:spPr>
-      </p:pic>
-      <p:cxnSp>
-        <p:nvCxnSpPr>
-          <p:cNvPr id="7" name="Straight Arrow Connector 6">
-            <a:extLst>
-              <a:ext uri="{FF2B5EF4-FFF2-40B4-BE49-F238E27FC236}">
-                <a16:creationId xmlns:a16="http://schemas.microsoft.com/office/drawing/2014/main" id="{25D74AA0-35DD-764B-F3C0-5ECE2236E1C8}"/>
-              </a:ext>
-            </a:extLst>
-          </p:cNvPr>
-          <p:cNvCxnSpPr>
-            <a:cxnSpLocks/>
-          </p:cNvCxnSpPr>
-          <p:nvPr/>
-        </p:nvCxnSpPr>
-        <p:spPr>
-          <a:xfrm flipH="1">
-            <a:off x="8775700" y="3111500"/>
-            <a:ext cx="1701800" cy="244733"/>
-          </a:xfrm>
-          <a:prstGeom prst="straightConnector1">
-            <a:avLst/>
-          </a:prstGeom>
-          <a:ln>
-            <a:tailEnd type="triangle"/>
-          </a:ln>
-        </p:spPr>
-        <p:style>
-          <a:lnRef idx="1">
-            <a:schemeClr val="accent1"/>
-          </a:lnRef>
-          <a:fillRef idx="0">
-            <a:schemeClr val="accent1"/>
-          </a:fillRef>
-          <a:effectRef idx="0">
-            <a:schemeClr val="accent1"/>
-          </a:effectRef>
-          <a:fontRef idx="minor">
-            <a:schemeClr val="tx1"/>
-          </a:fontRef>
-        </p:style>
-      </p:cxnSp>
-      <p:sp>
-        <p:nvSpPr>
-          <p:cNvPr id="10" name="TextBox 9">
-            <a:extLst>
-              <a:ext uri="{FF2B5EF4-FFF2-40B4-BE49-F238E27FC236}">
-                <a16:creationId xmlns:a16="http://schemas.microsoft.com/office/drawing/2014/main" id="{AFE8A3AE-E1B6-A94E-7C86-528849D7B52B}"/>
-              </a:ext>
-            </a:extLst>
-          </p:cNvPr>
-          <p:cNvSpPr txBox="1"/>
-          <p:nvPr/>
-        </p:nvSpPr>
-        <p:spPr>
-          <a:xfrm>
-            <a:off x="10477500" y="2833132"/>
-            <a:ext cx="1130299" cy="369332"/>
-          </a:xfrm>
-          <a:prstGeom prst="rect">
-            <a:avLst/>
-          </a:prstGeom>
-          <a:noFill/>
-        </p:spPr>
-        <p:txBody>
-          <a:bodyPr wrap="square" rtlCol="0">
-            <a:spAutoFit/>
-          </a:bodyPr>
-          <a:lstStyle/>
-          <a:p>
-            <a:r>
-              <a:rPr lang="de-CH" dirty="0"/>
-              <a:t>Budburst</a:t>
-            </a:r>
-            <a:endParaRPr lang="en-GB" dirty="0"/>
-          </a:p>
-        </p:txBody>
-      </p:sp>
-      <p:cxnSp>
-        <p:nvCxnSpPr>
-          <p:cNvPr id="11" name="Straight Arrow Connector 10">
-            <a:extLst>
-              <a:ext uri="{FF2B5EF4-FFF2-40B4-BE49-F238E27FC236}">
-                <a16:creationId xmlns:a16="http://schemas.microsoft.com/office/drawing/2014/main" id="{F9E2F8F7-A542-4D12-3444-9EE948B6280A}"/>
-              </a:ext>
-            </a:extLst>
-          </p:cNvPr>
-          <p:cNvCxnSpPr>
-            <a:cxnSpLocks/>
-            <a:stCxn id="12" idx="1"/>
-          </p:cNvCxnSpPr>
-          <p:nvPr/>
-        </p:nvCxnSpPr>
-        <p:spPr>
-          <a:xfrm flipH="1">
-            <a:off x="7124700" y="4980116"/>
-            <a:ext cx="3352800" cy="620584"/>
-          </a:xfrm>
-          <a:prstGeom prst="straightConnector1">
-            <a:avLst/>
-          </a:prstGeom>
-          <a:ln>
-            <a:tailEnd type="triangle"/>
-          </a:ln>
-        </p:spPr>
-        <p:style>
-          <a:lnRef idx="1">
-            <a:schemeClr val="accent1"/>
-          </a:lnRef>
-          <a:fillRef idx="0">
-            <a:schemeClr val="accent1"/>
-          </a:fillRef>
-          <a:effectRef idx="0">
-            <a:schemeClr val="accent1"/>
-          </a:effectRef>
-          <a:fontRef idx="minor">
-            <a:schemeClr val="tx1"/>
-          </a:fontRef>
-        </p:style>
-      </p:cxnSp>
-      <p:sp>
-        <p:nvSpPr>
-          <p:cNvPr id="12" name="TextBox 11">
-            <a:extLst>
-              <a:ext uri="{FF2B5EF4-FFF2-40B4-BE49-F238E27FC236}">
-                <a16:creationId xmlns:a16="http://schemas.microsoft.com/office/drawing/2014/main" id="{A9FC8493-0AD6-BDCD-FA4F-8FDE947FB7F5}"/>
-              </a:ext>
-            </a:extLst>
-          </p:cNvPr>
-          <p:cNvSpPr txBox="1"/>
-          <p:nvPr/>
-        </p:nvSpPr>
-        <p:spPr>
-          <a:xfrm>
-            <a:off x="10477500" y="4795450"/>
-            <a:ext cx="1130299" cy="369332"/>
-          </a:xfrm>
-          <a:prstGeom prst="rect">
-            <a:avLst/>
-          </a:prstGeom>
-          <a:noFill/>
-        </p:spPr>
-        <p:txBody>
-          <a:bodyPr wrap="square" rtlCol="0">
-            <a:spAutoFit/>
-          </a:bodyPr>
-          <a:lstStyle/>
-          <a:p>
-            <a:r>
-              <a:rPr lang="de-CH" dirty="0"/>
-              <a:t>Budset</a:t>
-            </a:r>
-            <a:endParaRPr lang="en-GB" dirty="0"/>
-          </a:p>
-        </p:txBody>
-      </p:sp>
-      <p:sp>
-        <p:nvSpPr>
-          <p:cNvPr id="17" name="TextBox 16">
-            <a:extLst>
-              <a:ext uri="{FF2B5EF4-FFF2-40B4-BE49-F238E27FC236}">
-                <a16:creationId xmlns:a16="http://schemas.microsoft.com/office/drawing/2014/main" id="{CEF2B93A-CB40-DAF3-E74D-8368928952C9}"/>
-              </a:ext>
-            </a:extLst>
-          </p:cNvPr>
-          <p:cNvSpPr txBox="1"/>
-          <p:nvPr/>
-        </p:nvSpPr>
-        <p:spPr>
-          <a:xfrm>
-            <a:off x="9626600" y="432018"/>
-            <a:ext cx="2247900" cy="646331"/>
-          </a:xfrm>
-          <a:prstGeom prst="rect">
-            <a:avLst/>
-          </a:prstGeom>
-          <a:noFill/>
-        </p:spPr>
-        <p:txBody>
-          <a:bodyPr wrap="square" rtlCol="0">
-            <a:spAutoFit/>
-          </a:bodyPr>
-          <a:lstStyle/>
-          <a:p>
-            <a:r>
-              <a:rPr lang="de-CH" dirty="0"/>
-              <a:t>Origin date (planting date) = 20/06/2023</a:t>
-            </a:r>
-            <a:endParaRPr lang="en-GB" dirty="0"/>
+        </p:nvSpPr>
+        <p:spPr/>
+        <p:txBody>
+          <a:bodyPr/>
+          <a:lstStyle/>
+          <a:p>
+            <a:endParaRPr lang="en-GB"/>
           </a:p>
         </p:txBody>
       </p:sp>
     </p:spTree>
     <p:extLst>
       <p:ext uri="{BB962C8B-B14F-4D97-AF65-F5344CB8AC3E}">
-        <p14:creationId xmlns:p14="http://schemas.microsoft.com/office/powerpoint/2010/main" val="232684958"/>
+        <p14:creationId xmlns:p14="http://schemas.microsoft.com/office/powerpoint/2010/main" val="4162262758"/>
       </p:ext>
     </p:extLst>
   </p:cSld>
@@ -8797,6 +8790,296 @@
           <a:chExt cx="0" cy="0"/>
         </a:xfrm>
       </p:grpSpPr>
+      <p:sp>
+        <p:nvSpPr>
+          <p:cNvPr id="2" name="Title 1">
+            <a:extLst>
+              <a:ext uri="{FF2B5EF4-FFF2-40B4-BE49-F238E27FC236}">
+                <a16:creationId xmlns:a16="http://schemas.microsoft.com/office/drawing/2014/main" id="{EF986BC2-00B2-FE0A-3FD2-8B3983EDDD41}"/>
+              </a:ext>
+            </a:extLst>
+          </p:cNvPr>
+          <p:cNvSpPr>
+            <a:spLocks noGrp="1"/>
+          </p:cNvSpPr>
+          <p:nvPr>
+            <p:ph type="title"/>
+          </p:nvPr>
+        </p:nvSpPr>
+        <p:spPr>
+          <a:xfrm>
+            <a:off x="215900" y="215900"/>
+            <a:ext cx="9875520" cy="1356360"/>
+          </a:xfrm>
+        </p:spPr>
+        <p:txBody>
+          <a:bodyPr/>
+          <a:lstStyle/>
+          <a:p>
+            <a:r>
+              <a:rPr lang="de-CH" dirty="0"/>
+              <a:t>Budset &amp; Budburst - Provenance</a:t>
+            </a:r>
+            <a:endParaRPr lang="en-GB" dirty="0"/>
+          </a:p>
+        </p:txBody>
+      </p:sp>
+      <p:pic>
+        <p:nvPicPr>
+          <p:cNvPr id="5" name="Content Placeholder 4" descr="A graph of a graph&#10;&#10;AI-generated content may be incorrect.">
+            <a:extLst>
+              <a:ext uri="{FF2B5EF4-FFF2-40B4-BE49-F238E27FC236}">
+                <a16:creationId xmlns:a16="http://schemas.microsoft.com/office/drawing/2014/main" id="{9E7923FB-1127-0B4E-8720-F56777E2285D}"/>
+              </a:ext>
+            </a:extLst>
+          </p:cNvPr>
+          <p:cNvPicPr>
+            <a:picLocks noGrp="1" noChangeAspect="1"/>
+          </p:cNvPicPr>
+          <p:nvPr>
+            <p:ph idx="1"/>
+          </p:nvPr>
+        </p:nvPicPr>
+        <p:blipFill>
+          <a:blip r:embed="rId3">
+            <a:extLst>
+              <a:ext uri="{28A0092B-C50C-407E-A947-70E740481C1C}">
+                <a14:useLocalDpi xmlns:a14="http://schemas.microsoft.com/office/drawing/2010/main" val="0"/>
+              </a:ext>
+            </a:extLst>
+          </a:blip>
+          <a:stretch>
+            <a:fillRect/>
+          </a:stretch>
+        </p:blipFill>
+        <p:spPr>
+          <a:xfrm>
+            <a:off x="1818655" y="1294466"/>
+            <a:ext cx="8554689" cy="5309534"/>
+          </a:xfrm>
+        </p:spPr>
+      </p:pic>
+      <p:cxnSp>
+        <p:nvCxnSpPr>
+          <p:cNvPr id="7" name="Straight Arrow Connector 6">
+            <a:extLst>
+              <a:ext uri="{FF2B5EF4-FFF2-40B4-BE49-F238E27FC236}">
+                <a16:creationId xmlns:a16="http://schemas.microsoft.com/office/drawing/2014/main" id="{25D74AA0-35DD-764B-F3C0-5ECE2236E1C8}"/>
+              </a:ext>
+            </a:extLst>
+          </p:cNvPr>
+          <p:cNvCxnSpPr>
+            <a:cxnSpLocks/>
+          </p:cNvCxnSpPr>
+          <p:nvPr/>
+        </p:nvCxnSpPr>
+        <p:spPr>
+          <a:xfrm flipH="1">
+            <a:off x="8775700" y="3111500"/>
+            <a:ext cx="1701800" cy="244733"/>
+          </a:xfrm>
+          <a:prstGeom prst="straightConnector1">
+            <a:avLst/>
+          </a:prstGeom>
+          <a:ln>
+            <a:tailEnd type="triangle"/>
+          </a:ln>
+        </p:spPr>
+        <p:style>
+          <a:lnRef idx="1">
+            <a:schemeClr val="accent1"/>
+          </a:lnRef>
+          <a:fillRef idx="0">
+            <a:schemeClr val="accent1"/>
+          </a:fillRef>
+          <a:effectRef idx="0">
+            <a:schemeClr val="accent1"/>
+          </a:effectRef>
+          <a:fontRef idx="minor">
+            <a:schemeClr val="tx1"/>
+          </a:fontRef>
+        </p:style>
+      </p:cxnSp>
+      <p:sp>
+        <p:nvSpPr>
+          <p:cNvPr id="10" name="TextBox 9">
+            <a:extLst>
+              <a:ext uri="{FF2B5EF4-FFF2-40B4-BE49-F238E27FC236}">
+                <a16:creationId xmlns:a16="http://schemas.microsoft.com/office/drawing/2014/main" id="{AFE8A3AE-E1B6-A94E-7C86-528849D7B52B}"/>
+              </a:ext>
+            </a:extLst>
+          </p:cNvPr>
+          <p:cNvSpPr txBox="1"/>
+          <p:nvPr/>
+        </p:nvSpPr>
+        <p:spPr>
+          <a:xfrm>
+            <a:off x="10477500" y="2833132"/>
+            <a:ext cx="1130299" cy="369332"/>
+          </a:xfrm>
+          <a:prstGeom prst="rect">
+            <a:avLst/>
+          </a:prstGeom>
+          <a:noFill/>
+        </p:spPr>
+        <p:txBody>
+          <a:bodyPr wrap="square" rtlCol="0">
+            <a:spAutoFit/>
+          </a:bodyPr>
+          <a:lstStyle/>
+          <a:p>
+            <a:r>
+              <a:rPr lang="de-CH" dirty="0"/>
+              <a:t>Budburst</a:t>
+            </a:r>
+            <a:endParaRPr lang="en-GB" dirty="0"/>
+          </a:p>
+        </p:txBody>
+      </p:sp>
+      <p:cxnSp>
+        <p:nvCxnSpPr>
+          <p:cNvPr id="11" name="Straight Arrow Connector 10">
+            <a:extLst>
+              <a:ext uri="{FF2B5EF4-FFF2-40B4-BE49-F238E27FC236}">
+                <a16:creationId xmlns:a16="http://schemas.microsoft.com/office/drawing/2014/main" id="{F9E2F8F7-A542-4D12-3444-9EE948B6280A}"/>
+              </a:ext>
+            </a:extLst>
+          </p:cNvPr>
+          <p:cNvCxnSpPr>
+            <a:cxnSpLocks/>
+            <a:stCxn id="12" idx="1"/>
+          </p:cNvCxnSpPr>
+          <p:nvPr/>
+        </p:nvCxnSpPr>
+        <p:spPr>
+          <a:xfrm flipH="1">
+            <a:off x="7124700" y="4980116"/>
+            <a:ext cx="3352800" cy="620584"/>
+          </a:xfrm>
+          <a:prstGeom prst="straightConnector1">
+            <a:avLst/>
+          </a:prstGeom>
+          <a:ln>
+            <a:tailEnd type="triangle"/>
+          </a:ln>
+        </p:spPr>
+        <p:style>
+          <a:lnRef idx="1">
+            <a:schemeClr val="accent1"/>
+          </a:lnRef>
+          <a:fillRef idx="0">
+            <a:schemeClr val="accent1"/>
+          </a:fillRef>
+          <a:effectRef idx="0">
+            <a:schemeClr val="accent1"/>
+          </a:effectRef>
+          <a:fontRef idx="minor">
+            <a:schemeClr val="tx1"/>
+          </a:fontRef>
+        </p:style>
+      </p:cxnSp>
+      <p:sp>
+        <p:nvSpPr>
+          <p:cNvPr id="12" name="TextBox 11">
+            <a:extLst>
+              <a:ext uri="{FF2B5EF4-FFF2-40B4-BE49-F238E27FC236}">
+                <a16:creationId xmlns:a16="http://schemas.microsoft.com/office/drawing/2014/main" id="{A9FC8493-0AD6-BDCD-FA4F-8FDE947FB7F5}"/>
+              </a:ext>
+            </a:extLst>
+          </p:cNvPr>
+          <p:cNvSpPr txBox="1"/>
+          <p:nvPr/>
+        </p:nvSpPr>
+        <p:spPr>
+          <a:xfrm>
+            <a:off x="10477500" y="4795450"/>
+            <a:ext cx="1130299" cy="369332"/>
+          </a:xfrm>
+          <a:prstGeom prst="rect">
+            <a:avLst/>
+          </a:prstGeom>
+          <a:noFill/>
+        </p:spPr>
+        <p:txBody>
+          <a:bodyPr wrap="square" rtlCol="0">
+            <a:spAutoFit/>
+          </a:bodyPr>
+          <a:lstStyle/>
+          <a:p>
+            <a:r>
+              <a:rPr lang="de-CH" dirty="0"/>
+              <a:t>Budset</a:t>
+            </a:r>
+            <a:endParaRPr lang="en-GB" dirty="0"/>
+          </a:p>
+        </p:txBody>
+      </p:sp>
+      <p:sp>
+        <p:nvSpPr>
+          <p:cNvPr id="17" name="TextBox 16">
+            <a:extLst>
+              <a:ext uri="{FF2B5EF4-FFF2-40B4-BE49-F238E27FC236}">
+                <a16:creationId xmlns:a16="http://schemas.microsoft.com/office/drawing/2014/main" id="{CEF2B93A-CB40-DAF3-E74D-8368928952C9}"/>
+              </a:ext>
+            </a:extLst>
+          </p:cNvPr>
+          <p:cNvSpPr txBox="1"/>
+          <p:nvPr/>
+        </p:nvSpPr>
+        <p:spPr>
+          <a:xfrm>
+            <a:off x="9626600" y="432018"/>
+            <a:ext cx="2247900" cy="646331"/>
+          </a:xfrm>
+          <a:prstGeom prst="rect">
+            <a:avLst/>
+          </a:prstGeom>
+          <a:noFill/>
+        </p:spPr>
+        <p:txBody>
+          <a:bodyPr wrap="square" rtlCol="0">
+            <a:spAutoFit/>
+          </a:bodyPr>
+          <a:lstStyle/>
+          <a:p>
+            <a:r>
+              <a:rPr lang="de-CH" dirty="0"/>
+              <a:t>Origin date (planting date) = 20/06/2023</a:t>
+            </a:r>
+            <a:endParaRPr lang="en-GB" dirty="0"/>
+          </a:p>
+        </p:txBody>
+      </p:sp>
+    </p:spTree>
+    <p:extLst>
+      <p:ext uri="{BB962C8B-B14F-4D97-AF65-F5344CB8AC3E}">
+        <p14:creationId xmlns:p14="http://schemas.microsoft.com/office/powerpoint/2010/main" val="232684958"/>
+      </p:ext>
+    </p:extLst>
+  </p:cSld>
+  <p:clrMapOvr>
+    <a:masterClrMapping/>
+  </p:clrMapOvr>
+</p:sld>
+</file>
+
+<file path=ppt/slides/slide28.xml><?xml version="1.0" encoding="utf-8"?>
+<p:sld xmlns:a="http://schemas.openxmlformats.org/drawingml/2006/main" xmlns:r="http://schemas.openxmlformats.org/officeDocument/2006/relationships" xmlns:p="http://schemas.openxmlformats.org/presentationml/2006/main">
+  <p:cSld>
+    <p:spTree>
+      <p:nvGrpSpPr>
+        <p:cNvPr id="1" name=""/>
+        <p:cNvGrpSpPr/>
+        <p:nvPr/>
+      </p:nvGrpSpPr>
+      <p:grpSpPr>
+        <a:xfrm>
+          <a:off x="0" y="0"/>
+          <a:ext cx="0" cy="0"/>
+          <a:chOff x="0" y="0"/>
+          <a:chExt cx="0" cy="0"/>
+        </a:xfrm>
+      </p:grpSpPr>
       <p:pic>
         <p:nvPicPr>
           <p:cNvPr id="6" name="Content Placeholder 5" descr="A graph with lines and numbers&#10;&#10;AI-generated content may be incorrect.">
@@ -8879,7 +9162,7 @@
 </p:sld>
 </file>
 
-<file path=ppt/slides/slide28.xml><?xml version="1.0" encoding="utf-8"?>
+<file path=ppt/slides/slide29.xml><?xml version="1.0" encoding="utf-8"?>
 <p:sld xmlns:a="http://schemas.openxmlformats.org/drawingml/2006/main" xmlns:r="http://schemas.openxmlformats.org/officeDocument/2006/relationships" xmlns:p="http://schemas.openxmlformats.org/presentationml/2006/main">
   <p:cSld>
     <p:spTree>
@@ -9437,128 +9720,6 @@
 </p:sld>
 </file>
 
-<file path=ppt/slides/slide29.xml><?xml version="1.0" encoding="utf-8"?>
-<p:sld xmlns:a="http://schemas.openxmlformats.org/drawingml/2006/main" xmlns:r="http://schemas.openxmlformats.org/officeDocument/2006/relationships" xmlns:p="http://schemas.openxmlformats.org/presentationml/2006/main">
-  <p:cSld>
-    <p:spTree>
-      <p:nvGrpSpPr>
-        <p:cNvPr id="1" name=""/>
-        <p:cNvGrpSpPr/>
-        <p:nvPr/>
-      </p:nvGrpSpPr>
-      <p:grpSpPr>
-        <a:xfrm>
-          <a:off x="0" y="0"/>
-          <a:ext cx="0" cy="0"/>
-          <a:chOff x="0" y="0"/>
-          <a:chExt cx="0" cy="0"/>
-        </a:xfrm>
-      </p:grpSpPr>
-      <p:sp>
-        <p:nvSpPr>
-          <p:cNvPr id="2" name="Title 1">
-            <a:extLst>
-              <a:ext uri="{FF2B5EF4-FFF2-40B4-BE49-F238E27FC236}">
-                <a16:creationId xmlns:a16="http://schemas.microsoft.com/office/drawing/2014/main" id="{7B8526B4-C28B-9F40-11FC-0C82F8F92148}"/>
-              </a:ext>
-            </a:extLst>
-          </p:cNvPr>
-          <p:cNvSpPr>
-            <a:spLocks noGrp="1"/>
-          </p:cNvSpPr>
-          <p:nvPr>
-            <p:ph type="title"/>
-          </p:nvPr>
-        </p:nvSpPr>
-        <p:spPr/>
-        <p:txBody>
-          <a:bodyPr/>
-          <a:lstStyle/>
-          <a:p>
-            <a:r>
-              <a:rPr lang="en-GB" dirty="0"/>
-              <a:t>Missing  trait comparisons</a:t>
-            </a:r>
-          </a:p>
-        </p:txBody>
-      </p:sp>
-      <p:sp>
-        <p:nvSpPr>
-          <p:cNvPr id="3" name="Content Placeholder 2">
-            <a:extLst>
-              <a:ext uri="{FF2B5EF4-FFF2-40B4-BE49-F238E27FC236}">
-                <a16:creationId xmlns:a16="http://schemas.microsoft.com/office/drawing/2014/main" id="{F604B187-7D1D-6C91-8666-FC9DB4E0FC90}"/>
-              </a:ext>
-            </a:extLst>
-          </p:cNvPr>
-          <p:cNvSpPr>
-            <a:spLocks noGrp="1"/>
-          </p:cNvSpPr>
-          <p:nvPr>
-            <p:ph idx="1"/>
-          </p:nvPr>
-        </p:nvSpPr>
-        <p:spPr/>
-        <p:txBody>
-          <a:bodyPr/>
-          <a:lstStyle/>
-          <a:p>
-            <a:r>
-              <a:rPr lang="en-GB" dirty="0"/>
-              <a:t>Mortality based on Provenance AND Type</a:t>
-            </a:r>
-          </a:p>
-          <a:p>
-            <a:endParaRPr lang="en-GB" dirty="0"/>
-          </a:p>
-          <a:p>
-            <a:endParaRPr lang="en-GB" dirty="0"/>
-          </a:p>
-        </p:txBody>
-      </p:sp>
-      <p:pic>
-        <p:nvPicPr>
-          <p:cNvPr id="5" name="Picture 4">
-            <a:extLst>
-              <a:ext uri="{FF2B5EF4-FFF2-40B4-BE49-F238E27FC236}">
-                <a16:creationId xmlns:a16="http://schemas.microsoft.com/office/drawing/2014/main" id="{A3C27B33-D24F-727E-2389-C5F17212B789}"/>
-              </a:ext>
-            </a:extLst>
-          </p:cNvPr>
-          <p:cNvPicPr>
-            <a:picLocks noChangeAspect="1"/>
-          </p:cNvPicPr>
-          <p:nvPr/>
-        </p:nvPicPr>
-        <p:blipFill>
-          <a:blip r:embed="rId2"/>
-          <a:stretch>
-            <a:fillRect/>
-          </a:stretch>
-        </p:blipFill>
-        <p:spPr>
-          <a:xfrm>
-            <a:off x="7653229" y="1745491"/>
-            <a:ext cx="3473629" cy="4248368"/>
-          </a:xfrm>
-          <a:prstGeom prst="rect">
-            <a:avLst/>
-          </a:prstGeom>
-        </p:spPr>
-      </p:pic>
-    </p:spTree>
-    <p:extLst>
-      <p:ext uri="{BB962C8B-B14F-4D97-AF65-F5344CB8AC3E}">
-        <p14:creationId xmlns:p14="http://schemas.microsoft.com/office/powerpoint/2010/main" val="2235722807"/>
-      </p:ext>
-    </p:extLst>
-  </p:cSld>
-  <p:clrMapOvr>
-    <a:masterClrMapping/>
-  </p:clrMapOvr>
-</p:sld>
-</file>
-
 <file path=ppt/slides/slide3.xml><?xml version="1.0" encoding="utf-8"?>
 <p:sld xmlns:a="http://schemas.openxmlformats.org/drawingml/2006/main" xmlns:r="http://schemas.openxmlformats.org/officeDocument/2006/relationships" xmlns:p="http://schemas.openxmlformats.org/presentationml/2006/main">
   <p:cSld>
@@ -9644,6 +9805,128 @@
 </file>
 
 <file path=ppt/slides/slide30.xml><?xml version="1.0" encoding="utf-8"?>
+<p:sld xmlns:a="http://schemas.openxmlformats.org/drawingml/2006/main" xmlns:r="http://schemas.openxmlformats.org/officeDocument/2006/relationships" xmlns:p="http://schemas.openxmlformats.org/presentationml/2006/main">
+  <p:cSld>
+    <p:spTree>
+      <p:nvGrpSpPr>
+        <p:cNvPr id="1" name=""/>
+        <p:cNvGrpSpPr/>
+        <p:nvPr/>
+      </p:nvGrpSpPr>
+      <p:grpSpPr>
+        <a:xfrm>
+          <a:off x="0" y="0"/>
+          <a:ext cx="0" cy="0"/>
+          <a:chOff x="0" y="0"/>
+          <a:chExt cx="0" cy="0"/>
+        </a:xfrm>
+      </p:grpSpPr>
+      <p:sp>
+        <p:nvSpPr>
+          <p:cNvPr id="2" name="Title 1">
+            <a:extLst>
+              <a:ext uri="{FF2B5EF4-FFF2-40B4-BE49-F238E27FC236}">
+                <a16:creationId xmlns:a16="http://schemas.microsoft.com/office/drawing/2014/main" id="{7B8526B4-C28B-9F40-11FC-0C82F8F92148}"/>
+              </a:ext>
+            </a:extLst>
+          </p:cNvPr>
+          <p:cNvSpPr>
+            <a:spLocks noGrp="1"/>
+          </p:cNvSpPr>
+          <p:nvPr>
+            <p:ph type="title"/>
+          </p:nvPr>
+        </p:nvSpPr>
+        <p:spPr/>
+        <p:txBody>
+          <a:bodyPr/>
+          <a:lstStyle/>
+          <a:p>
+            <a:r>
+              <a:rPr lang="en-GB" dirty="0"/>
+              <a:t>Missing  trait comparisons</a:t>
+            </a:r>
+          </a:p>
+        </p:txBody>
+      </p:sp>
+      <p:sp>
+        <p:nvSpPr>
+          <p:cNvPr id="3" name="Content Placeholder 2">
+            <a:extLst>
+              <a:ext uri="{FF2B5EF4-FFF2-40B4-BE49-F238E27FC236}">
+                <a16:creationId xmlns:a16="http://schemas.microsoft.com/office/drawing/2014/main" id="{F604B187-7D1D-6C91-8666-FC9DB4E0FC90}"/>
+              </a:ext>
+            </a:extLst>
+          </p:cNvPr>
+          <p:cNvSpPr>
+            <a:spLocks noGrp="1"/>
+          </p:cNvSpPr>
+          <p:nvPr>
+            <p:ph idx="1"/>
+          </p:nvPr>
+        </p:nvSpPr>
+        <p:spPr/>
+        <p:txBody>
+          <a:bodyPr/>
+          <a:lstStyle/>
+          <a:p>
+            <a:r>
+              <a:rPr lang="en-GB" dirty="0"/>
+              <a:t>Mortality based on Provenance AND Type</a:t>
+            </a:r>
+          </a:p>
+          <a:p>
+            <a:endParaRPr lang="en-GB" dirty="0"/>
+          </a:p>
+          <a:p>
+            <a:endParaRPr lang="en-GB" dirty="0"/>
+          </a:p>
+        </p:txBody>
+      </p:sp>
+      <p:pic>
+        <p:nvPicPr>
+          <p:cNvPr id="5" name="Picture 4">
+            <a:extLst>
+              <a:ext uri="{FF2B5EF4-FFF2-40B4-BE49-F238E27FC236}">
+                <a16:creationId xmlns:a16="http://schemas.microsoft.com/office/drawing/2014/main" id="{A3C27B33-D24F-727E-2389-C5F17212B789}"/>
+              </a:ext>
+            </a:extLst>
+          </p:cNvPr>
+          <p:cNvPicPr>
+            <a:picLocks noChangeAspect="1"/>
+          </p:cNvPicPr>
+          <p:nvPr/>
+        </p:nvPicPr>
+        <p:blipFill>
+          <a:blip r:embed="rId2"/>
+          <a:stretch>
+            <a:fillRect/>
+          </a:stretch>
+        </p:blipFill>
+        <p:spPr>
+          <a:xfrm>
+            <a:off x="7653229" y="1745491"/>
+            <a:ext cx="3473629" cy="4248368"/>
+          </a:xfrm>
+          <a:prstGeom prst="rect">
+            <a:avLst/>
+          </a:prstGeom>
+        </p:spPr>
+      </p:pic>
+    </p:spTree>
+    <p:extLst>
+      <p:ext uri="{BB962C8B-B14F-4D97-AF65-F5344CB8AC3E}">
+        <p14:creationId xmlns:p14="http://schemas.microsoft.com/office/powerpoint/2010/main" val="2235722807"/>
+      </p:ext>
+    </p:extLst>
+  </p:cSld>
+  <p:clrMapOvr>
+    <a:masterClrMapping/>
+  </p:clrMapOvr>
+</p:sld>
+</file>
+
+<file path=ppt/slides/slide31.xml><?xml version="1.0" encoding="utf-8"?>
 <p:sld xmlns:a="http://schemas.openxmlformats.org/drawingml/2006/main" xmlns:r="http://schemas.openxmlformats.org/officeDocument/2006/relationships" xmlns:p="http://schemas.openxmlformats.org/presentationml/2006/main">
   <p:cSld>
     <p:spTree>
@@ -10256,7 +10539,7 @@
           <p:cNvPr id="2" name="Title 1">
             <a:extLst>
               <a:ext uri="{FF2B5EF4-FFF2-40B4-BE49-F238E27FC236}">
-                <a16:creationId xmlns:a16="http://schemas.microsoft.com/office/drawing/2014/main" id="{DBBAC9F3-8100-D77A-023E-C972C89795AC}"/>
+                <a16:creationId xmlns:a16="http://schemas.microsoft.com/office/drawing/2014/main" id="{33D63F40-F221-2E7F-F83E-35F6231E0E7B}"/>
               </a:ext>
             </a:extLst>
           </p:cNvPr>
@@ -10269,8 +10552,8 @@
         </p:nvSpPr>
         <p:spPr>
           <a:xfrm>
-            <a:off x="228600" y="223520"/>
-            <a:ext cx="9875520" cy="995680"/>
+            <a:off x="228600" y="243661"/>
+            <a:ext cx="9875520" cy="1356360"/>
           </a:xfrm>
         </p:spPr>
         <p:txBody>
@@ -10279,7 +10562,7 @@
           <a:p>
             <a:r>
               <a:rPr lang="de-CH" dirty="0"/>
-              <a:t>Status – by Family</a:t>
+              <a:t>Family distribution</a:t>
             </a:r>
             <a:endParaRPr lang="en-GB" dirty="0"/>
           </a:p>
@@ -10287,10 +10570,10 @@
       </p:sp>
       <p:pic>
         <p:nvPicPr>
-          <p:cNvPr id="5" name="Content Placeholder 4">
+          <p:cNvPr id="9" name="Content Placeholder 8" descr="A graph with blue squares&#10;&#10;AI-generated content may be incorrect.">
             <a:extLst>
               <a:ext uri="{FF2B5EF4-FFF2-40B4-BE49-F238E27FC236}">
-                <a16:creationId xmlns:a16="http://schemas.microsoft.com/office/drawing/2014/main" id="{88AB1702-AC8E-BCAE-24FC-C14A03615DD3}"/>
+                <a16:creationId xmlns:a16="http://schemas.microsoft.com/office/drawing/2014/main" id="{9DC3274B-287F-4CA0-BAE5-BEC9FBDB4565}"/>
               </a:ext>
             </a:extLst>
           </p:cNvPr>
@@ -10309,144 +10592,20 @@
               </a:ext>
             </a:extLst>
           </a:blip>
-          <a:srcRect t="6549"/>
+          <a:srcRect r="6448"/>
           <a:stretch/>
         </p:blipFill>
         <p:spPr>
           <a:xfrm>
-            <a:off x="1226129" y="1095555"/>
-            <a:ext cx="9739742" cy="5518605"/>
+            <a:off x="1741713" y="1162427"/>
+            <a:ext cx="8798253" cy="5451912"/>
           </a:xfrm>
         </p:spPr>
       </p:pic>
-      <p:sp>
-        <p:nvSpPr>
-          <p:cNvPr id="6" name="TextBox 5">
-            <a:extLst>
-              <a:ext uri="{FF2B5EF4-FFF2-40B4-BE49-F238E27FC236}">
-                <a16:creationId xmlns:a16="http://schemas.microsoft.com/office/drawing/2014/main" id="{C5012472-E3FE-9887-B742-0271FEB26237}"/>
-              </a:ext>
-            </a:extLst>
-          </p:cNvPr>
-          <p:cNvSpPr txBox="1"/>
-          <p:nvPr/>
-        </p:nvSpPr>
-        <p:spPr>
-          <a:xfrm>
-            <a:off x="5382883" y="586596"/>
-            <a:ext cx="3045125" cy="369332"/>
-          </a:xfrm>
-          <a:prstGeom prst="rect">
-            <a:avLst/>
-          </a:prstGeom>
-          <a:noFill/>
-        </p:spPr>
-        <p:txBody>
-          <a:bodyPr wrap="square" rtlCol="0">
-            <a:spAutoFit/>
-          </a:bodyPr>
-          <a:lstStyle/>
-          <a:p>
-            <a:r>
-              <a:rPr lang="de-CH" dirty="0"/>
-              <a:t>Top and bottom 10 Families</a:t>
-            </a:r>
-            <a:endParaRPr lang="en-GB" dirty="0"/>
-          </a:p>
-        </p:txBody>
-      </p:sp>
-      <p:sp>
-        <p:nvSpPr>
-          <p:cNvPr id="3" name="TextBox 2">
-            <a:extLst>
-              <a:ext uri="{FF2B5EF4-FFF2-40B4-BE49-F238E27FC236}">
-                <a16:creationId xmlns:a16="http://schemas.microsoft.com/office/drawing/2014/main" id="{C4409357-62AB-C53D-577F-0FF4CFF2F18D}"/>
-              </a:ext>
-            </a:extLst>
-          </p:cNvPr>
-          <p:cNvSpPr txBox="1"/>
-          <p:nvPr/>
-        </p:nvSpPr>
-        <p:spPr>
-          <a:xfrm>
-            <a:off x="7626539" y="3956766"/>
-            <a:ext cx="2353734" cy="646331"/>
-          </a:xfrm>
-          <a:prstGeom prst="rect">
-            <a:avLst/>
-          </a:prstGeom>
-          <a:noFill/>
-        </p:spPr>
-        <p:txBody>
-          <a:bodyPr wrap="square" rtlCol="0">
-            <a:spAutoFit/>
-          </a:bodyPr>
-          <a:lstStyle/>
-          <a:p>
-            <a:r>
-              <a:rPr lang="de-CH" dirty="0"/>
-              <a:t>Why so many with exactly 50%??</a:t>
-            </a:r>
-            <a:endParaRPr lang="en-GB" dirty="0"/>
-          </a:p>
-        </p:txBody>
-      </p:sp>
-      <p:sp>
-        <p:nvSpPr>
-          <p:cNvPr id="4" name="Rectangle: Rounded Corners 3">
-            <a:extLst>
-              <a:ext uri="{FF2B5EF4-FFF2-40B4-BE49-F238E27FC236}">
-                <a16:creationId xmlns:a16="http://schemas.microsoft.com/office/drawing/2014/main" id="{79AA551E-FA63-960E-F087-D4304A8C24A0}"/>
-              </a:ext>
-            </a:extLst>
-          </p:cNvPr>
-          <p:cNvSpPr/>
-          <p:nvPr/>
-        </p:nvSpPr>
-        <p:spPr>
-          <a:xfrm>
-            <a:off x="6096000" y="3429000"/>
-            <a:ext cx="1507067" cy="1905000"/>
-          </a:xfrm>
-          <a:prstGeom prst="roundRect">
-            <a:avLst/>
-          </a:prstGeom>
-          <a:noFill/>
-          <a:ln w="38100">
-            <a:solidFill>
-              <a:srgbClr val="FF0000"/>
-            </a:solidFill>
-          </a:ln>
-        </p:spPr>
-        <p:style>
-          <a:lnRef idx="2">
-            <a:schemeClr val="accent1">
-              <a:shade val="15000"/>
-            </a:schemeClr>
-          </a:lnRef>
-          <a:fillRef idx="1">
-            <a:schemeClr val="accent1"/>
-          </a:fillRef>
-          <a:effectRef idx="0">
-            <a:schemeClr val="accent1"/>
-          </a:effectRef>
-          <a:fontRef idx="minor">
-            <a:schemeClr val="lt1"/>
-          </a:fontRef>
-        </p:style>
-        <p:txBody>
-          <a:bodyPr rtlCol="0" anchor="ctr"/>
-          <a:lstStyle/>
-          <a:p>
-            <a:pPr algn="ctr"/>
-            <a:endParaRPr lang="en-GB"/>
-          </a:p>
-        </p:txBody>
-      </p:sp>
     </p:spTree>
     <p:extLst>
       <p:ext uri="{BB962C8B-B14F-4D97-AF65-F5344CB8AC3E}">
-        <p14:creationId xmlns:p14="http://schemas.microsoft.com/office/powerpoint/2010/main" val="4087577250"/>
+        <p14:creationId xmlns:p14="http://schemas.microsoft.com/office/powerpoint/2010/main" val="3085592028"/>
       </p:ext>
     </p:extLst>
   </p:cSld>

--- a/RapidAdaptation_DataExploration.pptx
+++ b/RapidAdaptation_DataExploration.pptx
@@ -5,7 +5,7 @@
     <p:sldMasterId id="2147483660" r:id="rId1"/>
   </p:sldMasterIdLst>
   <p:notesMasterIdLst>
-    <p:notesMasterId r:id="rId33"/>
+    <p:notesMasterId r:id="rId34"/>
   </p:notesMasterIdLst>
   <p:sldIdLst>
     <p:sldId id="256" r:id="rId2"/>
@@ -32,13 +32,14 @@
     <p:sldId id="277" r:id="rId23"/>
     <p:sldId id="278" r:id="rId24"/>
     <p:sldId id="264" r:id="rId25"/>
-    <p:sldId id="286" r:id="rId26"/>
-    <p:sldId id="287" r:id="rId27"/>
-    <p:sldId id="282" r:id="rId28"/>
-    <p:sldId id="283" r:id="rId29"/>
-    <p:sldId id="281" r:id="rId30"/>
-    <p:sldId id="280" r:id="rId31"/>
-    <p:sldId id="279" r:id="rId32"/>
+    <p:sldId id="290" r:id="rId26"/>
+    <p:sldId id="286" r:id="rId27"/>
+    <p:sldId id="287" r:id="rId28"/>
+    <p:sldId id="282" r:id="rId29"/>
+    <p:sldId id="283" r:id="rId30"/>
+    <p:sldId id="281" r:id="rId31"/>
+    <p:sldId id="280" r:id="rId32"/>
+    <p:sldId id="279" r:id="rId33"/>
   </p:sldIdLst>
   <p:sldSz cx="12192000" cy="6858000"/>
   <p:notesSz cx="6858000" cy="9144000"/>
@@ -148,7 +149,7 @@
 <file path=ppt/revisionInfo.xml><?xml version="1.0" encoding="utf-8"?>
 <p1510:revInfo xmlns:a="http://schemas.openxmlformats.org/drawingml/2006/main" xmlns:r="http://schemas.openxmlformats.org/officeDocument/2006/relationships" xmlns:p1510="http://schemas.microsoft.com/office/powerpoint/2015/10/main">
   <p1510:revLst>
-    <p1510:client id="{14F8172B-23CC-43AF-8874-FD0289D90325}" v="2" dt="2026-01-19T15:59:21.470"/>
+    <p1510:client id="{14F8172B-23CC-43AF-8874-FD0289D90325}" v="11" dt="2026-01-20T10:03:07.877"/>
   </p1510:revLst>
 </p1510:revInfo>
 </file>
@@ -378,14 +379,6 @@
             <ac:spMk id="2" creationId="{186B59D3-816C-2A57-089A-EA265D288680}"/>
           </ac:spMkLst>
         </pc:spChg>
-        <pc:spChg chg="add mod">
-          <ac:chgData name="Luisa Dickenmann" userId="0c0840b0-1ae7-42c8-98b5-b02d8f71a603" providerId="ADAL" clId="{100BBC7B-7ACA-4A4D-BA33-DEF31D162335}" dt="2025-12-08T13:50:55.797" v="517" actId="207"/>
-          <ac:spMkLst>
-            <pc:docMk/>
-            <pc:sldMk cId="2468455985" sldId="262"/>
-            <ac:spMk id="6" creationId="{85B2C7B7-4BA9-EB08-7CDD-E8CB7044D6E1}"/>
-          </ac:spMkLst>
-        </pc:spChg>
         <pc:spChg chg="add mod topLvl">
           <ac:chgData name="Luisa Dickenmann" userId="0c0840b0-1ae7-42c8-98b5-b02d8f71a603" providerId="ADAL" clId="{100BBC7B-7ACA-4A4D-BA33-DEF31D162335}" dt="2025-12-09T11:30:36.654" v="2000" actId="165"/>
           <ac:spMkLst>
@@ -752,38 +745,6 @@
             <ac:spMk id="2" creationId="{DBBAC9F3-8100-D77A-023E-C972C89795AC}"/>
           </ac:spMkLst>
         </pc:spChg>
-        <pc:spChg chg="add mod">
-          <ac:chgData name="Luisa Dickenmann" userId="0c0840b0-1ae7-42c8-98b5-b02d8f71a603" providerId="ADAL" clId="{100BBC7B-7ACA-4A4D-BA33-DEF31D162335}" dt="2025-12-12T09:54:14.818" v="4039" actId="1076"/>
-          <ac:spMkLst>
-            <pc:docMk/>
-            <pc:sldMk cId="4087577250" sldId="272"/>
-            <ac:spMk id="3" creationId="{C4409357-62AB-C53D-577F-0FF4CFF2F18D}"/>
-          </ac:spMkLst>
-        </pc:spChg>
-        <pc:spChg chg="add mod">
-          <ac:chgData name="Luisa Dickenmann" userId="0c0840b0-1ae7-42c8-98b5-b02d8f71a603" providerId="ADAL" clId="{100BBC7B-7ACA-4A4D-BA33-DEF31D162335}" dt="2025-12-12T09:54:11.814" v="4038" actId="1582"/>
-          <ac:spMkLst>
-            <pc:docMk/>
-            <pc:sldMk cId="4087577250" sldId="272"/>
-            <ac:spMk id="4" creationId="{79AA551E-FA63-960E-F087-D4304A8C24A0}"/>
-          </ac:spMkLst>
-        </pc:spChg>
-        <pc:spChg chg="add mod">
-          <ac:chgData name="Luisa Dickenmann" userId="0c0840b0-1ae7-42c8-98b5-b02d8f71a603" providerId="ADAL" clId="{100BBC7B-7ACA-4A4D-BA33-DEF31D162335}" dt="2025-12-09T10:11:04.800" v="1487" actId="20577"/>
-          <ac:spMkLst>
-            <pc:docMk/>
-            <pc:sldMk cId="4087577250" sldId="272"/>
-            <ac:spMk id="6" creationId="{C5012472-E3FE-9887-B742-0271FEB26237}"/>
-          </ac:spMkLst>
-        </pc:spChg>
-        <pc:picChg chg="add mod modCrop">
-          <ac:chgData name="Luisa Dickenmann" userId="0c0840b0-1ae7-42c8-98b5-b02d8f71a603" providerId="ADAL" clId="{100BBC7B-7ACA-4A4D-BA33-DEF31D162335}" dt="2025-12-09T10:11:14.408" v="1488" actId="732"/>
-          <ac:picMkLst>
-            <pc:docMk/>
-            <pc:sldMk cId="4087577250" sldId="272"/>
-            <ac:picMk id="5" creationId="{88AB1702-AC8E-BCAE-24FC-C14A03615DD3}"/>
-          </ac:picMkLst>
-        </pc:picChg>
       </pc:sldChg>
       <pc:sldChg chg="addSp delSp modSp new del mod">
         <pc:chgData name="Luisa Dickenmann" userId="0c0840b0-1ae7-42c8-98b5-b02d8f71a603" providerId="ADAL" clId="{100BBC7B-7ACA-4A4D-BA33-DEF31D162335}" dt="2025-12-11T16:47:40.889" v="3766" actId="47"/>
@@ -1264,24 +1225,157 @@
             <ac:spMk id="2" creationId="{BA21E4DD-A0E9-85A5-076F-15D48EB17A60}"/>
           </ac:spMkLst>
         </pc:spChg>
-        <pc:spChg chg="mod">
-          <ac:chgData name="Luisa Dickenmann" userId="0c0840b0-1ae7-42c8-98b5-b02d8f71a603" providerId="ADAL" clId="{100BBC7B-7ACA-4A4D-BA33-DEF31D162335}" dt="2025-12-12T09:54:28.617" v="4098" actId="20577"/>
-          <ac:spMkLst>
-            <pc:docMk/>
-            <pc:sldMk cId="3026645936" sldId="288"/>
-            <ac:spMk id="3" creationId="{F28F0F0A-631B-70F5-5626-2DE0EA30D885}"/>
-          </ac:spMkLst>
-        </pc:spChg>
       </pc:sldChg>
     </pc:docChg>
   </pc:docChgLst>
   <pc:docChgLst>
     <pc:chgData name="Luisa Dickenmann" userId="0c0840b0-1ae7-42c8-98b5-b02d8f71a603" providerId="ADAL" clId="{14F8172B-23CC-43AF-8874-FD0289D90325}"/>
-    <pc:docChg chg="custSel addSld modSld">
-      <pc:chgData name="Luisa Dickenmann" userId="0c0840b0-1ae7-42c8-98b5-b02d8f71a603" providerId="ADAL" clId="{14F8172B-23CC-43AF-8874-FD0289D90325}" dt="2026-01-19T15:59:48.578" v="36" actId="14100"/>
+    <pc:docChg chg="undo custSel addSld modSld">
+      <pc:chgData name="Luisa Dickenmann" userId="0c0840b0-1ae7-42c8-98b5-b02d8f71a603" providerId="ADAL" clId="{14F8172B-23CC-43AF-8874-FD0289D90325}" dt="2026-01-20T10:03:38.989" v="497" actId="14100"/>
       <pc:docMkLst>
         <pc:docMk/>
       </pc:docMkLst>
+      <pc:sldChg chg="delSp mod">
+        <pc:chgData name="Luisa Dickenmann" userId="0c0840b0-1ae7-42c8-98b5-b02d8f71a603" providerId="ADAL" clId="{14F8172B-23CC-43AF-8874-FD0289D90325}" dt="2026-01-20T09:59:25.610" v="395" actId="478"/>
+        <pc:sldMkLst>
+          <pc:docMk/>
+          <pc:sldMk cId="2468455985" sldId="262"/>
+        </pc:sldMkLst>
+        <pc:spChg chg="del">
+          <ac:chgData name="Luisa Dickenmann" userId="0c0840b0-1ae7-42c8-98b5-b02d8f71a603" providerId="ADAL" clId="{14F8172B-23CC-43AF-8874-FD0289D90325}" dt="2026-01-20T09:59:25.610" v="395" actId="478"/>
+          <ac:spMkLst>
+            <pc:docMk/>
+            <pc:sldMk cId="2468455985" sldId="262"/>
+            <ac:spMk id="6" creationId="{85B2C7B7-4BA9-EB08-7CDD-E8CB7044D6E1}"/>
+          </ac:spMkLst>
+        </pc:spChg>
+      </pc:sldChg>
+      <pc:sldChg chg="addSp delSp modSp mod">
+        <pc:chgData name="Luisa Dickenmann" userId="0c0840b0-1ae7-42c8-98b5-b02d8f71a603" providerId="ADAL" clId="{14F8172B-23CC-43AF-8874-FD0289D90325}" dt="2026-01-20T09:07:22.255" v="178" actId="1076"/>
+        <pc:sldMkLst>
+          <pc:docMk/>
+          <pc:sldMk cId="4087577250" sldId="272"/>
+        </pc:sldMkLst>
+        <pc:spChg chg="del mod">
+          <ac:chgData name="Luisa Dickenmann" userId="0c0840b0-1ae7-42c8-98b5-b02d8f71a603" providerId="ADAL" clId="{14F8172B-23CC-43AF-8874-FD0289D90325}" dt="2026-01-20T09:03:48.257" v="41" actId="478"/>
+          <ac:spMkLst>
+            <pc:docMk/>
+            <pc:sldMk cId="4087577250" sldId="272"/>
+            <ac:spMk id="3" creationId="{C4409357-62AB-C53D-577F-0FF4CFF2F18D}"/>
+          </ac:spMkLst>
+        </pc:spChg>
+        <pc:spChg chg="del">
+          <ac:chgData name="Luisa Dickenmann" userId="0c0840b0-1ae7-42c8-98b5-b02d8f71a603" providerId="ADAL" clId="{14F8172B-23CC-43AF-8874-FD0289D90325}" dt="2026-01-20T09:03:48.257" v="41" actId="478"/>
+          <ac:spMkLst>
+            <pc:docMk/>
+            <pc:sldMk cId="4087577250" sldId="272"/>
+            <ac:spMk id="4" creationId="{79AA551E-FA63-960E-F087-D4304A8C24A0}"/>
+          </ac:spMkLst>
+        </pc:spChg>
+        <pc:spChg chg="del">
+          <ac:chgData name="Luisa Dickenmann" userId="0c0840b0-1ae7-42c8-98b5-b02d8f71a603" providerId="ADAL" clId="{14F8172B-23CC-43AF-8874-FD0289D90325}" dt="2026-01-20T09:03:52.692" v="42" actId="478"/>
+          <ac:spMkLst>
+            <pc:docMk/>
+            <pc:sldMk cId="4087577250" sldId="272"/>
+            <ac:spMk id="6" creationId="{C5012472-E3FE-9887-B742-0271FEB26237}"/>
+          </ac:spMkLst>
+        </pc:spChg>
+        <pc:spChg chg="add del mod">
+          <ac:chgData name="Luisa Dickenmann" userId="0c0840b0-1ae7-42c8-98b5-b02d8f71a603" providerId="ADAL" clId="{14F8172B-23CC-43AF-8874-FD0289D90325}" dt="2026-01-20T09:05:46.036" v="44" actId="931"/>
+          <ac:spMkLst>
+            <pc:docMk/>
+            <pc:sldMk cId="4087577250" sldId="272"/>
+            <ac:spMk id="8" creationId="{4636A8C1-901A-F852-882B-F93096F3CBC4}"/>
+          </ac:spMkLst>
+        </pc:spChg>
+        <pc:spChg chg="add del mod">
+          <ac:chgData name="Luisa Dickenmann" userId="0c0840b0-1ae7-42c8-98b5-b02d8f71a603" providerId="ADAL" clId="{14F8172B-23CC-43AF-8874-FD0289D90325}" dt="2026-01-20T09:06:33.305" v="57" actId="931"/>
+          <ac:spMkLst>
+            <pc:docMk/>
+            <pc:sldMk cId="4087577250" sldId="272"/>
+            <ac:spMk id="12" creationId="{F6C0E19E-2012-166C-E9C8-C8900361B22C}"/>
+          </ac:spMkLst>
+        </pc:spChg>
+        <pc:spChg chg="add mod">
+          <ac:chgData name="Luisa Dickenmann" userId="0c0840b0-1ae7-42c8-98b5-b02d8f71a603" providerId="ADAL" clId="{14F8172B-23CC-43AF-8874-FD0289D90325}" dt="2026-01-20T09:07:22.255" v="178" actId="1076"/>
+          <ac:spMkLst>
+            <pc:docMk/>
+            <pc:sldMk cId="4087577250" sldId="272"/>
+            <ac:spMk id="15" creationId="{0410B80A-483E-9758-D0BC-2A3FAA118722}"/>
+          </ac:spMkLst>
+        </pc:spChg>
+        <pc:picChg chg="del">
+          <ac:chgData name="Luisa Dickenmann" userId="0c0840b0-1ae7-42c8-98b5-b02d8f71a603" providerId="ADAL" clId="{14F8172B-23CC-43AF-8874-FD0289D90325}" dt="2026-01-20T09:03:36.939" v="37" actId="478"/>
+          <ac:picMkLst>
+            <pc:docMk/>
+            <pc:sldMk cId="4087577250" sldId="272"/>
+            <ac:picMk id="5" creationId="{88AB1702-AC8E-BCAE-24FC-C14A03615DD3}"/>
+          </ac:picMkLst>
+        </pc:picChg>
+        <pc:picChg chg="add del mod">
+          <ac:chgData name="Luisa Dickenmann" userId="0c0840b0-1ae7-42c8-98b5-b02d8f71a603" providerId="ADAL" clId="{14F8172B-23CC-43AF-8874-FD0289D90325}" dt="2026-01-20T09:06:25.707" v="56" actId="478"/>
+          <ac:picMkLst>
+            <pc:docMk/>
+            <pc:sldMk cId="4087577250" sldId="272"/>
+            <ac:picMk id="10" creationId="{C1EF36F1-1A5B-5DDD-9916-942170ECF7F9}"/>
+          </ac:picMkLst>
+        </pc:picChg>
+        <pc:picChg chg="add mod">
+          <ac:chgData name="Luisa Dickenmann" userId="0c0840b0-1ae7-42c8-98b5-b02d8f71a603" providerId="ADAL" clId="{14F8172B-23CC-43AF-8874-FD0289D90325}" dt="2026-01-20T09:06:40.201" v="62" actId="1076"/>
+          <ac:picMkLst>
+            <pc:docMk/>
+            <pc:sldMk cId="4087577250" sldId="272"/>
+            <ac:picMk id="14" creationId="{E7EA355A-0AE0-3FC7-425D-CC8AF30BA613}"/>
+          </ac:picMkLst>
+        </pc:picChg>
+      </pc:sldChg>
+      <pc:sldChg chg="addSp delSp modSp mod">
+        <pc:chgData name="Luisa Dickenmann" userId="0c0840b0-1ae7-42c8-98b5-b02d8f71a603" providerId="ADAL" clId="{14F8172B-23CC-43AF-8874-FD0289D90325}" dt="2026-01-20T09:59:00.407" v="394" actId="20577"/>
+        <pc:sldMkLst>
+          <pc:docMk/>
+          <pc:sldMk cId="3026645936" sldId="288"/>
+        </pc:sldMkLst>
+        <pc:spChg chg="mod">
+          <ac:chgData name="Luisa Dickenmann" userId="0c0840b0-1ae7-42c8-98b5-b02d8f71a603" providerId="ADAL" clId="{14F8172B-23CC-43AF-8874-FD0289D90325}" dt="2026-01-20T09:56:51.324" v="208" actId="20577"/>
+          <ac:spMkLst>
+            <pc:docMk/>
+            <pc:sldMk cId="3026645936" sldId="288"/>
+            <ac:spMk id="2" creationId="{BA21E4DD-A0E9-85A5-076F-15D48EB17A60}"/>
+          </ac:spMkLst>
+        </pc:spChg>
+        <pc:spChg chg="del">
+          <ac:chgData name="Luisa Dickenmann" userId="0c0840b0-1ae7-42c8-98b5-b02d8f71a603" providerId="ADAL" clId="{14F8172B-23CC-43AF-8874-FD0289D90325}" dt="2026-01-20T09:56:33.732" v="179" actId="478"/>
+          <ac:spMkLst>
+            <pc:docMk/>
+            <pc:sldMk cId="3026645936" sldId="288"/>
+            <ac:spMk id="3" creationId="{F28F0F0A-631B-70F5-5626-2DE0EA30D885}"/>
+          </ac:spMkLst>
+        </pc:spChg>
+        <pc:spChg chg="add del mod">
+          <ac:chgData name="Luisa Dickenmann" userId="0c0840b0-1ae7-42c8-98b5-b02d8f71a603" providerId="ADAL" clId="{14F8172B-23CC-43AF-8874-FD0289D90325}" dt="2026-01-20T09:56:34.065" v="180"/>
+          <ac:spMkLst>
+            <pc:docMk/>
+            <pc:sldMk cId="3026645936" sldId="288"/>
+            <ac:spMk id="5" creationId="{7CB32EC1-53CF-C457-B86C-49BEC52998EE}"/>
+          </ac:spMkLst>
+        </pc:spChg>
+        <pc:spChg chg="add mod">
+          <ac:chgData name="Luisa Dickenmann" userId="0c0840b0-1ae7-42c8-98b5-b02d8f71a603" providerId="ADAL" clId="{14F8172B-23CC-43AF-8874-FD0289D90325}" dt="2026-01-20T09:59:00.407" v="394" actId="20577"/>
+          <ac:spMkLst>
+            <pc:docMk/>
+            <pc:sldMk cId="3026645936" sldId="288"/>
+            <ac:spMk id="8" creationId="{D6308013-9F3B-21BE-2B18-6CC0F86E6950}"/>
+          </ac:spMkLst>
+        </pc:spChg>
+        <pc:picChg chg="add mod">
+          <ac:chgData name="Luisa Dickenmann" userId="0c0840b0-1ae7-42c8-98b5-b02d8f71a603" providerId="ADAL" clId="{14F8172B-23CC-43AF-8874-FD0289D90325}" dt="2026-01-20T09:58:42.954" v="361" actId="1076"/>
+          <ac:picMkLst>
+            <pc:docMk/>
+            <pc:sldMk cId="3026645936" sldId="288"/>
+            <ac:picMk id="7" creationId="{83FE4AC2-629B-89C2-2501-78DB7F033960}"/>
+          </ac:picMkLst>
+        </pc:picChg>
+      </pc:sldChg>
       <pc:sldChg chg="addSp delSp modSp new mod">
         <pc:chgData name="Luisa Dickenmann" userId="0c0840b0-1ae7-42c8-98b5-b02d8f71a603" providerId="ADAL" clId="{14F8172B-23CC-43AF-8874-FD0289D90325}" dt="2026-01-19T15:59:48.578" v="36" actId="14100"/>
         <pc:sldMkLst>
@@ -1328,6 +1422,77 @@
             <ac:picMk id="9" creationId="{9DC3274B-287F-4CA0-BAE5-BEC9FBDB4565}"/>
           </ac:picMkLst>
         </pc:picChg>
+      </pc:sldChg>
+      <pc:sldChg chg="addSp delSp modSp new mod">
+        <pc:chgData name="Luisa Dickenmann" userId="0c0840b0-1ae7-42c8-98b5-b02d8f71a603" providerId="ADAL" clId="{14F8172B-23CC-43AF-8874-FD0289D90325}" dt="2026-01-20T10:03:38.989" v="497" actId="14100"/>
+        <pc:sldMkLst>
+          <pc:docMk/>
+          <pc:sldMk cId="2484633194" sldId="290"/>
+        </pc:sldMkLst>
+        <pc:spChg chg="mod">
+          <ac:chgData name="Luisa Dickenmann" userId="0c0840b0-1ae7-42c8-98b5-b02d8f71a603" providerId="ADAL" clId="{14F8172B-23CC-43AF-8874-FD0289D90325}" dt="2026-01-20T10:00:29.260" v="438" actId="20577"/>
+          <ac:spMkLst>
+            <pc:docMk/>
+            <pc:sldMk cId="2484633194" sldId="290"/>
+            <ac:spMk id="2" creationId="{CB90705A-AF72-94CA-8FF3-82B6CCE4E03D}"/>
+          </ac:spMkLst>
+        </pc:spChg>
+        <pc:spChg chg="del">
+          <ac:chgData name="Luisa Dickenmann" userId="0c0840b0-1ae7-42c8-98b5-b02d8f71a603" providerId="ADAL" clId="{14F8172B-23CC-43AF-8874-FD0289D90325}" dt="2026-01-20T10:00:12.082" v="397"/>
+          <ac:spMkLst>
+            <pc:docMk/>
+            <pc:sldMk cId="2484633194" sldId="290"/>
+            <ac:spMk id="3" creationId="{C6C396B1-6998-2EC3-FF49-EF2F3FF2F579}"/>
+          </ac:spMkLst>
+        </pc:spChg>
+        <pc:spChg chg="add del mod">
+          <ac:chgData name="Luisa Dickenmann" userId="0c0840b0-1ae7-42c8-98b5-b02d8f71a603" providerId="ADAL" clId="{14F8172B-23CC-43AF-8874-FD0289D90325}" dt="2026-01-20T10:02:05.225" v="443" actId="931"/>
+          <ac:spMkLst>
+            <pc:docMk/>
+            <pc:sldMk cId="2484633194" sldId="290"/>
+            <ac:spMk id="7" creationId="{5A1DF8DB-D287-6ABE-2C69-9B80533D40D2}"/>
+          </ac:spMkLst>
+        </pc:spChg>
+        <pc:spChg chg="add mod">
+          <ac:chgData name="Luisa Dickenmann" userId="0c0840b0-1ae7-42c8-98b5-b02d8f71a603" providerId="ADAL" clId="{14F8172B-23CC-43AF-8874-FD0289D90325}" dt="2026-01-20T10:03:38.989" v="497" actId="14100"/>
+          <ac:spMkLst>
+            <pc:docMk/>
+            <pc:sldMk cId="2484633194" sldId="290"/>
+            <ac:spMk id="10" creationId="{AC543367-7004-4E5C-8853-F801A6043E31}"/>
+          </ac:spMkLst>
+        </pc:spChg>
+        <pc:spChg chg="add mod">
+          <ac:chgData name="Luisa Dickenmann" userId="0c0840b0-1ae7-42c8-98b5-b02d8f71a603" providerId="ADAL" clId="{14F8172B-23CC-43AF-8874-FD0289D90325}" dt="2026-01-20T10:03:14.533" v="495" actId="14100"/>
+          <ac:spMkLst>
+            <pc:docMk/>
+            <pc:sldMk cId="2484633194" sldId="290"/>
+            <ac:spMk id="11" creationId="{A161E2C1-F3E8-9639-C02A-FCF99FAC3040}"/>
+          </ac:spMkLst>
+        </pc:spChg>
+        <pc:picChg chg="add del mod">
+          <ac:chgData name="Luisa Dickenmann" userId="0c0840b0-1ae7-42c8-98b5-b02d8f71a603" providerId="ADAL" clId="{14F8172B-23CC-43AF-8874-FD0289D90325}" dt="2026-01-20T10:00:35.315" v="442" actId="478"/>
+          <ac:picMkLst>
+            <pc:docMk/>
+            <pc:sldMk cId="2484633194" sldId="290"/>
+            <ac:picMk id="5" creationId="{8ACD93FA-2918-AB4A-3BE9-0E3A2F8ABBE3}"/>
+          </ac:picMkLst>
+        </pc:picChg>
+        <pc:picChg chg="add mod">
+          <ac:chgData name="Luisa Dickenmann" userId="0c0840b0-1ae7-42c8-98b5-b02d8f71a603" providerId="ADAL" clId="{14F8172B-23CC-43AF-8874-FD0289D90325}" dt="2026-01-20T10:02:12.437" v="448" actId="1076"/>
+          <ac:picMkLst>
+            <pc:docMk/>
+            <pc:sldMk cId="2484633194" sldId="290"/>
+            <ac:picMk id="9" creationId="{869DD54A-0F8A-92EF-88E7-A64854B7A78A}"/>
+          </ac:picMkLst>
+        </pc:picChg>
+        <pc:cxnChg chg="add mod">
+          <ac:chgData name="Luisa Dickenmann" userId="0c0840b0-1ae7-42c8-98b5-b02d8f71a603" providerId="ADAL" clId="{14F8172B-23CC-43AF-8874-FD0289D90325}" dt="2026-01-20T10:03:38.989" v="497" actId="14100"/>
+          <ac:cxnSpMkLst>
+            <pc:docMk/>
+            <pc:sldMk cId="2484633194" sldId="290"/>
+            <ac:cxnSpMk id="13" creationId="{41B53F7D-F308-D58D-B94B-6E007EBD816E}"/>
+          </ac:cxnSpMkLst>
+        </pc:cxnChg>
       </pc:sldChg>
     </pc:docChg>
   </pc:docChgLst>
@@ -1919,7 +2084,7 @@
           <a:p>
             <a:fld id="{00BEF3A4-E543-4418-A8C6-AC4DBC501A73}" type="slidenum">
               <a:rPr lang="en-GB" smtClean="0"/>
-              <a:t>27</a:t>
+              <a:t>28</a:t>
             </a:fld>
             <a:endParaRPr lang="en-GB"/>
           </a:p>
@@ -2007,7 +2172,7 @@
           <a:p>
             <a:fld id="{00BEF3A4-E543-4418-A8C6-AC4DBC501A73}" type="slidenum">
               <a:rPr lang="en-GB" smtClean="0"/>
-              <a:t>29</a:t>
+              <a:t>30</a:t>
             </a:fld>
             <a:endParaRPr lang="en-GB"/>
           </a:p>
@@ -5416,10 +5581,10 @@
       </p:sp>
       <p:pic>
         <p:nvPicPr>
-          <p:cNvPr id="5" name="Content Placeholder 4">
+          <p:cNvPr id="14" name="Content Placeholder 13" descr="A blue and white graph&#10;&#10;AI-generated content may be incorrect.">
             <a:extLst>
               <a:ext uri="{FF2B5EF4-FFF2-40B4-BE49-F238E27FC236}">
-                <a16:creationId xmlns:a16="http://schemas.microsoft.com/office/drawing/2014/main" id="{88AB1702-AC8E-BCAE-24FC-C14A03615DD3}"/>
+                <a16:creationId xmlns:a16="http://schemas.microsoft.com/office/drawing/2014/main" id="{E7EA355A-0AE0-3FC7-425D-CC8AF30BA613}"/>
               </a:ext>
             </a:extLst>
           </p:cNvPr>
@@ -5438,22 +5603,23 @@
               </a:ext>
             </a:extLst>
           </a:blip>
-          <a:srcRect t="6549"/>
-          <a:stretch/>
+          <a:stretch>
+            <a:fillRect/>
+          </a:stretch>
         </p:blipFill>
         <p:spPr>
           <a:xfrm>
-            <a:off x="1226129" y="1095555"/>
-            <a:ext cx="9739742" cy="5518605"/>
+            <a:off x="974253" y="1029151"/>
+            <a:ext cx="9875520" cy="5605329"/>
           </a:xfrm>
         </p:spPr>
       </p:pic>
       <p:sp>
         <p:nvSpPr>
-          <p:cNvPr id="6" name="TextBox 5">
+          <p:cNvPr id="15" name="TextBox 14">
             <a:extLst>
               <a:ext uri="{FF2B5EF4-FFF2-40B4-BE49-F238E27FC236}">
-                <a16:creationId xmlns:a16="http://schemas.microsoft.com/office/drawing/2014/main" id="{C5012472-E3FE-9887-B742-0271FEB26237}"/>
+                <a16:creationId xmlns:a16="http://schemas.microsoft.com/office/drawing/2014/main" id="{0410B80A-483E-9758-D0BC-2A3FAA118722}"/>
               </a:ext>
             </a:extLst>
           </p:cNvPr>
@@ -5462,8 +5628,8 @@
         </p:nvSpPr>
         <p:spPr>
           <a:xfrm>
-            <a:off x="5382883" y="586596"/>
-            <a:ext cx="3045125" cy="369332"/>
+            <a:off x="6172200" y="382820"/>
+            <a:ext cx="5660571" cy="646331"/>
           </a:xfrm>
           <a:prstGeom prst="rect">
             <a:avLst/>
@@ -5478,97 +5644,9 @@
           <a:p>
             <a:r>
               <a:rPr lang="de-CH" dirty="0"/>
-              <a:t>Top and bottom 10 Families</a:t>
+              <a:t>Arranged by percent alive -&gt; families have different numbers of initial trees but same percentage alive</a:t>
             </a:r>
             <a:endParaRPr lang="en-GB" dirty="0"/>
-          </a:p>
-        </p:txBody>
-      </p:sp>
-      <p:sp>
-        <p:nvSpPr>
-          <p:cNvPr id="3" name="TextBox 2">
-            <a:extLst>
-              <a:ext uri="{FF2B5EF4-FFF2-40B4-BE49-F238E27FC236}">
-                <a16:creationId xmlns:a16="http://schemas.microsoft.com/office/drawing/2014/main" id="{C4409357-62AB-C53D-577F-0FF4CFF2F18D}"/>
-              </a:ext>
-            </a:extLst>
-          </p:cNvPr>
-          <p:cNvSpPr txBox="1"/>
-          <p:nvPr/>
-        </p:nvSpPr>
-        <p:spPr>
-          <a:xfrm>
-            <a:off x="7626539" y="3956766"/>
-            <a:ext cx="2353734" cy="646331"/>
-          </a:xfrm>
-          <a:prstGeom prst="rect">
-            <a:avLst/>
-          </a:prstGeom>
-          <a:noFill/>
-        </p:spPr>
-        <p:txBody>
-          <a:bodyPr wrap="square" rtlCol="0">
-            <a:spAutoFit/>
-          </a:bodyPr>
-          <a:lstStyle/>
-          <a:p>
-            <a:r>
-              <a:rPr lang="de-CH" dirty="0"/>
-              <a:t>Why so many with exactly 50%??</a:t>
-            </a:r>
-            <a:endParaRPr lang="en-GB" dirty="0"/>
-          </a:p>
-        </p:txBody>
-      </p:sp>
-      <p:sp>
-        <p:nvSpPr>
-          <p:cNvPr id="4" name="Rectangle: Rounded Corners 3">
-            <a:extLst>
-              <a:ext uri="{FF2B5EF4-FFF2-40B4-BE49-F238E27FC236}">
-                <a16:creationId xmlns:a16="http://schemas.microsoft.com/office/drawing/2014/main" id="{79AA551E-FA63-960E-F087-D4304A8C24A0}"/>
-              </a:ext>
-            </a:extLst>
-          </p:cNvPr>
-          <p:cNvSpPr/>
-          <p:nvPr/>
-        </p:nvSpPr>
-        <p:spPr>
-          <a:xfrm>
-            <a:off x="6096000" y="3429000"/>
-            <a:ext cx="1507067" cy="1905000"/>
-          </a:xfrm>
-          <a:prstGeom prst="roundRect">
-            <a:avLst/>
-          </a:prstGeom>
-          <a:noFill/>
-          <a:ln w="38100">
-            <a:solidFill>
-              <a:srgbClr val="FF0000"/>
-            </a:solidFill>
-          </a:ln>
-        </p:spPr>
-        <p:style>
-          <a:lnRef idx="2">
-            <a:schemeClr val="accent1">
-              <a:shade val="15000"/>
-            </a:schemeClr>
-          </a:lnRef>
-          <a:fillRef idx="1">
-            <a:schemeClr val="accent1"/>
-          </a:fillRef>
-          <a:effectRef idx="0">
-            <a:schemeClr val="accent1"/>
-          </a:effectRef>
-          <a:fontRef idx="minor">
-            <a:schemeClr val="lt1"/>
-          </a:fontRef>
-        </p:style>
-        <p:txBody>
-          <a:bodyPr rtlCol="0" anchor="ctr"/>
-          <a:lstStyle/>
-          <a:p>
-            <a:pPr algn="ctr"/>
-            <a:endParaRPr lang="en-GB"/>
           </a:p>
         </p:txBody>
       </p:sp>
@@ -5618,43 +5696,96 @@
             <p:ph type="title"/>
           </p:nvPr>
         </p:nvSpPr>
-        <p:spPr/>
+        <p:spPr>
+          <a:xfrm>
+            <a:off x="195943" y="174172"/>
+            <a:ext cx="9875520" cy="1356360"/>
+          </a:xfrm>
+        </p:spPr>
         <p:txBody>
           <a:bodyPr/>
           <a:lstStyle/>
           <a:p>
             <a:r>
               <a:rPr lang="de-CH" dirty="0"/>
-              <a:t>Interaction</a:t>
+              <a:t>Interaction – Provenance and Cohort</a:t>
             </a:r>
             <a:endParaRPr lang="en-GB" dirty="0"/>
           </a:p>
         </p:txBody>
       </p:sp>
-      <p:sp>
-        <p:nvSpPr>
-          <p:cNvPr id="3" name="Content Placeholder 2">
+      <p:pic>
+        <p:nvPicPr>
+          <p:cNvPr id="7" name="Content Placeholder 6" descr="A graph of different colored bars&#10;&#10;AI-generated content may be incorrect.">
             <a:extLst>
               <a:ext uri="{FF2B5EF4-FFF2-40B4-BE49-F238E27FC236}">
-                <a16:creationId xmlns:a16="http://schemas.microsoft.com/office/drawing/2014/main" id="{F28F0F0A-631B-70F5-5626-2DE0EA30D885}"/>
+                <a16:creationId xmlns:a16="http://schemas.microsoft.com/office/drawing/2014/main" id="{83FE4AC2-629B-89C2-2501-78DB7F033960}"/>
               </a:ext>
             </a:extLst>
           </p:cNvPr>
-          <p:cNvSpPr>
-            <a:spLocks noGrp="1"/>
-          </p:cNvSpPr>
+          <p:cNvPicPr>
+            <a:picLocks noGrp="1" noChangeAspect="1"/>
+          </p:cNvPicPr>
           <p:nvPr>
             <p:ph idx="1"/>
           </p:nvPr>
-        </p:nvSpPr>
-        <p:spPr/>
-        <p:txBody>
-          <a:bodyPr/>
+        </p:nvPicPr>
+        <p:blipFill>
+          <a:blip r:embed="rId2">
+            <a:extLst>
+              <a:ext uri="{28A0092B-C50C-407E-A947-70E740481C1C}">
+                <a14:useLocalDpi xmlns:a14="http://schemas.microsoft.com/office/drawing/2010/main" val="0"/>
+              </a:ext>
+            </a:extLst>
+          </a:blip>
+          <a:stretch>
+            <a:fillRect/>
+          </a:stretch>
+        </p:blipFill>
+        <p:spPr>
+          <a:xfrm>
+            <a:off x="462040" y="1211688"/>
+            <a:ext cx="8785975" cy="5291387"/>
+          </a:xfrm>
+        </p:spPr>
+      </p:pic>
+      <p:sp>
+        <p:nvSpPr>
+          <p:cNvPr id="8" name="TextBox 7">
+            <a:extLst>
+              <a:ext uri="{FF2B5EF4-FFF2-40B4-BE49-F238E27FC236}">
+                <a16:creationId xmlns:a16="http://schemas.microsoft.com/office/drawing/2014/main" id="{D6308013-9F3B-21BE-2B18-6CC0F86E6950}"/>
+              </a:ext>
+            </a:extLst>
+          </p:cNvPr>
+          <p:cNvSpPr txBox="1"/>
+          <p:nvPr/>
+        </p:nvSpPr>
+        <p:spPr>
+          <a:xfrm>
+            <a:off x="9238706" y="473024"/>
+            <a:ext cx="2757351" cy="1754326"/>
+          </a:xfrm>
+          <a:prstGeom prst="rect">
+            <a:avLst/>
+          </a:prstGeom>
+          <a:noFill/>
+        </p:spPr>
+        <p:txBody>
+          <a:bodyPr wrap="square" rtlCol="0">
+            <a:spAutoFit/>
+          </a:bodyPr>
           <a:lstStyle/>
           <a:p>
             <a:r>
               <a:rPr lang="de-CH" dirty="0"/>
-              <a:t>Mortality based on type AND provenance</a:t>
+              <a:t>GLMM model says Provenance has strongest effect (14% of variation) and Type (cohort) also strong effect (11%) </a:t>
+            </a:r>
+          </a:p>
+          <a:p>
+            <a:r>
+              <a:rPr lang="de-CH" dirty="0"/>
+              <a:t>Family = random effect</a:t>
             </a:r>
             <a:endParaRPr lang="en-GB" dirty="0"/>
           </a:p>
@@ -6096,60 +6227,6 @@
               <a:t>Height – by Provenance</a:t>
             </a:r>
             <a:endParaRPr lang="en-GB" dirty="0"/>
-          </a:p>
-        </p:txBody>
-      </p:sp>
-      <p:sp>
-        <p:nvSpPr>
-          <p:cNvPr id="6" name="TextBox 5">
-            <a:extLst>
-              <a:ext uri="{FF2B5EF4-FFF2-40B4-BE49-F238E27FC236}">
-                <a16:creationId xmlns:a16="http://schemas.microsoft.com/office/drawing/2014/main" id="{85B2C7B7-4BA9-EB08-7CDD-E8CB7044D6E1}"/>
-              </a:ext>
-            </a:extLst>
-          </p:cNvPr>
-          <p:cNvSpPr txBox="1"/>
-          <p:nvPr/>
-        </p:nvSpPr>
-        <p:spPr>
-          <a:xfrm>
-            <a:off x="8270240" y="670560"/>
-            <a:ext cx="2661920" cy="923330"/>
-          </a:xfrm>
-          <a:prstGeom prst="rect">
-            <a:avLst/>
-          </a:prstGeom>
-          <a:noFill/>
-        </p:spPr>
-        <p:txBody>
-          <a:bodyPr wrap="square" rtlCol="0">
-            <a:spAutoFit/>
-          </a:bodyPr>
-          <a:lstStyle/>
-          <a:p>
-            <a:r>
-              <a:rPr lang="de-CH" dirty="0">
-                <a:solidFill>
-                  <a:srgbClr val="FF0000"/>
-                </a:solidFill>
-              </a:rPr>
-              <a:t>How many height values for each provenance?</a:t>
-            </a:r>
-          </a:p>
-          <a:p>
-            <a:r>
-              <a:rPr lang="de-CH" dirty="0">
-                <a:solidFill>
-                  <a:srgbClr val="FF0000"/>
-                </a:solidFill>
-              </a:rPr>
-              <a:t>How many NAs</a:t>
-            </a:r>
-            <a:endParaRPr lang="en-GB" dirty="0">
-              <a:solidFill>
-                <a:srgbClr val="FF0000"/>
-              </a:solidFill>
-            </a:endParaRPr>
           </a:p>
         </p:txBody>
       </p:sp>
@@ -8627,7 +8704,7 @@
           <p:cNvPr id="2" name="Title 1">
             <a:extLst>
               <a:ext uri="{FF2B5EF4-FFF2-40B4-BE49-F238E27FC236}">
-                <a16:creationId xmlns:a16="http://schemas.microsoft.com/office/drawing/2014/main" id="{7C06FE14-95D7-2C34-3B1C-7E62C27D5BD5}"/>
+                <a16:creationId xmlns:a16="http://schemas.microsoft.com/office/drawing/2014/main" id="{CB90705A-AF72-94CA-8FF3-82B6CCE4E03D}"/>
               </a:ext>
             </a:extLst>
           </p:cNvPr>
@@ -8638,48 +8715,234 @@
             <p:ph type="title"/>
           </p:nvPr>
         </p:nvSpPr>
-        <p:spPr/>
+        <p:spPr>
+          <a:xfrm>
+            <a:off x="228600" y="250371"/>
+            <a:ext cx="9875520" cy="1356360"/>
+          </a:xfrm>
+        </p:spPr>
         <p:txBody>
           <a:bodyPr/>
           <a:lstStyle/>
           <a:p>
             <a:r>
               <a:rPr lang="de-CH" dirty="0"/>
-              <a:t>Overlay BS &amp; BB data with temperature</a:t>
+              <a:t>BS &amp; BB offset</a:t>
             </a:r>
             <a:endParaRPr lang="en-GB" dirty="0"/>
           </a:p>
         </p:txBody>
       </p:sp>
-      <p:sp>
-        <p:nvSpPr>
-          <p:cNvPr id="3" name="Content Placeholder 2">
+      <p:pic>
+        <p:nvPicPr>
+          <p:cNvPr id="9" name="Content Placeholder 8" descr="A graph of a graph&#10;&#10;AI-generated content may be incorrect.">
             <a:extLst>
               <a:ext uri="{FF2B5EF4-FFF2-40B4-BE49-F238E27FC236}">
-                <a16:creationId xmlns:a16="http://schemas.microsoft.com/office/drawing/2014/main" id="{F6DB63F4-FC30-DECB-6678-B7E5BBA0AA7F}"/>
+                <a16:creationId xmlns:a16="http://schemas.microsoft.com/office/drawing/2014/main" id="{869DD54A-0F8A-92EF-88E7-A64854B7A78A}"/>
               </a:ext>
             </a:extLst>
           </p:cNvPr>
-          <p:cNvSpPr>
-            <a:spLocks noGrp="1"/>
-          </p:cNvSpPr>
+          <p:cNvPicPr>
+            <a:picLocks noGrp="1" noChangeAspect="1"/>
+          </p:cNvPicPr>
           <p:nvPr>
             <p:ph idx="1"/>
           </p:nvPr>
-        </p:nvSpPr>
-        <p:spPr/>
-        <p:txBody>
-          <a:bodyPr/>
-          <a:lstStyle/>
-          <a:p>
+        </p:nvPicPr>
+        <p:blipFill>
+          <a:blip r:embed="rId2">
+            <a:extLst>
+              <a:ext uri="{28A0092B-C50C-407E-A947-70E740481C1C}">
+                <a14:useLocalDpi xmlns:a14="http://schemas.microsoft.com/office/drawing/2010/main" val="0"/>
+              </a:ext>
+            </a:extLst>
+          </a:blip>
+          <a:stretch>
+            <a:fillRect/>
+          </a:stretch>
+        </p:blipFill>
+        <p:spPr>
+          <a:xfrm>
+            <a:off x="2786744" y="1396773"/>
+            <a:ext cx="9013371" cy="5210856"/>
+          </a:xfrm>
+        </p:spPr>
+      </p:pic>
+      <p:sp>
+        <p:nvSpPr>
+          <p:cNvPr id="10" name="Rectangle: Rounded Corners 9">
+            <a:extLst>
+              <a:ext uri="{FF2B5EF4-FFF2-40B4-BE49-F238E27FC236}">
+                <a16:creationId xmlns:a16="http://schemas.microsoft.com/office/drawing/2014/main" id="{AC543367-7004-4E5C-8853-F801A6043E31}"/>
+              </a:ext>
+            </a:extLst>
+          </p:cNvPr>
+          <p:cNvSpPr/>
+          <p:nvPr/>
+        </p:nvSpPr>
+        <p:spPr>
+          <a:xfrm>
+            <a:off x="3494314" y="5323114"/>
+            <a:ext cx="1676400" cy="805543"/>
+          </a:xfrm>
+          <a:prstGeom prst="roundRect">
+            <a:avLst/>
+          </a:prstGeom>
+          <a:noFill/>
+          <a:ln>
+            <a:solidFill>
+              <a:srgbClr val="FF0000"/>
+            </a:solidFill>
+          </a:ln>
+        </p:spPr>
+        <p:style>
+          <a:lnRef idx="2">
+            <a:schemeClr val="accent1">
+              <a:shade val="15000"/>
+            </a:schemeClr>
+          </a:lnRef>
+          <a:fillRef idx="1">
+            <a:schemeClr val="accent1"/>
+          </a:fillRef>
+          <a:effectRef idx="0">
+            <a:schemeClr val="accent1"/>
+          </a:effectRef>
+          <a:fontRef idx="minor">
+            <a:schemeClr val="lt1"/>
+          </a:fontRef>
+        </p:style>
+        <p:txBody>
+          <a:bodyPr rtlCol="0" anchor="ctr"/>
+          <a:lstStyle/>
+          <a:p>
+            <a:pPr algn="ctr"/>
             <a:endParaRPr lang="en-GB"/>
           </a:p>
         </p:txBody>
       </p:sp>
+      <p:sp>
+        <p:nvSpPr>
+          <p:cNvPr id="11" name="TextBox 10">
+            <a:extLst>
+              <a:ext uri="{FF2B5EF4-FFF2-40B4-BE49-F238E27FC236}">
+                <a16:creationId xmlns:a16="http://schemas.microsoft.com/office/drawing/2014/main" id="{A161E2C1-F3E8-9639-C02A-FCF99FAC3040}"/>
+              </a:ext>
+            </a:extLst>
+          </p:cNvPr>
+          <p:cNvSpPr txBox="1"/>
+          <p:nvPr/>
+        </p:nvSpPr>
+        <p:spPr>
+          <a:xfrm>
+            <a:off x="228600" y="4584063"/>
+            <a:ext cx="2852057" cy="2023565"/>
+          </a:xfrm>
+          <a:prstGeom prst="rect">
+            <a:avLst/>
+          </a:prstGeom>
+          <a:noFill/>
+        </p:spPr>
+        <p:txBody>
+          <a:bodyPr wrap="square" rtlCol="0">
+            <a:spAutoFit/>
+          </a:bodyPr>
+          <a:lstStyle/>
+          <a:p>
+            <a:r>
+              <a:rPr lang="de-CH" dirty="0"/>
+              <a:t>6 trees with budset </a:t>
+            </a:r>
+            <a:r>
+              <a:rPr lang="de-CH" b="1" dirty="0"/>
+              <a:t>after</a:t>
+            </a:r>
+            <a:r>
+              <a:rPr lang="de-CH" dirty="0"/>
+              <a:t> budburst</a:t>
+            </a:r>
+          </a:p>
+          <a:p>
+            <a:r>
+              <a:rPr lang="de-CH" dirty="0"/>
+              <a:t>(</a:t>
+            </a:r>
+            <a:r>
+              <a:rPr lang="en-GB" dirty="0"/>
+              <a:t>no </a:t>
+            </a:r>
+            <a:r>
+              <a:rPr lang="en-GB" dirty="0" err="1"/>
+              <a:t>budset</a:t>
+            </a:r>
+            <a:r>
+              <a:rPr lang="en-GB" dirty="0"/>
+              <a:t> recorded, then </a:t>
+            </a:r>
+            <a:r>
+              <a:rPr lang="en-GB" dirty="0" err="1"/>
+              <a:t>budset</a:t>
+            </a:r>
+            <a:r>
+              <a:rPr lang="en-GB" dirty="0"/>
+              <a:t> &amp; budburst simultaneously, then "second" </a:t>
+            </a:r>
+            <a:r>
+              <a:rPr lang="en-GB" dirty="0" err="1"/>
+              <a:t>budset</a:t>
+            </a:r>
+            <a:r>
+              <a:rPr lang="en-GB" dirty="0"/>
+              <a:t> afterwards??)</a:t>
+            </a:r>
+          </a:p>
+        </p:txBody>
+      </p:sp>
+      <p:cxnSp>
+        <p:nvCxnSpPr>
+          <p:cNvPr id="13" name="Straight Arrow Connector 12">
+            <a:extLst>
+              <a:ext uri="{FF2B5EF4-FFF2-40B4-BE49-F238E27FC236}">
+                <a16:creationId xmlns:a16="http://schemas.microsoft.com/office/drawing/2014/main" id="{41B53F7D-F308-D58D-B94B-6E007EBD816E}"/>
+              </a:ext>
+            </a:extLst>
+          </p:cNvPr>
+          <p:cNvCxnSpPr>
+            <a:cxnSpLocks/>
+            <a:stCxn id="10" idx="1"/>
+          </p:cNvCxnSpPr>
+          <p:nvPr/>
+        </p:nvCxnSpPr>
+        <p:spPr>
+          <a:xfrm flipH="1">
+            <a:off x="2710543" y="5725886"/>
+            <a:ext cx="783771" cy="10885"/>
+          </a:xfrm>
+          <a:prstGeom prst="straightConnector1">
+            <a:avLst/>
+          </a:prstGeom>
+          <a:ln>
+            <a:tailEnd type="triangle"/>
+          </a:ln>
+        </p:spPr>
+        <p:style>
+          <a:lnRef idx="1">
+            <a:schemeClr val="accent1"/>
+          </a:lnRef>
+          <a:fillRef idx="0">
+            <a:schemeClr val="accent1"/>
+          </a:fillRef>
+          <a:effectRef idx="0">
+            <a:schemeClr val="accent1"/>
+          </a:effectRef>
+          <a:fontRef idx="minor">
+            <a:schemeClr val="tx1"/>
+          </a:fontRef>
+        </p:style>
+      </p:cxnSp>
     </p:spTree>
     <p:extLst>
       <p:ext uri="{BB962C8B-B14F-4D97-AF65-F5344CB8AC3E}">
-        <p14:creationId xmlns:p14="http://schemas.microsoft.com/office/powerpoint/2010/main" val="3635244816"/>
+        <p14:creationId xmlns:p14="http://schemas.microsoft.com/office/powerpoint/2010/main" val="2484633194"/>
       </p:ext>
     </p:extLst>
   </p:cSld>
@@ -8711,7 +8974,7 @@
           <p:cNvPr id="2" name="Title 1">
             <a:extLst>
               <a:ext uri="{FF2B5EF4-FFF2-40B4-BE49-F238E27FC236}">
-                <a16:creationId xmlns:a16="http://schemas.microsoft.com/office/drawing/2014/main" id="{8FEE9FEA-9B3E-6A9F-C090-44E2DA4F43D8}"/>
+                <a16:creationId xmlns:a16="http://schemas.microsoft.com/office/drawing/2014/main" id="{7C06FE14-95D7-2C34-3B1C-7E62C27D5BD5}"/>
               </a:ext>
             </a:extLst>
           </p:cNvPr>
@@ -8729,7 +8992,7 @@
           <a:p>
             <a:r>
               <a:rPr lang="de-CH" dirty="0"/>
-              <a:t>Cumulative BS/BB curve (per provenance/type)</a:t>
+              <a:t>Overlay BS &amp; BB data with temperature</a:t>
             </a:r>
             <a:endParaRPr lang="en-GB" dirty="0"/>
           </a:p>
@@ -8740,7 +9003,7 @@
           <p:cNvPr id="3" name="Content Placeholder 2">
             <a:extLst>
               <a:ext uri="{FF2B5EF4-FFF2-40B4-BE49-F238E27FC236}">
-                <a16:creationId xmlns:a16="http://schemas.microsoft.com/office/drawing/2014/main" id="{3877EDF9-8919-0183-EBBC-47FDE664CADB}"/>
+                <a16:creationId xmlns:a16="http://schemas.microsoft.com/office/drawing/2014/main" id="{F6DB63F4-FC30-DECB-6678-B7E5BBA0AA7F}"/>
               </a:ext>
             </a:extLst>
           </p:cNvPr>
@@ -8763,7 +9026,7 @@
     </p:spTree>
     <p:extLst>
       <p:ext uri="{BB962C8B-B14F-4D97-AF65-F5344CB8AC3E}">
-        <p14:creationId xmlns:p14="http://schemas.microsoft.com/office/powerpoint/2010/main" val="4162262758"/>
+        <p14:creationId xmlns:p14="http://schemas.microsoft.com/office/powerpoint/2010/main" val="3635244816"/>
       </p:ext>
     </p:extLst>
   </p:cSld>
@@ -8795,7 +9058,7 @@
           <p:cNvPr id="2" name="Title 1">
             <a:extLst>
               <a:ext uri="{FF2B5EF4-FFF2-40B4-BE49-F238E27FC236}">
-                <a16:creationId xmlns:a16="http://schemas.microsoft.com/office/drawing/2014/main" id="{EF986BC2-00B2-FE0A-3FD2-8B3983EDDD41}"/>
+                <a16:creationId xmlns:a16="http://schemas.microsoft.com/office/drawing/2014/main" id="{8FEE9FEA-9B3E-6A9F-C090-44E2DA4F43D8}"/>
               </a:ext>
             </a:extLst>
           </p:cNvPr>
@@ -8806,254 +9069,48 @@
             <p:ph type="title"/>
           </p:nvPr>
         </p:nvSpPr>
-        <p:spPr>
-          <a:xfrm>
-            <a:off x="215900" y="215900"/>
-            <a:ext cx="9875520" cy="1356360"/>
-          </a:xfrm>
-        </p:spPr>
+        <p:spPr/>
         <p:txBody>
           <a:bodyPr/>
           <a:lstStyle/>
           <a:p>
             <a:r>
               <a:rPr lang="de-CH" dirty="0"/>
-              <a:t>Budset &amp; Budburst - Provenance</a:t>
+              <a:t>Cumulative BS/BB curve (per provenance/type)</a:t>
             </a:r>
             <a:endParaRPr lang="en-GB" dirty="0"/>
           </a:p>
         </p:txBody>
       </p:sp>
-      <p:pic>
-        <p:nvPicPr>
-          <p:cNvPr id="5" name="Content Placeholder 4" descr="A graph of a graph&#10;&#10;AI-generated content may be incorrect.">
+      <p:sp>
+        <p:nvSpPr>
+          <p:cNvPr id="3" name="Content Placeholder 2">
             <a:extLst>
               <a:ext uri="{FF2B5EF4-FFF2-40B4-BE49-F238E27FC236}">
-                <a16:creationId xmlns:a16="http://schemas.microsoft.com/office/drawing/2014/main" id="{9E7923FB-1127-0B4E-8720-F56777E2285D}"/>
+                <a16:creationId xmlns:a16="http://schemas.microsoft.com/office/drawing/2014/main" id="{3877EDF9-8919-0183-EBBC-47FDE664CADB}"/>
               </a:ext>
             </a:extLst>
           </p:cNvPr>
-          <p:cNvPicPr>
-            <a:picLocks noGrp="1" noChangeAspect="1"/>
-          </p:cNvPicPr>
+          <p:cNvSpPr>
+            <a:spLocks noGrp="1"/>
+          </p:cNvSpPr>
           <p:nvPr>
             <p:ph idx="1"/>
           </p:nvPr>
-        </p:nvPicPr>
-        <p:blipFill>
-          <a:blip r:embed="rId3">
-            <a:extLst>
-              <a:ext uri="{28A0092B-C50C-407E-A947-70E740481C1C}">
-                <a14:useLocalDpi xmlns:a14="http://schemas.microsoft.com/office/drawing/2010/main" val="0"/>
-              </a:ext>
-            </a:extLst>
-          </a:blip>
-          <a:stretch>
-            <a:fillRect/>
-          </a:stretch>
-        </p:blipFill>
-        <p:spPr>
-          <a:xfrm>
-            <a:off x="1818655" y="1294466"/>
-            <a:ext cx="8554689" cy="5309534"/>
-          </a:xfrm>
-        </p:spPr>
-      </p:pic>
-      <p:cxnSp>
-        <p:nvCxnSpPr>
-          <p:cNvPr id="7" name="Straight Arrow Connector 6">
-            <a:extLst>
-              <a:ext uri="{FF2B5EF4-FFF2-40B4-BE49-F238E27FC236}">
-                <a16:creationId xmlns:a16="http://schemas.microsoft.com/office/drawing/2014/main" id="{25D74AA0-35DD-764B-F3C0-5ECE2236E1C8}"/>
-              </a:ext>
-            </a:extLst>
-          </p:cNvPr>
-          <p:cNvCxnSpPr>
-            <a:cxnSpLocks/>
-          </p:cNvCxnSpPr>
-          <p:nvPr/>
-        </p:nvCxnSpPr>
-        <p:spPr>
-          <a:xfrm flipH="1">
-            <a:off x="8775700" y="3111500"/>
-            <a:ext cx="1701800" cy="244733"/>
-          </a:xfrm>
-          <a:prstGeom prst="straightConnector1">
-            <a:avLst/>
-          </a:prstGeom>
-          <a:ln>
-            <a:tailEnd type="triangle"/>
-          </a:ln>
-        </p:spPr>
-        <p:style>
-          <a:lnRef idx="1">
-            <a:schemeClr val="accent1"/>
-          </a:lnRef>
-          <a:fillRef idx="0">
-            <a:schemeClr val="accent1"/>
-          </a:fillRef>
-          <a:effectRef idx="0">
-            <a:schemeClr val="accent1"/>
-          </a:effectRef>
-          <a:fontRef idx="minor">
-            <a:schemeClr val="tx1"/>
-          </a:fontRef>
-        </p:style>
-      </p:cxnSp>
-      <p:sp>
-        <p:nvSpPr>
-          <p:cNvPr id="10" name="TextBox 9">
-            <a:extLst>
-              <a:ext uri="{FF2B5EF4-FFF2-40B4-BE49-F238E27FC236}">
-                <a16:creationId xmlns:a16="http://schemas.microsoft.com/office/drawing/2014/main" id="{AFE8A3AE-E1B6-A94E-7C86-528849D7B52B}"/>
-              </a:ext>
-            </a:extLst>
-          </p:cNvPr>
-          <p:cNvSpPr txBox="1"/>
-          <p:nvPr/>
-        </p:nvSpPr>
-        <p:spPr>
-          <a:xfrm>
-            <a:off x="10477500" y="2833132"/>
-            <a:ext cx="1130299" cy="369332"/>
-          </a:xfrm>
-          <a:prstGeom prst="rect">
-            <a:avLst/>
-          </a:prstGeom>
-          <a:noFill/>
-        </p:spPr>
-        <p:txBody>
-          <a:bodyPr wrap="square" rtlCol="0">
-            <a:spAutoFit/>
-          </a:bodyPr>
-          <a:lstStyle/>
-          <a:p>
-            <a:r>
-              <a:rPr lang="de-CH" dirty="0"/>
-              <a:t>Budburst</a:t>
-            </a:r>
-            <a:endParaRPr lang="en-GB" dirty="0"/>
-          </a:p>
-        </p:txBody>
-      </p:sp>
-      <p:cxnSp>
-        <p:nvCxnSpPr>
-          <p:cNvPr id="11" name="Straight Arrow Connector 10">
-            <a:extLst>
-              <a:ext uri="{FF2B5EF4-FFF2-40B4-BE49-F238E27FC236}">
-                <a16:creationId xmlns:a16="http://schemas.microsoft.com/office/drawing/2014/main" id="{F9E2F8F7-A542-4D12-3444-9EE948B6280A}"/>
-              </a:ext>
-            </a:extLst>
-          </p:cNvPr>
-          <p:cNvCxnSpPr>
-            <a:cxnSpLocks/>
-            <a:stCxn id="12" idx="1"/>
-          </p:cNvCxnSpPr>
-          <p:nvPr/>
-        </p:nvCxnSpPr>
-        <p:spPr>
-          <a:xfrm flipH="1">
-            <a:off x="7124700" y="4980116"/>
-            <a:ext cx="3352800" cy="620584"/>
-          </a:xfrm>
-          <a:prstGeom prst="straightConnector1">
-            <a:avLst/>
-          </a:prstGeom>
-          <a:ln>
-            <a:tailEnd type="triangle"/>
-          </a:ln>
-        </p:spPr>
-        <p:style>
-          <a:lnRef idx="1">
-            <a:schemeClr val="accent1"/>
-          </a:lnRef>
-          <a:fillRef idx="0">
-            <a:schemeClr val="accent1"/>
-          </a:fillRef>
-          <a:effectRef idx="0">
-            <a:schemeClr val="accent1"/>
-          </a:effectRef>
-          <a:fontRef idx="minor">
-            <a:schemeClr val="tx1"/>
-          </a:fontRef>
-        </p:style>
-      </p:cxnSp>
-      <p:sp>
-        <p:nvSpPr>
-          <p:cNvPr id="12" name="TextBox 11">
-            <a:extLst>
-              <a:ext uri="{FF2B5EF4-FFF2-40B4-BE49-F238E27FC236}">
-                <a16:creationId xmlns:a16="http://schemas.microsoft.com/office/drawing/2014/main" id="{A9FC8493-0AD6-BDCD-FA4F-8FDE947FB7F5}"/>
-              </a:ext>
-            </a:extLst>
-          </p:cNvPr>
-          <p:cNvSpPr txBox="1"/>
-          <p:nvPr/>
-        </p:nvSpPr>
-        <p:spPr>
-          <a:xfrm>
-            <a:off x="10477500" y="4795450"/>
-            <a:ext cx="1130299" cy="369332"/>
-          </a:xfrm>
-          <a:prstGeom prst="rect">
-            <a:avLst/>
-          </a:prstGeom>
-          <a:noFill/>
-        </p:spPr>
-        <p:txBody>
-          <a:bodyPr wrap="square" rtlCol="0">
-            <a:spAutoFit/>
-          </a:bodyPr>
-          <a:lstStyle/>
-          <a:p>
-            <a:r>
-              <a:rPr lang="de-CH" dirty="0"/>
-              <a:t>Budset</a:t>
-            </a:r>
-            <a:endParaRPr lang="en-GB" dirty="0"/>
-          </a:p>
-        </p:txBody>
-      </p:sp>
-      <p:sp>
-        <p:nvSpPr>
-          <p:cNvPr id="17" name="TextBox 16">
-            <a:extLst>
-              <a:ext uri="{FF2B5EF4-FFF2-40B4-BE49-F238E27FC236}">
-                <a16:creationId xmlns:a16="http://schemas.microsoft.com/office/drawing/2014/main" id="{CEF2B93A-CB40-DAF3-E74D-8368928952C9}"/>
-              </a:ext>
-            </a:extLst>
-          </p:cNvPr>
-          <p:cNvSpPr txBox="1"/>
-          <p:nvPr/>
-        </p:nvSpPr>
-        <p:spPr>
-          <a:xfrm>
-            <a:off x="9626600" y="432018"/>
-            <a:ext cx="2247900" cy="646331"/>
-          </a:xfrm>
-          <a:prstGeom prst="rect">
-            <a:avLst/>
-          </a:prstGeom>
-          <a:noFill/>
-        </p:spPr>
-        <p:txBody>
-          <a:bodyPr wrap="square" rtlCol="0">
-            <a:spAutoFit/>
-          </a:bodyPr>
-          <a:lstStyle/>
-          <a:p>
-            <a:r>
-              <a:rPr lang="de-CH" dirty="0"/>
-              <a:t>Origin date (planting date) = 20/06/2023</a:t>
-            </a:r>
-            <a:endParaRPr lang="en-GB" dirty="0"/>
+        </p:nvSpPr>
+        <p:spPr/>
+        <p:txBody>
+          <a:bodyPr/>
+          <a:lstStyle/>
+          <a:p>
+            <a:endParaRPr lang="en-GB"/>
           </a:p>
         </p:txBody>
       </p:sp>
     </p:spTree>
     <p:extLst>
       <p:ext uri="{BB962C8B-B14F-4D97-AF65-F5344CB8AC3E}">
-        <p14:creationId xmlns:p14="http://schemas.microsoft.com/office/powerpoint/2010/main" val="232684958"/>
+        <p14:creationId xmlns:p14="http://schemas.microsoft.com/office/powerpoint/2010/main" val="4162262758"/>
       </p:ext>
     </p:extLst>
   </p:cSld>
@@ -9080,6 +9137,296 @@
           <a:chExt cx="0" cy="0"/>
         </a:xfrm>
       </p:grpSpPr>
+      <p:sp>
+        <p:nvSpPr>
+          <p:cNvPr id="2" name="Title 1">
+            <a:extLst>
+              <a:ext uri="{FF2B5EF4-FFF2-40B4-BE49-F238E27FC236}">
+                <a16:creationId xmlns:a16="http://schemas.microsoft.com/office/drawing/2014/main" id="{EF986BC2-00B2-FE0A-3FD2-8B3983EDDD41}"/>
+              </a:ext>
+            </a:extLst>
+          </p:cNvPr>
+          <p:cNvSpPr>
+            <a:spLocks noGrp="1"/>
+          </p:cNvSpPr>
+          <p:nvPr>
+            <p:ph type="title"/>
+          </p:nvPr>
+        </p:nvSpPr>
+        <p:spPr>
+          <a:xfrm>
+            <a:off x="215900" y="215900"/>
+            <a:ext cx="9875520" cy="1356360"/>
+          </a:xfrm>
+        </p:spPr>
+        <p:txBody>
+          <a:bodyPr/>
+          <a:lstStyle/>
+          <a:p>
+            <a:r>
+              <a:rPr lang="de-CH" dirty="0"/>
+              <a:t>Budset &amp; Budburst - Provenance</a:t>
+            </a:r>
+            <a:endParaRPr lang="en-GB" dirty="0"/>
+          </a:p>
+        </p:txBody>
+      </p:sp>
+      <p:pic>
+        <p:nvPicPr>
+          <p:cNvPr id="5" name="Content Placeholder 4" descr="A graph of a graph&#10;&#10;AI-generated content may be incorrect.">
+            <a:extLst>
+              <a:ext uri="{FF2B5EF4-FFF2-40B4-BE49-F238E27FC236}">
+                <a16:creationId xmlns:a16="http://schemas.microsoft.com/office/drawing/2014/main" id="{9E7923FB-1127-0B4E-8720-F56777E2285D}"/>
+              </a:ext>
+            </a:extLst>
+          </p:cNvPr>
+          <p:cNvPicPr>
+            <a:picLocks noGrp="1" noChangeAspect="1"/>
+          </p:cNvPicPr>
+          <p:nvPr>
+            <p:ph idx="1"/>
+          </p:nvPr>
+        </p:nvPicPr>
+        <p:blipFill>
+          <a:blip r:embed="rId3">
+            <a:extLst>
+              <a:ext uri="{28A0092B-C50C-407E-A947-70E740481C1C}">
+                <a14:useLocalDpi xmlns:a14="http://schemas.microsoft.com/office/drawing/2010/main" val="0"/>
+              </a:ext>
+            </a:extLst>
+          </a:blip>
+          <a:stretch>
+            <a:fillRect/>
+          </a:stretch>
+        </p:blipFill>
+        <p:spPr>
+          <a:xfrm>
+            <a:off x="1818655" y="1294466"/>
+            <a:ext cx="8554689" cy="5309534"/>
+          </a:xfrm>
+        </p:spPr>
+      </p:pic>
+      <p:cxnSp>
+        <p:nvCxnSpPr>
+          <p:cNvPr id="7" name="Straight Arrow Connector 6">
+            <a:extLst>
+              <a:ext uri="{FF2B5EF4-FFF2-40B4-BE49-F238E27FC236}">
+                <a16:creationId xmlns:a16="http://schemas.microsoft.com/office/drawing/2014/main" id="{25D74AA0-35DD-764B-F3C0-5ECE2236E1C8}"/>
+              </a:ext>
+            </a:extLst>
+          </p:cNvPr>
+          <p:cNvCxnSpPr>
+            <a:cxnSpLocks/>
+          </p:cNvCxnSpPr>
+          <p:nvPr/>
+        </p:nvCxnSpPr>
+        <p:spPr>
+          <a:xfrm flipH="1">
+            <a:off x="8775700" y="3111500"/>
+            <a:ext cx="1701800" cy="244733"/>
+          </a:xfrm>
+          <a:prstGeom prst="straightConnector1">
+            <a:avLst/>
+          </a:prstGeom>
+          <a:ln>
+            <a:tailEnd type="triangle"/>
+          </a:ln>
+        </p:spPr>
+        <p:style>
+          <a:lnRef idx="1">
+            <a:schemeClr val="accent1"/>
+          </a:lnRef>
+          <a:fillRef idx="0">
+            <a:schemeClr val="accent1"/>
+          </a:fillRef>
+          <a:effectRef idx="0">
+            <a:schemeClr val="accent1"/>
+          </a:effectRef>
+          <a:fontRef idx="minor">
+            <a:schemeClr val="tx1"/>
+          </a:fontRef>
+        </p:style>
+      </p:cxnSp>
+      <p:sp>
+        <p:nvSpPr>
+          <p:cNvPr id="10" name="TextBox 9">
+            <a:extLst>
+              <a:ext uri="{FF2B5EF4-FFF2-40B4-BE49-F238E27FC236}">
+                <a16:creationId xmlns:a16="http://schemas.microsoft.com/office/drawing/2014/main" id="{AFE8A3AE-E1B6-A94E-7C86-528849D7B52B}"/>
+              </a:ext>
+            </a:extLst>
+          </p:cNvPr>
+          <p:cNvSpPr txBox="1"/>
+          <p:nvPr/>
+        </p:nvSpPr>
+        <p:spPr>
+          <a:xfrm>
+            <a:off x="10477500" y="2833132"/>
+            <a:ext cx="1130299" cy="369332"/>
+          </a:xfrm>
+          <a:prstGeom prst="rect">
+            <a:avLst/>
+          </a:prstGeom>
+          <a:noFill/>
+        </p:spPr>
+        <p:txBody>
+          <a:bodyPr wrap="square" rtlCol="0">
+            <a:spAutoFit/>
+          </a:bodyPr>
+          <a:lstStyle/>
+          <a:p>
+            <a:r>
+              <a:rPr lang="de-CH" dirty="0"/>
+              <a:t>Budburst</a:t>
+            </a:r>
+            <a:endParaRPr lang="en-GB" dirty="0"/>
+          </a:p>
+        </p:txBody>
+      </p:sp>
+      <p:cxnSp>
+        <p:nvCxnSpPr>
+          <p:cNvPr id="11" name="Straight Arrow Connector 10">
+            <a:extLst>
+              <a:ext uri="{FF2B5EF4-FFF2-40B4-BE49-F238E27FC236}">
+                <a16:creationId xmlns:a16="http://schemas.microsoft.com/office/drawing/2014/main" id="{F9E2F8F7-A542-4D12-3444-9EE948B6280A}"/>
+              </a:ext>
+            </a:extLst>
+          </p:cNvPr>
+          <p:cNvCxnSpPr>
+            <a:cxnSpLocks/>
+            <a:stCxn id="12" idx="1"/>
+          </p:cNvCxnSpPr>
+          <p:nvPr/>
+        </p:nvCxnSpPr>
+        <p:spPr>
+          <a:xfrm flipH="1">
+            <a:off x="7124700" y="4980116"/>
+            <a:ext cx="3352800" cy="620584"/>
+          </a:xfrm>
+          <a:prstGeom prst="straightConnector1">
+            <a:avLst/>
+          </a:prstGeom>
+          <a:ln>
+            <a:tailEnd type="triangle"/>
+          </a:ln>
+        </p:spPr>
+        <p:style>
+          <a:lnRef idx="1">
+            <a:schemeClr val="accent1"/>
+          </a:lnRef>
+          <a:fillRef idx="0">
+            <a:schemeClr val="accent1"/>
+          </a:fillRef>
+          <a:effectRef idx="0">
+            <a:schemeClr val="accent1"/>
+          </a:effectRef>
+          <a:fontRef idx="minor">
+            <a:schemeClr val="tx1"/>
+          </a:fontRef>
+        </p:style>
+      </p:cxnSp>
+      <p:sp>
+        <p:nvSpPr>
+          <p:cNvPr id="12" name="TextBox 11">
+            <a:extLst>
+              <a:ext uri="{FF2B5EF4-FFF2-40B4-BE49-F238E27FC236}">
+                <a16:creationId xmlns:a16="http://schemas.microsoft.com/office/drawing/2014/main" id="{A9FC8493-0AD6-BDCD-FA4F-8FDE947FB7F5}"/>
+              </a:ext>
+            </a:extLst>
+          </p:cNvPr>
+          <p:cNvSpPr txBox="1"/>
+          <p:nvPr/>
+        </p:nvSpPr>
+        <p:spPr>
+          <a:xfrm>
+            <a:off x="10477500" y="4795450"/>
+            <a:ext cx="1130299" cy="369332"/>
+          </a:xfrm>
+          <a:prstGeom prst="rect">
+            <a:avLst/>
+          </a:prstGeom>
+          <a:noFill/>
+        </p:spPr>
+        <p:txBody>
+          <a:bodyPr wrap="square" rtlCol="0">
+            <a:spAutoFit/>
+          </a:bodyPr>
+          <a:lstStyle/>
+          <a:p>
+            <a:r>
+              <a:rPr lang="de-CH" dirty="0"/>
+              <a:t>Budset</a:t>
+            </a:r>
+            <a:endParaRPr lang="en-GB" dirty="0"/>
+          </a:p>
+        </p:txBody>
+      </p:sp>
+      <p:sp>
+        <p:nvSpPr>
+          <p:cNvPr id="17" name="TextBox 16">
+            <a:extLst>
+              <a:ext uri="{FF2B5EF4-FFF2-40B4-BE49-F238E27FC236}">
+                <a16:creationId xmlns:a16="http://schemas.microsoft.com/office/drawing/2014/main" id="{CEF2B93A-CB40-DAF3-E74D-8368928952C9}"/>
+              </a:ext>
+            </a:extLst>
+          </p:cNvPr>
+          <p:cNvSpPr txBox="1"/>
+          <p:nvPr/>
+        </p:nvSpPr>
+        <p:spPr>
+          <a:xfrm>
+            <a:off x="9626600" y="432018"/>
+            <a:ext cx="2247900" cy="646331"/>
+          </a:xfrm>
+          <a:prstGeom prst="rect">
+            <a:avLst/>
+          </a:prstGeom>
+          <a:noFill/>
+        </p:spPr>
+        <p:txBody>
+          <a:bodyPr wrap="square" rtlCol="0">
+            <a:spAutoFit/>
+          </a:bodyPr>
+          <a:lstStyle/>
+          <a:p>
+            <a:r>
+              <a:rPr lang="de-CH" dirty="0"/>
+              <a:t>Origin date (planting date) = 20/06/2023</a:t>
+            </a:r>
+            <a:endParaRPr lang="en-GB" dirty="0"/>
+          </a:p>
+        </p:txBody>
+      </p:sp>
+    </p:spTree>
+    <p:extLst>
+      <p:ext uri="{BB962C8B-B14F-4D97-AF65-F5344CB8AC3E}">
+        <p14:creationId xmlns:p14="http://schemas.microsoft.com/office/powerpoint/2010/main" val="232684958"/>
+      </p:ext>
+    </p:extLst>
+  </p:cSld>
+  <p:clrMapOvr>
+    <a:masterClrMapping/>
+  </p:clrMapOvr>
+</p:sld>
+</file>
+
+<file path=ppt/slides/slide29.xml><?xml version="1.0" encoding="utf-8"?>
+<p:sld xmlns:a="http://schemas.openxmlformats.org/drawingml/2006/main" xmlns:r="http://schemas.openxmlformats.org/officeDocument/2006/relationships" xmlns:p="http://schemas.openxmlformats.org/presentationml/2006/main">
+  <p:cSld>
+    <p:spTree>
+      <p:nvGrpSpPr>
+        <p:cNvPr id="1" name=""/>
+        <p:cNvGrpSpPr/>
+        <p:nvPr/>
+      </p:nvGrpSpPr>
+      <p:grpSpPr>
+        <a:xfrm>
+          <a:off x="0" y="0"/>
+          <a:ext cx="0" cy="0"/>
+          <a:chOff x="0" y="0"/>
+          <a:chExt cx="0" cy="0"/>
+        </a:xfrm>
+      </p:grpSpPr>
       <p:pic>
         <p:nvPicPr>
           <p:cNvPr id="6" name="Content Placeholder 5" descr="A graph with lines and numbers&#10;&#10;AI-generated content may be incorrect.">
@@ -9162,7 +9509,91 @@
 </p:sld>
 </file>
 
-<file path=ppt/slides/slide29.xml><?xml version="1.0" encoding="utf-8"?>
+<file path=ppt/slides/slide3.xml><?xml version="1.0" encoding="utf-8"?>
+<p:sld xmlns:a="http://schemas.openxmlformats.org/drawingml/2006/main" xmlns:r="http://schemas.openxmlformats.org/officeDocument/2006/relationships" xmlns:p="http://schemas.openxmlformats.org/presentationml/2006/main">
+  <p:cSld>
+    <p:spTree>
+      <p:nvGrpSpPr>
+        <p:cNvPr id="1" name=""/>
+        <p:cNvGrpSpPr/>
+        <p:nvPr/>
+      </p:nvGrpSpPr>
+      <p:grpSpPr>
+        <a:xfrm>
+          <a:off x="0" y="0"/>
+          <a:ext cx="0" cy="0"/>
+          <a:chOff x="0" y="0"/>
+          <a:chExt cx="0" cy="0"/>
+        </a:xfrm>
+      </p:grpSpPr>
+      <p:sp>
+        <p:nvSpPr>
+          <p:cNvPr id="2" name="Title 1">
+            <a:extLst>
+              <a:ext uri="{FF2B5EF4-FFF2-40B4-BE49-F238E27FC236}">
+                <a16:creationId xmlns:a16="http://schemas.microsoft.com/office/drawing/2014/main" id="{00CF54C3-63C1-3F02-8A60-6328BB58EECF}"/>
+              </a:ext>
+            </a:extLst>
+          </p:cNvPr>
+          <p:cNvSpPr>
+            <a:spLocks noGrp="1"/>
+          </p:cNvSpPr>
+          <p:nvPr>
+            <p:ph type="title"/>
+          </p:nvPr>
+        </p:nvSpPr>
+        <p:spPr/>
+        <p:txBody>
+          <a:bodyPr/>
+          <a:lstStyle/>
+          <a:p>
+            <a:r>
+              <a:rPr lang="de-CH" dirty="0"/>
+              <a:t>How many families in each type &amp; provenance?</a:t>
+            </a:r>
+            <a:endParaRPr lang="en-GB" dirty="0"/>
+          </a:p>
+        </p:txBody>
+      </p:sp>
+      <p:sp>
+        <p:nvSpPr>
+          <p:cNvPr id="3" name="Content Placeholder 2">
+            <a:extLst>
+              <a:ext uri="{FF2B5EF4-FFF2-40B4-BE49-F238E27FC236}">
+                <a16:creationId xmlns:a16="http://schemas.microsoft.com/office/drawing/2014/main" id="{8F0518EC-B1B3-C3A8-B6A5-FCDA5A152EB4}"/>
+              </a:ext>
+            </a:extLst>
+          </p:cNvPr>
+          <p:cNvSpPr>
+            <a:spLocks noGrp="1"/>
+          </p:cNvSpPr>
+          <p:nvPr>
+            <p:ph idx="1"/>
+          </p:nvPr>
+        </p:nvSpPr>
+        <p:spPr/>
+        <p:txBody>
+          <a:bodyPr/>
+          <a:lstStyle/>
+          <a:p>
+            <a:endParaRPr lang="en-GB"/>
+          </a:p>
+        </p:txBody>
+      </p:sp>
+    </p:spTree>
+    <p:extLst>
+      <p:ext uri="{BB962C8B-B14F-4D97-AF65-F5344CB8AC3E}">
+        <p14:creationId xmlns:p14="http://schemas.microsoft.com/office/powerpoint/2010/main" val="1156399153"/>
+      </p:ext>
+    </p:extLst>
+  </p:cSld>
+  <p:clrMapOvr>
+    <a:masterClrMapping/>
+  </p:clrMapOvr>
+</p:sld>
+</file>
+
+<file path=ppt/slides/slide30.xml><?xml version="1.0" encoding="utf-8"?>
 <p:sld xmlns:a="http://schemas.openxmlformats.org/drawingml/2006/main" xmlns:r="http://schemas.openxmlformats.org/officeDocument/2006/relationships" xmlns:p="http://schemas.openxmlformats.org/presentationml/2006/main">
   <p:cSld>
     <p:spTree>
@@ -9720,7 +10151,7 @@
 </p:sld>
 </file>
 
-<file path=ppt/slides/slide3.xml><?xml version="1.0" encoding="utf-8"?>
+<file path=ppt/slides/slide31.xml><?xml version="1.0" encoding="utf-8"?>
 <p:sld xmlns:a="http://schemas.openxmlformats.org/drawingml/2006/main" xmlns:r="http://schemas.openxmlformats.org/officeDocument/2006/relationships" xmlns:p="http://schemas.openxmlformats.org/presentationml/2006/main">
   <p:cSld>
     <p:spTree>
@@ -9742,90 +10173,6 @@
           <p:cNvPr id="2" name="Title 1">
             <a:extLst>
               <a:ext uri="{FF2B5EF4-FFF2-40B4-BE49-F238E27FC236}">
-                <a16:creationId xmlns:a16="http://schemas.microsoft.com/office/drawing/2014/main" id="{00CF54C3-63C1-3F02-8A60-6328BB58EECF}"/>
-              </a:ext>
-            </a:extLst>
-          </p:cNvPr>
-          <p:cNvSpPr>
-            <a:spLocks noGrp="1"/>
-          </p:cNvSpPr>
-          <p:nvPr>
-            <p:ph type="title"/>
-          </p:nvPr>
-        </p:nvSpPr>
-        <p:spPr/>
-        <p:txBody>
-          <a:bodyPr/>
-          <a:lstStyle/>
-          <a:p>
-            <a:r>
-              <a:rPr lang="de-CH" dirty="0"/>
-              <a:t>How many families in each type &amp; provenance?</a:t>
-            </a:r>
-            <a:endParaRPr lang="en-GB" dirty="0"/>
-          </a:p>
-        </p:txBody>
-      </p:sp>
-      <p:sp>
-        <p:nvSpPr>
-          <p:cNvPr id="3" name="Content Placeholder 2">
-            <a:extLst>
-              <a:ext uri="{FF2B5EF4-FFF2-40B4-BE49-F238E27FC236}">
-                <a16:creationId xmlns:a16="http://schemas.microsoft.com/office/drawing/2014/main" id="{8F0518EC-B1B3-C3A8-B6A5-FCDA5A152EB4}"/>
-              </a:ext>
-            </a:extLst>
-          </p:cNvPr>
-          <p:cNvSpPr>
-            <a:spLocks noGrp="1"/>
-          </p:cNvSpPr>
-          <p:nvPr>
-            <p:ph idx="1"/>
-          </p:nvPr>
-        </p:nvSpPr>
-        <p:spPr/>
-        <p:txBody>
-          <a:bodyPr/>
-          <a:lstStyle/>
-          <a:p>
-            <a:endParaRPr lang="en-GB"/>
-          </a:p>
-        </p:txBody>
-      </p:sp>
-    </p:spTree>
-    <p:extLst>
-      <p:ext uri="{BB962C8B-B14F-4D97-AF65-F5344CB8AC3E}">
-        <p14:creationId xmlns:p14="http://schemas.microsoft.com/office/powerpoint/2010/main" val="1156399153"/>
-      </p:ext>
-    </p:extLst>
-  </p:cSld>
-  <p:clrMapOvr>
-    <a:masterClrMapping/>
-  </p:clrMapOvr>
-</p:sld>
-</file>
-
-<file path=ppt/slides/slide30.xml><?xml version="1.0" encoding="utf-8"?>
-<p:sld xmlns:a="http://schemas.openxmlformats.org/drawingml/2006/main" xmlns:r="http://schemas.openxmlformats.org/officeDocument/2006/relationships" xmlns:p="http://schemas.openxmlformats.org/presentationml/2006/main">
-  <p:cSld>
-    <p:spTree>
-      <p:nvGrpSpPr>
-        <p:cNvPr id="1" name=""/>
-        <p:cNvGrpSpPr/>
-        <p:nvPr/>
-      </p:nvGrpSpPr>
-      <p:grpSpPr>
-        <a:xfrm>
-          <a:off x="0" y="0"/>
-          <a:ext cx="0" cy="0"/>
-          <a:chOff x="0" y="0"/>
-          <a:chExt cx="0" cy="0"/>
-        </a:xfrm>
-      </p:grpSpPr>
-      <p:sp>
-        <p:nvSpPr>
-          <p:cNvPr id="2" name="Title 1">
-            <a:extLst>
-              <a:ext uri="{FF2B5EF4-FFF2-40B4-BE49-F238E27FC236}">
                 <a16:creationId xmlns:a16="http://schemas.microsoft.com/office/drawing/2014/main" id="{7B8526B4-C28B-9F40-11FC-0C82F8F92148}"/>
               </a:ext>
             </a:extLst>
@@ -9926,7 +10273,7 @@
 </p:sld>
 </file>
 
-<file path=ppt/slides/slide31.xml><?xml version="1.0" encoding="utf-8"?>
+<file path=ppt/slides/slide32.xml><?xml version="1.0" encoding="utf-8"?>
 <p:sld xmlns:a="http://schemas.openxmlformats.org/drawingml/2006/main" xmlns:r="http://schemas.openxmlformats.org/officeDocument/2006/relationships" xmlns:p="http://schemas.openxmlformats.org/presentationml/2006/main">
   <p:cSld>
     <p:spTree>

--- a/RapidAdaptation_DataExploration.pptx
+++ b/RapidAdaptation_DataExploration.pptx
@@ -149,7 +149,7 @@
 <file path=ppt/revisionInfo.xml><?xml version="1.0" encoding="utf-8"?>
 <p1510:revInfo xmlns:a="http://schemas.openxmlformats.org/drawingml/2006/main" xmlns:r="http://schemas.openxmlformats.org/officeDocument/2006/relationships" xmlns:p1510="http://schemas.microsoft.com/office/powerpoint/2015/10/main">
   <p1510:revLst>
-    <p1510:client id="{14F8172B-23CC-43AF-8874-FD0289D90325}" v="11" dt="2026-01-20T10:03:07.877"/>
+    <p1510:client id="{14F8172B-23CC-43AF-8874-FD0289D90325}" v="12" dt="2026-01-20T14:49:49.974"/>
   </p1510:revLst>
 </p1510:revInfo>
 </file>
@@ -1231,7 +1231,7 @@
   <pc:docChgLst>
     <pc:chgData name="Luisa Dickenmann" userId="0c0840b0-1ae7-42c8-98b5-b02d8f71a603" providerId="ADAL" clId="{14F8172B-23CC-43AF-8874-FD0289D90325}"/>
     <pc:docChg chg="undo custSel addSld modSld">
-      <pc:chgData name="Luisa Dickenmann" userId="0c0840b0-1ae7-42c8-98b5-b02d8f71a603" providerId="ADAL" clId="{14F8172B-23CC-43AF-8874-FD0289D90325}" dt="2026-01-20T10:03:38.989" v="497" actId="14100"/>
+      <pc:chgData name="Luisa Dickenmann" userId="0c0840b0-1ae7-42c8-98b5-b02d8f71a603" providerId="ADAL" clId="{14F8172B-23CC-43AF-8874-FD0289D90325}" dt="2026-01-20T14:50:23.208" v="512" actId="14100"/>
       <pc:docMkLst>
         <pc:docMk/>
       </pc:docMkLst>
@@ -1328,6 +1328,69 @@
             <ac:picMk id="14" creationId="{E7EA355A-0AE0-3FC7-425D-CC8AF30BA613}"/>
           </ac:picMkLst>
         </pc:picChg>
+      </pc:sldChg>
+      <pc:sldChg chg="addSp delSp modSp mod setBg">
+        <pc:chgData name="Luisa Dickenmann" userId="0c0840b0-1ae7-42c8-98b5-b02d8f71a603" providerId="ADAL" clId="{14F8172B-23CC-43AF-8874-FD0289D90325}" dt="2026-01-20T14:50:23.208" v="512" actId="14100"/>
+        <pc:sldMkLst>
+          <pc:docMk/>
+          <pc:sldMk cId="3635244816" sldId="286"/>
+        </pc:sldMkLst>
+        <pc:spChg chg="mod">
+          <ac:chgData name="Luisa Dickenmann" userId="0c0840b0-1ae7-42c8-98b5-b02d8f71a603" providerId="ADAL" clId="{14F8172B-23CC-43AF-8874-FD0289D90325}" dt="2026-01-20T14:50:05.658" v="506" actId="1076"/>
+          <ac:spMkLst>
+            <pc:docMk/>
+            <pc:sldMk cId="3635244816" sldId="286"/>
+            <ac:spMk id="2" creationId="{7C06FE14-95D7-2C34-3B1C-7E62C27D5BD5}"/>
+          </ac:spMkLst>
+        </pc:spChg>
+        <pc:spChg chg="del">
+          <ac:chgData name="Luisa Dickenmann" userId="0c0840b0-1ae7-42c8-98b5-b02d8f71a603" providerId="ADAL" clId="{14F8172B-23CC-43AF-8874-FD0289D90325}" dt="2026-01-20T14:49:49.972" v="498" actId="931"/>
+          <ac:spMkLst>
+            <pc:docMk/>
+            <pc:sldMk cId="3635244816" sldId="286"/>
+            <ac:spMk id="3" creationId="{F6DB63F4-FC30-DECB-6678-B7E5BBA0AA7F}"/>
+          </ac:spMkLst>
+        </pc:spChg>
+        <pc:spChg chg="add del">
+          <ac:chgData name="Luisa Dickenmann" userId="0c0840b0-1ae7-42c8-98b5-b02d8f71a603" providerId="ADAL" clId="{14F8172B-23CC-43AF-8874-FD0289D90325}" dt="2026-01-20T14:49:56.067" v="502" actId="26606"/>
+          <ac:spMkLst>
+            <pc:docMk/>
+            <pc:sldMk cId="3635244816" sldId="286"/>
+            <ac:spMk id="10" creationId="{809C0BCD-BEE9-423F-A51C-BCCD8E5EAADA}"/>
+          </ac:spMkLst>
+        </pc:spChg>
+        <pc:spChg chg="add del">
+          <ac:chgData name="Luisa Dickenmann" userId="0c0840b0-1ae7-42c8-98b5-b02d8f71a603" providerId="ADAL" clId="{14F8172B-23CC-43AF-8874-FD0289D90325}" dt="2026-01-20T14:49:56.067" v="502" actId="26606"/>
+          <ac:spMkLst>
+            <pc:docMk/>
+            <pc:sldMk cId="3635244816" sldId="286"/>
+            <ac:spMk id="12" creationId="{9998D094-42B2-42BA-AA14-E8FBE073A5D8}"/>
+          </ac:spMkLst>
+        </pc:spChg>
+        <pc:picChg chg="add mod">
+          <ac:chgData name="Luisa Dickenmann" userId="0c0840b0-1ae7-42c8-98b5-b02d8f71a603" providerId="ADAL" clId="{14F8172B-23CC-43AF-8874-FD0289D90325}" dt="2026-01-20T14:50:23.208" v="512" actId="14100"/>
+          <ac:picMkLst>
+            <pc:docMk/>
+            <pc:sldMk cId="3635244816" sldId="286"/>
+            <ac:picMk id="5" creationId="{3F139967-5735-58E9-4965-3181F2DABA56}"/>
+          </ac:picMkLst>
+        </pc:picChg>
+        <pc:cxnChg chg="add del">
+          <ac:chgData name="Luisa Dickenmann" userId="0c0840b0-1ae7-42c8-98b5-b02d8f71a603" providerId="ADAL" clId="{14F8172B-23CC-43AF-8874-FD0289D90325}" dt="2026-01-20T14:49:56.067" v="502" actId="26606"/>
+          <ac:cxnSpMkLst>
+            <pc:docMk/>
+            <pc:sldMk cId="3635244816" sldId="286"/>
+            <ac:cxnSpMk id="14" creationId="{8465D64B-59F4-4BDC-B833-A17EF1E04697}"/>
+          </ac:cxnSpMkLst>
+        </pc:cxnChg>
+        <pc:cxnChg chg="add del">
+          <ac:chgData name="Luisa Dickenmann" userId="0c0840b0-1ae7-42c8-98b5-b02d8f71a603" providerId="ADAL" clId="{14F8172B-23CC-43AF-8874-FD0289D90325}" dt="2026-01-20T14:49:56.067" v="502" actId="26606"/>
+          <ac:cxnSpMkLst>
+            <pc:docMk/>
+            <pc:sldMk cId="3635244816" sldId="286"/>
+            <ac:cxnSpMk id="16" creationId="{63FED537-3AF1-4C36-9904-77B6A54D27B5}"/>
+          </ac:cxnSpMkLst>
+        </pc:cxnChg>
       </pc:sldChg>
       <pc:sldChg chg="addSp delSp modSp mod">
         <pc:chgData name="Luisa Dickenmann" userId="0c0840b0-1ae7-42c8-98b5-b02d8f71a603" providerId="ADAL" clId="{14F8172B-23CC-43AF-8874-FD0289D90325}" dt="2026-01-20T09:59:00.407" v="394" actId="20577"/>
@@ -8985,44 +9048,59 @@
             <p:ph type="title"/>
           </p:nvPr>
         </p:nvSpPr>
-        <p:spPr/>
+        <p:spPr>
+          <a:xfrm>
+            <a:off x="206829" y="83820"/>
+            <a:ext cx="9875520" cy="1356360"/>
+          </a:xfrm>
+        </p:spPr>
         <p:txBody>
           <a:bodyPr/>
           <a:lstStyle/>
           <a:p>
             <a:r>
               <a:rPr lang="de-CH" dirty="0"/>
-              <a:t>Overlay BS &amp; BB data with temperature</a:t>
+              <a:t>BS &amp; BB data with temperature</a:t>
             </a:r>
             <a:endParaRPr lang="en-GB" dirty="0"/>
           </a:p>
         </p:txBody>
       </p:sp>
-      <p:sp>
-        <p:nvSpPr>
-          <p:cNvPr id="3" name="Content Placeholder 2">
+      <p:pic>
+        <p:nvPicPr>
+          <p:cNvPr id="5" name="Content Placeholder 4">
             <a:extLst>
               <a:ext uri="{FF2B5EF4-FFF2-40B4-BE49-F238E27FC236}">
-                <a16:creationId xmlns:a16="http://schemas.microsoft.com/office/drawing/2014/main" id="{F6DB63F4-FC30-DECB-6678-B7E5BBA0AA7F}"/>
+                <a16:creationId xmlns:a16="http://schemas.microsoft.com/office/drawing/2014/main" id="{3F139967-5735-58E9-4965-3181F2DABA56}"/>
               </a:ext>
             </a:extLst>
           </p:cNvPr>
-          <p:cNvSpPr>
-            <a:spLocks noGrp="1"/>
-          </p:cNvSpPr>
+          <p:cNvPicPr>
+            <a:picLocks noGrp="1" noChangeAspect="1"/>
+          </p:cNvPicPr>
           <p:nvPr>
             <p:ph idx="1"/>
           </p:nvPr>
-        </p:nvSpPr>
-        <p:spPr/>
-        <p:txBody>
-          <a:bodyPr/>
-          <a:lstStyle/>
-          <a:p>
-            <a:endParaRPr lang="en-GB"/>
-          </a:p>
-        </p:txBody>
-      </p:sp>
+        </p:nvPicPr>
+        <p:blipFill>
+          <a:blip r:embed="rId2">
+            <a:extLst>
+              <a:ext uri="{28A0092B-C50C-407E-A947-70E740481C1C}">
+                <a14:useLocalDpi xmlns:a14="http://schemas.microsoft.com/office/drawing/2010/main" val="0"/>
+              </a:ext>
+            </a:extLst>
+          </a:blip>
+          <a:stretch>
+            <a:fillRect/>
+          </a:stretch>
+        </p:blipFill>
+        <p:spPr>
+          <a:xfrm>
+            <a:off x="326573" y="1165851"/>
+            <a:ext cx="11549741" cy="5267608"/>
+          </a:xfrm>
+        </p:spPr>
+      </p:pic>
     </p:spTree>
     <p:extLst>
       <p:ext uri="{BB962C8B-B14F-4D97-AF65-F5344CB8AC3E}">
